--- a/HW4 應用程式設計/說明.pptx
+++ b/HW4 應用程式設計/說明.pptx
@@ -5606,9 +5606,291 @@
         </p:nvSpPr>
         <p:spPr/>
         <p:txBody>
-          <a:bodyPr/>
+          <a:bodyPr>
+            <a:normAutofit fontScale="77500" lnSpcReduction="20000"/>
+          </a:bodyPr>
           <a:lstStyle/>
           <a:p>
+            <a:r>
+              <a:rPr lang="en-US" altLang="zh-TW" dirty="0"/>
+              <a:t>vector&lt;multiset&lt;</a:t>
+            </a:r>
+            <a:r>
+              <a:rPr lang="en-US" altLang="zh-TW" dirty="0" err="1"/>
+              <a:t>int</a:t>
+            </a:r>
+            <a:r>
+              <a:rPr lang="en-US" altLang="zh-TW" dirty="0"/>
+              <a:t>&gt;&gt; </a:t>
+            </a:r>
+            <a:r>
+              <a:rPr lang="en-US" altLang="zh-TW" dirty="0" smtClean="0"/>
+              <a:t>Groups</a:t>
+            </a:r>
+            <a:r>
+              <a:rPr lang="zh-TW" altLang="en-US" dirty="0" smtClean="0"/>
+              <a:t> 存輸入的</a:t>
+            </a:r>
+            <a:r>
+              <a:rPr lang="zh-TW" altLang="en-US" dirty="0"/>
+              <a:t>總</a:t>
+            </a:r>
+            <a:r>
+              <a:rPr lang="zh-TW" altLang="en-US" dirty="0" smtClean="0"/>
+              <a:t>群組，並用</a:t>
+            </a:r>
+            <a:r>
+              <a:rPr lang="en-US" altLang="zh-TW" dirty="0" smtClean="0"/>
+              <a:t>multiset</a:t>
+            </a:r>
+            <a:r>
+              <a:rPr lang="zh-TW" altLang="en-US" dirty="0" smtClean="0"/>
+              <a:t>維護一個有序的群組</a:t>
+            </a:r>
+            <a:endParaRPr lang="en-US" altLang="zh-TW" dirty="0"/>
+          </a:p>
+          <a:p>
+            <a:r>
+              <a:rPr lang="en-US" altLang="zh-TW" dirty="0"/>
+              <a:t>vector&lt;</a:t>
+            </a:r>
+            <a:r>
+              <a:rPr lang="en-US" altLang="zh-TW" dirty="0" err="1"/>
+              <a:t>int</a:t>
+            </a:r>
+            <a:r>
+              <a:rPr lang="en-US" altLang="zh-TW" dirty="0"/>
+              <a:t>&gt; graph[N</a:t>
+            </a:r>
+            <a:r>
+              <a:rPr lang="en-US" altLang="zh-TW" dirty="0" smtClean="0"/>
+              <a:t>]</a:t>
+            </a:r>
+            <a:r>
+              <a:rPr lang="zh-TW" altLang="en-US" dirty="0" smtClean="0"/>
+              <a:t> 存圖</a:t>
+            </a:r>
+            <a:endParaRPr lang="en-US" altLang="zh-TW" dirty="0"/>
+          </a:p>
+          <a:p>
+            <a:r>
+              <a:rPr lang="en-US" altLang="zh-TW" dirty="0"/>
+              <a:t>vector&lt;</a:t>
+            </a:r>
+            <a:r>
+              <a:rPr lang="en-US" altLang="zh-TW" dirty="0" err="1"/>
+              <a:t>int</a:t>
+            </a:r>
+            <a:r>
+              <a:rPr lang="en-US" altLang="zh-TW" dirty="0"/>
+              <a:t>&gt; </a:t>
+            </a:r>
+            <a:r>
+              <a:rPr lang="en-US" altLang="zh-TW" dirty="0" smtClean="0"/>
+              <a:t>dep</a:t>
+            </a:r>
+            <a:r>
+              <a:rPr lang="zh-TW" altLang="en-US" dirty="0" smtClean="0"/>
+              <a:t> 存每個點的深度</a:t>
+            </a:r>
+            <a:endParaRPr lang="en-US" altLang="zh-TW" dirty="0"/>
+          </a:p>
+          <a:p>
+            <a:r>
+              <a:rPr lang="en-US" altLang="zh-TW" dirty="0"/>
+              <a:t>vector&lt;bool&gt; </a:t>
+            </a:r>
+            <a:r>
+              <a:rPr lang="en-US" altLang="zh-TW" dirty="0" smtClean="0"/>
+              <a:t>vis</a:t>
+            </a:r>
+            <a:r>
+              <a:rPr lang="zh-TW" altLang="en-US" dirty="0" smtClean="0"/>
+              <a:t> 是否拜訪過陣列</a:t>
+            </a:r>
+            <a:endParaRPr lang="en-US" altLang="zh-TW" dirty="0"/>
+          </a:p>
+          <a:p>
+            <a:r>
+              <a:rPr lang="en-US" altLang="zh-TW" dirty="0"/>
+              <a:t>vector&lt;</a:t>
+            </a:r>
+            <a:r>
+              <a:rPr lang="en-US" altLang="zh-TW" dirty="0" err="1"/>
+              <a:t>int</a:t>
+            </a:r>
+            <a:r>
+              <a:rPr lang="en-US" altLang="zh-TW" dirty="0"/>
+              <a:t>&gt; </a:t>
+            </a:r>
+            <a:r>
+              <a:rPr lang="en-US" altLang="zh-TW" dirty="0" err="1" smtClean="0"/>
+              <a:t>nxt</a:t>
+            </a:r>
+            <a:r>
+              <a:rPr lang="zh-TW" altLang="en-US" dirty="0" smtClean="0"/>
+              <a:t> 每個點的下一個節點</a:t>
+            </a:r>
+            <a:endParaRPr lang="en-US" altLang="zh-TW" dirty="0" smtClean="0"/>
+          </a:p>
+          <a:p>
+            <a:r>
+              <a:rPr lang="en-US" altLang="zh-TW" dirty="0" smtClean="0"/>
+              <a:t>Lambda:</a:t>
+            </a:r>
+            <a:r>
+              <a:rPr lang="zh-TW" altLang="en-US" dirty="0" smtClean="0"/>
+              <a:t> 每個</a:t>
+            </a:r>
+            <a:r>
+              <a:rPr lang="en-US" altLang="zh-TW" dirty="0" smtClean="0"/>
+              <a:t>multiset</a:t>
+            </a:r>
+            <a:r>
+              <a:rPr lang="zh-TW" altLang="en-US" smtClean="0"/>
+              <a:t>元素進行比較</a:t>
+            </a:r>
+            <a:endParaRPr lang="en-US" altLang="zh-TW" dirty="0" smtClean="0"/>
+          </a:p>
+          <a:p>
+            <a:r>
+              <a:rPr lang="en-US" altLang="zh-TW" dirty="0"/>
+              <a:t>auto </a:t>
+            </a:r>
+            <a:r>
+              <a:rPr lang="en-US" altLang="zh-TW" dirty="0" err="1"/>
+              <a:t>group_compare</a:t>
+            </a:r>
+            <a:r>
+              <a:rPr lang="en-US" altLang="zh-TW" dirty="0"/>
+              <a:t> = [](</a:t>
+            </a:r>
+            <a:r>
+              <a:rPr lang="en-US" altLang="zh-TW" dirty="0" err="1"/>
+              <a:t>const</a:t>
+            </a:r>
+            <a:r>
+              <a:rPr lang="en-US" altLang="zh-TW" dirty="0"/>
+              <a:t> multiset&lt;</a:t>
+            </a:r>
+            <a:r>
+              <a:rPr lang="en-US" altLang="zh-TW" dirty="0" err="1"/>
+              <a:t>int</a:t>
+            </a:r>
+            <a:r>
+              <a:rPr lang="en-US" altLang="zh-TW" dirty="0"/>
+              <a:t>&gt; &amp;A, </a:t>
+            </a:r>
+            <a:r>
+              <a:rPr lang="en-US" altLang="zh-TW" dirty="0" err="1"/>
+              <a:t>const</a:t>
+            </a:r>
+            <a:r>
+              <a:rPr lang="en-US" altLang="zh-TW" dirty="0"/>
+              <a:t>  multiset&lt;</a:t>
+            </a:r>
+            <a:r>
+              <a:rPr lang="en-US" altLang="zh-TW" dirty="0" err="1"/>
+              <a:t>int</a:t>
+            </a:r>
+            <a:r>
+              <a:rPr lang="en-US" altLang="zh-TW" dirty="0"/>
+              <a:t>&gt; &amp;B){</a:t>
+            </a:r>
+          </a:p>
+          <a:p>
+            <a:r>
+              <a:rPr lang="en-US" altLang="zh-TW" dirty="0"/>
+              <a:t>            for(auto </a:t>
+            </a:r>
+            <a:r>
+              <a:rPr lang="en-US" altLang="zh-TW" dirty="0" err="1"/>
+              <a:t>ai</a:t>
+            </a:r>
+            <a:r>
+              <a:rPr lang="en-US" altLang="zh-TW" dirty="0"/>
+              <a:t> = </a:t>
+            </a:r>
+            <a:r>
+              <a:rPr lang="en-US" altLang="zh-TW" dirty="0" err="1"/>
+              <a:t>A.begin</a:t>
+            </a:r>
+            <a:r>
+              <a:rPr lang="en-US" altLang="zh-TW" dirty="0"/>
+              <a:t>(), bi = </a:t>
+            </a:r>
+            <a:r>
+              <a:rPr lang="en-US" altLang="zh-TW" dirty="0" err="1"/>
+              <a:t>B.begin</a:t>
+            </a:r>
+            <a:r>
+              <a:rPr lang="en-US" altLang="zh-TW" dirty="0"/>
+              <a:t>(); </a:t>
+            </a:r>
+            <a:r>
+              <a:rPr lang="en-US" altLang="zh-TW" dirty="0" err="1"/>
+              <a:t>ai</a:t>
+            </a:r>
+            <a:r>
+              <a:rPr lang="en-US" altLang="zh-TW" dirty="0"/>
+              <a:t> != </a:t>
+            </a:r>
+            <a:r>
+              <a:rPr lang="en-US" altLang="zh-TW" dirty="0" err="1"/>
+              <a:t>A.end</a:t>
+            </a:r>
+            <a:r>
+              <a:rPr lang="en-US" altLang="zh-TW" dirty="0"/>
+              <a:t>() &amp;&amp; bi != </a:t>
+            </a:r>
+            <a:r>
+              <a:rPr lang="en-US" altLang="zh-TW" dirty="0" err="1"/>
+              <a:t>B.end</a:t>
+            </a:r>
+            <a:r>
+              <a:rPr lang="en-US" altLang="zh-TW" dirty="0"/>
+              <a:t>(); ++</a:t>
+            </a:r>
+            <a:r>
+              <a:rPr lang="en-US" altLang="zh-TW" dirty="0" err="1"/>
+              <a:t>ai</a:t>
+            </a:r>
+            <a:r>
+              <a:rPr lang="en-US" altLang="zh-TW" dirty="0"/>
+              <a:t>, ++bi){</a:t>
+            </a:r>
+          </a:p>
+          <a:p>
+            <a:r>
+              <a:rPr lang="en-US" altLang="zh-TW" dirty="0"/>
+              <a:t>                if(*</a:t>
+            </a:r>
+            <a:r>
+              <a:rPr lang="en-US" altLang="zh-TW" dirty="0" err="1"/>
+              <a:t>ai</a:t>
+            </a:r>
+            <a:r>
+              <a:rPr lang="en-US" altLang="zh-TW" dirty="0"/>
+              <a:t> &lt;= *bi) return false;</a:t>
+            </a:r>
+          </a:p>
+          <a:p>
+            <a:r>
+              <a:rPr lang="en-US" altLang="zh-TW" dirty="0"/>
+              <a:t>            }</a:t>
+            </a:r>
+          </a:p>
+          <a:p>
+            <a:r>
+              <a:rPr lang="en-US" altLang="zh-TW" dirty="0"/>
+              <a:t>            return true;</a:t>
+            </a:r>
+          </a:p>
+          <a:p>
+            <a:r>
+              <a:rPr lang="en-US" altLang="zh-TW" dirty="0"/>
+              <a:t>        };</a:t>
+            </a:r>
             <a:endParaRPr lang="zh-TW" altLang="en-US" dirty="0"/>
           </a:p>
         </p:txBody>
@@ -5710,11 +5992,7 @@
             </a:r>
             <a:r>
               <a:rPr lang="zh-TW" altLang="en-US" dirty="0" smtClean="0"/>
-              <a:t>兩兩</a:t>
-            </a:r>
-            <a:r>
-              <a:rPr lang="zh-TW" altLang="en-US" dirty="0" smtClean="0"/>
-              <a:t>比較</a:t>
+              <a:t>兩兩比較</a:t>
             </a:r>
             <a:r>
               <a:rPr lang="en-US" altLang="zh-TW" dirty="0" smtClean="0"/>

--- a/HW4 應用程式設計/說明.pptx
+++ b/HW4 應用程式設計/說明.pptx
@@ -5,7 +5,7 @@
     <p:sldMasterId id="2147483648" r:id="rId1"/>
   </p:sldMasterIdLst>
   <p:notesMasterIdLst>
-    <p:notesMasterId r:id="rId9"/>
+    <p:notesMasterId r:id="rId10"/>
   </p:notesMasterIdLst>
   <p:sldIdLst>
     <p:sldId id="256" r:id="rId2"/>
@@ -14,7 +14,8 @@
     <p:sldId id="261" r:id="rId5"/>
     <p:sldId id="262" r:id="rId6"/>
     <p:sldId id="259" r:id="rId7"/>
-    <p:sldId id="260" r:id="rId8"/>
+    <p:sldId id="263" r:id="rId8"/>
+    <p:sldId id="260" r:id="rId9"/>
   </p:sldIdLst>
   <p:sldSz cx="12192000" cy="6858000"/>
   <p:notesSz cx="6858000" cy="9144000"/>
@@ -5629,7 +5630,19 @@
             </a:r>
             <a:r>
               <a:rPr lang="zh-TW" altLang="en-US" dirty="0" smtClean="0"/>
-              <a:t> 存輸入的</a:t>
+              <a:t> </a:t>
+            </a:r>
+            <a:r>
+              <a:rPr lang="en-US" altLang="zh-TW" dirty="0" smtClean="0"/>
+              <a:t>//</a:t>
+            </a:r>
+            <a:r>
+              <a:rPr lang="zh-TW" altLang="en-US" dirty="0" smtClean="0"/>
+              <a:t>存</a:t>
+            </a:r>
+            <a:r>
+              <a:rPr lang="zh-TW" altLang="en-US" dirty="0" smtClean="0"/>
+              <a:t>輸入的</a:t>
             </a:r>
             <a:r>
               <a:rPr lang="zh-TW" altLang="en-US" dirty="0"/>
@@ -5668,7 +5681,19 @@
             </a:r>
             <a:r>
               <a:rPr lang="zh-TW" altLang="en-US" dirty="0" smtClean="0"/>
-              <a:t> 存圖</a:t>
+              <a:t> </a:t>
+            </a:r>
+            <a:r>
+              <a:rPr lang="en-US" altLang="zh-TW" dirty="0" smtClean="0"/>
+              <a:t>//</a:t>
+            </a:r>
+            <a:r>
+              <a:rPr lang="zh-TW" altLang="en-US" dirty="0" smtClean="0"/>
+              <a:t>存</a:t>
+            </a:r>
+            <a:r>
+              <a:rPr lang="zh-TW" altLang="en-US" dirty="0" smtClean="0"/>
+              <a:t>圖</a:t>
             </a:r>
             <a:endParaRPr lang="en-US" altLang="zh-TW" dirty="0"/>
           </a:p>
@@ -5691,7 +5716,19 @@
             </a:r>
             <a:r>
               <a:rPr lang="zh-TW" altLang="en-US" dirty="0" smtClean="0"/>
-              <a:t> 存每個點的深度</a:t>
+              <a:t> </a:t>
+            </a:r>
+            <a:r>
+              <a:rPr lang="en-US" altLang="zh-TW" dirty="0" smtClean="0"/>
+              <a:t>//</a:t>
+            </a:r>
+            <a:r>
+              <a:rPr lang="zh-TW" altLang="en-US" dirty="0" smtClean="0"/>
+              <a:t>存</a:t>
+            </a:r>
+            <a:r>
+              <a:rPr lang="zh-TW" altLang="en-US" dirty="0" smtClean="0"/>
+              <a:t>每個點的深度</a:t>
             </a:r>
             <a:endParaRPr lang="en-US" altLang="zh-TW" dirty="0"/>
           </a:p>
@@ -5706,7 +5743,19 @@
             </a:r>
             <a:r>
               <a:rPr lang="zh-TW" altLang="en-US" dirty="0" smtClean="0"/>
-              <a:t> 是否拜訪過陣列</a:t>
+              <a:t> </a:t>
+            </a:r>
+            <a:r>
+              <a:rPr lang="en-US" altLang="zh-TW" dirty="0" smtClean="0"/>
+              <a:t>//</a:t>
+            </a:r>
+            <a:r>
+              <a:rPr lang="zh-TW" altLang="en-US" dirty="0" smtClean="0"/>
+              <a:t>是否</a:t>
+            </a:r>
+            <a:r>
+              <a:rPr lang="zh-TW" altLang="en-US" dirty="0" smtClean="0"/>
+              <a:t>拜訪過陣列</a:t>
             </a:r>
             <a:endParaRPr lang="en-US" altLang="zh-TW" dirty="0"/>
           </a:p>
@@ -5729,7 +5778,19 @@
             </a:r>
             <a:r>
               <a:rPr lang="zh-TW" altLang="en-US" dirty="0" smtClean="0"/>
-              <a:t> 每個點的下一個節點</a:t>
+              <a:t> </a:t>
+            </a:r>
+            <a:r>
+              <a:rPr lang="en-US" altLang="zh-TW" dirty="0" smtClean="0"/>
+              <a:t>//</a:t>
+            </a:r>
+            <a:r>
+              <a:rPr lang="zh-TW" altLang="en-US" dirty="0" smtClean="0"/>
+              <a:t>每</a:t>
+            </a:r>
+            <a:r>
+              <a:rPr lang="zh-TW" altLang="en-US" dirty="0" smtClean="0"/>
+              <a:t>個點的下一個節點</a:t>
             </a:r>
             <a:endParaRPr lang="en-US" altLang="zh-TW" dirty="0" smtClean="0"/>
           </a:p>
@@ -5747,7 +5808,7 @@
               <a:t>multiset</a:t>
             </a:r>
             <a:r>
-              <a:rPr lang="zh-TW" altLang="en-US" smtClean="0"/>
+              <a:rPr lang="zh-TW" altLang="en-US" dirty="0" smtClean="0"/>
               <a:t>元素進行比較</a:t>
             </a:r>
             <a:endParaRPr lang="en-US" altLang="zh-TW" dirty="0" smtClean="0"/>
@@ -5909,6 +5970,271 @@
 </file>
 
 <file path=ppt/slides/slide7.xml><?xml version="1.0" encoding="utf-8"?>
+<p:sld xmlns:a="http://schemas.openxmlformats.org/drawingml/2006/main" xmlns:r="http://schemas.openxmlformats.org/officeDocument/2006/relationships" xmlns:p="http://schemas.openxmlformats.org/presentationml/2006/main">
+  <p:cSld>
+    <p:spTree>
+      <p:nvGrpSpPr>
+        <p:cNvPr id="1" name=""/>
+        <p:cNvGrpSpPr/>
+        <p:nvPr/>
+      </p:nvGrpSpPr>
+      <p:grpSpPr>
+        <a:xfrm>
+          <a:off x="0" y="0"/>
+          <a:ext cx="0" cy="0"/>
+          <a:chOff x="0" y="0"/>
+          <a:chExt cx="0" cy="0"/>
+        </a:xfrm>
+      </p:grpSpPr>
+      <p:sp>
+        <p:nvSpPr>
+          <p:cNvPr id="2" name="標題 1"/>
+          <p:cNvSpPr>
+            <a:spLocks noGrp="1"/>
+          </p:cNvSpPr>
+          <p:nvPr>
+            <p:ph type="title"/>
+          </p:nvPr>
+        </p:nvSpPr>
+        <p:spPr/>
+        <p:txBody>
+          <a:bodyPr/>
+          <a:lstStyle/>
+          <a:p>
+            <a:r>
+              <a:rPr lang="en-US" altLang="zh-TW" dirty="0" smtClean="0"/>
+              <a:t>DFS</a:t>
+            </a:r>
+            <a:endParaRPr lang="zh-TW" altLang="en-US" dirty="0"/>
+          </a:p>
+        </p:txBody>
+      </p:sp>
+      <p:sp>
+        <p:nvSpPr>
+          <p:cNvPr id="3" name="內容版面配置區 2"/>
+          <p:cNvSpPr>
+            <a:spLocks noGrp="1"/>
+          </p:cNvSpPr>
+          <p:nvPr>
+            <p:ph idx="1"/>
+          </p:nvPr>
+        </p:nvSpPr>
+        <p:spPr/>
+        <p:txBody>
+          <a:bodyPr>
+            <a:normAutofit fontScale="55000" lnSpcReduction="20000"/>
+          </a:bodyPr>
+          <a:lstStyle/>
+          <a:p>
+            <a:r>
+              <a:rPr lang="zh-TW" altLang="en-US" dirty="0" smtClean="0"/>
+              <a:t>每個點走子點，並從所有子點，挑最大</a:t>
+            </a:r>
+            <a:r>
+              <a:rPr lang="en-US" altLang="zh-TW" dirty="0" smtClean="0"/>
+              <a:t>+1</a:t>
+            </a:r>
+            <a:r>
+              <a:rPr lang="zh-TW" altLang="en-US" dirty="0" smtClean="0"/>
+              <a:t>，當作現在的深度。更新並記錄。</a:t>
+            </a:r>
+            <a:endParaRPr lang="en-US" altLang="zh-TW" dirty="0" smtClean="0"/>
+          </a:p>
+          <a:p>
+            <a:r>
+              <a:rPr lang="en-US" altLang="zh-TW" dirty="0" err="1" smtClean="0"/>
+              <a:t>int</a:t>
+            </a:r>
+            <a:r>
+              <a:rPr lang="en-US" altLang="zh-TW" dirty="0" smtClean="0"/>
+              <a:t> </a:t>
+            </a:r>
+            <a:r>
+              <a:rPr lang="en-US" altLang="zh-TW" dirty="0" err="1"/>
+              <a:t>dfs</a:t>
+            </a:r>
+            <a:r>
+              <a:rPr lang="en-US" altLang="zh-TW" dirty="0"/>
+              <a:t>(</a:t>
+            </a:r>
+            <a:r>
+              <a:rPr lang="en-US" altLang="zh-TW" dirty="0" err="1"/>
+              <a:t>int</a:t>
+            </a:r>
+            <a:r>
+              <a:rPr lang="en-US" altLang="zh-TW" dirty="0"/>
+              <a:t> u){</a:t>
+            </a:r>
+          </a:p>
+          <a:p>
+            <a:r>
+              <a:rPr lang="en-US" altLang="zh-TW" dirty="0"/>
+              <a:t>    if(vis[u]) return dep[u];</a:t>
+            </a:r>
+          </a:p>
+          <a:p>
+            <a:r>
+              <a:rPr lang="en-US" altLang="zh-TW" dirty="0"/>
+              <a:t>    vis[u] = 1;</a:t>
+            </a:r>
+          </a:p>
+          <a:p>
+            <a:r>
+              <a:rPr lang="en-US" altLang="zh-TW" dirty="0"/>
+              <a:t>    </a:t>
+            </a:r>
+            <a:r>
+              <a:rPr lang="en-US" altLang="zh-TW" dirty="0" err="1"/>
+              <a:t>int</a:t>
+            </a:r>
+            <a:r>
+              <a:rPr lang="en-US" altLang="zh-TW" dirty="0"/>
+              <a:t> </a:t>
+            </a:r>
+            <a:r>
+              <a:rPr lang="en-US" altLang="zh-TW" dirty="0" err="1"/>
+              <a:t>uDep</a:t>
+            </a:r>
+            <a:r>
+              <a:rPr lang="en-US" altLang="zh-TW" dirty="0"/>
+              <a:t> = 1;</a:t>
+            </a:r>
+          </a:p>
+          <a:p>
+            <a:r>
+              <a:rPr lang="en-US" altLang="zh-TW" dirty="0"/>
+              <a:t>    for(</a:t>
+            </a:r>
+            <a:r>
+              <a:rPr lang="en-US" altLang="zh-TW" dirty="0" err="1"/>
+              <a:t>const</a:t>
+            </a:r>
+            <a:r>
+              <a:rPr lang="en-US" altLang="zh-TW" dirty="0"/>
+              <a:t> auto &amp;v : graph[u]){</a:t>
+            </a:r>
+          </a:p>
+          <a:p>
+            <a:r>
+              <a:rPr lang="en-US" altLang="zh-TW" dirty="0"/>
+              <a:t>        </a:t>
+            </a:r>
+            <a:r>
+              <a:rPr lang="en-US" altLang="zh-TW" dirty="0" err="1"/>
+              <a:t>int</a:t>
+            </a:r>
+            <a:r>
+              <a:rPr lang="en-US" altLang="zh-TW" dirty="0"/>
+              <a:t> </a:t>
+            </a:r>
+            <a:r>
+              <a:rPr lang="en-US" altLang="zh-TW" dirty="0" err="1"/>
+              <a:t>vDep</a:t>
+            </a:r>
+            <a:r>
+              <a:rPr lang="en-US" altLang="zh-TW" dirty="0"/>
+              <a:t> = </a:t>
+            </a:r>
+            <a:r>
+              <a:rPr lang="en-US" altLang="zh-TW" dirty="0" err="1"/>
+              <a:t>dfs</a:t>
+            </a:r>
+            <a:r>
+              <a:rPr lang="en-US" altLang="zh-TW" dirty="0"/>
+              <a:t>(v);</a:t>
+            </a:r>
+          </a:p>
+          <a:p>
+            <a:r>
+              <a:rPr lang="en-US" altLang="zh-TW" dirty="0"/>
+              <a:t>        if(vDep+1 &gt; </a:t>
+            </a:r>
+            <a:r>
+              <a:rPr lang="en-US" altLang="zh-TW" dirty="0" err="1"/>
+              <a:t>uDep</a:t>
+            </a:r>
+            <a:r>
+              <a:rPr lang="en-US" altLang="zh-TW" dirty="0"/>
+              <a:t>){</a:t>
+            </a:r>
+          </a:p>
+          <a:p>
+            <a:r>
+              <a:rPr lang="en-US" altLang="zh-TW" dirty="0"/>
+              <a:t>            </a:t>
+            </a:r>
+            <a:r>
+              <a:rPr lang="en-US" altLang="zh-TW" dirty="0" err="1"/>
+              <a:t>uDep</a:t>
+            </a:r>
+            <a:r>
+              <a:rPr lang="en-US" altLang="zh-TW" dirty="0"/>
+              <a:t> = vDep+1;</a:t>
+            </a:r>
+          </a:p>
+          <a:p>
+            <a:r>
+              <a:rPr lang="en-US" altLang="zh-TW" dirty="0"/>
+              <a:t>            </a:t>
+            </a:r>
+            <a:r>
+              <a:rPr lang="en-US" altLang="zh-TW" dirty="0" err="1"/>
+              <a:t>nxt</a:t>
+            </a:r>
+            <a:r>
+              <a:rPr lang="en-US" altLang="zh-TW" dirty="0"/>
+              <a:t>[u] = v;</a:t>
+            </a:r>
+          </a:p>
+          <a:p>
+            <a:r>
+              <a:rPr lang="en-US" altLang="zh-TW" dirty="0"/>
+              <a:t>        }</a:t>
+            </a:r>
+          </a:p>
+          <a:p>
+            <a:r>
+              <a:rPr lang="en-US" altLang="zh-TW" dirty="0"/>
+              <a:t>    }</a:t>
+            </a:r>
+          </a:p>
+          <a:p>
+            <a:r>
+              <a:rPr lang="en-US" altLang="zh-TW" dirty="0"/>
+              <a:t>    return dep[u] = </a:t>
+            </a:r>
+            <a:r>
+              <a:rPr lang="en-US" altLang="zh-TW" dirty="0" err="1"/>
+              <a:t>uDep</a:t>
+            </a:r>
+            <a:r>
+              <a:rPr lang="en-US" altLang="zh-TW" dirty="0"/>
+              <a:t>;</a:t>
+            </a:r>
+          </a:p>
+          <a:p>
+            <a:r>
+              <a:rPr lang="en-US" altLang="zh-TW" dirty="0"/>
+              <a:t>}</a:t>
+            </a:r>
+            <a:endParaRPr lang="zh-TW" altLang="en-US" dirty="0"/>
+          </a:p>
+        </p:txBody>
+      </p:sp>
+    </p:spTree>
+    <p:extLst>
+      <p:ext uri="{BB962C8B-B14F-4D97-AF65-F5344CB8AC3E}">
+        <p14:creationId xmlns:p14="http://schemas.microsoft.com/office/powerpoint/2010/main" val="1647034446"/>
+      </p:ext>
+    </p:extLst>
+  </p:cSld>
+  <p:clrMapOvr>
+    <a:masterClrMapping/>
+  </p:clrMapOvr>
+</p:sld>
+</file>
+
+<file path=ppt/slides/slide8.xml><?xml version="1.0" encoding="utf-8"?>
 <p:sld xmlns:a="http://schemas.openxmlformats.org/drawingml/2006/main" xmlns:r="http://schemas.openxmlformats.org/officeDocument/2006/relationships" xmlns:p="http://schemas.openxmlformats.org/presentationml/2006/main">
   <p:cSld>
     <p:spTree>

--- a/HW4 應用程式設計/說明.pptx
+++ b/HW4 應用程式設計/說明.pptx
@@ -3796,10 +3796,6 @@
               <a:rPr lang="zh-TW" altLang="en-US" sz="4400"/>
               <a:t>泛型程式設計與標準模板函式庫</a:t>
             </a:r>
-            <a:r>
-              <a:rPr lang="en-US" altLang="zh-TW" sz="4400"/>
-              <a:t/>
-            </a:r>
             <a:br>
               <a:rPr lang="en-US" altLang="zh-TW" sz="4400"/>
             </a:br>
@@ -4198,7 +4194,21 @@
                 <a:latin typeface="Times New Roman" panose="02020603050405020304" pitchFamily="18" charset="0"/>
                 <a:ea typeface="標楷體" panose="03000509000000000000" pitchFamily="65" charset="-120"/>
               </a:rPr>
-              <a:t>這一要求，並對此「最大組數」及其中各</a:t>
+              <a:t>這一要求，並對此「最大組</a:t>
+            </a:r>
+            <a:r>
+              <a:rPr lang="en-US" altLang="zh-TW" sz="2400">
+                <a:latin typeface="Times New Roman" panose="02020603050405020304" pitchFamily="18" charset="0"/>
+                <a:ea typeface="標楷體" panose="03000509000000000000" pitchFamily="65" charset="-120"/>
+              </a:rPr>
+              <a:t>(group)</a:t>
+            </a:r>
+            <a:r>
+              <a:rPr lang="zh-TW" altLang="en-US" sz="2400">
+                <a:latin typeface="Times New Roman" panose="02020603050405020304" pitchFamily="18" charset="0"/>
+                <a:ea typeface="標楷體" panose="03000509000000000000" pitchFamily="65" charset="-120"/>
+              </a:rPr>
+              <a:t>數」及其中各</a:t>
             </a:r>
             <a:r>
               <a:rPr lang="en-US" altLang="zh-TW" sz="2400">
@@ -4768,7 +4778,21 @@
                 <a:latin typeface="Times New Roman" panose="02020603050405020304" pitchFamily="18" charset="0"/>
                 <a:ea typeface="標楷體" panose="03000509000000000000" pitchFamily="65" charset="-120"/>
               </a:rPr>
-              <a:t>，根據字典序輸出；輸入組數的組別從</a:t>
+              <a:t>，根據字典序輸出；輸入</a:t>
+            </a:r>
+            <a:r>
+              <a:rPr lang="en-US" altLang="zh-TW">
+                <a:latin typeface="Times New Roman" panose="02020603050405020304" pitchFamily="18" charset="0"/>
+                <a:ea typeface="標楷體" panose="03000509000000000000" pitchFamily="65" charset="-120"/>
+              </a:rPr>
+              <a:t>group</a:t>
+            </a:r>
+            <a:r>
+              <a:rPr lang="zh-TW" altLang="zh-TW">
+                <a:latin typeface="Times New Roman" panose="02020603050405020304" pitchFamily="18" charset="0"/>
+                <a:ea typeface="標楷體" panose="03000509000000000000" pitchFamily="65" charset="-120"/>
+              </a:rPr>
+              <a:t>的組別從</a:t>
             </a:r>
             <a:r>
               <a:rPr lang="en-US" altLang="zh-TW">
@@ -5402,10 +5426,9 @@
           <a:lstStyle/>
           <a:p>
             <a:r>
-              <a:rPr lang="zh-TW" altLang="en-US" dirty="0" smtClean="0"/>
+              <a:rPr lang="zh-TW" altLang="en-US" dirty="0"/>
               <a:t>解題想法</a:t>
             </a:r>
-            <a:endParaRPr lang="zh-TW" altLang="en-US" dirty="0"/>
           </a:p>
         </p:txBody>
       </p:sp>
@@ -5429,101 +5452,152 @@
           <a:bodyPr/>
           <a:lstStyle/>
           <a:p>
-            <a:r>
-              <a:rPr lang="en-US" altLang="zh-TW" dirty="0" err="1" smtClean="0"/>
+            <a:pPr>
+              <a:lnSpc>
+                <a:spcPct val="100000"/>
+              </a:lnSpc>
+            </a:pPr>
+            <a:r>
+              <a:rPr lang="en-US" altLang="zh-TW" dirty="0" err="1">
+                <a:latin typeface="Times New Roman" panose="02020603050405020304" pitchFamily="18" charset="0"/>
+                <a:ea typeface="標楷體" panose="03000509000000000000" pitchFamily="65" charset="-120"/>
+              </a:rPr>
               <a:t>GroupB</a:t>
             </a:r>
             <a:r>
-              <a:rPr lang="zh-TW" altLang="en-US" dirty="0" smtClean="0"/>
+              <a:rPr lang="zh-TW" altLang="en-US" dirty="0">
+                <a:latin typeface="Times New Roman" panose="02020603050405020304" pitchFamily="18" charset="0"/>
+                <a:ea typeface="標楷體" panose="03000509000000000000" pitchFamily="65" charset="-120"/>
+              </a:rPr>
               <a:t>要能接在</a:t>
             </a:r>
             <a:r>
-              <a:rPr lang="en-US" altLang="zh-TW" dirty="0" err="1" smtClean="0"/>
+              <a:rPr lang="en-US" altLang="zh-TW" dirty="0" err="1">
+                <a:latin typeface="Times New Roman" panose="02020603050405020304" pitchFamily="18" charset="0"/>
+                <a:ea typeface="標楷體" panose="03000509000000000000" pitchFamily="65" charset="-120"/>
+              </a:rPr>
               <a:t>GroupA</a:t>
             </a:r>
             <a:r>
-              <a:rPr lang="zh-TW" altLang="en-US" dirty="0" smtClean="0"/>
+              <a:rPr lang="zh-TW" altLang="en-US" dirty="0">
+                <a:latin typeface="Times New Roman" panose="02020603050405020304" pitchFamily="18" charset="0"/>
+                <a:ea typeface="標楷體" panose="03000509000000000000" pitchFamily="65" charset="-120"/>
+              </a:rPr>
               <a:t>後面，勢必滿足 </a:t>
             </a:r>
             <a:r>
-              <a:rPr lang="en-US" altLang="zh-TW" dirty="0" smtClean="0"/>
-              <a:t>B[</a:t>
-            </a:r>
-            <a:r>
-              <a:rPr lang="en-US" altLang="zh-TW" dirty="0"/>
-              <a:t>0</a:t>
-            </a:r>
-            <a:r>
-              <a:rPr lang="en-US" altLang="zh-TW" dirty="0" smtClean="0"/>
-              <a:t>] &lt; A[</a:t>
-            </a:r>
-            <a:r>
-              <a:rPr lang="en-US" altLang="zh-TW" dirty="0"/>
-              <a:t>0</a:t>
-            </a:r>
-            <a:r>
-              <a:rPr lang="en-US" altLang="zh-TW" dirty="0" smtClean="0"/>
-              <a:t>]</a:t>
-            </a:r>
-            <a:r>
-              <a:rPr lang="zh-TW" altLang="en-US" dirty="0" smtClean="0"/>
+              <a:rPr lang="en-US" altLang="zh-TW" dirty="0">
+                <a:latin typeface="Times New Roman" panose="02020603050405020304" pitchFamily="18" charset="0"/>
+                <a:ea typeface="標楷體" panose="03000509000000000000" pitchFamily="65" charset="-120"/>
+              </a:rPr>
+              <a:t>B[0] &lt; A[0]</a:t>
+            </a:r>
+            <a:r>
+              <a:rPr lang="zh-TW" altLang="en-US" dirty="0">
+                <a:latin typeface="Times New Roman" panose="02020603050405020304" pitchFamily="18" charset="0"/>
+                <a:ea typeface="標楷體" panose="03000509000000000000" pitchFamily="65" charset="-120"/>
+              </a:rPr>
               <a:t>，</a:t>
             </a:r>
             <a:r>
-              <a:rPr lang="en-US" altLang="zh-TW" dirty="0" smtClean="0"/>
+              <a:rPr lang="en-US" altLang="zh-TW" dirty="0">
+                <a:latin typeface="Times New Roman" panose="02020603050405020304" pitchFamily="18" charset="0"/>
+                <a:ea typeface="標楷體" panose="03000509000000000000" pitchFamily="65" charset="-120"/>
+              </a:rPr>
               <a:t>B[1] &lt; A[1]… B[n] &lt; A[n]</a:t>
             </a:r>
             <a:r>
-              <a:rPr lang="zh-TW" altLang="en-US" dirty="0" smtClean="0"/>
+              <a:rPr lang="zh-TW" altLang="en-US" dirty="0">
+                <a:latin typeface="Times New Roman" panose="02020603050405020304" pitchFamily="18" charset="0"/>
+                <a:ea typeface="標楷體" panose="03000509000000000000" pitchFamily="65" charset="-120"/>
+              </a:rPr>
               <a:t>。所以可以先將</a:t>
             </a:r>
             <a:r>
-              <a:rPr lang="en-US" altLang="zh-TW" dirty="0" smtClean="0"/>
+              <a:rPr lang="en-US" altLang="zh-TW" dirty="0">
+                <a:latin typeface="Times New Roman" panose="02020603050405020304" pitchFamily="18" charset="0"/>
+                <a:ea typeface="標楷體" panose="03000509000000000000" pitchFamily="65" charset="-120"/>
+              </a:rPr>
               <a:t>Group</a:t>
             </a:r>
             <a:r>
-              <a:rPr lang="zh-TW" altLang="en-US" dirty="0" smtClean="0"/>
-              <a:t>由小到</a:t>
-            </a:r>
-            <a:r>
-              <a:rPr lang="zh-TW" altLang="en-US" dirty="0"/>
-              <a:t>大</a:t>
-            </a:r>
-            <a:r>
-              <a:rPr lang="zh-TW" altLang="en-US" dirty="0" smtClean="0"/>
-              <a:t>排序。</a:t>
-            </a:r>
-            <a:endParaRPr lang="en-US" altLang="zh-TW" dirty="0" smtClean="0"/>
-          </a:p>
-          <a:p>
-            <a:r>
-              <a:rPr lang="zh-TW" altLang="en-US" dirty="0" smtClean="0"/>
-              <a:t>將兩兩</a:t>
-            </a:r>
-            <a:r>
-              <a:rPr lang="en-US" altLang="zh-TW" dirty="0" smtClean="0"/>
+              <a:rPr lang="zh-TW" altLang="en-US" dirty="0">
+                <a:latin typeface="Times New Roman" panose="02020603050405020304" pitchFamily="18" charset="0"/>
+                <a:ea typeface="標楷體" panose="03000509000000000000" pitchFamily="65" charset="-120"/>
+              </a:rPr>
+              <a:t>由小到大排序。</a:t>
+            </a:r>
+            <a:endParaRPr lang="en-US" altLang="zh-TW" dirty="0">
+              <a:latin typeface="Times New Roman" panose="02020603050405020304" pitchFamily="18" charset="0"/>
+              <a:ea typeface="標楷體" panose="03000509000000000000" pitchFamily="65" charset="-120"/>
+            </a:endParaRPr>
+          </a:p>
+          <a:p>
+            <a:pPr>
+              <a:lnSpc>
+                <a:spcPct val="100000"/>
+              </a:lnSpc>
+            </a:pPr>
+            <a:r>
+              <a:rPr lang="zh-TW" altLang="en-US">
+                <a:latin typeface="Times New Roman" panose="02020603050405020304" pitchFamily="18" charset="0"/>
+                <a:ea typeface="標楷體" panose="03000509000000000000" pitchFamily="65" charset="-120"/>
+              </a:rPr>
+              <a:t>將</a:t>
+            </a:r>
+            <a:r>
+              <a:rPr lang="en-US" altLang="zh-TW">
+                <a:latin typeface="Times New Roman" panose="02020603050405020304" pitchFamily="18" charset="0"/>
+                <a:ea typeface="標楷體" panose="03000509000000000000" pitchFamily="65" charset="-120"/>
+              </a:rPr>
               <a:t>Group</a:t>
             </a:r>
             <a:r>
-              <a:rPr lang="zh-TW" altLang="en-US" dirty="0" smtClean="0"/>
-              <a:t>比較，並存成一個有向無環圖。</a:t>
-            </a:r>
-            <a:endParaRPr lang="en-US" altLang="zh-TW" dirty="0" smtClean="0"/>
-          </a:p>
-          <a:p>
-            <a:r>
-              <a:rPr lang="zh-TW" altLang="en-US" dirty="0" smtClean="0"/>
+              <a:rPr lang="zh-TW" altLang="en-US">
+                <a:latin typeface="Times New Roman" panose="02020603050405020304" pitchFamily="18" charset="0"/>
+                <a:ea typeface="標楷體" panose="03000509000000000000" pitchFamily="65" charset="-120"/>
+              </a:rPr>
+              <a:t>兩兩比較</a:t>
+            </a:r>
+            <a:r>
+              <a:rPr lang="zh-TW" altLang="en-US" dirty="0">
+                <a:latin typeface="Times New Roman" panose="02020603050405020304" pitchFamily="18" charset="0"/>
+                <a:ea typeface="標楷體" panose="03000509000000000000" pitchFamily="65" charset="-120"/>
+              </a:rPr>
+              <a:t>，並存成一個有向無環圖。</a:t>
+            </a:r>
+            <a:endParaRPr lang="en-US" altLang="zh-TW" dirty="0">
+              <a:latin typeface="Times New Roman" panose="02020603050405020304" pitchFamily="18" charset="0"/>
+              <a:ea typeface="標楷體" panose="03000509000000000000" pitchFamily="65" charset="-120"/>
+            </a:endParaRPr>
+          </a:p>
+          <a:p>
+            <a:pPr>
+              <a:lnSpc>
+                <a:spcPct val="100000"/>
+              </a:lnSpc>
+            </a:pPr>
+            <a:r>
+              <a:rPr lang="zh-TW" altLang="en-US" dirty="0">
+                <a:latin typeface="Times New Roman" panose="02020603050405020304" pitchFamily="18" charset="0"/>
+                <a:ea typeface="標楷體" panose="03000509000000000000" pitchFamily="65" charset="-120"/>
+              </a:rPr>
               <a:t>用</a:t>
             </a:r>
             <a:r>
-              <a:rPr lang="en-US" altLang="zh-TW" dirty="0" smtClean="0"/>
+              <a:rPr lang="en-US" altLang="zh-TW" dirty="0">
+                <a:latin typeface="Times New Roman" panose="02020603050405020304" pitchFamily="18" charset="0"/>
+                <a:ea typeface="標楷體" panose="03000509000000000000" pitchFamily="65" charset="-120"/>
+              </a:rPr>
               <a:t>DFS</a:t>
             </a:r>
             <a:r>
-              <a:rPr lang="zh-TW" altLang="en-US" dirty="0" smtClean="0"/>
+              <a:rPr lang="zh-TW" altLang="en-US" dirty="0">
+                <a:latin typeface="Times New Roman" panose="02020603050405020304" pitchFamily="18" charset="0"/>
+                <a:ea typeface="標楷體" panose="03000509000000000000" pitchFamily="65" charset="-120"/>
+              </a:rPr>
               <a:t>找出一個最長路徑，並記錄。</a:t>
             </a:r>
-            <a:endParaRPr lang="zh-TW" altLang="en-US" dirty="0"/>
           </a:p>
         </p:txBody>
       </p:sp>
@@ -5612,347 +5686,699 @@
           </a:bodyPr>
           <a:lstStyle/>
           <a:p>
-            <a:r>
-              <a:rPr lang="en-US" altLang="zh-TW" dirty="0"/>
+            <a:pPr marL="0" indent="0">
+              <a:buNone/>
+            </a:pPr>
+            <a:r>
+              <a:rPr lang="zh-TW" altLang="zh-TW">
+                <a:solidFill>
+                  <a:srgbClr val="333333"/>
+                </a:solidFill>
+                <a:latin typeface="Times New Roman" panose="02020603050405020304" pitchFamily="18" charset="0"/>
+                <a:ea typeface="標楷體" panose="03000509000000000000" pitchFamily="65" charset="-120"/>
+              </a:rPr>
               <a:t>vector&lt;multiset&lt;</a:t>
             </a:r>
             <a:r>
-              <a:rPr lang="en-US" altLang="zh-TW" dirty="0" err="1"/>
+              <a:rPr lang="zh-TW" altLang="zh-TW" b="1">
+                <a:solidFill>
+                  <a:srgbClr val="333399"/>
+                </a:solidFill>
+                <a:latin typeface="Times New Roman" panose="02020603050405020304" pitchFamily="18" charset="0"/>
+                <a:ea typeface="標楷體" panose="03000509000000000000" pitchFamily="65" charset="-120"/>
+              </a:rPr>
               <a:t>int</a:t>
             </a:r>
             <a:r>
-              <a:rPr lang="en-US" altLang="zh-TW" dirty="0"/>
-              <a:t>&gt;&gt; </a:t>
-            </a:r>
-            <a:r>
-              <a:rPr lang="en-US" altLang="zh-TW" dirty="0" smtClean="0"/>
-              <a:t>Groups</a:t>
-            </a:r>
-            <a:r>
-              <a:rPr lang="zh-TW" altLang="en-US" dirty="0" smtClean="0"/>
+              <a:rPr lang="zh-TW" altLang="zh-TW">
+                <a:solidFill>
+                  <a:srgbClr val="333333"/>
+                </a:solidFill>
+                <a:latin typeface="Times New Roman" panose="02020603050405020304" pitchFamily="18" charset="0"/>
+                <a:ea typeface="標楷體" panose="03000509000000000000" pitchFamily="65" charset="-120"/>
+              </a:rPr>
+              <a:t>&gt;&gt; Groups </a:t>
+            </a:r>
+            <a:r>
+              <a:rPr lang="zh-TW" altLang="zh-TW">
+                <a:solidFill>
+                  <a:srgbClr val="888888"/>
+                </a:solidFill>
+                <a:latin typeface="Times New Roman" panose="02020603050405020304" pitchFamily="18" charset="0"/>
+                <a:ea typeface="標楷體" panose="03000509000000000000" pitchFamily="65" charset="-120"/>
+              </a:rPr>
+              <a:t>//存輸入的總群組，並用multiset維護一個有序的群組</a:t>
+            </a:r>
+            <a:endParaRPr lang="en-US" altLang="zh-TW">
+              <a:solidFill>
+                <a:srgbClr val="333333"/>
+              </a:solidFill>
+              <a:latin typeface="Times New Roman" panose="02020603050405020304" pitchFamily="18" charset="0"/>
+              <a:ea typeface="標楷體" panose="03000509000000000000" pitchFamily="65" charset="-120"/>
+            </a:endParaRPr>
+          </a:p>
+          <a:p>
+            <a:pPr marL="0" indent="0">
+              <a:buNone/>
+            </a:pPr>
+            <a:r>
+              <a:rPr lang="zh-TW" altLang="zh-TW">
+                <a:solidFill>
+                  <a:srgbClr val="333333"/>
+                </a:solidFill>
+                <a:latin typeface="Times New Roman" panose="02020603050405020304" pitchFamily="18" charset="0"/>
+                <a:ea typeface="標楷體" panose="03000509000000000000" pitchFamily="65" charset="-120"/>
+              </a:rPr>
+              <a:t>vector&lt;</a:t>
+            </a:r>
+            <a:r>
+              <a:rPr lang="zh-TW" altLang="zh-TW" b="1">
+                <a:solidFill>
+                  <a:srgbClr val="333399"/>
+                </a:solidFill>
+                <a:latin typeface="Times New Roman" panose="02020603050405020304" pitchFamily="18" charset="0"/>
+                <a:ea typeface="標楷體" panose="03000509000000000000" pitchFamily="65" charset="-120"/>
+              </a:rPr>
+              <a:t>int</a:t>
+            </a:r>
+            <a:r>
+              <a:rPr lang="zh-TW" altLang="zh-TW">
+                <a:solidFill>
+                  <a:srgbClr val="333333"/>
+                </a:solidFill>
+                <a:latin typeface="Times New Roman" panose="02020603050405020304" pitchFamily="18" charset="0"/>
+                <a:ea typeface="標楷體" panose="03000509000000000000" pitchFamily="65" charset="-120"/>
+              </a:rPr>
+              <a:t>&gt; graph[N] </a:t>
+            </a:r>
+            <a:r>
+              <a:rPr lang="zh-TW" altLang="zh-TW">
+                <a:solidFill>
+                  <a:srgbClr val="888888"/>
+                </a:solidFill>
+                <a:latin typeface="Times New Roman" panose="02020603050405020304" pitchFamily="18" charset="0"/>
+                <a:ea typeface="標楷體" panose="03000509000000000000" pitchFamily="65" charset="-120"/>
+              </a:rPr>
+              <a:t>//存圖</a:t>
+            </a:r>
+            <a:endParaRPr lang="en-US" altLang="zh-TW">
+              <a:solidFill>
+                <a:srgbClr val="333333"/>
+              </a:solidFill>
+              <a:latin typeface="Times New Roman" panose="02020603050405020304" pitchFamily="18" charset="0"/>
+              <a:ea typeface="標楷體" panose="03000509000000000000" pitchFamily="65" charset="-120"/>
+            </a:endParaRPr>
+          </a:p>
+          <a:p>
+            <a:pPr marL="0" indent="0">
+              <a:buNone/>
+            </a:pPr>
+            <a:r>
+              <a:rPr lang="zh-TW" altLang="zh-TW">
+                <a:solidFill>
+                  <a:srgbClr val="333333"/>
+                </a:solidFill>
+                <a:latin typeface="Times New Roman" panose="02020603050405020304" pitchFamily="18" charset="0"/>
+                <a:ea typeface="標楷體" panose="03000509000000000000" pitchFamily="65" charset="-120"/>
+              </a:rPr>
+              <a:t>vector&lt;</a:t>
+            </a:r>
+            <a:r>
+              <a:rPr lang="zh-TW" altLang="zh-TW" b="1">
+                <a:solidFill>
+                  <a:srgbClr val="333399"/>
+                </a:solidFill>
+                <a:latin typeface="Times New Roman" panose="02020603050405020304" pitchFamily="18" charset="0"/>
+                <a:ea typeface="標楷體" panose="03000509000000000000" pitchFamily="65" charset="-120"/>
+              </a:rPr>
+              <a:t>int</a:t>
+            </a:r>
+            <a:r>
+              <a:rPr lang="zh-TW" altLang="zh-TW">
+                <a:solidFill>
+                  <a:srgbClr val="333333"/>
+                </a:solidFill>
+                <a:latin typeface="Times New Roman" panose="02020603050405020304" pitchFamily="18" charset="0"/>
+                <a:ea typeface="標楷體" panose="03000509000000000000" pitchFamily="65" charset="-120"/>
+              </a:rPr>
+              <a:t>&gt; dep </a:t>
+            </a:r>
+            <a:r>
+              <a:rPr lang="zh-TW" altLang="zh-TW">
+                <a:solidFill>
+                  <a:srgbClr val="888888"/>
+                </a:solidFill>
+                <a:latin typeface="Times New Roman" panose="02020603050405020304" pitchFamily="18" charset="0"/>
+                <a:ea typeface="標楷體" panose="03000509000000000000" pitchFamily="65" charset="-120"/>
+              </a:rPr>
+              <a:t>//存每個點的深度</a:t>
+            </a:r>
+            <a:endParaRPr lang="en-US" altLang="zh-TW">
+              <a:solidFill>
+                <a:srgbClr val="333333"/>
+              </a:solidFill>
+              <a:latin typeface="Times New Roman" panose="02020603050405020304" pitchFamily="18" charset="0"/>
+              <a:ea typeface="標楷體" panose="03000509000000000000" pitchFamily="65" charset="-120"/>
+            </a:endParaRPr>
+          </a:p>
+          <a:p>
+            <a:pPr marL="0" indent="0">
+              <a:buNone/>
+            </a:pPr>
+            <a:r>
+              <a:rPr lang="zh-TW" altLang="zh-TW">
+                <a:solidFill>
+                  <a:srgbClr val="333333"/>
+                </a:solidFill>
+                <a:latin typeface="Times New Roman" panose="02020603050405020304" pitchFamily="18" charset="0"/>
+                <a:ea typeface="標楷體" panose="03000509000000000000" pitchFamily="65" charset="-120"/>
+              </a:rPr>
+              <a:t>vector&lt;</a:t>
+            </a:r>
+            <a:r>
+              <a:rPr lang="zh-TW" altLang="zh-TW" b="1">
+                <a:solidFill>
+                  <a:srgbClr val="333399"/>
+                </a:solidFill>
+                <a:latin typeface="Times New Roman" panose="02020603050405020304" pitchFamily="18" charset="0"/>
+                <a:ea typeface="標楷體" panose="03000509000000000000" pitchFamily="65" charset="-120"/>
+              </a:rPr>
+              <a:t>bool</a:t>
+            </a:r>
+            <a:r>
+              <a:rPr lang="zh-TW" altLang="zh-TW">
+                <a:solidFill>
+                  <a:srgbClr val="333333"/>
+                </a:solidFill>
+                <a:latin typeface="Times New Roman" panose="02020603050405020304" pitchFamily="18" charset="0"/>
+                <a:ea typeface="標楷體" panose="03000509000000000000" pitchFamily="65" charset="-120"/>
+              </a:rPr>
+              <a:t>&gt; vis </a:t>
+            </a:r>
+            <a:r>
+              <a:rPr lang="zh-TW" altLang="zh-TW">
+                <a:solidFill>
+                  <a:srgbClr val="888888"/>
+                </a:solidFill>
+                <a:latin typeface="Times New Roman" panose="02020603050405020304" pitchFamily="18" charset="0"/>
+                <a:ea typeface="標楷體" panose="03000509000000000000" pitchFamily="65" charset="-120"/>
+              </a:rPr>
+              <a:t>//是否拜訪過陣列</a:t>
+            </a:r>
+            <a:endParaRPr lang="en-US" altLang="zh-TW">
+              <a:solidFill>
+                <a:srgbClr val="333333"/>
+              </a:solidFill>
+              <a:latin typeface="Times New Roman" panose="02020603050405020304" pitchFamily="18" charset="0"/>
+              <a:ea typeface="標楷體" panose="03000509000000000000" pitchFamily="65" charset="-120"/>
+            </a:endParaRPr>
+          </a:p>
+          <a:p>
+            <a:pPr marL="0" indent="0">
+              <a:buNone/>
+            </a:pPr>
+            <a:r>
+              <a:rPr lang="zh-TW" altLang="zh-TW">
+                <a:solidFill>
+                  <a:srgbClr val="333333"/>
+                </a:solidFill>
+                <a:latin typeface="Times New Roman" panose="02020603050405020304" pitchFamily="18" charset="0"/>
+                <a:ea typeface="標楷體" panose="03000509000000000000" pitchFamily="65" charset="-120"/>
+              </a:rPr>
+              <a:t>vector&lt;</a:t>
+            </a:r>
+            <a:r>
+              <a:rPr lang="zh-TW" altLang="zh-TW" b="1">
+                <a:solidFill>
+                  <a:srgbClr val="333399"/>
+                </a:solidFill>
+                <a:latin typeface="Times New Roman" panose="02020603050405020304" pitchFamily="18" charset="0"/>
+                <a:ea typeface="標楷體" panose="03000509000000000000" pitchFamily="65" charset="-120"/>
+              </a:rPr>
+              <a:t>int</a:t>
+            </a:r>
+            <a:r>
+              <a:rPr lang="zh-TW" altLang="zh-TW">
+                <a:solidFill>
+                  <a:srgbClr val="333333"/>
+                </a:solidFill>
+                <a:latin typeface="Times New Roman" panose="02020603050405020304" pitchFamily="18" charset="0"/>
+                <a:ea typeface="標楷體" panose="03000509000000000000" pitchFamily="65" charset="-120"/>
+              </a:rPr>
+              <a:t>&gt; nxt </a:t>
+            </a:r>
+            <a:r>
+              <a:rPr lang="zh-TW" altLang="zh-TW">
+                <a:solidFill>
+                  <a:srgbClr val="888888"/>
+                </a:solidFill>
+                <a:latin typeface="Times New Roman" panose="02020603050405020304" pitchFamily="18" charset="0"/>
+                <a:ea typeface="標楷體" panose="03000509000000000000" pitchFamily="65" charset="-120"/>
+              </a:rPr>
+              <a:t>//每個點的下一個節點</a:t>
+            </a:r>
+            <a:endParaRPr lang="en-US" altLang="zh-TW">
+              <a:solidFill>
+                <a:srgbClr val="888888"/>
+              </a:solidFill>
+              <a:latin typeface="Times New Roman" panose="02020603050405020304" pitchFamily="18" charset="0"/>
+              <a:ea typeface="標楷體" panose="03000509000000000000" pitchFamily="65" charset="-120"/>
+            </a:endParaRPr>
+          </a:p>
+          <a:p>
+            <a:pPr marL="0" indent="0">
+              <a:buNone/>
+            </a:pPr>
+            <a:r>
+              <a:rPr lang="en-US" altLang="zh-TW">
+                <a:solidFill>
+                  <a:srgbClr val="888888"/>
+                </a:solidFill>
+                <a:latin typeface="Times New Roman" panose="02020603050405020304" pitchFamily="18" charset="0"/>
+                <a:ea typeface="標楷體" panose="03000509000000000000" pitchFamily="65" charset="-120"/>
+              </a:rPr>
+              <a:t>// Lambda: </a:t>
+            </a:r>
+            <a:r>
+              <a:rPr lang="zh-TW" altLang="en-US">
+                <a:solidFill>
+                  <a:srgbClr val="888888"/>
+                </a:solidFill>
+                <a:latin typeface="Times New Roman" panose="02020603050405020304" pitchFamily="18" charset="0"/>
+                <a:ea typeface="標楷體" panose="03000509000000000000" pitchFamily="65" charset="-120"/>
+              </a:rPr>
+              <a:t>每個</a:t>
+            </a:r>
+            <a:r>
+              <a:rPr lang="en-US" altLang="zh-TW">
+                <a:solidFill>
+                  <a:srgbClr val="888888"/>
+                </a:solidFill>
+                <a:latin typeface="Times New Roman" panose="02020603050405020304" pitchFamily="18" charset="0"/>
+                <a:ea typeface="標楷體" panose="03000509000000000000" pitchFamily="65" charset="-120"/>
+              </a:rPr>
+              <a:t>multiset</a:t>
+            </a:r>
+            <a:r>
+              <a:rPr lang="zh-TW" altLang="en-US">
+                <a:solidFill>
+                  <a:srgbClr val="888888"/>
+                </a:solidFill>
+                <a:latin typeface="Times New Roman" panose="02020603050405020304" pitchFamily="18" charset="0"/>
+                <a:ea typeface="標楷體" panose="03000509000000000000" pitchFamily="65" charset="-120"/>
+              </a:rPr>
+              <a:t>元素進行比較</a:t>
+            </a:r>
+            <a:endParaRPr lang="en-US" altLang="zh-TW" sz="2000">
+              <a:latin typeface="Times New Roman" panose="02020603050405020304" pitchFamily="18" charset="0"/>
+              <a:ea typeface="標楷體" panose="03000509000000000000" pitchFamily="65" charset="-120"/>
+            </a:endParaRPr>
+          </a:p>
+          <a:p>
+            <a:pPr marL="0" indent="0">
+              <a:buNone/>
+            </a:pPr>
+            <a:r>
+              <a:rPr lang="zh-TW" altLang="zh-TW" b="1">
+                <a:solidFill>
+                  <a:srgbClr val="008800"/>
+                </a:solidFill>
+                <a:latin typeface="Times New Roman" panose="02020603050405020304" pitchFamily="18" charset="0"/>
+                <a:ea typeface="標楷體" panose="03000509000000000000" pitchFamily="65" charset="-120"/>
+              </a:rPr>
+              <a:t>auto</a:t>
+            </a:r>
+            <a:r>
+              <a:rPr lang="zh-TW" altLang="zh-TW">
+                <a:solidFill>
+                  <a:srgbClr val="333333"/>
+                </a:solidFill>
+                <a:latin typeface="Times New Roman" panose="02020603050405020304" pitchFamily="18" charset="0"/>
+                <a:ea typeface="標楷體" panose="03000509000000000000" pitchFamily="65" charset="-120"/>
+              </a:rPr>
+              <a:t> group_compare = [](</a:t>
+            </a:r>
+            <a:r>
+              <a:rPr lang="zh-TW" altLang="zh-TW" b="1">
+                <a:solidFill>
+                  <a:srgbClr val="008800"/>
+                </a:solidFill>
+                <a:latin typeface="Times New Roman" panose="02020603050405020304" pitchFamily="18" charset="0"/>
+                <a:ea typeface="標楷體" panose="03000509000000000000" pitchFamily="65" charset="-120"/>
+              </a:rPr>
+              <a:t>const</a:t>
+            </a:r>
+            <a:r>
+              <a:rPr lang="zh-TW" altLang="zh-TW">
+                <a:solidFill>
+                  <a:srgbClr val="333333"/>
+                </a:solidFill>
+                <a:latin typeface="Times New Roman" panose="02020603050405020304" pitchFamily="18" charset="0"/>
+                <a:ea typeface="標楷體" panose="03000509000000000000" pitchFamily="65" charset="-120"/>
+              </a:rPr>
+              <a:t> multiset&lt;</a:t>
+            </a:r>
+            <a:r>
+              <a:rPr lang="zh-TW" altLang="zh-TW" b="1">
+                <a:solidFill>
+                  <a:srgbClr val="333399"/>
+                </a:solidFill>
+                <a:latin typeface="Times New Roman" panose="02020603050405020304" pitchFamily="18" charset="0"/>
+                <a:ea typeface="標楷體" panose="03000509000000000000" pitchFamily="65" charset="-120"/>
+              </a:rPr>
+              <a:t>int</a:t>
+            </a:r>
+            <a:r>
+              <a:rPr lang="zh-TW" altLang="zh-TW">
+                <a:solidFill>
+                  <a:srgbClr val="333333"/>
+                </a:solidFill>
+                <a:latin typeface="Times New Roman" panose="02020603050405020304" pitchFamily="18" charset="0"/>
+                <a:ea typeface="標楷體" panose="03000509000000000000" pitchFamily="65" charset="-120"/>
+              </a:rPr>
+              <a:t>&gt; &amp;A, </a:t>
+            </a:r>
+            <a:r>
+              <a:rPr lang="zh-TW" altLang="zh-TW" b="1">
+                <a:solidFill>
+                  <a:srgbClr val="008800"/>
+                </a:solidFill>
+                <a:latin typeface="Times New Roman" panose="02020603050405020304" pitchFamily="18" charset="0"/>
+                <a:ea typeface="標楷體" panose="03000509000000000000" pitchFamily="65" charset="-120"/>
+              </a:rPr>
+              <a:t>const</a:t>
+            </a:r>
+            <a:r>
+              <a:rPr lang="zh-TW" altLang="zh-TW">
+                <a:solidFill>
+                  <a:srgbClr val="333333"/>
+                </a:solidFill>
+                <a:latin typeface="Times New Roman" panose="02020603050405020304" pitchFamily="18" charset="0"/>
+                <a:ea typeface="標楷體" panose="03000509000000000000" pitchFamily="65" charset="-120"/>
+              </a:rPr>
+              <a:t> multiset&lt;</a:t>
+            </a:r>
+            <a:r>
+              <a:rPr lang="zh-TW" altLang="zh-TW" b="1">
+                <a:solidFill>
+                  <a:srgbClr val="333399"/>
+                </a:solidFill>
+                <a:latin typeface="Times New Roman" panose="02020603050405020304" pitchFamily="18" charset="0"/>
+                <a:ea typeface="標楷體" panose="03000509000000000000" pitchFamily="65" charset="-120"/>
+              </a:rPr>
+              <a:t>int</a:t>
+            </a:r>
+            <a:r>
+              <a:rPr lang="zh-TW" altLang="zh-TW">
+                <a:solidFill>
+                  <a:srgbClr val="333333"/>
+                </a:solidFill>
+                <a:latin typeface="Times New Roman" panose="02020603050405020304" pitchFamily="18" charset="0"/>
+                <a:ea typeface="標楷體" panose="03000509000000000000" pitchFamily="65" charset="-120"/>
+              </a:rPr>
+              <a:t>&gt; &amp;B){ </a:t>
+            </a:r>
+            <a:endParaRPr lang="en-US" altLang="zh-TW">
+              <a:solidFill>
+                <a:srgbClr val="333333"/>
+              </a:solidFill>
+              <a:latin typeface="Times New Roman" panose="02020603050405020304" pitchFamily="18" charset="0"/>
+              <a:ea typeface="標楷體" panose="03000509000000000000" pitchFamily="65" charset="-120"/>
+            </a:endParaRPr>
+          </a:p>
+          <a:p>
+            <a:pPr marL="0" indent="0">
+              <a:buNone/>
+            </a:pPr>
+            <a:r>
+              <a:rPr lang="zh-TW" altLang="en-US" b="1">
+                <a:solidFill>
+                  <a:srgbClr val="008800"/>
+                </a:solidFill>
+                <a:latin typeface="Times New Roman" panose="02020603050405020304" pitchFamily="18" charset="0"/>
+                <a:ea typeface="標楷體" panose="03000509000000000000" pitchFamily="65" charset="-120"/>
+              </a:rPr>
+              <a:t>    </a:t>
+            </a:r>
+            <a:r>
+              <a:rPr lang="zh-TW" altLang="zh-TW" b="1">
+                <a:solidFill>
+                  <a:srgbClr val="008800"/>
+                </a:solidFill>
+                <a:latin typeface="Times New Roman" panose="02020603050405020304" pitchFamily="18" charset="0"/>
+                <a:ea typeface="標楷體" panose="03000509000000000000" pitchFamily="65" charset="-120"/>
+              </a:rPr>
+              <a:t>for</a:t>
+            </a:r>
+            <a:r>
+              <a:rPr lang="zh-TW" altLang="zh-TW">
+                <a:solidFill>
+                  <a:srgbClr val="333333"/>
+                </a:solidFill>
+                <a:latin typeface="Times New Roman" panose="02020603050405020304" pitchFamily="18" charset="0"/>
+                <a:ea typeface="標楷體" panose="03000509000000000000" pitchFamily="65" charset="-120"/>
+              </a:rPr>
+              <a:t>(</a:t>
+            </a:r>
+            <a:r>
+              <a:rPr lang="zh-TW" altLang="zh-TW" b="1">
+                <a:solidFill>
+                  <a:srgbClr val="008800"/>
+                </a:solidFill>
+                <a:latin typeface="Times New Roman" panose="02020603050405020304" pitchFamily="18" charset="0"/>
+                <a:ea typeface="標楷體" panose="03000509000000000000" pitchFamily="65" charset="-120"/>
+              </a:rPr>
+              <a:t>auto</a:t>
+            </a:r>
+            <a:r>
+              <a:rPr lang="zh-TW" altLang="zh-TW">
+                <a:solidFill>
+                  <a:srgbClr val="333333"/>
+                </a:solidFill>
+                <a:latin typeface="Times New Roman" panose="02020603050405020304" pitchFamily="18" charset="0"/>
+                <a:ea typeface="標楷體" panose="03000509000000000000" pitchFamily="65" charset="-120"/>
+              </a:rPr>
+              <a:t> ai = A.begin(), bi = B.begin(); ai != A.end() &amp;&amp; bi != B.end(); ++ai, ++bi){</a:t>
+            </a:r>
+            <a:endParaRPr lang="en-US" altLang="zh-TW">
+              <a:solidFill>
+                <a:srgbClr val="333333"/>
+              </a:solidFill>
+              <a:latin typeface="Times New Roman" panose="02020603050405020304" pitchFamily="18" charset="0"/>
+              <a:ea typeface="標楷體" panose="03000509000000000000" pitchFamily="65" charset="-120"/>
+            </a:endParaRPr>
+          </a:p>
+          <a:p>
+            <a:pPr marL="0" indent="0">
+              <a:buNone/>
+            </a:pPr>
+            <a:r>
+              <a:rPr lang="zh-TW" altLang="en-US" b="1">
+                <a:solidFill>
+                  <a:srgbClr val="333333"/>
+                </a:solidFill>
+                <a:latin typeface="Times New Roman" panose="02020603050405020304" pitchFamily="18" charset="0"/>
+                <a:ea typeface="標楷體" panose="03000509000000000000" pitchFamily="65" charset="-120"/>
+              </a:rPr>
+              <a:t>        </a:t>
+            </a:r>
+            <a:r>
+              <a:rPr lang="zh-TW" altLang="zh-TW" b="1">
+                <a:solidFill>
+                  <a:srgbClr val="008800"/>
+                </a:solidFill>
+                <a:latin typeface="Times New Roman" panose="02020603050405020304" pitchFamily="18" charset="0"/>
+                <a:ea typeface="標楷體" panose="03000509000000000000" pitchFamily="65" charset="-120"/>
+              </a:rPr>
+              <a:t>if</a:t>
+            </a:r>
+            <a:r>
+              <a:rPr lang="zh-TW" altLang="zh-TW">
+                <a:solidFill>
+                  <a:srgbClr val="333333"/>
+                </a:solidFill>
+                <a:latin typeface="Times New Roman" panose="02020603050405020304" pitchFamily="18" charset="0"/>
+                <a:ea typeface="標楷體" panose="03000509000000000000" pitchFamily="65" charset="-120"/>
+              </a:rPr>
+              <a:t>(*ai &lt;= *bi)</a:t>
+            </a:r>
+            <a:r>
+              <a:rPr lang="zh-TW" altLang="en-US">
+                <a:solidFill>
+                  <a:srgbClr val="333333"/>
+                </a:solidFill>
+                <a:latin typeface="Times New Roman" panose="02020603050405020304" pitchFamily="18" charset="0"/>
+                <a:ea typeface="標楷體" panose="03000509000000000000" pitchFamily="65" charset="-120"/>
+              </a:rPr>
               <a:t> </a:t>
             </a:r>
             <a:r>
-              <a:rPr lang="en-US" altLang="zh-TW" dirty="0" smtClean="0"/>
-              <a:t>//</a:t>
-            </a:r>
-            <a:r>
-              <a:rPr lang="zh-TW" altLang="en-US" dirty="0" smtClean="0"/>
-              <a:t>存</a:t>
-            </a:r>
-            <a:r>
-              <a:rPr lang="zh-TW" altLang="en-US" dirty="0" smtClean="0"/>
-              <a:t>輸入的</a:t>
-            </a:r>
-            <a:r>
-              <a:rPr lang="zh-TW" altLang="en-US" dirty="0"/>
-              <a:t>總</a:t>
-            </a:r>
-            <a:r>
-              <a:rPr lang="zh-TW" altLang="en-US" dirty="0" smtClean="0"/>
-              <a:t>群組，並用</a:t>
-            </a:r>
-            <a:r>
-              <a:rPr lang="en-US" altLang="zh-TW" dirty="0" smtClean="0"/>
-              <a:t>multiset</a:t>
-            </a:r>
-            <a:r>
-              <a:rPr lang="zh-TW" altLang="en-US" dirty="0" smtClean="0"/>
-              <a:t>維護一個有序的群組</a:t>
-            </a:r>
-            <a:endParaRPr lang="en-US" altLang="zh-TW" dirty="0"/>
-          </a:p>
-          <a:p>
-            <a:r>
-              <a:rPr lang="en-US" altLang="zh-TW" dirty="0"/>
-              <a:t>vector&lt;</a:t>
-            </a:r>
-            <a:r>
-              <a:rPr lang="en-US" altLang="zh-TW" dirty="0" err="1"/>
-              <a:t>int</a:t>
-            </a:r>
-            <a:r>
-              <a:rPr lang="en-US" altLang="zh-TW" dirty="0"/>
-              <a:t>&gt; graph[N</a:t>
-            </a:r>
-            <a:r>
-              <a:rPr lang="en-US" altLang="zh-TW" dirty="0" smtClean="0"/>
-              <a:t>]</a:t>
-            </a:r>
-            <a:r>
-              <a:rPr lang="zh-TW" altLang="en-US" dirty="0" smtClean="0"/>
+              <a:rPr lang="zh-TW" altLang="zh-TW" b="1">
+                <a:solidFill>
+                  <a:srgbClr val="008800"/>
+                </a:solidFill>
+                <a:latin typeface="Times New Roman" panose="02020603050405020304" pitchFamily="18" charset="0"/>
+                <a:ea typeface="標楷體" panose="03000509000000000000" pitchFamily="65" charset="-120"/>
+              </a:rPr>
+              <a:t>return</a:t>
+            </a:r>
+            <a:r>
+              <a:rPr lang="zh-TW" altLang="zh-TW">
+                <a:solidFill>
+                  <a:srgbClr val="333333"/>
+                </a:solidFill>
+                <a:latin typeface="Times New Roman" panose="02020603050405020304" pitchFamily="18" charset="0"/>
+                <a:ea typeface="標楷體" panose="03000509000000000000" pitchFamily="65" charset="-120"/>
+              </a:rPr>
               <a:t> </a:t>
             </a:r>
             <a:r>
-              <a:rPr lang="en-US" altLang="zh-TW" dirty="0" smtClean="0"/>
-              <a:t>//</a:t>
-            </a:r>
-            <a:r>
-              <a:rPr lang="zh-TW" altLang="en-US" dirty="0" smtClean="0"/>
-              <a:t>存</a:t>
-            </a:r>
-            <a:r>
-              <a:rPr lang="zh-TW" altLang="en-US" dirty="0" smtClean="0"/>
-              <a:t>圖</a:t>
-            </a:r>
-            <a:endParaRPr lang="en-US" altLang="zh-TW" dirty="0"/>
-          </a:p>
-          <a:p>
-            <a:r>
-              <a:rPr lang="en-US" altLang="zh-TW" dirty="0"/>
-              <a:t>vector&lt;</a:t>
-            </a:r>
-            <a:r>
-              <a:rPr lang="en-US" altLang="zh-TW" dirty="0" err="1"/>
-              <a:t>int</a:t>
-            </a:r>
-            <a:r>
-              <a:rPr lang="en-US" altLang="zh-TW" dirty="0"/>
-              <a:t>&gt; </a:t>
-            </a:r>
-            <a:r>
-              <a:rPr lang="en-US" altLang="zh-TW" dirty="0" smtClean="0"/>
-              <a:t>dep</a:t>
-            </a:r>
-            <a:r>
-              <a:rPr lang="zh-TW" altLang="en-US" dirty="0" smtClean="0"/>
+              <a:rPr lang="zh-TW" altLang="zh-TW">
+                <a:solidFill>
+                  <a:srgbClr val="007020"/>
+                </a:solidFill>
+                <a:latin typeface="Times New Roman" panose="02020603050405020304" pitchFamily="18" charset="0"/>
+                <a:ea typeface="標楷體" panose="03000509000000000000" pitchFamily="65" charset="-120"/>
+              </a:rPr>
+              <a:t>false</a:t>
+            </a:r>
+            <a:r>
+              <a:rPr lang="zh-TW" altLang="zh-TW">
+                <a:solidFill>
+                  <a:srgbClr val="333333"/>
+                </a:solidFill>
+                <a:latin typeface="Times New Roman" panose="02020603050405020304" pitchFamily="18" charset="0"/>
+                <a:ea typeface="標楷體" panose="03000509000000000000" pitchFamily="65" charset="-120"/>
+              </a:rPr>
+              <a:t>;</a:t>
+            </a:r>
+            <a:endParaRPr lang="en-US" altLang="zh-TW">
+              <a:solidFill>
+                <a:srgbClr val="333333"/>
+              </a:solidFill>
+              <a:latin typeface="Times New Roman" panose="02020603050405020304" pitchFamily="18" charset="0"/>
+              <a:ea typeface="標楷體" panose="03000509000000000000" pitchFamily="65" charset="-120"/>
+            </a:endParaRPr>
+          </a:p>
+          <a:p>
+            <a:pPr marL="0" indent="0">
+              <a:buNone/>
+            </a:pPr>
+            <a:r>
+              <a:rPr lang="zh-TW" altLang="en-US">
+                <a:solidFill>
+                  <a:srgbClr val="333333"/>
+                </a:solidFill>
+                <a:latin typeface="Times New Roman" panose="02020603050405020304" pitchFamily="18" charset="0"/>
+                <a:ea typeface="標楷體" panose="03000509000000000000" pitchFamily="65" charset="-120"/>
+              </a:rPr>
+              <a:t>    </a:t>
+            </a:r>
+            <a:r>
+              <a:rPr lang="zh-TW" altLang="zh-TW">
+                <a:solidFill>
+                  <a:srgbClr val="333333"/>
+                </a:solidFill>
+                <a:latin typeface="Times New Roman" panose="02020603050405020304" pitchFamily="18" charset="0"/>
+                <a:ea typeface="標楷體" panose="03000509000000000000" pitchFamily="65" charset="-120"/>
+              </a:rPr>
+              <a:t>}</a:t>
+            </a:r>
+            <a:endParaRPr lang="en-US" altLang="zh-TW">
+              <a:solidFill>
+                <a:srgbClr val="333333"/>
+              </a:solidFill>
+              <a:latin typeface="Times New Roman" panose="02020603050405020304" pitchFamily="18" charset="0"/>
+              <a:ea typeface="標楷體" panose="03000509000000000000" pitchFamily="65" charset="-120"/>
+            </a:endParaRPr>
+          </a:p>
+          <a:p>
+            <a:pPr marL="0" indent="0">
+              <a:buNone/>
+            </a:pPr>
+            <a:r>
+              <a:rPr lang="zh-TW" altLang="en-US" b="1">
+                <a:solidFill>
+                  <a:srgbClr val="008800"/>
+                </a:solidFill>
+                <a:latin typeface="Times New Roman" panose="02020603050405020304" pitchFamily="18" charset="0"/>
+                <a:ea typeface="標楷體" panose="03000509000000000000" pitchFamily="65" charset="-120"/>
+              </a:rPr>
+              <a:t>    </a:t>
+            </a:r>
+            <a:r>
+              <a:rPr lang="zh-TW" altLang="zh-TW" b="1">
+                <a:solidFill>
+                  <a:srgbClr val="008800"/>
+                </a:solidFill>
+                <a:latin typeface="Times New Roman" panose="02020603050405020304" pitchFamily="18" charset="0"/>
+                <a:ea typeface="標楷體" panose="03000509000000000000" pitchFamily="65" charset="-120"/>
+              </a:rPr>
+              <a:t>return</a:t>
+            </a:r>
+            <a:r>
+              <a:rPr lang="zh-TW" altLang="zh-TW">
+                <a:solidFill>
+                  <a:srgbClr val="333333"/>
+                </a:solidFill>
+                <a:latin typeface="Times New Roman" panose="02020603050405020304" pitchFamily="18" charset="0"/>
+                <a:ea typeface="標楷體" panose="03000509000000000000" pitchFamily="65" charset="-120"/>
+              </a:rPr>
               <a:t> </a:t>
             </a:r>
             <a:r>
-              <a:rPr lang="en-US" altLang="zh-TW" dirty="0" smtClean="0"/>
-              <a:t>//</a:t>
-            </a:r>
-            <a:r>
-              <a:rPr lang="zh-TW" altLang="en-US" dirty="0" smtClean="0"/>
-              <a:t>存</a:t>
-            </a:r>
-            <a:r>
-              <a:rPr lang="zh-TW" altLang="en-US" dirty="0" smtClean="0"/>
-              <a:t>每個點的深度</a:t>
-            </a:r>
-            <a:endParaRPr lang="en-US" altLang="zh-TW" dirty="0"/>
-          </a:p>
-          <a:p>
-            <a:r>
-              <a:rPr lang="en-US" altLang="zh-TW" dirty="0"/>
-              <a:t>vector&lt;bool&gt; </a:t>
-            </a:r>
-            <a:r>
-              <a:rPr lang="en-US" altLang="zh-TW" dirty="0" smtClean="0"/>
-              <a:t>vis</a:t>
-            </a:r>
-            <a:r>
-              <a:rPr lang="zh-TW" altLang="en-US" dirty="0" smtClean="0"/>
+              <a:rPr lang="zh-TW" altLang="zh-TW">
+                <a:solidFill>
+                  <a:srgbClr val="007020"/>
+                </a:solidFill>
+                <a:latin typeface="Times New Roman" panose="02020603050405020304" pitchFamily="18" charset="0"/>
+                <a:ea typeface="標楷體" panose="03000509000000000000" pitchFamily="65" charset="-120"/>
+              </a:rPr>
+              <a:t>true</a:t>
+            </a:r>
+            <a:r>
+              <a:rPr lang="zh-TW" altLang="zh-TW">
+                <a:solidFill>
+                  <a:srgbClr val="333333"/>
+                </a:solidFill>
+                <a:latin typeface="Times New Roman" panose="02020603050405020304" pitchFamily="18" charset="0"/>
+                <a:ea typeface="標楷體" panose="03000509000000000000" pitchFamily="65" charset="-120"/>
+              </a:rPr>
+              <a:t>;</a:t>
+            </a:r>
+            <a:endParaRPr lang="en-US" altLang="zh-TW">
+              <a:solidFill>
+                <a:srgbClr val="333333"/>
+              </a:solidFill>
+              <a:latin typeface="Times New Roman" panose="02020603050405020304" pitchFamily="18" charset="0"/>
+              <a:ea typeface="標楷體" panose="03000509000000000000" pitchFamily="65" charset="-120"/>
+            </a:endParaRPr>
+          </a:p>
+          <a:p>
+            <a:pPr marL="0" indent="0">
+              <a:buNone/>
+            </a:pPr>
+            <a:r>
+              <a:rPr lang="zh-TW" altLang="zh-TW">
+                <a:solidFill>
+                  <a:srgbClr val="333333"/>
+                </a:solidFill>
+                <a:latin typeface="Times New Roman" panose="02020603050405020304" pitchFamily="18" charset="0"/>
+                <a:ea typeface="標楷體" panose="03000509000000000000" pitchFamily="65" charset="-120"/>
+              </a:rPr>
+              <a:t>};</a:t>
+            </a:r>
+            <a:r>
+              <a:rPr lang="zh-TW" altLang="zh-TW" sz="2000">
+                <a:latin typeface="Times New Roman" panose="02020603050405020304" pitchFamily="18" charset="0"/>
+                <a:ea typeface="標楷體" panose="03000509000000000000" pitchFamily="65" charset="-120"/>
+              </a:rPr>
               <a:t> </a:t>
             </a:r>
-            <a:r>
-              <a:rPr lang="en-US" altLang="zh-TW" dirty="0" smtClean="0"/>
-              <a:t>//</a:t>
-            </a:r>
-            <a:r>
-              <a:rPr lang="zh-TW" altLang="en-US" dirty="0" smtClean="0"/>
-              <a:t>是否</a:t>
-            </a:r>
-            <a:r>
-              <a:rPr lang="zh-TW" altLang="en-US" dirty="0" smtClean="0"/>
-              <a:t>拜訪過陣列</a:t>
-            </a:r>
-            <a:endParaRPr lang="en-US" altLang="zh-TW" dirty="0"/>
-          </a:p>
-          <a:p>
-            <a:r>
-              <a:rPr lang="en-US" altLang="zh-TW" dirty="0"/>
-              <a:t>vector&lt;</a:t>
-            </a:r>
-            <a:r>
-              <a:rPr lang="en-US" altLang="zh-TW" dirty="0" err="1"/>
-              <a:t>int</a:t>
-            </a:r>
-            <a:r>
-              <a:rPr lang="en-US" altLang="zh-TW" dirty="0"/>
-              <a:t>&gt; </a:t>
-            </a:r>
-            <a:r>
-              <a:rPr lang="en-US" altLang="zh-TW" dirty="0" err="1" smtClean="0"/>
-              <a:t>nxt</a:t>
-            </a:r>
-            <a:r>
-              <a:rPr lang="zh-TW" altLang="en-US" dirty="0" smtClean="0"/>
-              <a:t> </a:t>
-            </a:r>
-            <a:r>
-              <a:rPr lang="en-US" altLang="zh-TW" dirty="0" smtClean="0"/>
-              <a:t>//</a:t>
-            </a:r>
-            <a:r>
-              <a:rPr lang="zh-TW" altLang="en-US" dirty="0" smtClean="0"/>
-              <a:t>每</a:t>
-            </a:r>
-            <a:r>
-              <a:rPr lang="zh-TW" altLang="en-US" dirty="0" smtClean="0"/>
-              <a:t>個點的下一個節點</a:t>
-            </a:r>
-            <a:endParaRPr lang="en-US" altLang="zh-TW" dirty="0" smtClean="0"/>
-          </a:p>
-          <a:p>
-            <a:r>
-              <a:rPr lang="en-US" altLang="zh-TW" dirty="0" smtClean="0"/>
-              <a:t>Lambda:</a:t>
-            </a:r>
-            <a:r>
-              <a:rPr lang="zh-TW" altLang="en-US" dirty="0" smtClean="0"/>
-              <a:t> 每個</a:t>
-            </a:r>
-            <a:r>
-              <a:rPr lang="en-US" altLang="zh-TW" dirty="0" smtClean="0"/>
-              <a:t>multiset</a:t>
-            </a:r>
-            <a:r>
-              <a:rPr lang="zh-TW" altLang="en-US" dirty="0" smtClean="0"/>
-              <a:t>元素進行比較</a:t>
-            </a:r>
-            <a:endParaRPr lang="en-US" altLang="zh-TW" dirty="0" smtClean="0"/>
-          </a:p>
-          <a:p>
-            <a:r>
-              <a:rPr lang="en-US" altLang="zh-TW" dirty="0"/>
-              <a:t>auto </a:t>
-            </a:r>
-            <a:r>
-              <a:rPr lang="en-US" altLang="zh-TW" dirty="0" err="1"/>
-              <a:t>group_compare</a:t>
-            </a:r>
-            <a:r>
-              <a:rPr lang="en-US" altLang="zh-TW" dirty="0"/>
-              <a:t> = [](</a:t>
-            </a:r>
-            <a:r>
-              <a:rPr lang="en-US" altLang="zh-TW" dirty="0" err="1"/>
-              <a:t>const</a:t>
-            </a:r>
-            <a:r>
-              <a:rPr lang="en-US" altLang="zh-TW" dirty="0"/>
-              <a:t> multiset&lt;</a:t>
-            </a:r>
-            <a:r>
-              <a:rPr lang="en-US" altLang="zh-TW" dirty="0" err="1"/>
-              <a:t>int</a:t>
-            </a:r>
-            <a:r>
-              <a:rPr lang="en-US" altLang="zh-TW" dirty="0"/>
-              <a:t>&gt; &amp;A, </a:t>
-            </a:r>
-            <a:r>
-              <a:rPr lang="en-US" altLang="zh-TW" dirty="0" err="1"/>
-              <a:t>const</a:t>
-            </a:r>
-            <a:r>
-              <a:rPr lang="en-US" altLang="zh-TW" dirty="0"/>
-              <a:t>  multiset&lt;</a:t>
-            </a:r>
-            <a:r>
-              <a:rPr lang="en-US" altLang="zh-TW" dirty="0" err="1"/>
-              <a:t>int</a:t>
-            </a:r>
-            <a:r>
-              <a:rPr lang="en-US" altLang="zh-TW" dirty="0"/>
-              <a:t>&gt; &amp;B){</a:t>
-            </a:r>
-          </a:p>
-          <a:p>
-            <a:r>
-              <a:rPr lang="en-US" altLang="zh-TW" dirty="0"/>
-              <a:t>            for(auto </a:t>
-            </a:r>
-            <a:r>
-              <a:rPr lang="en-US" altLang="zh-TW" dirty="0" err="1"/>
-              <a:t>ai</a:t>
-            </a:r>
-            <a:r>
-              <a:rPr lang="en-US" altLang="zh-TW" dirty="0"/>
-              <a:t> = </a:t>
-            </a:r>
-            <a:r>
-              <a:rPr lang="en-US" altLang="zh-TW" dirty="0" err="1"/>
-              <a:t>A.begin</a:t>
-            </a:r>
-            <a:r>
-              <a:rPr lang="en-US" altLang="zh-TW" dirty="0"/>
-              <a:t>(), bi = </a:t>
-            </a:r>
-            <a:r>
-              <a:rPr lang="en-US" altLang="zh-TW" dirty="0" err="1"/>
-              <a:t>B.begin</a:t>
-            </a:r>
-            <a:r>
-              <a:rPr lang="en-US" altLang="zh-TW" dirty="0"/>
-              <a:t>(); </a:t>
-            </a:r>
-            <a:r>
-              <a:rPr lang="en-US" altLang="zh-TW" dirty="0" err="1"/>
-              <a:t>ai</a:t>
-            </a:r>
-            <a:r>
-              <a:rPr lang="en-US" altLang="zh-TW" dirty="0"/>
-              <a:t> != </a:t>
-            </a:r>
-            <a:r>
-              <a:rPr lang="en-US" altLang="zh-TW" dirty="0" err="1"/>
-              <a:t>A.end</a:t>
-            </a:r>
-            <a:r>
-              <a:rPr lang="en-US" altLang="zh-TW" dirty="0"/>
-              <a:t>() &amp;&amp; bi != </a:t>
-            </a:r>
-            <a:r>
-              <a:rPr lang="en-US" altLang="zh-TW" dirty="0" err="1"/>
-              <a:t>B.end</a:t>
-            </a:r>
-            <a:r>
-              <a:rPr lang="en-US" altLang="zh-TW" dirty="0"/>
-              <a:t>(); ++</a:t>
-            </a:r>
-            <a:r>
-              <a:rPr lang="en-US" altLang="zh-TW" dirty="0" err="1"/>
-              <a:t>ai</a:t>
-            </a:r>
-            <a:r>
-              <a:rPr lang="en-US" altLang="zh-TW" dirty="0"/>
-              <a:t>, ++bi){</a:t>
-            </a:r>
-          </a:p>
-          <a:p>
-            <a:r>
-              <a:rPr lang="en-US" altLang="zh-TW" dirty="0"/>
-              <a:t>                if(*</a:t>
-            </a:r>
-            <a:r>
-              <a:rPr lang="en-US" altLang="zh-TW" dirty="0" err="1"/>
-              <a:t>ai</a:t>
-            </a:r>
-            <a:r>
-              <a:rPr lang="en-US" altLang="zh-TW" dirty="0"/>
-              <a:t> &lt;= *bi) return false;</a:t>
-            </a:r>
-          </a:p>
-          <a:p>
-            <a:r>
-              <a:rPr lang="en-US" altLang="zh-TW" dirty="0"/>
-              <a:t>            }</a:t>
-            </a:r>
-          </a:p>
-          <a:p>
-            <a:r>
-              <a:rPr lang="en-US" altLang="zh-TW" dirty="0"/>
-              <a:t>            return true;</a:t>
-            </a:r>
-          </a:p>
-          <a:p>
-            <a:r>
-              <a:rPr lang="en-US" altLang="zh-TW" dirty="0"/>
-              <a:t>        };</a:t>
-            </a:r>
-            <a:endParaRPr lang="zh-TW" altLang="en-US" dirty="0"/>
+            <a:endParaRPr lang="zh-TW" altLang="zh-TW" sz="5400">
+              <a:latin typeface="Times New Roman" panose="02020603050405020304" pitchFamily="18" charset="0"/>
+              <a:ea typeface="標楷體" panose="03000509000000000000" pitchFamily="65" charset="-120"/>
+            </a:endParaRPr>
           </a:p>
         </p:txBody>
       </p:sp>
@@ -6002,7 +6428,7 @@
           <a:lstStyle/>
           <a:p>
             <a:r>
-              <a:rPr lang="en-US" altLang="zh-TW" dirty="0" smtClean="0"/>
+              <a:rPr lang="en-US" altLang="zh-TW" dirty="0"/>
               <a:t>DFS</a:t>
             </a:r>
             <a:endParaRPr lang="zh-TW" altLang="en-US" dirty="0"/>
@@ -6022,202 +6448,811 @@
         <p:spPr/>
         <p:txBody>
           <a:bodyPr>
-            <a:normAutofit fontScale="55000" lnSpcReduction="20000"/>
+            <a:noAutofit/>
           </a:bodyPr>
           <a:lstStyle/>
           <a:p>
-            <a:r>
-              <a:rPr lang="zh-TW" altLang="en-US" dirty="0" smtClean="0"/>
+            <a:pPr marL="0" indent="0">
+              <a:lnSpc>
+                <a:spcPct val="100000"/>
+              </a:lnSpc>
+              <a:buNone/>
+            </a:pPr>
+            <a:r>
+              <a:rPr lang="zh-TW" altLang="en-US" sz="2000" dirty="0">
+                <a:latin typeface="Times New Roman" panose="02020603050405020304" pitchFamily="18" charset="0"/>
+                <a:ea typeface="標楷體" panose="03000509000000000000" pitchFamily="65" charset="-120"/>
+              </a:rPr>
               <a:t>每個點走子點，並從所有子點，挑最大</a:t>
             </a:r>
             <a:r>
-              <a:rPr lang="en-US" altLang="zh-TW" dirty="0" smtClean="0"/>
+              <a:rPr lang="en-US" altLang="zh-TW" sz="2000" dirty="0">
+                <a:latin typeface="Times New Roman" panose="02020603050405020304" pitchFamily="18" charset="0"/>
+                <a:ea typeface="標楷體" panose="03000509000000000000" pitchFamily="65" charset="-120"/>
+              </a:rPr>
               <a:t>+1</a:t>
             </a:r>
             <a:r>
-              <a:rPr lang="zh-TW" altLang="en-US" dirty="0" smtClean="0"/>
-              <a:t>，當作現在的深度。更新並記錄。</a:t>
-            </a:r>
-            <a:endParaRPr lang="en-US" altLang="zh-TW" dirty="0" smtClean="0"/>
-          </a:p>
-          <a:p>
-            <a:r>
-              <a:rPr lang="en-US" altLang="zh-TW" dirty="0" err="1" smtClean="0"/>
+              <a:rPr lang="zh-TW" altLang="en-US" sz="2000" dirty="0">
+                <a:latin typeface="Times New Roman" panose="02020603050405020304" pitchFamily="18" charset="0"/>
+                <a:ea typeface="標楷體" panose="03000509000000000000" pitchFamily="65" charset="-120"/>
+              </a:rPr>
+              <a:t>，當作現在的深度。更新並</a:t>
+            </a:r>
+            <a:r>
+              <a:rPr lang="zh-TW" altLang="en-US" sz="2000">
+                <a:latin typeface="Times New Roman" panose="02020603050405020304" pitchFamily="18" charset="0"/>
+                <a:ea typeface="標楷體" panose="03000509000000000000" pitchFamily="65" charset="-120"/>
+              </a:rPr>
+              <a:t>記錄。</a:t>
+            </a:r>
+            <a:endParaRPr lang="en-US" altLang="zh-TW" sz="2000" dirty="0">
+              <a:latin typeface="Times New Roman" panose="02020603050405020304" pitchFamily="18" charset="0"/>
+              <a:ea typeface="標楷體" panose="03000509000000000000" pitchFamily="65" charset="-120"/>
+            </a:endParaRPr>
+          </a:p>
+          <a:p>
+            <a:pPr marL="0" lvl="0" indent="0" eaLnBrk="0" fontAlgn="base" hangingPunct="0">
+              <a:lnSpc>
+                <a:spcPct val="100000"/>
+              </a:lnSpc>
+              <a:spcBef>
+                <a:spcPct val="0"/>
+              </a:spcBef>
+              <a:spcAft>
+                <a:spcPct val="0"/>
+              </a:spcAft>
+              <a:buNone/>
+            </a:pPr>
+            <a:r>
+              <a:rPr lang="zh-TW" altLang="zh-TW" sz="2000" b="1">
+                <a:solidFill>
+                  <a:srgbClr val="333399"/>
+                </a:solidFill>
+                <a:latin typeface="Times New Roman" panose="02020603050405020304" pitchFamily="18" charset="0"/>
+                <a:ea typeface="標楷體" panose="03000509000000000000" pitchFamily="65" charset="-120"/>
+              </a:rPr>
               <a:t>int</a:t>
             </a:r>
             <a:r>
-              <a:rPr lang="en-US" altLang="zh-TW" dirty="0" smtClean="0"/>
+              <a:rPr lang="zh-TW" altLang="zh-TW" sz="2000">
+                <a:solidFill>
+                  <a:srgbClr val="333333"/>
+                </a:solidFill>
+                <a:latin typeface="Times New Roman" panose="02020603050405020304" pitchFamily="18" charset="0"/>
+                <a:ea typeface="標楷體" panose="03000509000000000000" pitchFamily="65" charset="-120"/>
+              </a:rPr>
               <a:t> </a:t>
             </a:r>
             <a:r>
-              <a:rPr lang="en-US" altLang="zh-TW" dirty="0" err="1"/>
+              <a:rPr lang="zh-TW" altLang="zh-TW" sz="2000" b="1">
+                <a:solidFill>
+                  <a:srgbClr val="0066BB"/>
+                </a:solidFill>
+                <a:latin typeface="Times New Roman" panose="02020603050405020304" pitchFamily="18" charset="0"/>
+                <a:ea typeface="標楷體" panose="03000509000000000000" pitchFamily="65" charset="-120"/>
+              </a:rPr>
               <a:t>dfs</a:t>
             </a:r>
             <a:r>
-              <a:rPr lang="en-US" altLang="zh-TW" dirty="0"/>
+              <a:rPr lang="zh-TW" altLang="zh-TW" sz="2000">
+                <a:solidFill>
+                  <a:srgbClr val="333333"/>
+                </a:solidFill>
+                <a:latin typeface="Times New Roman" panose="02020603050405020304" pitchFamily="18" charset="0"/>
+                <a:ea typeface="標楷體" panose="03000509000000000000" pitchFamily="65" charset="-120"/>
+              </a:rPr>
               <a:t>(</a:t>
             </a:r>
             <a:r>
-              <a:rPr lang="en-US" altLang="zh-TW" dirty="0" err="1"/>
+              <a:rPr lang="zh-TW" altLang="zh-TW" sz="2000" b="1">
+                <a:solidFill>
+                  <a:srgbClr val="333399"/>
+                </a:solidFill>
+                <a:latin typeface="Times New Roman" panose="02020603050405020304" pitchFamily="18" charset="0"/>
+                <a:ea typeface="標楷體" panose="03000509000000000000" pitchFamily="65" charset="-120"/>
+              </a:rPr>
               <a:t>int</a:t>
             </a:r>
             <a:r>
-              <a:rPr lang="en-US" altLang="zh-TW" dirty="0"/>
+              <a:rPr lang="zh-TW" altLang="zh-TW" sz="2000">
+                <a:solidFill>
+                  <a:srgbClr val="333333"/>
+                </a:solidFill>
+                <a:latin typeface="Times New Roman" panose="02020603050405020304" pitchFamily="18" charset="0"/>
+                <a:ea typeface="標楷體" panose="03000509000000000000" pitchFamily="65" charset="-120"/>
+              </a:rPr>
               <a:t> u){</a:t>
             </a:r>
-          </a:p>
-          <a:p>
-            <a:r>
-              <a:rPr lang="en-US" altLang="zh-TW" dirty="0"/>
-              <a:t>    if(vis[u]) return dep[u];</a:t>
-            </a:r>
-          </a:p>
-          <a:p>
-            <a:r>
-              <a:rPr lang="en-US" altLang="zh-TW" dirty="0"/>
-              <a:t>    vis[u] = 1;</a:t>
-            </a:r>
-          </a:p>
-          <a:p>
-            <a:r>
-              <a:rPr lang="en-US" altLang="zh-TW" dirty="0"/>
+            <a:endParaRPr lang="en-US" altLang="zh-TW" sz="2000">
+              <a:solidFill>
+                <a:srgbClr val="333333"/>
+              </a:solidFill>
+              <a:latin typeface="Times New Roman" panose="02020603050405020304" pitchFamily="18" charset="0"/>
+              <a:ea typeface="標楷體" panose="03000509000000000000" pitchFamily="65" charset="-120"/>
+            </a:endParaRPr>
+          </a:p>
+          <a:p>
+            <a:pPr marL="0" lvl="0" indent="0" eaLnBrk="0" fontAlgn="base" hangingPunct="0">
+              <a:lnSpc>
+                <a:spcPct val="100000"/>
+              </a:lnSpc>
+              <a:spcBef>
+                <a:spcPct val="0"/>
+              </a:spcBef>
+              <a:spcAft>
+                <a:spcPct val="0"/>
+              </a:spcAft>
+              <a:buNone/>
+            </a:pPr>
+            <a:r>
+              <a:rPr lang="zh-TW" altLang="en-US" sz="2000" b="1">
+                <a:solidFill>
+                  <a:srgbClr val="333333"/>
+                </a:solidFill>
+                <a:latin typeface="Times New Roman" panose="02020603050405020304" pitchFamily="18" charset="0"/>
+                <a:ea typeface="標楷體" panose="03000509000000000000" pitchFamily="65" charset="-120"/>
+              </a:rPr>
               <a:t>    </a:t>
             </a:r>
             <a:r>
-              <a:rPr lang="en-US" altLang="zh-TW" dirty="0" err="1"/>
+              <a:rPr lang="zh-TW" altLang="zh-TW" sz="2000" b="1">
+                <a:solidFill>
+                  <a:srgbClr val="008800"/>
+                </a:solidFill>
+                <a:latin typeface="Times New Roman" panose="02020603050405020304" pitchFamily="18" charset="0"/>
+                <a:ea typeface="標楷體" panose="03000509000000000000" pitchFamily="65" charset="-120"/>
+              </a:rPr>
+              <a:t>if</a:t>
+            </a:r>
+            <a:r>
+              <a:rPr lang="zh-TW" altLang="zh-TW" sz="2000">
+                <a:solidFill>
+                  <a:srgbClr val="333333"/>
+                </a:solidFill>
+                <a:latin typeface="Times New Roman" panose="02020603050405020304" pitchFamily="18" charset="0"/>
+                <a:ea typeface="標楷體" panose="03000509000000000000" pitchFamily="65" charset="-120"/>
+              </a:rPr>
+              <a:t>(vis[u]) </a:t>
+            </a:r>
+            <a:r>
+              <a:rPr lang="zh-TW" altLang="zh-TW" sz="2000" b="1">
+                <a:solidFill>
+                  <a:srgbClr val="008800"/>
+                </a:solidFill>
+                <a:latin typeface="Times New Roman" panose="02020603050405020304" pitchFamily="18" charset="0"/>
+                <a:ea typeface="標楷體" panose="03000509000000000000" pitchFamily="65" charset="-120"/>
+              </a:rPr>
+              <a:t>return</a:t>
+            </a:r>
+            <a:r>
+              <a:rPr lang="zh-TW" altLang="zh-TW" sz="2000">
+                <a:solidFill>
+                  <a:srgbClr val="333333"/>
+                </a:solidFill>
+                <a:latin typeface="Times New Roman" panose="02020603050405020304" pitchFamily="18" charset="0"/>
+                <a:ea typeface="標楷體" panose="03000509000000000000" pitchFamily="65" charset="-120"/>
+              </a:rPr>
+              <a:t> dep[u];</a:t>
+            </a:r>
+            <a:endParaRPr lang="en-US" altLang="zh-TW" sz="2000">
+              <a:solidFill>
+                <a:srgbClr val="333333"/>
+              </a:solidFill>
+              <a:latin typeface="Times New Roman" panose="02020603050405020304" pitchFamily="18" charset="0"/>
+              <a:ea typeface="標楷體" panose="03000509000000000000" pitchFamily="65" charset="-120"/>
+            </a:endParaRPr>
+          </a:p>
+          <a:p>
+            <a:pPr marL="0" lvl="0" indent="0" eaLnBrk="0" fontAlgn="base" hangingPunct="0">
+              <a:lnSpc>
+                <a:spcPct val="100000"/>
+              </a:lnSpc>
+              <a:spcBef>
+                <a:spcPct val="0"/>
+              </a:spcBef>
+              <a:spcAft>
+                <a:spcPct val="0"/>
+              </a:spcAft>
+              <a:buNone/>
+            </a:pPr>
+            <a:r>
+              <a:rPr lang="zh-TW" altLang="en-US" sz="2000">
+                <a:solidFill>
+                  <a:srgbClr val="333333"/>
+                </a:solidFill>
+                <a:latin typeface="Times New Roman" panose="02020603050405020304" pitchFamily="18" charset="0"/>
+                <a:ea typeface="標楷體" panose="03000509000000000000" pitchFamily="65" charset="-120"/>
+              </a:rPr>
+              <a:t>    </a:t>
+            </a:r>
+            <a:r>
+              <a:rPr lang="zh-TW" altLang="zh-TW" sz="2000">
+                <a:solidFill>
+                  <a:srgbClr val="333333"/>
+                </a:solidFill>
+                <a:latin typeface="Times New Roman" panose="02020603050405020304" pitchFamily="18" charset="0"/>
+                <a:ea typeface="標楷體" panose="03000509000000000000" pitchFamily="65" charset="-120"/>
+              </a:rPr>
+              <a:t>vis[u] = </a:t>
+            </a:r>
+            <a:r>
+              <a:rPr lang="zh-TW" altLang="zh-TW" sz="2000" b="1">
+                <a:solidFill>
+                  <a:srgbClr val="0000DD"/>
+                </a:solidFill>
+                <a:latin typeface="Times New Roman" panose="02020603050405020304" pitchFamily="18" charset="0"/>
+                <a:ea typeface="標楷體" panose="03000509000000000000" pitchFamily="65" charset="-120"/>
+              </a:rPr>
+              <a:t>1</a:t>
+            </a:r>
+            <a:r>
+              <a:rPr lang="zh-TW" altLang="zh-TW" sz="2000">
+                <a:solidFill>
+                  <a:srgbClr val="333333"/>
+                </a:solidFill>
+                <a:latin typeface="Times New Roman" panose="02020603050405020304" pitchFamily="18" charset="0"/>
+                <a:ea typeface="標楷體" panose="03000509000000000000" pitchFamily="65" charset="-120"/>
+              </a:rPr>
+              <a:t>;</a:t>
+            </a:r>
+            <a:endParaRPr lang="en-US" altLang="zh-TW" sz="2000">
+              <a:solidFill>
+                <a:srgbClr val="333333"/>
+              </a:solidFill>
+              <a:latin typeface="Times New Roman" panose="02020603050405020304" pitchFamily="18" charset="0"/>
+              <a:ea typeface="標楷體" panose="03000509000000000000" pitchFamily="65" charset="-120"/>
+            </a:endParaRPr>
+          </a:p>
+          <a:p>
+            <a:pPr marL="0" lvl="0" indent="0" eaLnBrk="0" fontAlgn="base" hangingPunct="0">
+              <a:lnSpc>
+                <a:spcPct val="100000"/>
+              </a:lnSpc>
+              <a:spcBef>
+                <a:spcPct val="0"/>
+              </a:spcBef>
+              <a:spcAft>
+                <a:spcPct val="0"/>
+              </a:spcAft>
+              <a:buNone/>
+            </a:pPr>
+            <a:r>
+              <a:rPr lang="zh-TW" altLang="en-US" sz="2000" b="1">
+                <a:solidFill>
+                  <a:srgbClr val="333399"/>
+                </a:solidFill>
+                <a:latin typeface="Times New Roman" panose="02020603050405020304" pitchFamily="18" charset="0"/>
+                <a:ea typeface="標楷體" panose="03000509000000000000" pitchFamily="65" charset="-120"/>
+              </a:rPr>
+              <a:t>    </a:t>
+            </a:r>
+            <a:r>
+              <a:rPr lang="zh-TW" altLang="zh-TW" sz="2000" b="1">
+                <a:solidFill>
+                  <a:srgbClr val="333399"/>
+                </a:solidFill>
+                <a:latin typeface="Times New Roman" panose="02020603050405020304" pitchFamily="18" charset="0"/>
+                <a:ea typeface="標楷體" panose="03000509000000000000" pitchFamily="65" charset="-120"/>
+              </a:rPr>
               <a:t>int</a:t>
             </a:r>
             <a:r>
-              <a:rPr lang="en-US" altLang="zh-TW" dirty="0"/>
+              <a:rPr lang="zh-TW" altLang="zh-TW" sz="2000">
+                <a:solidFill>
+                  <a:srgbClr val="333333"/>
+                </a:solidFill>
+                <a:latin typeface="Times New Roman" panose="02020603050405020304" pitchFamily="18" charset="0"/>
+                <a:ea typeface="標楷體" panose="03000509000000000000" pitchFamily="65" charset="-120"/>
+              </a:rPr>
+              <a:t> uDep = </a:t>
+            </a:r>
+            <a:r>
+              <a:rPr lang="zh-TW" altLang="zh-TW" sz="2000" b="1">
+                <a:solidFill>
+                  <a:srgbClr val="0000DD"/>
+                </a:solidFill>
+                <a:latin typeface="Times New Roman" panose="02020603050405020304" pitchFamily="18" charset="0"/>
+                <a:ea typeface="標楷體" panose="03000509000000000000" pitchFamily="65" charset="-120"/>
+              </a:rPr>
+              <a:t>1</a:t>
+            </a:r>
+            <a:r>
+              <a:rPr lang="zh-TW" altLang="zh-TW" sz="2000">
+                <a:solidFill>
+                  <a:srgbClr val="333333"/>
+                </a:solidFill>
+                <a:latin typeface="Times New Roman" panose="02020603050405020304" pitchFamily="18" charset="0"/>
+                <a:ea typeface="標楷體" panose="03000509000000000000" pitchFamily="65" charset="-120"/>
+              </a:rPr>
+              <a:t>;</a:t>
+            </a:r>
+            <a:endParaRPr lang="en-US" altLang="zh-TW" sz="2000">
+              <a:solidFill>
+                <a:srgbClr val="333333"/>
+              </a:solidFill>
+              <a:latin typeface="Times New Roman" panose="02020603050405020304" pitchFamily="18" charset="0"/>
+              <a:ea typeface="標楷體" panose="03000509000000000000" pitchFamily="65" charset="-120"/>
+            </a:endParaRPr>
+          </a:p>
+          <a:p>
+            <a:pPr marL="0" lvl="0" indent="0" eaLnBrk="0" fontAlgn="base" hangingPunct="0">
+              <a:lnSpc>
+                <a:spcPct val="100000"/>
+              </a:lnSpc>
+              <a:spcBef>
+                <a:spcPct val="0"/>
+              </a:spcBef>
+              <a:spcAft>
+                <a:spcPct val="0"/>
+              </a:spcAft>
+              <a:buNone/>
+            </a:pPr>
+            <a:r>
+              <a:rPr lang="zh-TW" altLang="en-US" sz="2000" b="1">
+                <a:solidFill>
+                  <a:srgbClr val="333333"/>
+                </a:solidFill>
+                <a:latin typeface="Times New Roman" panose="02020603050405020304" pitchFamily="18" charset="0"/>
+                <a:ea typeface="標楷體" panose="03000509000000000000" pitchFamily="65" charset="-120"/>
+              </a:rPr>
+              <a:t>        </a:t>
+            </a:r>
+            <a:r>
+              <a:rPr lang="zh-TW" altLang="zh-TW" sz="2000" b="1">
+                <a:solidFill>
+                  <a:srgbClr val="008800"/>
+                </a:solidFill>
+                <a:latin typeface="Times New Roman" panose="02020603050405020304" pitchFamily="18" charset="0"/>
+                <a:ea typeface="標楷體" panose="03000509000000000000" pitchFamily="65" charset="-120"/>
+              </a:rPr>
+              <a:t>for</a:t>
+            </a:r>
+            <a:r>
+              <a:rPr lang="zh-TW" altLang="zh-TW" sz="2000">
+                <a:solidFill>
+                  <a:srgbClr val="333333"/>
+                </a:solidFill>
+                <a:latin typeface="Times New Roman" panose="02020603050405020304" pitchFamily="18" charset="0"/>
+                <a:ea typeface="標楷體" panose="03000509000000000000" pitchFamily="65" charset="-120"/>
+              </a:rPr>
+              <a:t>(</a:t>
+            </a:r>
+            <a:r>
+              <a:rPr lang="zh-TW" altLang="zh-TW" sz="2000" b="1">
+                <a:solidFill>
+                  <a:srgbClr val="008800"/>
+                </a:solidFill>
+                <a:latin typeface="Times New Roman" panose="02020603050405020304" pitchFamily="18" charset="0"/>
+                <a:ea typeface="標楷體" panose="03000509000000000000" pitchFamily="65" charset="-120"/>
+              </a:rPr>
+              <a:t>const</a:t>
+            </a:r>
+            <a:r>
+              <a:rPr lang="zh-TW" altLang="zh-TW" sz="2000">
+                <a:solidFill>
+                  <a:srgbClr val="333333"/>
+                </a:solidFill>
+                <a:latin typeface="Times New Roman" panose="02020603050405020304" pitchFamily="18" charset="0"/>
+                <a:ea typeface="標楷體" panose="03000509000000000000" pitchFamily="65" charset="-120"/>
+              </a:rPr>
               <a:t> </a:t>
             </a:r>
             <a:r>
-              <a:rPr lang="en-US" altLang="zh-TW" dirty="0" err="1"/>
-              <a:t>uDep</a:t>
-            </a:r>
-            <a:r>
-              <a:rPr lang="en-US" altLang="zh-TW" dirty="0"/>
-              <a:t> = 1;</a:t>
-            </a:r>
-          </a:p>
-          <a:p>
-            <a:r>
-              <a:rPr lang="en-US" altLang="zh-TW" dirty="0"/>
-              <a:t>    for(</a:t>
-            </a:r>
-            <a:r>
-              <a:rPr lang="en-US" altLang="zh-TW" dirty="0" err="1"/>
-              <a:t>const</a:t>
-            </a:r>
-            <a:r>
-              <a:rPr lang="en-US" altLang="zh-TW" dirty="0"/>
-              <a:t> auto &amp;v : graph[u]){</a:t>
-            </a:r>
-          </a:p>
-          <a:p>
-            <a:r>
-              <a:rPr lang="en-US" altLang="zh-TW" dirty="0"/>
+              <a:rPr lang="zh-TW" altLang="zh-TW" sz="2000" b="1">
+                <a:solidFill>
+                  <a:srgbClr val="008800"/>
+                </a:solidFill>
+                <a:latin typeface="Times New Roman" panose="02020603050405020304" pitchFamily="18" charset="0"/>
+                <a:ea typeface="標楷體" panose="03000509000000000000" pitchFamily="65" charset="-120"/>
+              </a:rPr>
+              <a:t>auto</a:t>
+            </a:r>
+            <a:r>
+              <a:rPr lang="zh-TW" altLang="zh-TW" sz="2000">
+                <a:solidFill>
+                  <a:srgbClr val="333333"/>
+                </a:solidFill>
+                <a:latin typeface="Times New Roman" panose="02020603050405020304" pitchFamily="18" charset="0"/>
+                <a:ea typeface="標楷體" panose="03000509000000000000" pitchFamily="65" charset="-120"/>
+              </a:rPr>
+              <a:t> &amp;v : graph[u]){</a:t>
+            </a:r>
+            <a:endParaRPr lang="en-US" altLang="zh-TW" sz="2000">
+              <a:solidFill>
+                <a:srgbClr val="333333"/>
+              </a:solidFill>
+              <a:latin typeface="Times New Roman" panose="02020603050405020304" pitchFamily="18" charset="0"/>
+              <a:ea typeface="標楷體" panose="03000509000000000000" pitchFamily="65" charset="-120"/>
+            </a:endParaRPr>
+          </a:p>
+          <a:p>
+            <a:pPr marL="0" lvl="0" indent="0" eaLnBrk="0" fontAlgn="base" hangingPunct="0">
+              <a:lnSpc>
+                <a:spcPct val="100000"/>
+              </a:lnSpc>
+              <a:spcBef>
+                <a:spcPct val="0"/>
+              </a:spcBef>
+              <a:spcAft>
+                <a:spcPct val="0"/>
+              </a:spcAft>
+              <a:buNone/>
+            </a:pPr>
+            <a:r>
+              <a:rPr lang="zh-TW" altLang="en-US" sz="2000" b="1">
+                <a:solidFill>
+                  <a:srgbClr val="333399"/>
+                </a:solidFill>
+                <a:latin typeface="Times New Roman" panose="02020603050405020304" pitchFamily="18" charset="0"/>
+                <a:ea typeface="標楷體" panose="03000509000000000000" pitchFamily="65" charset="-120"/>
+              </a:rPr>
               <a:t>        </a:t>
             </a:r>
             <a:r>
-              <a:rPr lang="en-US" altLang="zh-TW" dirty="0" err="1"/>
+              <a:rPr lang="zh-TW" altLang="zh-TW" sz="2000" b="1">
+                <a:solidFill>
+                  <a:srgbClr val="333399"/>
+                </a:solidFill>
+                <a:latin typeface="Times New Roman" panose="02020603050405020304" pitchFamily="18" charset="0"/>
+                <a:ea typeface="標楷體" panose="03000509000000000000" pitchFamily="65" charset="-120"/>
+              </a:rPr>
               <a:t>int</a:t>
             </a:r>
             <a:r>
-              <a:rPr lang="en-US" altLang="zh-TW" dirty="0"/>
+              <a:rPr lang="zh-TW" altLang="zh-TW" sz="2000">
+                <a:solidFill>
+                  <a:srgbClr val="333333"/>
+                </a:solidFill>
+                <a:latin typeface="Times New Roman" panose="02020603050405020304" pitchFamily="18" charset="0"/>
+                <a:ea typeface="標楷體" panose="03000509000000000000" pitchFamily="65" charset="-120"/>
+              </a:rPr>
+              <a:t> vDep = dfs(v);</a:t>
+            </a:r>
+            <a:endParaRPr lang="en-US" altLang="zh-TW" sz="2000">
+              <a:solidFill>
+                <a:srgbClr val="333333"/>
+              </a:solidFill>
+              <a:latin typeface="Times New Roman" panose="02020603050405020304" pitchFamily="18" charset="0"/>
+              <a:ea typeface="標楷體" panose="03000509000000000000" pitchFamily="65" charset="-120"/>
+            </a:endParaRPr>
+          </a:p>
+          <a:p>
+            <a:pPr marL="0" lvl="0" indent="0" eaLnBrk="0" fontAlgn="base" hangingPunct="0">
+              <a:lnSpc>
+                <a:spcPct val="100000"/>
+              </a:lnSpc>
+              <a:spcBef>
+                <a:spcPct val="0"/>
+              </a:spcBef>
+              <a:spcAft>
+                <a:spcPct val="0"/>
+              </a:spcAft>
+              <a:buNone/>
+            </a:pPr>
+            <a:r>
+              <a:rPr lang="zh-TW" altLang="en-US" sz="2000" b="1">
+                <a:solidFill>
+                  <a:srgbClr val="008800"/>
+                </a:solidFill>
+                <a:latin typeface="Times New Roman" panose="02020603050405020304" pitchFamily="18" charset="0"/>
+                <a:ea typeface="標楷體" panose="03000509000000000000" pitchFamily="65" charset="-120"/>
+              </a:rPr>
+              <a:t>            </a:t>
+            </a:r>
+            <a:r>
+              <a:rPr lang="zh-TW" altLang="zh-TW" sz="2000" b="1">
+                <a:solidFill>
+                  <a:srgbClr val="008800"/>
+                </a:solidFill>
+                <a:latin typeface="Times New Roman" panose="02020603050405020304" pitchFamily="18" charset="0"/>
+                <a:ea typeface="標楷體" panose="03000509000000000000" pitchFamily="65" charset="-120"/>
+              </a:rPr>
+              <a:t>if</a:t>
+            </a:r>
+            <a:r>
+              <a:rPr lang="zh-TW" altLang="zh-TW" sz="2000">
+                <a:solidFill>
+                  <a:srgbClr val="333333"/>
+                </a:solidFill>
+                <a:latin typeface="Times New Roman" panose="02020603050405020304" pitchFamily="18" charset="0"/>
+                <a:ea typeface="標楷體" panose="03000509000000000000" pitchFamily="65" charset="-120"/>
+              </a:rPr>
+              <a:t>(vDep+</a:t>
+            </a:r>
+            <a:r>
+              <a:rPr lang="zh-TW" altLang="zh-TW" sz="2000" b="1">
+                <a:solidFill>
+                  <a:srgbClr val="0000DD"/>
+                </a:solidFill>
+                <a:latin typeface="Times New Roman" panose="02020603050405020304" pitchFamily="18" charset="0"/>
+                <a:ea typeface="標楷體" panose="03000509000000000000" pitchFamily="65" charset="-120"/>
+              </a:rPr>
+              <a:t>1</a:t>
+            </a:r>
+            <a:r>
+              <a:rPr lang="zh-TW" altLang="zh-TW" sz="2000">
+                <a:solidFill>
+                  <a:srgbClr val="333333"/>
+                </a:solidFill>
+                <a:latin typeface="Times New Roman" panose="02020603050405020304" pitchFamily="18" charset="0"/>
+                <a:ea typeface="標楷體" panose="03000509000000000000" pitchFamily="65" charset="-120"/>
+              </a:rPr>
+              <a:t> &gt; uDep){</a:t>
+            </a:r>
+            <a:endParaRPr lang="en-US" altLang="zh-TW" sz="2000">
+              <a:solidFill>
+                <a:srgbClr val="333333"/>
+              </a:solidFill>
+              <a:latin typeface="Times New Roman" panose="02020603050405020304" pitchFamily="18" charset="0"/>
+              <a:ea typeface="標楷體" panose="03000509000000000000" pitchFamily="65" charset="-120"/>
+            </a:endParaRPr>
+          </a:p>
+          <a:p>
+            <a:pPr marL="0" lvl="0" indent="0" eaLnBrk="0" fontAlgn="base" hangingPunct="0">
+              <a:lnSpc>
+                <a:spcPct val="100000"/>
+              </a:lnSpc>
+              <a:spcBef>
+                <a:spcPct val="0"/>
+              </a:spcBef>
+              <a:spcAft>
+                <a:spcPct val="0"/>
+              </a:spcAft>
+              <a:buNone/>
+            </a:pPr>
+            <a:r>
+              <a:rPr lang="zh-TW" altLang="en-US" sz="2000">
+                <a:solidFill>
+                  <a:srgbClr val="333333"/>
+                </a:solidFill>
+                <a:latin typeface="Times New Roman" panose="02020603050405020304" pitchFamily="18" charset="0"/>
+                <a:ea typeface="標楷體" panose="03000509000000000000" pitchFamily="65" charset="-120"/>
+              </a:rPr>
+              <a:t>                </a:t>
+            </a:r>
+            <a:r>
+              <a:rPr lang="zh-TW" altLang="zh-TW" sz="2000">
+                <a:solidFill>
+                  <a:srgbClr val="333333"/>
+                </a:solidFill>
+                <a:latin typeface="Times New Roman" panose="02020603050405020304" pitchFamily="18" charset="0"/>
+                <a:ea typeface="標楷體" panose="03000509000000000000" pitchFamily="65" charset="-120"/>
+              </a:rPr>
+              <a:t>uDep = vDep+</a:t>
+            </a:r>
+            <a:r>
+              <a:rPr lang="zh-TW" altLang="zh-TW" sz="2000" b="1">
+                <a:solidFill>
+                  <a:srgbClr val="0000DD"/>
+                </a:solidFill>
+                <a:latin typeface="Times New Roman" panose="02020603050405020304" pitchFamily="18" charset="0"/>
+                <a:ea typeface="標楷體" panose="03000509000000000000" pitchFamily="65" charset="-120"/>
+              </a:rPr>
+              <a:t>1</a:t>
+            </a:r>
+            <a:r>
+              <a:rPr lang="zh-TW" altLang="zh-TW" sz="2000">
+                <a:solidFill>
+                  <a:srgbClr val="333333"/>
+                </a:solidFill>
+                <a:latin typeface="Times New Roman" panose="02020603050405020304" pitchFamily="18" charset="0"/>
+                <a:ea typeface="標楷體" panose="03000509000000000000" pitchFamily="65" charset="-120"/>
+              </a:rPr>
+              <a:t>;</a:t>
+            </a:r>
+            <a:endParaRPr lang="en-US" altLang="zh-TW" sz="2000">
+              <a:solidFill>
+                <a:srgbClr val="333333"/>
+              </a:solidFill>
+              <a:latin typeface="Times New Roman" panose="02020603050405020304" pitchFamily="18" charset="0"/>
+              <a:ea typeface="標楷體" panose="03000509000000000000" pitchFamily="65" charset="-120"/>
+            </a:endParaRPr>
+          </a:p>
+          <a:p>
+            <a:pPr marL="0" lvl="0" indent="0" eaLnBrk="0" fontAlgn="base" hangingPunct="0">
+              <a:lnSpc>
+                <a:spcPct val="100000"/>
+              </a:lnSpc>
+              <a:spcBef>
+                <a:spcPct val="0"/>
+              </a:spcBef>
+              <a:spcAft>
+                <a:spcPct val="0"/>
+              </a:spcAft>
+              <a:buNone/>
+            </a:pPr>
+            <a:r>
+              <a:rPr lang="zh-TW" altLang="en-US" sz="2000">
+                <a:solidFill>
+                  <a:srgbClr val="333333"/>
+                </a:solidFill>
+                <a:latin typeface="Times New Roman" panose="02020603050405020304" pitchFamily="18" charset="0"/>
+                <a:ea typeface="標楷體" panose="03000509000000000000" pitchFamily="65" charset="-120"/>
+              </a:rPr>
+              <a:t>                </a:t>
+            </a:r>
+            <a:r>
+              <a:rPr lang="zh-TW" altLang="zh-TW" sz="2000">
+                <a:solidFill>
+                  <a:srgbClr val="333333"/>
+                </a:solidFill>
+                <a:latin typeface="Times New Roman" panose="02020603050405020304" pitchFamily="18" charset="0"/>
+                <a:ea typeface="標楷體" panose="03000509000000000000" pitchFamily="65" charset="-120"/>
+              </a:rPr>
+              <a:t>nxt[u] = v;</a:t>
+            </a:r>
+            <a:endParaRPr lang="en-US" altLang="zh-TW" sz="2000">
+              <a:solidFill>
+                <a:srgbClr val="333333"/>
+              </a:solidFill>
+              <a:latin typeface="Times New Roman" panose="02020603050405020304" pitchFamily="18" charset="0"/>
+              <a:ea typeface="標楷體" panose="03000509000000000000" pitchFamily="65" charset="-120"/>
+            </a:endParaRPr>
+          </a:p>
+          <a:p>
+            <a:pPr marL="0" lvl="0" indent="0" eaLnBrk="0" fontAlgn="base" hangingPunct="0">
+              <a:lnSpc>
+                <a:spcPct val="100000"/>
+              </a:lnSpc>
+              <a:spcBef>
+                <a:spcPct val="0"/>
+              </a:spcBef>
+              <a:spcAft>
+                <a:spcPct val="0"/>
+              </a:spcAft>
+              <a:buNone/>
+            </a:pPr>
+            <a:r>
+              <a:rPr lang="zh-TW" altLang="en-US" sz="2000">
+                <a:solidFill>
+                  <a:srgbClr val="333333"/>
+                </a:solidFill>
+                <a:latin typeface="Times New Roman" panose="02020603050405020304" pitchFamily="18" charset="0"/>
+                <a:ea typeface="標楷體" panose="03000509000000000000" pitchFamily="65" charset="-120"/>
+              </a:rPr>
+              <a:t>            </a:t>
+            </a:r>
+            <a:r>
+              <a:rPr lang="zh-TW" altLang="zh-TW" sz="2000">
+                <a:solidFill>
+                  <a:srgbClr val="333333"/>
+                </a:solidFill>
+                <a:latin typeface="Times New Roman" panose="02020603050405020304" pitchFamily="18" charset="0"/>
+                <a:ea typeface="標楷體" panose="03000509000000000000" pitchFamily="65" charset="-120"/>
+              </a:rPr>
+              <a:t>}</a:t>
+            </a:r>
+            <a:endParaRPr lang="en-US" altLang="zh-TW" sz="2000">
+              <a:solidFill>
+                <a:srgbClr val="333333"/>
+              </a:solidFill>
+              <a:latin typeface="Times New Roman" panose="02020603050405020304" pitchFamily="18" charset="0"/>
+              <a:ea typeface="標楷體" panose="03000509000000000000" pitchFamily="65" charset="-120"/>
+            </a:endParaRPr>
+          </a:p>
+          <a:p>
+            <a:pPr marL="0" lvl="0" indent="0" eaLnBrk="0" fontAlgn="base" hangingPunct="0">
+              <a:lnSpc>
+                <a:spcPct val="100000"/>
+              </a:lnSpc>
+              <a:spcBef>
+                <a:spcPct val="0"/>
+              </a:spcBef>
+              <a:spcAft>
+                <a:spcPct val="0"/>
+              </a:spcAft>
+              <a:buNone/>
+            </a:pPr>
+            <a:r>
+              <a:rPr lang="zh-TW" altLang="en-US" sz="2000">
+                <a:solidFill>
+                  <a:srgbClr val="333333"/>
+                </a:solidFill>
+                <a:latin typeface="Times New Roman" panose="02020603050405020304" pitchFamily="18" charset="0"/>
+                <a:ea typeface="標楷體" panose="03000509000000000000" pitchFamily="65" charset="-120"/>
+              </a:rPr>
+              <a:t>        </a:t>
+            </a:r>
+            <a:r>
+              <a:rPr lang="zh-TW" altLang="zh-TW" sz="2000">
+                <a:solidFill>
+                  <a:srgbClr val="333333"/>
+                </a:solidFill>
+                <a:latin typeface="Times New Roman" panose="02020603050405020304" pitchFamily="18" charset="0"/>
+                <a:ea typeface="標楷體" panose="03000509000000000000" pitchFamily="65" charset="-120"/>
+              </a:rPr>
+              <a:t>}</a:t>
+            </a:r>
+            <a:endParaRPr lang="en-US" altLang="zh-TW" sz="2000">
+              <a:solidFill>
+                <a:srgbClr val="333333"/>
+              </a:solidFill>
+              <a:latin typeface="Times New Roman" panose="02020603050405020304" pitchFamily="18" charset="0"/>
+              <a:ea typeface="標楷體" panose="03000509000000000000" pitchFamily="65" charset="-120"/>
+            </a:endParaRPr>
+          </a:p>
+          <a:p>
+            <a:pPr marL="0" lvl="0" indent="0" eaLnBrk="0" fontAlgn="base" hangingPunct="0">
+              <a:lnSpc>
+                <a:spcPct val="100000"/>
+              </a:lnSpc>
+              <a:spcBef>
+                <a:spcPct val="0"/>
+              </a:spcBef>
+              <a:spcAft>
+                <a:spcPct val="0"/>
+              </a:spcAft>
+              <a:buNone/>
+            </a:pPr>
+            <a:r>
+              <a:rPr lang="zh-TW" altLang="en-US" sz="2000" b="1">
+                <a:solidFill>
+                  <a:srgbClr val="333333"/>
+                </a:solidFill>
+                <a:latin typeface="Times New Roman" panose="02020603050405020304" pitchFamily="18" charset="0"/>
+                <a:ea typeface="標楷體" panose="03000509000000000000" pitchFamily="65" charset="-120"/>
+              </a:rPr>
+              <a:t>    </a:t>
+            </a:r>
+            <a:r>
+              <a:rPr lang="zh-TW" altLang="zh-TW" sz="2000" b="1">
+                <a:solidFill>
+                  <a:srgbClr val="008800"/>
+                </a:solidFill>
+                <a:latin typeface="Times New Roman" panose="02020603050405020304" pitchFamily="18" charset="0"/>
+                <a:ea typeface="標楷體" panose="03000509000000000000" pitchFamily="65" charset="-120"/>
+              </a:rPr>
+              <a:t>return</a:t>
+            </a:r>
+            <a:r>
+              <a:rPr lang="zh-TW" altLang="zh-TW" sz="2000">
+                <a:solidFill>
+                  <a:srgbClr val="333333"/>
+                </a:solidFill>
+                <a:latin typeface="Times New Roman" panose="02020603050405020304" pitchFamily="18" charset="0"/>
+                <a:ea typeface="標楷體" panose="03000509000000000000" pitchFamily="65" charset="-120"/>
+              </a:rPr>
+              <a:t> dep[u] = uDep;</a:t>
+            </a:r>
+            <a:endParaRPr lang="en-US" altLang="zh-TW" sz="2000">
+              <a:solidFill>
+                <a:srgbClr val="333333"/>
+              </a:solidFill>
+              <a:latin typeface="Times New Roman" panose="02020603050405020304" pitchFamily="18" charset="0"/>
+              <a:ea typeface="標楷體" panose="03000509000000000000" pitchFamily="65" charset="-120"/>
+            </a:endParaRPr>
+          </a:p>
+          <a:p>
+            <a:pPr marL="0" lvl="0" indent="0" eaLnBrk="0" fontAlgn="base" hangingPunct="0">
+              <a:lnSpc>
+                <a:spcPct val="100000"/>
+              </a:lnSpc>
+              <a:spcBef>
+                <a:spcPct val="0"/>
+              </a:spcBef>
+              <a:spcAft>
+                <a:spcPct val="0"/>
+              </a:spcAft>
+              <a:buNone/>
+            </a:pPr>
+            <a:r>
+              <a:rPr lang="zh-TW" altLang="zh-TW" sz="2000">
+                <a:solidFill>
+                  <a:srgbClr val="333333"/>
+                </a:solidFill>
+                <a:latin typeface="Times New Roman" panose="02020603050405020304" pitchFamily="18" charset="0"/>
+                <a:ea typeface="標楷體" panose="03000509000000000000" pitchFamily="65" charset="-120"/>
+              </a:rPr>
+              <a:t>}</a:t>
+            </a:r>
+            <a:r>
+              <a:rPr lang="zh-TW" altLang="zh-TW" sz="2000">
+                <a:latin typeface="Times New Roman" panose="02020603050405020304" pitchFamily="18" charset="0"/>
+                <a:ea typeface="標楷體" panose="03000509000000000000" pitchFamily="65" charset="-120"/>
+              </a:rPr>
               <a:t> </a:t>
             </a:r>
-            <a:r>
-              <a:rPr lang="en-US" altLang="zh-TW" dirty="0" err="1"/>
-              <a:t>vDep</a:t>
-            </a:r>
-            <a:r>
-              <a:rPr lang="en-US" altLang="zh-TW" dirty="0"/>
-              <a:t> = </a:t>
-            </a:r>
-            <a:r>
-              <a:rPr lang="en-US" altLang="zh-TW" dirty="0" err="1"/>
-              <a:t>dfs</a:t>
-            </a:r>
-            <a:r>
-              <a:rPr lang="en-US" altLang="zh-TW" dirty="0"/>
-              <a:t>(v);</a:t>
-            </a:r>
-          </a:p>
-          <a:p>
-            <a:r>
-              <a:rPr lang="en-US" altLang="zh-TW" dirty="0"/>
-              <a:t>        if(vDep+1 &gt; </a:t>
-            </a:r>
-            <a:r>
-              <a:rPr lang="en-US" altLang="zh-TW" dirty="0" err="1"/>
-              <a:t>uDep</a:t>
-            </a:r>
-            <a:r>
-              <a:rPr lang="en-US" altLang="zh-TW" dirty="0"/>
-              <a:t>){</a:t>
-            </a:r>
-          </a:p>
-          <a:p>
-            <a:r>
-              <a:rPr lang="en-US" altLang="zh-TW" dirty="0"/>
-              <a:t>            </a:t>
-            </a:r>
-            <a:r>
-              <a:rPr lang="en-US" altLang="zh-TW" dirty="0" err="1"/>
-              <a:t>uDep</a:t>
-            </a:r>
-            <a:r>
-              <a:rPr lang="en-US" altLang="zh-TW" dirty="0"/>
-              <a:t> = vDep+1;</a:t>
-            </a:r>
-          </a:p>
-          <a:p>
-            <a:r>
-              <a:rPr lang="en-US" altLang="zh-TW" dirty="0"/>
-              <a:t>            </a:t>
-            </a:r>
-            <a:r>
-              <a:rPr lang="en-US" altLang="zh-TW" dirty="0" err="1"/>
-              <a:t>nxt</a:t>
-            </a:r>
-            <a:r>
-              <a:rPr lang="en-US" altLang="zh-TW" dirty="0"/>
-              <a:t>[u] = v;</a:t>
-            </a:r>
-          </a:p>
-          <a:p>
-            <a:r>
-              <a:rPr lang="en-US" altLang="zh-TW" dirty="0"/>
-              <a:t>        }</a:t>
-            </a:r>
-          </a:p>
-          <a:p>
-            <a:r>
-              <a:rPr lang="en-US" altLang="zh-TW" dirty="0"/>
-              <a:t>    }</a:t>
-            </a:r>
-          </a:p>
-          <a:p>
-            <a:r>
-              <a:rPr lang="en-US" altLang="zh-TW" dirty="0"/>
-              <a:t>    return dep[u] = </a:t>
-            </a:r>
-            <a:r>
-              <a:rPr lang="en-US" altLang="zh-TW" dirty="0" err="1"/>
-              <a:t>uDep</a:t>
-            </a:r>
-            <a:r>
-              <a:rPr lang="en-US" altLang="zh-TW" dirty="0"/>
-              <a:t>;</a:t>
-            </a:r>
-          </a:p>
-          <a:p>
-            <a:r>
-              <a:rPr lang="en-US" altLang="zh-TW" dirty="0"/>
-              <a:t>}</a:t>
-            </a:r>
-            <a:endParaRPr lang="zh-TW" altLang="en-US" dirty="0"/>
           </a:p>
         </p:txBody>
       </p:sp>
@@ -6300,66 +7335,127 @@
           <a:bodyPr/>
           <a:lstStyle/>
           <a:p>
-            <a:r>
-              <a:rPr lang="zh-TW" altLang="en-US" dirty="0" smtClean="0"/>
+            <a:pPr>
+              <a:lnSpc>
+                <a:spcPct val="100000"/>
+              </a:lnSpc>
+            </a:pPr>
+            <a:r>
+              <a:rPr lang="zh-TW" altLang="en-US" dirty="0">
+                <a:latin typeface="Times New Roman" panose="02020603050405020304" pitchFamily="18" charset="0"/>
+                <a:ea typeface="標楷體" panose="03000509000000000000" pitchFamily="65" charset="-120"/>
+              </a:rPr>
               <a:t>排序 </a:t>
             </a:r>
             <a:r>
-              <a:rPr lang="en-US" altLang="zh-TW" dirty="0" smtClean="0"/>
+              <a:rPr lang="en-US" altLang="zh-TW" dirty="0">
+                <a:latin typeface="Times New Roman" panose="02020603050405020304" pitchFamily="18" charset="0"/>
+                <a:ea typeface="標楷體" panose="03000509000000000000" pitchFamily="65" charset="-120"/>
+              </a:rPr>
               <a:t>O(</a:t>
             </a:r>
             <a:r>
-              <a:rPr lang="en-US" altLang="zh-TW" dirty="0" err="1" smtClean="0"/>
+              <a:rPr lang="en-US" altLang="zh-TW" dirty="0" err="1">
+                <a:latin typeface="Times New Roman" panose="02020603050405020304" pitchFamily="18" charset="0"/>
+                <a:ea typeface="標楷體" panose="03000509000000000000" pitchFamily="65" charset="-120"/>
+              </a:rPr>
               <a:t>MNlogN</a:t>
             </a:r>
             <a:r>
-              <a:rPr lang="en-US" altLang="zh-TW" dirty="0" smtClean="0"/>
+              <a:rPr lang="en-US" altLang="zh-TW" dirty="0">
+                <a:latin typeface="Times New Roman" panose="02020603050405020304" pitchFamily="18" charset="0"/>
+                <a:ea typeface="標楷體" panose="03000509000000000000" pitchFamily="65" charset="-120"/>
+              </a:rPr>
               <a:t>) + </a:t>
             </a:r>
             <a:r>
-              <a:rPr lang="zh-TW" altLang="en-US" dirty="0" smtClean="0"/>
-              <a:t>兩兩比較</a:t>
-            </a:r>
-            <a:r>
-              <a:rPr lang="en-US" altLang="zh-TW" dirty="0" smtClean="0"/>
+              <a:rPr lang="zh-TW" altLang="en-US">
+                <a:latin typeface="Times New Roman" panose="02020603050405020304" pitchFamily="18" charset="0"/>
+                <a:ea typeface="標楷體" panose="03000509000000000000" pitchFamily="65" charset="-120"/>
+              </a:rPr>
+              <a:t>兩兩比較 </a:t>
+            </a:r>
+            <a:r>
+              <a:rPr lang="en-US" altLang="zh-TW">
+                <a:latin typeface="Times New Roman" panose="02020603050405020304" pitchFamily="18" charset="0"/>
+                <a:ea typeface="標楷體" panose="03000509000000000000" pitchFamily="65" charset="-120"/>
+              </a:rPr>
+              <a:t>O</a:t>
+            </a:r>
+            <a:r>
+              <a:rPr lang="en-US" altLang="zh-TW" dirty="0">
+                <a:latin typeface="Times New Roman" panose="02020603050405020304" pitchFamily="18" charset="0"/>
+                <a:ea typeface="標楷體" panose="03000509000000000000" pitchFamily="65" charset="-120"/>
+              </a:rPr>
+              <a:t>(MN^2)</a:t>
+            </a:r>
+            <a:r>
+              <a:rPr lang="zh-TW" altLang="en-US" dirty="0">
+                <a:latin typeface="Times New Roman" panose="02020603050405020304" pitchFamily="18" charset="0"/>
+                <a:ea typeface="標楷體" panose="03000509000000000000" pitchFamily="65" charset="-120"/>
+              </a:rPr>
+              <a:t> </a:t>
+            </a:r>
+            <a:r>
+              <a:rPr lang="en-US" altLang="zh-TW" dirty="0">
+                <a:latin typeface="Times New Roman" panose="02020603050405020304" pitchFamily="18" charset="0"/>
+                <a:ea typeface="標楷體" panose="03000509000000000000" pitchFamily="65" charset="-120"/>
+              </a:rPr>
+              <a:t>+</a:t>
+            </a:r>
+            <a:r>
+              <a:rPr lang="zh-TW" altLang="en-US" dirty="0">
+                <a:latin typeface="Times New Roman" panose="02020603050405020304" pitchFamily="18" charset="0"/>
+                <a:ea typeface="標楷體" panose="03000509000000000000" pitchFamily="65" charset="-120"/>
+              </a:rPr>
+              <a:t> </a:t>
+            </a:r>
+            <a:r>
+              <a:rPr lang="en-US" altLang="zh-TW" dirty="0">
+                <a:latin typeface="Times New Roman" panose="02020603050405020304" pitchFamily="18" charset="0"/>
+                <a:ea typeface="標楷體" panose="03000509000000000000" pitchFamily="65" charset="-120"/>
+              </a:rPr>
+              <a:t>DFS</a:t>
+            </a:r>
+            <a:r>
+              <a:rPr lang="zh-TW" altLang="en-US" dirty="0">
+                <a:latin typeface="Times New Roman" panose="02020603050405020304" pitchFamily="18" charset="0"/>
+                <a:ea typeface="標楷體" panose="03000509000000000000" pitchFamily="65" charset="-120"/>
+              </a:rPr>
+              <a:t>最長路徑 </a:t>
+            </a:r>
+            <a:r>
+              <a:rPr lang="en-US" altLang="zh-TW" dirty="0">
+                <a:latin typeface="Times New Roman" panose="02020603050405020304" pitchFamily="18" charset="0"/>
+                <a:ea typeface="標楷體" panose="03000509000000000000" pitchFamily="65" charset="-120"/>
+              </a:rPr>
+              <a:t>O(N)</a:t>
+            </a:r>
+          </a:p>
+          <a:p>
+            <a:pPr>
+              <a:lnSpc>
+                <a:spcPct val="100000"/>
+              </a:lnSpc>
+            </a:pPr>
+            <a:r>
+              <a:rPr lang="zh-TW" altLang="en-US" dirty="0">
+                <a:latin typeface="Times New Roman" panose="02020603050405020304" pitchFamily="18" charset="0"/>
+                <a:ea typeface="標楷體" panose="03000509000000000000" pitchFamily="65" charset="-120"/>
+              </a:rPr>
+              <a:t>總時間複雜度 </a:t>
+            </a:r>
+            <a:r>
+              <a:rPr lang="en-US" altLang="zh-TW" dirty="0">
+                <a:latin typeface="Times New Roman" panose="02020603050405020304" pitchFamily="18" charset="0"/>
+                <a:ea typeface="標楷體" panose="03000509000000000000" pitchFamily="65" charset="-120"/>
+              </a:rPr>
               <a:t>O(MN^2)</a:t>
             </a:r>
-            <a:r>
-              <a:rPr lang="zh-TW" altLang="en-US" dirty="0" smtClean="0"/>
-              <a:t> </a:t>
-            </a:r>
-            <a:r>
-              <a:rPr lang="en-US" altLang="zh-TW" dirty="0" smtClean="0"/>
-              <a:t>+</a:t>
-            </a:r>
-            <a:r>
-              <a:rPr lang="zh-TW" altLang="en-US" dirty="0" smtClean="0"/>
-              <a:t> </a:t>
-            </a:r>
-            <a:r>
-              <a:rPr lang="en-US" altLang="zh-TW" dirty="0" smtClean="0"/>
-              <a:t>DFS</a:t>
-            </a:r>
-            <a:r>
-              <a:rPr lang="zh-TW" altLang="en-US" dirty="0" smtClean="0"/>
-              <a:t>最長路徑 </a:t>
-            </a:r>
-            <a:r>
-              <a:rPr lang="en-US" altLang="zh-TW" dirty="0" smtClean="0"/>
-              <a:t>O(N)</a:t>
-            </a:r>
-            <a:endParaRPr lang="en-US" altLang="zh-TW" dirty="0"/>
-          </a:p>
-          <a:p>
-            <a:r>
-              <a:rPr lang="zh-TW" altLang="en-US" dirty="0" smtClean="0"/>
-              <a:t>總時間複雜度 </a:t>
-            </a:r>
-            <a:r>
-              <a:rPr lang="en-US" altLang="zh-TW" dirty="0" smtClean="0"/>
-              <a:t>O(MN^2)</a:t>
-            </a:r>
-            <a:endParaRPr lang="zh-TW" altLang="en-US" dirty="0"/>
+            <a:endParaRPr lang="zh-TW" altLang="en-US" dirty="0">
+              <a:latin typeface="Times New Roman" panose="02020603050405020304" pitchFamily="18" charset="0"/>
+              <a:ea typeface="標楷體" panose="03000509000000000000" pitchFamily="65" charset="-120"/>
+            </a:endParaRPr>
           </a:p>
         </p:txBody>
       </p:sp>

--- a/HW4 應用程式設計/說明.pptx
+++ b/HW4 應用程式設計/說明.pptx
@@ -204,7 +204,7 @@
           <a:p>
             <a:fld id="{0F905AE9-AE18-4FB5-ADA5-4B0DD22425D8}" type="datetimeFigureOut">
               <a:rPr lang="zh-TW" altLang="en-US" smtClean="0"/>
-              <a:t>2020/5/23</a:t>
+              <a:t>2020/5/25</a:t>
             </a:fld>
             <a:endParaRPr lang="zh-TW" altLang="en-US"/>
           </a:p>
@@ -702,7 +702,7 @@
           <a:p>
             <a:fld id="{DE8D7116-F120-4742-A733-9D2A495E1622}" type="datetimeFigureOut">
               <a:rPr lang="zh-TW" altLang="en-US" smtClean="0"/>
-              <a:t>2020/5/23</a:t>
+              <a:t>2020/5/25</a:t>
             </a:fld>
             <a:endParaRPr lang="zh-TW" altLang="en-US"/>
           </a:p>
@@ -900,7 +900,7 @@
           <a:p>
             <a:fld id="{DE8D7116-F120-4742-A733-9D2A495E1622}" type="datetimeFigureOut">
               <a:rPr lang="zh-TW" altLang="en-US" smtClean="0"/>
-              <a:t>2020/5/23</a:t>
+              <a:t>2020/5/25</a:t>
             </a:fld>
             <a:endParaRPr lang="zh-TW" altLang="en-US"/>
           </a:p>
@@ -1108,7 +1108,7 @@
           <a:p>
             <a:fld id="{DE8D7116-F120-4742-A733-9D2A495E1622}" type="datetimeFigureOut">
               <a:rPr lang="zh-TW" altLang="en-US" smtClean="0"/>
-              <a:t>2020/5/23</a:t>
+              <a:t>2020/5/25</a:t>
             </a:fld>
             <a:endParaRPr lang="zh-TW" altLang="en-US"/>
           </a:p>
@@ -1306,7 +1306,7 @@
           <a:p>
             <a:fld id="{DE8D7116-F120-4742-A733-9D2A495E1622}" type="datetimeFigureOut">
               <a:rPr lang="zh-TW" altLang="en-US" smtClean="0"/>
-              <a:t>2020/5/23</a:t>
+              <a:t>2020/5/25</a:t>
             </a:fld>
             <a:endParaRPr lang="zh-TW" altLang="en-US"/>
           </a:p>
@@ -1581,7 +1581,7 @@
           <a:p>
             <a:fld id="{DE8D7116-F120-4742-A733-9D2A495E1622}" type="datetimeFigureOut">
               <a:rPr lang="zh-TW" altLang="en-US" smtClean="0"/>
-              <a:t>2020/5/23</a:t>
+              <a:t>2020/5/25</a:t>
             </a:fld>
             <a:endParaRPr lang="zh-TW" altLang="en-US"/>
           </a:p>
@@ -1846,7 +1846,7 @@
           <a:p>
             <a:fld id="{DE8D7116-F120-4742-A733-9D2A495E1622}" type="datetimeFigureOut">
               <a:rPr lang="zh-TW" altLang="en-US" smtClean="0"/>
-              <a:t>2020/5/23</a:t>
+              <a:t>2020/5/25</a:t>
             </a:fld>
             <a:endParaRPr lang="zh-TW" altLang="en-US"/>
           </a:p>
@@ -2258,7 +2258,7 @@
           <a:p>
             <a:fld id="{DE8D7116-F120-4742-A733-9D2A495E1622}" type="datetimeFigureOut">
               <a:rPr lang="zh-TW" altLang="en-US" smtClean="0"/>
-              <a:t>2020/5/23</a:t>
+              <a:t>2020/5/25</a:t>
             </a:fld>
             <a:endParaRPr lang="zh-TW" altLang="en-US"/>
           </a:p>
@@ -2399,7 +2399,7 @@
           <a:p>
             <a:fld id="{DE8D7116-F120-4742-A733-9D2A495E1622}" type="datetimeFigureOut">
               <a:rPr lang="zh-TW" altLang="en-US" smtClean="0"/>
-              <a:t>2020/5/23</a:t>
+              <a:t>2020/5/25</a:t>
             </a:fld>
             <a:endParaRPr lang="zh-TW" altLang="en-US"/>
           </a:p>
@@ -2512,7 +2512,7 @@
           <a:p>
             <a:fld id="{DE8D7116-F120-4742-A733-9D2A495E1622}" type="datetimeFigureOut">
               <a:rPr lang="zh-TW" altLang="en-US" smtClean="0"/>
-              <a:t>2020/5/23</a:t>
+              <a:t>2020/5/25</a:t>
             </a:fld>
             <a:endParaRPr lang="zh-TW" altLang="en-US"/>
           </a:p>
@@ -2823,7 +2823,7 @@
           <a:p>
             <a:fld id="{DE8D7116-F120-4742-A733-9D2A495E1622}" type="datetimeFigureOut">
               <a:rPr lang="zh-TW" altLang="en-US" smtClean="0"/>
-              <a:t>2020/5/23</a:t>
+              <a:t>2020/5/25</a:t>
             </a:fld>
             <a:endParaRPr lang="zh-TW" altLang="en-US"/>
           </a:p>
@@ -3111,7 +3111,7 @@
           <a:p>
             <a:fld id="{DE8D7116-F120-4742-A733-9D2A495E1622}" type="datetimeFigureOut">
               <a:rPr lang="zh-TW" altLang="en-US" smtClean="0"/>
-              <a:t>2020/5/23</a:t>
+              <a:t>2020/5/25</a:t>
             </a:fld>
             <a:endParaRPr lang="zh-TW" altLang="en-US"/>
           </a:p>
@@ -3352,7 +3352,7 @@
           <a:p>
             <a:fld id="{DE8D7116-F120-4742-A733-9D2A495E1622}" type="datetimeFigureOut">
               <a:rPr lang="zh-TW" altLang="en-US" smtClean="0"/>
-              <a:t>2020/5/23</a:t>
+              <a:t>2020/5/25</a:t>
             </a:fld>
             <a:endParaRPr lang="zh-TW" altLang="en-US"/>
           </a:p>
@@ -3796,6 +3796,10 @@
               <a:rPr lang="zh-TW" altLang="en-US" sz="4400"/>
               <a:t>泛型程式設計與標準模板函式庫</a:t>
             </a:r>
+            <a:r>
+              <a:rPr lang="en-US" altLang="zh-TW" sz="4400"/>
+              <a:t/>
+            </a:r>
             <a:br>
               <a:rPr lang="en-US" altLang="zh-TW" sz="4400"/>
             </a:br>
@@ -7369,28 +7373,21 @@
               <a:t>) + </a:t>
             </a:r>
             <a:r>
-              <a:rPr lang="zh-TW" altLang="en-US">
+              <a:rPr lang="zh-TW" altLang="en-US" dirty="0">
                 <a:latin typeface="Times New Roman" panose="02020603050405020304" pitchFamily="18" charset="0"/>
                 <a:ea typeface="標楷體" panose="03000509000000000000" pitchFamily="65" charset="-120"/>
               </a:rPr>
               <a:t>兩兩比較 </a:t>
             </a:r>
             <a:r>
-              <a:rPr lang="en-US" altLang="zh-TW">
-                <a:latin typeface="Times New Roman" panose="02020603050405020304" pitchFamily="18" charset="0"/>
-                <a:ea typeface="標楷體" panose="03000509000000000000" pitchFamily="65" charset="-120"/>
-              </a:rPr>
-              <a:t>O</a:t>
-            </a:r>
-            <a:r>
-              <a:rPr lang="en-US" altLang="zh-TW" dirty="0">
-                <a:latin typeface="Times New Roman" panose="02020603050405020304" pitchFamily="18" charset="0"/>
-                <a:ea typeface="標楷體" panose="03000509000000000000" pitchFamily="65" charset="-120"/>
-              </a:rPr>
-              <a:t>(MN^2)</a:t>
-            </a:r>
-            <a:r>
-              <a:rPr lang="zh-TW" altLang="en-US" dirty="0">
+              <a:rPr lang="en-US" altLang="zh-TW" dirty="0" smtClean="0">
+                <a:latin typeface="Times New Roman" panose="02020603050405020304" pitchFamily="18" charset="0"/>
+                <a:ea typeface="標楷體" panose="03000509000000000000" pitchFamily="65" charset="-120"/>
+              </a:rPr>
+              <a:t>O(M^2N)</a:t>
+            </a:r>
+            <a:r>
+              <a:rPr lang="zh-TW" altLang="en-US" dirty="0" smtClean="0">
                 <a:latin typeface="Times New Roman" panose="02020603050405020304" pitchFamily="18" charset="0"/>
                 <a:ea typeface="標楷體" panose="03000509000000000000" pitchFamily="65" charset="-120"/>
               </a:rPr>
@@ -7446,11 +7443,11 @@
               <a:t>總時間複雜度 </a:t>
             </a:r>
             <a:r>
-              <a:rPr lang="en-US" altLang="zh-TW" dirty="0">
-                <a:latin typeface="Times New Roman" panose="02020603050405020304" pitchFamily="18" charset="0"/>
-                <a:ea typeface="標楷體" panose="03000509000000000000" pitchFamily="65" charset="-120"/>
-              </a:rPr>
-              <a:t>O(MN^2)</a:t>
+              <a:rPr lang="en-US" altLang="zh-TW" smtClean="0">
+                <a:latin typeface="Times New Roman" panose="02020603050405020304" pitchFamily="18" charset="0"/>
+                <a:ea typeface="標楷體" panose="03000509000000000000" pitchFamily="65" charset="-120"/>
+              </a:rPr>
+              <a:t>O(M^2N)</a:t>
             </a:r>
             <a:endParaRPr lang="zh-TW" altLang="en-US" dirty="0">
               <a:latin typeface="Times New Roman" panose="02020603050405020304" pitchFamily="18" charset="0"/>

--- a/HW4 應用程式設計/說明.pptx
+++ b/HW4 應用程式設計/說明.pptx
@@ -5,7 +5,7 @@
     <p:sldMasterId id="2147483648" r:id="rId1"/>
   </p:sldMasterIdLst>
   <p:notesMasterIdLst>
-    <p:notesMasterId r:id="rId10"/>
+    <p:notesMasterId r:id="rId11"/>
   </p:notesMasterIdLst>
   <p:sldIdLst>
     <p:sldId id="256" r:id="rId2"/>
@@ -16,6 +16,7 @@
     <p:sldId id="259" r:id="rId7"/>
     <p:sldId id="263" r:id="rId8"/>
     <p:sldId id="260" r:id="rId9"/>
+    <p:sldId id="264" r:id="rId10"/>
   </p:sldIdLst>
   <p:sldSz cx="12192000" cy="6858000"/>
   <p:notesSz cx="6858000" cy="9144000"/>
@@ -204,7 +205,7 @@
           <a:p>
             <a:fld id="{0F905AE9-AE18-4FB5-ADA5-4B0DD22425D8}" type="datetimeFigureOut">
               <a:rPr lang="zh-TW" altLang="en-US" smtClean="0"/>
-              <a:t>2020/5/25</a:t>
+              <a:t>2020/6/10</a:t>
             </a:fld>
             <a:endParaRPr lang="zh-TW" altLang="en-US"/>
           </a:p>
@@ -702,7 +703,7 @@
           <a:p>
             <a:fld id="{DE8D7116-F120-4742-A733-9D2A495E1622}" type="datetimeFigureOut">
               <a:rPr lang="zh-TW" altLang="en-US" smtClean="0"/>
-              <a:t>2020/5/25</a:t>
+              <a:t>2020/6/10</a:t>
             </a:fld>
             <a:endParaRPr lang="zh-TW" altLang="en-US"/>
           </a:p>
@@ -900,7 +901,7 @@
           <a:p>
             <a:fld id="{DE8D7116-F120-4742-A733-9D2A495E1622}" type="datetimeFigureOut">
               <a:rPr lang="zh-TW" altLang="en-US" smtClean="0"/>
-              <a:t>2020/5/25</a:t>
+              <a:t>2020/6/10</a:t>
             </a:fld>
             <a:endParaRPr lang="zh-TW" altLang="en-US"/>
           </a:p>
@@ -1108,7 +1109,7 @@
           <a:p>
             <a:fld id="{DE8D7116-F120-4742-A733-9D2A495E1622}" type="datetimeFigureOut">
               <a:rPr lang="zh-TW" altLang="en-US" smtClean="0"/>
-              <a:t>2020/5/25</a:t>
+              <a:t>2020/6/10</a:t>
             </a:fld>
             <a:endParaRPr lang="zh-TW" altLang="en-US"/>
           </a:p>
@@ -1306,7 +1307,7 @@
           <a:p>
             <a:fld id="{DE8D7116-F120-4742-A733-9D2A495E1622}" type="datetimeFigureOut">
               <a:rPr lang="zh-TW" altLang="en-US" smtClean="0"/>
-              <a:t>2020/5/25</a:t>
+              <a:t>2020/6/10</a:t>
             </a:fld>
             <a:endParaRPr lang="zh-TW" altLang="en-US"/>
           </a:p>
@@ -1581,7 +1582,7 @@
           <a:p>
             <a:fld id="{DE8D7116-F120-4742-A733-9D2A495E1622}" type="datetimeFigureOut">
               <a:rPr lang="zh-TW" altLang="en-US" smtClean="0"/>
-              <a:t>2020/5/25</a:t>
+              <a:t>2020/6/10</a:t>
             </a:fld>
             <a:endParaRPr lang="zh-TW" altLang="en-US"/>
           </a:p>
@@ -1846,7 +1847,7 @@
           <a:p>
             <a:fld id="{DE8D7116-F120-4742-A733-9D2A495E1622}" type="datetimeFigureOut">
               <a:rPr lang="zh-TW" altLang="en-US" smtClean="0"/>
-              <a:t>2020/5/25</a:t>
+              <a:t>2020/6/10</a:t>
             </a:fld>
             <a:endParaRPr lang="zh-TW" altLang="en-US"/>
           </a:p>
@@ -2258,7 +2259,7 @@
           <a:p>
             <a:fld id="{DE8D7116-F120-4742-A733-9D2A495E1622}" type="datetimeFigureOut">
               <a:rPr lang="zh-TW" altLang="en-US" smtClean="0"/>
-              <a:t>2020/5/25</a:t>
+              <a:t>2020/6/10</a:t>
             </a:fld>
             <a:endParaRPr lang="zh-TW" altLang="en-US"/>
           </a:p>
@@ -2399,7 +2400,7 @@
           <a:p>
             <a:fld id="{DE8D7116-F120-4742-A733-9D2A495E1622}" type="datetimeFigureOut">
               <a:rPr lang="zh-TW" altLang="en-US" smtClean="0"/>
-              <a:t>2020/5/25</a:t>
+              <a:t>2020/6/10</a:t>
             </a:fld>
             <a:endParaRPr lang="zh-TW" altLang="en-US"/>
           </a:p>
@@ -2512,7 +2513,7 @@
           <a:p>
             <a:fld id="{DE8D7116-F120-4742-A733-9D2A495E1622}" type="datetimeFigureOut">
               <a:rPr lang="zh-TW" altLang="en-US" smtClean="0"/>
-              <a:t>2020/5/25</a:t>
+              <a:t>2020/6/10</a:t>
             </a:fld>
             <a:endParaRPr lang="zh-TW" altLang="en-US"/>
           </a:p>
@@ -2823,7 +2824,7 @@
           <a:p>
             <a:fld id="{DE8D7116-F120-4742-A733-9D2A495E1622}" type="datetimeFigureOut">
               <a:rPr lang="zh-TW" altLang="en-US" smtClean="0"/>
-              <a:t>2020/5/25</a:t>
+              <a:t>2020/6/10</a:t>
             </a:fld>
             <a:endParaRPr lang="zh-TW" altLang="en-US"/>
           </a:p>
@@ -3111,7 +3112,7 @@
           <a:p>
             <a:fld id="{DE8D7116-F120-4742-A733-9D2A495E1622}" type="datetimeFigureOut">
               <a:rPr lang="zh-TW" altLang="en-US" smtClean="0"/>
-              <a:t>2020/5/25</a:t>
+              <a:t>2020/6/10</a:t>
             </a:fld>
             <a:endParaRPr lang="zh-TW" altLang="en-US"/>
           </a:p>
@@ -3352,7 +3353,7 @@
           <a:p>
             <a:fld id="{DE8D7116-F120-4742-A733-9D2A495E1622}" type="datetimeFigureOut">
               <a:rPr lang="zh-TW" altLang="en-US" smtClean="0"/>
-              <a:t>2020/5/25</a:t>
+              <a:t>2020/6/10</a:t>
             </a:fld>
             <a:endParaRPr lang="zh-TW" altLang="en-US"/>
           </a:p>
@@ -7460,6 +7461,113 @@
     <p:extLst>
       <p:ext uri="{BB962C8B-B14F-4D97-AF65-F5344CB8AC3E}">
         <p14:creationId xmlns:p14="http://schemas.microsoft.com/office/powerpoint/2010/main" val="3412632924"/>
+      </p:ext>
+    </p:extLst>
+  </p:cSld>
+  <p:clrMapOvr>
+    <a:masterClrMapping/>
+  </p:clrMapOvr>
+</p:sld>
+</file>
+
+<file path=ppt/slides/slide9.xml><?xml version="1.0" encoding="utf-8"?>
+<p:sld xmlns:a="http://schemas.openxmlformats.org/drawingml/2006/main" xmlns:r="http://schemas.openxmlformats.org/officeDocument/2006/relationships" xmlns:p="http://schemas.openxmlformats.org/presentationml/2006/main">
+  <p:cSld>
+    <p:spTree>
+      <p:nvGrpSpPr>
+        <p:cNvPr id="1" name=""/>
+        <p:cNvGrpSpPr/>
+        <p:nvPr/>
+      </p:nvGrpSpPr>
+      <p:grpSpPr>
+        <a:xfrm>
+          <a:off x="0" y="0"/>
+          <a:ext cx="0" cy="0"/>
+          <a:chOff x="0" y="0"/>
+          <a:chExt cx="0" cy="0"/>
+        </a:xfrm>
+      </p:grpSpPr>
+      <p:sp>
+        <p:nvSpPr>
+          <p:cNvPr id="2" name="標題 1"/>
+          <p:cNvSpPr>
+            <a:spLocks noGrp="1"/>
+          </p:cNvSpPr>
+          <p:nvPr>
+            <p:ph type="title"/>
+          </p:nvPr>
+        </p:nvSpPr>
+        <p:spPr/>
+        <p:txBody>
+          <a:bodyPr/>
+          <a:lstStyle/>
+          <a:p>
+            <a:r>
+              <a:rPr lang="zh-TW" altLang="en-US" dirty="0" smtClean="0"/>
+              <a:t>參考資料</a:t>
+            </a:r>
+            <a:endParaRPr lang="zh-TW" altLang="en-US" dirty="0"/>
+          </a:p>
+        </p:txBody>
+      </p:sp>
+      <p:sp>
+        <p:nvSpPr>
+          <p:cNvPr id="3" name="內容版面配置區 2"/>
+          <p:cNvSpPr>
+            <a:spLocks noGrp="1"/>
+          </p:cNvSpPr>
+          <p:nvPr>
+            <p:ph idx="1"/>
+          </p:nvPr>
+        </p:nvSpPr>
+        <p:spPr/>
+        <p:txBody>
+          <a:bodyPr/>
+          <a:lstStyle/>
+          <a:p>
+            <a:r>
+              <a:rPr lang="zh-TW" altLang="en-US" dirty="0" smtClean="0"/>
+              <a:t>題目參考</a:t>
+            </a:r>
+            <a:r>
+              <a:rPr lang="en-US" altLang="zh-TW" dirty="0" smtClean="0"/>
+              <a:t>:</a:t>
+            </a:r>
+            <a:r>
+              <a:rPr lang="zh-TW" altLang="en-US" dirty="0" smtClean="0"/>
+              <a:t> 臉書社團</a:t>
+            </a:r>
+            <a:endParaRPr lang="en-US" altLang="zh-TW" dirty="0" smtClean="0"/>
+          </a:p>
+          <a:p>
+            <a:r>
+              <a:rPr lang="zh-TW" altLang="en-US" dirty="0" smtClean="0"/>
+              <a:t>思路</a:t>
+            </a:r>
+            <a:r>
+              <a:rPr lang="zh-TW" altLang="en-US" dirty="0"/>
+              <a:t>和</a:t>
+            </a:r>
+            <a:r>
+              <a:rPr lang="zh-TW" altLang="en-US" dirty="0" smtClean="0"/>
+              <a:t>實作</a:t>
+            </a:r>
+            <a:r>
+              <a:rPr lang="en-US" altLang="zh-TW" dirty="0" smtClean="0"/>
+              <a:t>:</a:t>
+            </a:r>
+            <a:r>
+              <a:rPr lang="zh-TW" altLang="en-US" dirty="0" smtClean="0"/>
+              <a:t> 自己</a:t>
+            </a:r>
+            <a:endParaRPr lang="zh-TW" altLang="en-US" dirty="0"/>
+          </a:p>
+        </p:txBody>
+      </p:sp>
+    </p:spTree>
+    <p:extLst>
+      <p:ext uri="{BB962C8B-B14F-4D97-AF65-F5344CB8AC3E}">
+        <p14:creationId xmlns:p14="http://schemas.microsoft.com/office/powerpoint/2010/main" val="561089893"/>
       </p:ext>
     </p:extLst>
   </p:cSld>

--- a/HW4 應用程式設計/說明.pptx
+++ b/HW4 應用程式設計/說明.pptx
@@ -4399,20 +4399,20 @@
               <a:buNone/>
             </a:pPr>
             <a:r>
-              <a:rPr lang="zh-TW" altLang="zh-TW" b="1">
+              <a:rPr lang="zh-TW" altLang="zh-TW" b="1" dirty="0">
                 <a:latin typeface="Times New Roman" panose="02020603050405020304" pitchFamily="18" charset="0"/>
                 <a:ea typeface="標楷體" panose="03000509000000000000" pitchFamily="65" charset="-120"/>
               </a:rPr>
               <a:t>輸入說明</a:t>
             </a:r>
             <a:r>
-              <a:rPr lang="zh-TW" altLang="en-US" b="1">
+              <a:rPr lang="zh-TW" altLang="en-US" b="1" dirty="0">
                 <a:latin typeface="Times New Roman" panose="02020603050405020304" pitchFamily="18" charset="0"/>
                 <a:ea typeface="標楷體" panose="03000509000000000000" pitchFamily="65" charset="-120"/>
               </a:rPr>
               <a:t>：</a:t>
             </a:r>
-            <a:endParaRPr lang="en-US" altLang="zh-TW">
+            <a:endParaRPr lang="en-US" altLang="zh-TW" dirty="0">
               <a:latin typeface="Times New Roman" panose="02020603050405020304" pitchFamily="18" charset="0"/>
               <a:ea typeface="標楷體" panose="03000509000000000000" pitchFamily="65" charset="-120"/>
             </a:endParaRPr>
@@ -4425,13 +4425,13 @@
               <a:buNone/>
             </a:pPr>
             <a:r>
-              <a:rPr lang="zh-TW" altLang="en-US">
+              <a:rPr lang="zh-TW" altLang="en-US" dirty="0">
                 <a:latin typeface="Times New Roman" panose="02020603050405020304" pitchFamily="18" charset="0"/>
                 <a:ea typeface="標楷體" panose="03000509000000000000" pitchFamily="65" charset="-120"/>
               </a:rPr>
               <a:t>輸入可以包含多組測資。</a:t>
             </a:r>
-            <a:endParaRPr lang="en-US" altLang="zh-TW">
+            <a:endParaRPr lang="en-US" altLang="zh-TW" dirty="0">
               <a:latin typeface="Times New Roman" panose="02020603050405020304" pitchFamily="18" charset="0"/>
               <a:ea typeface="標楷體" panose="03000509000000000000" pitchFamily="65" charset="-120"/>
             </a:endParaRPr>
@@ -4444,203 +4444,217 @@
               <a:buNone/>
             </a:pPr>
             <a:r>
-              <a:rPr lang="zh-TW" altLang="zh-TW">
+              <a:rPr lang="zh-TW" altLang="zh-TW" dirty="0">
                 <a:latin typeface="Times New Roman" panose="02020603050405020304" pitchFamily="18" charset="0"/>
                 <a:ea typeface="標楷體" panose="03000509000000000000" pitchFamily="65" charset="-120"/>
               </a:rPr>
               <a:t>輸入兩個整數</a:t>
             </a:r>
             <a:r>
-              <a:rPr lang="en-US" altLang="zh-TW">
+              <a:rPr lang="en-US" altLang="zh-TW" dirty="0">
                 <a:latin typeface="Times New Roman" panose="02020603050405020304" pitchFamily="18" charset="0"/>
                 <a:ea typeface="標楷體" panose="03000509000000000000" pitchFamily="65" charset="-120"/>
               </a:rPr>
               <a:t>M, N</a:t>
             </a:r>
             <a:r>
-              <a:rPr lang="zh-TW" altLang="en-US">
+              <a:rPr lang="zh-TW" altLang="en-US" dirty="0">
                 <a:latin typeface="Times New Roman" panose="02020603050405020304" pitchFamily="18" charset="0"/>
                 <a:ea typeface="標楷體" panose="03000509000000000000" pitchFamily="65" charset="-120"/>
               </a:rPr>
               <a:t>，</a:t>
             </a:r>
             <a:r>
-              <a:rPr lang="en-US" altLang="zh-TW">
+              <a:rPr lang="en-US" altLang="zh-TW" dirty="0">
                 <a:latin typeface="Times New Roman" panose="02020603050405020304" pitchFamily="18" charset="0"/>
                 <a:ea typeface="標楷體" panose="03000509000000000000" pitchFamily="65" charset="-120"/>
               </a:rPr>
               <a:t>M</a:t>
             </a:r>
             <a:r>
-              <a:rPr lang="zh-TW" altLang="zh-TW">
+              <a:rPr lang="zh-TW" altLang="zh-TW" dirty="0">
                 <a:latin typeface="Times New Roman" panose="02020603050405020304" pitchFamily="18" charset="0"/>
                 <a:ea typeface="標楷體" panose="03000509000000000000" pitchFamily="65" charset="-120"/>
               </a:rPr>
               <a:t>表示</a:t>
             </a:r>
             <a:r>
-              <a:rPr lang="en-US" altLang="zh-TW">
+              <a:rPr lang="en-US" altLang="zh-TW" dirty="0">
                 <a:latin typeface="Times New Roman" panose="02020603050405020304" pitchFamily="18" charset="0"/>
                 <a:ea typeface="標楷體" panose="03000509000000000000" pitchFamily="65" charset="-120"/>
               </a:rPr>
               <a:t>group</a:t>
             </a:r>
             <a:r>
-              <a:rPr lang="zh-TW" altLang="zh-TW">
+              <a:rPr lang="zh-TW" altLang="zh-TW" dirty="0">
                 <a:latin typeface="Times New Roman" panose="02020603050405020304" pitchFamily="18" charset="0"/>
                 <a:ea typeface="標楷體" panose="03000509000000000000" pitchFamily="65" charset="-120"/>
               </a:rPr>
               <a:t>數目</a:t>
             </a:r>
             <a:r>
-              <a:rPr lang="en-US" altLang="zh-TW">
+              <a:rPr lang="en-US" altLang="zh-TW" dirty="0">
                 <a:latin typeface="Times New Roman" panose="02020603050405020304" pitchFamily="18" charset="0"/>
                 <a:ea typeface="標楷體" panose="03000509000000000000" pitchFamily="65" charset="-120"/>
               </a:rPr>
               <a:t>(1 &lt;= M &lt;= 500)</a:t>
             </a:r>
             <a:r>
-              <a:rPr lang="zh-TW" altLang="zh-TW">
+              <a:rPr lang="zh-TW" altLang="zh-TW" dirty="0">
                 <a:latin typeface="Times New Roman" panose="02020603050405020304" pitchFamily="18" charset="0"/>
                 <a:ea typeface="標楷體" panose="03000509000000000000" pitchFamily="65" charset="-120"/>
               </a:rPr>
               <a:t>，</a:t>
             </a:r>
             <a:r>
-              <a:rPr lang="en-US" altLang="zh-TW">
+              <a:rPr lang="en-US" altLang="zh-TW" dirty="0">
                 <a:latin typeface="Times New Roman" panose="02020603050405020304" pitchFamily="18" charset="0"/>
                 <a:ea typeface="標楷體" panose="03000509000000000000" pitchFamily="65" charset="-120"/>
               </a:rPr>
               <a:t>N</a:t>
             </a:r>
             <a:r>
-              <a:rPr lang="zh-TW" altLang="zh-TW">
+              <a:rPr lang="zh-TW" altLang="zh-TW" dirty="0">
                 <a:latin typeface="Times New Roman" panose="02020603050405020304" pitchFamily="18" charset="0"/>
                 <a:ea typeface="標楷體" panose="03000509000000000000" pitchFamily="65" charset="-120"/>
               </a:rPr>
               <a:t>表示</a:t>
             </a:r>
             <a:r>
-              <a:rPr lang="en-US" altLang="zh-TW">
+              <a:rPr lang="en-US" altLang="zh-TW" dirty="0">
                 <a:latin typeface="Times New Roman" panose="02020603050405020304" pitchFamily="18" charset="0"/>
                 <a:ea typeface="標楷體" panose="03000509000000000000" pitchFamily="65" charset="-120"/>
               </a:rPr>
               <a:t>group</a:t>
             </a:r>
             <a:r>
-              <a:rPr lang="zh-TW" altLang="zh-TW">
+              <a:rPr lang="zh-TW" altLang="zh-TW" dirty="0">
                 <a:latin typeface="Times New Roman" panose="02020603050405020304" pitchFamily="18" charset="0"/>
                 <a:ea typeface="標楷體" panose="03000509000000000000" pitchFamily="65" charset="-120"/>
               </a:rPr>
               <a:t>的大小</a:t>
             </a:r>
             <a:r>
-              <a:rPr lang="en-US" altLang="zh-TW">
+              <a:rPr lang="en-US" altLang="zh-TW" dirty="0">
                 <a:latin typeface="Times New Roman" panose="02020603050405020304" pitchFamily="18" charset="0"/>
                 <a:ea typeface="標楷體" panose="03000509000000000000" pitchFamily="65" charset="-120"/>
               </a:rPr>
               <a:t>(1 &lt;= N &lt;= 500)</a:t>
             </a:r>
             <a:r>
-              <a:rPr lang="zh-TW" altLang="zh-TW">
+              <a:rPr lang="zh-TW" altLang="zh-TW" dirty="0">
                 <a:latin typeface="Times New Roman" panose="02020603050405020304" pitchFamily="18" charset="0"/>
                 <a:ea typeface="標楷體" panose="03000509000000000000" pitchFamily="65" charset="-120"/>
               </a:rPr>
               <a:t>。接下來</a:t>
             </a:r>
             <a:r>
-              <a:rPr lang="en-US" altLang="zh-TW">
+              <a:rPr lang="en-US" altLang="zh-TW" dirty="0">
                 <a:latin typeface="Times New Roman" panose="02020603050405020304" pitchFamily="18" charset="0"/>
                 <a:ea typeface="標楷體" panose="03000509000000000000" pitchFamily="65" charset="-120"/>
               </a:rPr>
               <a:t>M</a:t>
             </a:r>
             <a:r>
-              <a:rPr lang="zh-TW" altLang="zh-TW">
+              <a:rPr lang="zh-TW" altLang="zh-TW" dirty="0">
                 <a:latin typeface="Times New Roman" panose="02020603050405020304" pitchFamily="18" charset="0"/>
                 <a:ea typeface="標楷體" panose="03000509000000000000" pitchFamily="65" charset="-120"/>
               </a:rPr>
               <a:t>行</a:t>
             </a:r>
             <a:r>
-              <a:rPr lang="zh-TW" altLang="en-US">
+              <a:rPr lang="zh-TW" altLang="en-US" dirty="0">
                 <a:latin typeface="Times New Roman" panose="02020603050405020304" pitchFamily="18" charset="0"/>
                 <a:ea typeface="標楷體" panose="03000509000000000000" pitchFamily="65" charset="-120"/>
               </a:rPr>
               <a:t>各</a:t>
             </a:r>
             <a:r>
-              <a:rPr lang="zh-TW" altLang="zh-TW">
+              <a:rPr lang="zh-TW" altLang="zh-TW" dirty="0">
                 <a:latin typeface="Times New Roman" panose="02020603050405020304" pitchFamily="18" charset="0"/>
                 <a:ea typeface="標楷體" panose="03000509000000000000" pitchFamily="65" charset="-120"/>
               </a:rPr>
               <a:t>輸入</a:t>
             </a:r>
             <a:r>
-              <a:rPr lang="en-US" altLang="zh-TW">
+              <a:rPr lang="en-US" altLang="zh-TW" dirty="0">
                 <a:latin typeface="Times New Roman" panose="02020603050405020304" pitchFamily="18" charset="0"/>
                 <a:ea typeface="標楷體" panose="03000509000000000000" pitchFamily="65" charset="-120"/>
               </a:rPr>
               <a:t>N</a:t>
             </a:r>
             <a:r>
-              <a:rPr lang="zh-TW" altLang="zh-TW">
+              <a:rPr lang="zh-TW" altLang="zh-TW" dirty="0">
                 <a:latin typeface="Times New Roman" panose="02020603050405020304" pitchFamily="18" charset="0"/>
                 <a:ea typeface="標楷體" panose="03000509000000000000" pitchFamily="65" charset="-120"/>
               </a:rPr>
               <a:t>個數字</a:t>
             </a:r>
             <a:r>
-              <a:rPr lang="en-US" altLang="zh-TW">
+              <a:rPr lang="en-US" altLang="zh-TW" dirty="0" err="1">
                 <a:latin typeface="Times New Roman" panose="02020603050405020304" pitchFamily="18" charset="0"/>
                 <a:ea typeface="標楷體" panose="03000509000000000000" pitchFamily="65" charset="-120"/>
               </a:rPr>
               <a:t>k</a:t>
             </a:r>
             <a:r>
-              <a:rPr lang="en-US" altLang="zh-TW" sz="2000">
-                <a:latin typeface="Times New Roman" panose="02020603050405020304" pitchFamily="18" charset="0"/>
-                <a:ea typeface="標楷體" panose="03000509000000000000" pitchFamily="65" charset="-120"/>
-              </a:rPr>
-              <a:t>i </a:t>
-            </a:r>
-            <a:r>
-              <a:rPr lang="en-US" altLang="zh-TW">
-                <a:latin typeface="Times New Roman" panose="02020603050405020304" pitchFamily="18" charset="0"/>
-                <a:ea typeface="標楷體" panose="03000509000000000000" pitchFamily="65" charset="-120"/>
-              </a:rPr>
-              <a:t>(1 &lt;= k</a:t>
-            </a:r>
-            <a:r>
-              <a:rPr lang="en-US" altLang="zh-TW" sz="2000">
+              <a:rPr lang="en-US" altLang="zh-TW" sz="2000" dirty="0" err="1">
                 <a:latin typeface="Times New Roman" panose="02020603050405020304" pitchFamily="18" charset="0"/>
                 <a:ea typeface="標楷體" panose="03000509000000000000" pitchFamily="65" charset="-120"/>
               </a:rPr>
               <a:t>i</a:t>
             </a:r>
             <a:r>
-              <a:rPr lang="en-US" altLang="zh-TW">
+              <a:rPr lang="en-US" altLang="zh-TW" sz="2000" dirty="0">
+                <a:latin typeface="Times New Roman" panose="02020603050405020304" pitchFamily="18" charset="0"/>
+                <a:ea typeface="標楷體" panose="03000509000000000000" pitchFamily="65" charset="-120"/>
+              </a:rPr>
+              <a:t> </a:t>
+            </a:r>
+            <a:r>
+              <a:rPr lang="en-US" altLang="zh-TW" dirty="0">
+                <a:latin typeface="Times New Roman" panose="02020603050405020304" pitchFamily="18" charset="0"/>
+                <a:ea typeface="標楷體" panose="03000509000000000000" pitchFamily="65" charset="-120"/>
+              </a:rPr>
+              <a:t>(1 &lt;= </a:t>
+            </a:r>
+            <a:r>
+              <a:rPr lang="en-US" altLang="zh-TW" dirty="0" err="1">
+                <a:latin typeface="Times New Roman" panose="02020603050405020304" pitchFamily="18" charset="0"/>
+                <a:ea typeface="標楷體" panose="03000509000000000000" pitchFamily="65" charset="-120"/>
+              </a:rPr>
+              <a:t>k</a:t>
+            </a:r>
+            <a:r>
+              <a:rPr lang="en-US" altLang="zh-TW" sz="2000" dirty="0" err="1">
+                <a:latin typeface="Times New Roman" panose="02020603050405020304" pitchFamily="18" charset="0"/>
+                <a:ea typeface="標楷體" panose="03000509000000000000" pitchFamily="65" charset="-120"/>
+              </a:rPr>
+              <a:t>i</a:t>
+            </a:r>
+            <a:r>
+              <a:rPr lang="en-US" altLang="zh-TW" dirty="0">
                 <a:latin typeface="Times New Roman" panose="02020603050405020304" pitchFamily="18" charset="0"/>
                 <a:ea typeface="標楷體" panose="03000509000000000000" pitchFamily="65" charset="-120"/>
               </a:rPr>
               <a:t> &lt;= 1000000000)</a:t>
             </a:r>
             <a:r>
-              <a:rPr lang="zh-TW" altLang="zh-TW">
+              <a:rPr lang="zh-TW" altLang="zh-TW" dirty="0">
                 <a:latin typeface="Times New Roman" panose="02020603050405020304" pitchFamily="18" charset="0"/>
                 <a:ea typeface="標楷體" panose="03000509000000000000" pitchFamily="65" charset="-120"/>
               </a:rPr>
               <a:t>。</a:t>
             </a:r>
             <a:r>
-              <a:rPr lang="en-US" altLang="zh-TW">
+              <a:rPr lang="en-US" altLang="zh-TW" dirty="0">
                 <a:latin typeface="Times New Roman" panose="02020603050405020304" pitchFamily="18" charset="0"/>
                 <a:ea typeface="標楷體" panose="03000509000000000000" pitchFamily="65" charset="-120"/>
               </a:rPr>
               <a:t>0 0 </a:t>
             </a:r>
             <a:r>
-              <a:rPr lang="zh-TW" altLang="zh-TW">
+              <a:rPr lang="zh-TW" altLang="zh-TW" dirty="0">
                 <a:latin typeface="Times New Roman" panose="02020603050405020304" pitchFamily="18" charset="0"/>
                 <a:ea typeface="標楷體" panose="03000509000000000000" pitchFamily="65" charset="-120"/>
               </a:rPr>
@@ -4655,20 +4669,20 @@
               <a:buNone/>
             </a:pPr>
             <a:r>
-              <a:rPr lang="zh-TW" altLang="zh-TW" b="1">
+              <a:rPr lang="zh-TW" altLang="zh-TW" b="1" dirty="0">
                 <a:latin typeface="Times New Roman" panose="02020603050405020304" pitchFamily="18" charset="0"/>
                 <a:ea typeface="標楷體" panose="03000509000000000000" pitchFamily="65" charset="-120"/>
               </a:rPr>
               <a:t>輸出說明</a:t>
             </a:r>
             <a:r>
-              <a:rPr lang="zh-TW" altLang="en-US" b="1">
+              <a:rPr lang="zh-TW" altLang="en-US" b="1" dirty="0">
                 <a:latin typeface="Times New Roman" panose="02020603050405020304" pitchFamily="18" charset="0"/>
                 <a:ea typeface="標楷體" panose="03000509000000000000" pitchFamily="65" charset="-120"/>
               </a:rPr>
               <a:t>：</a:t>
             </a:r>
-            <a:endParaRPr lang="zh-TW" altLang="zh-TW">
+            <a:endParaRPr lang="zh-TW" altLang="zh-TW" dirty="0">
               <a:latin typeface="Times New Roman" panose="02020603050405020304" pitchFamily="18" charset="0"/>
               <a:ea typeface="標楷體" panose="03000509000000000000" pitchFamily="65" charset="-120"/>
             </a:endParaRPr>
@@ -4681,146 +4695,118 @@
               <a:buNone/>
             </a:pPr>
             <a:r>
-              <a:rPr lang="zh-TW" altLang="en-US">
+              <a:rPr lang="zh-TW" altLang="en-US" dirty="0">
                 <a:latin typeface="Times New Roman" panose="02020603050405020304" pitchFamily="18" charset="0"/>
                 <a:ea typeface="標楷體" panose="03000509000000000000" pitchFamily="65" charset="-120"/>
               </a:rPr>
               <a:t>對於每組測資，</a:t>
             </a:r>
             <a:r>
-              <a:rPr lang="zh-TW" altLang="zh-TW">
+              <a:rPr lang="zh-TW" altLang="zh-TW" dirty="0">
                 <a:latin typeface="Times New Roman" panose="02020603050405020304" pitchFamily="18" charset="0"/>
                 <a:ea typeface="標楷體" panose="03000509000000000000" pitchFamily="65" charset="-120"/>
               </a:rPr>
               <a:t>輸出</a:t>
             </a:r>
             <a:r>
-              <a:rPr lang="en-US" altLang="zh-TW">
+              <a:rPr lang="en-US" altLang="zh-TW" dirty="0">
                 <a:latin typeface="Times New Roman" panose="02020603050405020304" pitchFamily="18" charset="0"/>
                 <a:ea typeface="標楷體" panose="03000509000000000000" pitchFamily="65" charset="-120"/>
               </a:rPr>
               <a:t>1</a:t>
             </a:r>
             <a:r>
-              <a:rPr lang="zh-TW" altLang="zh-TW">
+              <a:rPr lang="zh-TW" altLang="zh-TW" dirty="0">
                 <a:latin typeface="Times New Roman" panose="02020603050405020304" pitchFamily="18" charset="0"/>
                 <a:ea typeface="標楷體" panose="03000509000000000000" pitchFamily="65" charset="-120"/>
               </a:rPr>
               <a:t>個最大</a:t>
             </a:r>
             <a:r>
-              <a:rPr lang="zh-TW" altLang="en-US">
+              <a:rPr lang="zh-TW" altLang="en-US" dirty="0">
                 <a:latin typeface="Times New Roman" panose="02020603050405020304" pitchFamily="18" charset="0"/>
                 <a:ea typeface="標楷體" panose="03000509000000000000" pitchFamily="65" charset="-120"/>
               </a:rPr>
               <a:t>組</a:t>
             </a:r>
             <a:r>
-              <a:rPr lang="zh-TW" altLang="zh-TW">
+              <a:rPr lang="zh-TW" altLang="zh-TW" dirty="0">
                 <a:latin typeface="Times New Roman" panose="02020603050405020304" pitchFamily="18" charset="0"/>
                 <a:ea typeface="標楷體" panose="03000509000000000000" pitchFamily="65" charset="-120"/>
               </a:rPr>
               <a:t>數長度，</a:t>
             </a:r>
             <a:r>
-              <a:rPr lang="zh-TW" altLang="en-US">
+              <a:rPr lang="zh-TW" altLang="en-US" dirty="0">
                 <a:latin typeface="Times New Roman" panose="02020603050405020304" pitchFamily="18" charset="0"/>
                 <a:ea typeface="標楷體" panose="03000509000000000000" pitchFamily="65" charset="-120"/>
               </a:rPr>
               <a:t>然後依序</a:t>
             </a:r>
             <a:r>
-              <a:rPr lang="zh-TW" altLang="zh-TW">
+              <a:rPr lang="zh-TW" altLang="zh-TW" dirty="0">
                 <a:latin typeface="Times New Roman" panose="02020603050405020304" pitchFamily="18" charset="0"/>
                 <a:ea typeface="標楷體" panose="03000509000000000000" pitchFamily="65" charset="-120"/>
               </a:rPr>
               <a:t>輸出構成最大組的</a:t>
             </a:r>
             <a:r>
-              <a:rPr lang="en-US" altLang="zh-TW">
+              <a:rPr lang="en-US" altLang="zh-TW" dirty="0">
                 <a:latin typeface="Times New Roman" panose="02020603050405020304" pitchFamily="18" charset="0"/>
                 <a:ea typeface="標楷體" panose="03000509000000000000" pitchFamily="65" charset="-120"/>
               </a:rPr>
               <a:t>group</a:t>
             </a:r>
             <a:r>
-              <a:rPr lang="zh-TW" altLang="zh-TW">
-                <a:latin typeface="Times New Roman" panose="02020603050405020304" pitchFamily="18" charset="0"/>
-                <a:ea typeface="標楷體" panose="03000509000000000000" pitchFamily="65" charset="-120"/>
-              </a:rPr>
-              <a:t>是哪些</a:t>
-            </a:r>
-            <a:r>
-              <a:rPr lang="zh-TW" altLang="en-US">
+              <a:rPr lang="zh-TW" altLang="zh-TW" dirty="0" smtClean="0">
+                <a:latin typeface="Times New Roman" panose="02020603050405020304" pitchFamily="18" charset="0"/>
+                <a:ea typeface="標楷體" panose="03000509000000000000" pitchFamily="65" charset="-120"/>
+              </a:rPr>
+              <a:t>是</a:t>
+            </a:r>
+            <a:r>
+              <a:rPr lang="zh-TW" altLang="en-US" dirty="0">
+                <a:latin typeface="Times New Roman" panose="02020603050405020304" pitchFamily="18" charset="0"/>
+                <a:ea typeface="標楷體" panose="03000509000000000000" pitchFamily="65" charset="-120"/>
+              </a:rPr>
+              <a:t>哪</a:t>
+            </a:r>
+            <a:r>
+              <a:rPr lang="zh-TW" altLang="en-US" dirty="0" smtClean="0">
+                <a:latin typeface="Times New Roman" panose="02020603050405020304" pitchFamily="18" charset="0"/>
+                <a:ea typeface="標楷體" panose="03000509000000000000" pitchFamily="65" charset="-120"/>
+              </a:rPr>
+              <a:t>些，並且如何排列能夠滿足</a:t>
+            </a:r>
+            <a:r>
+              <a:rPr lang="zh-TW" altLang="en-US" dirty="0">
+                <a:latin typeface="Times New Roman" panose="02020603050405020304" pitchFamily="18" charset="0"/>
+                <a:ea typeface="標楷體" panose="03000509000000000000" pitchFamily="65" charset="-120"/>
+              </a:rPr>
+              <a:t>最大遞減</a:t>
+            </a:r>
+            <a:r>
+              <a:rPr lang="zh-TW" altLang="en-US" dirty="0" smtClean="0">
+                <a:latin typeface="Times New Roman" panose="02020603050405020304" pitchFamily="18" charset="0"/>
+                <a:ea typeface="標楷體" panose="03000509000000000000" pitchFamily="65" charset="-120"/>
+              </a:rPr>
+              <a:t>關係將其輸出</a:t>
+            </a:r>
+            <a:r>
+              <a:rPr lang="zh-TW" altLang="zh-TW" dirty="0" smtClean="0">
                 <a:latin typeface="Times New Roman" panose="02020603050405020304" pitchFamily="18" charset="0"/>
                 <a:ea typeface="標楷體" panose="03000509000000000000" pitchFamily="65" charset="-120"/>
               </a:rPr>
               <a:t>。</a:t>
             </a:r>
             <a:r>
-              <a:rPr lang="zh-TW" altLang="zh-TW">
-                <a:latin typeface="Times New Roman" panose="02020603050405020304" pitchFamily="18" charset="0"/>
-                <a:ea typeface="標楷體" panose="03000509000000000000" pitchFamily="65" charset="-120"/>
-              </a:rPr>
-              <a:t>如果</a:t>
-            </a:r>
-            <a:r>
-              <a:rPr lang="zh-TW" altLang="en-US">
-                <a:latin typeface="Times New Roman" panose="02020603050405020304" pitchFamily="18" charset="0"/>
-                <a:ea typeface="標楷體" panose="03000509000000000000" pitchFamily="65" charset="-120"/>
-              </a:rPr>
-              <a:t>其中有相同</a:t>
-            </a:r>
-            <a:r>
-              <a:rPr lang="en-US" altLang="zh-TW">
-                <a:latin typeface="Times New Roman" panose="02020603050405020304" pitchFamily="18" charset="0"/>
-                <a:ea typeface="標楷體" panose="03000509000000000000" pitchFamily="65" charset="-120"/>
-              </a:rPr>
-              <a:t>group(s)</a:t>
-            </a:r>
-            <a:r>
-              <a:rPr lang="zh-TW" altLang="zh-TW">
-                <a:latin typeface="Times New Roman" panose="02020603050405020304" pitchFamily="18" charset="0"/>
-                <a:ea typeface="標楷體" panose="03000509000000000000" pitchFamily="65" charset="-120"/>
-              </a:rPr>
-              <a:t>，根據字典序輸出；輸入</a:t>
-            </a:r>
-            <a:r>
-              <a:rPr lang="en-US" altLang="zh-TW">
-                <a:latin typeface="Times New Roman" panose="02020603050405020304" pitchFamily="18" charset="0"/>
-                <a:ea typeface="標楷體" panose="03000509000000000000" pitchFamily="65" charset="-120"/>
-              </a:rPr>
-              <a:t>group</a:t>
-            </a:r>
-            <a:r>
-              <a:rPr lang="zh-TW" altLang="zh-TW">
-                <a:latin typeface="Times New Roman" panose="02020603050405020304" pitchFamily="18" charset="0"/>
-                <a:ea typeface="標楷體" panose="03000509000000000000" pitchFamily="65" charset="-120"/>
-              </a:rPr>
-              <a:t>的組別從</a:t>
-            </a:r>
-            <a:r>
-              <a:rPr lang="en-US" altLang="zh-TW">
-                <a:latin typeface="Times New Roman" panose="02020603050405020304" pitchFamily="18" charset="0"/>
-                <a:ea typeface="標楷體" panose="03000509000000000000" pitchFamily="65" charset="-120"/>
-              </a:rPr>
-              <a:t>1</a:t>
-            </a:r>
-            <a:r>
-              <a:rPr lang="zh-TW" altLang="zh-TW">
-                <a:latin typeface="Times New Roman" panose="02020603050405020304" pitchFamily="18" charset="0"/>
-                <a:ea typeface="標楷體" panose="03000509000000000000" pitchFamily="65" charset="-120"/>
-              </a:rPr>
-              <a:t>開始計算。</a:t>
-            </a:r>
-            <a:r>
-              <a:rPr lang="zh-TW" altLang="en-US">
+              <a:rPr lang="zh-TW" altLang="en-US" dirty="0">
                 <a:latin typeface="Times New Roman" panose="02020603050405020304" pitchFamily="18" charset="0"/>
                 <a:ea typeface="標楷體" panose="03000509000000000000" pitchFamily="65" charset="-120"/>
               </a:rPr>
               <a:t>每組輸出最後都要換行，各數字間以空白字元分開。</a:t>
             </a:r>
-            <a:endParaRPr lang="en-US" altLang="zh-TW">
+            <a:endParaRPr lang="en-US" altLang="zh-TW" dirty="0">
               <a:latin typeface="Times New Roman" panose="02020603050405020304" pitchFamily="18" charset="0"/>
               <a:ea typeface="標楷體" panose="03000509000000000000" pitchFamily="65" charset="-120"/>
             </a:endParaRPr>
@@ -4911,8 +4897,8 @@
         </p:nvSpPr>
         <p:spPr>
           <a:xfrm>
-            <a:off x="482082" y="1825624"/>
-            <a:ext cx="5537718" cy="4667251"/>
+            <a:off x="482082" y="1349830"/>
+            <a:ext cx="5474581" cy="5508170"/>
           </a:xfrm>
         </p:spPr>
         <p:txBody>
@@ -4925,13 +4911,13 @@
               <a:buNone/>
             </a:pPr>
             <a:r>
-              <a:rPr lang="zh-TW" altLang="en-US" sz="2000" b="1">
+              <a:rPr lang="zh-TW" altLang="en-US" sz="2000" b="1" dirty="0">
                 <a:latin typeface="Times New Roman" panose="02020603050405020304" pitchFamily="18" charset="0"/>
                 <a:ea typeface="標楷體" panose="03000509000000000000" pitchFamily="65" charset="-120"/>
               </a:rPr>
               <a:t>範例輸入：</a:t>
             </a:r>
-            <a:endParaRPr lang="en-US" altLang="zh-TW" sz="2000" b="1">
+            <a:endParaRPr lang="en-US" altLang="zh-TW" sz="2000" b="1" dirty="0">
               <a:latin typeface="Times New Roman" panose="02020603050405020304" pitchFamily="18" charset="0"/>
               <a:ea typeface="標楷體" panose="03000509000000000000" pitchFamily="65" charset="-120"/>
             </a:endParaRPr>
@@ -4941,7 +4927,7 @@
               <a:buNone/>
             </a:pPr>
             <a:r>
-              <a:rPr lang="en-US" altLang="zh-TW" sz="2000">
+              <a:rPr lang="en-US" altLang="zh-TW" sz="2000" dirty="0">
                 <a:latin typeface="Times New Roman" panose="02020603050405020304" pitchFamily="18" charset="0"/>
                 <a:ea typeface="標楷體" panose="03000509000000000000" pitchFamily="65" charset="-120"/>
               </a:rPr>
@@ -4953,7 +4939,7 @@
               <a:buNone/>
             </a:pPr>
             <a:r>
-              <a:rPr lang="en-US" altLang="zh-TW" sz="2000">
+              <a:rPr lang="en-US" altLang="zh-TW" sz="2000" dirty="0">
                 <a:latin typeface="Times New Roman" panose="02020603050405020304" pitchFamily="18" charset="0"/>
                 <a:ea typeface="標楷體" panose="03000509000000000000" pitchFamily="65" charset="-120"/>
               </a:rPr>
@@ -4965,7 +4951,7 @@
               <a:buNone/>
             </a:pPr>
             <a:r>
-              <a:rPr lang="en-US" altLang="zh-TW" sz="2000">
+              <a:rPr lang="en-US" altLang="zh-TW" sz="2000" dirty="0">
                 <a:latin typeface="Times New Roman" panose="02020603050405020304" pitchFamily="18" charset="0"/>
                 <a:ea typeface="標楷體" panose="03000509000000000000" pitchFamily="65" charset="-120"/>
               </a:rPr>
@@ -4977,7 +4963,7 @@
               <a:buNone/>
             </a:pPr>
             <a:r>
-              <a:rPr lang="en-US" altLang="zh-TW" sz="2000">
+              <a:rPr lang="en-US" altLang="zh-TW" sz="2000" dirty="0">
                 <a:latin typeface="Times New Roman" panose="02020603050405020304" pitchFamily="18" charset="0"/>
                 <a:ea typeface="標楷體" panose="03000509000000000000" pitchFamily="65" charset="-120"/>
               </a:rPr>
@@ -4989,7 +4975,7 @@
               <a:buNone/>
             </a:pPr>
             <a:r>
-              <a:rPr lang="en-US" altLang="zh-TW" sz="2000">
+              <a:rPr lang="en-US" altLang="zh-TW" sz="2000" dirty="0">
                 <a:latin typeface="Times New Roman" panose="02020603050405020304" pitchFamily="18" charset="0"/>
                 <a:ea typeface="標楷體" panose="03000509000000000000" pitchFamily="65" charset="-120"/>
               </a:rPr>
@@ -5001,7 +4987,7 @@
               <a:buNone/>
             </a:pPr>
             <a:r>
-              <a:rPr lang="en-US" altLang="zh-TW" sz="2000">
+              <a:rPr lang="en-US" altLang="zh-TW" sz="2000" dirty="0">
                 <a:latin typeface="Times New Roman" panose="02020603050405020304" pitchFamily="18" charset="0"/>
                 <a:ea typeface="標楷體" panose="03000509000000000000" pitchFamily="65" charset="-120"/>
               </a:rPr>
@@ -5013,18 +4999,20 @@
               <a:buNone/>
             </a:pPr>
             <a:r>
-              <a:rPr lang="en-US" altLang="zh-TW" sz="2000">
-                <a:latin typeface="Times New Roman" panose="02020603050405020304" pitchFamily="18" charset="0"/>
-                <a:ea typeface="標楷體" panose="03000509000000000000" pitchFamily="65" charset="-120"/>
-              </a:rPr>
-              <a:t>0 0</a:t>
-            </a:r>
-          </a:p>
-          <a:p>
-            <a:pPr marL="0" indent="0">
-              <a:buNone/>
-            </a:pPr>
-            <a:endParaRPr lang="en-US" altLang="zh-TW" sz="2000">
+              <a:rPr lang="en-US" altLang="zh-TW" sz="2000" dirty="0">
+                <a:latin typeface="Times New Roman" panose="02020603050405020304" pitchFamily="18" charset="0"/>
+                <a:ea typeface="標楷體" panose="03000509000000000000" pitchFamily="65" charset="-120"/>
+              </a:rPr>
+              <a:t>0 </a:t>
+            </a:r>
+            <a:r>
+              <a:rPr lang="en-US" altLang="zh-TW" sz="2000" dirty="0" smtClean="0">
+                <a:latin typeface="Times New Roman" panose="02020603050405020304" pitchFamily="18" charset="0"/>
+                <a:ea typeface="標楷體" panose="03000509000000000000" pitchFamily="65" charset="-120"/>
+              </a:rPr>
+              <a:t>0</a:t>
+            </a:r>
+            <a:endParaRPr lang="en-US" altLang="zh-TW" sz="2000" dirty="0">
               <a:latin typeface="Times New Roman" panose="02020603050405020304" pitchFamily="18" charset="0"/>
               <a:ea typeface="標楷體" panose="03000509000000000000" pitchFamily="65" charset="-120"/>
             </a:endParaRPr>
@@ -5034,13 +5022,13 @@
               <a:buNone/>
             </a:pPr>
             <a:r>
-              <a:rPr lang="zh-TW" altLang="en-US" sz="2000" b="1">
+              <a:rPr lang="zh-TW" altLang="en-US" sz="2000" b="1" dirty="0">
                 <a:latin typeface="Times New Roman" panose="02020603050405020304" pitchFamily="18" charset="0"/>
                 <a:ea typeface="標楷體" panose="03000509000000000000" pitchFamily="65" charset="-120"/>
               </a:rPr>
               <a:t>範例輸出：</a:t>
             </a:r>
-            <a:endParaRPr lang="en-US" altLang="zh-TW" sz="2000">
+            <a:endParaRPr lang="en-US" altLang="zh-TW" sz="2000" dirty="0">
               <a:latin typeface="Times New Roman" panose="02020603050405020304" pitchFamily="18" charset="0"/>
               <a:ea typeface="標楷體" panose="03000509000000000000" pitchFamily="65" charset="-120"/>
             </a:endParaRPr>
@@ -5050,12 +5038,52 @@
               <a:buNone/>
             </a:pPr>
             <a:r>
-              <a:rPr lang="en-US" altLang="zh-TW" sz="2000">
-                <a:latin typeface="Times New Roman" panose="02020603050405020304" pitchFamily="18" charset="0"/>
-                <a:ea typeface="標楷體" panose="03000509000000000000" pitchFamily="65" charset="-120"/>
-              </a:rPr>
-              <a:t>3 4 1 2</a:t>
-            </a:r>
+              <a:rPr lang="en-US" altLang="zh-TW" sz="2000" dirty="0" smtClean="0">
+                <a:latin typeface="Times New Roman" panose="02020603050405020304" pitchFamily="18" charset="0"/>
+                <a:ea typeface="標楷體" panose="03000509000000000000" pitchFamily="65" charset="-120"/>
+              </a:rPr>
+              <a:t>3</a:t>
+            </a:r>
+          </a:p>
+          <a:p>
+            <a:pPr marL="0" indent="0">
+              <a:buNone/>
+            </a:pPr>
+            <a:r>
+              <a:rPr lang="en-US" altLang="zh-TW" sz="2000" dirty="0">
+                <a:latin typeface="Times New Roman" panose="02020603050405020304" pitchFamily="18" charset="0"/>
+                <a:ea typeface="標楷體" panose="03000509000000000000" pitchFamily="65" charset="-120"/>
+              </a:rPr>
+              <a:t>182 170 183 188 181 199 178 178 198 176</a:t>
+            </a:r>
+          </a:p>
+          <a:p>
+            <a:pPr marL="0" indent="0">
+              <a:buNone/>
+            </a:pPr>
+            <a:r>
+              <a:rPr lang="en-US" altLang="zh-TW" sz="2000" dirty="0">
+                <a:latin typeface="Times New Roman" panose="02020603050405020304" pitchFamily="18" charset="0"/>
+                <a:ea typeface="標楷體" panose="03000509000000000000" pitchFamily="65" charset="-120"/>
+              </a:rPr>
+              <a:t>179 159 182 184 178 193 173 174 192 170</a:t>
+            </a:r>
+          </a:p>
+          <a:p>
+            <a:pPr marL="0" indent="0">
+              <a:buNone/>
+            </a:pPr>
+            <a:r>
+              <a:rPr lang="en-US" altLang="zh-TW" sz="2000" dirty="0">
+                <a:latin typeface="Times New Roman" panose="02020603050405020304" pitchFamily="18" charset="0"/>
+                <a:ea typeface="標楷體" panose="03000509000000000000" pitchFamily="65" charset="-120"/>
+              </a:rPr>
+              <a:t>169 151 170 173 164 188 157 164 186 152</a:t>
+            </a:r>
+            <a:endParaRPr lang="en-US" altLang="zh-TW" sz="2000" dirty="0">
+              <a:latin typeface="Times New Roman" panose="02020603050405020304" pitchFamily="18" charset="0"/>
+              <a:ea typeface="標楷體" panose="03000509000000000000" pitchFamily="65" charset="-120"/>
+            </a:endParaRPr>
           </a:p>
         </p:txBody>
       </p:sp>
@@ -5094,13 +5122,13 @@
               <a:buNone/>
             </a:pPr>
             <a:r>
-              <a:rPr lang="zh-TW" altLang="en-US" sz="2000" b="1">
+              <a:rPr lang="zh-TW" altLang="en-US" sz="2000" b="1" dirty="0">
                 <a:latin typeface="Times New Roman" panose="02020603050405020304" pitchFamily="18" charset="0"/>
                 <a:ea typeface="標楷體" panose="03000509000000000000" pitchFamily="65" charset="-120"/>
               </a:rPr>
               <a:t>說明：</a:t>
             </a:r>
-            <a:endParaRPr lang="en-US" altLang="zh-TW" sz="2000" b="1">
+            <a:endParaRPr lang="en-US" altLang="zh-TW" sz="2000" b="1" dirty="0">
               <a:latin typeface="Times New Roman" panose="02020603050405020304" pitchFamily="18" charset="0"/>
               <a:ea typeface="標楷體" panose="03000509000000000000" pitchFamily="65" charset="-120"/>
             </a:endParaRPr>
@@ -5113,13 +5141,13 @@
               <a:buNone/>
             </a:pPr>
             <a:r>
-              <a:rPr lang="zh-TW" altLang="en-US" sz="2000">
+              <a:rPr lang="zh-TW" altLang="en-US" sz="2000" dirty="0">
                 <a:latin typeface="Times New Roman" panose="02020603050405020304" pitchFamily="18" charset="0"/>
                 <a:ea typeface="標楷體" panose="03000509000000000000" pitchFamily="65" charset="-120"/>
               </a:rPr>
               <a:t>範例輸入的唯一一組測資中，</a:t>
             </a:r>
-            <a:endParaRPr lang="en-US" altLang="zh-TW" sz="2000">
+            <a:endParaRPr lang="en-US" altLang="zh-TW" sz="2000" dirty="0">
               <a:latin typeface="Times New Roman" panose="02020603050405020304" pitchFamily="18" charset="0"/>
               <a:ea typeface="標楷體" panose="03000509000000000000" pitchFamily="65" charset="-120"/>
             </a:endParaRPr>
@@ -5132,21 +5160,21 @@
               <a:buNone/>
             </a:pPr>
             <a:r>
-              <a:rPr lang="en-US" altLang="zh-TW" sz="2000">
+              <a:rPr lang="en-US" altLang="zh-TW" sz="2000" dirty="0">
                 <a:latin typeface="Times New Roman" panose="02020603050405020304" pitchFamily="18" charset="0"/>
                 <a:ea typeface="標楷體" panose="03000509000000000000" pitchFamily="65" charset="-120"/>
               </a:rPr>
               <a:t>Group1:</a:t>
             </a:r>
             <a:r>
-              <a:rPr lang="zh-TW" altLang="en-US" sz="2000">
+              <a:rPr lang="zh-TW" altLang="en-US" sz="2000" dirty="0">
                 <a:latin typeface="Times New Roman" panose="02020603050405020304" pitchFamily="18" charset="0"/>
                 <a:ea typeface="標楷體" panose="03000509000000000000" pitchFamily="65" charset="-120"/>
               </a:rPr>
               <a:t> </a:t>
             </a:r>
             <a:r>
-              <a:rPr lang="en-US" altLang="zh-TW" sz="2000">
+              <a:rPr lang="en-US" altLang="zh-TW" sz="2000" dirty="0">
                 <a:latin typeface="Times New Roman" panose="02020603050405020304" pitchFamily="18" charset="0"/>
                 <a:ea typeface="標楷體" panose="03000509000000000000" pitchFamily="65" charset="-120"/>
               </a:rPr>
@@ -5161,21 +5189,21 @@
               <a:buNone/>
             </a:pPr>
             <a:r>
-              <a:rPr lang="en-US" altLang="zh-TW" sz="2000">
+              <a:rPr lang="en-US" altLang="zh-TW" sz="2000" dirty="0">
                 <a:latin typeface="Times New Roman" panose="02020603050405020304" pitchFamily="18" charset="0"/>
                 <a:ea typeface="標楷體" panose="03000509000000000000" pitchFamily="65" charset="-120"/>
               </a:rPr>
               <a:t>Group2:</a:t>
             </a:r>
             <a:r>
-              <a:rPr lang="zh-TW" altLang="en-US" sz="2000">
+              <a:rPr lang="zh-TW" altLang="en-US" sz="2000" dirty="0">
                 <a:latin typeface="Times New Roman" panose="02020603050405020304" pitchFamily="18" charset="0"/>
                 <a:ea typeface="標楷體" panose="03000509000000000000" pitchFamily="65" charset="-120"/>
               </a:rPr>
               <a:t> </a:t>
             </a:r>
             <a:r>
-              <a:rPr lang="en-US" altLang="zh-TW" sz="2000">
+              <a:rPr lang="en-US" altLang="zh-TW" sz="2000" dirty="0">
                 <a:latin typeface="Times New Roman" panose="02020603050405020304" pitchFamily="18" charset="0"/>
                 <a:ea typeface="標楷體" panose="03000509000000000000" pitchFamily="65" charset="-120"/>
               </a:rPr>
@@ -5190,21 +5218,21 @@
               <a:buNone/>
             </a:pPr>
             <a:r>
-              <a:rPr lang="en-US" altLang="zh-TW" sz="2000">
+              <a:rPr lang="en-US" altLang="zh-TW" sz="2000" dirty="0">
                 <a:latin typeface="Times New Roman" panose="02020603050405020304" pitchFamily="18" charset="0"/>
                 <a:ea typeface="標楷體" panose="03000509000000000000" pitchFamily="65" charset="-120"/>
               </a:rPr>
               <a:t>Group3:</a:t>
             </a:r>
             <a:r>
-              <a:rPr lang="zh-TW" altLang="en-US" sz="2000">
+              <a:rPr lang="zh-TW" altLang="en-US" sz="2000" dirty="0">
                 <a:latin typeface="Times New Roman" panose="02020603050405020304" pitchFamily="18" charset="0"/>
                 <a:ea typeface="標楷體" panose="03000509000000000000" pitchFamily="65" charset="-120"/>
               </a:rPr>
               <a:t> </a:t>
             </a:r>
             <a:r>
-              <a:rPr lang="en-US" altLang="zh-TW" sz="2000">
+              <a:rPr lang="en-US" altLang="zh-TW" sz="2000" dirty="0">
                 <a:latin typeface="Times New Roman" panose="02020603050405020304" pitchFamily="18" charset="0"/>
                 <a:ea typeface="標楷體" panose="03000509000000000000" pitchFamily="65" charset="-120"/>
               </a:rPr>
@@ -5219,21 +5247,21 @@
               <a:buNone/>
             </a:pPr>
             <a:r>
-              <a:rPr lang="en-US" altLang="zh-TW" sz="2000">
+              <a:rPr lang="en-US" altLang="zh-TW" sz="2000" dirty="0">
                 <a:latin typeface="Times New Roman" panose="02020603050405020304" pitchFamily="18" charset="0"/>
                 <a:ea typeface="標楷體" panose="03000509000000000000" pitchFamily="65" charset="-120"/>
               </a:rPr>
               <a:t>Group4:</a:t>
             </a:r>
             <a:r>
-              <a:rPr lang="zh-TW" altLang="en-US" sz="2000">
+              <a:rPr lang="zh-TW" altLang="en-US" sz="2000" dirty="0">
                 <a:latin typeface="Times New Roman" panose="02020603050405020304" pitchFamily="18" charset="0"/>
                 <a:ea typeface="標楷體" panose="03000509000000000000" pitchFamily="65" charset="-120"/>
               </a:rPr>
               <a:t> </a:t>
             </a:r>
             <a:r>
-              <a:rPr lang="en-US" altLang="zh-TW" sz="2000">
+              <a:rPr lang="en-US" altLang="zh-TW" sz="2000" dirty="0">
                 <a:latin typeface="Times New Roman" panose="02020603050405020304" pitchFamily="18" charset="0"/>
                 <a:ea typeface="標楷體" panose="03000509000000000000" pitchFamily="65" charset="-120"/>
               </a:rPr>
@@ -5248,21 +5276,21 @@
               <a:buNone/>
             </a:pPr>
             <a:r>
-              <a:rPr lang="en-US" altLang="zh-TW" sz="2000">
+              <a:rPr lang="en-US" altLang="zh-TW" sz="2000" dirty="0">
                 <a:latin typeface="Times New Roman" panose="02020603050405020304" pitchFamily="18" charset="0"/>
                 <a:ea typeface="標楷體" panose="03000509000000000000" pitchFamily="65" charset="-120"/>
               </a:rPr>
               <a:t>Group5:</a:t>
             </a:r>
             <a:r>
-              <a:rPr lang="zh-TW" altLang="en-US" sz="2000">
+              <a:rPr lang="zh-TW" altLang="en-US" sz="2000" dirty="0">
                 <a:latin typeface="Times New Roman" panose="02020603050405020304" pitchFamily="18" charset="0"/>
                 <a:ea typeface="標楷體" panose="03000509000000000000" pitchFamily="65" charset="-120"/>
               </a:rPr>
               <a:t> </a:t>
             </a:r>
             <a:r>
-              <a:rPr lang="en-US" altLang="zh-TW" sz="2000">
+              <a:rPr lang="en-US" altLang="zh-TW" sz="2000" dirty="0">
                 <a:latin typeface="Times New Roman" panose="02020603050405020304" pitchFamily="18" charset="0"/>
                 <a:ea typeface="標楷體" panose="03000509000000000000" pitchFamily="65" charset="-120"/>
               </a:rPr>
@@ -5277,41 +5305,41 @@
               <a:buNone/>
             </a:pPr>
             <a:r>
-              <a:rPr lang="zh-TW" altLang="en-US" sz="2000">
+              <a:rPr lang="zh-TW" altLang="en-US" sz="2000" dirty="0">
                 <a:latin typeface="Times New Roman" panose="02020603050405020304" pitchFamily="18" charset="0"/>
                 <a:ea typeface="標楷體" panose="03000509000000000000" pitchFamily="65" charset="-120"/>
               </a:rPr>
               <a:t>更動數列後，最多可得</a:t>
             </a:r>
             <a:r>
-              <a:rPr lang="en-US" altLang="zh-TW" sz="2000">
+              <a:rPr lang="en-US" altLang="zh-TW" sz="2000" dirty="0">
                 <a:latin typeface="Times New Roman" panose="02020603050405020304" pitchFamily="18" charset="0"/>
                 <a:ea typeface="標楷體" panose="03000509000000000000" pitchFamily="65" charset="-120"/>
               </a:rPr>
               <a:t>3</a:t>
             </a:r>
             <a:r>
-              <a:rPr lang="zh-TW" altLang="en-US" sz="2000">
+              <a:rPr lang="zh-TW" altLang="en-US" sz="2000" dirty="0">
                 <a:latin typeface="Times New Roman" panose="02020603050405020304" pitchFamily="18" charset="0"/>
                 <a:ea typeface="標楷體" panose="03000509000000000000" pitchFamily="65" charset="-120"/>
               </a:rPr>
               <a:t>個以下排列的</a:t>
             </a:r>
             <a:r>
-              <a:rPr lang="en-US" altLang="zh-TW" sz="2000">
+              <a:rPr lang="en-US" altLang="zh-TW" sz="2000" dirty="0">
                 <a:latin typeface="Times New Roman" panose="02020603050405020304" pitchFamily="18" charset="0"/>
                 <a:ea typeface="標楷體" panose="03000509000000000000" pitchFamily="65" charset="-120"/>
               </a:rPr>
               <a:t>group(s)</a:t>
             </a:r>
             <a:r>
-              <a:rPr lang="zh-TW" altLang="en-US" sz="2000">
+              <a:rPr lang="zh-TW" altLang="en-US" sz="2000" dirty="0">
                 <a:latin typeface="Times New Roman" panose="02020603050405020304" pitchFamily="18" charset="0"/>
                 <a:ea typeface="標楷體" panose="03000509000000000000" pitchFamily="65" charset="-120"/>
               </a:rPr>
               <a:t>符合題意要求：</a:t>
             </a:r>
-            <a:endParaRPr lang="en-US" altLang="zh-TW" sz="2000">
+            <a:endParaRPr lang="en-US" altLang="zh-TW" sz="2000" dirty="0">
               <a:latin typeface="Times New Roman" panose="02020603050405020304" pitchFamily="18" charset="0"/>
               <a:ea typeface="標楷體" panose="03000509000000000000" pitchFamily="65" charset="-120"/>
             </a:endParaRPr>
@@ -5324,7 +5352,7 @@
               <a:buNone/>
             </a:pPr>
             <a:r>
-              <a:rPr lang="en-US" altLang="zh-TW" sz="2000">
+              <a:rPr lang="en-US" altLang="zh-TW" sz="2000" dirty="0">
                 <a:latin typeface="Times New Roman" panose="02020603050405020304" pitchFamily="18" charset="0"/>
                 <a:ea typeface="標楷體" panose="03000509000000000000" pitchFamily="65" charset="-120"/>
               </a:rPr>
@@ -5339,7 +5367,7 @@
               <a:buNone/>
             </a:pPr>
             <a:r>
-              <a:rPr lang="en-US" altLang="zh-TW" sz="2000">
+              <a:rPr lang="en-US" altLang="zh-TW" sz="2000" dirty="0">
                 <a:latin typeface="Times New Roman" panose="02020603050405020304" pitchFamily="18" charset="0"/>
                 <a:ea typeface="標楷體" panose="03000509000000000000" pitchFamily="65" charset="-120"/>
               </a:rPr>
@@ -5354,7 +5382,7 @@
               <a:buNone/>
             </a:pPr>
             <a:r>
-              <a:rPr lang="en-US" altLang="zh-TW" sz="2000">
+              <a:rPr lang="en-US" altLang="zh-TW" sz="2000" dirty="0">
                 <a:latin typeface="Times New Roman" panose="02020603050405020304" pitchFamily="18" charset="0"/>
                 <a:ea typeface="標楷體" panose="03000509000000000000" pitchFamily="65" charset="-120"/>
               </a:rPr>
@@ -5369,19 +5397,30 @@
               <a:buNone/>
             </a:pPr>
             <a:r>
-              <a:rPr lang="zh-TW" altLang="en-US" sz="2000">
+              <a:rPr lang="zh-TW" altLang="en-US" sz="2000" dirty="0">
                 <a:latin typeface="Times New Roman" panose="02020603050405020304" pitchFamily="18" charset="0"/>
                 <a:ea typeface="標楷體" panose="03000509000000000000" pitchFamily="65" charset="-120"/>
               </a:rPr>
               <a:t>因此輸出為</a:t>
             </a:r>
             <a:r>
-              <a:rPr lang="en-US" altLang="zh-TW" sz="2000">
-                <a:latin typeface="Times New Roman" panose="02020603050405020304" pitchFamily="18" charset="0"/>
-                <a:ea typeface="標楷體" panose="03000509000000000000" pitchFamily="65" charset="-120"/>
-              </a:rPr>
-              <a:t>3 4 1 2</a:t>
-            </a:r>
+              <a:rPr lang="en-US" altLang="zh-TW" sz="2000" dirty="0" smtClean="0">
+                <a:latin typeface="Times New Roman" panose="02020603050405020304" pitchFamily="18" charset="0"/>
+                <a:ea typeface="標楷體" panose="03000509000000000000" pitchFamily="65" charset="-120"/>
+              </a:rPr>
+              <a:t>3</a:t>
+            </a:r>
+            <a:r>
+              <a:rPr lang="zh-TW" altLang="en-US" sz="2000" dirty="0" smtClean="0">
+                <a:latin typeface="Times New Roman" panose="02020603050405020304" pitchFamily="18" charset="0"/>
+                <a:ea typeface="標楷體" panose="03000509000000000000" pitchFamily="65" charset="-120"/>
+              </a:rPr>
+              <a:t>，以及對應的群如何排列</a:t>
+            </a:r>
+            <a:endParaRPr lang="en-US" altLang="zh-TW" sz="2000" dirty="0">
+              <a:latin typeface="Times New Roman" panose="02020603050405020304" pitchFamily="18" charset="0"/>
+              <a:ea typeface="標楷體" panose="03000509000000000000" pitchFamily="65" charset="-120"/>
+            </a:endParaRPr>
           </a:p>
         </p:txBody>
       </p:sp>
@@ -7541,12 +7580,8 @@
           </a:p>
           <a:p>
             <a:r>
-              <a:rPr lang="zh-TW" altLang="en-US" dirty="0" smtClean="0"/>
-              <a:t>思路</a:t>
-            </a:r>
-            <a:r>
-              <a:rPr lang="zh-TW" altLang="en-US" dirty="0"/>
-              <a:t>和</a:t>
+              <a:rPr lang="zh-TW" altLang="en-US" smtClean="0"/>
+              <a:t>想法和</a:t>
             </a:r>
             <a:r>
               <a:rPr lang="zh-TW" altLang="en-US" dirty="0" smtClean="0"/>

--- a/HW4 應用程式設計/說明.pptx
+++ b/HW4 應用程式設計/說明.pptx
@@ -5,7 +5,7 @@
     <p:sldMasterId id="2147483648" r:id="rId1"/>
   </p:sldMasterIdLst>
   <p:notesMasterIdLst>
-    <p:notesMasterId r:id="rId11"/>
+    <p:notesMasterId r:id="rId13"/>
   </p:notesMasterIdLst>
   <p:sldIdLst>
     <p:sldId id="256" r:id="rId2"/>
@@ -13,10 +13,12 @@
     <p:sldId id="258" r:id="rId4"/>
     <p:sldId id="261" r:id="rId5"/>
     <p:sldId id="262" r:id="rId6"/>
-    <p:sldId id="259" r:id="rId7"/>
-    <p:sldId id="263" r:id="rId8"/>
-    <p:sldId id="260" r:id="rId9"/>
-    <p:sldId id="264" r:id="rId10"/>
+    <p:sldId id="266" r:id="rId7"/>
+    <p:sldId id="267" r:id="rId8"/>
+    <p:sldId id="259" r:id="rId9"/>
+    <p:sldId id="268" r:id="rId10"/>
+    <p:sldId id="260" r:id="rId11"/>
+    <p:sldId id="264" r:id="rId12"/>
   </p:sldIdLst>
   <p:sldSz cx="12192000" cy="6858000"/>
   <p:notesSz cx="6858000" cy="9144000"/>
@@ -205,7 +207,7 @@
           <a:p>
             <a:fld id="{0F905AE9-AE18-4FB5-ADA5-4B0DD22425D8}" type="datetimeFigureOut">
               <a:rPr lang="zh-TW" altLang="en-US" smtClean="0"/>
-              <a:t>2020/6/10</a:t>
+              <a:t>2020/6/18</a:t>
             </a:fld>
             <a:endParaRPr lang="zh-TW" altLang="en-US"/>
           </a:p>
@@ -703,7 +705,7 @@
           <a:p>
             <a:fld id="{DE8D7116-F120-4742-A733-9D2A495E1622}" type="datetimeFigureOut">
               <a:rPr lang="zh-TW" altLang="en-US" smtClean="0"/>
-              <a:t>2020/6/10</a:t>
+              <a:t>2020/6/18</a:t>
             </a:fld>
             <a:endParaRPr lang="zh-TW" altLang="en-US"/>
           </a:p>
@@ -901,7 +903,7 @@
           <a:p>
             <a:fld id="{DE8D7116-F120-4742-A733-9D2A495E1622}" type="datetimeFigureOut">
               <a:rPr lang="zh-TW" altLang="en-US" smtClean="0"/>
-              <a:t>2020/6/10</a:t>
+              <a:t>2020/6/18</a:t>
             </a:fld>
             <a:endParaRPr lang="zh-TW" altLang="en-US"/>
           </a:p>
@@ -1109,7 +1111,7 @@
           <a:p>
             <a:fld id="{DE8D7116-F120-4742-A733-9D2A495E1622}" type="datetimeFigureOut">
               <a:rPr lang="zh-TW" altLang="en-US" smtClean="0"/>
-              <a:t>2020/6/10</a:t>
+              <a:t>2020/6/18</a:t>
             </a:fld>
             <a:endParaRPr lang="zh-TW" altLang="en-US"/>
           </a:p>
@@ -1307,7 +1309,7 @@
           <a:p>
             <a:fld id="{DE8D7116-F120-4742-A733-9D2A495E1622}" type="datetimeFigureOut">
               <a:rPr lang="zh-TW" altLang="en-US" smtClean="0"/>
-              <a:t>2020/6/10</a:t>
+              <a:t>2020/6/18</a:t>
             </a:fld>
             <a:endParaRPr lang="zh-TW" altLang="en-US"/>
           </a:p>
@@ -1582,7 +1584,7 @@
           <a:p>
             <a:fld id="{DE8D7116-F120-4742-A733-9D2A495E1622}" type="datetimeFigureOut">
               <a:rPr lang="zh-TW" altLang="en-US" smtClean="0"/>
-              <a:t>2020/6/10</a:t>
+              <a:t>2020/6/18</a:t>
             </a:fld>
             <a:endParaRPr lang="zh-TW" altLang="en-US"/>
           </a:p>
@@ -1847,7 +1849,7 @@
           <a:p>
             <a:fld id="{DE8D7116-F120-4742-A733-9D2A495E1622}" type="datetimeFigureOut">
               <a:rPr lang="zh-TW" altLang="en-US" smtClean="0"/>
-              <a:t>2020/6/10</a:t>
+              <a:t>2020/6/18</a:t>
             </a:fld>
             <a:endParaRPr lang="zh-TW" altLang="en-US"/>
           </a:p>
@@ -2259,7 +2261,7 @@
           <a:p>
             <a:fld id="{DE8D7116-F120-4742-A733-9D2A495E1622}" type="datetimeFigureOut">
               <a:rPr lang="zh-TW" altLang="en-US" smtClean="0"/>
-              <a:t>2020/6/10</a:t>
+              <a:t>2020/6/18</a:t>
             </a:fld>
             <a:endParaRPr lang="zh-TW" altLang="en-US"/>
           </a:p>
@@ -2400,7 +2402,7 @@
           <a:p>
             <a:fld id="{DE8D7116-F120-4742-A733-9D2A495E1622}" type="datetimeFigureOut">
               <a:rPr lang="zh-TW" altLang="en-US" smtClean="0"/>
-              <a:t>2020/6/10</a:t>
+              <a:t>2020/6/18</a:t>
             </a:fld>
             <a:endParaRPr lang="zh-TW" altLang="en-US"/>
           </a:p>
@@ -2513,7 +2515,7 @@
           <a:p>
             <a:fld id="{DE8D7116-F120-4742-A733-9D2A495E1622}" type="datetimeFigureOut">
               <a:rPr lang="zh-TW" altLang="en-US" smtClean="0"/>
-              <a:t>2020/6/10</a:t>
+              <a:t>2020/6/18</a:t>
             </a:fld>
             <a:endParaRPr lang="zh-TW" altLang="en-US"/>
           </a:p>
@@ -2824,7 +2826,7 @@
           <a:p>
             <a:fld id="{DE8D7116-F120-4742-A733-9D2A495E1622}" type="datetimeFigureOut">
               <a:rPr lang="zh-TW" altLang="en-US" smtClean="0"/>
-              <a:t>2020/6/10</a:t>
+              <a:t>2020/6/18</a:t>
             </a:fld>
             <a:endParaRPr lang="zh-TW" altLang="en-US"/>
           </a:p>
@@ -3112,7 +3114,7 @@
           <a:p>
             <a:fld id="{DE8D7116-F120-4742-A733-9D2A495E1622}" type="datetimeFigureOut">
               <a:rPr lang="zh-TW" altLang="en-US" smtClean="0"/>
-              <a:t>2020/6/10</a:t>
+              <a:t>2020/6/18</a:t>
             </a:fld>
             <a:endParaRPr lang="zh-TW" altLang="en-US"/>
           </a:p>
@@ -3353,7 +3355,7 @@
           <a:p>
             <a:fld id="{DE8D7116-F120-4742-A733-9D2A495E1622}" type="datetimeFigureOut">
               <a:rPr lang="zh-TW" altLang="en-US" smtClean="0"/>
-              <a:t>2020/6/10</a:t>
+              <a:t>2020/6/18</a:t>
             </a:fld>
             <a:endParaRPr lang="zh-TW" altLang="en-US"/>
           </a:p>
@@ -3928,6 +3930,335 @@
   <p:clrMapOvr>
     <a:masterClrMapping/>
   </p:clrMapOvr>
+  <p:timing>
+    <p:tnLst>
+      <p:par>
+        <p:cTn id="1" dur="indefinite" restart="never" nodeType="tmRoot"/>
+      </p:par>
+    </p:tnLst>
+  </p:timing>
+</p:sld>
+</file>
+
+<file path=ppt/slides/slide10.xml><?xml version="1.0" encoding="utf-8"?>
+<p:sld xmlns:a="http://schemas.openxmlformats.org/drawingml/2006/main" xmlns:r="http://schemas.openxmlformats.org/officeDocument/2006/relationships" xmlns:p="http://schemas.openxmlformats.org/presentationml/2006/main">
+  <p:cSld>
+    <p:spTree>
+      <p:nvGrpSpPr>
+        <p:cNvPr id="1" name=""/>
+        <p:cNvGrpSpPr/>
+        <p:nvPr/>
+      </p:nvGrpSpPr>
+      <p:grpSpPr>
+        <a:xfrm>
+          <a:off x="0" y="0"/>
+          <a:ext cx="0" cy="0"/>
+          <a:chOff x="0" y="0"/>
+          <a:chExt cx="0" cy="0"/>
+        </a:xfrm>
+      </p:grpSpPr>
+      <p:sp>
+        <p:nvSpPr>
+          <p:cNvPr id="2" name="標題 1">
+            <a:extLst>
+              <a:ext uri="{FF2B5EF4-FFF2-40B4-BE49-F238E27FC236}">
+                <a16:creationId xmlns:a16="http://schemas.microsoft.com/office/drawing/2014/main" id="{4457B8C9-56BD-4589-B5A8-9B5476310C0B}"/>
+              </a:ext>
+            </a:extLst>
+          </p:cNvPr>
+          <p:cNvSpPr>
+            <a:spLocks noGrp="1"/>
+          </p:cNvSpPr>
+          <p:nvPr>
+            <p:ph type="title"/>
+          </p:nvPr>
+        </p:nvSpPr>
+        <p:spPr/>
+        <p:txBody>
+          <a:bodyPr/>
+          <a:lstStyle/>
+          <a:p>
+            <a:r>
+              <a:rPr lang="zh-TW" altLang="en-US"/>
+              <a:t>時間複雜度</a:t>
+            </a:r>
+          </a:p>
+        </p:txBody>
+      </p:sp>
+      <p:sp>
+        <p:nvSpPr>
+          <p:cNvPr id="3" name="內容版面配置區 2">
+            <a:extLst>
+              <a:ext uri="{FF2B5EF4-FFF2-40B4-BE49-F238E27FC236}">
+                <a16:creationId xmlns:a16="http://schemas.microsoft.com/office/drawing/2014/main" id="{7A70C0EA-8BC2-4985-94E5-8B21E13625E4}"/>
+              </a:ext>
+            </a:extLst>
+          </p:cNvPr>
+          <p:cNvSpPr>
+            <a:spLocks noGrp="1"/>
+          </p:cNvSpPr>
+          <p:nvPr>
+            <p:ph idx="1"/>
+          </p:nvPr>
+        </p:nvSpPr>
+        <p:spPr/>
+        <p:txBody>
+          <a:bodyPr/>
+          <a:lstStyle/>
+          <a:p>
+            <a:pPr>
+              <a:lnSpc>
+                <a:spcPct val="100000"/>
+              </a:lnSpc>
+            </a:pPr>
+            <a:r>
+              <a:rPr lang="zh-TW" altLang="en-US" dirty="0" smtClean="0">
+                <a:latin typeface="Times New Roman" panose="02020603050405020304" pitchFamily="18" charset="0"/>
+                <a:ea typeface="標楷體" panose="03000509000000000000" pitchFamily="65" charset="-120"/>
+              </a:rPr>
+              <a:t>算</a:t>
+            </a:r>
+            <a:r>
+              <a:rPr lang="en-US" altLang="zh-TW" dirty="0" smtClean="0">
+                <a:latin typeface="Times New Roman" panose="02020603050405020304" pitchFamily="18" charset="0"/>
+                <a:ea typeface="標楷體" panose="03000509000000000000" pitchFamily="65" charset="-120"/>
+              </a:rPr>
+              <a:t>LDS</a:t>
+            </a:r>
+            <a:r>
+              <a:rPr lang="zh-TW" altLang="en-US" dirty="0" smtClean="0">
+                <a:latin typeface="Times New Roman" panose="02020603050405020304" pitchFamily="18" charset="0"/>
+                <a:ea typeface="標楷體" panose="03000509000000000000" pitchFamily="65" charset="-120"/>
+              </a:rPr>
+              <a:t>長度</a:t>
+            </a:r>
+            <a:r>
+              <a:rPr lang="en-US" altLang="zh-TW" dirty="0" smtClean="0">
+                <a:latin typeface="Times New Roman" panose="02020603050405020304" pitchFamily="18" charset="0"/>
+                <a:ea typeface="標楷體" panose="03000509000000000000" pitchFamily="65" charset="-120"/>
+              </a:rPr>
+              <a:t>O(</a:t>
+            </a:r>
+            <a:r>
+              <a:rPr lang="en-US" altLang="zh-TW" dirty="0" err="1" smtClean="0">
+                <a:latin typeface="Times New Roman" panose="02020603050405020304" pitchFamily="18" charset="0"/>
+                <a:ea typeface="標楷體" panose="03000509000000000000" pitchFamily="65" charset="-120"/>
+              </a:rPr>
+              <a:t>NlogN</a:t>
+            </a:r>
+            <a:r>
+              <a:rPr lang="en-US" altLang="zh-TW" dirty="0" smtClean="0">
+                <a:latin typeface="Times New Roman" panose="02020603050405020304" pitchFamily="18" charset="0"/>
+                <a:ea typeface="標楷體" panose="03000509000000000000" pitchFamily="65" charset="-120"/>
+              </a:rPr>
+              <a:t>) + </a:t>
+            </a:r>
+            <a:r>
+              <a:rPr lang="zh-TW" altLang="en-US" dirty="0" smtClean="0">
+                <a:latin typeface="Times New Roman" panose="02020603050405020304" pitchFamily="18" charset="0"/>
+                <a:ea typeface="標楷體" panose="03000509000000000000" pitchFamily="65" charset="-120"/>
+              </a:rPr>
+              <a:t>找</a:t>
+            </a:r>
+            <a:r>
+              <a:rPr lang="en-US" altLang="zh-TW" dirty="0" smtClean="0">
+                <a:latin typeface="Times New Roman" panose="02020603050405020304" pitchFamily="18" charset="0"/>
+                <a:ea typeface="標楷體" panose="03000509000000000000" pitchFamily="65" charset="-120"/>
+              </a:rPr>
+              <a:t>LDS</a:t>
+            </a:r>
+            <a:r>
+              <a:rPr lang="zh-TW" altLang="en-US" dirty="0" smtClean="0">
+                <a:latin typeface="Times New Roman" panose="02020603050405020304" pitchFamily="18" charset="0"/>
+                <a:ea typeface="標楷體" panose="03000509000000000000" pitchFamily="65" charset="-120"/>
+              </a:rPr>
+              <a:t> </a:t>
+            </a:r>
+            <a:r>
+              <a:rPr lang="en-US" altLang="zh-TW" dirty="0" smtClean="0">
+                <a:latin typeface="Times New Roman" panose="02020603050405020304" pitchFamily="18" charset="0"/>
+                <a:ea typeface="標楷體" panose="03000509000000000000" pitchFamily="65" charset="-120"/>
+              </a:rPr>
+              <a:t>O(N)</a:t>
+            </a:r>
+          </a:p>
+          <a:p>
+            <a:pPr>
+              <a:lnSpc>
+                <a:spcPct val="100000"/>
+              </a:lnSpc>
+            </a:pPr>
+            <a:r>
+              <a:rPr lang="zh-TW" altLang="en-US" dirty="0" smtClean="0">
+                <a:latin typeface="Times New Roman" panose="02020603050405020304" pitchFamily="18" charset="0"/>
+                <a:ea typeface="標楷體" panose="03000509000000000000" pitchFamily="65" charset="-120"/>
+              </a:rPr>
+              <a:t>總</a:t>
+            </a:r>
+            <a:r>
+              <a:rPr lang="zh-TW" altLang="en-US" dirty="0">
+                <a:latin typeface="Times New Roman" panose="02020603050405020304" pitchFamily="18" charset="0"/>
+                <a:ea typeface="標楷體" panose="03000509000000000000" pitchFamily="65" charset="-120"/>
+              </a:rPr>
+              <a:t>時間複雜度 </a:t>
+            </a:r>
+            <a:r>
+              <a:rPr lang="en-US" altLang="zh-TW" dirty="0" smtClean="0">
+                <a:latin typeface="Times New Roman" panose="02020603050405020304" pitchFamily="18" charset="0"/>
+                <a:ea typeface="標楷體" panose="03000509000000000000" pitchFamily="65" charset="-120"/>
+              </a:rPr>
+              <a:t>O(</a:t>
+            </a:r>
+            <a:r>
+              <a:rPr lang="en-US" altLang="zh-TW" dirty="0" err="1" smtClean="0">
+                <a:latin typeface="Times New Roman" panose="02020603050405020304" pitchFamily="18" charset="0"/>
+                <a:ea typeface="標楷體" panose="03000509000000000000" pitchFamily="65" charset="-120"/>
+              </a:rPr>
+              <a:t>NlogN</a:t>
+            </a:r>
+            <a:r>
+              <a:rPr lang="en-US" altLang="zh-TW" dirty="0" smtClean="0">
+                <a:latin typeface="Times New Roman" panose="02020603050405020304" pitchFamily="18" charset="0"/>
+                <a:ea typeface="標楷體" panose="03000509000000000000" pitchFamily="65" charset="-120"/>
+              </a:rPr>
+              <a:t>)</a:t>
+            </a:r>
+            <a:endParaRPr lang="zh-TW" altLang="en-US" dirty="0">
+              <a:latin typeface="Times New Roman" panose="02020603050405020304" pitchFamily="18" charset="0"/>
+              <a:ea typeface="標楷體" panose="03000509000000000000" pitchFamily="65" charset="-120"/>
+            </a:endParaRPr>
+          </a:p>
+        </p:txBody>
+      </p:sp>
+    </p:spTree>
+    <p:extLst>
+      <p:ext uri="{BB962C8B-B14F-4D97-AF65-F5344CB8AC3E}">
+        <p14:creationId xmlns:p14="http://schemas.microsoft.com/office/powerpoint/2010/main" val="3412632924"/>
+      </p:ext>
+    </p:extLst>
+  </p:cSld>
+  <p:clrMapOvr>
+    <a:masterClrMapping/>
+  </p:clrMapOvr>
+  <p:timing>
+    <p:tnLst>
+      <p:par>
+        <p:cTn id="1" dur="indefinite" restart="never" nodeType="tmRoot"/>
+      </p:par>
+    </p:tnLst>
+  </p:timing>
+</p:sld>
+</file>
+
+<file path=ppt/slides/slide11.xml><?xml version="1.0" encoding="utf-8"?>
+<p:sld xmlns:a="http://schemas.openxmlformats.org/drawingml/2006/main" xmlns:r="http://schemas.openxmlformats.org/officeDocument/2006/relationships" xmlns:p="http://schemas.openxmlformats.org/presentationml/2006/main">
+  <p:cSld>
+    <p:spTree>
+      <p:nvGrpSpPr>
+        <p:cNvPr id="1" name=""/>
+        <p:cNvGrpSpPr/>
+        <p:nvPr/>
+      </p:nvGrpSpPr>
+      <p:grpSpPr>
+        <a:xfrm>
+          <a:off x="0" y="0"/>
+          <a:ext cx="0" cy="0"/>
+          <a:chOff x="0" y="0"/>
+          <a:chExt cx="0" cy="0"/>
+        </a:xfrm>
+      </p:grpSpPr>
+      <p:sp>
+        <p:nvSpPr>
+          <p:cNvPr id="2" name="標題 1"/>
+          <p:cNvSpPr>
+            <a:spLocks noGrp="1"/>
+          </p:cNvSpPr>
+          <p:nvPr>
+            <p:ph type="title"/>
+          </p:nvPr>
+        </p:nvSpPr>
+        <p:spPr/>
+        <p:txBody>
+          <a:bodyPr/>
+          <a:lstStyle/>
+          <a:p>
+            <a:r>
+              <a:rPr lang="zh-TW" altLang="en-US" dirty="0" smtClean="0"/>
+              <a:t>參考資料</a:t>
+            </a:r>
+            <a:endParaRPr lang="zh-TW" altLang="en-US" dirty="0"/>
+          </a:p>
+        </p:txBody>
+      </p:sp>
+      <p:sp>
+        <p:nvSpPr>
+          <p:cNvPr id="3" name="內容版面配置區 2"/>
+          <p:cNvSpPr>
+            <a:spLocks noGrp="1"/>
+          </p:cNvSpPr>
+          <p:nvPr>
+            <p:ph idx="1"/>
+          </p:nvPr>
+        </p:nvSpPr>
+        <p:spPr/>
+        <p:txBody>
+          <a:bodyPr/>
+          <a:lstStyle/>
+          <a:p>
+            <a:pPr marL="0" indent="0">
+              <a:buNone/>
+            </a:pPr>
+            <a:r>
+              <a:rPr lang="en-US" altLang="zh-TW" dirty="0" smtClean="0">
+                <a:hlinkClick r:id="rId2"/>
+              </a:rPr>
+              <a:t>http</a:t>
+            </a:r>
+            <a:r>
+              <a:rPr lang="en-US" altLang="zh-TW" dirty="0">
+                <a:hlinkClick r:id="rId2"/>
+              </a:rPr>
+              <a:t>://</a:t>
+            </a:r>
+            <a:r>
+              <a:rPr lang="en-US" altLang="zh-TW" dirty="0" smtClean="0">
+                <a:hlinkClick r:id="rId2"/>
+              </a:rPr>
+              <a:t>wiki.csie.ncku.edu.tw/acm/course/LIS</a:t>
+            </a:r>
+            <a:endParaRPr lang="en-US" altLang="zh-TW" dirty="0"/>
+          </a:p>
+          <a:p>
+            <a:pPr marL="0" indent="0">
+              <a:buNone/>
+            </a:pPr>
+            <a:r>
+              <a:rPr lang="en-US" altLang="zh-TW" dirty="0">
+                <a:hlinkClick r:id="rId3"/>
+              </a:rPr>
+              <a:t>https://en.wikipedia.org/wiki/Longest_increasing_subsequence</a:t>
+            </a:r>
+            <a:endParaRPr lang="en-US" altLang="zh-TW" dirty="0" smtClean="0"/>
+          </a:p>
+        </p:txBody>
+      </p:sp>
+    </p:spTree>
+    <p:extLst>
+      <p:ext uri="{BB962C8B-B14F-4D97-AF65-F5344CB8AC3E}">
+        <p14:creationId xmlns:p14="http://schemas.microsoft.com/office/powerpoint/2010/main" val="561089893"/>
+      </p:ext>
+    </p:extLst>
+  </p:cSld>
+  <p:clrMapOvr>
+    <a:masterClrMapping/>
+  </p:clrMapOvr>
+  <p:timing>
+    <p:tnLst>
+      <p:par>
+        <p:cTn id="1" dur="indefinite" restart="never" nodeType="tmRoot"/>
+      </p:par>
+    </p:tnLst>
+  </p:timing>
 </p:sld>
 </file>
 
@@ -4313,6 +4644,13 @@
   <p:clrMapOvr>
     <a:masterClrMapping/>
   </p:clrMapOvr>
+  <p:timing>
+    <p:tnLst>
+      <p:par>
+        <p:cTn id="1" dur="indefinite" restart="never" nodeType="tmRoot"/>
+      </p:par>
+    </p:tnLst>
+  </p:timing>
 </p:sld>
 </file>
 
@@ -4823,6 +5161,13 @@
   <p:clrMapOvr>
     <a:masterClrMapping/>
   </p:clrMapOvr>
+  <p:timing>
+    <p:tnLst>
+      <p:par>
+        <p:cTn id="1" dur="indefinite" restart="never" nodeType="tmRoot"/>
+      </p:par>
+    </p:tnLst>
+  </p:timing>
 </p:sld>
 </file>
 
@@ -5080,10 +5425,6 @@
               </a:rPr>
               <a:t>169 151 170 173 164 188 157 164 186 152</a:t>
             </a:r>
-            <a:endParaRPr lang="en-US" altLang="zh-TW" sz="2000" dirty="0">
-              <a:latin typeface="Times New Roman" panose="02020603050405020304" pitchFamily="18" charset="0"/>
-              <a:ea typeface="標楷體" panose="03000509000000000000" pitchFamily="65" charset="-120"/>
-            </a:endParaRPr>
           </a:p>
         </p:txBody>
       </p:sp>
@@ -5434,6 +5775,13 @@
   <p:clrMapOvr>
     <a:masterClrMapping/>
   </p:clrMapOvr>
+  <p:timing>
+    <p:tnLst>
+      <p:par>
+        <p:cTn id="1" dur="indefinite" restart="never" nodeType="tmRoot"/>
+      </p:par>
+    </p:tnLst>
+  </p:timing>
 </p:sld>
 </file>
 
@@ -5493,7 +5841,9 @@
           </a:xfrm>
         </p:spPr>
         <p:txBody>
-          <a:bodyPr/>
+          <a:bodyPr>
+            <a:normAutofit/>
+          </a:bodyPr>
           <a:lstStyle/>
           <a:p>
             <a:pPr>
@@ -5502,75 +5852,41 @@
               </a:lnSpc>
             </a:pPr>
             <a:r>
-              <a:rPr lang="en-US" altLang="zh-TW" dirty="0" err="1">
-                <a:latin typeface="Times New Roman" panose="02020603050405020304" pitchFamily="18" charset="0"/>
-                <a:ea typeface="標楷體" panose="03000509000000000000" pitchFamily="65" charset="-120"/>
-              </a:rPr>
-              <a:t>GroupB</a:t>
-            </a:r>
-            <a:r>
-              <a:rPr lang="zh-TW" altLang="en-US" dirty="0">
-                <a:latin typeface="Times New Roman" panose="02020603050405020304" pitchFamily="18" charset="0"/>
-                <a:ea typeface="標楷體" panose="03000509000000000000" pitchFamily="65" charset="-120"/>
-              </a:rPr>
-              <a:t>要能接在</a:t>
-            </a:r>
-            <a:r>
-              <a:rPr lang="en-US" altLang="zh-TW" dirty="0" err="1">
-                <a:latin typeface="Times New Roman" panose="02020603050405020304" pitchFamily="18" charset="0"/>
-                <a:ea typeface="標楷體" panose="03000509000000000000" pitchFamily="65" charset="-120"/>
-              </a:rPr>
-              <a:t>GroupA</a:t>
-            </a:r>
-            <a:r>
-              <a:rPr lang="zh-TW" altLang="en-US" dirty="0">
-                <a:latin typeface="Times New Roman" panose="02020603050405020304" pitchFamily="18" charset="0"/>
-                <a:ea typeface="標楷體" panose="03000509000000000000" pitchFamily="65" charset="-120"/>
-              </a:rPr>
-              <a:t>後面，勢必滿足 </a:t>
-            </a:r>
-            <a:r>
-              <a:rPr lang="en-US" altLang="zh-TW" dirty="0">
-                <a:latin typeface="Times New Roman" panose="02020603050405020304" pitchFamily="18" charset="0"/>
-                <a:ea typeface="標楷體" panose="03000509000000000000" pitchFamily="65" charset="-120"/>
-              </a:rPr>
-              <a:t>B[0] &lt; A[0]</a:t>
-            </a:r>
-            <a:r>
-              <a:rPr lang="zh-TW" altLang="en-US" dirty="0">
-                <a:latin typeface="Times New Roman" panose="02020603050405020304" pitchFamily="18" charset="0"/>
-                <a:ea typeface="標楷體" panose="03000509000000000000" pitchFamily="65" charset="-120"/>
-              </a:rPr>
-              <a:t>，</a:t>
-            </a:r>
-            <a:r>
-              <a:rPr lang="en-US" altLang="zh-TW" dirty="0">
-                <a:latin typeface="Times New Roman" panose="02020603050405020304" pitchFamily="18" charset="0"/>
-                <a:ea typeface="標楷體" panose="03000509000000000000" pitchFamily="65" charset="-120"/>
-              </a:rPr>
-              <a:t>B[1] &lt; A[1]… B[n] &lt; A[n]</a:t>
-            </a:r>
-            <a:r>
-              <a:rPr lang="zh-TW" altLang="en-US" dirty="0">
-                <a:latin typeface="Times New Roman" panose="02020603050405020304" pitchFamily="18" charset="0"/>
-                <a:ea typeface="標楷體" panose="03000509000000000000" pitchFamily="65" charset="-120"/>
-              </a:rPr>
-              <a:t>。所以可以先將</a:t>
-            </a:r>
-            <a:r>
-              <a:rPr lang="en-US" altLang="zh-TW" dirty="0">
-                <a:latin typeface="Times New Roman" panose="02020603050405020304" pitchFamily="18" charset="0"/>
-                <a:ea typeface="標楷體" panose="03000509000000000000" pitchFamily="65" charset="-120"/>
-              </a:rPr>
-              <a:t>Group</a:t>
-            </a:r>
-            <a:r>
-              <a:rPr lang="zh-TW" altLang="en-US" dirty="0">
-                <a:latin typeface="Times New Roman" panose="02020603050405020304" pitchFamily="18" charset="0"/>
-                <a:ea typeface="標楷體" panose="03000509000000000000" pitchFamily="65" charset="-120"/>
-              </a:rPr>
-              <a:t>由小到大排序。</a:t>
-            </a:r>
+              <a:rPr lang="zh-TW" altLang="en-US" dirty="0" smtClean="0">
+                <a:latin typeface="Times New Roman" panose="02020603050405020304" pitchFamily="18" charset="0"/>
+                <a:ea typeface="標楷體" panose="03000509000000000000" pitchFamily="65" charset="-120"/>
+              </a:rPr>
+              <a:t>暴力法</a:t>
+            </a:r>
+            <a:r>
+              <a:rPr lang="en-US" altLang="zh-TW" dirty="0" smtClean="0">
+                <a:latin typeface="Times New Roman" panose="02020603050405020304" pitchFamily="18" charset="0"/>
+                <a:ea typeface="標楷體" panose="03000509000000000000" pitchFamily="65" charset="-120"/>
+              </a:rPr>
+              <a:t>:</a:t>
+            </a:r>
+            <a:r>
+              <a:rPr lang="zh-TW" altLang="en-US" dirty="0" smtClean="0">
+                <a:latin typeface="Times New Roman" panose="02020603050405020304" pitchFamily="18" charset="0"/>
+                <a:ea typeface="標楷體" panose="03000509000000000000" pitchFamily="65" charset="-120"/>
+              </a:rPr>
+              <a:t> </a:t>
+            </a:r>
+            <a:r>
+              <a:rPr lang="en-US" altLang="zh-TW" dirty="0" smtClean="0">
+                <a:latin typeface="Times New Roman" panose="02020603050405020304" pitchFamily="18" charset="0"/>
+                <a:ea typeface="標楷體" panose="03000509000000000000" pitchFamily="65" charset="-120"/>
+              </a:rPr>
+              <a:t>2^N</a:t>
+            </a:r>
+          </a:p>
+          <a:p>
+            <a:pPr marL="0" indent="0">
+              <a:lnSpc>
+                <a:spcPct val="100000"/>
+              </a:lnSpc>
+              <a:buNone/>
+            </a:pPr>
             <a:endParaRPr lang="en-US" altLang="zh-TW" dirty="0">
               <a:latin typeface="Times New Roman" panose="02020603050405020304" pitchFamily="18" charset="0"/>
               <a:ea typeface="標楷體" panose="03000509000000000000" pitchFamily="65" charset="-120"/>
@@ -5583,34 +5899,13 @@
               </a:lnSpc>
             </a:pPr>
             <a:r>
-              <a:rPr lang="zh-TW" altLang="en-US">
-                <a:latin typeface="Times New Roman" panose="02020603050405020304" pitchFamily="18" charset="0"/>
-                <a:ea typeface="標楷體" panose="03000509000000000000" pitchFamily="65" charset="-120"/>
-              </a:rPr>
-              <a:t>將</a:t>
-            </a:r>
-            <a:r>
-              <a:rPr lang="en-US" altLang="zh-TW">
-                <a:latin typeface="Times New Roman" panose="02020603050405020304" pitchFamily="18" charset="0"/>
-                <a:ea typeface="標楷體" panose="03000509000000000000" pitchFamily="65" charset="-120"/>
-              </a:rPr>
-              <a:t>Group</a:t>
-            </a:r>
-            <a:r>
-              <a:rPr lang="zh-TW" altLang="en-US">
-                <a:latin typeface="Times New Roman" panose="02020603050405020304" pitchFamily="18" charset="0"/>
-                <a:ea typeface="標楷體" panose="03000509000000000000" pitchFamily="65" charset="-120"/>
-              </a:rPr>
-              <a:t>兩兩比較</a:t>
-            </a:r>
-            <a:r>
-              <a:rPr lang="zh-TW" altLang="en-US" dirty="0">
-                <a:latin typeface="Times New Roman" panose="02020603050405020304" pitchFamily="18" charset="0"/>
-                <a:ea typeface="標楷體" panose="03000509000000000000" pitchFamily="65" charset="-120"/>
-              </a:rPr>
-              <a:t>，並存成一個有向無環圖。</a:t>
-            </a:r>
-            <a:endParaRPr lang="en-US" altLang="zh-TW" dirty="0">
+              <a:rPr lang="zh-TW" altLang="en-US" dirty="0" smtClean="0">
+                <a:latin typeface="Times New Roman" panose="02020603050405020304" pitchFamily="18" charset="0"/>
+                <a:ea typeface="標楷體" panose="03000509000000000000" pitchFamily="65" charset="-120"/>
+              </a:rPr>
+              <a:t>枚舉所有可能，每個名單都可以刪除或不刪除。</a:t>
+            </a:r>
+            <a:endParaRPr lang="en-US" altLang="zh-TW" dirty="0" smtClean="0">
               <a:latin typeface="Times New Roman" panose="02020603050405020304" pitchFamily="18" charset="0"/>
               <a:ea typeface="標楷體" panose="03000509000000000000" pitchFamily="65" charset="-120"/>
             </a:endParaRPr>
@@ -5621,27 +5916,10 @@
                 <a:spcPct val="100000"/>
               </a:lnSpc>
             </a:pPr>
-            <a:r>
-              <a:rPr lang="zh-TW" altLang="en-US" dirty="0">
-                <a:latin typeface="Times New Roman" panose="02020603050405020304" pitchFamily="18" charset="0"/>
-                <a:ea typeface="標楷體" panose="03000509000000000000" pitchFamily="65" charset="-120"/>
-              </a:rPr>
-              <a:t>用</a:t>
-            </a:r>
-            <a:r>
-              <a:rPr lang="en-US" altLang="zh-TW" dirty="0">
-                <a:latin typeface="Times New Roman" panose="02020603050405020304" pitchFamily="18" charset="0"/>
-                <a:ea typeface="標楷體" panose="03000509000000000000" pitchFamily="65" charset="-120"/>
-              </a:rPr>
-              <a:t>DFS</a:t>
-            </a:r>
-            <a:r>
-              <a:rPr lang="zh-TW" altLang="en-US" dirty="0">
-                <a:latin typeface="Times New Roman" panose="02020603050405020304" pitchFamily="18" charset="0"/>
-                <a:ea typeface="標楷體" panose="03000509000000000000" pitchFamily="65" charset="-120"/>
-              </a:rPr>
-              <a:t>找出一個最長路徑，並記錄。</a:t>
-            </a:r>
+            <a:endParaRPr lang="en-US" altLang="zh-TW" dirty="0">
+              <a:latin typeface="Times New Roman" panose="02020603050405020304" pitchFamily="18" charset="0"/>
+              <a:ea typeface="標楷體" panose="03000509000000000000" pitchFamily="65" charset="-120"/>
+            </a:endParaRPr>
           </a:p>
         </p:txBody>
       </p:sp>
@@ -5655,6 +5933,13 @@
   <p:clrMapOvr>
     <a:masterClrMapping/>
   </p:clrMapOvr>
+  <p:timing>
+    <p:tnLst>
+      <p:par>
+        <p:cTn id="1" dur="indefinite" restart="never" nodeType="tmRoot"/>
+      </p:par>
+    </p:tnLst>
+  </p:timing>
 </p:sld>
 </file>
 
@@ -5677,13 +5962,7 @@
       </p:grpSpPr>
       <p:sp>
         <p:nvSpPr>
-          <p:cNvPr id="2" name="標題 1">
-            <a:extLst>
-              <a:ext uri="{FF2B5EF4-FFF2-40B4-BE49-F238E27FC236}">
-                <a16:creationId xmlns:a16="http://schemas.microsoft.com/office/drawing/2014/main" id="{4457B8C9-56BD-4589-B5A8-9B5476310C0B}"/>
-              </a:ext>
-            </a:extLst>
-          </p:cNvPr>
+          <p:cNvPr id="2" name="標題 1"/>
           <p:cNvSpPr>
             <a:spLocks noGrp="1"/>
           </p:cNvSpPr>
@@ -5697,745 +5976,291 @@
           <a:lstStyle/>
           <a:p>
             <a:r>
-              <a:rPr lang="en-US" altLang="zh-TW"/>
-              <a:t>STL</a:t>
-            </a:r>
-            <a:r>
-              <a:rPr lang="zh-TW" altLang="en-US"/>
-              <a:t>元件</a:t>
-            </a:r>
-          </a:p>
-        </p:txBody>
-      </p:sp>
-      <p:sp>
-        <p:nvSpPr>
-          <p:cNvPr id="3" name="內容版面配置區 2">
-            <a:extLst>
-              <a:ext uri="{FF2B5EF4-FFF2-40B4-BE49-F238E27FC236}">
-                <a16:creationId xmlns:a16="http://schemas.microsoft.com/office/drawing/2014/main" id="{7A70C0EA-8BC2-4985-94E5-8B21E13625E4}"/>
-              </a:ext>
-            </a:extLst>
-          </p:cNvPr>
-          <p:cNvSpPr>
-            <a:spLocks noGrp="1"/>
-          </p:cNvSpPr>
-          <p:nvPr>
-            <p:ph idx="1"/>
-          </p:nvPr>
-        </p:nvSpPr>
-        <p:spPr/>
+              <a:rPr lang="zh-TW" altLang="en-US" dirty="0"/>
+              <a:t>解題想法</a:t>
+            </a:r>
+          </a:p>
+        </p:txBody>
+      </p:sp>
+      <p:sp>
+        <p:nvSpPr>
+          <p:cNvPr id="3" name="內容版面配置區 2"/>
+          <p:cNvSpPr>
+            <a:spLocks noGrp="1"/>
+          </p:cNvSpPr>
+          <p:nvPr>
+            <p:ph sz="half" idx="1"/>
+          </p:nvPr>
+        </p:nvSpPr>
+        <p:spPr>
+          <a:xfrm>
+            <a:off x="838200" y="1825625"/>
+            <a:ext cx="10378440" cy="4351338"/>
+          </a:xfrm>
+        </p:spPr>
         <p:txBody>
           <a:bodyPr>
-            <a:normAutofit fontScale="77500" lnSpcReduction="20000"/>
+            <a:normAutofit/>
           </a:bodyPr>
           <a:lstStyle/>
           <a:p>
-            <a:pPr marL="0" indent="0">
-              <a:buNone/>
+            <a:pPr>
+              <a:lnSpc>
+                <a:spcPct val="100000"/>
+              </a:lnSpc>
             </a:pPr>
             <a:r>
-              <a:rPr lang="zh-TW" altLang="zh-TW">
-                <a:solidFill>
-                  <a:srgbClr val="333333"/>
-                </a:solidFill>
-                <a:latin typeface="Times New Roman" panose="02020603050405020304" pitchFamily="18" charset="0"/>
-                <a:ea typeface="標楷體" panose="03000509000000000000" pitchFamily="65" charset="-120"/>
-              </a:rPr>
-              <a:t>vector&lt;multiset&lt;</a:t>
-            </a:r>
-            <a:r>
-              <a:rPr lang="zh-TW" altLang="zh-TW" b="1">
-                <a:solidFill>
-                  <a:srgbClr val="333399"/>
-                </a:solidFill>
-                <a:latin typeface="Times New Roman" panose="02020603050405020304" pitchFamily="18" charset="0"/>
-                <a:ea typeface="標楷體" panose="03000509000000000000" pitchFamily="65" charset="-120"/>
-              </a:rPr>
-              <a:t>int</a:t>
-            </a:r>
-            <a:r>
-              <a:rPr lang="zh-TW" altLang="zh-TW">
-                <a:solidFill>
-                  <a:srgbClr val="333333"/>
-                </a:solidFill>
-                <a:latin typeface="Times New Roman" panose="02020603050405020304" pitchFamily="18" charset="0"/>
-                <a:ea typeface="標楷體" panose="03000509000000000000" pitchFamily="65" charset="-120"/>
-              </a:rPr>
-              <a:t>&gt;&gt; Groups </a:t>
-            </a:r>
-            <a:r>
-              <a:rPr lang="zh-TW" altLang="zh-TW">
-                <a:solidFill>
-                  <a:srgbClr val="888888"/>
-                </a:solidFill>
-                <a:latin typeface="Times New Roman" panose="02020603050405020304" pitchFamily="18" charset="0"/>
-                <a:ea typeface="標楷體" panose="03000509000000000000" pitchFamily="65" charset="-120"/>
-              </a:rPr>
-              <a:t>//存輸入的總群組，並用multiset維護一個有序的群組</a:t>
-            </a:r>
-            <a:endParaRPr lang="en-US" altLang="zh-TW">
-              <a:solidFill>
-                <a:srgbClr val="333333"/>
-              </a:solidFill>
+              <a:rPr lang="zh-TW" altLang="en-US" dirty="0" smtClean="0">
+                <a:latin typeface="Times New Roman" panose="02020603050405020304" pitchFamily="18" charset="0"/>
+                <a:ea typeface="標楷體" panose="03000509000000000000" pitchFamily="65" charset="-120"/>
+              </a:rPr>
+              <a:t>名單</a:t>
+            </a:r>
+            <a:r>
+              <a:rPr lang="zh-TW" altLang="en-US" dirty="0">
+                <a:latin typeface="Times New Roman" panose="02020603050405020304" pitchFamily="18" charset="0"/>
+                <a:ea typeface="標楷體" panose="03000509000000000000" pitchFamily="65" charset="-120"/>
+              </a:rPr>
+              <a:t>列表中先將重複名字去除</a:t>
+            </a:r>
+            <a:endParaRPr lang="en-US" altLang="zh-TW" dirty="0">
               <a:latin typeface="Times New Roman" panose="02020603050405020304" pitchFamily="18" charset="0"/>
               <a:ea typeface="標楷體" panose="03000509000000000000" pitchFamily="65" charset="-120"/>
             </a:endParaRPr>
           </a:p>
           <a:p>
-            <a:pPr marL="0" indent="0">
-              <a:buNone/>
+            <a:pPr>
+              <a:lnSpc>
+                <a:spcPct val="100000"/>
+              </a:lnSpc>
             </a:pPr>
             <a:r>
-              <a:rPr lang="zh-TW" altLang="zh-TW">
-                <a:solidFill>
-                  <a:srgbClr val="333333"/>
-                </a:solidFill>
-                <a:latin typeface="Times New Roman" panose="02020603050405020304" pitchFamily="18" charset="0"/>
-                <a:ea typeface="標楷體" panose="03000509000000000000" pitchFamily="65" charset="-120"/>
-              </a:rPr>
-              <a:t>vector&lt;</a:t>
-            </a:r>
-            <a:r>
-              <a:rPr lang="zh-TW" altLang="zh-TW" b="1">
-                <a:solidFill>
-                  <a:srgbClr val="333399"/>
-                </a:solidFill>
-                <a:latin typeface="Times New Roman" panose="02020603050405020304" pitchFamily="18" charset="0"/>
-                <a:ea typeface="標楷體" panose="03000509000000000000" pitchFamily="65" charset="-120"/>
-              </a:rPr>
-              <a:t>int</a:t>
-            </a:r>
-            <a:r>
-              <a:rPr lang="zh-TW" altLang="zh-TW">
-                <a:solidFill>
-                  <a:srgbClr val="333333"/>
-                </a:solidFill>
-                <a:latin typeface="Times New Roman" panose="02020603050405020304" pitchFamily="18" charset="0"/>
-                <a:ea typeface="標楷體" panose="03000509000000000000" pitchFamily="65" charset="-120"/>
-              </a:rPr>
-              <a:t>&gt; graph[N] </a:t>
-            </a:r>
-            <a:r>
-              <a:rPr lang="zh-TW" altLang="zh-TW">
-                <a:solidFill>
-                  <a:srgbClr val="888888"/>
-                </a:solidFill>
-                <a:latin typeface="Times New Roman" panose="02020603050405020304" pitchFamily="18" charset="0"/>
-                <a:ea typeface="標楷體" panose="03000509000000000000" pitchFamily="65" charset="-120"/>
-              </a:rPr>
-              <a:t>//存圖</a:t>
-            </a:r>
-            <a:endParaRPr lang="en-US" altLang="zh-TW">
-              <a:solidFill>
-                <a:srgbClr val="333333"/>
-              </a:solidFill>
+              <a:rPr lang="zh-TW" altLang="en-US" dirty="0">
+                <a:latin typeface="Times New Roman" panose="02020603050405020304" pitchFamily="18" charset="0"/>
+                <a:ea typeface="標楷體" panose="03000509000000000000" pitchFamily="65" charset="-120"/>
+              </a:rPr>
+              <a:t>總價值是可以比較的</a:t>
+            </a:r>
+            <a:endParaRPr lang="en-US" altLang="zh-TW" dirty="0">
               <a:latin typeface="Times New Roman" panose="02020603050405020304" pitchFamily="18" charset="0"/>
               <a:ea typeface="標楷體" panose="03000509000000000000" pitchFamily="65" charset="-120"/>
             </a:endParaRPr>
           </a:p>
           <a:p>
-            <a:pPr marL="0" indent="0">
-              <a:buNone/>
+            <a:pPr>
+              <a:lnSpc>
+                <a:spcPct val="100000"/>
+              </a:lnSpc>
             </a:pPr>
             <a:r>
-              <a:rPr lang="zh-TW" altLang="zh-TW">
-                <a:solidFill>
-                  <a:srgbClr val="333333"/>
-                </a:solidFill>
-                <a:latin typeface="Times New Roman" panose="02020603050405020304" pitchFamily="18" charset="0"/>
-                <a:ea typeface="標楷體" panose="03000509000000000000" pitchFamily="65" charset="-120"/>
-              </a:rPr>
-              <a:t>vector&lt;</a:t>
-            </a:r>
-            <a:r>
-              <a:rPr lang="zh-TW" altLang="zh-TW" b="1">
-                <a:solidFill>
-                  <a:srgbClr val="333399"/>
-                </a:solidFill>
-                <a:latin typeface="Times New Roman" panose="02020603050405020304" pitchFamily="18" charset="0"/>
-                <a:ea typeface="標楷體" panose="03000509000000000000" pitchFamily="65" charset="-120"/>
-              </a:rPr>
-              <a:t>int</a:t>
-            </a:r>
-            <a:r>
-              <a:rPr lang="zh-TW" altLang="zh-TW">
-                <a:solidFill>
-                  <a:srgbClr val="333333"/>
-                </a:solidFill>
-                <a:latin typeface="Times New Roman" panose="02020603050405020304" pitchFamily="18" charset="0"/>
-                <a:ea typeface="標楷體" panose="03000509000000000000" pitchFamily="65" charset="-120"/>
-              </a:rPr>
-              <a:t>&gt; dep </a:t>
-            </a:r>
-            <a:r>
-              <a:rPr lang="zh-TW" altLang="zh-TW">
-                <a:solidFill>
-                  <a:srgbClr val="888888"/>
-                </a:solidFill>
-                <a:latin typeface="Times New Roman" panose="02020603050405020304" pitchFamily="18" charset="0"/>
-                <a:ea typeface="標楷體" panose="03000509000000000000" pitchFamily="65" charset="-120"/>
-              </a:rPr>
-              <a:t>//存每個點的深度</a:t>
-            </a:r>
-            <a:endParaRPr lang="en-US" altLang="zh-TW">
-              <a:solidFill>
-                <a:srgbClr val="333333"/>
-              </a:solidFill>
+              <a:rPr lang="zh-TW" altLang="en-US" dirty="0">
+                <a:latin typeface="Times New Roman" panose="02020603050405020304" pitchFamily="18" charset="0"/>
+                <a:ea typeface="標楷體" panose="03000509000000000000" pitchFamily="65" charset="-120"/>
+              </a:rPr>
+              <a:t>刪除最少數量名單 </a:t>
+            </a:r>
+            <a:r>
+              <a:rPr lang="en-US" altLang="zh-TW" dirty="0">
+                <a:latin typeface="Times New Roman" panose="02020603050405020304" pitchFamily="18" charset="0"/>
+                <a:ea typeface="標楷體" panose="03000509000000000000" pitchFamily="65" charset="-120"/>
+              </a:rPr>
+              <a:t>=</a:t>
+            </a:r>
+            <a:r>
+              <a:rPr lang="zh-TW" altLang="en-US" dirty="0">
+                <a:latin typeface="Times New Roman" panose="02020603050405020304" pitchFamily="18" charset="0"/>
+                <a:ea typeface="標楷體" panose="03000509000000000000" pitchFamily="65" charset="-120"/>
+              </a:rPr>
+              <a:t> 找到最長名單排列 </a:t>
+            </a:r>
+            <a:endParaRPr lang="en-US" altLang="zh-TW" dirty="0">
               <a:latin typeface="Times New Roman" panose="02020603050405020304" pitchFamily="18" charset="0"/>
               <a:ea typeface="標楷體" panose="03000509000000000000" pitchFamily="65" charset="-120"/>
             </a:endParaRPr>
           </a:p>
           <a:p>
+            <a:pPr>
+              <a:lnSpc>
+                <a:spcPct val="100000"/>
+              </a:lnSpc>
+            </a:pPr>
+            <a:r>
+              <a:rPr lang="zh-TW" altLang="en-US" dirty="0">
+                <a:latin typeface="Times New Roman" panose="02020603050405020304" pitchFamily="18" charset="0"/>
+                <a:ea typeface="標楷體" panose="03000509000000000000" pitchFamily="65" charset="-120"/>
+              </a:rPr>
+              <a:t>找到最長名單排列</a:t>
+            </a:r>
+            <a:r>
+              <a:rPr lang="en-US" altLang="zh-TW" dirty="0">
+                <a:latin typeface="Times New Roman" panose="02020603050405020304" pitchFamily="18" charset="0"/>
+                <a:ea typeface="標楷體" panose="03000509000000000000" pitchFamily="65" charset="-120"/>
+              </a:rPr>
+              <a:t>(</a:t>
+            </a:r>
+            <a:r>
+              <a:rPr lang="zh-TW" altLang="en-US" dirty="0">
+                <a:latin typeface="Times New Roman" panose="02020603050405020304" pitchFamily="18" charset="0"/>
+                <a:ea typeface="標楷體" panose="03000509000000000000" pitchFamily="65" charset="-120"/>
+              </a:rPr>
+              <a:t>價值遞減</a:t>
+            </a:r>
+            <a:r>
+              <a:rPr lang="en-US" altLang="zh-TW" dirty="0">
+                <a:latin typeface="Times New Roman" panose="02020603050405020304" pitchFamily="18" charset="0"/>
+                <a:ea typeface="標楷體" panose="03000509000000000000" pitchFamily="65" charset="-120"/>
+              </a:rPr>
+              <a:t>)</a:t>
+            </a:r>
+            <a:r>
+              <a:rPr lang="zh-TW" altLang="en-US" dirty="0">
+                <a:latin typeface="Times New Roman" panose="02020603050405020304" pitchFamily="18" charset="0"/>
+                <a:ea typeface="標楷體" panose="03000509000000000000" pitchFamily="65" charset="-120"/>
+              </a:rPr>
+              <a:t> </a:t>
+            </a:r>
+            <a:r>
+              <a:rPr lang="en-US" altLang="zh-TW" dirty="0">
+                <a:latin typeface="Times New Roman" panose="02020603050405020304" pitchFamily="18" charset="0"/>
+                <a:ea typeface="標楷體" panose="03000509000000000000" pitchFamily="65" charset="-120"/>
+              </a:rPr>
+              <a:t>=&gt;</a:t>
+            </a:r>
+            <a:r>
+              <a:rPr lang="zh-TW" altLang="en-US" dirty="0">
+                <a:latin typeface="Times New Roman" panose="02020603050405020304" pitchFamily="18" charset="0"/>
+                <a:ea typeface="標楷體" panose="03000509000000000000" pitchFamily="65" charset="-120"/>
+              </a:rPr>
+              <a:t> </a:t>
+            </a:r>
+            <a:r>
+              <a:rPr lang="en-US" altLang="zh-TW" dirty="0" smtClean="0">
+                <a:latin typeface="Times New Roman" panose="02020603050405020304" pitchFamily="18" charset="0"/>
+                <a:ea typeface="標楷體" panose="03000509000000000000" pitchFamily="65" charset="-120"/>
+              </a:rPr>
+              <a:t>LDS</a:t>
+            </a:r>
+          </a:p>
+          <a:p>
+            <a:pPr>
+              <a:lnSpc>
+                <a:spcPct val="100000"/>
+              </a:lnSpc>
+            </a:pPr>
+            <a:r>
+              <a:rPr lang="zh-TW" altLang="en-US" dirty="0" smtClean="0">
+                <a:latin typeface="Times New Roman" panose="02020603050405020304" pitchFamily="18" charset="0"/>
+                <a:ea typeface="標楷體" panose="03000509000000000000" pitchFamily="65" charset="-120"/>
+              </a:rPr>
+              <a:t>紀錄最早出現的</a:t>
+            </a:r>
+            <a:r>
+              <a:rPr lang="en-US" altLang="zh-TW" dirty="0" smtClean="0">
+                <a:latin typeface="Times New Roman" panose="02020603050405020304" pitchFamily="18" charset="0"/>
+                <a:ea typeface="標楷體" panose="03000509000000000000" pitchFamily="65" charset="-120"/>
+              </a:rPr>
+              <a:t>LDS</a:t>
+            </a:r>
+          </a:p>
+          <a:p>
             <a:pPr marL="0" indent="0">
+              <a:lnSpc>
+                <a:spcPct val="100000"/>
+              </a:lnSpc>
               <a:buNone/>
             </a:pPr>
-            <a:r>
-              <a:rPr lang="zh-TW" altLang="zh-TW">
-                <a:solidFill>
-                  <a:srgbClr val="333333"/>
-                </a:solidFill>
-                <a:latin typeface="Times New Roman" panose="02020603050405020304" pitchFamily="18" charset="0"/>
-                <a:ea typeface="標楷體" panose="03000509000000000000" pitchFamily="65" charset="-120"/>
-              </a:rPr>
-              <a:t>vector&lt;</a:t>
-            </a:r>
-            <a:r>
-              <a:rPr lang="zh-TW" altLang="zh-TW" b="1">
-                <a:solidFill>
-                  <a:srgbClr val="333399"/>
-                </a:solidFill>
-                <a:latin typeface="Times New Roman" panose="02020603050405020304" pitchFamily="18" charset="0"/>
-                <a:ea typeface="標楷體" panose="03000509000000000000" pitchFamily="65" charset="-120"/>
-              </a:rPr>
-              <a:t>bool</a:t>
-            </a:r>
-            <a:r>
-              <a:rPr lang="zh-TW" altLang="zh-TW">
-                <a:solidFill>
-                  <a:srgbClr val="333333"/>
-                </a:solidFill>
-                <a:latin typeface="Times New Roman" panose="02020603050405020304" pitchFamily="18" charset="0"/>
-                <a:ea typeface="標楷體" panose="03000509000000000000" pitchFamily="65" charset="-120"/>
-              </a:rPr>
-              <a:t>&gt; vis </a:t>
-            </a:r>
-            <a:r>
-              <a:rPr lang="zh-TW" altLang="zh-TW">
-                <a:solidFill>
-                  <a:srgbClr val="888888"/>
-                </a:solidFill>
-                <a:latin typeface="Times New Roman" panose="02020603050405020304" pitchFamily="18" charset="0"/>
-                <a:ea typeface="標楷體" panose="03000509000000000000" pitchFamily="65" charset="-120"/>
-              </a:rPr>
-              <a:t>//是否拜訪過陣列</a:t>
-            </a:r>
-            <a:endParaRPr lang="en-US" altLang="zh-TW">
-              <a:solidFill>
-                <a:srgbClr val="333333"/>
-              </a:solidFill>
+            <a:endParaRPr lang="en-US" altLang="zh-TW" dirty="0" smtClean="0">
               <a:latin typeface="Times New Roman" panose="02020603050405020304" pitchFamily="18" charset="0"/>
               <a:ea typeface="標楷體" panose="03000509000000000000" pitchFamily="65" charset="-120"/>
             </a:endParaRPr>
           </a:p>
           <a:p>
             <a:pPr marL="0" indent="0">
+              <a:lnSpc>
+                <a:spcPct val="100000"/>
+              </a:lnSpc>
               <a:buNone/>
             </a:pPr>
             <a:r>
-              <a:rPr lang="zh-TW" altLang="zh-TW">
-                <a:solidFill>
-                  <a:srgbClr val="333333"/>
-                </a:solidFill>
-                <a:latin typeface="Times New Roman" panose="02020603050405020304" pitchFamily="18" charset="0"/>
-                <a:ea typeface="標楷體" panose="03000509000000000000" pitchFamily="65" charset="-120"/>
-              </a:rPr>
-              <a:t>vector&lt;</a:t>
-            </a:r>
-            <a:r>
-              <a:rPr lang="zh-TW" altLang="zh-TW" b="1">
-                <a:solidFill>
-                  <a:srgbClr val="333399"/>
-                </a:solidFill>
-                <a:latin typeface="Times New Roman" panose="02020603050405020304" pitchFamily="18" charset="0"/>
-                <a:ea typeface="標楷體" panose="03000509000000000000" pitchFamily="65" charset="-120"/>
-              </a:rPr>
-              <a:t>int</a:t>
-            </a:r>
-            <a:r>
-              <a:rPr lang="zh-TW" altLang="zh-TW">
-                <a:solidFill>
-                  <a:srgbClr val="333333"/>
-                </a:solidFill>
-                <a:latin typeface="Times New Roman" panose="02020603050405020304" pitchFamily="18" charset="0"/>
-                <a:ea typeface="標楷體" panose="03000509000000000000" pitchFamily="65" charset="-120"/>
-              </a:rPr>
-              <a:t>&gt; nxt </a:t>
-            </a:r>
-            <a:r>
-              <a:rPr lang="zh-TW" altLang="zh-TW">
-                <a:solidFill>
-                  <a:srgbClr val="888888"/>
-                </a:solidFill>
-                <a:latin typeface="Times New Roman" panose="02020603050405020304" pitchFamily="18" charset="0"/>
-                <a:ea typeface="標楷體" panose="03000509000000000000" pitchFamily="65" charset="-120"/>
-              </a:rPr>
-              <a:t>//每個點的下一個節點</a:t>
-            </a:r>
-            <a:endParaRPr lang="en-US" altLang="zh-TW">
-              <a:solidFill>
-                <a:srgbClr val="888888"/>
-              </a:solidFill>
+              <a:rPr lang="zh-TW" altLang="en-US" dirty="0">
+                <a:latin typeface="Times New Roman" panose="02020603050405020304" pitchFamily="18" charset="0"/>
+                <a:ea typeface="標楷體" panose="03000509000000000000" pitchFamily="65" charset="-120"/>
+              </a:rPr>
+              <a:t>動態規劃</a:t>
+            </a:r>
+            <a:r>
+              <a:rPr lang="en-US" altLang="zh-TW" dirty="0">
+                <a:latin typeface="Times New Roman" panose="02020603050405020304" pitchFamily="18" charset="0"/>
+                <a:ea typeface="標楷體" panose="03000509000000000000" pitchFamily="65" charset="-120"/>
+              </a:rPr>
+              <a:t>:</a:t>
+            </a:r>
+            <a:r>
+              <a:rPr lang="zh-TW" altLang="en-US" dirty="0">
+                <a:latin typeface="Times New Roman" panose="02020603050405020304" pitchFamily="18" charset="0"/>
+                <a:ea typeface="標楷體" panose="03000509000000000000" pitchFamily="65" charset="-120"/>
+              </a:rPr>
+              <a:t> </a:t>
+            </a:r>
+            <a:r>
+              <a:rPr lang="en-US" altLang="zh-TW" dirty="0">
+                <a:latin typeface="Times New Roman" panose="02020603050405020304" pitchFamily="18" charset="0"/>
+                <a:ea typeface="標楷體" panose="03000509000000000000" pitchFamily="65" charset="-120"/>
+              </a:rPr>
+              <a:t>O(N^2)</a:t>
+            </a:r>
+            <a:r>
+              <a:rPr lang="zh-TW" altLang="en-US" dirty="0">
+                <a:latin typeface="Times New Roman" panose="02020603050405020304" pitchFamily="18" charset="0"/>
+                <a:ea typeface="標楷體" panose="03000509000000000000" pitchFamily="65" charset="-120"/>
+              </a:rPr>
+              <a:t> </a:t>
+            </a:r>
+            <a:r>
+              <a:rPr lang="en-US" altLang="zh-TW" dirty="0">
+                <a:latin typeface="Times New Roman" panose="02020603050405020304" pitchFamily="18" charset="0"/>
+                <a:ea typeface="標楷體" panose="03000509000000000000" pitchFamily="65" charset="-120"/>
+              </a:rPr>
+              <a:t>or O(</a:t>
+            </a:r>
+            <a:r>
+              <a:rPr lang="en-US" altLang="zh-TW" dirty="0" err="1">
+                <a:latin typeface="Times New Roman" panose="02020603050405020304" pitchFamily="18" charset="0"/>
+                <a:ea typeface="標楷體" panose="03000509000000000000" pitchFamily="65" charset="-120"/>
+              </a:rPr>
+              <a:t>NlogN</a:t>
+            </a:r>
+            <a:r>
+              <a:rPr lang="en-US" altLang="zh-TW" dirty="0" smtClean="0">
+                <a:latin typeface="Times New Roman" panose="02020603050405020304" pitchFamily="18" charset="0"/>
+                <a:ea typeface="標楷體" panose="03000509000000000000" pitchFamily="65" charset="-120"/>
+              </a:rPr>
+              <a:t>)</a:t>
+            </a:r>
+            <a:endParaRPr lang="en-US" altLang="zh-TW" dirty="0">
               <a:latin typeface="Times New Roman" panose="02020603050405020304" pitchFamily="18" charset="0"/>
               <a:ea typeface="標楷體" panose="03000509000000000000" pitchFamily="65" charset="-120"/>
             </a:endParaRPr>
           </a:p>
-          <a:p>
-            <a:pPr marL="0" indent="0">
-              <a:buNone/>
-            </a:pPr>
-            <a:r>
-              <a:rPr lang="en-US" altLang="zh-TW">
-                <a:solidFill>
-                  <a:srgbClr val="888888"/>
-                </a:solidFill>
-                <a:latin typeface="Times New Roman" panose="02020603050405020304" pitchFamily="18" charset="0"/>
-                <a:ea typeface="標楷體" panose="03000509000000000000" pitchFamily="65" charset="-120"/>
-              </a:rPr>
-              <a:t>// Lambda: </a:t>
-            </a:r>
-            <a:r>
-              <a:rPr lang="zh-TW" altLang="en-US">
-                <a:solidFill>
-                  <a:srgbClr val="888888"/>
-                </a:solidFill>
-                <a:latin typeface="Times New Roman" panose="02020603050405020304" pitchFamily="18" charset="0"/>
-                <a:ea typeface="標楷體" panose="03000509000000000000" pitchFamily="65" charset="-120"/>
-              </a:rPr>
-              <a:t>每個</a:t>
-            </a:r>
-            <a:r>
-              <a:rPr lang="en-US" altLang="zh-TW">
-                <a:solidFill>
-                  <a:srgbClr val="888888"/>
-                </a:solidFill>
-                <a:latin typeface="Times New Roman" panose="02020603050405020304" pitchFamily="18" charset="0"/>
-                <a:ea typeface="標楷體" panose="03000509000000000000" pitchFamily="65" charset="-120"/>
-              </a:rPr>
-              <a:t>multiset</a:t>
-            </a:r>
-            <a:r>
-              <a:rPr lang="zh-TW" altLang="en-US">
-                <a:solidFill>
-                  <a:srgbClr val="888888"/>
-                </a:solidFill>
-                <a:latin typeface="Times New Roman" panose="02020603050405020304" pitchFamily="18" charset="0"/>
-                <a:ea typeface="標楷體" panose="03000509000000000000" pitchFamily="65" charset="-120"/>
-              </a:rPr>
-              <a:t>元素進行比較</a:t>
-            </a:r>
-            <a:endParaRPr lang="en-US" altLang="zh-TW" sz="2000">
-              <a:latin typeface="Times New Roman" panose="02020603050405020304" pitchFamily="18" charset="0"/>
-              <a:ea typeface="標楷體" panose="03000509000000000000" pitchFamily="65" charset="-120"/>
-            </a:endParaRPr>
-          </a:p>
-          <a:p>
-            <a:pPr marL="0" indent="0">
-              <a:buNone/>
-            </a:pPr>
-            <a:r>
-              <a:rPr lang="zh-TW" altLang="zh-TW" b="1">
-                <a:solidFill>
-                  <a:srgbClr val="008800"/>
-                </a:solidFill>
-                <a:latin typeface="Times New Roman" panose="02020603050405020304" pitchFamily="18" charset="0"/>
-                <a:ea typeface="標楷體" panose="03000509000000000000" pitchFamily="65" charset="-120"/>
-              </a:rPr>
-              <a:t>auto</a:t>
-            </a:r>
-            <a:r>
-              <a:rPr lang="zh-TW" altLang="zh-TW">
-                <a:solidFill>
-                  <a:srgbClr val="333333"/>
-                </a:solidFill>
-                <a:latin typeface="Times New Roman" panose="02020603050405020304" pitchFamily="18" charset="0"/>
-                <a:ea typeface="標楷體" panose="03000509000000000000" pitchFamily="65" charset="-120"/>
-              </a:rPr>
-              <a:t> group_compare = [](</a:t>
-            </a:r>
-            <a:r>
-              <a:rPr lang="zh-TW" altLang="zh-TW" b="1">
-                <a:solidFill>
-                  <a:srgbClr val="008800"/>
-                </a:solidFill>
-                <a:latin typeface="Times New Roman" panose="02020603050405020304" pitchFamily="18" charset="0"/>
-                <a:ea typeface="標楷體" panose="03000509000000000000" pitchFamily="65" charset="-120"/>
-              </a:rPr>
-              <a:t>const</a:t>
-            </a:r>
-            <a:r>
-              <a:rPr lang="zh-TW" altLang="zh-TW">
-                <a:solidFill>
-                  <a:srgbClr val="333333"/>
-                </a:solidFill>
-                <a:latin typeface="Times New Roman" panose="02020603050405020304" pitchFamily="18" charset="0"/>
-                <a:ea typeface="標楷體" panose="03000509000000000000" pitchFamily="65" charset="-120"/>
-              </a:rPr>
-              <a:t> multiset&lt;</a:t>
-            </a:r>
-            <a:r>
-              <a:rPr lang="zh-TW" altLang="zh-TW" b="1">
-                <a:solidFill>
-                  <a:srgbClr val="333399"/>
-                </a:solidFill>
-                <a:latin typeface="Times New Roman" panose="02020603050405020304" pitchFamily="18" charset="0"/>
-                <a:ea typeface="標楷體" panose="03000509000000000000" pitchFamily="65" charset="-120"/>
-              </a:rPr>
-              <a:t>int</a:t>
-            </a:r>
-            <a:r>
-              <a:rPr lang="zh-TW" altLang="zh-TW">
-                <a:solidFill>
-                  <a:srgbClr val="333333"/>
-                </a:solidFill>
-                <a:latin typeface="Times New Roman" panose="02020603050405020304" pitchFamily="18" charset="0"/>
-                <a:ea typeface="標楷體" panose="03000509000000000000" pitchFamily="65" charset="-120"/>
-              </a:rPr>
-              <a:t>&gt; &amp;A, </a:t>
-            </a:r>
-            <a:r>
-              <a:rPr lang="zh-TW" altLang="zh-TW" b="1">
-                <a:solidFill>
-                  <a:srgbClr val="008800"/>
-                </a:solidFill>
-                <a:latin typeface="Times New Roman" panose="02020603050405020304" pitchFamily="18" charset="0"/>
-                <a:ea typeface="標楷體" panose="03000509000000000000" pitchFamily="65" charset="-120"/>
-              </a:rPr>
-              <a:t>const</a:t>
-            </a:r>
-            <a:r>
-              <a:rPr lang="zh-TW" altLang="zh-TW">
-                <a:solidFill>
-                  <a:srgbClr val="333333"/>
-                </a:solidFill>
-                <a:latin typeface="Times New Roman" panose="02020603050405020304" pitchFamily="18" charset="0"/>
-                <a:ea typeface="標楷體" panose="03000509000000000000" pitchFamily="65" charset="-120"/>
-              </a:rPr>
-              <a:t> multiset&lt;</a:t>
-            </a:r>
-            <a:r>
-              <a:rPr lang="zh-TW" altLang="zh-TW" b="1">
-                <a:solidFill>
-                  <a:srgbClr val="333399"/>
-                </a:solidFill>
-                <a:latin typeface="Times New Roman" panose="02020603050405020304" pitchFamily="18" charset="0"/>
-                <a:ea typeface="標楷體" panose="03000509000000000000" pitchFamily="65" charset="-120"/>
-              </a:rPr>
-              <a:t>int</a:t>
-            </a:r>
-            <a:r>
-              <a:rPr lang="zh-TW" altLang="zh-TW">
-                <a:solidFill>
-                  <a:srgbClr val="333333"/>
-                </a:solidFill>
-                <a:latin typeface="Times New Roman" panose="02020603050405020304" pitchFamily="18" charset="0"/>
-                <a:ea typeface="標楷體" panose="03000509000000000000" pitchFamily="65" charset="-120"/>
-              </a:rPr>
-              <a:t>&gt; &amp;B){ </a:t>
-            </a:r>
-            <a:endParaRPr lang="en-US" altLang="zh-TW">
-              <a:solidFill>
-                <a:srgbClr val="333333"/>
-              </a:solidFill>
-              <a:latin typeface="Times New Roman" panose="02020603050405020304" pitchFamily="18" charset="0"/>
-              <a:ea typeface="標楷體" panose="03000509000000000000" pitchFamily="65" charset="-120"/>
-            </a:endParaRPr>
-          </a:p>
-          <a:p>
-            <a:pPr marL="0" indent="0">
-              <a:buNone/>
-            </a:pPr>
-            <a:r>
-              <a:rPr lang="zh-TW" altLang="en-US" b="1">
-                <a:solidFill>
-                  <a:srgbClr val="008800"/>
-                </a:solidFill>
-                <a:latin typeface="Times New Roman" panose="02020603050405020304" pitchFamily="18" charset="0"/>
-                <a:ea typeface="標楷體" panose="03000509000000000000" pitchFamily="65" charset="-120"/>
-              </a:rPr>
-              <a:t>    </a:t>
-            </a:r>
-            <a:r>
-              <a:rPr lang="zh-TW" altLang="zh-TW" b="1">
-                <a:solidFill>
-                  <a:srgbClr val="008800"/>
-                </a:solidFill>
-                <a:latin typeface="Times New Roman" panose="02020603050405020304" pitchFamily="18" charset="0"/>
-                <a:ea typeface="標楷體" panose="03000509000000000000" pitchFamily="65" charset="-120"/>
-              </a:rPr>
-              <a:t>for</a:t>
-            </a:r>
-            <a:r>
-              <a:rPr lang="zh-TW" altLang="zh-TW">
-                <a:solidFill>
-                  <a:srgbClr val="333333"/>
-                </a:solidFill>
-                <a:latin typeface="Times New Roman" panose="02020603050405020304" pitchFamily="18" charset="0"/>
-                <a:ea typeface="標楷體" panose="03000509000000000000" pitchFamily="65" charset="-120"/>
-              </a:rPr>
-              <a:t>(</a:t>
-            </a:r>
-            <a:r>
-              <a:rPr lang="zh-TW" altLang="zh-TW" b="1">
-                <a:solidFill>
-                  <a:srgbClr val="008800"/>
-                </a:solidFill>
-                <a:latin typeface="Times New Roman" panose="02020603050405020304" pitchFamily="18" charset="0"/>
-                <a:ea typeface="標楷體" panose="03000509000000000000" pitchFamily="65" charset="-120"/>
-              </a:rPr>
-              <a:t>auto</a:t>
-            </a:r>
-            <a:r>
-              <a:rPr lang="zh-TW" altLang="zh-TW">
-                <a:solidFill>
-                  <a:srgbClr val="333333"/>
-                </a:solidFill>
-                <a:latin typeface="Times New Roman" panose="02020603050405020304" pitchFamily="18" charset="0"/>
-                <a:ea typeface="標楷體" panose="03000509000000000000" pitchFamily="65" charset="-120"/>
-              </a:rPr>
-              <a:t> ai = A.begin(), bi = B.begin(); ai != A.end() &amp;&amp; bi != B.end(); ++ai, ++bi){</a:t>
-            </a:r>
-            <a:endParaRPr lang="en-US" altLang="zh-TW">
-              <a:solidFill>
-                <a:srgbClr val="333333"/>
-              </a:solidFill>
-              <a:latin typeface="Times New Roman" panose="02020603050405020304" pitchFamily="18" charset="0"/>
-              <a:ea typeface="標楷體" panose="03000509000000000000" pitchFamily="65" charset="-120"/>
-            </a:endParaRPr>
-          </a:p>
-          <a:p>
-            <a:pPr marL="0" indent="0">
-              <a:buNone/>
-            </a:pPr>
-            <a:r>
-              <a:rPr lang="zh-TW" altLang="en-US" b="1">
-                <a:solidFill>
-                  <a:srgbClr val="333333"/>
-                </a:solidFill>
-                <a:latin typeface="Times New Roman" panose="02020603050405020304" pitchFamily="18" charset="0"/>
-                <a:ea typeface="標楷體" panose="03000509000000000000" pitchFamily="65" charset="-120"/>
-              </a:rPr>
-              <a:t>        </a:t>
-            </a:r>
-            <a:r>
-              <a:rPr lang="zh-TW" altLang="zh-TW" b="1">
-                <a:solidFill>
-                  <a:srgbClr val="008800"/>
-                </a:solidFill>
-                <a:latin typeface="Times New Roman" panose="02020603050405020304" pitchFamily="18" charset="0"/>
-                <a:ea typeface="標楷體" panose="03000509000000000000" pitchFamily="65" charset="-120"/>
-              </a:rPr>
-              <a:t>if</a:t>
-            </a:r>
-            <a:r>
-              <a:rPr lang="zh-TW" altLang="zh-TW">
-                <a:solidFill>
-                  <a:srgbClr val="333333"/>
-                </a:solidFill>
-                <a:latin typeface="Times New Roman" panose="02020603050405020304" pitchFamily="18" charset="0"/>
-                <a:ea typeface="標楷體" panose="03000509000000000000" pitchFamily="65" charset="-120"/>
-              </a:rPr>
-              <a:t>(*ai &lt;= *bi)</a:t>
-            </a:r>
-            <a:r>
-              <a:rPr lang="zh-TW" altLang="en-US">
-                <a:solidFill>
-                  <a:srgbClr val="333333"/>
-                </a:solidFill>
-                <a:latin typeface="Times New Roman" panose="02020603050405020304" pitchFamily="18" charset="0"/>
-                <a:ea typeface="標楷體" panose="03000509000000000000" pitchFamily="65" charset="-120"/>
-              </a:rPr>
-              <a:t> </a:t>
-            </a:r>
-            <a:r>
-              <a:rPr lang="zh-TW" altLang="zh-TW" b="1">
-                <a:solidFill>
-                  <a:srgbClr val="008800"/>
-                </a:solidFill>
-                <a:latin typeface="Times New Roman" panose="02020603050405020304" pitchFamily="18" charset="0"/>
-                <a:ea typeface="標楷體" panose="03000509000000000000" pitchFamily="65" charset="-120"/>
-              </a:rPr>
-              <a:t>return</a:t>
-            </a:r>
-            <a:r>
-              <a:rPr lang="zh-TW" altLang="zh-TW">
-                <a:solidFill>
-                  <a:srgbClr val="333333"/>
-                </a:solidFill>
-                <a:latin typeface="Times New Roman" panose="02020603050405020304" pitchFamily="18" charset="0"/>
-                <a:ea typeface="標楷體" panose="03000509000000000000" pitchFamily="65" charset="-120"/>
-              </a:rPr>
-              <a:t> </a:t>
-            </a:r>
-            <a:r>
-              <a:rPr lang="zh-TW" altLang="zh-TW">
-                <a:solidFill>
-                  <a:srgbClr val="007020"/>
-                </a:solidFill>
-                <a:latin typeface="Times New Roman" panose="02020603050405020304" pitchFamily="18" charset="0"/>
-                <a:ea typeface="標楷體" panose="03000509000000000000" pitchFamily="65" charset="-120"/>
-              </a:rPr>
-              <a:t>false</a:t>
-            </a:r>
-            <a:r>
-              <a:rPr lang="zh-TW" altLang="zh-TW">
-                <a:solidFill>
-                  <a:srgbClr val="333333"/>
-                </a:solidFill>
-                <a:latin typeface="Times New Roman" panose="02020603050405020304" pitchFamily="18" charset="0"/>
-                <a:ea typeface="標楷體" panose="03000509000000000000" pitchFamily="65" charset="-120"/>
-              </a:rPr>
-              <a:t>;</a:t>
-            </a:r>
-            <a:endParaRPr lang="en-US" altLang="zh-TW">
-              <a:solidFill>
-                <a:srgbClr val="333333"/>
-              </a:solidFill>
-              <a:latin typeface="Times New Roman" panose="02020603050405020304" pitchFamily="18" charset="0"/>
-              <a:ea typeface="標楷體" panose="03000509000000000000" pitchFamily="65" charset="-120"/>
-            </a:endParaRPr>
-          </a:p>
-          <a:p>
-            <a:pPr marL="0" indent="0">
-              <a:buNone/>
-            </a:pPr>
-            <a:r>
-              <a:rPr lang="zh-TW" altLang="en-US">
-                <a:solidFill>
-                  <a:srgbClr val="333333"/>
-                </a:solidFill>
-                <a:latin typeface="Times New Roman" panose="02020603050405020304" pitchFamily="18" charset="0"/>
-                <a:ea typeface="標楷體" panose="03000509000000000000" pitchFamily="65" charset="-120"/>
-              </a:rPr>
-              <a:t>    </a:t>
-            </a:r>
-            <a:r>
-              <a:rPr lang="zh-TW" altLang="zh-TW">
-                <a:solidFill>
-                  <a:srgbClr val="333333"/>
-                </a:solidFill>
-                <a:latin typeface="Times New Roman" panose="02020603050405020304" pitchFamily="18" charset="0"/>
-                <a:ea typeface="標楷體" panose="03000509000000000000" pitchFamily="65" charset="-120"/>
-              </a:rPr>
-              <a:t>}</a:t>
-            </a:r>
-            <a:endParaRPr lang="en-US" altLang="zh-TW">
-              <a:solidFill>
-                <a:srgbClr val="333333"/>
-              </a:solidFill>
-              <a:latin typeface="Times New Roman" panose="02020603050405020304" pitchFamily="18" charset="0"/>
-              <a:ea typeface="標楷體" panose="03000509000000000000" pitchFamily="65" charset="-120"/>
-            </a:endParaRPr>
-          </a:p>
-          <a:p>
-            <a:pPr marL="0" indent="0">
-              <a:buNone/>
-            </a:pPr>
-            <a:r>
-              <a:rPr lang="zh-TW" altLang="en-US" b="1">
-                <a:solidFill>
-                  <a:srgbClr val="008800"/>
-                </a:solidFill>
-                <a:latin typeface="Times New Roman" panose="02020603050405020304" pitchFamily="18" charset="0"/>
-                <a:ea typeface="標楷體" panose="03000509000000000000" pitchFamily="65" charset="-120"/>
-              </a:rPr>
-              <a:t>    </a:t>
-            </a:r>
-            <a:r>
-              <a:rPr lang="zh-TW" altLang="zh-TW" b="1">
-                <a:solidFill>
-                  <a:srgbClr val="008800"/>
-                </a:solidFill>
-                <a:latin typeface="Times New Roman" panose="02020603050405020304" pitchFamily="18" charset="0"/>
-                <a:ea typeface="標楷體" panose="03000509000000000000" pitchFamily="65" charset="-120"/>
-              </a:rPr>
-              <a:t>return</a:t>
-            </a:r>
-            <a:r>
-              <a:rPr lang="zh-TW" altLang="zh-TW">
-                <a:solidFill>
-                  <a:srgbClr val="333333"/>
-                </a:solidFill>
-                <a:latin typeface="Times New Roman" panose="02020603050405020304" pitchFamily="18" charset="0"/>
-                <a:ea typeface="標楷體" panose="03000509000000000000" pitchFamily="65" charset="-120"/>
-              </a:rPr>
-              <a:t> </a:t>
-            </a:r>
-            <a:r>
-              <a:rPr lang="zh-TW" altLang="zh-TW">
-                <a:solidFill>
-                  <a:srgbClr val="007020"/>
-                </a:solidFill>
-                <a:latin typeface="Times New Roman" panose="02020603050405020304" pitchFamily="18" charset="0"/>
-                <a:ea typeface="標楷體" panose="03000509000000000000" pitchFamily="65" charset="-120"/>
-              </a:rPr>
-              <a:t>true</a:t>
-            </a:r>
-            <a:r>
-              <a:rPr lang="zh-TW" altLang="zh-TW">
-                <a:solidFill>
-                  <a:srgbClr val="333333"/>
-                </a:solidFill>
-                <a:latin typeface="Times New Roman" panose="02020603050405020304" pitchFamily="18" charset="0"/>
-                <a:ea typeface="標楷體" panose="03000509000000000000" pitchFamily="65" charset="-120"/>
-              </a:rPr>
-              <a:t>;</a:t>
-            </a:r>
-            <a:endParaRPr lang="en-US" altLang="zh-TW">
-              <a:solidFill>
-                <a:srgbClr val="333333"/>
-              </a:solidFill>
-              <a:latin typeface="Times New Roman" panose="02020603050405020304" pitchFamily="18" charset="0"/>
-              <a:ea typeface="標楷體" panose="03000509000000000000" pitchFamily="65" charset="-120"/>
-            </a:endParaRPr>
-          </a:p>
-          <a:p>
-            <a:pPr marL="0" indent="0">
-              <a:buNone/>
-            </a:pPr>
-            <a:r>
-              <a:rPr lang="zh-TW" altLang="zh-TW">
-                <a:solidFill>
-                  <a:srgbClr val="333333"/>
-                </a:solidFill>
-                <a:latin typeface="Times New Roman" panose="02020603050405020304" pitchFamily="18" charset="0"/>
-                <a:ea typeface="標楷體" panose="03000509000000000000" pitchFamily="65" charset="-120"/>
-              </a:rPr>
-              <a:t>};</a:t>
-            </a:r>
-            <a:r>
-              <a:rPr lang="zh-TW" altLang="zh-TW" sz="2000">
-                <a:latin typeface="Times New Roman" panose="02020603050405020304" pitchFamily="18" charset="0"/>
-                <a:ea typeface="標楷體" panose="03000509000000000000" pitchFamily="65" charset="-120"/>
-              </a:rPr>
-              <a:t> </a:t>
-            </a:r>
-            <a:endParaRPr lang="zh-TW" altLang="zh-TW" sz="5400">
-              <a:latin typeface="Times New Roman" panose="02020603050405020304" pitchFamily="18" charset="0"/>
-              <a:ea typeface="標楷體" panose="03000509000000000000" pitchFamily="65" charset="-120"/>
-            </a:endParaRPr>
-          </a:p>
         </p:txBody>
       </p:sp>
     </p:spTree>
     <p:extLst>
       <p:ext uri="{BB962C8B-B14F-4D97-AF65-F5344CB8AC3E}">
-        <p14:creationId xmlns:p14="http://schemas.microsoft.com/office/powerpoint/2010/main" val="959977617"/>
+        <p14:creationId xmlns:p14="http://schemas.microsoft.com/office/powerpoint/2010/main" val="3566339620"/>
       </p:ext>
     </p:extLst>
   </p:cSld>
   <p:clrMapOvr>
     <a:masterClrMapping/>
   </p:clrMapOvr>
+  <p:timing>
+    <p:tnLst>
+      <p:par>
+        <p:cTn id="1" dur="indefinite" restart="never" nodeType="tmRoot"/>
+      </p:par>
+    </p:tnLst>
+  </p:timing>
 </p:sld>
 </file>
 
@@ -6472,844 +6297,185 @@
           <a:lstStyle/>
           <a:p>
             <a:r>
-              <a:rPr lang="en-US" altLang="zh-TW" dirty="0"/>
-              <a:t>DFS</a:t>
-            </a:r>
-            <a:endParaRPr lang="zh-TW" altLang="en-US" dirty="0"/>
-          </a:p>
-        </p:txBody>
-      </p:sp>
-      <p:sp>
-        <p:nvSpPr>
-          <p:cNvPr id="3" name="內容版面配置區 2"/>
-          <p:cNvSpPr>
-            <a:spLocks noGrp="1"/>
-          </p:cNvSpPr>
-          <p:nvPr>
-            <p:ph idx="1"/>
-          </p:nvPr>
-        </p:nvSpPr>
-        <p:spPr/>
+              <a:rPr lang="en-US" altLang="zh-TW" dirty="0">
+                <a:latin typeface="+mn-lt"/>
+                <a:ea typeface="+mn-ea"/>
+              </a:rPr>
+              <a:t>Robinson-</a:t>
+            </a:r>
+            <a:r>
+              <a:rPr lang="en-US" altLang="zh-TW" dirty="0" err="1">
+                <a:latin typeface="+mn-lt"/>
+                <a:ea typeface="+mn-ea"/>
+              </a:rPr>
+              <a:t>Schensted</a:t>
+            </a:r>
+            <a:r>
+              <a:rPr lang="en-US" altLang="zh-TW" dirty="0">
+                <a:latin typeface="+mn-lt"/>
+                <a:ea typeface="+mn-ea"/>
+              </a:rPr>
+              <a:t>-Knuth Algorithm</a:t>
+            </a:r>
+          </a:p>
+        </p:txBody>
+      </p:sp>
+      <p:sp>
+        <p:nvSpPr>
+          <p:cNvPr id="8" name="內容版面配置區 2"/>
+          <p:cNvSpPr>
+            <a:spLocks noGrp="1"/>
+          </p:cNvSpPr>
+          <p:nvPr>
+            <p:ph sz="half" idx="1"/>
+          </p:nvPr>
+        </p:nvSpPr>
+        <p:spPr>
+          <a:xfrm>
+            <a:off x="906780" y="1690688"/>
+            <a:ext cx="10378440" cy="4351338"/>
+          </a:xfrm>
+        </p:spPr>
         <p:txBody>
           <a:bodyPr>
-            <a:noAutofit/>
+            <a:normAutofit/>
           </a:bodyPr>
           <a:lstStyle/>
           <a:p>
-            <a:pPr marL="0" indent="0">
-              <a:lnSpc>
-                <a:spcPct val="100000"/>
-              </a:lnSpc>
-              <a:buNone/>
-            </a:pPr>
-            <a:r>
-              <a:rPr lang="zh-TW" altLang="en-US" sz="2000" dirty="0">
-                <a:latin typeface="Times New Roman" panose="02020603050405020304" pitchFamily="18" charset="0"/>
-                <a:ea typeface="標楷體" panose="03000509000000000000" pitchFamily="65" charset="-120"/>
-              </a:rPr>
-              <a:t>每個點走子點，並從所有子點，挑最大</a:t>
-            </a:r>
-            <a:r>
-              <a:rPr lang="en-US" altLang="zh-TW" sz="2000" dirty="0">
-                <a:latin typeface="Times New Roman" panose="02020603050405020304" pitchFamily="18" charset="0"/>
-                <a:ea typeface="標楷體" panose="03000509000000000000" pitchFamily="65" charset="-120"/>
-              </a:rPr>
-              <a:t>+1</a:t>
-            </a:r>
-            <a:r>
-              <a:rPr lang="zh-TW" altLang="en-US" sz="2000" dirty="0">
-                <a:latin typeface="Times New Roman" panose="02020603050405020304" pitchFamily="18" charset="0"/>
-                <a:ea typeface="標楷體" panose="03000509000000000000" pitchFamily="65" charset="-120"/>
-              </a:rPr>
-              <a:t>，當作現在的深度。更新並</a:t>
-            </a:r>
-            <a:r>
-              <a:rPr lang="zh-TW" altLang="en-US" sz="2000">
-                <a:latin typeface="Times New Roman" panose="02020603050405020304" pitchFamily="18" charset="0"/>
-                <a:ea typeface="標楷體" panose="03000509000000000000" pitchFamily="65" charset="-120"/>
-              </a:rPr>
-              <a:t>記錄。</a:t>
-            </a:r>
-            <a:endParaRPr lang="en-US" altLang="zh-TW" sz="2000" dirty="0">
-              <a:latin typeface="Times New Roman" panose="02020603050405020304" pitchFamily="18" charset="0"/>
+            <a:r>
+              <a:rPr lang="zh-TW" altLang="en-US" dirty="0" smtClean="0">
+                <a:latin typeface="標楷體" panose="03000509000000000000" pitchFamily="65" charset="-120"/>
+                <a:ea typeface="標楷體" panose="03000509000000000000" pitchFamily="65" charset="-120"/>
+              </a:rPr>
+              <a:t>時間複雜度</a:t>
+            </a:r>
+            <a:r>
+              <a:rPr lang="en-US" altLang="zh-TW" dirty="0" smtClean="0">
+                <a:latin typeface="標楷體" panose="03000509000000000000" pitchFamily="65" charset="-120"/>
+                <a:ea typeface="標楷體" panose="03000509000000000000" pitchFamily="65" charset="-120"/>
+              </a:rPr>
+              <a:t>:</a:t>
+            </a:r>
+            <a:r>
+              <a:rPr lang="zh-TW" altLang="en-US" dirty="0" smtClean="0">
+                <a:latin typeface="標楷體" panose="03000509000000000000" pitchFamily="65" charset="-120"/>
+                <a:ea typeface="標楷體" panose="03000509000000000000" pitchFamily="65" charset="-120"/>
+              </a:rPr>
+              <a:t> </a:t>
+            </a:r>
+            <a:r>
+              <a:rPr lang="en-US" altLang="zh-TW" dirty="0" smtClean="0">
+                <a:latin typeface="標楷體" panose="03000509000000000000" pitchFamily="65" charset="-120"/>
+                <a:ea typeface="標楷體" panose="03000509000000000000" pitchFamily="65" charset="-120"/>
+              </a:rPr>
+              <a:t>O(</a:t>
+            </a:r>
+            <a:r>
+              <a:rPr lang="en-US" altLang="zh-TW" dirty="0" err="1" smtClean="0">
+                <a:latin typeface="標楷體" panose="03000509000000000000" pitchFamily="65" charset="-120"/>
+                <a:ea typeface="標楷體" panose="03000509000000000000" pitchFamily="65" charset="-120"/>
+              </a:rPr>
+              <a:t>NlogN</a:t>
+            </a:r>
+            <a:r>
+              <a:rPr lang="en-US" altLang="zh-TW" dirty="0" smtClean="0">
+                <a:latin typeface="標楷體" panose="03000509000000000000" pitchFamily="65" charset="-120"/>
+                <a:ea typeface="標楷體" panose="03000509000000000000" pitchFamily="65" charset="-120"/>
+              </a:rPr>
+              <a:t>)</a:t>
+            </a:r>
+          </a:p>
+          <a:p>
+            <a:r>
+              <a:rPr lang="zh-TW" altLang="en-US" dirty="0" smtClean="0">
+                <a:latin typeface="標楷體" panose="03000509000000000000" pitchFamily="65" charset="-120"/>
+                <a:ea typeface="標楷體" panose="03000509000000000000" pitchFamily="65" charset="-120"/>
+              </a:rPr>
+              <a:t>用貪心</a:t>
+            </a:r>
+            <a:r>
+              <a:rPr lang="en-US" altLang="zh-TW" dirty="0" smtClean="0">
+                <a:latin typeface="標楷體" panose="03000509000000000000" pitchFamily="65" charset="-120"/>
+                <a:ea typeface="標楷體" panose="03000509000000000000" pitchFamily="65" charset="-120"/>
+              </a:rPr>
+              <a:t>+</a:t>
+            </a:r>
+            <a:r>
+              <a:rPr lang="zh-TW" altLang="en-US" dirty="0" smtClean="0">
+                <a:latin typeface="標楷體" panose="03000509000000000000" pitchFamily="65" charset="-120"/>
+                <a:ea typeface="標楷體" panose="03000509000000000000" pitchFamily="65" charset="-120"/>
+              </a:rPr>
+              <a:t>二分搜找到</a:t>
+            </a:r>
+            <a:r>
+              <a:rPr lang="en-US" altLang="zh-TW" dirty="0" smtClean="0">
+                <a:latin typeface="標楷體" panose="03000509000000000000" pitchFamily="65" charset="-120"/>
+                <a:ea typeface="標楷體" panose="03000509000000000000" pitchFamily="65" charset="-120"/>
+              </a:rPr>
+              <a:t>LIS</a:t>
+            </a:r>
+            <a:endParaRPr lang="en-US" altLang="zh-TW" dirty="0">
+              <a:latin typeface="標楷體" panose="03000509000000000000" pitchFamily="65" charset="-120"/>
               <a:ea typeface="標楷體" panose="03000509000000000000" pitchFamily="65" charset="-120"/>
             </a:endParaRPr>
           </a:p>
           <a:p>
-            <a:pPr marL="0" lvl="0" indent="0" eaLnBrk="0" fontAlgn="base" hangingPunct="0">
-              <a:lnSpc>
-                <a:spcPct val="100000"/>
-              </a:lnSpc>
-              <a:spcBef>
-                <a:spcPct val="0"/>
-              </a:spcBef>
-              <a:spcAft>
-                <a:spcPct val="0"/>
-              </a:spcAft>
-              <a:buNone/>
-            </a:pPr>
-            <a:r>
-              <a:rPr lang="zh-TW" altLang="zh-TW" sz="2000" b="1">
-                <a:solidFill>
-                  <a:srgbClr val="333399"/>
-                </a:solidFill>
-                <a:latin typeface="Times New Roman" panose="02020603050405020304" pitchFamily="18" charset="0"/>
-                <a:ea typeface="標楷體" panose="03000509000000000000" pitchFamily="65" charset="-120"/>
-              </a:rPr>
-              <a:t>int</a:t>
-            </a:r>
-            <a:r>
-              <a:rPr lang="zh-TW" altLang="zh-TW" sz="2000">
-                <a:solidFill>
-                  <a:srgbClr val="333333"/>
-                </a:solidFill>
-                <a:latin typeface="Times New Roman" panose="02020603050405020304" pitchFamily="18" charset="0"/>
-                <a:ea typeface="標楷體" panose="03000509000000000000" pitchFamily="65" charset="-120"/>
-              </a:rPr>
-              <a:t> </a:t>
-            </a:r>
-            <a:r>
-              <a:rPr lang="zh-TW" altLang="zh-TW" sz="2000" b="1">
-                <a:solidFill>
-                  <a:srgbClr val="0066BB"/>
-                </a:solidFill>
-                <a:latin typeface="Times New Roman" panose="02020603050405020304" pitchFamily="18" charset="0"/>
-                <a:ea typeface="標楷體" panose="03000509000000000000" pitchFamily="65" charset="-120"/>
-              </a:rPr>
-              <a:t>dfs</a:t>
-            </a:r>
-            <a:r>
-              <a:rPr lang="zh-TW" altLang="zh-TW" sz="2000">
-                <a:solidFill>
-                  <a:srgbClr val="333333"/>
-                </a:solidFill>
-                <a:latin typeface="Times New Roman" panose="02020603050405020304" pitchFamily="18" charset="0"/>
-                <a:ea typeface="標楷體" panose="03000509000000000000" pitchFamily="65" charset="-120"/>
-              </a:rPr>
-              <a:t>(</a:t>
-            </a:r>
-            <a:r>
-              <a:rPr lang="zh-TW" altLang="zh-TW" sz="2000" b="1">
-                <a:solidFill>
-                  <a:srgbClr val="333399"/>
-                </a:solidFill>
-                <a:latin typeface="Times New Roman" panose="02020603050405020304" pitchFamily="18" charset="0"/>
-                <a:ea typeface="標楷體" panose="03000509000000000000" pitchFamily="65" charset="-120"/>
-              </a:rPr>
-              <a:t>int</a:t>
-            </a:r>
-            <a:r>
-              <a:rPr lang="zh-TW" altLang="zh-TW" sz="2000">
-                <a:solidFill>
-                  <a:srgbClr val="333333"/>
-                </a:solidFill>
-                <a:latin typeface="Times New Roman" panose="02020603050405020304" pitchFamily="18" charset="0"/>
-                <a:ea typeface="標楷體" panose="03000509000000000000" pitchFamily="65" charset="-120"/>
-              </a:rPr>
-              <a:t> u){</a:t>
-            </a:r>
-            <a:endParaRPr lang="en-US" altLang="zh-TW" sz="2000">
-              <a:solidFill>
-                <a:srgbClr val="333333"/>
-              </a:solidFill>
-              <a:latin typeface="Times New Roman" panose="02020603050405020304" pitchFamily="18" charset="0"/>
+            <a:endParaRPr lang="en-US" altLang="zh-TW" dirty="0" smtClean="0">
+              <a:latin typeface="標楷體" panose="03000509000000000000" pitchFamily="65" charset="-120"/>
               <a:ea typeface="標楷體" panose="03000509000000000000" pitchFamily="65" charset="-120"/>
             </a:endParaRPr>
           </a:p>
           <a:p>
-            <a:pPr marL="0" lvl="0" indent="0" eaLnBrk="0" fontAlgn="base" hangingPunct="0">
-              <a:lnSpc>
-                <a:spcPct val="100000"/>
-              </a:lnSpc>
-              <a:spcBef>
-                <a:spcPct val="0"/>
-              </a:spcBef>
-              <a:spcAft>
-                <a:spcPct val="0"/>
-              </a:spcAft>
-              <a:buNone/>
-            </a:pPr>
-            <a:r>
-              <a:rPr lang="zh-TW" altLang="en-US" sz="2000" b="1">
-                <a:solidFill>
-                  <a:srgbClr val="333333"/>
-                </a:solidFill>
-                <a:latin typeface="Times New Roman" panose="02020603050405020304" pitchFamily="18" charset="0"/>
-                <a:ea typeface="標楷體" panose="03000509000000000000" pitchFamily="65" charset="-120"/>
-              </a:rPr>
-              <a:t>    </a:t>
-            </a:r>
-            <a:r>
-              <a:rPr lang="zh-TW" altLang="zh-TW" sz="2000" b="1">
-                <a:solidFill>
-                  <a:srgbClr val="008800"/>
-                </a:solidFill>
-                <a:latin typeface="Times New Roman" panose="02020603050405020304" pitchFamily="18" charset="0"/>
-                <a:ea typeface="標楷體" panose="03000509000000000000" pitchFamily="65" charset="-120"/>
-              </a:rPr>
-              <a:t>if</a:t>
-            </a:r>
-            <a:r>
-              <a:rPr lang="zh-TW" altLang="zh-TW" sz="2000">
-                <a:solidFill>
-                  <a:srgbClr val="333333"/>
-                </a:solidFill>
-                <a:latin typeface="Times New Roman" panose="02020603050405020304" pitchFamily="18" charset="0"/>
-                <a:ea typeface="標楷體" panose="03000509000000000000" pitchFamily="65" charset="-120"/>
-              </a:rPr>
-              <a:t>(vis[u]) </a:t>
-            </a:r>
-            <a:r>
-              <a:rPr lang="zh-TW" altLang="zh-TW" sz="2000" b="1">
-                <a:solidFill>
-                  <a:srgbClr val="008800"/>
-                </a:solidFill>
-                <a:latin typeface="Times New Roman" panose="02020603050405020304" pitchFamily="18" charset="0"/>
-                <a:ea typeface="標楷體" panose="03000509000000000000" pitchFamily="65" charset="-120"/>
-              </a:rPr>
-              <a:t>return</a:t>
-            </a:r>
-            <a:r>
-              <a:rPr lang="zh-TW" altLang="zh-TW" sz="2000">
-                <a:solidFill>
-                  <a:srgbClr val="333333"/>
-                </a:solidFill>
-                <a:latin typeface="Times New Roman" panose="02020603050405020304" pitchFamily="18" charset="0"/>
-                <a:ea typeface="標楷體" panose="03000509000000000000" pitchFamily="65" charset="-120"/>
-              </a:rPr>
-              <a:t> dep[u];</a:t>
-            </a:r>
-            <a:endParaRPr lang="en-US" altLang="zh-TW" sz="2000">
-              <a:solidFill>
-                <a:srgbClr val="333333"/>
-              </a:solidFill>
-              <a:latin typeface="Times New Roman" panose="02020603050405020304" pitchFamily="18" charset="0"/>
+            <a:endParaRPr lang="en-US" altLang="zh-TW" dirty="0">
+              <a:latin typeface="標楷體" panose="03000509000000000000" pitchFamily="65" charset="-120"/>
               <a:ea typeface="標楷體" panose="03000509000000000000" pitchFamily="65" charset="-120"/>
             </a:endParaRPr>
           </a:p>
           <a:p>
-            <a:pPr marL="0" lvl="0" indent="0" eaLnBrk="0" fontAlgn="base" hangingPunct="0">
-              <a:lnSpc>
-                <a:spcPct val="100000"/>
-              </a:lnSpc>
-              <a:spcBef>
-                <a:spcPct val="0"/>
-              </a:spcBef>
-              <a:spcAft>
-                <a:spcPct val="0"/>
-              </a:spcAft>
-              <a:buNone/>
-            </a:pPr>
-            <a:r>
-              <a:rPr lang="zh-TW" altLang="en-US" sz="2000">
-                <a:solidFill>
-                  <a:srgbClr val="333333"/>
-                </a:solidFill>
-                <a:latin typeface="Times New Roman" panose="02020603050405020304" pitchFamily="18" charset="0"/>
-                <a:ea typeface="標楷體" panose="03000509000000000000" pitchFamily="65" charset="-120"/>
-              </a:rPr>
-              <a:t>    </a:t>
-            </a:r>
-            <a:r>
-              <a:rPr lang="zh-TW" altLang="zh-TW" sz="2000">
-                <a:solidFill>
-                  <a:srgbClr val="333333"/>
-                </a:solidFill>
-                <a:latin typeface="Times New Roman" panose="02020603050405020304" pitchFamily="18" charset="0"/>
-                <a:ea typeface="標楷體" panose="03000509000000000000" pitchFamily="65" charset="-120"/>
-              </a:rPr>
-              <a:t>vis[u] = </a:t>
-            </a:r>
-            <a:r>
-              <a:rPr lang="zh-TW" altLang="zh-TW" sz="2000" b="1">
-                <a:solidFill>
-                  <a:srgbClr val="0000DD"/>
-                </a:solidFill>
-                <a:latin typeface="Times New Roman" panose="02020603050405020304" pitchFamily="18" charset="0"/>
-                <a:ea typeface="標楷體" panose="03000509000000000000" pitchFamily="65" charset="-120"/>
-              </a:rPr>
-              <a:t>1</a:t>
-            </a:r>
-            <a:r>
-              <a:rPr lang="zh-TW" altLang="zh-TW" sz="2000">
-                <a:solidFill>
-                  <a:srgbClr val="333333"/>
-                </a:solidFill>
-                <a:latin typeface="Times New Roman" panose="02020603050405020304" pitchFamily="18" charset="0"/>
-                <a:ea typeface="標楷體" panose="03000509000000000000" pitchFamily="65" charset="-120"/>
-              </a:rPr>
-              <a:t>;</a:t>
-            </a:r>
-            <a:endParaRPr lang="en-US" altLang="zh-TW" sz="2000">
-              <a:solidFill>
-                <a:srgbClr val="333333"/>
-              </a:solidFill>
-              <a:latin typeface="Times New Roman" panose="02020603050405020304" pitchFamily="18" charset="0"/>
+            <a:endParaRPr lang="en-US" altLang="zh-TW" dirty="0" smtClean="0">
+              <a:latin typeface="標楷體" panose="03000509000000000000" pitchFamily="65" charset="-120"/>
               <a:ea typeface="標楷體" panose="03000509000000000000" pitchFamily="65" charset="-120"/>
             </a:endParaRPr>
           </a:p>
           <a:p>
-            <a:pPr marL="0" lvl="0" indent="0" eaLnBrk="0" fontAlgn="base" hangingPunct="0">
-              <a:lnSpc>
-                <a:spcPct val="100000"/>
-              </a:lnSpc>
-              <a:spcBef>
-                <a:spcPct val="0"/>
-              </a:spcBef>
-              <a:spcAft>
-                <a:spcPct val="0"/>
-              </a:spcAft>
-              <a:buNone/>
-            </a:pPr>
-            <a:r>
-              <a:rPr lang="zh-TW" altLang="en-US" sz="2000" b="1">
-                <a:solidFill>
-                  <a:srgbClr val="333399"/>
-                </a:solidFill>
-                <a:latin typeface="Times New Roman" panose="02020603050405020304" pitchFamily="18" charset="0"/>
-                <a:ea typeface="標楷體" panose="03000509000000000000" pitchFamily="65" charset="-120"/>
-              </a:rPr>
-              <a:t>    </a:t>
-            </a:r>
-            <a:r>
-              <a:rPr lang="zh-TW" altLang="zh-TW" sz="2000" b="1">
-                <a:solidFill>
-                  <a:srgbClr val="333399"/>
-                </a:solidFill>
-                <a:latin typeface="Times New Roman" panose="02020603050405020304" pitchFamily="18" charset="0"/>
-                <a:ea typeface="標楷體" panose="03000509000000000000" pitchFamily="65" charset="-120"/>
-              </a:rPr>
-              <a:t>int</a:t>
-            </a:r>
-            <a:r>
-              <a:rPr lang="zh-TW" altLang="zh-TW" sz="2000">
-                <a:solidFill>
-                  <a:srgbClr val="333333"/>
-                </a:solidFill>
-                <a:latin typeface="Times New Roman" panose="02020603050405020304" pitchFamily="18" charset="0"/>
-                <a:ea typeface="標楷體" panose="03000509000000000000" pitchFamily="65" charset="-120"/>
-              </a:rPr>
-              <a:t> uDep = </a:t>
-            </a:r>
-            <a:r>
-              <a:rPr lang="zh-TW" altLang="zh-TW" sz="2000" b="1">
-                <a:solidFill>
-                  <a:srgbClr val="0000DD"/>
-                </a:solidFill>
-                <a:latin typeface="Times New Roman" panose="02020603050405020304" pitchFamily="18" charset="0"/>
-                <a:ea typeface="標楷體" panose="03000509000000000000" pitchFamily="65" charset="-120"/>
-              </a:rPr>
-              <a:t>1</a:t>
-            </a:r>
-            <a:r>
-              <a:rPr lang="zh-TW" altLang="zh-TW" sz="2000">
-                <a:solidFill>
-                  <a:srgbClr val="333333"/>
-                </a:solidFill>
-                <a:latin typeface="Times New Roman" panose="02020603050405020304" pitchFamily="18" charset="0"/>
-                <a:ea typeface="標楷體" panose="03000509000000000000" pitchFamily="65" charset="-120"/>
-              </a:rPr>
-              <a:t>;</a:t>
-            </a:r>
-            <a:endParaRPr lang="en-US" altLang="zh-TW" sz="2000">
-              <a:solidFill>
-                <a:srgbClr val="333333"/>
-              </a:solidFill>
-              <a:latin typeface="Times New Roman" panose="02020603050405020304" pitchFamily="18" charset="0"/>
+            <a:r>
+              <a:rPr lang="en-US" altLang="zh-TW" dirty="0">
+                <a:latin typeface="標楷體" panose="03000509000000000000" pitchFamily="65" charset="-120"/>
+                <a:ea typeface="標楷體" panose="03000509000000000000" pitchFamily="65" charset="-120"/>
+                <a:hlinkClick r:id="rId2"/>
+              </a:rPr>
+              <a:t>http://wiki.csie.ncku.edu.tw/acm/course/LIS</a:t>
+            </a:r>
+            <a:endParaRPr lang="en-US" altLang="zh-TW" dirty="0">
+              <a:latin typeface="標楷體" panose="03000509000000000000" pitchFamily="65" charset="-120"/>
               <a:ea typeface="標楷體" panose="03000509000000000000" pitchFamily="65" charset="-120"/>
             </a:endParaRPr>
           </a:p>
           <a:p>
-            <a:pPr marL="0" lvl="0" indent="0" eaLnBrk="0" fontAlgn="base" hangingPunct="0">
-              <a:lnSpc>
-                <a:spcPct val="100000"/>
-              </a:lnSpc>
-              <a:spcBef>
-                <a:spcPct val="0"/>
-              </a:spcBef>
-              <a:spcAft>
-                <a:spcPct val="0"/>
-              </a:spcAft>
-              <a:buNone/>
-            </a:pPr>
-            <a:r>
-              <a:rPr lang="zh-TW" altLang="en-US" sz="2000" b="1">
-                <a:solidFill>
-                  <a:srgbClr val="333333"/>
-                </a:solidFill>
-                <a:latin typeface="Times New Roman" panose="02020603050405020304" pitchFamily="18" charset="0"/>
-                <a:ea typeface="標楷體" panose="03000509000000000000" pitchFamily="65" charset="-120"/>
-              </a:rPr>
-              <a:t>        </a:t>
-            </a:r>
-            <a:r>
-              <a:rPr lang="zh-TW" altLang="zh-TW" sz="2000" b="1">
-                <a:solidFill>
-                  <a:srgbClr val="008800"/>
-                </a:solidFill>
-                <a:latin typeface="Times New Roman" panose="02020603050405020304" pitchFamily="18" charset="0"/>
-                <a:ea typeface="標楷體" panose="03000509000000000000" pitchFamily="65" charset="-120"/>
-              </a:rPr>
-              <a:t>for</a:t>
-            </a:r>
-            <a:r>
-              <a:rPr lang="zh-TW" altLang="zh-TW" sz="2000">
-                <a:solidFill>
-                  <a:srgbClr val="333333"/>
-                </a:solidFill>
-                <a:latin typeface="Times New Roman" panose="02020603050405020304" pitchFamily="18" charset="0"/>
-                <a:ea typeface="標楷體" panose="03000509000000000000" pitchFamily="65" charset="-120"/>
-              </a:rPr>
-              <a:t>(</a:t>
-            </a:r>
-            <a:r>
-              <a:rPr lang="zh-TW" altLang="zh-TW" sz="2000" b="1">
-                <a:solidFill>
-                  <a:srgbClr val="008800"/>
-                </a:solidFill>
-                <a:latin typeface="Times New Roman" panose="02020603050405020304" pitchFamily="18" charset="0"/>
-                <a:ea typeface="標楷體" panose="03000509000000000000" pitchFamily="65" charset="-120"/>
-              </a:rPr>
-              <a:t>const</a:t>
-            </a:r>
-            <a:r>
-              <a:rPr lang="zh-TW" altLang="zh-TW" sz="2000">
-                <a:solidFill>
-                  <a:srgbClr val="333333"/>
-                </a:solidFill>
-                <a:latin typeface="Times New Roman" panose="02020603050405020304" pitchFamily="18" charset="0"/>
-                <a:ea typeface="標楷體" panose="03000509000000000000" pitchFamily="65" charset="-120"/>
-              </a:rPr>
-              <a:t> </a:t>
-            </a:r>
-            <a:r>
-              <a:rPr lang="zh-TW" altLang="zh-TW" sz="2000" b="1">
-                <a:solidFill>
-                  <a:srgbClr val="008800"/>
-                </a:solidFill>
-                <a:latin typeface="Times New Roman" panose="02020603050405020304" pitchFamily="18" charset="0"/>
-                <a:ea typeface="標楷體" panose="03000509000000000000" pitchFamily="65" charset="-120"/>
-              </a:rPr>
-              <a:t>auto</a:t>
-            </a:r>
-            <a:r>
-              <a:rPr lang="zh-TW" altLang="zh-TW" sz="2000">
-                <a:solidFill>
-                  <a:srgbClr val="333333"/>
-                </a:solidFill>
-                <a:latin typeface="Times New Roman" panose="02020603050405020304" pitchFamily="18" charset="0"/>
-                <a:ea typeface="標楷體" panose="03000509000000000000" pitchFamily="65" charset="-120"/>
-              </a:rPr>
-              <a:t> &amp;v : graph[u]){</a:t>
-            </a:r>
-            <a:endParaRPr lang="en-US" altLang="zh-TW" sz="2000">
-              <a:solidFill>
-                <a:srgbClr val="333333"/>
-              </a:solidFill>
-              <a:latin typeface="Times New Roman" panose="02020603050405020304" pitchFamily="18" charset="0"/>
+            <a:endParaRPr lang="en-US" altLang="zh-TW" dirty="0">
+              <a:latin typeface="標楷體" panose="03000509000000000000" pitchFamily="65" charset="-120"/>
               <a:ea typeface="標楷體" panose="03000509000000000000" pitchFamily="65" charset="-120"/>
             </a:endParaRPr>
-          </a:p>
-          <a:p>
-            <a:pPr marL="0" lvl="0" indent="0" eaLnBrk="0" fontAlgn="base" hangingPunct="0">
-              <a:lnSpc>
-                <a:spcPct val="100000"/>
-              </a:lnSpc>
-              <a:spcBef>
-                <a:spcPct val="0"/>
-              </a:spcBef>
-              <a:spcAft>
-                <a:spcPct val="0"/>
-              </a:spcAft>
-              <a:buNone/>
-            </a:pPr>
-            <a:r>
-              <a:rPr lang="zh-TW" altLang="en-US" sz="2000" b="1">
-                <a:solidFill>
-                  <a:srgbClr val="333399"/>
-                </a:solidFill>
-                <a:latin typeface="Times New Roman" panose="02020603050405020304" pitchFamily="18" charset="0"/>
-                <a:ea typeface="標楷體" panose="03000509000000000000" pitchFamily="65" charset="-120"/>
-              </a:rPr>
-              <a:t>        </a:t>
-            </a:r>
-            <a:r>
-              <a:rPr lang="zh-TW" altLang="zh-TW" sz="2000" b="1">
-                <a:solidFill>
-                  <a:srgbClr val="333399"/>
-                </a:solidFill>
-                <a:latin typeface="Times New Roman" panose="02020603050405020304" pitchFamily="18" charset="0"/>
-                <a:ea typeface="標楷體" panose="03000509000000000000" pitchFamily="65" charset="-120"/>
-              </a:rPr>
-              <a:t>int</a:t>
-            </a:r>
-            <a:r>
-              <a:rPr lang="zh-TW" altLang="zh-TW" sz="2000">
-                <a:solidFill>
-                  <a:srgbClr val="333333"/>
-                </a:solidFill>
-                <a:latin typeface="Times New Roman" panose="02020603050405020304" pitchFamily="18" charset="0"/>
-                <a:ea typeface="標楷體" panose="03000509000000000000" pitchFamily="65" charset="-120"/>
-              </a:rPr>
-              <a:t> vDep = dfs(v);</a:t>
-            </a:r>
-            <a:endParaRPr lang="en-US" altLang="zh-TW" sz="2000">
-              <a:solidFill>
-                <a:srgbClr val="333333"/>
-              </a:solidFill>
-              <a:latin typeface="Times New Roman" panose="02020603050405020304" pitchFamily="18" charset="0"/>
-              <a:ea typeface="標楷體" panose="03000509000000000000" pitchFamily="65" charset="-120"/>
-            </a:endParaRPr>
-          </a:p>
-          <a:p>
-            <a:pPr marL="0" lvl="0" indent="0" eaLnBrk="0" fontAlgn="base" hangingPunct="0">
-              <a:lnSpc>
-                <a:spcPct val="100000"/>
-              </a:lnSpc>
-              <a:spcBef>
-                <a:spcPct val="0"/>
-              </a:spcBef>
-              <a:spcAft>
-                <a:spcPct val="0"/>
-              </a:spcAft>
-              <a:buNone/>
-            </a:pPr>
-            <a:r>
-              <a:rPr lang="zh-TW" altLang="en-US" sz="2000" b="1">
-                <a:solidFill>
-                  <a:srgbClr val="008800"/>
-                </a:solidFill>
-                <a:latin typeface="Times New Roman" panose="02020603050405020304" pitchFamily="18" charset="0"/>
-                <a:ea typeface="標楷體" panose="03000509000000000000" pitchFamily="65" charset="-120"/>
-              </a:rPr>
-              <a:t>            </a:t>
-            </a:r>
-            <a:r>
-              <a:rPr lang="zh-TW" altLang="zh-TW" sz="2000" b="1">
-                <a:solidFill>
-                  <a:srgbClr val="008800"/>
-                </a:solidFill>
-                <a:latin typeface="Times New Roman" panose="02020603050405020304" pitchFamily="18" charset="0"/>
-                <a:ea typeface="標楷體" panose="03000509000000000000" pitchFamily="65" charset="-120"/>
-              </a:rPr>
-              <a:t>if</a:t>
-            </a:r>
-            <a:r>
-              <a:rPr lang="zh-TW" altLang="zh-TW" sz="2000">
-                <a:solidFill>
-                  <a:srgbClr val="333333"/>
-                </a:solidFill>
-                <a:latin typeface="Times New Roman" panose="02020603050405020304" pitchFamily="18" charset="0"/>
-                <a:ea typeface="標楷體" panose="03000509000000000000" pitchFamily="65" charset="-120"/>
-              </a:rPr>
-              <a:t>(vDep+</a:t>
-            </a:r>
-            <a:r>
-              <a:rPr lang="zh-TW" altLang="zh-TW" sz="2000" b="1">
-                <a:solidFill>
-                  <a:srgbClr val="0000DD"/>
-                </a:solidFill>
-                <a:latin typeface="Times New Roman" panose="02020603050405020304" pitchFamily="18" charset="0"/>
-                <a:ea typeface="標楷體" panose="03000509000000000000" pitchFamily="65" charset="-120"/>
-              </a:rPr>
-              <a:t>1</a:t>
-            </a:r>
-            <a:r>
-              <a:rPr lang="zh-TW" altLang="zh-TW" sz="2000">
-                <a:solidFill>
-                  <a:srgbClr val="333333"/>
-                </a:solidFill>
-                <a:latin typeface="Times New Roman" panose="02020603050405020304" pitchFamily="18" charset="0"/>
-                <a:ea typeface="標楷體" panose="03000509000000000000" pitchFamily="65" charset="-120"/>
-              </a:rPr>
-              <a:t> &gt; uDep){</a:t>
-            </a:r>
-            <a:endParaRPr lang="en-US" altLang="zh-TW" sz="2000">
-              <a:solidFill>
-                <a:srgbClr val="333333"/>
-              </a:solidFill>
-              <a:latin typeface="Times New Roman" panose="02020603050405020304" pitchFamily="18" charset="0"/>
-              <a:ea typeface="標楷體" panose="03000509000000000000" pitchFamily="65" charset="-120"/>
-            </a:endParaRPr>
-          </a:p>
-          <a:p>
-            <a:pPr marL="0" lvl="0" indent="0" eaLnBrk="0" fontAlgn="base" hangingPunct="0">
-              <a:lnSpc>
-                <a:spcPct val="100000"/>
-              </a:lnSpc>
-              <a:spcBef>
-                <a:spcPct val="0"/>
-              </a:spcBef>
-              <a:spcAft>
-                <a:spcPct val="0"/>
-              </a:spcAft>
-              <a:buNone/>
-            </a:pPr>
-            <a:r>
-              <a:rPr lang="zh-TW" altLang="en-US" sz="2000">
-                <a:solidFill>
-                  <a:srgbClr val="333333"/>
-                </a:solidFill>
-                <a:latin typeface="Times New Roman" panose="02020603050405020304" pitchFamily="18" charset="0"/>
-                <a:ea typeface="標楷體" panose="03000509000000000000" pitchFamily="65" charset="-120"/>
-              </a:rPr>
-              <a:t>                </a:t>
-            </a:r>
-            <a:r>
-              <a:rPr lang="zh-TW" altLang="zh-TW" sz="2000">
-                <a:solidFill>
-                  <a:srgbClr val="333333"/>
-                </a:solidFill>
-                <a:latin typeface="Times New Roman" panose="02020603050405020304" pitchFamily="18" charset="0"/>
-                <a:ea typeface="標楷體" panose="03000509000000000000" pitchFamily="65" charset="-120"/>
-              </a:rPr>
-              <a:t>uDep = vDep+</a:t>
-            </a:r>
-            <a:r>
-              <a:rPr lang="zh-TW" altLang="zh-TW" sz="2000" b="1">
-                <a:solidFill>
-                  <a:srgbClr val="0000DD"/>
-                </a:solidFill>
-                <a:latin typeface="Times New Roman" panose="02020603050405020304" pitchFamily="18" charset="0"/>
-                <a:ea typeface="標楷體" panose="03000509000000000000" pitchFamily="65" charset="-120"/>
-              </a:rPr>
-              <a:t>1</a:t>
-            </a:r>
-            <a:r>
-              <a:rPr lang="zh-TW" altLang="zh-TW" sz="2000">
-                <a:solidFill>
-                  <a:srgbClr val="333333"/>
-                </a:solidFill>
-                <a:latin typeface="Times New Roman" panose="02020603050405020304" pitchFamily="18" charset="0"/>
-                <a:ea typeface="標楷體" panose="03000509000000000000" pitchFamily="65" charset="-120"/>
-              </a:rPr>
-              <a:t>;</a:t>
-            </a:r>
-            <a:endParaRPr lang="en-US" altLang="zh-TW" sz="2000">
-              <a:solidFill>
-                <a:srgbClr val="333333"/>
-              </a:solidFill>
-              <a:latin typeface="Times New Roman" panose="02020603050405020304" pitchFamily="18" charset="0"/>
-              <a:ea typeface="標楷體" panose="03000509000000000000" pitchFamily="65" charset="-120"/>
-            </a:endParaRPr>
-          </a:p>
-          <a:p>
-            <a:pPr marL="0" lvl="0" indent="0" eaLnBrk="0" fontAlgn="base" hangingPunct="0">
-              <a:lnSpc>
-                <a:spcPct val="100000"/>
-              </a:lnSpc>
-              <a:spcBef>
-                <a:spcPct val="0"/>
-              </a:spcBef>
-              <a:spcAft>
-                <a:spcPct val="0"/>
-              </a:spcAft>
-              <a:buNone/>
-            </a:pPr>
-            <a:r>
-              <a:rPr lang="zh-TW" altLang="en-US" sz="2000">
-                <a:solidFill>
-                  <a:srgbClr val="333333"/>
-                </a:solidFill>
-                <a:latin typeface="Times New Roman" panose="02020603050405020304" pitchFamily="18" charset="0"/>
-                <a:ea typeface="標楷體" panose="03000509000000000000" pitchFamily="65" charset="-120"/>
-              </a:rPr>
-              <a:t>                </a:t>
-            </a:r>
-            <a:r>
-              <a:rPr lang="zh-TW" altLang="zh-TW" sz="2000">
-                <a:solidFill>
-                  <a:srgbClr val="333333"/>
-                </a:solidFill>
-                <a:latin typeface="Times New Roman" panose="02020603050405020304" pitchFamily="18" charset="0"/>
-                <a:ea typeface="標楷體" panose="03000509000000000000" pitchFamily="65" charset="-120"/>
-              </a:rPr>
-              <a:t>nxt[u] = v;</a:t>
-            </a:r>
-            <a:endParaRPr lang="en-US" altLang="zh-TW" sz="2000">
-              <a:solidFill>
-                <a:srgbClr val="333333"/>
-              </a:solidFill>
-              <a:latin typeface="Times New Roman" panose="02020603050405020304" pitchFamily="18" charset="0"/>
-              <a:ea typeface="標楷體" panose="03000509000000000000" pitchFamily="65" charset="-120"/>
-            </a:endParaRPr>
-          </a:p>
-          <a:p>
-            <a:pPr marL="0" lvl="0" indent="0" eaLnBrk="0" fontAlgn="base" hangingPunct="0">
-              <a:lnSpc>
-                <a:spcPct val="100000"/>
-              </a:lnSpc>
-              <a:spcBef>
-                <a:spcPct val="0"/>
-              </a:spcBef>
-              <a:spcAft>
-                <a:spcPct val="0"/>
-              </a:spcAft>
-              <a:buNone/>
-            </a:pPr>
-            <a:r>
-              <a:rPr lang="zh-TW" altLang="en-US" sz="2000">
-                <a:solidFill>
-                  <a:srgbClr val="333333"/>
-                </a:solidFill>
-                <a:latin typeface="Times New Roman" panose="02020603050405020304" pitchFamily="18" charset="0"/>
-                <a:ea typeface="標楷體" panose="03000509000000000000" pitchFamily="65" charset="-120"/>
-              </a:rPr>
-              <a:t>            </a:t>
-            </a:r>
-            <a:r>
-              <a:rPr lang="zh-TW" altLang="zh-TW" sz="2000">
-                <a:solidFill>
-                  <a:srgbClr val="333333"/>
-                </a:solidFill>
-                <a:latin typeface="Times New Roman" panose="02020603050405020304" pitchFamily="18" charset="0"/>
-                <a:ea typeface="標楷體" panose="03000509000000000000" pitchFamily="65" charset="-120"/>
-              </a:rPr>
-              <a:t>}</a:t>
-            </a:r>
-            <a:endParaRPr lang="en-US" altLang="zh-TW" sz="2000">
-              <a:solidFill>
-                <a:srgbClr val="333333"/>
-              </a:solidFill>
-              <a:latin typeface="Times New Roman" panose="02020603050405020304" pitchFamily="18" charset="0"/>
-              <a:ea typeface="標楷體" panose="03000509000000000000" pitchFamily="65" charset="-120"/>
-            </a:endParaRPr>
-          </a:p>
-          <a:p>
-            <a:pPr marL="0" lvl="0" indent="0" eaLnBrk="0" fontAlgn="base" hangingPunct="0">
-              <a:lnSpc>
-                <a:spcPct val="100000"/>
-              </a:lnSpc>
-              <a:spcBef>
-                <a:spcPct val="0"/>
-              </a:spcBef>
-              <a:spcAft>
-                <a:spcPct val="0"/>
-              </a:spcAft>
-              <a:buNone/>
-            </a:pPr>
-            <a:r>
-              <a:rPr lang="zh-TW" altLang="en-US" sz="2000">
-                <a:solidFill>
-                  <a:srgbClr val="333333"/>
-                </a:solidFill>
-                <a:latin typeface="Times New Roman" panose="02020603050405020304" pitchFamily="18" charset="0"/>
-                <a:ea typeface="標楷體" panose="03000509000000000000" pitchFamily="65" charset="-120"/>
-              </a:rPr>
-              <a:t>        </a:t>
-            </a:r>
-            <a:r>
-              <a:rPr lang="zh-TW" altLang="zh-TW" sz="2000">
-                <a:solidFill>
-                  <a:srgbClr val="333333"/>
-                </a:solidFill>
-                <a:latin typeface="Times New Roman" panose="02020603050405020304" pitchFamily="18" charset="0"/>
-                <a:ea typeface="標楷體" panose="03000509000000000000" pitchFamily="65" charset="-120"/>
-              </a:rPr>
-              <a:t>}</a:t>
-            </a:r>
-            <a:endParaRPr lang="en-US" altLang="zh-TW" sz="2000">
-              <a:solidFill>
-                <a:srgbClr val="333333"/>
-              </a:solidFill>
-              <a:latin typeface="Times New Roman" panose="02020603050405020304" pitchFamily="18" charset="0"/>
-              <a:ea typeface="標楷體" panose="03000509000000000000" pitchFamily="65" charset="-120"/>
-            </a:endParaRPr>
-          </a:p>
-          <a:p>
-            <a:pPr marL="0" lvl="0" indent="0" eaLnBrk="0" fontAlgn="base" hangingPunct="0">
-              <a:lnSpc>
-                <a:spcPct val="100000"/>
-              </a:lnSpc>
-              <a:spcBef>
-                <a:spcPct val="0"/>
-              </a:spcBef>
-              <a:spcAft>
-                <a:spcPct val="0"/>
-              </a:spcAft>
-              <a:buNone/>
-            </a:pPr>
-            <a:r>
-              <a:rPr lang="zh-TW" altLang="en-US" sz="2000" b="1">
-                <a:solidFill>
-                  <a:srgbClr val="333333"/>
-                </a:solidFill>
-                <a:latin typeface="Times New Roman" panose="02020603050405020304" pitchFamily="18" charset="0"/>
-                <a:ea typeface="標楷體" panose="03000509000000000000" pitchFamily="65" charset="-120"/>
-              </a:rPr>
-              <a:t>    </a:t>
-            </a:r>
-            <a:r>
-              <a:rPr lang="zh-TW" altLang="zh-TW" sz="2000" b="1">
-                <a:solidFill>
-                  <a:srgbClr val="008800"/>
-                </a:solidFill>
-                <a:latin typeface="Times New Roman" panose="02020603050405020304" pitchFamily="18" charset="0"/>
-                <a:ea typeface="標楷體" panose="03000509000000000000" pitchFamily="65" charset="-120"/>
-              </a:rPr>
-              <a:t>return</a:t>
-            </a:r>
-            <a:r>
-              <a:rPr lang="zh-TW" altLang="zh-TW" sz="2000">
-                <a:solidFill>
-                  <a:srgbClr val="333333"/>
-                </a:solidFill>
-                <a:latin typeface="Times New Roman" panose="02020603050405020304" pitchFamily="18" charset="0"/>
-                <a:ea typeface="標楷體" panose="03000509000000000000" pitchFamily="65" charset="-120"/>
-              </a:rPr>
-              <a:t> dep[u] = uDep;</a:t>
-            </a:r>
-            <a:endParaRPr lang="en-US" altLang="zh-TW" sz="2000">
-              <a:solidFill>
-                <a:srgbClr val="333333"/>
-              </a:solidFill>
-              <a:latin typeface="Times New Roman" panose="02020603050405020304" pitchFamily="18" charset="0"/>
-              <a:ea typeface="標楷體" panose="03000509000000000000" pitchFamily="65" charset="-120"/>
-            </a:endParaRPr>
-          </a:p>
-          <a:p>
-            <a:pPr marL="0" lvl="0" indent="0" eaLnBrk="0" fontAlgn="base" hangingPunct="0">
-              <a:lnSpc>
-                <a:spcPct val="100000"/>
-              </a:lnSpc>
-              <a:spcBef>
-                <a:spcPct val="0"/>
-              </a:spcBef>
-              <a:spcAft>
-                <a:spcPct val="0"/>
-              </a:spcAft>
-              <a:buNone/>
-            </a:pPr>
-            <a:r>
-              <a:rPr lang="zh-TW" altLang="zh-TW" sz="2000">
-                <a:solidFill>
-                  <a:srgbClr val="333333"/>
-                </a:solidFill>
-                <a:latin typeface="Times New Roman" panose="02020603050405020304" pitchFamily="18" charset="0"/>
-                <a:ea typeface="標楷體" panose="03000509000000000000" pitchFamily="65" charset="-120"/>
-              </a:rPr>
-              <a:t>}</a:t>
-            </a:r>
-            <a:r>
-              <a:rPr lang="zh-TW" altLang="zh-TW" sz="2000">
-                <a:latin typeface="Times New Roman" panose="02020603050405020304" pitchFamily="18" charset="0"/>
-                <a:ea typeface="標楷體" panose="03000509000000000000" pitchFamily="65" charset="-120"/>
-              </a:rPr>
-              <a:t> </a:t>
-            </a:r>
           </a:p>
         </p:txBody>
       </p:sp>
     </p:spTree>
     <p:extLst>
       <p:ext uri="{BB962C8B-B14F-4D97-AF65-F5344CB8AC3E}">
-        <p14:creationId xmlns:p14="http://schemas.microsoft.com/office/powerpoint/2010/main" val="1647034446"/>
+        <p14:creationId xmlns:p14="http://schemas.microsoft.com/office/powerpoint/2010/main" val="1609771079"/>
       </p:ext>
     </p:extLst>
   </p:cSld>
   <p:clrMapOvr>
     <a:masterClrMapping/>
   </p:clrMapOvr>
+  <p:timing>
+    <p:tnLst>
+      <p:par>
+        <p:cTn id="1" dur="indefinite" restart="never" nodeType="tmRoot"/>
+      </p:par>
+    </p:tnLst>
+  </p:timing>
 </p:sld>
 </file>
 
@@ -7330,6 +6496,32 @@
           <a:chExt cx="0" cy="0"/>
         </a:xfrm>
       </p:grpSpPr>
+      <p:pic>
+        <p:nvPicPr>
+          <p:cNvPr id="24" name="內容版面配置區 23"/>
+          <p:cNvPicPr>
+            <a:picLocks noGrp="1" noChangeAspect="1"/>
+          </p:cNvPicPr>
+          <p:nvPr>
+            <p:ph idx="1"/>
+          </p:nvPr>
+        </p:nvPicPr>
+        <p:blipFill>
+          <a:blip r:embed="rId2"/>
+          <a:stretch>
+            <a:fillRect/>
+          </a:stretch>
+        </p:blipFill>
+        <p:spPr>
+          <a:xfrm>
+            <a:off x="8709" y="621880"/>
+            <a:ext cx="8098974" cy="6236120"/>
+          </a:xfrm>
+          <a:prstGeom prst="rect">
+            <a:avLst/>
+          </a:prstGeom>
+        </p:spPr>
+      </p:pic>
       <p:sp>
         <p:nvSpPr>
           <p:cNvPr id="2" name="標題 1">
@@ -7346,166 +6538,262 @@
             <p:ph type="title"/>
           </p:nvPr>
         </p:nvSpPr>
-        <p:spPr/>
+        <p:spPr>
+          <a:xfrm>
+            <a:off x="174171" y="0"/>
+            <a:ext cx="2410097" cy="766989"/>
+          </a:xfrm>
+        </p:spPr>
         <p:txBody>
           <a:bodyPr/>
           <a:lstStyle/>
           <a:p>
             <a:r>
-              <a:rPr lang="zh-TW" altLang="en-US"/>
-              <a:t>時間複雜度</a:t>
-            </a:r>
-          </a:p>
-        </p:txBody>
-      </p:sp>
-      <p:sp>
-        <p:nvSpPr>
-          <p:cNvPr id="3" name="內容版面配置區 2">
-            <a:extLst>
-              <a:ext uri="{FF2B5EF4-FFF2-40B4-BE49-F238E27FC236}">
-                <a16:creationId xmlns:a16="http://schemas.microsoft.com/office/drawing/2014/main" id="{7A70C0EA-8BC2-4985-94E5-8B21E13625E4}"/>
-              </a:ext>
-            </a:extLst>
-          </p:cNvPr>
-          <p:cNvSpPr>
-            <a:spLocks noGrp="1"/>
-          </p:cNvSpPr>
-          <p:nvPr>
-            <p:ph idx="1"/>
-          </p:nvPr>
-        </p:nvSpPr>
-        <p:spPr/>
-        <p:txBody>
-          <a:bodyPr/>
-          <a:lstStyle/>
-          <a:p>
-            <a:pPr>
-              <a:lnSpc>
-                <a:spcPct val="100000"/>
-              </a:lnSpc>
-            </a:pPr>
-            <a:r>
-              <a:rPr lang="zh-TW" altLang="en-US" dirty="0">
-                <a:latin typeface="Times New Roman" panose="02020603050405020304" pitchFamily="18" charset="0"/>
-                <a:ea typeface="標楷體" panose="03000509000000000000" pitchFamily="65" charset="-120"/>
-              </a:rPr>
-              <a:t>排序 </a:t>
-            </a:r>
-            <a:r>
-              <a:rPr lang="en-US" altLang="zh-TW" dirty="0">
-                <a:latin typeface="Times New Roman" panose="02020603050405020304" pitchFamily="18" charset="0"/>
-                <a:ea typeface="標楷體" panose="03000509000000000000" pitchFamily="65" charset="-120"/>
-              </a:rPr>
-              <a:t>O(</a:t>
-            </a:r>
-            <a:r>
-              <a:rPr lang="en-US" altLang="zh-TW" dirty="0" err="1">
-                <a:latin typeface="Times New Roman" panose="02020603050405020304" pitchFamily="18" charset="0"/>
-                <a:ea typeface="標楷體" panose="03000509000000000000" pitchFamily="65" charset="-120"/>
-              </a:rPr>
-              <a:t>MNlogN</a:t>
-            </a:r>
-            <a:r>
-              <a:rPr lang="en-US" altLang="zh-TW" dirty="0">
-                <a:latin typeface="Times New Roman" panose="02020603050405020304" pitchFamily="18" charset="0"/>
-                <a:ea typeface="標楷體" panose="03000509000000000000" pitchFamily="65" charset="-120"/>
-              </a:rPr>
-              <a:t>) + </a:t>
-            </a:r>
-            <a:r>
-              <a:rPr lang="zh-TW" altLang="en-US" dirty="0">
-                <a:latin typeface="Times New Roman" panose="02020603050405020304" pitchFamily="18" charset="0"/>
-                <a:ea typeface="標楷體" panose="03000509000000000000" pitchFamily="65" charset="-120"/>
-              </a:rPr>
-              <a:t>兩兩比較 </a:t>
-            </a:r>
-            <a:r>
-              <a:rPr lang="en-US" altLang="zh-TW" dirty="0" smtClean="0">
-                <a:latin typeface="Times New Roman" panose="02020603050405020304" pitchFamily="18" charset="0"/>
-                <a:ea typeface="標楷體" panose="03000509000000000000" pitchFamily="65" charset="-120"/>
-              </a:rPr>
-              <a:t>O(M^2N)</a:t>
-            </a:r>
-            <a:r>
-              <a:rPr lang="zh-TW" altLang="en-US" dirty="0" smtClean="0">
-                <a:latin typeface="Times New Roman" panose="02020603050405020304" pitchFamily="18" charset="0"/>
-                <a:ea typeface="標楷體" panose="03000509000000000000" pitchFamily="65" charset="-120"/>
-              </a:rPr>
-              <a:t> </a:t>
-            </a:r>
-            <a:r>
-              <a:rPr lang="en-US" altLang="zh-TW" dirty="0">
-                <a:latin typeface="Times New Roman" panose="02020603050405020304" pitchFamily="18" charset="0"/>
-                <a:ea typeface="標楷體" panose="03000509000000000000" pitchFamily="65" charset="-120"/>
-              </a:rPr>
-              <a:t>+</a:t>
-            </a:r>
-            <a:r>
-              <a:rPr lang="zh-TW" altLang="en-US" dirty="0">
-                <a:latin typeface="Times New Roman" panose="02020603050405020304" pitchFamily="18" charset="0"/>
-                <a:ea typeface="標楷體" panose="03000509000000000000" pitchFamily="65" charset="-120"/>
-              </a:rPr>
-              <a:t> </a:t>
-            </a:r>
-            <a:r>
-              <a:rPr lang="en-US" altLang="zh-TW" dirty="0">
-                <a:latin typeface="Times New Roman" panose="02020603050405020304" pitchFamily="18" charset="0"/>
-                <a:ea typeface="標楷體" panose="03000509000000000000" pitchFamily="65" charset="-120"/>
-              </a:rPr>
-              <a:t>DFS</a:t>
-            </a:r>
-            <a:r>
-              <a:rPr lang="zh-TW" altLang="en-US" dirty="0">
-                <a:latin typeface="Times New Roman" panose="02020603050405020304" pitchFamily="18" charset="0"/>
-                <a:ea typeface="標楷體" panose="03000509000000000000" pitchFamily="65" charset="-120"/>
-              </a:rPr>
-              <a:t>最長路徑 </a:t>
-            </a:r>
-            <a:r>
-              <a:rPr lang="en-US" altLang="zh-TW" dirty="0">
-                <a:latin typeface="Times New Roman" panose="02020603050405020304" pitchFamily="18" charset="0"/>
-                <a:ea typeface="標楷體" panose="03000509000000000000" pitchFamily="65" charset="-120"/>
-              </a:rPr>
-              <a:t>O(N)</a:t>
-            </a:r>
-          </a:p>
-          <a:p>
-            <a:pPr>
-              <a:lnSpc>
-                <a:spcPct val="100000"/>
-              </a:lnSpc>
-            </a:pPr>
-            <a:r>
-              <a:rPr lang="zh-TW" altLang="en-US" dirty="0">
-                <a:latin typeface="Times New Roman" panose="02020603050405020304" pitchFamily="18" charset="0"/>
-                <a:ea typeface="標楷體" panose="03000509000000000000" pitchFamily="65" charset="-120"/>
-              </a:rPr>
-              <a:t>總時間複雜度 </a:t>
-            </a:r>
-            <a:r>
-              <a:rPr lang="en-US" altLang="zh-TW" smtClean="0">
-                <a:latin typeface="Times New Roman" panose="02020603050405020304" pitchFamily="18" charset="0"/>
-                <a:ea typeface="標楷體" panose="03000509000000000000" pitchFamily="65" charset="-120"/>
-              </a:rPr>
-              <a:t>O(M^2N)</a:t>
-            </a:r>
-            <a:endParaRPr lang="zh-TW" altLang="en-US" dirty="0">
-              <a:latin typeface="Times New Roman" panose="02020603050405020304" pitchFamily="18" charset="0"/>
-              <a:ea typeface="標楷體" panose="03000509000000000000" pitchFamily="65" charset="-120"/>
-            </a:endParaRPr>
+              <a:rPr lang="en-US" altLang="zh-TW" dirty="0"/>
+              <a:t>STL</a:t>
+            </a:r>
+            <a:r>
+              <a:rPr lang="zh-TW" altLang="en-US" dirty="0"/>
+              <a:t>元件</a:t>
+            </a:r>
+          </a:p>
+        </p:txBody>
+      </p:sp>
+      <p:cxnSp>
+        <p:nvCxnSpPr>
+          <p:cNvPr id="6" name="直線接點 5"/>
+          <p:cNvCxnSpPr/>
+          <p:nvPr/>
+        </p:nvCxnSpPr>
+        <p:spPr>
+          <a:xfrm flipV="1">
+            <a:off x="7145383" y="4075612"/>
+            <a:ext cx="1506583" cy="1367246"/>
+          </a:xfrm>
+          <a:prstGeom prst="line">
+            <a:avLst/>
+          </a:prstGeom>
+        </p:spPr>
+        <p:style>
+          <a:lnRef idx="1">
+            <a:schemeClr val="accent1"/>
+          </a:lnRef>
+          <a:fillRef idx="0">
+            <a:schemeClr val="accent1"/>
+          </a:fillRef>
+          <a:effectRef idx="0">
+            <a:schemeClr val="accent1"/>
+          </a:effectRef>
+          <a:fontRef idx="minor">
+            <a:schemeClr val="tx1"/>
+          </a:fontRef>
+        </p:style>
+      </p:cxnSp>
+      <p:cxnSp>
+        <p:nvCxnSpPr>
+          <p:cNvPr id="11" name="直線接點 10"/>
+          <p:cNvCxnSpPr/>
+          <p:nvPr/>
+        </p:nvCxnSpPr>
+        <p:spPr>
+          <a:xfrm flipV="1">
+            <a:off x="4058194" y="1204385"/>
+            <a:ext cx="3474721" cy="765720"/>
+          </a:xfrm>
+          <a:prstGeom prst="line">
+            <a:avLst/>
+          </a:prstGeom>
+        </p:spPr>
+        <p:style>
+          <a:lnRef idx="1">
+            <a:schemeClr val="accent1"/>
+          </a:lnRef>
+          <a:fillRef idx="0">
+            <a:schemeClr val="accent1"/>
+          </a:fillRef>
+          <a:effectRef idx="0">
+            <a:schemeClr val="accent1"/>
+          </a:effectRef>
+          <a:fontRef idx="minor">
+            <a:schemeClr val="tx1"/>
+          </a:fontRef>
+        </p:style>
+      </p:cxnSp>
+      <p:cxnSp>
+        <p:nvCxnSpPr>
+          <p:cNvPr id="13" name="直線接點 12"/>
+          <p:cNvCxnSpPr/>
+          <p:nvPr/>
+        </p:nvCxnSpPr>
+        <p:spPr>
+          <a:xfrm flipV="1">
+            <a:off x="3770811" y="1163364"/>
+            <a:ext cx="3762104" cy="556714"/>
+          </a:xfrm>
+          <a:prstGeom prst="line">
+            <a:avLst/>
+          </a:prstGeom>
+        </p:spPr>
+        <p:style>
+          <a:lnRef idx="1">
+            <a:schemeClr val="accent1"/>
+          </a:lnRef>
+          <a:fillRef idx="0">
+            <a:schemeClr val="accent1"/>
+          </a:fillRef>
+          <a:effectRef idx="0">
+            <a:schemeClr val="accent1"/>
+          </a:effectRef>
+          <a:fontRef idx="minor">
+            <a:schemeClr val="tx1"/>
+          </a:fontRef>
+        </p:style>
+      </p:cxnSp>
+      <p:sp>
+        <p:nvSpPr>
+          <p:cNvPr id="14" name="文字方塊 13"/>
+          <p:cNvSpPr txBox="1"/>
+          <p:nvPr/>
+        </p:nvSpPr>
+        <p:spPr>
+          <a:xfrm>
+            <a:off x="7563395" y="860709"/>
+            <a:ext cx="1384662" cy="646331"/>
+          </a:xfrm>
+          <a:prstGeom prst="rect">
+            <a:avLst/>
+          </a:prstGeom>
+          <a:noFill/>
+        </p:spPr>
+        <p:txBody>
+          <a:bodyPr wrap="square" rtlCol="0">
+            <a:spAutoFit/>
+          </a:bodyPr>
+          <a:lstStyle/>
+          <a:p>
+            <a:r>
+              <a:rPr lang="en-US" altLang="zh-TW" dirty="0"/>
+              <a:t>Associative Containers</a:t>
+            </a:r>
+            <a:endParaRPr lang="zh-TW" altLang="en-US" dirty="0"/>
+          </a:p>
+        </p:txBody>
+      </p:sp>
+      <p:cxnSp>
+        <p:nvCxnSpPr>
+          <p:cNvPr id="16" name="直線接點 15"/>
+          <p:cNvCxnSpPr/>
+          <p:nvPr/>
+        </p:nvCxnSpPr>
+        <p:spPr>
+          <a:xfrm flipV="1">
+            <a:off x="4423954" y="2026765"/>
+            <a:ext cx="3518264" cy="334242"/>
+          </a:xfrm>
+          <a:prstGeom prst="line">
+            <a:avLst/>
+          </a:prstGeom>
+        </p:spPr>
+        <p:style>
+          <a:lnRef idx="1">
+            <a:schemeClr val="accent1"/>
+          </a:lnRef>
+          <a:fillRef idx="0">
+            <a:schemeClr val="accent1"/>
+          </a:fillRef>
+          <a:effectRef idx="0">
+            <a:schemeClr val="accent1"/>
+          </a:effectRef>
+          <a:fontRef idx="minor">
+            <a:schemeClr val="tx1"/>
+          </a:fontRef>
+        </p:style>
+      </p:cxnSp>
+      <p:sp>
+        <p:nvSpPr>
+          <p:cNvPr id="17" name="文字方塊 16"/>
+          <p:cNvSpPr txBox="1"/>
+          <p:nvPr/>
+        </p:nvSpPr>
+        <p:spPr>
+          <a:xfrm>
+            <a:off x="8321039" y="1798635"/>
+            <a:ext cx="1667692" cy="646331"/>
+          </a:xfrm>
+          <a:prstGeom prst="rect">
+            <a:avLst/>
+          </a:prstGeom>
+          <a:noFill/>
+        </p:spPr>
+        <p:txBody>
+          <a:bodyPr wrap="square" rtlCol="0">
+            <a:spAutoFit/>
+          </a:bodyPr>
+          <a:lstStyle/>
+          <a:p>
+            <a:r>
+              <a:rPr lang="en-US" altLang="zh-TW" dirty="0" smtClean="0"/>
+              <a:t>Sequence Container</a:t>
+            </a:r>
+            <a:endParaRPr lang="zh-TW" altLang="en-US" dirty="0"/>
+          </a:p>
+        </p:txBody>
+      </p:sp>
+      <p:sp>
+        <p:nvSpPr>
+          <p:cNvPr id="18" name="文字方塊 17"/>
+          <p:cNvSpPr txBox="1"/>
+          <p:nvPr/>
+        </p:nvSpPr>
+        <p:spPr>
+          <a:xfrm>
+            <a:off x="8878389" y="3626826"/>
+            <a:ext cx="2677885" cy="646331"/>
+          </a:xfrm>
+          <a:prstGeom prst="rect">
+            <a:avLst/>
+          </a:prstGeom>
+          <a:noFill/>
+        </p:spPr>
+        <p:txBody>
+          <a:bodyPr wrap="square" rtlCol="0">
+            <a:spAutoFit/>
+          </a:bodyPr>
+          <a:lstStyle/>
+          <a:p>
+            <a:r>
+              <a:rPr lang="en-US" altLang="zh-TW" dirty="0" smtClean="0"/>
+              <a:t>Accumulate</a:t>
+            </a:r>
+            <a:r>
+              <a:rPr lang="zh-TW" altLang="en-US" dirty="0" smtClean="0"/>
+              <a:t>累加函式，並自訂函式行為 </a:t>
+            </a:r>
+            <a:r>
+              <a:rPr lang="en-US" altLang="zh-TW" dirty="0" smtClean="0"/>
+              <a:t>Lambda</a:t>
+            </a:r>
+            <a:endParaRPr lang="zh-TW" altLang="en-US" dirty="0"/>
           </a:p>
         </p:txBody>
       </p:sp>
     </p:spTree>
     <p:extLst>
       <p:ext uri="{BB962C8B-B14F-4D97-AF65-F5344CB8AC3E}">
-        <p14:creationId xmlns:p14="http://schemas.microsoft.com/office/powerpoint/2010/main" val="3412632924"/>
+        <p14:creationId xmlns:p14="http://schemas.microsoft.com/office/powerpoint/2010/main" val="959977617"/>
       </p:ext>
     </p:extLst>
   </p:cSld>
   <p:clrMapOvr>
     <a:masterClrMapping/>
   </p:clrMapOvr>
+  <p:timing>
+    <p:tnLst>
+      <p:par>
+        <p:cTn id="1" dur="indefinite" restart="never" nodeType="tmRoot"/>
+      </p:par>
+    </p:tnLst>
+  </p:timing>
 </p:sld>
 </file>
 
@@ -7526,74 +6814,289 @@
           <a:chExt cx="0" cy="0"/>
         </a:xfrm>
       </p:grpSpPr>
-      <p:sp>
-        <p:nvSpPr>
-          <p:cNvPr id="2" name="標題 1"/>
-          <p:cNvSpPr>
-            <a:spLocks noGrp="1"/>
-          </p:cNvSpPr>
-          <p:nvPr>
-            <p:ph type="title"/>
-          </p:nvPr>
-        </p:nvSpPr>
-        <p:spPr/>
-        <p:txBody>
-          <a:bodyPr/>
+      <p:pic>
+        <p:nvPicPr>
+          <p:cNvPr id="4" name="圖片 3"/>
+          <p:cNvPicPr>
+            <a:picLocks noChangeAspect="1"/>
+          </p:cNvPicPr>
+          <p:nvPr/>
+        </p:nvPicPr>
+        <p:blipFill>
+          <a:blip r:embed="rId2"/>
+          <a:stretch>
+            <a:fillRect/>
+          </a:stretch>
+        </p:blipFill>
+        <p:spPr>
+          <a:xfrm>
+            <a:off x="138601" y="2"/>
+            <a:ext cx="9040968" cy="6857998"/>
+          </a:xfrm>
+          <a:prstGeom prst="rect">
+            <a:avLst/>
+          </a:prstGeom>
+        </p:spPr>
+      </p:pic>
+      <p:cxnSp>
+        <p:nvCxnSpPr>
+          <p:cNvPr id="6" name="直線接點 5"/>
+          <p:cNvCxnSpPr/>
+          <p:nvPr/>
+        </p:nvCxnSpPr>
+        <p:spPr>
+          <a:xfrm flipV="1">
+            <a:off x="3648891" y="269966"/>
+            <a:ext cx="4650378" cy="226423"/>
+          </a:xfrm>
+          <a:prstGeom prst="line">
+            <a:avLst/>
+          </a:prstGeom>
+        </p:spPr>
+        <p:style>
+          <a:lnRef idx="1">
+            <a:schemeClr val="accent1"/>
+          </a:lnRef>
+          <a:fillRef idx="0">
+            <a:schemeClr val="accent1"/>
+          </a:fillRef>
+          <a:effectRef idx="0">
+            <a:schemeClr val="accent1"/>
+          </a:effectRef>
+          <a:fontRef idx="minor">
+            <a:schemeClr val="tx1"/>
+          </a:fontRef>
+        </p:style>
+      </p:cxnSp>
+      <p:sp>
+        <p:nvSpPr>
+          <p:cNvPr id="8" name="文字方塊 7"/>
+          <p:cNvSpPr txBox="1"/>
+          <p:nvPr/>
+        </p:nvSpPr>
+        <p:spPr>
+          <a:xfrm>
+            <a:off x="8830491" y="121920"/>
+            <a:ext cx="1558835" cy="369332"/>
+          </a:xfrm>
+          <a:prstGeom prst="rect">
+            <a:avLst/>
+          </a:prstGeom>
+          <a:noFill/>
+        </p:spPr>
+        <p:txBody>
+          <a:bodyPr wrap="square" rtlCol="0">
+            <a:spAutoFit/>
+          </a:bodyPr>
           <a:lstStyle/>
           <a:p>
             <a:r>
               <a:rPr lang="zh-TW" altLang="en-US" dirty="0" smtClean="0"/>
-              <a:t>參考資料</a:t>
+              <a:t>做預處理</a:t>
             </a:r>
             <a:endParaRPr lang="zh-TW" altLang="en-US" dirty="0"/>
           </a:p>
         </p:txBody>
       </p:sp>
-      <p:sp>
-        <p:nvSpPr>
-          <p:cNvPr id="3" name="內容版面配置區 2"/>
-          <p:cNvSpPr>
-            <a:spLocks noGrp="1"/>
-          </p:cNvSpPr>
-          <p:nvPr>
-            <p:ph idx="1"/>
-          </p:nvPr>
-        </p:nvSpPr>
-        <p:spPr/>
-        <p:txBody>
-          <a:bodyPr/>
+      <p:cxnSp>
+        <p:nvCxnSpPr>
+          <p:cNvPr id="10" name="直線接點 9"/>
+          <p:cNvCxnSpPr/>
+          <p:nvPr/>
+        </p:nvCxnSpPr>
+        <p:spPr>
+          <a:xfrm flipV="1">
+            <a:off x="5329646" y="1375954"/>
+            <a:ext cx="3526971" cy="426720"/>
+          </a:xfrm>
+          <a:prstGeom prst="line">
+            <a:avLst/>
+          </a:prstGeom>
+        </p:spPr>
+        <p:style>
+          <a:lnRef idx="1">
+            <a:schemeClr val="accent1"/>
+          </a:lnRef>
+          <a:fillRef idx="0">
+            <a:schemeClr val="accent1"/>
+          </a:fillRef>
+          <a:effectRef idx="0">
+            <a:schemeClr val="accent1"/>
+          </a:effectRef>
+          <a:fontRef idx="minor">
+            <a:schemeClr val="tx1"/>
+          </a:fontRef>
+        </p:style>
+      </p:cxnSp>
+      <p:sp>
+        <p:nvSpPr>
+          <p:cNvPr id="11" name="文字方塊 10"/>
+          <p:cNvSpPr txBox="1"/>
+          <p:nvPr/>
+        </p:nvSpPr>
+        <p:spPr>
+          <a:xfrm>
+            <a:off x="8917577" y="1071154"/>
+            <a:ext cx="1907177" cy="646331"/>
+          </a:xfrm>
+          <a:prstGeom prst="rect">
+            <a:avLst/>
+          </a:prstGeom>
+          <a:noFill/>
+        </p:spPr>
+        <p:txBody>
+          <a:bodyPr wrap="square" rtlCol="0">
+            <a:spAutoFit/>
+          </a:bodyPr>
           <a:lstStyle/>
           <a:p>
             <a:r>
               <a:rPr lang="zh-TW" altLang="en-US" dirty="0" smtClean="0"/>
-              <a:t>題目參考</a:t>
+              <a:t>由後往前算</a:t>
             </a:r>
             <a:r>
               <a:rPr lang="en-US" altLang="zh-TW" dirty="0" smtClean="0"/>
-              <a:t>:</a:t>
+              <a:t>LIS</a:t>
             </a:r>
             <a:r>
               <a:rPr lang="zh-TW" altLang="en-US" dirty="0" smtClean="0"/>
-              <a:t> 臉書社團</a:t>
-            </a:r>
-            <a:endParaRPr lang="en-US" altLang="zh-TW" dirty="0" smtClean="0"/>
-          </a:p>
-          <a:p>
-            <a:r>
-              <a:rPr lang="zh-TW" altLang="en-US" smtClean="0"/>
-              <a:t>想法和</a:t>
+              <a:t> </a:t>
+            </a:r>
+            <a:r>
+              <a:rPr lang="en-US" altLang="zh-TW" dirty="0" smtClean="0"/>
+              <a:t>=</a:t>
             </a:r>
             <a:r>
               <a:rPr lang="zh-TW" altLang="en-US" dirty="0" smtClean="0"/>
-              <a:t>實作</a:t>
+              <a:t> 由前往後算</a:t>
             </a:r>
             <a:r>
               <a:rPr lang="en-US" altLang="zh-TW" dirty="0" smtClean="0"/>
-              <a:t>:</a:t>
+              <a:t>LDS</a:t>
+            </a:r>
+            <a:endParaRPr lang="zh-TW" altLang="en-US" dirty="0"/>
+          </a:p>
+        </p:txBody>
+      </p:sp>
+      <p:cxnSp>
+        <p:nvCxnSpPr>
+          <p:cNvPr id="13" name="直線接點 12"/>
+          <p:cNvCxnSpPr/>
+          <p:nvPr/>
+        </p:nvCxnSpPr>
+        <p:spPr>
+          <a:xfrm>
+            <a:off x="5120640" y="3283131"/>
+            <a:ext cx="2882537" cy="714103"/>
+          </a:xfrm>
+          <a:prstGeom prst="line">
+            <a:avLst/>
+          </a:prstGeom>
+        </p:spPr>
+        <p:style>
+          <a:lnRef idx="1">
+            <a:schemeClr val="accent1"/>
+          </a:lnRef>
+          <a:fillRef idx="0">
+            <a:schemeClr val="accent1"/>
+          </a:fillRef>
+          <a:effectRef idx="0">
+            <a:schemeClr val="accent1"/>
+          </a:effectRef>
+          <a:fontRef idx="minor">
+            <a:schemeClr val="tx1"/>
+          </a:fontRef>
+        </p:style>
+      </p:cxnSp>
+      <p:sp>
+        <p:nvSpPr>
+          <p:cNvPr id="14" name="文字方塊 13"/>
+          <p:cNvSpPr txBox="1"/>
+          <p:nvPr/>
+        </p:nvSpPr>
+        <p:spPr>
+          <a:xfrm>
+            <a:off x="8525691" y="3753394"/>
+            <a:ext cx="1750423" cy="646331"/>
+          </a:xfrm>
+          <a:prstGeom prst="rect">
+            <a:avLst/>
+          </a:prstGeom>
+          <a:noFill/>
+        </p:spPr>
+        <p:txBody>
+          <a:bodyPr wrap="square" rtlCol="0">
+            <a:spAutoFit/>
+          </a:bodyPr>
+          <a:lstStyle/>
+          <a:p>
+            <a:r>
+              <a:rPr lang="en-US" altLang="zh-TW" dirty="0" smtClean="0"/>
+              <a:t>Binary Search</a:t>
             </a:r>
             <a:r>
               <a:rPr lang="zh-TW" altLang="en-US" dirty="0" smtClean="0"/>
-              <a:t> 自己</a:t>
+              <a:t> 查找迭代器位置</a:t>
+            </a:r>
+            <a:endParaRPr lang="zh-TW" altLang="en-US" dirty="0"/>
+          </a:p>
+        </p:txBody>
+      </p:sp>
+      <p:cxnSp>
+        <p:nvCxnSpPr>
+          <p:cNvPr id="16" name="直線接點 15"/>
+          <p:cNvCxnSpPr/>
+          <p:nvPr/>
+        </p:nvCxnSpPr>
+        <p:spPr>
+          <a:xfrm>
+            <a:off x="5390606" y="5068389"/>
+            <a:ext cx="2377440" cy="278674"/>
+          </a:xfrm>
+          <a:prstGeom prst="line">
+            <a:avLst/>
+          </a:prstGeom>
+        </p:spPr>
+        <p:style>
+          <a:lnRef idx="1">
+            <a:schemeClr val="accent1"/>
+          </a:lnRef>
+          <a:fillRef idx="0">
+            <a:schemeClr val="accent1"/>
+          </a:fillRef>
+          <a:effectRef idx="0">
+            <a:schemeClr val="accent1"/>
+          </a:effectRef>
+          <a:fontRef idx="minor">
+            <a:schemeClr val="tx1"/>
+          </a:fontRef>
+        </p:style>
+      </p:cxnSp>
+      <p:sp>
+        <p:nvSpPr>
+          <p:cNvPr id="17" name="文字方塊 16"/>
+          <p:cNvSpPr txBox="1"/>
+          <p:nvPr/>
+        </p:nvSpPr>
+        <p:spPr>
+          <a:xfrm>
+            <a:off x="8299269" y="5207726"/>
+            <a:ext cx="1750422" cy="1477328"/>
+          </a:xfrm>
+          <a:prstGeom prst="rect">
+            <a:avLst/>
+          </a:prstGeom>
+          <a:noFill/>
+        </p:spPr>
+        <p:txBody>
+          <a:bodyPr wrap="square" rtlCol="0">
+            <a:spAutoFit/>
+          </a:bodyPr>
+          <a:lstStyle/>
+          <a:p>
+            <a:r>
+              <a:rPr lang="zh-TW" altLang="en-US" dirty="0" smtClean="0"/>
+              <a:t>反過來印，但因為原本是反過來做，所以走訪還是從前到後</a:t>
             </a:r>
             <a:endParaRPr lang="zh-TW" altLang="en-US" dirty="0"/>
           </a:p>
@@ -7602,13 +7105,20 @@
     </p:spTree>
     <p:extLst>
       <p:ext uri="{BB962C8B-B14F-4D97-AF65-F5344CB8AC3E}">
-        <p14:creationId xmlns:p14="http://schemas.microsoft.com/office/powerpoint/2010/main" val="561089893"/>
+        <p14:creationId xmlns:p14="http://schemas.microsoft.com/office/powerpoint/2010/main" val="3284279738"/>
       </p:ext>
     </p:extLst>
   </p:cSld>
   <p:clrMapOvr>
     <a:masterClrMapping/>
   </p:clrMapOvr>
+  <p:timing>
+    <p:tnLst>
+      <p:par>
+        <p:cTn id="1" dur="indefinite" restart="never" nodeType="tmRoot"/>
+      </p:par>
+    </p:tnLst>
+  </p:timing>
 </p:sld>
 </file>
 

--- a/HW4 應用程式設計/說明.pptx
+++ b/HW4 應用程式設計/說明.pptx
@@ -5,20 +5,21 @@
     <p:sldMasterId id="2147483648" r:id="rId1"/>
   </p:sldMasterIdLst>
   <p:notesMasterIdLst>
-    <p:notesMasterId r:id="rId13"/>
+    <p:notesMasterId r:id="rId14"/>
   </p:notesMasterIdLst>
   <p:sldIdLst>
     <p:sldId id="256" r:id="rId2"/>
-    <p:sldId id="257" r:id="rId3"/>
-    <p:sldId id="258" r:id="rId4"/>
-    <p:sldId id="261" r:id="rId5"/>
-    <p:sldId id="262" r:id="rId6"/>
-    <p:sldId id="266" r:id="rId7"/>
-    <p:sldId id="267" r:id="rId8"/>
-    <p:sldId id="259" r:id="rId9"/>
-    <p:sldId id="268" r:id="rId10"/>
-    <p:sldId id="260" r:id="rId11"/>
-    <p:sldId id="264" r:id="rId12"/>
+    <p:sldId id="269" r:id="rId3"/>
+    <p:sldId id="270" r:id="rId4"/>
+    <p:sldId id="258" r:id="rId5"/>
+    <p:sldId id="261" r:id="rId6"/>
+    <p:sldId id="262" r:id="rId7"/>
+    <p:sldId id="266" r:id="rId8"/>
+    <p:sldId id="267" r:id="rId9"/>
+    <p:sldId id="259" r:id="rId10"/>
+    <p:sldId id="268" r:id="rId11"/>
+    <p:sldId id="260" r:id="rId12"/>
+    <p:sldId id="264" r:id="rId13"/>
   </p:sldIdLst>
   <p:sldSz cx="12192000" cy="6858000"/>
   <p:notesSz cx="6858000" cy="9144000"/>
@@ -207,7 +208,7 @@
           <a:p>
             <a:fld id="{0F905AE9-AE18-4FB5-ADA5-4B0DD22425D8}" type="datetimeFigureOut">
               <a:rPr lang="zh-TW" altLang="en-US" smtClean="0"/>
-              <a:t>2020/6/18</a:t>
+              <a:t>2020/6/20</a:t>
             </a:fld>
             <a:endParaRPr lang="zh-TW" altLang="en-US"/>
           </a:p>
@@ -539,7 +540,7 @@
           <a:p>
             <a:fld id="{85318969-AD61-48AB-9EF7-F9FB26740FF6}" type="slidenum">
               <a:rPr lang="zh-TW" altLang="en-US" smtClean="0"/>
-              <a:t>4</a:t>
+              <a:t>5</a:t>
             </a:fld>
             <a:endParaRPr lang="zh-TW" altLang="en-US"/>
           </a:p>
@@ -705,7 +706,7 @@
           <a:p>
             <a:fld id="{DE8D7116-F120-4742-A733-9D2A495E1622}" type="datetimeFigureOut">
               <a:rPr lang="zh-TW" altLang="en-US" smtClean="0"/>
-              <a:t>2020/6/18</a:t>
+              <a:t>2020/6/20</a:t>
             </a:fld>
             <a:endParaRPr lang="zh-TW" altLang="en-US"/>
           </a:p>
@@ -903,7 +904,7 @@
           <a:p>
             <a:fld id="{DE8D7116-F120-4742-A733-9D2A495E1622}" type="datetimeFigureOut">
               <a:rPr lang="zh-TW" altLang="en-US" smtClean="0"/>
-              <a:t>2020/6/18</a:t>
+              <a:t>2020/6/20</a:t>
             </a:fld>
             <a:endParaRPr lang="zh-TW" altLang="en-US"/>
           </a:p>
@@ -1111,7 +1112,7 @@
           <a:p>
             <a:fld id="{DE8D7116-F120-4742-A733-9D2A495E1622}" type="datetimeFigureOut">
               <a:rPr lang="zh-TW" altLang="en-US" smtClean="0"/>
-              <a:t>2020/6/18</a:t>
+              <a:t>2020/6/20</a:t>
             </a:fld>
             <a:endParaRPr lang="zh-TW" altLang="en-US"/>
           </a:p>
@@ -1309,7 +1310,7 @@
           <a:p>
             <a:fld id="{DE8D7116-F120-4742-A733-9D2A495E1622}" type="datetimeFigureOut">
               <a:rPr lang="zh-TW" altLang="en-US" smtClean="0"/>
-              <a:t>2020/6/18</a:t>
+              <a:t>2020/6/20</a:t>
             </a:fld>
             <a:endParaRPr lang="zh-TW" altLang="en-US"/>
           </a:p>
@@ -1584,7 +1585,7 @@
           <a:p>
             <a:fld id="{DE8D7116-F120-4742-A733-9D2A495E1622}" type="datetimeFigureOut">
               <a:rPr lang="zh-TW" altLang="en-US" smtClean="0"/>
-              <a:t>2020/6/18</a:t>
+              <a:t>2020/6/20</a:t>
             </a:fld>
             <a:endParaRPr lang="zh-TW" altLang="en-US"/>
           </a:p>
@@ -1849,7 +1850,7 @@
           <a:p>
             <a:fld id="{DE8D7116-F120-4742-A733-9D2A495E1622}" type="datetimeFigureOut">
               <a:rPr lang="zh-TW" altLang="en-US" smtClean="0"/>
-              <a:t>2020/6/18</a:t>
+              <a:t>2020/6/20</a:t>
             </a:fld>
             <a:endParaRPr lang="zh-TW" altLang="en-US"/>
           </a:p>
@@ -2261,7 +2262,7 @@
           <a:p>
             <a:fld id="{DE8D7116-F120-4742-A733-9D2A495E1622}" type="datetimeFigureOut">
               <a:rPr lang="zh-TW" altLang="en-US" smtClean="0"/>
-              <a:t>2020/6/18</a:t>
+              <a:t>2020/6/20</a:t>
             </a:fld>
             <a:endParaRPr lang="zh-TW" altLang="en-US"/>
           </a:p>
@@ -2402,7 +2403,7 @@
           <a:p>
             <a:fld id="{DE8D7116-F120-4742-A733-9D2A495E1622}" type="datetimeFigureOut">
               <a:rPr lang="zh-TW" altLang="en-US" smtClean="0"/>
-              <a:t>2020/6/18</a:t>
+              <a:t>2020/6/20</a:t>
             </a:fld>
             <a:endParaRPr lang="zh-TW" altLang="en-US"/>
           </a:p>
@@ -2515,7 +2516,7 @@
           <a:p>
             <a:fld id="{DE8D7116-F120-4742-A733-9D2A495E1622}" type="datetimeFigureOut">
               <a:rPr lang="zh-TW" altLang="en-US" smtClean="0"/>
-              <a:t>2020/6/18</a:t>
+              <a:t>2020/6/20</a:t>
             </a:fld>
             <a:endParaRPr lang="zh-TW" altLang="en-US"/>
           </a:p>
@@ -2826,7 +2827,7 @@
           <a:p>
             <a:fld id="{DE8D7116-F120-4742-A733-9D2A495E1622}" type="datetimeFigureOut">
               <a:rPr lang="zh-TW" altLang="en-US" smtClean="0"/>
-              <a:t>2020/6/18</a:t>
+              <a:t>2020/6/20</a:t>
             </a:fld>
             <a:endParaRPr lang="zh-TW" altLang="en-US"/>
           </a:p>
@@ -3114,7 +3115,7 @@
           <a:p>
             <a:fld id="{DE8D7116-F120-4742-A733-9D2A495E1622}" type="datetimeFigureOut">
               <a:rPr lang="zh-TW" altLang="en-US" smtClean="0"/>
-              <a:t>2020/6/18</a:t>
+              <a:t>2020/6/20</a:t>
             </a:fld>
             <a:endParaRPr lang="zh-TW" altLang="en-US"/>
           </a:p>
@@ -3355,7 +3356,7 @@
           <a:p>
             <a:fld id="{DE8D7116-F120-4742-A733-9D2A495E1622}" type="datetimeFigureOut">
               <a:rPr lang="zh-TW" altLang="en-US" smtClean="0"/>
-              <a:t>2020/6/18</a:t>
+              <a:t>2020/6/20</a:t>
             </a:fld>
             <a:endParaRPr lang="zh-TW" altLang="en-US"/>
           </a:p>
@@ -3799,10 +3800,6 @@
               <a:rPr lang="zh-TW" altLang="en-US" sz="4400"/>
               <a:t>泛型程式設計與標準模板函式庫</a:t>
             </a:r>
-            <a:r>
-              <a:rPr lang="en-US" altLang="zh-TW" sz="4400"/>
-              <a:t/>
-            </a:r>
             <a:br>
               <a:rPr lang="en-US" altLang="zh-TW" sz="4400"/>
             </a:br>
@@ -3930,13 +3927,6 @@
   <p:clrMapOvr>
     <a:masterClrMapping/>
   </p:clrMapOvr>
-  <p:timing>
-    <p:tnLst>
-      <p:par>
-        <p:cTn id="1" dur="indefinite" restart="never" nodeType="tmRoot"/>
-      </p:par>
-    </p:tnLst>
-  </p:timing>
 </p:sld>
 </file>
 
@@ -3957,196 +3947,301 @@
           <a:chExt cx="0" cy="0"/>
         </a:xfrm>
       </p:grpSpPr>
-      <p:sp>
-        <p:nvSpPr>
-          <p:cNvPr id="2" name="標題 1">
-            <a:extLst>
-              <a:ext uri="{FF2B5EF4-FFF2-40B4-BE49-F238E27FC236}">
-                <a16:creationId xmlns:a16="http://schemas.microsoft.com/office/drawing/2014/main" id="{4457B8C9-56BD-4589-B5A8-9B5476310C0B}"/>
-              </a:ext>
-            </a:extLst>
-          </p:cNvPr>
-          <p:cNvSpPr>
-            <a:spLocks noGrp="1"/>
-          </p:cNvSpPr>
-          <p:nvPr>
-            <p:ph type="title"/>
-          </p:nvPr>
-        </p:nvSpPr>
-        <p:spPr/>
-        <p:txBody>
-          <a:bodyPr/>
-          <a:lstStyle/>
-          <a:p>
-            <a:r>
-              <a:rPr lang="zh-TW" altLang="en-US"/>
-              <a:t>時間複雜度</a:t>
-            </a:r>
-          </a:p>
-        </p:txBody>
-      </p:sp>
-      <p:sp>
-        <p:nvSpPr>
-          <p:cNvPr id="3" name="內容版面配置區 2">
-            <a:extLst>
-              <a:ext uri="{FF2B5EF4-FFF2-40B4-BE49-F238E27FC236}">
-                <a16:creationId xmlns:a16="http://schemas.microsoft.com/office/drawing/2014/main" id="{7A70C0EA-8BC2-4985-94E5-8B21E13625E4}"/>
-              </a:ext>
-            </a:extLst>
-          </p:cNvPr>
-          <p:cNvSpPr>
-            <a:spLocks noGrp="1"/>
-          </p:cNvSpPr>
-          <p:nvPr>
-            <p:ph idx="1"/>
-          </p:nvPr>
-        </p:nvSpPr>
-        <p:spPr/>
-        <p:txBody>
-          <a:bodyPr/>
-          <a:lstStyle/>
-          <a:p>
-            <a:pPr>
-              <a:lnSpc>
-                <a:spcPct val="100000"/>
-              </a:lnSpc>
-            </a:pPr>
-            <a:r>
-              <a:rPr lang="zh-TW" altLang="en-US" dirty="0" smtClean="0">
-                <a:latin typeface="Times New Roman" panose="02020603050405020304" pitchFamily="18" charset="0"/>
-                <a:ea typeface="標楷體" panose="03000509000000000000" pitchFamily="65" charset="-120"/>
-              </a:rPr>
-              <a:t>算</a:t>
-            </a:r>
-            <a:r>
-              <a:rPr lang="en-US" altLang="zh-TW" dirty="0" smtClean="0">
-                <a:latin typeface="Times New Roman" panose="02020603050405020304" pitchFamily="18" charset="0"/>
-                <a:ea typeface="標楷體" panose="03000509000000000000" pitchFamily="65" charset="-120"/>
-              </a:rPr>
+      <p:pic>
+        <p:nvPicPr>
+          <p:cNvPr id="4" name="圖片 3"/>
+          <p:cNvPicPr>
+            <a:picLocks noChangeAspect="1"/>
+          </p:cNvPicPr>
+          <p:nvPr/>
+        </p:nvPicPr>
+        <p:blipFill>
+          <a:blip r:embed="rId2"/>
+          <a:stretch>
+            <a:fillRect/>
+          </a:stretch>
+        </p:blipFill>
+        <p:spPr>
+          <a:xfrm>
+            <a:off x="138601" y="2"/>
+            <a:ext cx="9040968" cy="6857998"/>
+          </a:xfrm>
+          <a:prstGeom prst="rect">
+            <a:avLst/>
+          </a:prstGeom>
+        </p:spPr>
+      </p:pic>
+      <p:cxnSp>
+        <p:nvCxnSpPr>
+          <p:cNvPr id="6" name="直線接點 5"/>
+          <p:cNvCxnSpPr/>
+          <p:nvPr/>
+        </p:nvCxnSpPr>
+        <p:spPr>
+          <a:xfrm flipV="1">
+            <a:off x="3648891" y="269966"/>
+            <a:ext cx="4650378" cy="226423"/>
+          </a:xfrm>
+          <a:prstGeom prst="line">
+            <a:avLst/>
+          </a:prstGeom>
+        </p:spPr>
+        <p:style>
+          <a:lnRef idx="1">
+            <a:schemeClr val="accent1"/>
+          </a:lnRef>
+          <a:fillRef idx="0">
+            <a:schemeClr val="accent1"/>
+          </a:fillRef>
+          <a:effectRef idx="0">
+            <a:schemeClr val="accent1"/>
+          </a:effectRef>
+          <a:fontRef idx="minor">
+            <a:schemeClr val="tx1"/>
+          </a:fontRef>
+        </p:style>
+      </p:cxnSp>
+      <p:sp>
+        <p:nvSpPr>
+          <p:cNvPr id="8" name="文字方塊 7"/>
+          <p:cNvSpPr txBox="1"/>
+          <p:nvPr/>
+        </p:nvSpPr>
+        <p:spPr>
+          <a:xfrm>
+            <a:off x="8830491" y="121920"/>
+            <a:ext cx="1558835" cy="369332"/>
+          </a:xfrm>
+          <a:prstGeom prst="rect">
+            <a:avLst/>
+          </a:prstGeom>
+          <a:noFill/>
+        </p:spPr>
+        <p:txBody>
+          <a:bodyPr wrap="square" rtlCol="0">
+            <a:spAutoFit/>
+          </a:bodyPr>
+          <a:lstStyle/>
+          <a:p>
+            <a:r>
+              <a:rPr lang="zh-TW" altLang="en-US" dirty="0"/>
+              <a:t>做預處理</a:t>
+            </a:r>
+          </a:p>
+        </p:txBody>
+      </p:sp>
+      <p:cxnSp>
+        <p:nvCxnSpPr>
+          <p:cNvPr id="10" name="直線接點 9"/>
+          <p:cNvCxnSpPr/>
+          <p:nvPr/>
+        </p:nvCxnSpPr>
+        <p:spPr>
+          <a:xfrm flipV="1">
+            <a:off x="5329646" y="1375954"/>
+            <a:ext cx="3526971" cy="426720"/>
+          </a:xfrm>
+          <a:prstGeom prst="line">
+            <a:avLst/>
+          </a:prstGeom>
+        </p:spPr>
+        <p:style>
+          <a:lnRef idx="1">
+            <a:schemeClr val="accent1"/>
+          </a:lnRef>
+          <a:fillRef idx="0">
+            <a:schemeClr val="accent1"/>
+          </a:fillRef>
+          <a:effectRef idx="0">
+            <a:schemeClr val="accent1"/>
+          </a:effectRef>
+          <a:fontRef idx="minor">
+            <a:schemeClr val="tx1"/>
+          </a:fontRef>
+        </p:style>
+      </p:cxnSp>
+      <p:sp>
+        <p:nvSpPr>
+          <p:cNvPr id="11" name="文字方塊 10"/>
+          <p:cNvSpPr txBox="1"/>
+          <p:nvPr/>
+        </p:nvSpPr>
+        <p:spPr>
+          <a:xfrm>
+            <a:off x="8917577" y="1071154"/>
+            <a:ext cx="1907177" cy="646331"/>
+          </a:xfrm>
+          <a:prstGeom prst="rect">
+            <a:avLst/>
+          </a:prstGeom>
+          <a:noFill/>
+        </p:spPr>
+        <p:txBody>
+          <a:bodyPr wrap="square" rtlCol="0">
+            <a:spAutoFit/>
+          </a:bodyPr>
+          <a:lstStyle/>
+          <a:p>
+            <a:r>
+              <a:rPr lang="zh-TW" altLang="en-US" dirty="0"/>
+              <a:t>由後往前算</a:t>
+            </a:r>
+            <a:r>
+              <a:rPr lang="en-US" altLang="zh-TW" dirty="0"/>
+              <a:t>LIS</a:t>
+            </a:r>
+            <a:r>
+              <a:rPr lang="zh-TW" altLang="en-US" dirty="0"/>
+              <a:t> </a:t>
+            </a:r>
+            <a:r>
+              <a:rPr lang="en-US" altLang="zh-TW" dirty="0"/>
+              <a:t>=</a:t>
+            </a:r>
+            <a:r>
+              <a:rPr lang="zh-TW" altLang="en-US" dirty="0"/>
+              <a:t> 由前往後算</a:t>
+            </a:r>
+            <a:r>
+              <a:rPr lang="en-US" altLang="zh-TW" dirty="0"/>
               <a:t>LDS</a:t>
             </a:r>
-            <a:r>
-              <a:rPr lang="zh-TW" altLang="en-US" dirty="0" smtClean="0">
-                <a:latin typeface="Times New Roman" panose="02020603050405020304" pitchFamily="18" charset="0"/>
-                <a:ea typeface="標楷體" panose="03000509000000000000" pitchFamily="65" charset="-120"/>
-              </a:rPr>
-              <a:t>長度</a:t>
-            </a:r>
-            <a:r>
-              <a:rPr lang="en-US" altLang="zh-TW" dirty="0" smtClean="0">
-                <a:latin typeface="Times New Roman" panose="02020603050405020304" pitchFamily="18" charset="0"/>
-                <a:ea typeface="標楷體" panose="03000509000000000000" pitchFamily="65" charset="-120"/>
-              </a:rPr>
-              <a:t>O(</a:t>
-            </a:r>
-            <a:r>
-              <a:rPr lang="en-US" altLang="zh-TW" dirty="0" err="1" smtClean="0">
-                <a:latin typeface="Times New Roman" panose="02020603050405020304" pitchFamily="18" charset="0"/>
-                <a:ea typeface="標楷體" panose="03000509000000000000" pitchFamily="65" charset="-120"/>
-              </a:rPr>
-              <a:t>NlogN</a:t>
-            </a:r>
-            <a:r>
-              <a:rPr lang="en-US" altLang="zh-TW" dirty="0" smtClean="0">
-                <a:latin typeface="Times New Roman" panose="02020603050405020304" pitchFamily="18" charset="0"/>
-                <a:ea typeface="標楷體" panose="03000509000000000000" pitchFamily="65" charset="-120"/>
-              </a:rPr>
-              <a:t>) + </a:t>
-            </a:r>
-            <a:r>
-              <a:rPr lang="zh-TW" altLang="en-US" dirty="0" smtClean="0">
-                <a:latin typeface="Times New Roman" panose="02020603050405020304" pitchFamily="18" charset="0"/>
-                <a:ea typeface="標楷體" panose="03000509000000000000" pitchFamily="65" charset="-120"/>
-              </a:rPr>
-              <a:t>找</a:t>
-            </a:r>
-            <a:r>
-              <a:rPr lang="en-US" altLang="zh-TW" dirty="0" smtClean="0">
-                <a:latin typeface="Times New Roman" panose="02020603050405020304" pitchFamily="18" charset="0"/>
-                <a:ea typeface="標楷體" panose="03000509000000000000" pitchFamily="65" charset="-120"/>
-              </a:rPr>
-              <a:t>LDS</a:t>
-            </a:r>
-            <a:r>
-              <a:rPr lang="zh-TW" altLang="en-US" dirty="0" smtClean="0">
-                <a:latin typeface="Times New Roman" panose="02020603050405020304" pitchFamily="18" charset="0"/>
-                <a:ea typeface="標楷體" panose="03000509000000000000" pitchFamily="65" charset="-120"/>
-              </a:rPr>
-              <a:t> </a:t>
-            </a:r>
-            <a:r>
-              <a:rPr lang="en-US" altLang="zh-TW" dirty="0" smtClean="0">
-                <a:latin typeface="Times New Roman" panose="02020603050405020304" pitchFamily="18" charset="0"/>
-                <a:ea typeface="標楷體" panose="03000509000000000000" pitchFamily="65" charset="-120"/>
-              </a:rPr>
-              <a:t>O(N)</a:t>
-            </a:r>
-          </a:p>
-          <a:p>
-            <a:pPr>
-              <a:lnSpc>
-                <a:spcPct val="100000"/>
-              </a:lnSpc>
-            </a:pPr>
-            <a:r>
-              <a:rPr lang="zh-TW" altLang="en-US" dirty="0" smtClean="0">
-                <a:latin typeface="Times New Roman" panose="02020603050405020304" pitchFamily="18" charset="0"/>
-                <a:ea typeface="標楷體" panose="03000509000000000000" pitchFamily="65" charset="-120"/>
-              </a:rPr>
-              <a:t>總</a:t>
-            </a:r>
-            <a:r>
-              <a:rPr lang="zh-TW" altLang="en-US" dirty="0">
-                <a:latin typeface="Times New Roman" panose="02020603050405020304" pitchFamily="18" charset="0"/>
-                <a:ea typeface="標楷體" panose="03000509000000000000" pitchFamily="65" charset="-120"/>
-              </a:rPr>
-              <a:t>時間複雜度 </a:t>
-            </a:r>
-            <a:r>
-              <a:rPr lang="en-US" altLang="zh-TW" dirty="0" smtClean="0">
-                <a:latin typeface="Times New Roman" panose="02020603050405020304" pitchFamily="18" charset="0"/>
-                <a:ea typeface="標楷體" panose="03000509000000000000" pitchFamily="65" charset="-120"/>
-              </a:rPr>
-              <a:t>O(</a:t>
-            </a:r>
-            <a:r>
-              <a:rPr lang="en-US" altLang="zh-TW" dirty="0" err="1" smtClean="0">
-                <a:latin typeface="Times New Roman" panose="02020603050405020304" pitchFamily="18" charset="0"/>
-                <a:ea typeface="標楷體" panose="03000509000000000000" pitchFamily="65" charset="-120"/>
-              </a:rPr>
-              <a:t>NlogN</a:t>
-            </a:r>
-            <a:r>
-              <a:rPr lang="en-US" altLang="zh-TW" dirty="0" smtClean="0">
-                <a:latin typeface="Times New Roman" panose="02020603050405020304" pitchFamily="18" charset="0"/>
-                <a:ea typeface="標楷體" panose="03000509000000000000" pitchFamily="65" charset="-120"/>
-              </a:rPr>
-              <a:t>)</a:t>
-            </a:r>
-            <a:endParaRPr lang="zh-TW" altLang="en-US" dirty="0">
-              <a:latin typeface="Times New Roman" panose="02020603050405020304" pitchFamily="18" charset="0"/>
-              <a:ea typeface="標楷體" panose="03000509000000000000" pitchFamily="65" charset="-120"/>
-            </a:endParaRPr>
+            <a:endParaRPr lang="zh-TW" altLang="en-US" dirty="0"/>
+          </a:p>
+        </p:txBody>
+      </p:sp>
+      <p:cxnSp>
+        <p:nvCxnSpPr>
+          <p:cNvPr id="13" name="直線接點 12"/>
+          <p:cNvCxnSpPr/>
+          <p:nvPr/>
+        </p:nvCxnSpPr>
+        <p:spPr>
+          <a:xfrm>
+            <a:off x="5120640" y="3283131"/>
+            <a:ext cx="2882537" cy="714103"/>
+          </a:xfrm>
+          <a:prstGeom prst="line">
+            <a:avLst/>
+          </a:prstGeom>
+        </p:spPr>
+        <p:style>
+          <a:lnRef idx="1">
+            <a:schemeClr val="accent1"/>
+          </a:lnRef>
+          <a:fillRef idx="0">
+            <a:schemeClr val="accent1"/>
+          </a:fillRef>
+          <a:effectRef idx="0">
+            <a:schemeClr val="accent1"/>
+          </a:effectRef>
+          <a:fontRef idx="minor">
+            <a:schemeClr val="tx1"/>
+          </a:fontRef>
+        </p:style>
+      </p:cxnSp>
+      <p:sp>
+        <p:nvSpPr>
+          <p:cNvPr id="14" name="文字方塊 13"/>
+          <p:cNvSpPr txBox="1"/>
+          <p:nvPr/>
+        </p:nvSpPr>
+        <p:spPr>
+          <a:xfrm>
+            <a:off x="8525691" y="3753394"/>
+            <a:ext cx="1750423" cy="646331"/>
+          </a:xfrm>
+          <a:prstGeom prst="rect">
+            <a:avLst/>
+          </a:prstGeom>
+          <a:noFill/>
+        </p:spPr>
+        <p:txBody>
+          <a:bodyPr wrap="square" rtlCol="0">
+            <a:spAutoFit/>
+          </a:bodyPr>
+          <a:lstStyle/>
+          <a:p>
+            <a:r>
+              <a:rPr lang="en-US" altLang="zh-TW" dirty="0"/>
+              <a:t>Binary Search</a:t>
+            </a:r>
+            <a:r>
+              <a:rPr lang="zh-TW" altLang="en-US" dirty="0"/>
+              <a:t> 查找迭代器位置</a:t>
+            </a:r>
+          </a:p>
+        </p:txBody>
+      </p:sp>
+      <p:cxnSp>
+        <p:nvCxnSpPr>
+          <p:cNvPr id="16" name="直線接點 15"/>
+          <p:cNvCxnSpPr/>
+          <p:nvPr/>
+        </p:nvCxnSpPr>
+        <p:spPr>
+          <a:xfrm>
+            <a:off x="5390606" y="5068389"/>
+            <a:ext cx="2377440" cy="278674"/>
+          </a:xfrm>
+          <a:prstGeom prst="line">
+            <a:avLst/>
+          </a:prstGeom>
+        </p:spPr>
+        <p:style>
+          <a:lnRef idx="1">
+            <a:schemeClr val="accent1"/>
+          </a:lnRef>
+          <a:fillRef idx="0">
+            <a:schemeClr val="accent1"/>
+          </a:fillRef>
+          <a:effectRef idx="0">
+            <a:schemeClr val="accent1"/>
+          </a:effectRef>
+          <a:fontRef idx="minor">
+            <a:schemeClr val="tx1"/>
+          </a:fontRef>
+        </p:style>
+      </p:cxnSp>
+      <p:sp>
+        <p:nvSpPr>
+          <p:cNvPr id="17" name="文字方塊 16"/>
+          <p:cNvSpPr txBox="1"/>
+          <p:nvPr/>
+        </p:nvSpPr>
+        <p:spPr>
+          <a:xfrm>
+            <a:off x="8299269" y="5207726"/>
+            <a:ext cx="1750422" cy="1477328"/>
+          </a:xfrm>
+          <a:prstGeom prst="rect">
+            <a:avLst/>
+          </a:prstGeom>
+          <a:noFill/>
+        </p:spPr>
+        <p:txBody>
+          <a:bodyPr wrap="square" rtlCol="0">
+            <a:spAutoFit/>
+          </a:bodyPr>
+          <a:lstStyle/>
+          <a:p>
+            <a:r>
+              <a:rPr lang="zh-TW" altLang="en-US" dirty="0"/>
+              <a:t>反過來印，但因為原本是反過來做，所以走訪還是從前到後</a:t>
+            </a:r>
           </a:p>
         </p:txBody>
       </p:sp>
     </p:spTree>
     <p:extLst>
       <p:ext uri="{BB962C8B-B14F-4D97-AF65-F5344CB8AC3E}">
-        <p14:creationId xmlns:p14="http://schemas.microsoft.com/office/powerpoint/2010/main" val="3412632924"/>
+        <p14:creationId xmlns:p14="http://schemas.microsoft.com/office/powerpoint/2010/main" val="3284279738"/>
       </p:ext>
     </p:extLst>
   </p:cSld>
   <p:clrMapOvr>
     <a:masterClrMapping/>
   </p:clrMapOvr>
-  <p:timing>
-    <p:tnLst>
-      <p:par>
-        <p:cTn id="1" dur="indefinite" restart="never" nodeType="tmRoot"/>
-      </p:par>
-    </p:tnLst>
-  </p:timing>
 </p:sld>
 </file>
 
@@ -4169,6 +4264,202 @@
       </p:grpSpPr>
       <p:sp>
         <p:nvSpPr>
+          <p:cNvPr id="2" name="標題 1">
+            <a:extLst>
+              <a:ext uri="{FF2B5EF4-FFF2-40B4-BE49-F238E27FC236}">
+                <a16:creationId xmlns:a16="http://schemas.microsoft.com/office/drawing/2014/main" id="{4457B8C9-56BD-4589-B5A8-9B5476310C0B}"/>
+              </a:ext>
+            </a:extLst>
+          </p:cNvPr>
+          <p:cNvSpPr>
+            <a:spLocks noGrp="1"/>
+          </p:cNvSpPr>
+          <p:nvPr>
+            <p:ph type="title"/>
+          </p:nvPr>
+        </p:nvSpPr>
+        <p:spPr/>
+        <p:txBody>
+          <a:bodyPr/>
+          <a:lstStyle/>
+          <a:p>
+            <a:r>
+              <a:rPr lang="zh-TW" altLang="en-US"/>
+              <a:t>時間複雜度</a:t>
+            </a:r>
+          </a:p>
+        </p:txBody>
+      </p:sp>
+      <p:sp>
+        <p:nvSpPr>
+          <p:cNvPr id="3" name="內容版面配置區 2">
+            <a:extLst>
+              <a:ext uri="{FF2B5EF4-FFF2-40B4-BE49-F238E27FC236}">
+                <a16:creationId xmlns:a16="http://schemas.microsoft.com/office/drawing/2014/main" id="{7A70C0EA-8BC2-4985-94E5-8B21E13625E4}"/>
+              </a:ext>
+            </a:extLst>
+          </p:cNvPr>
+          <p:cNvSpPr>
+            <a:spLocks noGrp="1"/>
+          </p:cNvSpPr>
+          <p:nvPr>
+            <p:ph idx="1"/>
+          </p:nvPr>
+        </p:nvSpPr>
+        <p:spPr/>
+        <p:txBody>
+          <a:bodyPr/>
+          <a:lstStyle/>
+          <a:p>
+            <a:pPr>
+              <a:lnSpc>
+                <a:spcPct val="100000"/>
+              </a:lnSpc>
+            </a:pPr>
+            <a:r>
+              <a:rPr lang="zh-TW" altLang="en-US" dirty="0">
+                <a:latin typeface="Times New Roman" panose="02020603050405020304" pitchFamily="18" charset="0"/>
+                <a:ea typeface="標楷體" panose="03000509000000000000" pitchFamily="65" charset="-120"/>
+              </a:rPr>
+              <a:t>算</a:t>
+            </a:r>
+            <a:r>
+              <a:rPr lang="en-US" altLang="zh-TW" dirty="0">
+                <a:latin typeface="Times New Roman" panose="02020603050405020304" pitchFamily="18" charset="0"/>
+                <a:ea typeface="標楷體" panose="03000509000000000000" pitchFamily="65" charset="-120"/>
+              </a:rPr>
+              <a:t>LDS</a:t>
+            </a:r>
+            <a:r>
+              <a:rPr lang="zh-TW" altLang="en-US" dirty="0">
+                <a:latin typeface="Times New Roman" panose="02020603050405020304" pitchFamily="18" charset="0"/>
+                <a:ea typeface="標楷體" panose="03000509000000000000" pitchFamily="65" charset="-120"/>
+              </a:rPr>
+              <a:t>長度</a:t>
+            </a:r>
+            <a:r>
+              <a:rPr lang="en-US" altLang="zh-TW" dirty="0">
+                <a:latin typeface="Times New Roman" panose="02020603050405020304" pitchFamily="18" charset="0"/>
+                <a:ea typeface="標楷體" panose="03000509000000000000" pitchFamily="65" charset="-120"/>
+              </a:rPr>
+              <a:t>O(</a:t>
+            </a:r>
+            <a:r>
+              <a:rPr lang="en-US" altLang="zh-TW" dirty="0" err="1">
+                <a:latin typeface="Times New Roman" panose="02020603050405020304" pitchFamily="18" charset="0"/>
+                <a:ea typeface="標楷體" panose="03000509000000000000" pitchFamily="65" charset="-120"/>
+              </a:rPr>
+              <a:t>NlogN</a:t>
+            </a:r>
+            <a:r>
+              <a:rPr lang="en-US" altLang="zh-TW" dirty="0">
+                <a:latin typeface="Times New Roman" panose="02020603050405020304" pitchFamily="18" charset="0"/>
+                <a:ea typeface="標楷體" panose="03000509000000000000" pitchFamily="65" charset="-120"/>
+              </a:rPr>
+              <a:t>) + </a:t>
+            </a:r>
+            <a:r>
+              <a:rPr lang="zh-TW" altLang="en-US" dirty="0">
+                <a:latin typeface="Times New Roman" panose="02020603050405020304" pitchFamily="18" charset="0"/>
+                <a:ea typeface="標楷體" panose="03000509000000000000" pitchFamily="65" charset="-120"/>
+              </a:rPr>
+              <a:t>找</a:t>
+            </a:r>
+            <a:r>
+              <a:rPr lang="en-US" altLang="zh-TW" dirty="0">
+                <a:latin typeface="Times New Roman" panose="02020603050405020304" pitchFamily="18" charset="0"/>
+                <a:ea typeface="標楷體" panose="03000509000000000000" pitchFamily="65" charset="-120"/>
+              </a:rPr>
+              <a:t>LDS</a:t>
+            </a:r>
+            <a:r>
+              <a:rPr lang="zh-TW" altLang="en-US" dirty="0">
+                <a:latin typeface="Times New Roman" panose="02020603050405020304" pitchFamily="18" charset="0"/>
+                <a:ea typeface="標楷體" panose="03000509000000000000" pitchFamily="65" charset="-120"/>
+              </a:rPr>
+              <a:t> </a:t>
+            </a:r>
+            <a:r>
+              <a:rPr lang="en-US" altLang="zh-TW" dirty="0">
+                <a:latin typeface="Times New Roman" panose="02020603050405020304" pitchFamily="18" charset="0"/>
+                <a:ea typeface="標楷體" panose="03000509000000000000" pitchFamily="65" charset="-120"/>
+              </a:rPr>
+              <a:t>O(N)</a:t>
+            </a:r>
+          </a:p>
+          <a:p>
+            <a:pPr>
+              <a:lnSpc>
+                <a:spcPct val="100000"/>
+              </a:lnSpc>
+            </a:pPr>
+            <a:r>
+              <a:rPr lang="zh-TW" altLang="en-US" dirty="0">
+                <a:latin typeface="Times New Roman" panose="02020603050405020304" pitchFamily="18" charset="0"/>
+                <a:ea typeface="標楷體" panose="03000509000000000000" pitchFamily="65" charset="-120"/>
+              </a:rPr>
+              <a:t>總時間複雜度 </a:t>
+            </a:r>
+            <a:r>
+              <a:rPr lang="en-US" altLang="zh-TW" dirty="0">
+                <a:latin typeface="Times New Roman" panose="02020603050405020304" pitchFamily="18" charset="0"/>
+                <a:ea typeface="標楷體" panose="03000509000000000000" pitchFamily="65" charset="-120"/>
+              </a:rPr>
+              <a:t>O(</a:t>
+            </a:r>
+            <a:r>
+              <a:rPr lang="en-US" altLang="zh-TW" dirty="0" err="1">
+                <a:latin typeface="Times New Roman" panose="02020603050405020304" pitchFamily="18" charset="0"/>
+                <a:ea typeface="標楷體" panose="03000509000000000000" pitchFamily="65" charset="-120"/>
+              </a:rPr>
+              <a:t>NlogN</a:t>
+            </a:r>
+            <a:r>
+              <a:rPr lang="en-US" altLang="zh-TW" dirty="0">
+                <a:latin typeface="Times New Roman" panose="02020603050405020304" pitchFamily="18" charset="0"/>
+                <a:ea typeface="標楷體" panose="03000509000000000000" pitchFamily="65" charset="-120"/>
+              </a:rPr>
+              <a:t>)</a:t>
+            </a:r>
+            <a:endParaRPr lang="zh-TW" altLang="en-US" dirty="0">
+              <a:latin typeface="Times New Roman" panose="02020603050405020304" pitchFamily="18" charset="0"/>
+              <a:ea typeface="標楷體" panose="03000509000000000000" pitchFamily="65" charset="-120"/>
+            </a:endParaRPr>
+          </a:p>
+        </p:txBody>
+      </p:sp>
+    </p:spTree>
+    <p:extLst>
+      <p:ext uri="{BB962C8B-B14F-4D97-AF65-F5344CB8AC3E}">
+        <p14:creationId xmlns:p14="http://schemas.microsoft.com/office/powerpoint/2010/main" val="3412632924"/>
+      </p:ext>
+    </p:extLst>
+  </p:cSld>
+  <p:clrMapOvr>
+    <a:masterClrMapping/>
+  </p:clrMapOvr>
+</p:sld>
+</file>
+
+<file path=ppt/slides/slide12.xml><?xml version="1.0" encoding="utf-8"?>
+<p:sld xmlns:a="http://schemas.openxmlformats.org/drawingml/2006/main" xmlns:r="http://schemas.openxmlformats.org/officeDocument/2006/relationships" xmlns:p="http://schemas.openxmlformats.org/presentationml/2006/main">
+  <p:cSld>
+    <p:spTree>
+      <p:nvGrpSpPr>
+        <p:cNvPr id="1" name=""/>
+        <p:cNvGrpSpPr/>
+        <p:nvPr/>
+      </p:nvGrpSpPr>
+      <p:grpSpPr>
+        <a:xfrm>
+          <a:off x="0" y="0"/>
+          <a:ext cx="0" cy="0"/>
+          <a:chOff x="0" y="0"/>
+          <a:chExt cx="0" cy="0"/>
+        </a:xfrm>
+      </p:grpSpPr>
+      <p:sp>
+        <p:nvSpPr>
           <p:cNvPr id="2" name="標題 1"/>
           <p:cNvSpPr>
             <a:spLocks noGrp="1"/>
@@ -4183,10 +4474,9 @@
           <a:lstStyle/>
           <a:p>
             <a:r>
-              <a:rPr lang="zh-TW" altLang="en-US" dirty="0" smtClean="0"/>
+              <a:rPr lang="zh-TW" altLang="en-US" dirty="0"/>
               <a:t>參考資料</a:t>
             </a:r>
-            <a:endParaRPr lang="zh-TW" altLang="en-US" dirty="0"/>
           </a:p>
         </p:txBody>
       </p:sp>
@@ -4208,23 +4498,11 @@
             <a:pPr marL="0" indent="0">
               <a:buNone/>
             </a:pPr>
-            <a:r>
-              <a:rPr lang="en-US" altLang="zh-TW" dirty="0" smtClean="0">
-                <a:hlinkClick r:id="rId2"/>
-              </a:rPr>
-              <a:t>http</a:t>
-            </a:r>
             <a:r>
               <a:rPr lang="en-US" altLang="zh-TW" dirty="0">
                 <a:hlinkClick r:id="rId2"/>
               </a:rPr>
-              <a:t>://</a:t>
-            </a:r>
-            <a:r>
-              <a:rPr lang="en-US" altLang="zh-TW" dirty="0" smtClean="0">
-                <a:hlinkClick r:id="rId2"/>
-              </a:rPr>
-              <a:t>wiki.csie.ncku.edu.tw/acm/course/LIS</a:t>
+              <a:t>http://wiki.csie.ncku.edu.tw/acm/course/LIS</a:t>
             </a:r>
             <a:endParaRPr lang="en-US" altLang="zh-TW" dirty="0"/>
           </a:p>
@@ -4238,7 +4516,7 @@
               </a:rPr>
               <a:t>https://en.wikipedia.org/wiki/Longest_increasing_subsequence</a:t>
             </a:r>
-            <a:endParaRPr lang="en-US" altLang="zh-TW" dirty="0" smtClean="0"/>
+            <a:endParaRPr lang="en-US" altLang="zh-TW" dirty="0"/>
           </a:p>
         </p:txBody>
       </p:sp>
@@ -4252,13 +4530,6 @@
   <p:clrMapOvr>
     <a:masterClrMapping/>
   </p:clrMapOvr>
-  <p:timing>
-    <p:tnLst>
-      <p:par>
-        <p:cTn id="1" dur="indefinite" restart="never" nodeType="tmRoot"/>
-      </p:par>
-    </p:tnLst>
-  </p:timing>
 </p:sld>
 </file>
 
@@ -4338,7 +4609,7 @@
                 <a:latin typeface="Times New Roman" panose="02020603050405020304" pitchFamily="18" charset="0"/>
                 <a:ea typeface="標楷體" panose="03000509000000000000" pitchFamily="65" charset="-120"/>
               </a:rPr>
-              <a:t>給定數個數列，每個數列有其順序，但該順序允許被改動</a:t>
+              <a:t>每筆測資包含一個含有「名字」和「福袋內容物價值」的名單－－</a:t>
             </a:r>
             <a:endParaRPr lang="en-US" altLang="zh-TW" sz="2400">
               <a:latin typeface="Times New Roman" panose="02020603050405020304" pitchFamily="18" charset="0"/>
@@ -4354,21 +4625,21 @@
                 <a:latin typeface="Times New Roman" panose="02020603050405020304" pitchFamily="18" charset="0"/>
                 <a:ea typeface="標楷體" panose="03000509000000000000" pitchFamily="65" charset="-120"/>
               </a:rPr>
-              <a:t>每個數列被稱為一個</a:t>
+              <a:t>名單中每個人都有一個相應的、含有 </a:t>
             </a:r>
             <a:r>
               <a:rPr lang="en-US" altLang="zh-TW" sz="2400">
                 <a:latin typeface="Times New Roman" panose="02020603050405020304" pitchFamily="18" charset="0"/>
                 <a:ea typeface="標楷體" panose="03000509000000000000" pitchFamily="65" charset="-120"/>
               </a:rPr>
-              <a:t> “group”</a:t>
+              <a:t>n</a:t>
             </a:r>
             <a:r>
               <a:rPr lang="zh-TW" altLang="en-US" sz="2400">
                 <a:latin typeface="Times New Roman" panose="02020603050405020304" pitchFamily="18" charset="0"/>
                 <a:ea typeface="標楷體" panose="03000509000000000000" pitchFamily="65" charset="-120"/>
               </a:rPr>
-              <a:t>，所有數列元素數量相同</a:t>
+              <a:t> 個價值不一內容物（元素）的福袋</a:t>
             </a:r>
             <a:endParaRPr lang="en-US" altLang="zh-TW" sz="2400">
               <a:latin typeface="Times New Roman" panose="02020603050405020304" pitchFamily="18" charset="0"/>
@@ -4379,10 +4650,48 @@
             <a:pPr marL="0" indent="0">
               <a:buNone/>
             </a:pPr>
-            <a:endParaRPr lang="en-US" altLang="zh-TW" sz="2400">
-              <a:latin typeface="Times New Roman" panose="02020603050405020304" pitchFamily="18" charset="0"/>
-              <a:ea typeface="標楷體" panose="03000509000000000000" pitchFamily="65" charset="-120"/>
-            </a:endParaRPr>
+            <a:r>
+              <a:rPr lang="zh-TW" altLang="en-US" sz="2400">
+                <a:latin typeface="Times New Roman" panose="02020603050405020304" pitchFamily="18" charset="0"/>
+                <a:ea typeface="標楷體" panose="03000509000000000000" pitchFamily="65" charset="-120"/>
+              </a:rPr>
+              <a:t>名單的總人數 </a:t>
+            </a:r>
+            <a:r>
+              <a:rPr lang="en-US" altLang="zh-TW" sz="2400">
+                <a:latin typeface="Times New Roman" panose="02020603050405020304" pitchFamily="18" charset="0"/>
+                <a:ea typeface="標楷體" panose="03000509000000000000" pitchFamily="65" charset="-120"/>
+              </a:rPr>
+              <a:t>m </a:t>
+            </a:r>
+            <a:r>
+              <a:rPr lang="zh-TW" altLang="en-US" sz="2400">
+                <a:latin typeface="Times New Roman" panose="02020603050405020304" pitchFamily="18" charset="0"/>
+                <a:ea typeface="標楷體" panose="03000509000000000000" pitchFamily="65" charset="-120"/>
+              </a:rPr>
+              <a:t>和福袋的內容物數量 </a:t>
+            </a:r>
+            <a:r>
+              <a:rPr lang="en-US" altLang="zh-TW" sz="2400">
+                <a:latin typeface="Times New Roman" panose="02020603050405020304" pitchFamily="18" charset="0"/>
+                <a:ea typeface="標楷體" panose="03000509000000000000" pitchFamily="65" charset="-120"/>
+              </a:rPr>
+              <a:t>n </a:t>
+            </a:r>
+            <a:r>
+              <a:rPr lang="zh-TW" altLang="en-US" sz="2400">
+                <a:latin typeface="Times New Roman" panose="02020603050405020304" pitchFamily="18" charset="0"/>
+                <a:ea typeface="標楷體" panose="03000509000000000000" pitchFamily="65" charset="-120"/>
+              </a:rPr>
+              <a:t>限制為 </a:t>
+            </a:r>
+            <a:r>
+              <a:rPr lang="en-US" altLang="zh-TW" sz="2400">
+                <a:latin typeface="Times New Roman" panose="02020603050405020304" pitchFamily="18" charset="0"/>
+                <a:ea typeface="標楷體" panose="03000509000000000000" pitchFamily="65" charset="-120"/>
+              </a:rPr>
+              <a:t>0 &lt;= m, n &lt;= 1000</a:t>
+            </a:r>
           </a:p>
           <a:p>
             <a:pPr marL="0" indent="0">
@@ -4393,264 +4702,113 @@
                 <a:latin typeface="Times New Roman" panose="02020603050405020304" pitchFamily="18" charset="0"/>
                 <a:ea typeface="標楷體" panose="03000509000000000000" pitchFamily="65" charset="-120"/>
               </a:rPr>
-              <a:t>在上述前提下，求出</a:t>
-            </a:r>
-            <a:r>
-              <a:rPr lang="zh-TW" altLang="zh-TW" sz="2400">
-                <a:latin typeface="Times New Roman" panose="02020603050405020304" pitchFamily="18" charset="0"/>
-                <a:ea typeface="標楷體" panose="03000509000000000000" pitchFamily="65" charset="-120"/>
-              </a:rPr>
-              <a:t>最多可以選</a:t>
+              <a:t>名字長度不超過</a:t>
+            </a:r>
+            <a:r>
+              <a:rPr lang="en-US" altLang="zh-TW" sz="2400">
+                <a:latin typeface="Times New Roman" panose="02020603050405020304" pitchFamily="18" charset="0"/>
+                <a:ea typeface="標楷體" panose="03000509000000000000" pitchFamily="65" charset="-120"/>
+              </a:rPr>
+              <a:t>10</a:t>
             </a:r>
             <a:r>
               <a:rPr lang="zh-TW" altLang="en-US" sz="2400">
                 <a:latin typeface="Times New Roman" panose="02020603050405020304" pitchFamily="18" charset="0"/>
                 <a:ea typeface="標楷體" panose="03000509000000000000" pitchFamily="65" charset="-120"/>
               </a:rPr>
-              <a:t>出</a:t>
-            </a:r>
-            <a:r>
-              <a:rPr lang="zh-TW" altLang="zh-TW" sz="2400">
-                <a:latin typeface="Times New Roman" panose="02020603050405020304" pitchFamily="18" charset="0"/>
-                <a:ea typeface="標楷體" panose="03000509000000000000" pitchFamily="65" charset="-120"/>
-              </a:rPr>
-              <a:t>幾個</a:t>
+              <a:t>個字元，福袋內容物的價值 </a:t>
             </a:r>
             <a:r>
               <a:rPr lang="en-US" altLang="zh-TW" sz="2400">
                 <a:latin typeface="Times New Roman" panose="02020603050405020304" pitchFamily="18" charset="0"/>
                 <a:ea typeface="標楷體" panose="03000509000000000000" pitchFamily="65" charset="-120"/>
               </a:rPr>
-              <a:t>group</a:t>
+              <a:t>p[i] </a:t>
             </a:r>
             <a:r>
               <a:rPr lang="zh-TW" altLang="en-US" sz="2400">
                 <a:latin typeface="Times New Roman" panose="02020603050405020304" pitchFamily="18" charset="0"/>
                 <a:ea typeface="標楷體" panose="03000509000000000000" pitchFamily="65" charset="-120"/>
               </a:rPr>
-              <a:t>進行排列，使其滿足</a:t>
-            </a:r>
-            <a:endParaRPr lang="en-US" altLang="zh-TW" sz="2400">
-              <a:latin typeface="Times New Roman" panose="02020603050405020304" pitchFamily="18" charset="0"/>
-              <a:ea typeface="標楷體" panose="03000509000000000000" pitchFamily="65" charset="-120"/>
-            </a:endParaRPr>
+              <a:t>限制為 </a:t>
+            </a:r>
+            <a:r>
+              <a:rPr lang="en-US" altLang="zh-TW" sz="2400">
+                <a:latin typeface="Times New Roman" panose="02020603050405020304" pitchFamily="18" charset="0"/>
+                <a:ea typeface="標楷體" panose="03000509000000000000" pitchFamily="65" charset="-120"/>
+              </a:rPr>
+              <a:t>0 &lt;= p[i] &lt;= 10^9</a:t>
+            </a:r>
           </a:p>
           <a:p>
             <a:pPr marL="0" indent="0">
               <a:buNone/>
             </a:pPr>
             <a:r>
+              <a:rPr lang="en-US" altLang="zh-TW" sz="2400">
+                <a:latin typeface="Times New Roman" panose="02020603050405020304" pitchFamily="18" charset="0"/>
+                <a:ea typeface="標楷體" panose="03000509000000000000" pitchFamily="65" charset="-120"/>
+              </a:rPr>
+              <a:t>							(i = 0~n-1)</a:t>
+            </a:r>
+          </a:p>
+          <a:p>
+            <a:pPr marL="0" indent="0">
+              <a:buNone/>
+            </a:pPr>
+            <a:r>
               <a:rPr lang="zh-TW" altLang="en-US" sz="2400">
                 <a:latin typeface="Times New Roman" panose="02020603050405020304" pitchFamily="18" charset="0"/>
                 <a:ea typeface="標楷體" panose="03000509000000000000" pitchFamily="65" charset="-120"/>
               </a:rPr>
-              <a:t>「各</a:t>
+              <a:t>名字相同的複數項目被視作同一人的項目計算，並且在總人數裡被合算為 </a:t>
             </a:r>
             <a:r>
               <a:rPr lang="en-US" altLang="zh-TW" sz="2400">
                 <a:latin typeface="Times New Roman" panose="02020603050405020304" pitchFamily="18" charset="0"/>
                 <a:ea typeface="標楷體" panose="03000509000000000000" pitchFamily="65" charset="-120"/>
               </a:rPr>
-              <a:t>group</a:t>
-            </a:r>
+              <a:t>1</a:t>
+            </a:r>
+          </a:p>
+          <a:p>
+            <a:pPr marL="0" indent="0">
+              <a:buNone/>
+            </a:pPr>
             <a:r>
               <a:rPr lang="zh-TW" altLang="en-US" sz="2400">
                 <a:latin typeface="Times New Roman" panose="02020603050405020304" pitchFamily="18" charset="0"/>
                 <a:ea typeface="標楷體" panose="03000509000000000000" pitchFamily="65" charset="-120"/>
               </a:rPr>
-              <a:t>間，上一個</a:t>
+              <a:t>福袋內容物數量統一為 </a:t>
             </a:r>
             <a:r>
               <a:rPr lang="en-US" altLang="zh-TW" sz="2400">
                 <a:latin typeface="Times New Roman" panose="02020603050405020304" pitchFamily="18" charset="0"/>
                 <a:ea typeface="標楷體" panose="03000509000000000000" pitchFamily="65" charset="-120"/>
               </a:rPr>
-              <a:t>group</a:t>
+              <a:t>n</a:t>
             </a:r>
             <a:r>
               <a:rPr lang="zh-TW" altLang="en-US" sz="2400">
                 <a:latin typeface="Times New Roman" panose="02020603050405020304" pitchFamily="18" charset="0"/>
                 <a:ea typeface="標楷體" panose="03000509000000000000" pitchFamily="65" charset="-120"/>
               </a:rPr>
-              <a:t>的第</a:t>
-            </a:r>
-            <a:r>
-              <a:rPr lang="en-US" altLang="zh-TW" sz="2400">
-                <a:latin typeface="Times New Roman" panose="02020603050405020304" pitchFamily="18" charset="0"/>
-                <a:ea typeface="標楷體" panose="03000509000000000000" pitchFamily="65" charset="-120"/>
-              </a:rPr>
-              <a:t>i</a:t>
-            </a:r>
-            <a:r>
-              <a:rPr lang="zh-TW" altLang="en-US" sz="2400">
-                <a:latin typeface="Times New Roman" panose="02020603050405020304" pitchFamily="18" charset="0"/>
-                <a:ea typeface="標楷體" panose="03000509000000000000" pitchFamily="65" charset="-120"/>
-              </a:rPr>
-              <a:t>個數字恆小於其下一個</a:t>
-            </a:r>
-            <a:r>
-              <a:rPr lang="en-US" altLang="zh-TW" sz="2400">
-                <a:latin typeface="Times New Roman" panose="02020603050405020304" pitchFamily="18" charset="0"/>
-                <a:ea typeface="標楷體" panose="03000509000000000000" pitchFamily="65" charset="-120"/>
-              </a:rPr>
-              <a:t>group</a:t>
-            </a:r>
-            <a:r>
-              <a:rPr lang="zh-TW" altLang="en-US" sz="2400">
-                <a:latin typeface="Times New Roman" panose="02020603050405020304" pitchFamily="18" charset="0"/>
-                <a:ea typeface="標楷體" panose="03000509000000000000" pitchFamily="65" charset="-120"/>
-              </a:rPr>
-              <a:t>的第</a:t>
-            </a:r>
-            <a:r>
-              <a:rPr lang="en-US" altLang="zh-TW" sz="2400">
-                <a:latin typeface="Times New Roman" panose="02020603050405020304" pitchFamily="18" charset="0"/>
-                <a:ea typeface="標楷體" panose="03000509000000000000" pitchFamily="65" charset="-120"/>
-              </a:rPr>
-              <a:t>i</a:t>
-            </a:r>
-            <a:r>
-              <a:rPr lang="zh-TW" altLang="en-US" sz="2400">
-                <a:latin typeface="Times New Roman" panose="02020603050405020304" pitchFamily="18" charset="0"/>
-                <a:ea typeface="標楷體" panose="03000509000000000000" pitchFamily="65" charset="-120"/>
-              </a:rPr>
-              <a:t>個數字」</a:t>
-            </a:r>
-            <a:endParaRPr lang="en-US" altLang="zh-TW" sz="2400">
-              <a:latin typeface="Times New Roman" panose="02020603050405020304" pitchFamily="18" charset="0"/>
-              <a:ea typeface="標楷體" panose="03000509000000000000" pitchFamily="65" charset="-120"/>
-            </a:endParaRPr>
-          </a:p>
-          <a:p>
-            <a:pPr marL="0" indent="0">
-              <a:buNone/>
-            </a:pPr>
-            <a:r>
-              <a:rPr lang="zh-TW" altLang="en-US" sz="2400">
-                <a:latin typeface="Times New Roman" panose="02020603050405020304" pitchFamily="18" charset="0"/>
-                <a:ea typeface="標楷體" panose="03000509000000000000" pitchFamily="65" charset="-120"/>
-              </a:rPr>
-              <a:t>這一要求，並對此「最大組</a:t>
-            </a:r>
-            <a:r>
-              <a:rPr lang="en-US" altLang="zh-TW" sz="2400">
-                <a:latin typeface="Times New Roman" panose="02020603050405020304" pitchFamily="18" charset="0"/>
-                <a:ea typeface="標楷體" panose="03000509000000000000" pitchFamily="65" charset="-120"/>
-              </a:rPr>
-              <a:t>(group)</a:t>
-            </a:r>
-            <a:r>
-              <a:rPr lang="zh-TW" altLang="en-US" sz="2400">
-                <a:latin typeface="Times New Roman" panose="02020603050405020304" pitchFamily="18" charset="0"/>
-                <a:ea typeface="標楷體" panose="03000509000000000000" pitchFamily="65" charset="-120"/>
-              </a:rPr>
-              <a:t>數」及其中各</a:t>
-            </a:r>
-            <a:r>
-              <a:rPr lang="en-US" altLang="zh-TW" sz="2400">
-                <a:latin typeface="Times New Roman" panose="02020603050405020304" pitchFamily="18" charset="0"/>
-                <a:ea typeface="標楷體" panose="03000509000000000000" pitchFamily="65" charset="-120"/>
-              </a:rPr>
-              <a:t>group</a:t>
-            </a:r>
-            <a:r>
-              <a:rPr lang="zh-TW" altLang="en-US" sz="2400">
-                <a:latin typeface="Times New Roman" panose="02020603050405020304" pitchFamily="18" charset="0"/>
-                <a:ea typeface="標楷體" panose="03000509000000000000" pitchFamily="65" charset="-120"/>
-              </a:rPr>
-              <a:t>的排序進行輸出</a:t>
-            </a:r>
-            <a:endParaRPr lang="en-US" altLang="zh-TW" sz="2400">
-              <a:latin typeface="Times New Roman" panose="02020603050405020304" pitchFamily="18" charset="0"/>
-              <a:ea typeface="標楷體" panose="03000509000000000000" pitchFamily="65" charset="-120"/>
-            </a:endParaRPr>
-          </a:p>
-          <a:p>
-            <a:pPr marL="0" indent="0">
-              <a:buNone/>
-            </a:pPr>
-            <a:endParaRPr lang="en-US" altLang="zh-TW" sz="2400">
-              <a:latin typeface="Times New Roman" panose="02020603050405020304" pitchFamily="18" charset="0"/>
-              <a:ea typeface="標楷體" panose="03000509000000000000" pitchFamily="65" charset="-120"/>
-            </a:endParaRPr>
-          </a:p>
-          <a:p>
-            <a:pPr marL="0" indent="0">
-              <a:buNone/>
-            </a:pPr>
-            <a:r>
-              <a:rPr lang="zh-TW" altLang="en-US" sz="2400">
-                <a:latin typeface="Times New Roman" panose="02020603050405020304" pitchFamily="18" charset="0"/>
-                <a:ea typeface="標楷體" panose="03000509000000000000" pitchFamily="65" charset="-120"/>
-              </a:rPr>
-              <a:t>必須</a:t>
-            </a:r>
-            <a:r>
-              <a:rPr lang="zh-TW" altLang="zh-TW" sz="2400">
-                <a:latin typeface="Times New Roman" panose="02020603050405020304" pitchFamily="18" charset="0"/>
-                <a:ea typeface="標楷體" panose="03000509000000000000" pitchFamily="65" charset="-120"/>
-              </a:rPr>
-              <a:t>使用</a:t>
-            </a:r>
-            <a:r>
-              <a:rPr lang="en-US" altLang="zh-TW" sz="2400">
-                <a:latin typeface="Times New Roman" panose="02020603050405020304" pitchFamily="18" charset="0"/>
-                <a:ea typeface="標楷體" panose="03000509000000000000" pitchFamily="65" charset="-120"/>
-              </a:rPr>
-              <a:t>STL</a:t>
-            </a:r>
-            <a:r>
-              <a:rPr lang="zh-TW" altLang="zh-TW" sz="2400">
-                <a:latin typeface="Times New Roman" panose="02020603050405020304" pitchFamily="18" charset="0"/>
-                <a:ea typeface="標楷體" panose="03000509000000000000" pitchFamily="65" charset="-120"/>
-              </a:rPr>
-              <a:t>容器與演算法完成，</a:t>
-            </a:r>
-            <a:r>
-              <a:rPr lang="zh-TW" altLang="en-US" sz="2400">
-                <a:latin typeface="Times New Roman" panose="02020603050405020304" pitchFamily="18" charset="0"/>
-                <a:ea typeface="標楷體" panose="03000509000000000000" pitchFamily="65" charset="-120"/>
-              </a:rPr>
-              <a:t>並且使用到</a:t>
-            </a:r>
-            <a:r>
-              <a:rPr lang="en-US" altLang="zh-TW" sz="2400">
-                <a:latin typeface="Times New Roman" panose="02020603050405020304" pitchFamily="18" charset="0"/>
-                <a:ea typeface="標楷體" panose="03000509000000000000" pitchFamily="65" charset="-120"/>
-              </a:rPr>
-              <a:t>lambda</a:t>
-            </a:r>
-            <a:r>
-              <a:rPr lang="zh-TW" altLang="zh-TW" sz="2400">
-                <a:latin typeface="Times New Roman" panose="02020603050405020304" pitchFamily="18" charset="0"/>
-                <a:ea typeface="標楷體" panose="03000509000000000000" pitchFamily="65" charset="-120"/>
-              </a:rPr>
-              <a:t>，否則不於計分</a:t>
-            </a:r>
-            <a:endParaRPr lang="zh-TW" altLang="en-US" sz="2400">
-              <a:latin typeface="Times New Roman" panose="02020603050405020304" pitchFamily="18" charset="0"/>
-              <a:ea typeface="標楷體" panose="03000509000000000000" pitchFamily="65" charset="-120"/>
-            </a:endParaRPr>
+              <a:t> 個</a:t>
+            </a:r>
           </a:p>
         </p:txBody>
       </p:sp>
     </p:spTree>
     <p:extLst>
       <p:ext uri="{BB962C8B-B14F-4D97-AF65-F5344CB8AC3E}">
-        <p14:creationId xmlns:p14="http://schemas.microsoft.com/office/powerpoint/2010/main" val="2028177271"/>
+        <p14:creationId xmlns:p14="http://schemas.microsoft.com/office/powerpoint/2010/main" val="3113413002"/>
       </p:ext>
     </p:extLst>
   </p:cSld>
   <p:clrMapOvr>
     <a:masterClrMapping/>
   </p:clrMapOvr>
-  <p:timing>
-    <p:tnLst>
-      <p:par>
-        <p:cTn id="1" dur="indefinite" restart="never" nodeType="tmRoot"/>
-      </p:par>
-    </p:tnLst>
-  </p:timing>
 </p:sld>
 </file>
 
@@ -4694,15 +4852,7 @@
           <a:p>
             <a:r>
               <a:rPr lang="zh-TW" altLang="en-US"/>
-              <a:t>輸入 </a:t>
-            </a:r>
-            <a:r>
-              <a:rPr lang="en-US" altLang="zh-TW"/>
-              <a:t>/</a:t>
-            </a:r>
-            <a:r>
-              <a:rPr lang="zh-TW" altLang="en-US"/>
-              <a:t> 輸出說明</a:t>
+              <a:t>設計理念</a:t>
             </a:r>
           </a:p>
         </p:txBody>
@@ -4726,448 +4876,207 @@
         <p:spPr/>
         <p:txBody>
           <a:bodyPr>
-            <a:normAutofit fontScale="92500" lnSpcReduction="10000"/>
+            <a:normAutofit/>
           </a:bodyPr>
           <a:lstStyle/>
           <a:p>
             <a:pPr marL="0" indent="0">
-              <a:lnSpc>
-                <a:spcPct val="110000"/>
-              </a:lnSpc>
               <a:buNone/>
             </a:pPr>
             <a:r>
-              <a:rPr lang="zh-TW" altLang="zh-TW" b="1" dirty="0">
-                <a:latin typeface="Times New Roman" panose="02020603050405020304" pitchFamily="18" charset="0"/>
-                <a:ea typeface="標楷體" panose="03000509000000000000" pitchFamily="65" charset="-120"/>
-              </a:rPr>
-              <a:t>輸入說明</a:t>
-            </a:r>
-            <a:r>
-              <a:rPr lang="zh-TW" altLang="en-US" b="1" dirty="0">
-                <a:latin typeface="Times New Roman" panose="02020603050405020304" pitchFamily="18" charset="0"/>
-                <a:ea typeface="標楷體" panose="03000509000000000000" pitchFamily="65" charset="-120"/>
-              </a:rPr>
-              <a:t>：</a:t>
-            </a:r>
-            <a:endParaRPr lang="en-US" altLang="zh-TW" dirty="0">
+              <a:rPr lang="zh-TW" altLang="en-US" sz="2400">
+                <a:latin typeface="Times New Roman" panose="02020603050405020304" pitchFamily="18" charset="0"/>
+                <a:ea typeface="標楷體" panose="03000509000000000000" pitchFamily="65" charset="-120"/>
+              </a:rPr>
+              <a:t>對於每筆測資－－</a:t>
+            </a:r>
+            <a:endParaRPr lang="en-US" altLang="zh-TW" sz="2400">
               <a:latin typeface="Times New Roman" panose="02020603050405020304" pitchFamily="18" charset="0"/>
               <a:ea typeface="標楷體" panose="03000509000000000000" pitchFamily="65" charset="-120"/>
             </a:endParaRPr>
           </a:p>
           <a:p>
             <a:pPr marL="0" indent="0">
-              <a:lnSpc>
-                <a:spcPct val="110000"/>
-              </a:lnSpc>
               <a:buNone/>
             </a:pPr>
             <a:r>
-              <a:rPr lang="zh-TW" altLang="en-US" dirty="0">
-                <a:latin typeface="Times New Roman" panose="02020603050405020304" pitchFamily="18" charset="0"/>
-                <a:ea typeface="標楷體" panose="03000509000000000000" pitchFamily="65" charset="-120"/>
-              </a:rPr>
-              <a:t>輸入可以包含多組測資。</a:t>
-            </a:r>
-            <a:endParaRPr lang="en-US" altLang="zh-TW" dirty="0">
+              <a:rPr lang="en-US" altLang="zh-TW" sz="2400">
+                <a:latin typeface="Times New Roman" panose="02020603050405020304" pitchFamily="18" charset="0"/>
+                <a:ea typeface="標楷體" panose="03000509000000000000" pitchFamily="65" charset="-120"/>
+              </a:rPr>
+              <a:t>1.</a:t>
+            </a:r>
+            <a:r>
+              <a:rPr lang="zh-TW" altLang="en-US" sz="2400">
+                <a:latin typeface="Times New Roman" panose="02020603050405020304" pitchFamily="18" charset="0"/>
+                <a:ea typeface="標楷體" panose="03000509000000000000" pitchFamily="65" charset="-120"/>
+              </a:rPr>
+              <a:t> 在不改變名單順序的前提下，把福袋內容物數量最少的名單項目移除，</a:t>
+            </a:r>
+            <a:endParaRPr lang="en-US" altLang="zh-TW" sz="2400">
               <a:latin typeface="Times New Roman" panose="02020603050405020304" pitchFamily="18" charset="0"/>
               <a:ea typeface="標楷體" panose="03000509000000000000" pitchFamily="65" charset="-120"/>
             </a:endParaRPr>
           </a:p>
           <a:p>
             <a:pPr marL="0" indent="0">
-              <a:lnSpc>
-                <a:spcPct val="110000"/>
-              </a:lnSpc>
               <a:buNone/>
             </a:pPr>
             <a:r>
-              <a:rPr lang="zh-TW" altLang="zh-TW" dirty="0">
-                <a:latin typeface="Times New Roman" panose="02020603050405020304" pitchFamily="18" charset="0"/>
-                <a:ea typeface="標楷體" panose="03000509000000000000" pitchFamily="65" charset="-120"/>
-              </a:rPr>
-              <a:t>輸入兩個整數</a:t>
-            </a:r>
-            <a:r>
-              <a:rPr lang="en-US" altLang="zh-TW" dirty="0">
-                <a:latin typeface="Times New Roman" panose="02020603050405020304" pitchFamily="18" charset="0"/>
-                <a:ea typeface="標楷體" panose="03000509000000000000" pitchFamily="65" charset="-120"/>
-              </a:rPr>
-              <a:t>M, N</a:t>
-            </a:r>
-            <a:r>
-              <a:rPr lang="zh-TW" altLang="en-US" dirty="0">
-                <a:latin typeface="Times New Roman" panose="02020603050405020304" pitchFamily="18" charset="0"/>
-                <a:ea typeface="標楷體" panose="03000509000000000000" pitchFamily="65" charset="-120"/>
-              </a:rPr>
-              <a:t>，</a:t>
-            </a:r>
-            <a:r>
-              <a:rPr lang="en-US" altLang="zh-TW" dirty="0">
-                <a:latin typeface="Times New Roman" panose="02020603050405020304" pitchFamily="18" charset="0"/>
-                <a:ea typeface="標楷體" panose="03000509000000000000" pitchFamily="65" charset="-120"/>
-              </a:rPr>
-              <a:t>M</a:t>
-            </a:r>
-            <a:r>
-              <a:rPr lang="zh-TW" altLang="zh-TW" dirty="0">
-                <a:latin typeface="Times New Roman" panose="02020603050405020304" pitchFamily="18" charset="0"/>
-                <a:ea typeface="標楷體" panose="03000509000000000000" pitchFamily="65" charset="-120"/>
-              </a:rPr>
-              <a:t>表示</a:t>
-            </a:r>
-            <a:r>
-              <a:rPr lang="en-US" altLang="zh-TW" dirty="0">
-                <a:latin typeface="Times New Roman" panose="02020603050405020304" pitchFamily="18" charset="0"/>
-                <a:ea typeface="標楷體" panose="03000509000000000000" pitchFamily="65" charset="-120"/>
-              </a:rPr>
-              <a:t>group</a:t>
-            </a:r>
-            <a:r>
-              <a:rPr lang="zh-TW" altLang="zh-TW" dirty="0">
-                <a:latin typeface="Times New Roman" panose="02020603050405020304" pitchFamily="18" charset="0"/>
-                <a:ea typeface="標楷體" panose="03000509000000000000" pitchFamily="65" charset="-120"/>
-              </a:rPr>
-              <a:t>數目</a:t>
-            </a:r>
-            <a:r>
-              <a:rPr lang="en-US" altLang="zh-TW" dirty="0">
-                <a:latin typeface="Times New Roman" panose="02020603050405020304" pitchFamily="18" charset="0"/>
-                <a:ea typeface="標楷體" panose="03000509000000000000" pitchFamily="65" charset="-120"/>
-              </a:rPr>
-              <a:t>(1 &lt;= M &lt;= 500)</a:t>
-            </a:r>
-            <a:r>
-              <a:rPr lang="zh-TW" altLang="zh-TW" dirty="0">
-                <a:latin typeface="Times New Roman" panose="02020603050405020304" pitchFamily="18" charset="0"/>
-                <a:ea typeface="標楷體" panose="03000509000000000000" pitchFamily="65" charset="-120"/>
-              </a:rPr>
-              <a:t>，</a:t>
-            </a:r>
-            <a:r>
-              <a:rPr lang="en-US" altLang="zh-TW" dirty="0">
-                <a:latin typeface="Times New Roman" panose="02020603050405020304" pitchFamily="18" charset="0"/>
-                <a:ea typeface="標楷體" panose="03000509000000000000" pitchFamily="65" charset="-120"/>
-              </a:rPr>
-              <a:t>N</a:t>
-            </a:r>
-            <a:r>
-              <a:rPr lang="zh-TW" altLang="zh-TW" dirty="0">
-                <a:latin typeface="Times New Roman" panose="02020603050405020304" pitchFamily="18" charset="0"/>
-                <a:ea typeface="標楷體" panose="03000509000000000000" pitchFamily="65" charset="-120"/>
-              </a:rPr>
-              <a:t>表示</a:t>
-            </a:r>
-            <a:r>
-              <a:rPr lang="en-US" altLang="zh-TW" dirty="0">
-                <a:latin typeface="Times New Roman" panose="02020603050405020304" pitchFamily="18" charset="0"/>
-                <a:ea typeface="標楷體" panose="03000509000000000000" pitchFamily="65" charset="-120"/>
-              </a:rPr>
-              <a:t>group</a:t>
-            </a:r>
-            <a:r>
-              <a:rPr lang="zh-TW" altLang="zh-TW" dirty="0">
-                <a:latin typeface="Times New Roman" panose="02020603050405020304" pitchFamily="18" charset="0"/>
-                <a:ea typeface="標楷體" panose="03000509000000000000" pitchFamily="65" charset="-120"/>
-              </a:rPr>
-              <a:t>的大小</a:t>
-            </a:r>
-            <a:r>
-              <a:rPr lang="en-US" altLang="zh-TW" dirty="0">
-                <a:latin typeface="Times New Roman" panose="02020603050405020304" pitchFamily="18" charset="0"/>
-                <a:ea typeface="標楷體" panose="03000509000000000000" pitchFamily="65" charset="-120"/>
-              </a:rPr>
-              <a:t>(1 &lt;= N &lt;= 500)</a:t>
-            </a:r>
-            <a:r>
-              <a:rPr lang="zh-TW" altLang="zh-TW" dirty="0">
-                <a:latin typeface="Times New Roman" panose="02020603050405020304" pitchFamily="18" charset="0"/>
-                <a:ea typeface="標楷體" panose="03000509000000000000" pitchFamily="65" charset="-120"/>
-              </a:rPr>
-              <a:t>。接下來</a:t>
-            </a:r>
-            <a:r>
-              <a:rPr lang="en-US" altLang="zh-TW" dirty="0">
-                <a:latin typeface="Times New Roman" panose="02020603050405020304" pitchFamily="18" charset="0"/>
-                <a:ea typeface="標楷體" panose="03000509000000000000" pitchFamily="65" charset="-120"/>
-              </a:rPr>
-              <a:t>M</a:t>
-            </a:r>
-            <a:r>
-              <a:rPr lang="zh-TW" altLang="zh-TW" dirty="0">
-                <a:latin typeface="Times New Roman" panose="02020603050405020304" pitchFamily="18" charset="0"/>
-                <a:ea typeface="標楷體" panose="03000509000000000000" pitchFamily="65" charset="-120"/>
-              </a:rPr>
-              <a:t>行</a:t>
-            </a:r>
-            <a:r>
-              <a:rPr lang="zh-TW" altLang="en-US" dirty="0">
-                <a:latin typeface="Times New Roman" panose="02020603050405020304" pitchFamily="18" charset="0"/>
-                <a:ea typeface="標楷體" panose="03000509000000000000" pitchFamily="65" charset="-120"/>
-              </a:rPr>
-              <a:t>各</a:t>
-            </a:r>
-            <a:r>
-              <a:rPr lang="zh-TW" altLang="zh-TW" dirty="0">
-                <a:latin typeface="Times New Roman" panose="02020603050405020304" pitchFamily="18" charset="0"/>
-                <a:ea typeface="標楷體" panose="03000509000000000000" pitchFamily="65" charset="-120"/>
-              </a:rPr>
-              <a:t>輸入</a:t>
-            </a:r>
-            <a:r>
-              <a:rPr lang="en-US" altLang="zh-TW" dirty="0">
-                <a:latin typeface="Times New Roman" panose="02020603050405020304" pitchFamily="18" charset="0"/>
-                <a:ea typeface="標楷體" panose="03000509000000000000" pitchFamily="65" charset="-120"/>
-              </a:rPr>
-              <a:t>N</a:t>
-            </a:r>
-            <a:r>
-              <a:rPr lang="zh-TW" altLang="zh-TW" dirty="0">
-                <a:latin typeface="Times New Roman" panose="02020603050405020304" pitchFamily="18" charset="0"/>
-                <a:ea typeface="標楷體" panose="03000509000000000000" pitchFamily="65" charset="-120"/>
-              </a:rPr>
-              <a:t>個數字</a:t>
-            </a:r>
-            <a:r>
-              <a:rPr lang="en-US" altLang="zh-TW" dirty="0" err="1">
-                <a:latin typeface="Times New Roman" panose="02020603050405020304" pitchFamily="18" charset="0"/>
-                <a:ea typeface="標楷體" panose="03000509000000000000" pitchFamily="65" charset="-120"/>
-              </a:rPr>
-              <a:t>k</a:t>
-            </a:r>
-            <a:r>
-              <a:rPr lang="en-US" altLang="zh-TW" sz="2000" dirty="0" err="1">
-                <a:latin typeface="Times New Roman" panose="02020603050405020304" pitchFamily="18" charset="0"/>
-                <a:ea typeface="標楷體" panose="03000509000000000000" pitchFamily="65" charset="-120"/>
-              </a:rPr>
-              <a:t>i</a:t>
-            </a:r>
-            <a:r>
-              <a:rPr lang="en-US" altLang="zh-TW" sz="2000" dirty="0">
-                <a:latin typeface="Times New Roman" panose="02020603050405020304" pitchFamily="18" charset="0"/>
-                <a:ea typeface="標楷體" panose="03000509000000000000" pitchFamily="65" charset="-120"/>
-              </a:rPr>
-              <a:t> </a:t>
-            </a:r>
-            <a:r>
-              <a:rPr lang="en-US" altLang="zh-TW" dirty="0">
-                <a:latin typeface="Times New Roman" panose="02020603050405020304" pitchFamily="18" charset="0"/>
-                <a:ea typeface="標楷體" panose="03000509000000000000" pitchFamily="65" charset="-120"/>
-              </a:rPr>
-              <a:t>(1 &lt;= </a:t>
-            </a:r>
-            <a:r>
-              <a:rPr lang="en-US" altLang="zh-TW" dirty="0" err="1">
-                <a:latin typeface="Times New Roman" panose="02020603050405020304" pitchFamily="18" charset="0"/>
-                <a:ea typeface="標楷體" panose="03000509000000000000" pitchFamily="65" charset="-120"/>
-              </a:rPr>
-              <a:t>k</a:t>
-            </a:r>
-            <a:r>
-              <a:rPr lang="en-US" altLang="zh-TW" sz="2000" dirty="0" err="1">
-                <a:latin typeface="Times New Roman" panose="02020603050405020304" pitchFamily="18" charset="0"/>
-                <a:ea typeface="標楷體" panose="03000509000000000000" pitchFamily="65" charset="-120"/>
-              </a:rPr>
-              <a:t>i</a:t>
-            </a:r>
-            <a:r>
-              <a:rPr lang="en-US" altLang="zh-TW" dirty="0">
-                <a:latin typeface="Times New Roman" panose="02020603050405020304" pitchFamily="18" charset="0"/>
-                <a:ea typeface="標楷體" panose="03000509000000000000" pitchFamily="65" charset="-120"/>
-              </a:rPr>
-              <a:t> &lt;= 1000000000)</a:t>
-            </a:r>
-            <a:r>
-              <a:rPr lang="zh-TW" altLang="zh-TW" dirty="0">
-                <a:latin typeface="Times New Roman" panose="02020603050405020304" pitchFamily="18" charset="0"/>
-                <a:ea typeface="標楷體" panose="03000509000000000000" pitchFamily="65" charset="-120"/>
-              </a:rPr>
-              <a:t>。</a:t>
-            </a:r>
-            <a:r>
-              <a:rPr lang="en-US" altLang="zh-TW" dirty="0">
-                <a:latin typeface="Times New Roman" panose="02020603050405020304" pitchFamily="18" charset="0"/>
-                <a:ea typeface="標楷體" panose="03000509000000000000" pitchFamily="65" charset="-120"/>
-              </a:rPr>
-              <a:t>0 0 </a:t>
-            </a:r>
-            <a:r>
-              <a:rPr lang="zh-TW" altLang="zh-TW" dirty="0">
-                <a:latin typeface="Times New Roman" panose="02020603050405020304" pitchFamily="18" charset="0"/>
-                <a:ea typeface="標楷體" panose="03000509000000000000" pitchFamily="65" charset="-120"/>
-              </a:rPr>
-              <a:t>代表結束。</a:t>
-            </a:r>
-          </a:p>
-          <a:p>
-            <a:pPr marL="0" indent="0">
-              <a:lnSpc>
-                <a:spcPct val="110000"/>
-              </a:lnSpc>
-              <a:buNone/>
-            </a:pPr>
-            <a:r>
-              <a:rPr lang="zh-TW" altLang="zh-TW" b="1" dirty="0">
-                <a:latin typeface="Times New Roman" panose="02020603050405020304" pitchFamily="18" charset="0"/>
-                <a:ea typeface="標楷體" panose="03000509000000000000" pitchFamily="65" charset="-120"/>
-              </a:rPr>
-              <a:t>輸出說明</a:t>
-            </a:r>
-            <a:r>
-              <a:rPr lang="zh-TW" altLang="en-US" b="1" dirty="0">
-                <a:latin typeface="Times New Roman" panose="02020603050405020304" pitchFamily="18" charset="0"/>
-                <a:ea typeface="標楷體" panose="03000509000000000000" pitchFamily="65" charset="-120"/>
-              </a:rPr>
-              <a:t>：</a:t>
-            </a:r>
-            <a:endParaRPr lang="zh-TW" altLang="zh-TW" dirty="0">
+              <a:rPr lang="zh-TW" altLang="en-US" sz="2400">
+                <a:latin typeface="Times New Roman" panose="02020603050405020304" pitchFamily="18" charset="0"/>
+                <a:ea typeface="標楷體" panose="03000509000000000000" pitchFamily="65" charset="-120"/>
+              </a:rPr>
+              <a:t>    使得名單符合一個肥宅隊伍的定義：</a:t>
+            </a:r>
+            <a:endParaRPr lang="en-US" altLang="zh-TW" sz="2400">
               <a:latin typeface="Times New Roman" panose="02020603050405020304" pitchFamily="18" charset="0"/>
               <a:ea typeface="標楷體" panose="03000509000000000000" pitchFamily="65" charset="-120"/>
             </a:endParaRPr>
           </a:p>
           <a:p>
             <a:pPr marL="0" indent="0">
-              <a:lnSpc>
-                <a:spcPct val="110000"/>
-              </a:lnSpc>
               <a:buNone/>
             </a:pPr>
             <a:r>
-              <a:rPr lang="zh-TW" altLang="en-US" dirty="0">
-                <a:latin typeface="Times New Roman" panose="02020603050405020304" pitchFamily="18" charset="0"/>
-                <a:ea typeface="標楷體" panose="03000509000000000000" pitchFamily="65" charset="-120"/>
-              </a:rPr>
-              <a:t>對於每組測資，</a:t>
-            </a:r>
-            <a:r>
-              <a:rPr lang="zh-TW" altLang="zh-TW" dirty="0">
-                <a:latin typeface="Times New Roman" panose="02020603050405020304" pitchFamily="18" charset="0"/>
-                <a:ea typeface="標楷體" panose="03000509000000000000" pitchFamily="65" charset="-120"/>
-              </a:rPr>
-              <a:t>輸出</a:t>
-            </a:r>
-            <a:r>
-              <a:rPr lang="en-US" altLang="zh-TW" dirty="0">
-                <a:latin typeface="Times New Roman" panose="02020603050405020304" pitchFamily="18" charset="0"/>
-                <a:ea typeface="標楷體" panose="03000509000000000000" pitchFamily="65" charset="-120"/>
-              </a:rPr>
-              <a:t>1</a:t>
-            </a:r>
-            <a:r>
-              <a:rPr lang="zh-TW" altLang="zh-TW" dirty="0">
-                <a:latin typeface="Times New Roman" panose="02020603050405020304" pitchFamily="18" charset="0"/>
-                <a:ea typeface="標楷體" panose="03000509000000000000" pitchFamily="65" charset="-120"/>
-              </a:rPr>
-              <a:t>個最大</a:t>
-            </a:r>
-            <a:r>
-              <a:rPr lang="zh-TW" altLang="en-US" dirty="0">
-                <a:latin typeface="Times New Roman" panose="02020603050405020304" pitchFamily="18" charset="0"/>
-                <a:ea typeface="標楷體" panose="03000509000000000000" pitchFamily="65" charset="-120"/>
-              </a:rPr>
-              <a:t>組</a:t>
-            </a:r>
-            <a:r>
-              <a:rPr lang="zh-TW" altLang="zh-TW" dirty="0">
-                <a:latin typeface="Times New Roman" panose="02020603050405020304" pitchFamily="18" charset="0"/>
-                <a:ea typeface="標楷體" panose="03000509000000000000" pitchFamily="65" charset="-120"/>
-              </a:rPr>
-              <a:t>數長度，</a:t>
-            </a:r>
-            <a:r>
-              <a:rPr lang="zh-TW" altLang="en-US" dirty="0">
-                <a:latin typeface="Times New Roman" panose="02020603050405020304" pitchFamily="18" charset="0"/>
-                <a:ea typeface="標楷體" panose="03000509000000000000" pitchFamily="65" charset="-120"/>
-              </a:rPr>
-              <a:t>然後依序</a:t>
-            </a:r>
-            <a:r>
-              <a:rPr lang="zh-TW" altLang="zh-TW" dirty="0">
-                <a:latin typeface="Times New Roman" panose="02020603050405020304" pitchFamily="18" charset="0"/>
-                <a:ea typeface="標楷體" panose="03000509000000000000" pitchFamily="65" charset="-120"/>
-              </a:rPr>
-              <a:t>輸出構成最大組的</a:t>
-            </a:r>
-            <a:r>
-              <a:rPr lang="en-US" altLang="zh-TW" dirty="0">
-                <a:latin typeface="Times New Roman" panose="02020603050405020304" pitchFamily="18" charset="0"/>
-                <a:ea typeface="標楷體" panose="03000509000000000000" pitchFamily="65" charset="-120"/>
-              </a:rPr>
-              <a:t>group</a:t>
-            </a:r>
-            <a:r>
-              <a:rPr lang="zh-TW" altLang="zh-TW" dirty="0" smtClean="0">
-                <a:latin typeface="Times New Roman" panose="02020603050405020304" pitchFamily="18" charset="0"/>
-                <a:ea typeface="標楷體" panose="03000509000000000000" pitchFamily="65" charset="-120"/>
-              </a:rPr>
-              <a:t>是</a:t>
-            </a:r>
-            <a:r>
-              <a:rPr lang="zh-TW" altLang="en-US" dirty="0">
-                <a:latin typeface="Times New Roman" panose="02020603050405020304" pitchFamily="18" charset="0"/>
-                <a:ea typeface="標楷體" panose="03000509000000000000" pitchFamily="65" charset="-120"/>
-              </a:rPr>
-              <a:t>哪</a:t>
-            </a:r>
-            <a:r>
-              <a:rPr lang="zh-TW" altLang="en-US" dirty="0" smtClean="0">
-                <a:latin typeface="Times New Roman" panose="02020603050405020304" pitchFamily="18" charset="0"/>
-                <a:ea typeface="標楷體" panose="03000509000000000000" pitchFamily="65" charset="-120"/>
-              </a:rPr>
-              <a:t>些，並且如何排列能夠滿足</a:t>
-            </a:r>
-            <a:r>
-              <a:rPr lang="zh-TW" altLang="en-US" dirty="0">
-                <a:latin typeface="Times New Roman" panose="02020603050405020304" pitchFamily="18" charset="0"/>
-                <a:ea typeface="標楷體" panose="03000509000000000000" pitchFamily="65" charset="-120"/>
-              </a:rPr>
-              <a:t>最大遞減</a:t>
-            </a:r>
-            <a:r>
-              <a:rPr lang="zh-TW" altLang="en-US" dirty="0" smtClean="0">
-                <a:latin typeface="Times New Roman" panose="02020603050405020304" pitchFamily="18" charset="0"/>
-                <a:ea typeface="標楷體" panose="03000509000000000000" pitchFamily="65" charset="-120"/>
-              </a:rPr>
-              <a:t>關係將其輸出</a:t>
-            </a:r>
-            <a:r>
-              <a:rPr lang="zh-TW" altLang="zh-TW" dirty="0" smtClean="0">
-                <a:latin typeface="Times New Roman" panose="02020603050405020304" pitchFamily="18" charset="0"/>
-                <a:ea typeface="標楷體" panose="03000509000000000000" pitchFamily="65" charset="-120"/>
-              </a:rPr>
-              <a:t>。</a:t>
-            </a:r>
-            <a:r>
-              <a:rPr lang="zh-TW" altLang="en-US" dirty="0">
-                <a:latin typeface="Times New Roman" panose="02020603050405020304" pitchFamily="18" charset="0"/>
-                <a:ea typeface="標楷體" panose="03000509000000000000" pitchFamily="65" charset="-120"/>
-              </a:rPr>
-              <a:t>每組輸出最後都要換行，各數字間以空白字元分開。</a:t>
-            </a:r>
-            <a:endParaRPr lang="en-US" altLang="zh-TW" dirty="0">
+              <a:rPr lang="zh-TW" altLang="en-US" sz="2400">
+                <a:latin typeface="Times New Roman" panose="02020603050405020304" pitchFamily="18" charset="0"/>
+                <a:ea typeface="標楷體" panose="03000509000000000000" pitchFamily="65" charset="-120"/>
+              </a:rPr>
+              <a:t>    　　價值由大到小，名字重複時只取第一個項目</a:t>
+            </a:r>
+            <a:endParaRPr lang="en-US" altLang="zh-TW" sz="2400">
               <a:latin typeface="Times New Roman" panose="02020603050405020304" pitchFamily="18" charset="0"/>
               <a:ea typeface="標楷體" panose="03000509000000000000" pitchFamily="65" charset="-120"/>
             </a:endParaRPr>
           </a:p>
+          <a:p>
+            <a:pPr marL="0" indent="0">
+              <a:buNone/>
+            </a:pPr>
+            <a:endParaRPr lang="en-US" altLang="zh-TW" sz="2400">
+              <a:latin typeface="Times New Roman" panose="02020603050405020304" pitchFamily="18" charset="0"/>
+              <a:ea typeface="標楷體" panose="03000509000000000000" pitchFamily="65" charset="-120"/>
+            </a:endParaRPr>
+          </a:p>
+          <a:p>
+            <a:pPr marL="0" indent="0">
+              <a:buNone/>
+            </a:pPr>
+            <a:r>
+              <a:rPr lang="en-US" altLang="zh-TW" sz="2400">
+                <a:latin typeface="Times New Roman" panose="02020603050405020304" pitchFamily="18" charset="0"/>
+                <a:ea typeface="標楷體" panose="03000509000000000000" pitchFamily="65" charset="-120"/>
+              </a:rPr>
+              <a:t>2. </a:t>
+            </a:r>
+            <a:r>
+              <a:rPr lang="zh-TW" altLang="en-US" sz="2400">
+                <a:latin typeface="Times New Roman" panose="02020603050405020304" pitchFamily="18" charset="0"/>
+                <a:ea typeface="標楷體" panose="03000509000000000000" pitchFamily="65" charset="-120"/>
+              </a:rPr>
+              <a:t>輸出新名單的項目數量，並將其中的名字依序輸出</a:t>
+            </a:r>
+            <a:endParaRPr lang="en-US" altLang="zh-TW" sz="2400">
+              <a:latin typeface="Times New Roman" panose="02020603050405020304" pitchFamily="18" charset="0"/>
+              <a:ea typeface="標楷體" panose="03000509000000000000" pitchFamily="65" charset="-120"/>
+            </a:endParaRPr>
+          </a:p>
+          <a:p>
+            <a:pPr marL="0" indent="0">
+              <a:buNone/>
+            </a:pPr>
+            <a:r>
+              <a:rPr lang="zh-TW" altLang="en-US" sz="2400">
+                <a:latin typeface="Times New Roman" panose="02020603050405020304" pitchFamily="18" charset="0"/>
+                <a:ea typeface="標楷體" panose="03000509000000000000" pitchFamily="65" charset="-120"/>
+              </a:rPr>
+              <a:t>    若有多組解，輸出「以輸入順序作為比較基準」的最小輸入序名單序列</a:t>
+            </a:r>
+            <a:endParaRPr lang="en-US" altLang="zh-TW" sz="2400">
+              <a:latin typeface="Times New Roman" panose="02020603050405020304" pitchFamily="18" charset="0"/>
+              <a:ea typeface="標楷體" panose="03000509000000000000" pitchFamily="65" charset="-120"/>
+            </a:endParaRPr>
+          </a:p>
+          <a:p>
+            <a:pPr marL="0" indent="0">
+              <a:buNone/>
+            </a:pPr>
+            <a:endParaRPr lang="en-US" altLang="zh-TW" sz="2400">
+              <a:latin typeface="Times New Roman" panose="02020603050405020304" pitchFamily="18" charset="0"/>
+              <a:ea typeface="標楷體" panose="03000509000000000000" pitchFamily="65" charset="-120"/>
+            </a:endParaRPr>
+          </a:p>
+          <a:p>
+            <a:pPr marL="0" indent="0">
+              <a:buNone/>
+            </a:pPr>
+            <a:r>
+              <a:rPr lang="zh-TW" altLang="en-US" sz="2400">
+                <a:latin typeface="Times New Roman" panose="02020603050405020304" pitchFamily="18" charset="0"/>
+                <a:ea typeface="標楷體" panose="03000509000000000000" pitchFamily="65" charset="-120"/>
+              </a:rPr>
+              <a:t>必須</a:t>
+            </a:r>
+            <a:r>
+              <a:rPr lang="zh-TW" altLang="zh-TW" sz="2400">
+                <a:latin typeface="Times New Roman" panose="02020603050405020304" pitchFamily="18" charset="0"/>
+                <a:ea typeface="標楷體" panose="03000509000000000000" pitchFamily="65" charset="-120"/>
+              </a:rPr>
+              <a:t>使用</a:t>
+            </a:r>
+            <a:r>
+              <a:rPr lang="en-US" altLang="zh-TW" sz="2400">
+                <a:latin typeface="Times New Roman" panose="02020603050405020304" pitchFamily="18" charset="0"/>
+                <a:ea typeface="標楷體" panose="03000509000000000000" pitchFamily="65" charset="-120"/>
+              </a:rPr>
+              <a:t>STL</a:t>
+            </a:r>
+            <a:r>
+              <a:rPr lang="zh-TW" altLang="zh-TW" sz="2400">
+                <a:latin typeface="Times New Roman" panose="02020603050405020304" pitchFamily="18" charset="0"/>
+                <a:ea typeface="標楷體" panose="03000509000000000000" pitchFamily="65" charset="-120"/>
+              </a:rPr>
+              <a:t>容器與演算法完成，</a:t>
+            </a:r>
+            <a:r>
+              <a:rPr lang="zh-TW" altLang="en-US" sz="2400">
+                <a:latin typeface="Times New Roman" panose="02020603050405020304" pitchFamily="18" charset="0"/>
+                <a:ea typeface="標楷體" panose="03000509000000000000" pitchFamily="65" charset="-120"/>
+              </a:rPr>
+              <a:t>並使用到</a:t>
+            </a:r>
+            <a:r>
+              <a:rPr lang="en-US" altLang="zh-TW" sz="2400">
+                <a:latin typeface="Times New Roman" panose="02020603050405020304" pitchFamily="18" charset="0"/>
+                <a:ea typeface="標楷體" panose="03000509000000000000" pitchFamily="65" charset="-120"/>
+              </a:rPr>
+              <a:t>lambda expression</a:t>
+            </a:r>
+            <a:r>
+              <a:rPr lang="zh-TW" altLang="zh-TW" sz="2400">
+                <a:latin typeface="Times New Roman" panose="02020603050405020304" pitchFamily="18" charset="0"/>
+                <a:ea typeface="標楷體" panose="03000509000000000000" pitchFamily="65" charset="-120"/>
+              </a:rPr>
+              <a:t>，否則不於計分</a:t>
+            </a:r>
+            <a:endParaRPr lang="zh-TW" altLang="en-US" sz="2400">
+              <a:latin typeface="Times New Roman" panose="02020603050405020304" pitchFamily="18" charset="0"/>
+              <a:ea typeface="標楷體" panose="03000509000000000000" pitchFamily="65" charset="-120"/>
+            </a:endParaRPr>
+          </a:p>
         </p:txBody>
       </p:sp>
     </p:spTree>
     <p:extLst>
       <p:ext uri="{BB962C8B-B14F-4D97-AF65-F5344CB8AC3E}">
-        <p14:creationId xmlns:p14="http://schemas.microsoft.com/office/powerpoint/2010/main" val="1808466350"/>
+        <p14:creationId xmlns:p14="http://schemas.microsoft.com/office/powerpoint/2010/main" val="1632378058"/>
       </p:ext>
     </p:extLst>
   </p:cSld>
   <p:clrMapOvr>
     <a:masterClrMapping/>
   </p:clrMapOvr>
-  <p:timing>
-    <p:tnLst>
-      <p:par>
-        <p:cTn id="1" dur="indefinite" restart="never" nodeType="tmRoot"/>
-      </p:par>
-    </p:tnLst>
-  </p:timing>
 </p:sld>
 </file>
 
@@ -5226,10 +5135,10 @@
       </p:sp>
       <p:sp>
         <p:nvSpPr>
-          <p:cNvPr id="8" name="內容版面配置區 7">
+          <p:cNvPr id="3" name="內容版面配置區 2">
             <a:extLst>
               <a:ext uri="{FF2B5EF4-FFF2-40B4-BE49-F238E27FC236}">
-                <a16:creationId xmlns:a16="http://schemas.microsoft.com/office/drawing/2014/main" id="{4F8BD45E-C0B9-4189-91F3-68797BDD0952}"/>
+                <a16:creationId xmlns:a16="http://schemas.microsoft.com/office/drawing/2014/main" id="{7A70C0EA-8BC2-4985-94E5-8B21E13625E4}"/>
               </a:ext>
             </a:extLst>
           </p:cNvPr>
@@ -5237,551 +5146,426 @@
             <a:spLocks noGrp="1"/>
           </p:cNvSpPr>
           <p:nvPr>
-            <p:ph sz="half" idx="1"/>
-          </p:nvPr>
-        </p:nvSpPr>
-        <p:spPr>
-          <a:xfrm>
-            <a:off x="482082" y="1349830"/>
-            <a:ext cx="5474581" cy="5508170"/>
-          </a:xfrm>
-        </p:spPr>
+            <p:ph idx="1"/>
+          </p:nvPr>
+        </p:nvSpPr>
+        <p:spPr/>
         <p:txBody>
           <a:bodyPr>
-            <a:noAutofit/>
+            <a:normAutofit fontScale="92500" lnSpcReduction="10000"/>
           </a:bodyPr>
           <a:lstStyle/>
           <a:p>
             <a:pPr marL="0" indent="0">
+              <a:lnSpc>
+                <a:spcPct val="110000"/>
+              </a:lnSpc>
               <a:buNone/>
             </a:pPr>
             <a:r>
-              <a:rPr lang="zh-TW" altLang="en-US" sz="2000" b="1" dirty="0">
-                <a:latin typeface="Times New Roman" panose="02020603050405020304" pitchFamily="18" charset="0"/>
-                <a:ea typeface="標楷體" panose="03000509000000000000" pitchFamily="65" charset="-120"/>
-              </a:rPr>
-              <a:t>範例輸入：</a:t>
-            </a:r>
-            <a:endParaRPr lang="en-US" altLang="zh-TW" sz="2000" b="1" dirty="0">
+              <a:rPr lang="zh-TW" altLang="zh-TW" b="1" dirty="0">
+                <a:latin typeface="Times New Roman" panose="02020603050405020304" pitchFamily="18" charset="0"/>
+                <a:ea typeface="標楷體" panose="03000509000000000000" pitchFamily="65" charset="-120"/>
+              </a:rPr>
+              <a:t>輸入說明</a:t>
+            </a:r>
+            <a:r>
+              <a:rPr lang="zh-TW" altLang="en-US" b="1" dirty="0">
+                <a:latin typeface="Times New Roman" panose="02020603050405020304" pitchFamily="18" charset="0"/>
+                <a:ea typeface="標楷體" panose="03000509000000000000" pitchFamily="65" charset="-120"/>
+              </a:rPr>
+              <a:t>：</a:t>
+            </a:r>
+            <a:endParaRPr lang="en-US" altLang="zh-TW" dirty="0">
               <a:latin typeface="Times New Roman" panose="02020603050405020304" pitchFamily="18" charset="0"/>
               <a:ea typeface="標楷體" panose="03000509000000000000" pitchFamily="65" charset="-120"/>
             </a:endParaRPr>
           </a:p>
           <a:p>
             <a:pPr marL="0" indent="0">
+              <a:lnSpc>
+                <a:spcPct val="110000"/>
+              </a:lnSpc>
               <a:buNone/>
             </a:pPr>
             <a:r>
-              <a:rPr lang="en-US" altLang="zh-TW" sz="2000" dirty="0">
-                <a:latin typeface="Times New Roman" panose="02020603050405020304" pitchFamily="18" charset="0"/>
-                <a:ea typeface="標楷體" panose="03000509000000000000" pitchFamily="65" charset="-120"/>
-              </a:rPr>
-              <a:t>5 10</a:t>
-            </a:r>
-          </a:p>
-          <a:p>
-            <a:pPr marL="0" indent="0">
-              <a:buNone/>
-            </a:pPr>
-            <a:r>
-              <a:rPr lang="en-US" altLang="zh-TW" sz="2000" dirty="0">
-                <a:latin typeface="Times New Roman" panose="02020603050405020304" pitchFamily="18" charset="0"/>
-                <a:ea typeface="標楷體" panose="03000509000000000000" pitchFamily="65" charset="-120"/>
-              </a:rPr>
-              <a:t>159 178 170 179 193 174 182 184 192 173</a:t>
-            </a:r>
-          </a:p>
-          <a:p>
-            <a:pPr marL="0" indent="0">
-              <a:buNone/>
-            </a:pPr>
-            <a:r>
-              <a:rPr lang="en-US" altLang="zh-TW" sz="2000" dirty="0">
-                <a:latin typeface="Times New Roman" panose="02020603050405020304" pitchFamily="18" charset="0"/>
-                <a:ea typeface="標楷體" panose="03000509000000000000" pitchFamily="65" charset="-120"/>
-              </a:rPr>
-              <a:t>188 169 164 164 173 152 170 186 157 151</a:t>
-            </a:r>
-          </a:p>
-          <a:p>
-            <a:pPr marL="0" indent="0">
-              <a:buNone/>
-            </a:pPr>
-            <a:r>
-              <a:rPr lang="en-US" altLang="zh-TW" sz="2000" dirty="0">
-                <a:latin typeface="Times New Roman" panose="02020603050405020304" pitchFamily="18" charset="0"/>
-                <a:ea typeface="標楷體" panose="03000509000000000000" pitchFamily="65" charset="-120"/>
-              </a:rPr>
-              <a:t>198 161 199 178 172 156 153 154 162 191</a:t>
-            </a:r>
-          </a:p>
-          <a:p>
-            <a:pPr marL="0" indent="0">
-              <a:buNone/>
-            </a:pPr>
-            <a:r>
-              <a:rPr lang="en-US" altLang="zh-TW" sz="2000" dirty="0">
-                <a:latin typeface="Times New Roman" panose="02020603050405020304" pitchFamily="18" charset="0"/>
-                <a:ea typeface="標楷體" panose="03000509000000000000" pitchFamily="65" charset="-120"/>
-              </a:rPr>
-              <a:t>182 170 183 188 181 199 178 178 198 176</a:t>
-            </a:r>
-          </a:p>
-          <a:p>
-            <a:pPr marL="0" indent="0">
-              <a:buNone/>
-            </a:pPr>
-            <a:r>
-              <a:rPr lang="en-US" altLang="zh-TW" sz="2000" dirty="0">
-                <a:latin typeface="Times New Roman" panose="02020603050405020304" pitchFamily="18" charset="0"/>
-                <a:ea typeface="標楷體" panose="03000509000000000000" pitchFamily="65" charset="-120"/>
-              </a:rPr>
-              <a:t>166 155 168 186 150 192 193 166 190 176</a:t>
-            </a:r>
-          </a:p>
-          <a:p>
-            <a:pPr marL="0" indent="0">
-              <a:buNone/>
-            </a:pPr>
-            <a:r>
-              <a:rPr lang="en-US" altLang="zh-TW" sz="2000" dirty="0">
-                <a:latin typeface="Times New Roman" panose="02020603050405020304" pitchFamily="18" charset="0"/>
-                <a:ea typeface="標楷體" panose="03000509000000000000" pitchFamily="65" charset="-120"/>
-              </a:rPr>
-              <a:t>0 </a:t>
-            </a:r>
-            <a:r>
-              <a:rPr lang="en-US" altLang="zh-TW" sz="2000" dirty="0" smtClean="0">
-                <a:latin typeface="Times New Roman" panose="02020603050405020304" pitchFamily="18" charset="0"/>
-                <a:ea typeface="標楷體" panose="03000509000000000000" pitchFamily="65" charset="-120"/>
-              </a:rPr>
-              <a:t>0</a:t>
-            </a:r>
-            <a:endParaRPr lang="en-US" altLang="zh-TW" sz="2000" dirty="0">
+              <a:rPr lang="zh-TW" altLang="en-US" dirty="0">
+                <a:latin typeface="Times New Roman" panose="02020603050405020304" pitchFamily="18" charset="0"/>
+                <a:ea typeface="標楷體" panose="03000509000000000000" pitchFamily="65" charset="-120"/>
+              </a:rPr>
+              <a:t>輸入可以包含多組測資。</a:t>
+            </a:r>
+            <a:endParaRPr lang="en-US" altLang="zh-TW" dirty="0">
               <a:latin typeface="Times New Roman" panose="02020603050405020304" pitchFamily="18" charset="0"/>
               <a:ea typeface="標楷體" panose="03000509000000000000" pitchFamily="65" charset="-120"/>
             </a:endParaRPr>
           </a:p>
           <a:p>
             <a:pPr marL="0" indent="0">
+              <a:lnSpc>
+                <a:spcPct val="110000"/>
+              </a:lnSpc>
               <a:buNone/>
             </a:pPr>
             <a:r>
-              <a:rPr lang="zh-TW" altLang="en-US" sz="2000" b="1" dirty="0">
-                <a:latin typeface="Times New Roman" panose="02020603050405020304" pitchFamily="18" charset="0"/>
-                <a:ea typeface="標楷體" panose="03000509000000000000" pitchFamily="65" charset="-120"/>
-              </a:rPr>
-              <a:t>範例輸出：</a:t>
-            </a:r>
-            <a:endParaRPr lang="en-US" altLang="zh-TW" sz="2000" dirty="0">
+              <a:rPr lang="zh-TW" altLang="zh-TW" dirty="0">
+                <a:latin typeface="Times New Roman" panose="02020603050405020304" pitchFamily="18" charset="0"/>
+                <a:ea typeface="標楷體" panose="03000509000000000000" pitchFamily="65" charset="-120"/>
+              </a:rPr>
+              <a:t>輸入兩個整數</a:t>
+            </a:r>
+            <a:r>
+              <a:rPr lang="en-US" altLang="zh-TW" dirty="0">
+                <a:latin typeface="Times New Roman" panose="02020603050405020304" pitchFamily="18" charset="0"/>
+                <a:ea typeface="標楷體" panose="03000509000000000000" pitchFamily="65" charset="-120"/>
+              </a:rPr>
+              <a:t>M, N</a:t>
+            </a:r>
+            <a:r>
+              <a:rPr lang="zh-TW" altLang="en-US" dirty="0">
+                <a:latin typeface="Times New Roman" panose="02020603050405020304" pitchFamily="18" charset="0"/>
+                <a:ea typeface="標楷體" panose="03000509000000000000" pitchFamily="65" charset="-120"/>
+              </a:rPr>
+              <a:t>，</a:t>
+            </a:r>
+            <a:r>
+              <a:rPr lang="en-US" altLang="zh-TW" dirty="0">
+                <a:latin typeface="Times New Roman" panose="02020603050405020304" pitchFamily="18" charset="0"/>
+                <a:ea typeface="標楷體" panose="03000509000000000000" pitchFamily="65" charset="-120"/>
+              </a:rPr>
+              <a:t>M</a:t>
+            </a:r>
+            <a:r>
+              <a:rPr lang="zh-TW" altLang="zh-TW" dirty="0">
+                <a:latin typeface="Times New Roman" panose="02020603050405020304" pitchFamily="18" charset="0"/>
+                <a:ea typeface="標楷體" panose="03000509000000000000" pitchFamily="65" charset="-120"/>
+              </a:rPr>
+              <a:t>表示</a:t>
+            </a:r>
+            <a:r>
+              <a:rPr lang="en-US" altLang="zh-TW" dirty="0">
+                <a:latin typeface="Times New Roman" panose="02020603050405020304" pitchFamily="18" charset="0"/>
+                <a:ea typeface="標楷體" panose="03000509000000000000" pitchFamily="65" charset="-120"/>
+              </a:rPr>
+              <a:t>group</a:t>
+            </a:r>
+            <a:r>
+              <a:rPr lang="zh-TW" altLang="zh-TW" dirty="0">
+                <a:latin typeface="Times New Roman" panose="02020603050405020304" pitchFamily="18" charset="0"/>
+                <a:ea typeface="標楷體" panose="03000509000000000000" pitchFamily="65" charset="-120"/>
+              </a:rPr>
+              <a:t>數目</a:t>
+            </a:r>
+            <a:r>
+              <a:rPr lang="en-US" altLang="zh-TW" dirty="0">
+                <a:latin typeface="Times New Roman" panose="02020603050405020304" pitchFamily="18" charset="0"/>
+                <a:ea typeface="標楷體" panose="03000509000000000000" pitchFamily="65" charset="-120"/>
+              </a:rPr>
+              <a:t>(1 &lt;= M &lt;= 500)</a:t>
+            </a:r>
+            <a:r>
+              <a:rPr lang="zh-TW" altLang="zh-TW" dirty="0">
+                <a:latin typeface="Times New Roman" panose="02020603050405020304" pitchFamily="18" charset="0"/>
+                <a:ea typeface="標楷體" panose="03000509000000000000" pitchFamily="65" charset="-120"/>
+              </a:rPr>
+              <a:t>，</a:t>
+            </a:r>
+            <a:r>
+              <a:rPr lang="en-US" altLang="zh-TW" dirty="0">
+                <a:latin typeface="Times New Roman" panose="02020603050405020304" pitchFamily="18" charset="0"/>
+                <a:ea typeface="標楷體" panose="03000509000000000000" pitchFamily="65" charset="-120"/>
+              </a:rPr>
+              <a:t>N</a:t>
+            </a:r>
+            <a:r>
+              <a:rPr lang="zh-TW" altLang="zh-TW" dirty="0">
+                <a:latin typeface="Times New Roman" panose="02020603050405020304" pitchFamily="18" charset="0"/>
+                <a:ea typeface="標楷體" panose="03000509000000000000" pitchFamily="65" charset="-120"/>
+              </a:rPr>
+              <a:t>表示</a:t>
+            </a:r>
+            <a:r>
+              <a:rPr lang="en-US" altLang="zh-TW" dirty="0">
+                <a:latin typeface="Times New Roman" panose="02020603050405020304" pitchFamily="18" charset="0"/>
+                <a:ea typeface="標楷體" panose="03000509000000000000" pitchFamily="65" charset="-120"/>
+              </a:rPr>
+              <a:t>group</a:t>
+            </a:r>
+            <a:r>
+              <a:rPr lang="zh-TW" altLang="zh-TW" dirty="0">
+                <a:latin typeface="Times New Roman" panose="02020603050405020304" pitchFamily="18" charset="0"/>
+                <a:ea typeface="標楷體" panose="03000509000000000000" pitchFamily="65" charset="-120"/>
+              </a:rPr>
+              <a:t>的大小</a:t>
+            </a:r>
+            <a:r>
+              <a:rPr lang="en-US" altLang="zh-TW" dirty="0">
+                <a:latin typeface="Times New Roman" panose="02020603050405020304" pitchFamily="18" charset="0"/>
+                <a:ea typeface="標楷體" panose="03000509000000000000" pitchFamily="65" charset="-120"/>
+              </a:rPr>
+              <a:t>(1 &lt;= N &lt;= 500)</a:t>
+            </a:r>
+            <a:r>
+              <a:rPr lang="zh-TW" altLang="zh-TW" dirty="0">
+                <a:latin typeface="Times New Roman" panose="02020603050405020304" pitchFamily="18" charset="0"/>
+                <a:ea typeface="標楷體" panose="03000509000000000000" pitchFamily="65" charset="-120"/>
+              </a:rPr>
+              <a:t>。接下來</a:t>
+            </a:r>
+            <a:r>
+              <a:rPr lang="en-US" altLang="zh-TW" dirty="0">
+                <a:latin typeface="Times New Roman" panose="02020603050405020304" pitchFamily="18" charset="0"/>
+                <a:ea typeface="標楷體" panose="03000509000000000000" pitchFamily="65" charset="-120"/>
+              </a:rPr>
+              <a:t>M</a:t>
+            </a:r>
+            <a:r>
+              <a:rPr lang="zh-TW" altLang="zh-TW" dirty="0">
+                <a:latin typeface="Times New Roman" panose="02020603050405020304" pitchFamily="18" charset="0"/>
+                <a:ea typeface="標楷體" panose="03000509000000000000" pitchFamily="65" charset="-120"/>
+              </a:rPr>
+              <a:t>行</a:t>
+            </a:r>
+            <a:r>
+              <a:rPr lang="zh-TW" altLang="en-US" dirty="0">
+                <a:latin typeface="Times New Roman" panose="02020603050405020304" pitchFamily="18" charset="0"/>
+                <a:ea typeface="標楷體" panose="03000509000000000000" pitchFamily="65" charset="-120"/>
+              </a:rPr>
+              <a:t>各</a:t>
+            </a:r>
+            <a:r>
+              <a:rPr lang="zh-TW" altLang="zh-TW" dirty="0">
+                <a:latin typeface="Times New Roman" panose="02020603050405020304" pitchFamily="18" charset="0"/>
+                <a:ea typeface="標楷體" panose="03000509000000000000" pitchFamily="65" charset="-120"/>
+              </a:rPr>
+              <a:t>輸入</a:t>
+            </a:r>
+            <a:r>
+              <a:rPr lang="en-US" altLang="zh-TW" dirty="0">
+                <a:latin typeface="Times New Roman" panose="02020603050405020304" pitchFamily="18" charset="0"/>
+                <a:ea typeface="標楷體" panose="03000509000000000000" pitchFamily="65" charset="-120"/>
+              </a:rPr>
+              <a:t>N</a:t>
+            </a:r>
+            <a:r>
+              <a:rPr lang="zh-TW" altLang="zh-TW" dirty="0">
+                <a:latin typeface="Times New Roman" panose="02020603050405020304" pitchFamily="18" charset="0"/>
+                <a:ea typeface="標楷體" panose="03000509000000000000" pitchFamily="65" charset="-120"/>
+              </a:rPr>
+              <a:t>個數字</a:t>
+            </a:r>
+            <a:r>
+              <a:rPr lang="en-US" altLang="zh-TW" dirty="0" err="1">
+                <a:latin typeface="Times New Roman" panose="02020603050405020304" pitchFamily="18" charset="0"/>
+                <a:ea typeface="標楷體" panose="03000509000000000000" pitchFamily="65" charset="-120"/>
+              </a:rPr>
+              <a:t>k</a:t>
+            </a:r>
+            <a:r>
+              <a:rPr lang="en-US" altLang="zh-TW" sz="2000" dirty="0" err="1">
+                <a:latin typeface="Times New Roman" panose="02020603050405020304" pitchFamily="18" charset="0"/>
+                <a:ea typeface="標楷體" panose="03000509000000000000" pitchFamily="65" charset="-120"/>
+              </a:rPr>
+              <a:t>i</a:t>
+            </a:r>
+            <a:r>
+              <a:rPr lang="en-US" altLang="zh-TW" sz="2000" dirty="0">
+                <a:latin typeface="Times New Roman" panose="02020603050405020304" pitchFamily="18" charset="0"/>
+                <a:ea typeface="標楷體" panose="03000509000000000000" pitchFamily="65" charset="-120"/>
+              </a:rPr>
+              <a:t> </a:t>
+            </a:r>
+            <a:r>
+              <a:rPr lang="en-US" altLang="zh-TW" dirty="0">
+                <a:latin typeface="Times New Roman" panose="02020603050405020304" pitchFamily="18" charset="0"/>
+                <a:ea typeface="標楷體" panose="03000509000000000000" pitchFamily="65" charset="-120"/>
+              </a:rPr>
+              <a:t>(1 &lt;= </a:t>
+            </a:r>
+            <a:r>
+              <a:rPr lang="en-US" altLang="zh-TW" dirty="0" err="1">
+                <a:latin typeface="Times New Roman" panose="02020603050405020304" pitchFamily="18" charset="0"/>
+                <a:ea typeface="標楷體" panose="03000509000000000000" pitchFamily="65" charset="-120"/>
+              </a:rPr>
+              <a:t>k</a:t>
+            </a:r>
+            <a:r>
+              <a:rPr lang="en-US" altLang="zh-TW" sz="2000" dirty="0" err="1">
+                <a:latin typeface="Times New Roman" panose="02020603050405020304" pitchFamily="18" charset="0"/>
+                <a:ea typeface="標楷體" panose="03000509000000000000" pitchFamily="65" charset="-120"/>
+              </a:rPr>
+              <a:t>i</a:t>
+            </a:r>
+            <a:r>
+              <a:rPr lang="en-US" altLang="zh-TW" dirty="0">
+                <a:latin typeface="Times New Roman" panose="02020603050405020304" pitchFamily="18" charset="0"/>
+                <a:ea typeface="標楷體" panose="03000509000000000000" pitchFamily="65" charset="-120"/>
+              </a:rPr>
+              <a:t> &lt;= 1000000000)</a:t>
+            </a:r>
+            <a:r>
+              <a:rPr lang="zh-TW" altLang="zh-TW" dirty="0">
+                <a:latin typeface="Times New Roman" panose="02020603050405020304" pitchFamily="18" charset="0"/>
+                <a:ea typeface="標楷體" panose="03000509000000000000" pitchFamily="65" charset="-120"/>
+              </a:rPr>
+              <a:t>。</a:t>
+            </a:r>
+            <a:r>
+              <a:rPr lang="en-US" altLang="zh-TW" dirty="0">
+                <a:latin typeface="Times New Roman" panose="02020603050405020304" pitchFamily="18" charset="0"/>
+                <a:ea typeface="標楷體" panose="03000509000000000000" pitchFamily="65" charset="-120"/>
+              </a:rPr>
+              <a:t>0 0 </a:t>
+            </a:r>
+            <a:r>
+              <a:rPr lang="zh-TW" altLang="zh-TW" dirty="0">
+                <a:latin typeface="Times New Roman" panose="02020603050405020304" pitchFamily="18" charset="0"/>
+                <a:ea typeface="標楷體" panose="03000509000000000000" pitchFamily="65" charset="-120"/>
+              </a:rPr>
+              <a:t>代表結束。</a:t>
+            </a:r>
+          </a:p>
+          <a:p>
+            <a:pPr marL="0" indent="0">
+              <a:lnSpc>
+                <a:spcPct val="110000"/>
+              </a:lnSpc>
+              <a:buNone/>
+            </a:pPr>
+            <a:r>
+              <a:rPr lang="zh-TW" altLang="zh-TW" b="1" dirty="0">
+                <a:latin typeface="Times New Roman" panose="02020603050405020304" pitchFamily="18" charset="0"/>
+                <a:ea typeface="標楷體" panose="03000509000000000000" pitchFamily="65" charset="-120"/>
+              </a:rPr>
+              <a:t>輸出說明</a:t>
+            </a:r>
+            <a:r>
+              <a:rPr lang="zh-TW" altLang="en-US" b="1" dirty="0">
+                <a:latin typeface="Times New Roman" panose="02020603050405020304" pitchFamily="18" charset="0"/>
+                <a:ea typeface="標楷體" panose="03000509000000000000" pitchFamily="65" charset="-120"/>
+              </a:rPr>
+              <a:t>：</a:t>
+            </a:r>
+            <a:endParaRPr lang="zh-TW" altLang="zh-TW" dirty="0">
               <a:latin typeface="Times New Roman" panose="02020603050405020304" pitchFamily="18" charset="0"/>
               <a:ea typeface="標楷體" panose="03000509000000000000" pitchFamily="65" charset="-120"/>
             </a:endParaRPr>
           </a:p>
           <a:p>
             <a:pPr marL="0" indent="0">
+              <a:lnSpc>
+                <a:spcPct val="110000"/>
+              </a:lnSpc>
               <a:buNone/>
             </a:pPr>
             <a:r>
-              <a:rPr lang="en-US" altLang="zh-TW" sz="2000" dirty="0" smtClean="0">
-                <a:latin typeface="Times New Roman" panose="02020603050405020304" pitchFamily="18" charset="0"/>
-                <a:ea typeface="標楷體" panose="03000509000000000000" pitchFamily="65" charset="-120"/>
-              </a:rPr>
-              <a:t>3</a:t>
-            </a:r>
-          </a:p>
-          <a:p>
-            <a:pPr marL="0" indent="0">
-              <a:buNone/>
-            </a:pPr>
-            <a:r>
-              <a:rPr lang="en-US" altLang="zh-TW" sz="2000" dirty="0">
-                <a:latin typeface="Times New Roman" panose="02020603050405020304" pitchFamily="18" charset="0"/>
-                <a:ea typeface="標楷體" panose="03000509000000000000" pitchFamily="65" charset="-120"/>
-              </a:rPr>
-              <a:t>182 170 183 188 181 199 178 178 198 176</a:t>
-            </a:r>
-          </a:p>
-          <a:p>
-            <a:pPr marL="0" indent="0">
-              <a:buNone/>
-            </a:pPr>
-            <a:r>
-              <a:rPr lang="en-US" altLang="zh-TW" sz="2000" dirty="0">
-                <a:latin typeface="Times New Roman" panose="02020603050405020304" pitchFamily="18" charset="0"/>
-                <a:ea typeface="標楷體" panose="03000509000000000000" pitchFamily="65" charset="-120"/>
-              </a:rPr>
-              <a:t>179 159 182 184 178 193 173 174 192 170</a:t>
-            </a:r>
-          </a:p>
-          <a:p>
-            <a:pPr marL="0" indent="0">
-              <a:buNone/>
-            </a:pPr>
-            <a:r>
-              <a:rPr lang="en-US" altLang="zh-TW" sz="2000" dirty="0">
-                <a:latin typeface="Times New Roman" panose="02020603050405020304" pitchFamily="18" charset="0"/>
-                <a:ea typeface="標楷體" panose="03000509000000000000" pitchFamily="65" charset="-120"/>
-              </a:rPr>
-              <a:t>169 151 170 173 164 188 157 164 186 152</a:t>
-            </a:r>
-          </a:p>
-        </p:txBody>
-      </p:sp>
-      <p:sp>
-        <p:nvSpPr>
-          <p:cNvPr id="9" name="內容版面配置區 8">
-            <a:extLst>
-              <a:ext uri="{FF2B5EF4-FFF2-40B4-BE49-F238E27FC236}">
-                <a16:creationId xmlns:a16="http://schemas.microsoft.com/office/drawing/2014/main" id="{68958E9B-30D2-4821-8520-6F237B5A7ADE}"/>
-              </a:ext>
-            </a:extLst>
-          </p:cNvPr>
-          <p:cNvSpPr>
-            <a:spLocks noGrp="1"/>
-          </p:cNvSpPr>
-          <p:nvPr>
-            <p:ph sz="half" idx="2"/>
-          </p:nvPr>
-        </p:nvSpPr>
-        <p:spPr>
-          <a:xfrm>
-            <a:off x="6172199" y="365125"/>
-            <a:ext cx="5826967" cy="6278271"/>
-          </a:xfrm>
-        </p:spPr>
-        <p:txBody>
-          <a:bodyPr>
-            <a:noAutofit/>
-          </a:bodyPr>
-          <a:lstStyle/>
-          <a:p>
-            <a:pPr marL="0" indent="0">
-              <a:lnSpc>
-                <a:spcPct val="120000"/>
-              </a:lnSpc>
-              <a:buNone/>
-            </a:pPr>
-            <a:r>
-              <a:rPr lang="zh-TW" altLang="en-US" sz="2000" b="1" dirty="0">
-                <a:latin typeface="Times New Roman" panose="02020603050405020304" pitchFamily="18" charset="0"/>
-                <a:ea typeface="標楷體" panose="03000509000000000000" pitchFamily="65" charset="-120"/>
-              </a:rPr>
-              <a:t>說明：</a:t>
-            </a:r>
-            <a:endParaRPr lang="en-US" altLang="zh-TW" sz="2000" b="1" dirty="0">
+              <a:rPr lang="zh-TW" altLang="en-US" dirty="0">
+                <a:latin typeface="Times New Roman" panose="02020603050405020304" pitchFamily="18" charset="0"/>
+                <a:ea typeface="標楷體" panose="03000509000000000000" pitchFamily="65" charset="-120"/>
+              </a:rPr>
+              <a:t>對於每組測資，</a:t>
+            </a:r>
+            <a:r>
+              <a:rPr lang="zh-TW" altLang="zh-TW" dirty="0">
+                <a:latin typeface="Times New Roman" panose="02020603050405020304" pitchFamily="18" charset="0"/>
+                <a:ea typeface="標楷體" panose="03000509000000000000" pitchFamily="65" charset="-120"/>
+              </a:rPr>
+              <a:t>輸出</a:t>
+            </a:r>
+            <a:r>
+              <a:rPr lang="en-US" altLang="zh-TW" dirty="0">
+                <a:latin typeface="Times New Roman" panose="02020603050405020304" pitchFamily="18" charset="0"/>
+                <a:ea typeface="標楷體" panose="03000509000000000000" pitchFamily="65" charset="-120"/>
+              </a:rPr>
+              <a:t>1</a:t>
+            </a:r>
+            <a:r>
+              <a:rPr lang="zh-TW" altLang="zh-TW" dirty="0">
+                <a:latin typeface="Times New Roman" panose="02020603050405020304" pitchFamily="18" charset="0"/>
+                <a:ea typeface="標楷體" panose="03000509000000000000" pitchFamily="65" charset="-120"/>
+              </a:rPr>
+              <a:t>個最大</a:t>
+            </a:r>
+            <a:r>
+              <a:rPr lang="zh-TW" altLang="en-US" dirty="0">
+                <a:latin typeface="Times New Roman" panose="02020603050405020304" pitchFamily="18" charset="0"/>
+                <a:ea typeface="標楷體" panose="03000509000000000000" pitchFamily="65" charset="-120"/>
+              </a:rPr>
+              <a:t>組</a:t>
+            </a:r>
+            <a:r>
+              <a:rPr lang="zh-TW" altLang="zh-TW" dirty="0">
+                <a:latin typeface="Times New Roman" panose="02020603050405020304" pitchFamily="18" charset="0"/>
+                <a:ea typeface="標楷體" panose="03000509000000000000" pitchFamily="65" charset="-120"/>
+              </a:rPr>
+              <a:t>數長度，</a:t>
+            </a:r>
+            <a:r>
+              <a:rPr lang="zh-TW" altLang="en-US" dirty="0">
+                <a:latin typeface="Times New Roman" panose="02020603050405020304" pitchFamily="18" charset="0"/>
+                <a:ea typeface="標楷體" panose="03000509000000000000" pitchFamily="65" charset="-120"/>
+              </a:rPr>
+              <a:t>然後依序</a:t>
+            </a:r>
+            <a:r>
+              <a:rPr lang="zh-TW" altLang="zh-TW" dirty="0">
+                <a:latin typeface="Times New Roman" panose="02020603050405020304" pitchFamily="18" charset="0"/>
+                <a:ea typeface="標楷體" panose="03000509000000000000" pitchFamily="65" charset="-120"/>
+              </a:rPr>
+              <a:t>輸出構成最大組的</a:t>
+            </a:r>
+            <a:r>
+              <a:rPr lang="en-US" altLang="zh-TW" dirty="0">
+                <a:latin typeface="Times New Roman" panose="02020603050405020304" pitchFamily="18" charset="0"/>
+                <a:ea typeface="標楷體" panose="03000509000000000000" pitchFamily="65" charset="-120"/>
+              </a:rPr>
+              <a:t>group</a:t>
+            </a:r>
+            <a:r>
+              <a:rPr lang="zh-TW" altLang="zh-TW" dirty="0">
+                <a:latin typeface="Times New Roman" panose="02020603050405020304" pitchFamily="18" charset="0"/>
+                <a:ea typeface="標楷體" panose="03000509000000000000" pitchFamily="65" charset="-120"/>
+              </a:rPr>
+              <a:t>是</a:t>
+            </a:r>
+            <a:r>
+              <a:rPr lang="zh-TW" altLang="en-US" dirty="0">
+                <a:latin typeface="Times New Roman" panose="02020603050405020304" pitchFamily="18" charset="0"/>
+                <a:ea typeface="標楷體" panose="03000509000000000000" pitchFamily="65" charset="-120"/>
+              </a:rPr>
+              <a:t>哪些，並且如何排列能夠滿足最大遞減關係將其輸出</a:t>
+            </a:r>
+            <a:r>
+              <a:rPr lang="zh-TW" altLang="zh-TW" dirty="0">
+                <a:latin typeface="Times New Roman" panose="02020603050405020304" pitchFamily="18" charset="0"/>
+                <a:ea typeface="標楷體" panose="03000509000000000000" pitchFamily="65" charset="-120"/>
+              </a:rPr>
+              <a:t>。</a:t>
+            </a:r>
+            <a:r>
+              <a:rPr lang="zh-TW" altLang="en-US" dirty="0">
+                <a:latin typeface="Times New Roman" panose="02020603050405020304" pitchFamily="18" charset="0"/>
+                <a:ea typeface="標楷體" panose="03000509000000000000" pitchFamily="65" charset="-120"/>
+              </a:rPr>
+              <a:t>每組輸出最後都要換行，各數字間以空白字元分開。</a:t>
+            </a:r>
+            <a:endParaRPr lang="en-US" altLang="zh-TW" dirty="0">
               <a:latin typeface="Times New Roman" panose="02020603050405020304" pitchFamily="18" charset="0"/>
               <a:ea typeface="標楷體" panose="03000509000000000000" pitchFamily="65" charset="-120"/>
             </a:endParaRPr>
           </a:p>
-          <a:p>
-            <a:pPr marL="0" indent="0">
-              <a:lnSpc>
-                <a:spcPct val="120000"/>
-              </a:lnSpc>
-              <a:buNone/>
-            </a:pPr>
-            <a:r>
-              <a:rPr lang="zh-TW" altLang="en-US" sz="2000" dirty="0">
-                <a:latin typeface="Times New Roman" panose="02020603050405020304" pitchFamily="18" charset="0"/>
-                <a:ea typeface="標楷體" panose="03000509000000000000" pitchFamily="65" charset="-120"/>
-              </a:rPr>
-              <a:t>範例輸入的唯一一組測資中，</a:t>
-            </a:r>
-            <a:endParaRPr lang="en-US" altLang="zh-TW" sz="2000" dirty="0">
-              <a:latin typeface="Times New Roman" panose="02020603050405020304" pitchFamily="18" charset="0"/>
-              <a:ea typeface="標楷體" panose="03000509000000000000" pitchFamily="65" charset="-120"/>
-            </a:endParaRPr>
-          </a:p>
-          <a:p>
-            <a:pPr marL="0" indent="0">
-              <a:lnSpc>
-                <a:spcPct val="120000"/>
-              </a:lnSpc>
-              <a:buNone/>
-            </a:pPr>
-            <a:r>
-              <a:rPr lang="en-US" altLang="zh-TW" sz="2000" dirty="0">
-                <a:latin typeface="Times New Roman" panose="02020603050405020304" pitchFamily="18" charset="0"/>
-                <a:ea typeface="標楷體" panose="03000509000000000000" pitchFamily="65" charset="-120"/>
-              </a:rPr>
-              <a:t>Group1:</a:t>
-            </a:r>
-            <a:r>
-              <a:rPr lang="zh-TW" altLang="en-US" sz="2000" dirty="0">
-                <a:latin typeface="Times New Roman" panose="02020603050405020304" pitchFamily="18" charset="0"/>
-                <a:ea typeface="標楷體" panose="03000509000000000000" pitchFamily="65" charset="-120"/>
-              </a:rPr>
-              <a:t> </a:t>
-            </a:r>
-            <a:r>
-              <a:rPr lang="en-US" altLang="zh-TW" sz="2000" dirty="0">
-                <a:latin typeface="Times New Roman" panose="02020603050405020304" pitchFamily="18" charset="0"/>
-                <a:ea typeface="標楷體" panose="03000509000000000000" pitchFamily="65" charset="-120"/>
-              </a:rPr>
-              <a:t>159 178 170 179 193 174 182 184 192 173</a:t>
-            </a:r>
-          </a:p>
-          <a:p>
-            <a:pPr marL="0" indent="0">
-              <a:lnSpc>
-                <a:spcPct val="120000"/>
-              </a:lnSpc>
-              <a:buNone/>
-            </a:pPr>
-            <a:r>
-              <a:rPr lang="en-US" altLang="zh-TW" sz="2000" dirty="0">
-                <a:latin typeface="Times New Roman" panose="02020603050405020304" pitchFamily="18" charset="0"/>
-                <a:ea typeface="標楷體" panose="03000509000000000000" pitchFamily="65" charset="-120"/>
-              </a:rPr>
-              <a:t>Group2:</a:t>
-            </a:r>
-            <a:r>
-              <a:rPr lang="zh-TW" altLang="en-US" sz="2000" dirty="0">
-                <a:latin typeface="Times New Roman" panose="02020603050405020304" pitchFamily="18" charset="0"/>
-                <a:ea typeface="標楷體" panose="03000509000000000000" pitchFamily="65" charset="-120"/>
-              </a:rPr>
-              <a:t> </a:t>
-            </a:r>
-            <a:r>
-              <a:rPr lang="en-US" altLang="zh-TW" sz="2000" dirty="0">
-                <a:latin typeface="Times New Roman" panose="02020603050405020304" pitchFamily="18" charset="0"/>
-                <a:ea typeface="標楷體" panose="03000509000000000000" pitchFamily="65" charset="-120"/>
-              </a:rPr>
-              <a:t>188 169 164 164 173 152 170 186 157 151</a:t>
-            </a:r>
-          </a:p>
-          <a:p>
-            <a:pPr marL="0" indent="0">
-              <a:lnSpc>
-                <a:spcPct val="120000"/>
-              </a:lnSpc>
-              <a:buNone/>
-            </a:pPr>
-            <a:r>
-              <a:rPr lang="en-US" altLang="zh-TW" sz="2000" dirty="0">
-                <a:latin typeface="Times New Roman" panose="02020603050405020304" pitchFamily="18" charset="0"/>
-                <a:ea typeface="標楷體" panose="03000509000000000000" pitchFamily="65" charset="-120"/>
-              </a:rPr>
-              <a:t>Group3:</a:t>
-            </a:r>
-            <a:r>
-              <a:rPr lang="zh-TW" altLang="en-US" sz="2000" dirty="0">
-                <a:latin typeface="Times New Roman" panose="02020603050405020304" pitchFamily="18" charset="0"/>
-                <a:ea typeface="標楷體" panose="03000509000000000000" pitchFamily="65" charset="-120"/>
-              </a:rPr>
-              <a:t> </a:t>
-            </a:r>
-            <a:r>
-              <a:rPr lang="en-US" altLang="zh-TW" sz="2000" dirty="0">
-                <a:latin typeface="Times New Roman" panose="02020603050405020304" pitchFamily="18" charset="0"/>
-                <a:ea typeface="標楷體" panose="03000509000000000000" pitchFamily="65" charset="-120"/>
-              </a:rPr>
-              <a:t>198 161 199 178 172 156 153 154 162 191</a:t>
-            </a:r>
-          </a:p>
-          <a:p>
-            <a:pPr marL="0" indent="0">
-              <a:lnSpc>
-                <a:spcPct val="120000"/>
-              </a:lnSpc>
-              <a:buNone/>
-            </a:pPr>
-            <a:r>
-              <a:rPr lang="en-US" altLang="zh-TW" sz="2000" dirty="0">
-                <a:latin typeface="Times New Roman" panose="02020603050405020304" pitchFamily="18" charset="0"/>
-                <a:ea typeface="標楷體" panose="03000509000000000000" pitchFamily="65" charset="-120"/>
-              </a:rPr>
-              <a:t>Group4:</a:t>
-            </a:r>
-            <a:r>
-              <a:rPr lang="zh-TW" altLang="en-US" sz="2000" dirty="0">
-                <a:latin typeface="Times New Roman" panose="02020603050405020304" pitchFamily="18" charset="0"/>
-                <a:ea typeface="標楷體" panose="03000509000000000000" pitchFamily="65" charset="-120"/>
-              </a:rPr>
-              <a:t> </a:t>
-            </a:r>
-            <a:r>
-              <a:rPr lang="en-US" altLang="zh-TW" sz="2000" dirty="0">
-                <a:latin typeface="Times New Roman" panose="02020603050405020304" pitchFamily="18" charset="0"/>
-                <a:ea typeface="標楷體" panose="03000509000000000000" pitchFamily="65" charset="-120"/>
-              </a:rPr>
-              <a:t>182 170 183 188 181 199 178 178 198 176</a:t>
-            </a:r>
-          </a:p>
-          <a:p>
-            <a:pPr marL="0" indent="0">
-              <a:lnSpc>
-                <a:spcPct val="120000"/>
-              </a:lnSpc>
-              <a:buNone/>
-            </a:pPr>
-            <a:r>
-              <a:rPr lang="en-US" altLang="zh-TW" sz="2000" dirty="0">
-                <a:latin typeface="Times New Roman" panose="02020603050405020304" pitchFamily="18" charset="0"/>
-                <a:ea typeface="標楷體" panose="03000509000000000000" pitchFamily="65" charset="-120"/>
-              </a:rPr>
-              <a:t>Group5:</a:t>
-            </a:r>
-            <a:r>
-              <a:rPr lang="zh-TW" altLang="en-US" sz="2000" dirty="0">
-                <a:latin typeface="Times New Roman" panose="02020603050405020304" pitchFamily="18" charset="0"/>
-                <a:ea typeface="標楷體" panose="03000509000000000000" pitchFamily="65" charset="-120"/>
-              </a:rPr>
-              <a:t> </a:t>
-            </a:r>
-            <a:r>
-              <a:rPr lang="en-US" altLang="zh-TW" sz="2000" dirty="0">
-                <a:latin typeface="Times New Roman" panose="02020603050405020304" pitchFamily="18" charset="0"/>
-                <a:ea typeface="標楷體" panose="03000509000000000000" pitchFamily="65" charset="-120"/>
-              </a:rPr>
-              <a:t>166 155 168 186 150 192 193 166 190 176</a:t>
-            </a:r>
-          </a:p>
-          <a:p>
-            <a:pPr marL="0" indent="0">
-              <a:lnSpc>
-                <a:spcPct val="120000"/>
-              </a:lnSpc>
-              <a:buNone/>
-            </a:pPr>
-            <a:r>
-              <a:rPr lang="zh-TW" altLang="en-US" sz="2000" dirty="0">
-                <a:latin typeface="Times New Roman" panose="02020603050405020304" pitchFamily="18" charset="0"/>
-                <a:ea typeface="標楷體" panose="03000509000000000000" pitchFamily="65" charset="-120"/>
-              </a:rPr>
-              <a:t>更動數列後，最多可得</a:t>
-            </a:r>
-            <a:r>
-              <a:rPr lang="en-US" altLang="zh-TW" sz="2000" dirty="0">
-                <a:latin typeface="Times New Roman" panose="02020603050405020304" pitchFamily="18" charset="0"/>
-                <a:ea typeface="標楷體" panose="03000509000000000000" pitchFamily="65" charset="-120"/>
-              </a:rPr>
-              <a:t>3</a:t>
-            </a:r>
-            <a:r>
-              <a:rPr lang="zh-TW" altLang="en-US" sz="2000" dirty="0">
-                <a:latin typeface="Times New Roman" panose="02020603050405020304" pitchFamily="18" charset="0"/>
-                <a:ea typeface="標楷體" panose="03000509000000000000" pitchFamily="65" charset="-120"/>
-              </a:rPr>
-              <a:t>個以下排列的</a:t>
-            </a:r>
-            <a:r>
-              <a:rPr lang="en-US" altLang="zh-TW" sz="2000" dirty="0">
-                <a:latin typeface="Times New Roman" panose="02020603050405020304" pitchFamily="18" charset="0"/>
-                <a:ea typeface="標楷體" panose="03000509000000000000" pitchFamily="65" charset="-120"/>
-              </a:rPr>
-              <a:t>group(s)</a:t>
-            </a:r>
-            <a:r>
-              <a:rPr lang="zh-TW" altLang="en-US" sz="2000" dirty="0">
-                <a:latin typeface="Times New Roman" panose="02020603050405020304" pitchFamily="18" charset="0"/>
-                <a:ea typeface="標楷體" panose="03000509000000000000" pitchFamily="65" charset="-120"/>
-              </a:rPr>
-              <a:t>符合題意要求：</a:t>
-            </a:r>
-            <a:endParaRPr lang="en-US" altLang="zh-TW" sz="2000" dirty="0">
-              <a:latin typeface="Times New Roman" panose="02020603050405020304" pitchFamily="18" charset="0"/>
-              <a:ea typeface="標楷體" panose="03000509000000000000" pitchFamily="65" charset="-120"/>
-            </a:endParaRPr>
-          </a:p>
-          <a:p>
-            <a:pPr marL="0" indent="0">
-              <a:lnSpc>
-                <a:spcPct val="120000"/>
-              </a:lnSpc>
-              <a:buNone/>
-            </a:pPr>
-            <a:r>
-              <a:rPr lang="en-US" altLang="zh-TW" sz="2000" dirty="0">
-                <a:latin typeface="Times New Roman" panose="02020603050405020304" pitchFamily="18" charset="0"/>
-                <a:ea typeface="標楷體" panose="03000509000000000000" pitchFamily="65" charset="-120"/>
-              </a:rPr>
-              <a:t>Group 4: 182 170 183 188 181 199 178 178 198 176</a:t>
-            </a:r>
-          </a:p>
-          <a:p>
-            <a:pPr marL="0" indent="0">
-              <a:lnSpc>
-                <a:spcPct val="120000"/>
-              </a:lnSpc>
-              <a:buNone/>
-            </a:pPr>
-            <a:r>
-              <a:rPr lang="en-US" altLang="zh-TW" sz="2000" dirty="0">
-                <a:latin typeface="Times New Roman" panose="02020603050405020304" pitchFamily="18" charset="0"/>
-                <a:ea typeface="標楷體" panose="03000509000000000000" pitchFamily="65" charset="-120"/>
-              </a:rPr>
-              <a:t>Group 1: 179 159 182 184 178 193 173 174 192 170</a:t>
-            </a:r>
-          </a:p>
-          <a:p>
-            <a:pPr marL="0" indent="0">
-              <a:lnSpc>
-                <a:spcPct val="120000"/>
-              </a:lnSpc>
-              <a:buNone/>
-            </a:pPr>
-            <a:r>
-              <a:rPr lang="en-US" altLang="zh-TW" sz="2000" dirty="0">
-                <a:latin typeface="Times New Roman" panose="02020603050405020304" pitchFamily="18" charset="0"/>
-                <a:ea typeface="標楷體" panose="03000509000000000000" pitchFamily="65" charset="-120"/>
-              </a:rPr>
-              <a:t>Group 2: 169 151 170 173 164 188 157 164 186 152</a:t>
-            </a:r>
-          </a:p>
-          <a:p>
-            <a:pPr marL="0" indent="0">
-              <a:lnSpc>
-                <a:spcPct val="120000"/>
-              </a:lnSpc>
-              <a:buNone/>
-            </a:pPr>
-            <a:r>
-              <a:rPr lang="zh-TW" altLang="en-US" sz="2000" dirty="0">
-                <a:latin typeface="Times New Roman" panose="02020603050405020304" pitchFamily="18" charset="0"/>
-                <a:ea typeface="標楷體" panose="03000509000000000000" pitchFamily="65" charset="-120"/>
-              </a:rPr>
-              <a:t>因此輸出為</a:t>
-            </a:r>
-            <a:r>
-              <a:rPr lang="en-US" altLang="zh-TW" sz="2000" dirty="0" smtClean="0">
-                <a:latin typeface="Times New Roman" panose="02020603050405020304" pitchFamily="18" charset="0"/>
-                <a:ea typeface="標楷體" panose="03000509000000000000" pitchFamily="65" charset="-120"/>
-              </a:rPr>
-              <a:t>3</a:t>
-            </a:r>
-            <a:r>
-              <a:rPr lang="zh-TW" altLang="en-US" sz="2000" dirty="0" smtClean="0">
-                <a:latin typeface="Times New Roman" panose="02020603050405020304" pitchFamily="18" charset="0"/>
-                <a:ea typeface="標楷體" panose="03000509000000000000" pitchFamily="65" charset="-120"/>
-              </a:rPr>
-              <a:t>，以及對應的群如何排列</a:t>
-            </a:r>
-            <a:endParaRPr lang="en-US" altLang="zh-TW" sz="2000" dirty="0">
-              <a:latin typeface="Times New Roman" panose="02020603050405020304" pitchFamily="18" charset="0"/>
-              <a:ea typeface="標楷體" panose="03000509000000000000" pitchFamily="65" charset="-120"/>
-            </a:endParaRPr>
-          </a:p>
         </p:txBody>
       </p:sp>
     </p:spTree>
     <p:extLst>
       <p:ext uri="{BB962C8B-B14F-4D97-AF65-F5344CB8AC3E}">
-        <p14:creationId xmlns:p14="http://schemas.microsoft.com/office/powerpoint/2010/main" val="1574631227"/>
+        <p14:creationId xmlns:p14="http://schemas.microsoft.com/office/powerpoint/2010/main" val="1808466350"/>
       </p:ext>
     </p:extLst>
   </p:cSld>
   <p:clrMapOvr>
     <a:masterClrMapping/>
   </p:clrMapOvr>
-  <p:timing>
-    <p:tnLst>
-      <p:par>
-        <p:cTn id="1" dur="indefinite" restart="never" nodeType="tmRoot"/>
-      </p:par>
-    </p:tnLst>
-  </p:timing>
 </p:sld>
 </file>
 
@@ -5804,7 +5588,13 @@
       </p:grpSpPr>
       <p:sp>
         <p:nvSpPr>
-          <p:cNvPr id="2" name="標題 1"/>
+          <p:cNvPr id="2" name="標題 1">
+            <a:extLst>
+              <a:ext uri="{FF2B5EF4-FFF2-40B4-BE49-F238E27FC236}">
+                <a16:creationId xmlns:a16="http://schemas.microsoft.com/office/drawing/2014/main" id="{4457B8C9-56BD-4589-B5A8-9B5476310C0B}"/>
+              </a:ext>
+            </a:extLst>
+          </p:cNvPr>
           <p:cNvSpPr>
             <a:spLocks noGrp="1"/>
           </p:cNvSpPr>
@@ -5818,15 +5608,29 @@
           <a:lstStyle/>
           <a:p>
             <a:r>
-              <a:rPr lang="zh-TW" altLang="en-US" dirty="0"/>
-              <a:t>解題想法</a:t>
-            </a:r>
-          </a:p>
-        </p:txBody>
-      </p:sp>
-      <p:sp>
-        <p:nvSpPr>
-          <p:cNvPr id="3" name="內容版面配置區 2"/>
+              <a:rPr lang="zh-TW" altLang="en-US"/>
+              <a:t>輸入 </a:t>
+            </a:r>
+            <a:r>
+              <a:rPr lang="en-US" altLang="zh-TW"/>
+              <a:t>/</a:t>
+            </a:r>
+            <a:r>
+              <a:rPr lang="zh-TW" altLang="en-US"/>
+              <a:t> 輸出說明</a:t>
+            </a:r>
+          </a:p>
+        </p:txBody>
+      </p:sp>
+      <p:sp>
+        <p:nvSpPr>
+          <p:cNvPr id="8" name="內容版面配置區 7">
+            <a:extLst>
+              <a:ext uri="{FF2B5EF4-FFF2-40B4-BE49-F238E27FC236}">
+                <a16:creationId xmlns:a16="http://schemas.microsoft.com/office/drawing/2014/main" id="{4F8BD45E-C0B9-4189-91F3-68797BDD0952}"/>
+              </a:ext>
+            </a:extLst>
+          </p:cNvPr>
           <p:cNvSpPr>
             <a:spLocks noGrp="1"/>
           </p:cNvSpPr>
@@ -5836,110 +5640,528 @@
         </p:nvSpPr>
         <p:spPr>
           <a:xfrm>
-            <a:off x="838200" y="1825625"/>
-            <a:ext cx="10378440" cy="4351338"/>
+            <a:off x="482082" y="1349830"/>
+            <a:ext cx="5474581" cy="5508170"/>
           </a:xfrm>
         </p:spPr>
         <p:txBody>
           <a:bodyPr>
-            <a:normAutofit/>
+            <a:noAutofit/>
           </a:bodyPr>
           <a:lstStyle/>
           <a:p>
-            <a:pPr>
-              <a:lnSpc>
-                <a:spcPct val="100000"/>
-              </a:lnSpc>
+            <a:pPr marL="0" indent="0">
+              <a:buNone/>
             </a:pPr>
             <a:r>
-              <a:rPr lang="zh-TW" altLang="en-US" dirty="0" smtClean="0">
-                <a:latin typeface="Times New Roman" panose="02020603050405020304" pitchFamily="18" charset="0"/>
-                <a:ea typeface="標楷體" panose="03000509000000000000" pitchFamily="65" charset="-120"/>
-              </a:rPr>
-              <a:t>暴力法</a:t>
-            </a:r>
-            <a:r>
-              <a:rPr lang="en-US" altLang="zh-TW" dirty="0" smtClean="0">
-                <a:latin typeface="Times New Roman" panose="02020603050405020304" pitchFamily="18" charset="0"/>
-                <a:ea typeface="標楷體" panose="03000509000000000000" pitchFamily="65" charset="-120"/>
-              </a:rPr>
-              <a:t>:</a:t>
-            </a:r>
-            <a:r>
-              <a:rPr lang="zh-TW" altLang="en-US" dirty="0" smtClean="0">
-                <a:latin typeface="Times New Roman" panose="02020603050405020304" pitchFamily="18" charset="0"/>
-                <a:ea typeface="標楷體" panose="03000509000000000000" pitchFamily="65" charset="-120"/>
-              </a:rPr>
-              <a:t> </a:t>
-            </a:r>
-            <a:r>
-              <a:rPr lang="en-US" altLang="zh-TW" dirty="0" smtClean="0">
-                <a:latin typeface="Times New Roman" panose="02020603050405020304" pitchFamily="18" charset="0"/>
-                <a:ea typeface="標楷體" panose="03000509000000000000" pitchFamily="65" charset="-120"/>
-              </a:rPr>
-              <a:t>2^N</a:t>
-            </a:r>
-          </a:p>
-          <a:p>
-            <a:pPr marL="0" indent="0">
-              <a:lnSpc>
-                <a:spcPct val="100000"/>
-              </a:lnSpc>
-              <a:buNone/>
-            </a:pPr>
-            <a:endParaRPr lang="en-US" altLang="zh-TW" dirty="0">
+              <a:rPr lang="zh-TW" altLang="en-US" sz="2000" b="1" dirty="0">
+                <a:latin typeface="Times New Roman" panose="02020603050405020304" pitchFamily="18" charset="0"/>
+                <a:ea typeface="標楷體" panose="03000509000000000000" pitchFamily="65" charset="-120"/>
+              </a:rPr>
+              <a:t>範例輸入：</a:t>
+            </a:r>
+            <a:endParaRPr lang="en-US" altLang="zh-TW" sz="2000" b="1" dirty="0">
               <a:latin typeface="Times New Roman" panose="02020603050405020304" pitchFamily="18" charset="0"/>
               <a:ea typeface="標楷體" panose="03000509000000000000" pitchFamily="65" charset="-120"/>
             </a:endParaRPr>
           </a:p>
           <a:p>
-            <a:pPr>
-              <a:lnSpc>
-                <a:spcPct val="100000"/>
-              </a:lnSpc>
+            <a:pPr marL="0" indent="0">
+              <a:buNone/>
             </a:pPr>
             <a:r>
-              <a:rPr lang="zh-TW" altLang="en-US" dirty="0" smtClean="0">
-                <a:latin typeface="Times New Roman" panose="02020603050405020304" pitchFamily="18" charset="0"/>
-                <a:ea typeface="標楷體" panose="03000509000000000000" pitchFamily="65" charset="-120"/>
-              </a:rPr>
-              <a:t>枚舉所有可能，每個名單都可以刪除或不刪除。</a:t>
-            </a:r>
-            <a:endParaRPr lang="en-US" altLang="zh-TW" dirty="0" smtClean="0">
+              <a:rPr lang="en-US" altLang="zh-TW" sz="2000" dirty="0">
+                <a:latin typeface="Times New Roman" panose="02020603050405020304" pitchFamily="18" charset="0"/>
+                <a:ea typeface="標楷體" panose="03000509000000000000" pitchFamily="65" charset="-120"/>
+              </a:rPr>
+              <a:t>5 10</a:t>
+            </a:r>
+          </a:p>
+          <a:p>
+            <a:pPr marL="0" indent="0">
+              <a:buNone/>
+            </a:pPr>
+            <a:r>
+              <a:rPr lang="en-US" altLang="zh-TW" sz="2000" dirty="0">
+                <a:latin typeface="Times New Roman" panose="02020603050405020304" pitchFamily="18" charset="0"/>
+                <a:ea typeface="標楷體" panose="03000509000000000000" pitchFamily="65" charset="-120"/>
+              </a:rPr>
+              <a:t>159 178 170 179 193 174 182 184 192 173</a:t>
+            </a:r>
+          </a:p>
+          <a:p>
+            <a:pPr marL="0" indent="0">
+              <a:buNone/>
+            </a:pPr>
+            <a:r>
+              <a:rPr lang="en-US" altLang="zh-TW" sz="2000" dirty="0">
+                <a:latin typeface="Times New Roman" panose="02020603050405020304" pitchFamily="18" charset="0"/>
+                <a:ea typeface="標楷體" panose="03000509000000000000" pitchFamily="65" charset="-120"/>
+              </a:rPr>
+              <a:t>188 169 164 164 173 152 170 186 157 151</a:t>
+            </a:r>
+          </a:p>
+          <a:p>
+            <a:pPr marL="0" indent="0">
+              <a:buNone/>
+            </a:pPr>
+            <a:r>
+              <a:rPr lang="en-US" altLang="zh-TW" sz="2000" dirty="0">
+                <a:latin typeface="Times New Roman" panose="02020603050405020304" pitchFamily="18" charset="0"/>
+                <a:ea typeface="標楷體" panose="03000509000000000000" pitchFamily="65" charset="-120"/>
+              </a:rPr>
+              <a:t>198 161 199 178 172 156 153 154 162 191</a:t>
+            </a:r>
+          </a:p>
+          <a:p>
+            <a:pPr marL="0" indent="0">
+              <a:buNone/>
+            </a:pPr>
+            <a:r>
+              <a:rPr lang="en-US" altLang="zh-TW" sz="2000" dirty="0">
+                <a:latin typeface="Times New Roman" panose="02020603050405020304" pitchFamily="18" charset="0"/>
+                <a:ea typeface="標楷體" panose="03000509000000000000" pitchFamily="65" charset="-120"/>
+              </a:rPr>
+              <a:t>182 170 183 188 181 199 178 178 198 176</a:t>
+            </a:r>
+          </a:p>
+          <a:p>
+            <a:pPr marL="0" indent="0">
+              <a:buNone/>
+            </a:pPr>
+            <a:r>
+              <a:rPr lang="en-US" altLang="zh-TW" sz="2000" dirty="0">
+                <a:latin typeface="Times New Roman" panose="02020603050405020304" pitchFamily="18" charset="0"/>
+                <a:ea typeface="標楷體" panose="03000509000000000000" pitchFamily="65" charset="-120"/>
+              </a:rPr>
+              <a:t>166 155 168 186 150 192 193 166 190 176</a:t>
+            </a:r>
+          </a:p>
+          <a:p>
+            <a:pPr marL="0" indent="0">
+              <a:buNone/>
+            </a:pPr>
+            <a:r>
+              <a:rPr lang="en-US" altLang="zh-TW" sz="2000" dirty="0">
+                <a:latin typeface="Times New Roman" panose="02020603050405020304" pitchFamily="18" charset="0"/>
+                <a:ea typeface="標楷體" panose="03000509000000000000" pitchFamily="65" charset="-120"/>
+              </a:rPr>
+              <a:t>0 0</a:t>
+            </a:r>
+          </a:p>
+          <a:p>
+            <a:pPr marL="0" indent="0">
+              <a:buNone/>
+            </a:pPr>
+            <a:r>
+              <a:rPr lang="zh-TW" altLang="en-US" sz="2000" b="1" dirty="0">
+                <a:latin typeface="Times New Roman" panose="02020603050405020304" pitchFamily="18" charset="0"/>
+                <a:ea typeface="標楷體" panose="03000509000000000000" pitchFamily="65" charset="-120"/>
+              </a:rPr>
+              <a:t>範例輸出：</a:t>
+            </a:r>
+            <a:endParaRPr lang="en-US" altLang="zh-TW" sz="2000" dirty="0">
               <a:latin typeface="Times New Roman" panose="02020603050405020304" pitchFamily="18" charset="0"/>
               <a:ea typeface="標楷體" panose="03000509000000000000" pitchFamily="65" charset="-120"/>
             </a:endParaRPr>
           </a:p>
           <a:p>
-            <a:pPr>
+            <a:pPr marL="0" indent="0">
+              <a:buNone/>
+            </a:pPr>
+            <a:r>
+              <a:rPr lang="en-US" altLang="zh-TW" sz="2000" dirty="0">
+                <a:latin typeface="Times New Roman" panose="02020603050405020304" pitchFamily="18" charset="0"/>
+                <a:ea typeface="標楷體" panose="03000509000000000000" pitchFamily="65" charset="-120"/>
+              </a:rPr>
+              <a:t>3</a:t>
+            </a:r>
+          </a:p>
+          <a:p>
+            <a:pPr marL="0" indent="0">
+              <a:buNone/>
+            </a:pPr>
+            <a:r>
+              <a:rPr lang="en-US" altLang="zh-TW" sz="2000" dirty="0">
+                <a:latin typeface="Times New Roman" panose="02020603050405020304" pitchFamily="18" charset="0"/>
+                <a:ea typeface="標楷體" panose="03000509000000000000" pitchFamily="65" charset="-120"/>
+              </a:rPr>
+              <a:t>182 170 183 188 181 199 178 178 198 176</a:t>
+            </a:r>
+          </a:p>
+          <a:p>
+            <a:pPr marL="0" indent="0">
+              <a:buNone/>
+            </a:pPr>
+            <a:r>
+              <a:rPr lang="en-US" altLang="zh-TW" sz="2000" dirty="0">
+                <a:latin typeface="Times New Roman" panose="02020603050405020304" pitchFamily="18" charset="0"/>
+                <a:ea typeface="標楷體" panose="03000509000000000000" pitchFamily="65" charset="-120"/>
+              </a:rPr>
+              <a:t>179 159 182 184 178 193 173 174 192 170</a:t>
+            </a:r>
+          </a:p>
+          <a:p>
+            <a:pPr marL="0" indent="0">
+              <a:buNone/>
+            </a:pPr>
+            <a:r>
+              <a:rPr lang="en-US" altLang="zh-TW" sz="2000" dirty="0">
+                <a:latin typeface="Times New Roman" panose="02020603050405020304" pitchFamily="18" charset="0"/>
+                <a:ea typeface="標楷體" panose="03000509000000000000" pitchFamily="65" charset="-120"/>
+              </a:rPr>
+              <a:t>169 151 170 173 164 188 157 164 186 152</a:t>
+            </a:r>
+          </a:p>
+        </p:txBody>
+      </p:sp>
+      <p:sp>
+        <p:nvSpPr>
+          <p:cNvPr id="9" name="內容版面配置區 8">
+            <a:extLst>
+              <a:ext uri="{FF2B5EF4-FFF2-40B4-BE49-F238E27FC236}">
+                <a16:creationId xmlns:a16="http://schemas.microsoft.com/office/drawing/2014/main" id="{68958E9B-30D2-4821-8520-6F237B5A7ADE}"/>
+              </a:ext>
+            </a:extLst>
+          </p:cNvPr>
+          <p:cNvSpPr>
+            <a:spLocks noGrp="1"/>
+          </p:cNvSpPr>
+          <p:nvPr>
+            <p:ph sz="half" idx="2"/>
+          </p:nvPr>
+        </p:nvSpPr>
+        <p:spPr>
+          <a:xfrm>
+            <a:off x="6172199" y="365125"/>
+            <a:ext cx="5826967" cy="6278271"/>
+          </a:xfrm>
+        </p:spPr>
+        <p:txBody>
+          <a:bodyPr>
+            <a:noAutofit/>
+          </a:bodyPr>
+          <a:lstStyle/>
+          <a:p>
+            <a:pPr marL="0" indent="0">
               <a:lnSpc>
-                <a:spcPct val="100000"/>
+                <a:spcPct val="120000"/>
               </a:lnSpc>
+              <a:buNone/>
             </a:pPr>
-            <a:endParaRPr lang="en-US" altLang="zh-TW" dirty="0">
+            <a:r>
+              <a:rPr lang="zh-TW" altLang="en-US" sz="2000" b="1" dirty="0">
+                <a:latin typeface="Times New Roman" panose="02020603050405020304" pitchFamily="18" charset="0"/>
+                <a:ea typeface="標楷體" panose="03000509000000000000" pitchFamily="65" charset="-120"/>
+              </a:rPr>
+              <a:t>說明：</a:t>
+            </a:r>
+            <a:endParaRPr lang="en-US" altLang="zh-TW" sz="2000" b="1" dirty="0">
               <a:latin typeface="Times New Roman" panose="02020603050405020304" pitchFamily="18" charset="0"/>
               <a:ea typeface="標楷體" panose="03000509000000000000" pitchFamily="65" charset="-120"/>
             </a:endParaRPr>
           </a:p>
+          <a:p>
+            <a:pPr marL="0" indent="0">
+              <a:lnSpc>
+                <a:spcPct val="120000"/>
+              </a:lnSpc>
+              <a:buNone/>
+            </a:pPr>
+            <a:r>
+              <a:rPr lang="zh-TW" altLang="en-US" sz="2000" dirty="0">
+                <a:latin typeface="Times New Roman" panose="02020603050405020304" pitchFamily="18" charset="0"/>
+                <a:ea typeface="標楷體" panose="03000509000000000000" pitchFamily="65" charset="-120"/>
+              </a:rPr>
+              <a:t>範例輸入的唯一一組測資中，</a:t>
+            </a:r>
+            <a:endParaRPr lang="en-US" altLang="zh-TW" sz="2000" dirty="0">
+              <a:latin typeface="Times New Roman" panose="02020603050405020304" pitchFamily="18" charset="0"/>
+              <a:ea typeface="標楷體" panose="03000509000000000000" pitchFamily="65" charset="-120"/>
+            </a:endParaRPr>
+          </a:p>
+          <a:p>
+            <a:pPr marL="0" indent="0">
+              <a:lnSpc>
+                <a:spcPct val="120000"/>
+              </a:lnSpc>
+              <a:buNone/>
+            </a:pPr>
+            <a:r>
+              <a:rPr lang="en-US" altLang="zh-TW" sz="2000" dirty="0">
+                <a:latin typeface="Times New Roman" panose="02020603050405020304" pitchFamily="18" charset="0"/>
+                <a:ea typeface="標楷體" panose="03000509000000000000" pitchFamily="65" charset="-120"/>
+              </a:rPr>
+              <a:t>Group1:</a:t>
+            </a:r>
+            <a:r>
+              <a:rPr lang="zh-TW" altLang="en-US" sz="2000" dirty="0">
+                <a:latin typeface="Times New Roman" panose="02020603050405020304" pitchFamily="18" charset="0"/>
+                <a:ea typeface="標楷體" panose="03000509000000000000" pitchFamily="65" charset="-120"/>
+              </a:rPr>
+              <a:t> </a:t>
+            </a:r>
+            <a:r>
+              <a:rPr lang="en-US" altLang="zh-TW" sz="2000" dirty="0">
+                <a:latin typeface="Times New Roman" panose="02020603050405020304" pitchFamily="18" charset="0"/>
+                <a:ea typeface="標楷體" panose="03000509000000000000" pitchFamily="65" charset="-120"/>
+              </a:rPr>
+              <a:t>159 178 170 179 193 174 182 184 192 173</a:t>
+            </a:r>
+          </a:p>
+          <a:p>
+            <a:pPr marL="0" indent="0">
+              <a:lnSpc>
+                <a:spcPct val="120000"/>
+              </a:lnSpc>
+              <a:buNone/>
+            </a:pPr>
+            <a:r>
+              <a:rPr lang="en-US" altLang="zh-TW" sz="2000" dirty="0">
+                <a:latin typeface="Times New Roman" panose="02020603050405020304" pitchFamily="18" charset="0"/>
+                <a:ea typeface="標楷體" panose="03000509000000000000" pitchFamily="65" charset="-120"/>
+              </a:rPr>
+              <a:t>Group2:</a:t>
+            </a:r>
+            <a:r>
+              <a:rPr lang="zh-TW" altLang="en-US" sz="2000" dirty="0">
+                <a:latin typeface="Times New Roman" panose="02020603050405020304" pitchFamily="18" charset="0"/>
+                <a:ea typeface="標楷體" panose="03000509000000000000" pitchFamily="65" charset="-120"/>
+              </a:rPr>
+              <a:t> </a:t>
+            </a:r>
+            <a:r>
+              <a:rPr lang="en-US" altLang="zh-TW" sz="2000" dirty="0">
+                <a:latin typeface="Times New Roman" panose="02020603050405020304" pitchFamily="18" charset="0"/>
+                <a:ea typeface="標楷體" panose="03000509000000000000" pitchFamily="65" charset="-120"/>
+              </a:rPr>
+              <a:t>188 169 164 164 173 152 170 186 157 151</a:t>
+            </a:r>
+          </a:p>
+          <a:p>
+            <a:pPr marL="0" indent="0">
+              <a:lnSpc>
+                <a:spcPct val="120000"/>
+              </a:lnSpc>
+              <a:buNone/>
+            </a:pPr>
+            <a:r>
+              <a:rPr lang="en-US" altLang="zh-TW" sz="2000" dirty="0">
+                <a:latin typeface="Times New Roman" panose="02020603050405020304" pitchFamily="18" charset="0"/>
+                <a:ea typeface="標楷體" panose="03000509000000000000" pitchFamily="65" charset="-120"/>
+              </a:rPr>
+              <a:t>Group3:</a:t>
+            </a:r>
+            <a:r>
+              <a:rPr lang="zh-TW" altLang="en-US" sz="2000" dirty="0">
+                <a:latin typeface="Times New Roman" panose="02020603050405020304" pitchFamily="18" charset="0"/>
+                <a:ea typeface="標楷體" panose="03000509000000000000" pitchFamily="65" charset="-120"/>
+              </a:rPr>
+              <a:t> </a:t>
+            </a:r>
+            <a:r>
+              <a:rPr lang="en-US" altLang="zh-TW" sz="2000" dirty="0">
+                <a:latin typeface="Times New Roman" panose="02020603050405020304" pitchFamily="18" charset="0"/>
+                <a:ea typeface="標楷體" panose="03000509000000000000" pitchFamily="65" charset="-120"/>
+              </a:rPr>
+              <a:t>198 161 199 178 172 156 153 154 162 191</a:t>
+            </a:r>
+          </a:p>
+          <a:p>
+            <a:pPr marL="0" indent="0">
+              <a:lnSpc>
+                <a:spcPct val="120000"/>
+              </a:lnSpc>
+              <a:buNone/>
+            </a:pPr>
+            <a:r>
+              <a:rPr lang="en-US" altLang="zh-TW" sz="2000" dirty="0">
+                <a:latin typeface="Times New Roman" panose="02020603050405020304" pitchFamily="18" charset="0"/>
+                <a:ea typeface="標楷體" panose="03000509000000000000" pitchFamily="65" charset="-120"/>
+              </a:rPr>
+              <a:t>Group4:</a:t>
+            </a:r>
+            <a:r>
+              <a:rPr lang="zh-TW" altLang="en-US" sz="2000" dirty="0">
+                <a:latin typeface="Times New Roman" panose="02020603050405020304" pitchFamily="18" charset="0"/>
+                <a:ea typeface="標楷體" panose="03000509000000000000" pitchFamily="65" charset="-120"/>
+              </a:rPr>
+              <a:t> </a:t>
+            </a:r>
+            <a:r>
+              <a:rPr lang="en-US" altLang="zh-TW" sz="2000" dirty="0">
+                <a:latin typeface="Times New Roman" panose="02020603050405020304" pitchFamily="18" charset="0"/>
+                <a:ea typeface="標楷體" panose="03000509000000000000" pitchFamily="65" charset="-120"/>
+              </a:rPr>
+              <a:t>182 170 183 188 181 199 178 178 198 176</a:t>
+            </a:r>
+          </a:p>
+          <a:p>
+            <a:pPr marL="0" indent="0">
+              <a:lnSpc>
+                <a:spcPct val="120000"/>
+              </a:lnSpc>
+              <a:buNone/>
+            </a:pPr>
+            <a:r>
+              <a:rPr lang="en-US" altLang="zh-TW" sz="2000" dirty="0">
+                <a:latin typeface="Times New Roman" panose="02020603050405020304" pitchFamily="18" charset="0"/>
+                <a:ea typeface="標楷體" panose="03000509000000000000" pitchFamily="65" charset="-120"/>
+              </a:rPr>
+              <a:t>Group5:</a:t>
+            </a:r>
+            <a:r>
+              <a:rPr lang="zh-TW" altLang="en-US" sz="2000" dirty="0">
+                <a:latin typeface="Times New Roman" panose="02020603050405020304" pitchFamily="18" charset="0"/>
+                <a:ea typeface="標楷體" panose="03000509000000000000" pitchFamily="65" charset="-120"/>
+              </a:rPr>
+              <a:t> </a:t>
+            </a:r>
+            <a:r>
+              <a:rPr lang="en-US" altLang="zh-TW" sz="2000" dirty="0">
+                <a:latin typeface="Times New Roman" panose="02020603050405020304" pitchFamily="18" charset="0"/>
+                <a:ea typeface="標楷體" panose="03000509000000000000" pitchFamily="65" charset="-120"/>
+              </a:rPr>
+              <a:t>166 155 168 186 150 192 193 166 190 176</a:t>
+            </a:r>
+          </a:p>
+          <a:p>
+            <a:pPr marL="0" indent="0">
+              <a:lnSpc>
+                <a:spcPct val="120000"/>
+              </a:lnSpc>
+              <a:buNone/>
+            </a:pPr>
+            <a:r>
+              <a:rPr lang="zh-TW" altLang="en-US" sz="2000" dirty="0">
+                <a:latin typeface="Times New Roman" panose="02020603050405020304" pitchFamily="18" charset="0"/>
+                <a:ea typeface="標楷體" panose="03000509000000000000" pitchFamily="65" charset="-120"/>
+              </a:rPr>
+              <a:t>更動數列後，最多可得</a:t>
+            </a:r>
+            <a:r>
+              <a:rPr lang="en-US" altLang="zh-TW" sz="2000" dirty="0">
+                <a:latin typeface="Times New Roman" panose="02020603050405020304" pitchFamily="18" charset="0"/>
+                <a:ea typeface="標楷體" panose="03000509000000000000" pitchFamily="65" charset="-120"/>
+              </a:rPr>
+              <a:t>3</a:t>
+            </a:r>
+            <a:r>
+              <a:rPr lang="zh-TW" altLang="en-US" sz="2000" dirty="0">
+                <a:latin typeface="Times New Roman" panose="02020603050405020304" pitchFamily="18" charset="0"/>
+                <a:ea typeface="標楷體" panose="03000509000000000000" pitchFamily="65" charset="-120"/>
+              </a:rPr>
+              <a:t>個以下排列的</a:t>
+            </a:r>
+            <a:r>
+              <a:rPr lang="en-US" altLang="zh-TW" sz="2000" dirty="0">
+                <a:latin typeface="Times New Roman" panose="02020603050405020304" pitchFamily="18" charset="0"/>
+                <a:ea typeface="標楷體" panose="03000509000000000000" pitchFamily="65" charset="-120"/>
+              </a:rPr>
+              <a:t>group(s)</a:t>
+            </a:r>
+            <a:r>
+              <a:rPr lang="zh-TW" altLang="en-US" sz="2000" dirty="0">
+                <a:latin typeface="Times New Roman" panose="02020603050405020304" pitchFamily="18" charset="0"/>
+                <a:ea typeface="標楷體" panose="03000509000000000000" pitchFamily="65" charset="-120"/>
+              </a:rPr>
+              <a:t>符合題意要求：</a:t>
+            </a:r>
+            <a:endParaRPr lang="en-US" altLang="zh-TW" sz="2000" dirty="0">
+              <a:latin typeface="Times New Roman" panose="02020603050405020304" pitchFamily="18" charset="0"/>
+              <a:ea typeface="標楷體" panose="03000509000000000000" pitchFamily="65" charset="-120"/>
+            </a:endParaRPr>
+          </a:p>
+          <a:p>
+            <a:pPr marL="0" indent="0">
+              <a:lnSpc>
+                <a:spcPct val="120000"/>
+              </a:lnSpc>
+              <a:buNone/>
+            </a:pPr>
+            <a:r>
+              <a:rPr lang="en-US" altLang="zh-TW" sz="2000" dirty="0">
+                <a:latin typeface="Times New Roman" panose="02020603050405020304" pitchFamily="18" charset="0"/>
+                <a:ea typeface="標楷體" panose="03000509000000000000" pitchFamily="65" charset="-120"/>
+              </a:rPr>
+              <a:t>Group 4: 182 170 183 188 181 199 178 178 198 176</a:t>
+            </a:r>
+          </a:p>
+          <a:p>
+            <a:pPr marL="0" indent="0">
+              <a:lnSpc>
+                <a:spcPct val="120000"/>
+              </a:lnSpc>
+              <a:buNone/>
+            </a:pPr>
+            <a:r>
+              <a:rPr lang="en-US" altLang="zh-TW" sz="2000" dirty="0">
+                <a:latin typeface="Times New Roman" panose="02020603050405020304" pitchFamily="18" charset="0"/>
+                <a:ea typeface="標楷體" panose="03000509000000000000" pitchFamily="65" charset="-120"/>
+              </a:rPr>
+              <a:t>Group 1: 179 159 182 184 178 193 173 174 192 170</a:t>
+            </a:r>
+          </a:p>
+          <a:p>
+            <a:pPr marL="0" indent="0">
+              <a:lnSpc>
+                <a:spcPct val="120000"/>
+              </a:lnSpc>
+              <a:buNone/>
+            </a:pPr>
+            <a:r>
+              <a:rPr lang="en-US" altLang="zh-TW" sz="2000" dirty="0">
+                <a:latin typeface="Times New Roman" panose="02020603050405020304" pitchFamily="18" charset="0"/>
+                <a:ea typeface="標楷體" panose="03000509000000000000" pitchFamily="65" charset="-120"/>
+              </a:rPr>
+              <a:t>Group 2: 169 151 170 173 164 188 157 164 186 152</a:t>
+            </a:r>
+          </a:p>
+          <a:p>
+            <a:pPr marL="0" indent="0">
+              <a:lnSpc>
+                <a:spcPct val="120000"/>
+              </a:lnSpc>
+              <a:buNone/>
+            </a:pPr>
+            <a:r>
+              <a:rPr lang="zh-TW" altLang="en-US" sz="2000" dirty="0">
+                <a:latin typeface="Times New Roman" panose="02020603050405020304" pitchFamily="18" charset="0"/>
+                <a:ea typeface="標楷體" panose="03000509000000000000" pitchFamily="65" charset="-120"/>
+              </a:rPr>
+              <a:t>因此輸出為</a:t>
+            </a:r>
+            <a:r>
+              <a:rPr lang="en-US" altLang="zh-TW" sz="2000" dirty="0">
+                <a:latin typeface="Times New Roman" panose="02020603050405020304" pitchFamily="18" charset="0"/>
+                <a:ea typeface="標楷體" panose="03000509000000000000" pitchFamily="65" charset="-120"/>
+              </a:rPr>
+              <a:t>3</a:t>
+            </a:r>
+            <a:r>
+              <a:rPr lang="zh-TW" altLang="en-US" sz="2000" dirty="0">
+                <a:latin typeface="Times New Roman" panose="02020603050405020304" pitchFamily="18" charset="0"/>
+                <a:ea typeface="標楷體" panose="03000509000000000000" pitchFamily="65" charset="-120"/>
+              </a:rPr>
+              <a:t>，以及對應的群如何排列</a:t>
+            </a:r>
+            <a:endParaRPr lang="en-US" altLang="zh-TW" sz="2000" dirty="0">
+              <a:latin typeface="Times New Roman" panose="02020603050405020304" pitchFamily="18" charset="0"/>
+              <a:ea typeface="標楷體" panose="03000509000000000000" pitchFamily="65" charset="-120"/>
+            </a:endParaRPr>
+          </a:p>
         </p:txBody>
       </p:sp>
     </p:spTree>
     <p:extLst>
       <p:ext uri="{BB962C8B-B14F-4D97-AF65-F5344CB8AC3E}">
-        <p14:creationId xmlns:p14="http://schemas.microsoft.com/office/powerpoint/2010/main" val="2918758940"/>
+        <p14:creationId xmlns:p14="http://schemas.microsoft.com/office/powerpoint/2010/main" val="1574631227"/>
       </p:ext>
     </p:extLst>
   </p:cSld>
   <p:clrMapOvr>
     <a:masterClrMapping/>
   </p:clrMapOvr>
-  <p:timing>
-    <p:tnLst>
-      <p:par>
-        <p:cTn id="1" dur="indefinite" restart="never" nodeType="tmRoot"/>
-      </p:par>
-    </p:tnLst>
-  </p:timing>
 </p:sld>
 </file>
 
@@ -6010,19 +6232,41 @@
               </a:lnSpc>
             </a:pPr>
             <a:r>
-              <a:rPr lang="zh-TW" altLang="en-US" dirty="0" smtClean="0">
-                <a:latin typeface="Times New Roman" panose="02020603050405020304" pitchFamily="18" charset="0"/>
-                <a:ea typeface="標楷體" panose="03000509000000000000" pitchFamily="65" charset="-120"/>
-              </a:rPr>
-              <a:t>名單</a:t>
-            </a:r>
-            <a:r>
               <a:rPr lang="zh-TW" altLang="en-US" dirty="0">
                 <a:latin typeface="Times New Roman" panose="02020603050405020304" pitchFamily="18" charset="0"/>
                 <a:ea typeface="標楷體" panose="03000509000000000000" pitchFamily="65" charset="-120"/>
               </a:rPr>
-              <a:t>列表中先將重複名字去除</a:t>
-            </a:r>
+              <a:t>暴力法</a:t>
+            </a:r>
+            <a:r>
+              <a:rPr lang="en-US" altLang="zh-TW" dirty="0">
+                <a:latin typeface="Times New Roman" panose="02020603050405020304" pitchFamily="18" charset="0"/>
+                <a:ea typeface="標楷體" panose="03000509000000000000" pitchFamily="65" charset="-120"/>
+              </a:rPr>
+              <a:t>:</a:t>
+            </a:r>
+            <a:r>
+              <a:rPr lang="zh-TW" altLang="en-US" dirty="0">
+                <a:latin typeface="Times New Roman" panose="02020603050405020304" pitchFamily="18" charset="0"/>
+                <a:ea typeface="標楷體" panose="03000509000000000000" pitchFamily="65" charset="-120"/>
+              </a:rPr>
+              <a:t> </a:t>
+            </a:r>
+            <a:r>
+              <a:rPr lang="en-US" altLang="zh-TW" dirty="0">
+                <a:latin typeface="Times New Roman" panose="02020603050405020304" pitchFamily="18" charset="0"/>
+                <a:ea typeface="標楷體" panose="03000509000000000000" pitchFamily="65" charset="-120"/>
+              </a:rPr>
+              <a:t>2^N</a:t>
+            </a:r>
+          </a:p>
+          <a:p>
+            <a:pPr marL="0" indent="0">
+              <a:lnSpc>
+                <a:spcPct val="100000"/>
+              </a:lnSpc>
+              <a:buNone/>
+            </a:pPr>
             <a:endParaRPr lang="en-US" altLang="zh-TW" dirty="0">
               <a:latin typeface="Times New Roman" panose="02020603050405020304" pitchFamily="18" charset="0"/>
               <a:ea typeface="標楷體" panose="03000509000000000000" pitchFamily="65" charset="-120"/>
@@ -6039,7 +6283,7 @@
                 <a:latin typeface="Times New Roman" panose="02020603050405020304" pitchFamily="18" charset="0"/>
                 <a:ea typeface="標楷體" panose="03000509000000000000" pitchFamily="65" charset="-120"/>
               </a:rPr>
-              <a:t>總價值是可以比較的</a:t>
+              <a:t>枚舉所有可能，每個名單都可以刪除或不刪除。</a:t>
             </a:r>
             <a:endParaRPr lang="en-US" altLang="zh-TW" dirty="0">
               <a:latin typeface="Times New Roman" panose="02020603050405020304" pitchFamily="18" charset="0"/>
@@ -6052,215 +6296,23 @@
                 <a:spcPct val="100000"/>
               </a:lnSpc>
             </a:pPr>
-            <a:r>
-              <a:rPr lang="zh-TW" altLang="en-US" dirty="0">
-                <a:latin typeface="Times New Roman" panose="02020603050405020304" pitchFamily="18" charset="0"/>
-                <a:ea typeface="標楷體" panose="03000509000000000000" pitchFamily="65" charset="-120"/>
-              </a:rPr>
-              <a:t>刪除最少數量名單 </a:t>
-            </a:r>
-            <a:r>
-              <a:rPr lang="en-US" altLang="zh-TW" dirty="0">
-                <a:latin typeface="Times New Roman" panose="02020603050405020304" pitchFamily="18" charset="0"/>
-                <a:ea typeface="標楷體" panose="03000509000000000000" pitchFamily="65" charset="-120"/>
-              </a:rPr>
-              <a:t>=</a:t>
-            </a:r>
-            <a:r>
-              <a:rPr lang="zh-TW" altLang="en-US" dirty="0">
-                <a:latin typeface="Times New Roman" panose="02020603050405020304" pitchFamily="18" charset="0"/>
-                <a:ea typeface="標楷體" panose="03000509000000000000" pitchFamily="65" charset="-120"/>
-              </a:rPr>
-              <a:t> 找到最長名單排列 </a:t>
-            </a:r>
             <a:endParaRPr lang="en-US" altLang="zh-TW" dirty="0">
               <a:latin typeface="Times New Roman" panose="02020603050405020304" pitchFamily="18" charset="0"/>
               <a:ea typeface="標楷體" panose="03000509000000000000" pitchFamily="65" charset="-120"/>
             </a:endParaRPr>
           </a:p>
-          <a:p>
-            <a:pPr>
-              <a:lnSpc>
-                <a:spcPct val="100000"/>
-              </a:lnSpc>
-            </a:pPr>
-            <a:r>
-              <a:rPr lang="zh-TW" altLang="en-US" dirty="0">
-                <a:latin typeface="Times New Roman" panose="02020603050405020304" pitchFamily="18" charset="0"/>
-                <a:ea typeface="標楷體" panose="03000509000000000000" pitchFamily="65" charset="-120"/>
-              </a:rPr>
-              <a:t>找到最長名單排列</a:t>
-            </a:r>
-            <a:r>
-              <a:rPr lang="en-US" altLang="zh-TW" dirty="0">
-                <a:latin typeface="Times New Roman" panose="02020603050405020304" pitchFamily="18" charset="0"/>
-                <a:ea typeface="標楷體" panose="03000509000000000000" pitchFamily="65" charset="-120"/>
-              </a:rPr>
-              <a:t>(</a:t>
-            </a:r>
-            <a:r>
-              <a:rPr lang="zh-TW" altLang="en-US" dirty="0">
-                <a:latin typeface="Times New Roman" panose="02020603050405020304" pitchFamily="18" charset="0"/>
-                <a:ea typeface="標楷體" panose="03000509000000000000" pitchFamily="65" charset="-120"/>
-              </a:rPr>
-              <a:t>價值遞減</a:t>
-            </a:r>
-            <a:r>
-              <a:rPr lang="en-US" altLang="zh-TW" dirty="0">
-                <a:latin typeface="Times New Roman" panose="02020603050405020304" pitchFamily="18" charset="0"/>
-                <a:ea typeface="標楷體" panose="03000509000000000000" pitchFamily="65" charset="-120"/>
-              </a:rPr>
-              <a:t>)</a:t>
-            </a:r>
-            <a:r>
-              <a:rPr lang="zh-TW" altLang="en-US" dirty="0">
-                <a:latin typeface="Times New Roman" panose="02020603050405020304" pitchFamily="18" charset="0"/>
-                <a:ea typeface="標楷體" panose="03000509000000000000" pitchFamily="65" charset="-120"/>
-              </a:rPr>
-              <a:t> </a:t>
-            </a:r>
-            <a:r>
-              <a:rPr lang="en-US" altLang="zh-TW" dirty="0">
-                <a:latin typeface="Times New Roman" panose="02020603050405020304" pitchFamily="18" charset="0"/>
-                <a:ea typeface="標楷體" panose="03000509000000000000" pitchFamily="65" charset="-120"/>
-              </a:rPr>
-              <a:t>=&gt;</a:t>
-            </a:r>
-            <a:r>
-              <a:rPr lang="zh-TW" altLang="en-US" dirty="0">
-                <a:latin typeface="Times New Roman" panose="02020603050405020304" pitchFamily="18" charset="0"/>
-                <a:ea typeface="標楷體" panose="03000509000000000000" pitchFamily="65" charset="-120"/>
-              </a:rPr>
-              <a:t> </a:t>
-            </a:r>
-            <a:r>
-              <a:rPr lang="en-US" altLang="zh-TW" dirty="0" smtClean="0">
-                <a:latin typeface="Times New Roman" panose="02020603050405020304" pitchFamily="18" charset="0"/>
-                <a:ea typeface="標楷體" panose="03000509000000000000" pitchFamily="65" charset="-120"/>
-              </a:rPr>
-              <a:t>LDS</a:t>
-            </a:r>
-          </a:p>
-          <a:p>
-            <a:pPr>
-              <a:lnSpc>
-                <a:spcPct val="100000"/>
-              </a:lnSpc>
-            </a:pPr>
-            <a:r>
-              <a:rPr lang="zh-TW" altLang="en-US" dirty="0" smtClean="0">
-                <a:latin typeface="Times New Roman" panose="02020603050405020304" pitchFamily="18" charset="0"/>
-                <a:ea typeface="標楷體" panose="03000509000000000000" pitchFamily="65" charset="-120"/>
-              </a:rPr>
-              <a:t>紀錄最早出現的</a:t>
-            </a:r>
-            <a:r>
-              <a:rPr lang="en-US" altLang="zh-TW" dirty="0" smtClean="0">
-                <a:latin typeface="Times New Roman" panose="02020603050405020304" pitchFamily="18" charset="0"/>
-                <a:ea typeface="標楷體" panose="03000509000000000000" pitchFamily="65" charset="-120"/>
-              </a:rPr>
-              <a:t>LDS</a:t>
-            </a:r>
-          </a:p>
-          <a:p>
-            <a:pPr marL="0" indent="0">
-              <a:lnSpc>
-                <a:spcPct val="100000"/>
-              </a:lnSpc>
-              <a:buNone/>
-            </a:pPr>
-            <a:endParaRPr lang="en-US" altLang="zh-TW" dirty="0" smtClean="0">
-              <a:latin typeface="Times New Roman" panose="02020603050405020304" pitchFamily="18" charset="0"/>
-              <a:ea typeface="標楷體" panose="03000509000000000000" pitchFamily="65" charset="-120"/>
-            </a:endParaRPr>
-          </a:p>
-          <a:p>
-            <a:pPr marL="0" indent="0">
-              <a:lnSpc>
-                <a:spcPct val="100000"/>
-              </a:lnSpc>
-              <a:buNone/>
-            </a:pPr>
-            <a:r>
-              <a:rPr lang="zh-TW" altLang="en-US" dirty="0">
-                <a:latin typeface="Times New Roman" panose="02020603050405020304" pitchFamily="18" charset="0"/>
-                <a:ea typeface="標楷體" panose="03000509000000000000" pitchFamily="65" charset="-120"/>
-              </a:rPr>
-              <a:t>動態規劃</a:t>
-            </a:r>
-            <a:r>
-              <a:rPr lang="en-US" altLang="zh-TW" dirty="0">
-                <a:latin typeface="Times New Roman" panose="02020603050405020304" pitchFamily="18" charset="0"/>
-                <a:ea typeface="標楷體" panose="03000509000000000000" pitchFamily="65" charset="-120"/>
-              </a:rPr>
-              <a:t>:</a:t>
-            </a:r>
-            <a:r>
-              <a:rPr lang="zh-TW" altLang="en-US" dirty="0">
-                <a:latin typeface="Times New Roman" panose="02020603050405020304" pitchFamily="18" charset="0"/>
-                <a:ea typeface="標楷體" panose="03000509000000000000" pitchFamily="65" charset="-120"/>
-              </a:rPr>
-              <a:t> </a:t>
-            </a:r>
-            <a:r>
-              <a:rPr lang="en-US" altLang="zh-TW" dirty="0">
-                <a:latin typeface="Times New Roman" panose="02020603050405020304" pitchFamily="18" charset="0"/>
-                <a:ea typeface="標楷體" panose="03000509000000000000" pitchFamily="65" charset="-120"/>
-              </a:rPr>
-              <a:t>O(N^2)</a:t>
-            </a:r>
-            <a:r>
-              <a:rPr lang="zh-TW" altLang="en-US" dirty="0">
-                <a:latin typeface="Times New Roman" panose="02020603050405020304" pitchFamily="18" charset="0"/>
-                <a:ea typeface="標楷體" panose="03000509000000000000" pitchFamily="65" charset="-120"/>
-              </a:rPr>
-              <a:t> </a:t>
-            </a:r>
-            <a:r>
-              <a:rPr lang="en-US" altLang="zh-TW" dirty="0">
-                <a:latin typeface="Times New Roman" panose="02020603050405020304" pitchFamily="18" charset="0"/>
-                <a:ea typeface="標楷體" panose="03000509000000000000" pitchFamily="65" charset="-120"/>
-              </a:rPr>
-              <a:t>or O(</a:t>
-            </a:r>
-            <a:r>
-              <a:rPr lang="en-US" altLang="zh-TW" dirty="0" err="1">
-                <a:latin typeface="Times New Roman" panose="02020603050405020304" pitchFamily="18" charset="0"/>
-                <a:ea typeface="標楷體" panose="03000509000000000000" pitchFamily="65" charset="-120"/>
-              </a:rPr>
-              <a:t>NlogN</a:t>
-            </a:r>
-            <a:r>
-              <a:rPr lang="en-US" altLang="zh-TW" dirty="0" smtClean="0">
-                <a:latin typeface="Times New Roman" panose="02020603050405020304" pitchFamily="18" charset="0"/>
-                <a:ea typeface="標楷體" panose="03000509000000000000" pitchFamily="65" charset="-120"/>
-              </a:rPr>
-              <a:t>)</a:t>
-            </a:r>
-            <a:endParaRPr lang="en-US" altLang="zh-TW" dirty="0">
-              <a:latin typeface="Times New Roman" panose="02020603050405020304" pitchFamily="18" charset="0"/>
-              <a:ea typeface="標楷體" panose="03000509000000000000" pitchFamily="65" charset="-120"/>
-            </a:endParaRPr>
-          </a:p>
         </p:txBody>
       </p:sp>
     </p:spTree>
     <p:extLst>
       <p:ext uri="{BB962C8B-B14F-4D97-AF65-F5344CB8AC3E}">
-        <p14:creationId xmlns:p14="http://schemas.microsoft.com/office/powerpoint/2010/main" val="3566339620"/>
+        <p14:creationId xmlns:p14="http://schemas.microsoft.com/office/powerpoint/2010/main" val="2918758940"/>
       </p:ext>
     </p:extLst>
   </p:cSld>
   <p:clrMapOvr>
     <a:masterClrMapping/>
   </p:clrMapOvr>
-  <p:timing>
-    <p:tnLst>
-      <p:par>
-        <p:cTn id="1" dur="indefinite" restart="never" nodeType="tmRoot"/>
-      </p:par>
-    </p:tnLst>
-  </p:timing>
 </p:sld>
 </file>
 
@@ -6297,6 +6349,309 @@
           <a:lstStyle/>
           <a:p>
             <a:r>
+              <a:rPr lang="zh-TW" altLang="en-US" dirty="0"/>
+              <a:t>解題想法</a:t>
+            </a:r>
+          </a:p>
+        </p:txBody>
+      </p:sp>
+      <p:sp>
+        <p:nvSpPr>
+          <p:cNvPr id="3" name="內容版面配置區 2"/>
+          <p:cNvSpPr>
+            <a:spLocks noGrp="1"/>
+          </p:cNvSpPr>
+          <p:nvPr>
+            <p:ph sz="half" idx="1"/>
+          </p:nvPr>
+        </p:nvSpPr>
+        <p:spPr>
+          <a:xfrm>
+            <a:off x="838200" y="1825625"/>
+            <a:ext cx="10378440" cy="4351338"/>
+          </a:xfrm>
+        </p:spPr>
+        <p:txBody>
+          <a:bodyPr>
+            <a:normAutofit/>
+          </a:bodyPr>
+          <a:lstStyle/>
+          <a:p>
+            <a:pPr>
+              <a:lnSpc>
+                <a:spcPct val="100000"/>
+              </a:lnSpc>
+            </a:pPr>
+            <a:r>
+              <a:rPr lang="zh-TW" altLang="en-US" dirty="0">
+                <a:latin typeface="Times New Roman" panose="02020603050405020304" pitchFamily="18" charset="0"/>
+                <a:ea typeface="標楷體" panose="03000509000000000000" pitchFamily="65" charset="-120"/>
+              </a:rPr>
+              <a:t>名單列表中先將重複名字去除</a:t>
+            </a:r>
+            <a:endParaRPr lang="en-US" altLang="zh-TW" dirty="0">
+              <a:latin typeface="Times New Roman" panose="02020603050405020304" pitchFamily="18" charset="0"/>
+              <a:ea typeface="標楷體" panose="03000509000000000000" pitchFamily="65" charset="-120"/>
+            </a:endParaRPr>
+          </a:p>
+          <a:p>
+            <a:pPr>
+              <a:lnSpc>
+                <a:spcPct val="100000"/>
+              </a:lnSpc>
+            </a:pPr>
+            <a:r>
+              <a:rPr lang="zh-TW" altLang="en-US" dirty="0">
+                <a:latin typeface="Times New Roman" panose="02020603050405020304" pitchFamily="18" charset="0"/>
+                <a:ea typeface="標楷體" panose="03000509000000000000" pitchFamily="65" charset="-120"/>
+              </a:rPr>
+              <a:t>總價值是可以比較的</a:t>
+            </a:r>
+            <a:endParaRPr lang="en-US" altLang="zh-TW" dirty="0">
+              <a:latin typeface="Times New Roman" panose="02020603050405020304" pitchFamily="18" charset="0"/>
+              <a:ea typeface="標楷體" panose="03000509000000000000" pitchFamily="65" charset="-120"/>
+            </a:endParaRPr>
+          </a:p>
+          <a:p>
+            <a:pPr>
+              <a:lnSpc>
+                <a:spcPct val="100000"/>
+              </a:lnSpc>
+            </a:pPr>
+            <a:r>
+              <a:rPr lang="zh-TW" altLang="en-US" dirty="0">
+                <a:latin typeface="Times New Roman" panose="02020603050405020304" pitchFamily="18" charset="0"/>
+                <a:ea typeface="標楷體" panose="03000509000000000000" pitchFamily="65" charset="-120"/>
+              </a:rPr>
+              <a:t>刪除最少數量名單 </a:t>
+            </a:r>
+            <a:r>
+              <a:rPr lang="en-US" altLang="zh-TW" dirty="0">
+                <a:latin typeface="Times New Roman" panose="02020603050405020304" pitchFamily="18" charset="0"/>
+                <a:ea typeface="標楷體" panose="03000509000000000000" pitchFamily="65" charset="-120"/>
+              </a:rPr>
+              <a:t>=</a:t>
+            </a:r>
+            <a:r>
+              <a:rPr lang="zh-TW" altLang="en-US" dirty="0">
+                <a:latin typeface="Times New Roman" panose="02020603050405020304" pitchFamily="18" charset="0"/>
+                <a:ea typeface="標楷體" panose="03000509000000000000" pitchFamily="65" charset="-120"/>
+              </a:rPr>
+              <a:t> 找到最長名單排列 </a:t>
+            </a:r>
+            <a:endParaRPr lang="en-US" altLang="zh-TW" dirty="0">
+              <a:latin typeface="Times New Roman" panose="02020603050405020304" pitchFamily="18" charset="0"/>
+              <a:ea typeface="標楷體" panose="03000509000000000000" pitchFamily="65" charset="-120"/>
+            </a:endParaRPr>
+          </a:p>
+          <a:p>
+            <a:pPr>
+              <a:lnSpc>
+                <a:spcPct val="100000"/>
+              </a:lnSpc>
+            </a:pPr>
+            <a:r>
+              <a:rPr lang="zh-TW" altLang="en-US" dirty="0">
+                <a:latin typeface="Times New Roman" panose="02020603050405020304" pitchFamily="18" charset="0"/>
+                <a:ea typeface="標楷體" panose="03000509000000000000" pitchFamily="65" charset="-120"/>
+              </a:rPr>
+              <a:t>找到最長名單排列</a:t>
+            </a:r>
+            <a:r>
+              <a:rPr lang="en-US" altLang="zh-TW" dirty="0">
+                <a:latin typeface="Times New Roman" panose="02020603050405020304" pitchFamily="18" charset="0"/>
+                <a:ea typeface="標楷體" panose="03000509000000000000" pitchFamily="65" charset="-120"/>
+              </a:rPr>
+              <a:t>(</a:t>
+            </a:r>
+            <a:r>
+              <a:rPr lang="zh-TW" altLang="en-US" dirty="0">
+                <a:latin typeface="Times New Roman" panose="02020603050405020304" pitchFamily="18" charset="0"/>
+                <a:ea typeface="標楷體" panose="03000509000000000000" pitchFamily="65" charset="-120"/>
+              </a:rPr>
+              <a:t>價值遞減</a:t>
+            </a:r>
+            <a:r>
+              <a:rPr lang="en-US" altLang="zh-TW" dirty="0">
+                <a:latin typeface="Times New Roman" panose="02020603050405020304" pitchFamily="18" charset="0"/>
+                <a:ea typeface="標楷體" panose="03000509000000000000" pitchFamily="65" charset="-120"/>
+              </a:rPr>
+              <a:t>)</a:t>
+            </a:r>
+            <a:r>
+              <a:rPr lang="zh-TW" altLang="en-US" dirty="0">
+                <a:latin typeface="Times New Roman" panose="02020603050405020304" pitchFamily="18" charset="0"/>
+                <a:ea typeface="標楷體" panose="03000509000000000000" pitchFamily="65" charset="-120"/>
+              </a:rPr>
+              <a:t> </a:t>
+            </a:r>
+            <a:r>
+              <a:rPr lang="en-US" altLang="zh-TW" dirty="0">
+                <a:latin typeface="Times New Roman" panose="02020603050405020304" pitchFamily="18" charset="0"/>
+                <a:ea typeface="標楷體" panose="03000509000000000000" pitchFamily="65" charset="-120"/>
+              </a:rPr>
+              <a:t>=&gt;</a:t>
+            </a:r>
+            <a:r>
+              <a:rPr lang="zh-TW" altLang="en-US" dirty="0">
+                <a:latin typeface="Times New Roman" panose="02020603050405020304" pitchFamily="18" charset="0"/>
+                <a:ea typeface="標楷體" panose="03000509000000000000" pitchFamily="65" charset="-120"/>
+              </a:rPr>
+              <a:t> </a:t>
+            </a:r>
+            <a:r>
+              <a:rPr lang="en-US" altLang="zh-TW" dirty="0">
+                <a:latin typeface="Times New Roman" panose="02020603050405020304" pitchFamily="18" charset="0"/>
+                <a:ea typeface="標楷體" panose="03000509000000000000" pitchFamily="65" charset="-120"/>
+              </a:rPr>
+              <a:t>LDS</a:t>
+            </a:r>
+          </a:p>
+          <a:p>
+            <a:pPr>
+              <a:lnSpc>
+                <a:spcPct val="100000"/>
+              </a:lnSpc>
+            </a:pPr>
+            <a:r>
+              <a:rPr lang="zh-TW" altLang="en-US" dirty="0">
+                <a:latin typeface="Times New Roman" panose="02020603050405020304" pitchFamily="18" charset="0"/>
+                <a:ea typeface="標楷體" panose="03000509000000000000" pitchFamily="65" charset="-120"/>
+              </a:rPr>
+              <a:t>紀錄最早出現的</a:t>
+            </a:r>
+            <a:r>
+              <a:rPr lang="en-US" altLang="zh-TW" dirty="0">
+                <a:latin typeface="Times New Roman" panose="02020603050405020304" pitchFamily="18" charset="0"/>
+                <a:ea typeface="標楷體" panose="03000509000000000000" pitchFamily="65" charset="-120"/>
+              </a:rPr>
+              <a:t>LDS</a:t>
+            </a:r>
+          </a:p>
+          <a:p>
+            <a:pPr marL="0" indent="0">
+              <a:lnSpc>
+                <a:spcPct val="100000"/>
+              </a:lnSpc>
+              <a:buNone/>
+            </a:pPr>
+            <a:endParaRPr lang="en-US" altLang="zh-TW" dirty="0">
+              <a:latin typeface="Times New Roman" panose="02020603050405020304" pitchFamily="18" charset="0"/>
+              <a:ea typeface="標楷體" panose="03000509000000000000" pitchFamily="65" charset="-120"/>
+            </a:endParaRPr>
+          </a:p>
+          <a:p>
+            <a:pPr marL="0" indent="0">
+              <a:lnSpc>
+                <a:spcPct val="100000"/>
+              </a:lnSpc>
+              <a:buNone/>
+            </a:pPr>
+            <a:r>
+              <a:rPr lang="zh-TW" altLang="en-US" dirty="0">
+                <a:latin typeface="Times New Roman" panose="02020603050405020304" pitchFamily="18" charset="0"/>
+                <a:ea typeface="標楷體" panose="03000509000000000000" pitchFamily="65" charset="-120"/>
+              </a:rPr>
+              <a:t>動態規劃</a:t>
+            </a:r>
+            <a:r>
+              <a:rPr lang="en-US" altLang="zh-TW" dirty="0">
+                <a:latin typeface="Times New Roman" panose="02020603050405020304" pitchFamily="18" charset="0"/>
+                <a:ea typeface="標楷體" panose="03000509000000000000" pitchFamily="65" charset="-120"/>
+              </a:rPr>
+              <a:t>:</a:t>
+            </a:r>
+            <a:r>
+              <a:rPr lang="zh-TW" altLang="en-US" dirty="0">
+                <a:latin typeface="Times New Roman" panose="02020603050405020304" pitchFamily="18" charset="0"/>
+                <a:ea typeface="標楷體" panose="03000509000000000000" pitchFamily="65" charset="-120"/>
+              </a:rPr>
+              <a:t> </a:t>
+            </a:r>
+            <a:r>
+              <a:rPr lang="en-US" altLang="zh-TW" dirty="0">
+                <a:latin typeface="Times New Roman" panose="02020603050405020304" pitchFamily="18" charset="0"/>
+                <a:ea typeface="標楷體" panose="03000509000000000000" pitchFamily="65" charset="-120"/>
+              </a:rPr>
+              <a:t>O(N^2)</a:t>
+            </a:r>
+            <a:r>
+              <a:rPr lang="zh-TW" altLang="en-US" dirty="0">
+                <a:latin typeface="Times New Roman" panose="02020603050405020304" pitchFamily="18" charset="0"/>
+                <a:ea typeface="標楷體" panose="03000509000000000000" pitchFamily="65" charset="-120"/>
+              </a:rPr>
+              <a:t> </a:t>
+            </a:r>
+            <a:r>
+              <a:rPr lang="en-US" altLang="zh-TW" dirty="0">
+                <a:latin typeface="Times New Roman" panose="02020603050405020304" pitchFamily="18" charset="0"/>
+                <a:ea typeface="標楷體" panose="03000509000000000000" pitchFamily="65" charset="-120"/>
+              </a:rPr>
+              <a:t>or O(</a:t>
+            </a:r>
+            <a:r>
+              <a:rPr lang="en-US" altLang="zh-TW" dirty="0" err="1">
+                <a:latin typeface="Times New Roman" panose="02020603050405020304" pitchFamily="18" charset="0"/>
+                <a:ea typeface="標楷體" panose="03000509000000000000" pitchFamily="65" charset="-120"/>
+              </a:rPr>
+              <a:t>NlogN</a:t>
+            </a:r>
+            <a:r>
+              <a:rPr lang="en-US" altLang="zh-TW" dirty="0">
+                <a:latin typeface="Times New Roman" panose="02020603050405020304" pitchFamily="18" charset="0"/>
+                <a:ea typeface="標楷體" panose="03000509000000000000" pitchFamily="65" charset="-120"/>
+              </a:rPr>
+              <a:t>)</a:t>
+            </a:r>
+          </a:p>
+        </p:txBody>
+      </p:sp>
+    </p:spTree>
+    <p:extLst>
+      <p:ext uri="{BB962C8B-B14F-4D97-AF65-F5344CB8AC3E}">
+        <p14:creationId xmlns:p14="http://schemas.microsoft.com/office/powerpoint/2010/main" val="3566339620"/>
+      </p:ext>
+    </p:extLst>
+  </p:cSld>
+  <p:clrMapOvr>
+    <a:masterClrMapping/>
+  </p:clrMapOvr>
+</p:sld>
+</file>
+
+<file path=ppt/slides/slide8.xml><?xml version="1.0" encoding="utf-8"?>
+<p:sld xmlns:a="http://schemas.openxmlformats.org/drawingml/2006/main" xmlns:r="http://schemas.openxmlformats.org/officeDocument/2006/relationships" xmlns:p="http://schemas.openxmlformats.org/presentationml/2006/main">
+  <p:cSld>
+    <p:spTree>
+      <p:nvGrpSpPr>
+        <p:cNvPr id="1" name=""/>
+        <p:cNvGrpSpPr/>
+        <p:nvPr/>
+      </p:nvGrpSpPr>
+      <p:grpSpPr>
+        <a:xfrm>
+          <a:off x="0" y="0"/>
+          <a:ext cx="0" cy="0"/>
+          <a:chOff x="0" y="0"/>
+          <a:chExt cx="0" cy="0"/>
+        </a:xfrm>
+      </p:grpSpPr>
+      <p:sp>
+        <p:nvSpPr>
+          <p:cNvPr id="2" name="標題 1"/>
+          <p:cNvSpPr>
+            <a:spLocks noGrp="1"/>
+          </p:cNvSpPr>
+          <p:nvPr>
+            <p:ph type="title"/>
+          </p:nvPr>
+        </p:nvSpPr>
+        <p:spPr/>
+        <p:txBody>
+          <a:bodyPr/>
+          <a:lstStyle/>
+          <a:p>
+            <a:r>
               <a:rPr lang="en-US" altLang="zh-TW" dirty="0">
                 <a:latin typeface="+mn-lt"/>
                 <a:ea typeface="+mn-ea"/>
@@ -6343,42 +6698,42 @@
           <a:lstStyle/>
           <a:p>
             <a:r>
-              <a:rPr lang="zh-TW" altLang="en-US" dirty="0" smtClean="0">
+              <a:rPr lang="zh-TW" altLang="en-US" dirty="0">
                 <a:latin typeface="標楷體" panose="03000509000000000000" pitchFamily="65" charset="-120"/>
                 <a:ea typeface="標楷體" panose="03000509000000000000" pitchFamily="65" charset="-120"/>
               </a:rPr>
               <a:t>時間複雜度</a:t>
             </a:r>
             <a:r>
-              <a:rPr lang="en-US" altLang="zh-TW" dirty="0" smtClean="0">
+              <a:rPr lang="en-US" altLang="zh-TW" dirty="0">
                 <a:latin typeface="標楷體" panose="03000509000000000000" pitchFamily="65" charset="-120"/>
                 <a:ea typeface="標楷體" panose="03000509000000000000" pitchFamily="65" charset="-120"/>
               </a:rPr>
               <a:t>:</a:t>
             </a:r>
             <a:r>
-              <a:rPr lang="zh-TW" altLang="en-US" dirty="0" smtClean="0">
+              <a:rPr lang="zh-TW" altLang="en-US" dirty="0">
                 <a:latin typeface="標楷體" panose="03000509000000000000" pitchFamily="65" charset="-120"/>
                 <a:ea typeface="標楷體" panose="03000509000000000000" pitchFamily="65" charset="-120"/>
               </a:rPr>
               <a:t> </a:t>
             </a:r>
             <a:r>
-              <a:rPr lang="en-US" altLang="zh-TW" dirty="0" smtClean="0">
+              <a:rPr lang="en-US" altLang="zh-TW" dirty="0">
                 <a:latin typeface="標楷體" panose="03000509000000000000" pitchFamily="65" charset="-120"/>
                 <a:ea typeface="標楷體" panose="03000509000000000000" pitchFamily="65" charset="-120"/>
               </a:rPr>
               <a:t>O(</a:t>
             </a:r>
             <a:r>
-              <a:rPr lang="en-US" altLang="zh-TW" dirty="0" err="1" smtClean="0">
+              <a:rPr lang="en-US" altLang="zh-TW" dirty="0" err="1">
                 <a:latin typeface="標楷體" panose="03000509000000000000" pitchFamily="65" charset="-120"/>
                 <a:ea typeface="標楷體" panose="03000509000000000000" pitchFamily="65" charset="-120"/>
               </a:rPr>
               <a:t>NlogN</a:t>
             </a:r>
             <a:r>
-              <a:rPr lang="en-US" altLang="zh-TW" dirty="0" smtClean="0">
+              <a:rPr lang="en-US" altLang="zh-TW" dirty="0">
                 <a:latin typeface="標楷體" panose="03000509000000000000" pitchFamily="65" charset="-120"/>
                 <a:ea typeface="標楷體" panose="03000509000000000000" pitchFamily="65" charset="-120"/>
               </a:rPr>
@@ -6387,52 +6742,48 @@
           </a:p>
           <a:p>
             <a:r>
-              <a:rPr lang="zh-TW" altLang="en-US" dirty="0" smtClean="0">
+              <a:rPr lang="zh-TW" altLang="en-US" dirty="0">
                 <a:latin typeface="標楷體" panose="03000509000000000000" pitchFamily="65" charset="-120"/>
                 <a:ea typeface="標楷體" panose="03000509000000000000" pitchFamily="65" charset="-120"/>
               </a:rPr>
               <a:t>用貪心</a:t>
             </a:r>
             <a:r>
-              <a:rPr lang="en-US" altLang="zh-TW" dirty="0" smtClean="0">
+              <a:rPr lang="en-US" altLang="zh-TW" dirty="0">
                 <a:latin typeface="標楷體" panose="03000509000000000000" pitchFamily="65" charset="-120"/>
                 <a:ea typeface="標楷體" panose="03000509000000000000" pitchFamily="65" charset="-120"/>
               </a:rPr>
               <a:t>+</a:t>
             </a:r>
             <a:r>
-              <a:rPr lang="zh-TW" altLang="en-US" dirty="0" smtClean="0">
+              <a:rPr lang="zh-TW" altLang="en-US" dirty="0">
                 <a:latin typeface="標楷體" panose="03000509000000000000" pitchFamily="65" charset="-120"/>
                 <a:ea typeface="標楷體" panose="03000509000000000000" pitchFamily="65" charset="-120"/>
               </a:rPr>
               <a:t>二分搜找到</a:t>
             </a:r>
             <a:r>
-              <a:rPr lang="en-US" altLang="zh-TW" dirty="0" smtClean="0">
+              <a:rPr lang="en-US" altLang="zh-TW" dirty="0">
                 <a:latin typeface="標楷體" panose="03000509000000000000" pitchFamily="65" charset="-120"/>
                 <a:ea typeface="標楷體" panose="03000509000000000000" pitchFamily="65" charset="-120"/>
               </a:rPr>
               <a:t>LIS</a:t>
             </a:r>
+          </a:p>
+          <a:p>
             <a:endParaRPr lang="en-US" altLang="zh-TW" dirty="0">
               <a:latin typeface="標楷體" panose="03000509000000000000" pitchFamily="65" charset="-120"/>
               <a:ea typeface="標楷體" panose="03000509000000000000" pitchFamily="65" charset="-120"/>
             </a:endParaRPr>
           </a:p>
           <a:p>
-            <a:endParaRPr lang="en-US" altLang="zh-TW" dirty="0" smtClean="0">
-              <a:latin typeface="標楷體" panose="03000509000000000000" pitchFamily="65" charset="-120"/>
-              <a:ea typeface="標楷體" panose="03000509000000000000" pitchFamily="65" charset="-120"/>
-            </a:endParaRPr>
-          </a:p>
-          <a:p>
             <a:endParaRPr lang="en-US" altLang="zh-TW" dirty="0">
               <a:latin typeface="標楷體" panose="03000509000000000000" pitchFamily="65" charset="-120"/>
               <a:ea typeface="標楷體" panose="03000509000000000000" pitchFamily="65" charset="-120"/>
             </a:endParaRPr>
           </a:p>
           <a:p>
-            <a:endParaRPr lang="en-US" altLang="zh-TW" dirty="0" smtClean="0">
+            <a:endParaRPr lang="en-US" altLang="zh-TW" dirty="0">
               <a:latin typeface="標楷體" panose="03000509000000000000" pitchFamily="65" charset="-120"/>
               <a:ea typeface="標楷體" panose="03000509000000000000" pitchFamily="65" charset="-120"/>
             </a:endParaRPr>
@@ -6469,17 +6820,10 @@
   <p:clrMapOvr>
     <a:masterClrMapping/>
   </p:clrMapOvr>
-  <p:timing>
-    <p:tnLst>
-      <p:par>
-        <p:cTn id="1" dur="indefinite" restart="never" nodeType="tmRoot"/>
-      </p:par>
-    </p:tnLst>
-  </p:timing>
 </p:sld>
 </file>
 
-<file path=ppt/slides/slide8.xml><?xml version="1.0" encoding="utf-8"?>
+<file path=ppt/slides/slide9.xml><?xml version="1.0" encoding="utf-8"?>
 <p:sld xmlns:a="http://schemas.openxmlformats.org/drawingml/2006/main" xmlns:r="http://schemas.openxmlformats.org/officeDocument/2006/relationships" xmlns:p="http://schemas.openxmlformats.org/presentationml/2006/main">
   <p:cSld>
     <p:spTree>
@@ -6732,7 +7076,7 @@
           <a:lstStyle/>
           <a:p>
             <a:r>
-              <a:rPr lang="en-US" altLang="zh-TW" dirty="0" smtClean="0"/>
+              <a:rPr lang="en-US" altLang="zh-TW" dirty="0"/>
               <a:t>Sequence Container</a:t>
             </a:r>
             <a:endParaRPr lang="zh-TW" altLang="en-US" dirty="0"/>
@@ -6762,15 +7106,15 @@
           <a:lstStyle/>
           <a:p>
             <a:r>
-              <a:rPr lang="en-US" altLang="zh-TW" dirty="0" smtClean="0"/>
+              <a:rPr lang="en-US" altLang="zh-TW" dirty="0"/>
               <a:t>Accumulate</a:t>
             </a:r>
             <a:r>
-              <a:rPr lang="zh-TW" altLang="en-US" dirty="0" smtClean="0"/>
+              <a:rPr lang="zh-TW" altLang="en-US" dirty="0"/>
               <a:t>累加函式，並自訂函式行為 </a:t>
             </a:r>
             <a:r>
-              <a:rPr lang="en-US" altLang="zh-TW" dirty="0" smtClean="0"/>
+              <a:rPr lang="en-US" altLang="zh-TW" dirty="0"/>
               <a:t>Lambda</a:t>
             </a:r>
             <a:endParaRPr lang="zh-TW" altLang="en-US" dirty="0"/>
@@ -6787,338 +7131,6 @@
   <p:clrMapOvr>
     <a:masterClrMapping/>
   </p:clrMapOvr>
-  <p:timing>
-    <p:tnLst>
-      <p:par>
-        <p:cTn id="1" dur="indefinite" restart="never" nodeType="tmRoot"/>
-      </p:par>
-    </p:tnLst>
-  </p:timing>
-</p:sld>
-</file>
-
-<file path=ppt/slides/slide9.xml><?xml version="1.0" encoding="utf-8"?>
-<p:sld xmlns:a="http://schemas.openxmlformats.org/drawingml/2006/main" xmlns:r="http://schemas.openxmlformats.org/officeDocument/2006/relationships" xmlns:p="http://schemas.openxmlformats.org/presentationml/2006/main">
-  <p:cSld>
-    <p:spTree>
-      <p:nvGrpSpPr>
-        <p:cNvPr id="1" name=""/>
-        <p:cNvGrpSpPr/>
-        <p:nvPr/>
-      </p:nvGrpSpPr>
-      <p:grpSpPr>
-        <a:xfrm>
-          <a:off x="0" y="0"/>
-          <a:ext cx="0" cy="0"/>
-          <a:chOff x="0" y="0"/>
-          <a:chExt cx="0" cy="0"/>
-        </a:xfrm>
-      </p:grpSpPr>
-      <p:pic>
-        <p:nvPicPr>
-          <p:cNvPr id="4" name="圖片 3"/>
-          <p:cNvPicPr>
-            <a:picLocks noChangeAspect="1"/>
-          </p:cNvPicPr>
-          <p:nvPr/>
-        </p:nvPicPr>
-        <p:blipFill>
-          <a:blip r:embed="rId2"/>
-          <a:stretch>
-            <a:fillRect/>
-          </a:stretch>
-        </p:blipFill>
-        <p:spPr>
-          <a:xfrm>
-            <a:off x="138601" y="2"/>
-            <a:ext cx="9040968" cy="6857998"/>
-          </a:xfrm>
-          <a:prstGeom prst="rect">
-            <a:avLst/>
-          </a:prstGeom>
-        </p:spPr>
-      </p:pic>
-      <p:cxnSp>
-        <p:nvCxnSpPr>
-          <p:cNvPr id="6" name="直線接點 5"/>
-          <p:cNvCxnSpPr/>
-          <p:nvPr/>
-        </p:nvCxnSpPr>
-        <p:spPr>
-          <a:xfrm flipV="1">
-            <a:off x="3648891" y="269966"/>
-            <a:ext cx="4650378" cy="226423"/>
-          </a:xfrm>
-          <a:prstGeom prst="line">
-            <a:avLst/>
-          </a:prstGeom>
-        </p:spPr>
-        <p:style>
-          <a:lnRef idx="1">
-            <a:schemeClr val="accent1"/>
-          </a:lnRef>
-          <a:fillRef idx="0">
-            <a:schemeClr val="accent1"/>
-          </a:fillRef>
-          <a:effectRef idx="0">
-            <a:schemeClr val="accent1"/>
-          </a:effectRef>
-          <a:fontRef idx="minor">
-            <a:schemeClr val="tx1"/>
-          </a:fontRef>
-        </p:style>
-      </p:cxnSp>
-      <p:sp>
-        <p:nvSpPr>
-          <p:cNvPr id="8" name="文字方塊 7"/>
-          <p:cNvSpPr txBox="1"/>
-          <p:nvPr/>
-        </p:nvSpPr>
-        <p:spPr>
-          <a:xfrm>
-            <a:off x="8830491" y="121920"/>
-            <a:ext cx="1558835" cy="369332"/>
-          </a:xfrm>
-          <a:prstGeom prst="rect">
-            <a:avLst/>
-          </a:prstGeom>
-          <a:noFill/>
-        </p:spPr>
-        <p:txBody>
-          <a:bodyPr wrap="square" rtlCol="0">
-            <a:spAutoFit/>
-          </a:bodyPr>
-          <a:lstStyle/>
-          <a:p>
-            <a:r>
-              <a:rPr lang="zh-TW" altLang="en-US" dirty="0" smtClean="0"/>
-              <a:t>做預處理</a:t>
-            </a:r>
-            <a:endParaRPr lang="zh-TW" altLang="en-US" dirty="0"/>
-          </a:p>
-        </p:txBody>
-      </p:sp>
-      <p:cxnSp>
-        <p:nvCxnSpPr>
-          <p:cNvPr id="10" name="直線接點 9"/>
-          <p:cNvCxnSpPr/>
-          <p:nvPr/>
-        </p:nvCxnSpPr>
-        <p:spPr>
-          <a:xfrm flipV="1">
-            <a:off x="5329646" y="1375954"/>
-            <a:ext cx="3526971" cy="426720"/>
-          </a:xfrm>
-          <a:prstGeom prst="line">
-            <a:avLst/>
-          </a:prstGeom>
-        </p:spPr>
-        <p:style>
-          <a:lnRef idx="1">
-            <a:schemeClr val="accent1"/>
-          </a:lnRef>
-          <a:fillRef idx="0">
-            <a:schemeClr val="accent1"/>
-          </a:fillRef>
-          <a:effectRef idx="0">
-            <a:schemeClr val="accent1"/>
-          </a:effectRef>
-          <a:fontRef idx="minor">
-            <a:schemeClr val="tx1"/>
-          </a:fontRef>
-        </p:style>
-      </p:cxnSp>
-      <p:sp>
-        <p:nvSpPr>
-          <p:cNvPr id="11" name="文字方塊 10"/>
-          <p:cNvSpPr txBox="1"/>
-          <p:nvPr/>
-        </p:nvSpPr>
-        <p:spPr>
-          <a:xfrm>
-            <a:off x="8917577" y="1071154"/>
-            <a:ext cx="1907177" cy="646331"/>
-          </a:xfrm>
-          <a:prstGeom prst="rect">
-            <a:avLst/>
-          </a:prstGeom>
-          <a:noFill/>
-        </p:spPr>
-        <p:txBody>
-          <a:bodyPr wrap="square" rtlCol="0">
-            <a:spAutoFit/>
-          </a:bodyPr>
-          <a:lstStyle/>
-          <a:p>
-            <a:r>
-              <a:rPr lang="zh-TW" altLang="en-US" dirty="0" smtClean="0"/>
-              <a:t>由後往前算</a:t>
-            </a:r>
-            <a:r>
-              <a:rPr lang="en-US" altLang="zh-TW" dirty="0" smtClean="0"/>
-              <a:t>LIS</a:t>
-            </a:r>
-            <a:r>
-              <a:rPr lang="zh-TW" altLang="en-US" dirty="0" smtClean="0"/>
-              <a:t> </a:t>
-            </a:r>
-            <a:r>
-              <a:rPr lang="en-US" altLang="zh-TW" dirty="0" smtClean="0"/>
-              <a:t>=</a:t>
-            </a:r>
-            <a:r>
-              <a:rPr lang="zh-TW" altLang="en-US" dirty="0" smtClean="0"/>
-              <a:t> 由前往後算</a:t>
-            </a:r>
-            <a:r>
-              <a:rPr lang="en-US" altLang="zh-TW" dirty="0" smtClean="0"/>
-              <a:t>LDS</a:t>
-            </a:r>
-            <a:endParaRPr lang="zh-TW" altLang="en-US" dirty="0"/>
-          </a:p>
-        </p:txBody>
-      </p:sp>
-      <p:cxnSp>
-        <p:nvCxnSpPr>
-          <p:cNvPr id="13" name="直線接點 12"/>
-          <p:cNvCxnSpPr/>
-          <p:nvPr/>
-        </p:nvCxnSpPr>
-        <p:spPr>
-          <a:xfrm>
-            <a:off x="5120640" y="3283131"/>
-            <a:ext cx="2882537" cy="714103"/>
-          </a:xfrm>
-          <a:prstGeom prst="line">
-            <a:avLst/>
-          </a:prstGeom>
-        </p:spPr>
-        <p:style>
-          <a:lnRef idx="1">
-            <a:schemeClr val="accent1"/>
-          </a:lnRef>
-          <a:fillRef idx="0">
-            <a:schemeClr val="accent1"/>
-          </a:fillRef>
-          <a:effectRef idx="0">
-            <a:schemeClr val="accent1"/>
-          </a:effectRef>
-          <a:fontRef idx="minor">
-            <a:schemeClr val="tx1"/>
-          </a:fontRef>
-        </p:style>
-      </p:cxnSp>
-      <p:sp>
-        <p:nvSpPr>
-          <p:cNvPr id="14" name="文字方塊 13"/>
-          <p:cNvSpPr txBox="1"/>
-          <p:nvPr/>
-        </p:nvSpPr>
-        <p:spPr>
-          <a:xfrm>
-            <a:off x="8525691" y="3753394"/>
-            <a:ext cx="1750423" cy="646331"/>
-          </a:xfrm>
-          <a:prstGeom prst="rect">
-            <a:avLst/>
-          </a:prstGeom>
-          <a:noFill/>
-        </p:spPr>
-        <p:txBody>
-          <a:bodyPr wrap="square" rtlCol="0">
-            <a:spAutoFit/>
-          </a:bodyPr>
-          <a:lstStyle/>
-          <a:p>
-            <a:r>
-              <a:rPr lang="en-US" altLang="zh-TW" dirty="0" smtClean="0"/>
-              <a:t>Binary Search</a:t>
-            </a:r>
-            <a:r>
-              <a:rPr lang="zh-TW" altLang="en-US" dirty="0" smtClean="0"/>
-              <a:t> 查找迭代器位置</a:t>
-            </a:r>
-            <a:endParaRPr lang="zh-TW" altLang="en-US" dirty="0"/>
-          </a:p>
-        </p:txBody>
-      </p:sp>
-      <p:cxnSp>
-        <p:nvCxnSpPr>
-          <p:cNvPr id="16" name="直線接點 15"/>
-          <p:cNvCxnSpPr/>
-          <p:nvPr/>
-        </p:nvCxnSpPr>
-        <p:spPr>
-          <a:xfrm>
-            <a:off x="5390606" y="5068389"/>
-            <a:ext cx="2377440" cy="278674"/>
-          </a:xfrm>
-          <a:prstGeom prst="line">
-            <a:avLst/>
-          </a:prstGeom>
-        </p:spPr>
-        <p:style>
-          <a:lnRef idx="1">
-            <a:schemeClr val="accent1"/>
-          </a:lnRef>
-          <a:fillRef idx="0">
-            <a:schemeClr val="accent1"/>
-          </a:fillRef>
-          <a:effectRef idx="0">
-            <a:schemeClr val="accent1"/>
-          </a:effectRef>
-          <a:fontRef idx="minor">
-            <a:schemeClr val="tx1"/>
-          </a:fontRef>
-        </p:style>
-      </p:cxnSp>
-      <p:sp>
-        <p:nvSpPr>
-          <p:cNvPr id="17" name="文字方塊 16"/>
-          <p:cNvSpPr txBox="1"/>
-          <p:nvPr/>
-        </p:nvSpPr>
-        <p:spPr>
-          <a:xfrm>
-            <a:off x="8299269" y="5207726"/>
-            <a:ext cx="1750422" cy="1477328"/>
-          </a:xfrm>
-          <a:prstGeom prst="rect">
-            <a:avLst/>
-          </a:prstGeom>
-          <a:noFill/>
-        </p:spPr>
-        <p:txBody>
-          <a:bodyPr wrap="square" rtlCol="0">
-            <a:spAutoFit/>
-          </a:bodyPr>
-          <a:lstStyle/>
-          <a:p>
-            <a:r>
-              <a:rPr lang="zh-TW" altLang="en-US" dirty="0" smtClean="0"/>
-              <a:t>反過來印，但因為原本是反過來做，所以走訪還是從前到後</a:t>
-            </a:r>
-            <a:endParaRPr lang="zh-TW" altLang="en-US" dirty="0"/>
-          </a:p>
-        </p:txBody>
-      </p:sp>
-    </p:spTree>
-    <p:extLst>
-      <p:ext uri="{BB962C8B-B14F-4D97-AF65-F5344CB8AC3E}">
-        <p14:creationId xmlns:p14="http://schemas.microsoft.com/office/powerpoint/2010/main" val="3284279738"/>
-      </p:ext>
-    </p:extLst>
-  </p:cSld>
-  <p:clrMapOvr>
-    <a:masterClrMapping/>
-  </p:clrMapOvr>
-  <p:timing>
-    <p:tnLst>
-      <p:par>
-        <p:cTn id="1" dur="indefinite" restart="never" nodeType="tmRoot"/>
-      </p:par>
-    </p:tnLst>
-  </p:timing>
 </p:sld>
 </file>
 

--- a/HW4 應用程式設計/說明.pptx
+++ b/HW4 應用程式設計/說明.pptx
@@ -3800,6 +3800,10 @@
               <a:rPr lang="zh-TW" altLang="en-US" sz="4400"/>
               <a:t>泛型程式設計與標準模板函式庫</a:t>
             </a:r>
+            <a:r>
+              <a:rPr lang="en-US" altLang="zh-TW" sz="4400"/>
+              <a:t/>
+            </a:r>
             <a:br>
               <a:rPr lang="en-US" altLang="zh-TW" sz="4400"/>
             </a:br>
@@ -6283,7 +6287,14 @@
                 <a:latin typeface="Times New Roman" panose="02020603050405020304" pitchFamily="18" charset="0"/>
                 <a:ea typeface="標楷體" panose="03000509000000000000" pitchFamily="65" charset="-120"/>
               </a:rPr>
-              <a:t>枚舉所有可能，每個名單都可以刪除或不刪除。</a:t>
+              <a:t>枚舉所有可能，每個名單都可以刪除或不刪除</a:t>
+            </a:r>
+            <a:r>
+              <a:rPr lang="zh-TW" altLang="en-US" dirty="0" smtClean="0">
+                <a:latin typeface="Times New Roman" panose="02020603050405020304" pitchFamily="18" charset="0"/>
+                <a:ea typeface="標楷體" panose="03000509000000000000" pitchFamily="65" charset="-120"/>
+              </a:rPr>
+              <a:t>。每個可能檢查是否滿足肥宅隊伍定義</a:t>
             </a:r>
             <a:endParaRPr lang="en-US" altLang="zh-TW" dirty="0">
               <a:latin typeface="Times New Roman" panose="02020603050405020304" pitchFamily="18" charset="0"/>
@@ -6423,7 +6434,14 @@
                 <a:latin typeface="Times New Roman" panose="02020603050405020304" pitchFamily="18" charset="0"/>
                 <a:ea typeface="標楷體" panose="03000509000000000000" pitchFamily="65" charset="-120"/>
               </a:rPr>
-              <a:t>刪除最少數量名單 </a:t>
+              <a:t>刪除</a:t>
+            </a:r>
+            <a:r>
+              <a:rPr lang="zh-TW" altLang="en-US" dirty="0" smtClean="0">
+                <a:latin typeface="Times New Roman" panose="02020603050405020304" pitchFamily="18" charset="0"/>
+                <a:ea typeface="標楷體" panose="03000509000000000000" pitchFamily="65" charset="-120"/>
+              </a:rPr>
+              <a:t>最少名單項目 </a:t>
             </a:r>
             <a:r>
               <a:rPr lang="en-US" altLang="zh-TW" dirty="0">
@@ -6433,13 +6451,34 @@
               <a:t>=</a:t>
             </a:r>
             <a:r>
-              <a:rPr lang="zh-TW" altLang="en-US" dirty="0">
-                <a:latin typeface="Times New Roman" panose="02020603050405020304" pitchFamily="18" charset="0"/>
-                <a:ea typeface="標楷體" panose="03000509000000000000" pitchFamily="65" charset="-120"/>
-              </a:rPr>
-              <a:t> 找到最長名單排列 </a:t>
-            </a:r>
-            <a:endParaRPr lang="en-US" altLang="zh-TW" dirty="0">
+              <a:rPr lang="zh-TW" altLang="en-US">
+                <a:latin typeface="Times New Roman" panose="02020603050405020304" pitchFamily="18" charset="0"/>
+                <a:ea typeface="標楷體" panose="03000509000000000000" pitchFamily="65" charset="-120"/>
+              </a:rPr>
+              <a:t> </a:t>
+            </a:r>
+            <a:r>
+              <a:rPr lang="zh-TW" altLang="en-US" smtClean="0">
+                <a:latin typeface="Times New Roman" panose="02020603050405020304" pitchFamily="18" charset="0"/>
+                <a:ea typeface="標楷體" panose="03000509000000000000" pitchFamily="65" charset="-120"/>
+              </a:rPr>
+              <a:t>找到一個最</a:t>
+            </a:r>
+            <a:r>
+              <a:rPr lang="zh-TW" altLang="en-US">
+                <a:latin typeface="Times New Roman" panose="02020603050405020304" pitchFamily="18" charset="0"/>
+                <a:ea typeface="標楷體" panose="03000509000000000000" pitchFamily="65" charset="-120"/>
+              </a:rPr>
+              <a:t>長</a:t>
+            </a:r>
+            <a:r>
+              <a:rPr lang="zh-TW" altLang="en-US" smtClean="0">
+                <a:latin typeface="Times New Roman" panose="02020603050405020304" pitchFamily="18" charset="0"/>
+                <a:ea typeface="標楷體" panose="03000509000000000000" pitchFamily="65" charset="-120"/>
+              </a:rPr>
+              <a:t>名單項目</a:t>
+            </a:r>
+            <a:endParaRPr lang="en-US" altLang="zh-TW" dirty="0" smtClean="0">
               <a:latin typeface="Times New Roman" panose="02020603050405020304" pitchFamily="18" charset="0"/>
               <a:ea typeface="標楷體" panose="03000509000000000000" pitchFamily="65" charset="-120"/>
             </a:endParaRPr>
@@ -6451,11 +6490,18 @@
               </a:lnSpc>
             </a:pPr>
             <a:r>
+              <a:rPr lang="zh-TW" altLang="en-US" dirty="0" smtClean="0">
+                <a:latin typeface="Times New Roman" panose="02020603050405020304" pitchFamily="18" charset="0"/>
+                <a:ea typeface="標楷體" panose="03000509000000000000" pitchFamily="65" charset="-120"/>
+              </a:rPr>
+              <a:t>找到</a:t>
+            </a:r>
+            <a:r>
               <a:rPr lang="zh-TW" altLang="en-US" dirty="0">
                 <a:latin typeface="Times New Roman" panose="02020603050405020304" pitchFamily="18" charset="0"/>
                 <a:ea typeface="標楷體" panose="03000509000000000000" pitchFamily="65" charset="-120"/>
               </a:rPr>
-              <a:t>找到最長名單排列</a:t>
+              <a:t>最長名單排列</a:t>
             </a:r>
             <a:r>
               <a:rPr lang="en-US" altLang="zh-TW" dirty="0">

--- a/HW4 應用程式設計/說明.pptx
+++ b/HW4 應用程式設計/說明.pptx
@@ -5,21 +5,22 @@
     <p:sldMasterId id="2147483648" r:id="rId1"/>
   </p:sldMasterIdLst>
   <p:notesMasterIdLst>
-    <p:notesMasterId r:id="rId14"/>
+    <p:notesMasterId r:id="rId15"/>
   </p:notesMasterIdLst>
   <p:sldIdLst>
     <p:sldId id="256" r:id="rId2"/>
     <p:sldId id="269" r:id="rId3"/>
     <p:sldId id="270" r:id="rId4"/>
-    <p:sldId id="258" r:id="rId5"/>
-    <p:sldId id="261" r:id="rId6"/>
-    <p:sldId id="262" r:id="rId7"/>
-    <p:sldId id="266" r:id="rId8"/>
-    <p:sldId id="267" r:id="rId9"/>
-    <p:sldId id="259" r:id="rId10"/>
-    <p:sldId id="268" r:id="rId11"/>
-    <p:sldId id="260" r:id="rId12"/>
-    <p:sldId id="264" r:id="rId13"/>
+    <p:sldId id="271" r:id="rId5"/>
+    <p:sldId id="258" r:id="rId6"/>
+    <p:sldId id="261" r:id="rId7"/>
+    <p:sldId id="262" r:id="rId8"/>
+    <p:sldId id="266" r:id="rId9"/>
+    <p:sldId id="267" r:id="rId10"/>
+    <p:sldId id="259" r:id="rId11"/>
+    <p:sldId id="268" r:id="rId12"/>
+    <p:sldId id="260" r:id="rId13"/>
+    <p:sldId id="264" r:id="rId14"/>
   </p:sldIdLst>
   <p:sldSz cx="12192000" cy="6858000"/>
   <p:notesSz cx="6858000" cy="9144000"/>
@@ -540,7 +541,7 @@
           <a:p>
             <a:fld id="{85318969-AD61-48AB-9EF7-F9FB26740FF6}" type="slidenum">
               <a:rPr lang="zh-TW" altLang="en-US" smtClean="0"/>
-              <a:t>5</a:t>
+              <a:t>6</a:t>
             </a:fld>
             <a:endParaRPr lang="zh-TW" altLang="en-US"/>
           </a:p>
@@ -3800,10 +3801,6 @@
               <a:rPr lang="zh-TW" altLang="en-US" sz="4400"/>
               <a:t>泛型程式設計與標準模板函式庫</a:t>
             </a:r>
-            <a:r>
-              <a:rPr lang="en-US" altLang="zh-TW" sz="4400"/>
-              <a:t/>
-            </a:r>
             <a:br>
               <a:rPr lang="en-US" altLang="zh-TW" sz="4400"/>
             </a:br>
@@ -3935,2941 +3932,6 @@
 </file>
 
 <file path=ppt/slides/slide10.xml><?xml version="1.0" encoding="utf-8"?>
-<p:sld xmlns:a="http://schemas.openxmlformats.org/drawingml/2006/main" xmlns:r="http://schemas.openxmlformats.org/officeDocument/2006/relationships" xmlns:p="http://schemas.openxmlformats.org/presentationml/2006/main">
-  <p:cSld>
-    <p:spTree>
-      <p:nvGrpSpPr>
-        <p:cNvPr id="1" name=""/>
-        <p:cNvGrpSpPr/>
-        <p:nvPr/>
-      </p:nvGrpSpPr>
-      <p:grpSpPr>
-        <a:xfrm>
-          <a:off x="0" y="0"/>
-          <a:ext cx="0" cy="0"/>
-          <a:chOff x="0" y="0"/>
-          <a:chExt cx="0" cy="0"/>
-        </a:xfrm>
-      </p:grpSpPr>
-      <p:pic>
-        <p:nvPicPr>
-          <p:cNvPr id="4" name="圖片 3"/>
-          <p:cNvPicPr>
-            <a:picLocks noChangeAspect="1"/>
-          </p:cNvPicPr>
-          <p:nvPr/>
-        </p:nvPicPr>
-        <p:blipFill>
-          <a:blip r:embed="rId2"/>
-          <a:stretch>
-            <a:fillRect/>
-          </a:stretch>
-        </p:blipFill>
-        <p:spPr>
-          <a:xfrm>
-            <a:off x="138601" y="2"/>
-            <a:ext cx="9040968" cy="6857998"/>
-          </a:xfrm>
-          <a:prstGeom prst="rect">
-            <a:avLst/>
-          </a:prstGeom>
-        </p:spPr>
-      </p:pic>
-      <p:cxnSp>
-        <p:nvCxnSpPr>
-          <p:cNvPr id="6" name="直線接點 5"/>
-          <p:cNvCxnSpPr/>
-          <p:nvPr/>
-        </p:nvCxnSpPr>
-        <p:spPr>
-          <a:xfrm flipV="1">
-            <a:off x="3648891" y="269966"/>
-            <a:ext cx="4650378" cy="226423"/>
-          </a:xfrm>
-          <a:prstGeom prst="line">
-            <a:avLst/>
-          </a:prstGeom>
-        </p:spPr>
-        <p:style>
-          <a:lnRef idx="1">
-            <a:schemeClr val="accent1"/>
-          </a:lnRef>
-          <a:fillRef idx="0">
-            <a:schemeClr val="accent1"/>
-          </a:fillRef>
-          <a:effectRef idx="0">
-            <a:schemeClr val="accent1"/>
-          </a:effectRef>
-          <a:fontRef idx="minor">
-            <a:schemeClr val="tx1"/>
-          </a:fontRef>
-        </p:style>
-      </p:cxnSp>
-      <p:sp>
-        <p:nvSpPr>
-          <p:cNvPr id="8" name="文字方塊 7"/>
-          <p:cNvSpPr txBox="1"/>
-          <p:nvPr/>
-        </p:nvSpPr>
-        <p:spPr>
-          <a:xfrm>
-            <a:off x="8830491" y="121920"/>
-            <a:ext cx="1558835" cy="369332"/>
-          </a:xfrm>
-          <a:prstGeom prst="rect">
-            <a:avLst/>
-          </a:prstGeom>
-          <a:noFill/>
-        </p:spPr>
-        <p:txBody>
-          <a:bodyPr wrap="square" rtlCol="0">
-            <a:spAutoFit/>
-          </a:bodyPr>
-          <a:lstStyle/>
-          <a:p>
-            <a:r>
-              <a:rPr lang="zh-TW" altLang="en-US" dirty="0"/>
-              <a:t>做預處理</a:t>
-            </a:r>
-          </a:p>
-        </p:txBody>
-      </p:sp>
-      <p:cxnSp>
-        <p:nvCxnSpPr>
-          <p:cNvPr id="10" name="直線接點 9"/>
-          <p:cNvCxnSpPr/>
-          <p:nvPr/>
-        </p:nvCxnSpPr>
-        <p:spPr>
-          <a:xfrm flipV="1">
-            <a:off x="5329646" y="1375954"/>
-            <a:ext cx="3526971" cy="426720"/>
-          </a:xfrm>
-          <a:prstGeom prst="line">
-            <a:avLst/>
-          </a:prstGeom>
-        </p:spPr>
-        <p:style>
-          <a:lnRef idx="1">
-            <a:schemeClr val="accent1"/>
-          </a:lnRef>
-          <a:fillRef idx="0">
-            <a:schemeClr val="accent1"/>
-          </a:fillRef>
-          <a:effectRef idx="0">
-            <a:schemeClr val="accent1"/>
-          </a:effectRef>
-          <a:fontRef idx="minor">
-            <a:schemeClr val="tx1"/>
-          </a:fontRef>
-        </p:style>
-      </p:cxnSp>
-      <p:sp>
-        <p:nvSpPr>
-          <p:cNvPr id="11" name="文字方塊 10"/>
-          <p:cNvSpPr txBox="1"/>
-          <p:nvPr/>
-        </p:nvSpPr>
-        <p:spPr>
-          <a:xfrm>
-            <a:off x="8917577" y="1071154"/>
-            <a:ext cx="1907177" cy="646331"/>
-          </a:xfrm>
-          <a:prstGeom prst="rect">
-            <a:avLst/>
-          </a:prstGeom>
-          <a:noFill/>
-        </p:spPr>
-        <p:txBody>
-          <a:bodyPr wrap="square" rtlCol="0">
-            <a:spAutoFit/>
-          </a:bodyPr>
-          <a:lstStyle/>
-          <a:p>
-            <a:r>
-              <a:rPr lang="zh-TW" altLang="en-US" dirty="0"/>
-              <a:t>由後往前算</a:t>
-            </a:r>
-            <a:r>
-              <a:rPr lang="en-US" altLang="zh-TW" dirty="0"/>
-              <a:t>LIS</a:t>
-            </a:r>
-            <a:r>
-              <a:rPr lang="zh-TW" altLang="en-US" dirty="0"/>
-              <a:t> </a:t>
-            </a:r>
-            <a:r>
-              <a:rPr lang="en-US" altLang="zh-TW" dirty="0"/>
-              <a:t>=</a:t>
-            </a:r>
-            <a:r>
-              <a:rPr lang="zh-TW" altLang="en-US" dirty="0"/>
-              <a:t> 由前往後算</a:t>
-            </a:r>
-            <a:r>
-              <a:rPr lang="en-US" altLang="zh-TW" dirty="0"/>
-              <a:t>LDS</a:t>
-            </a:r>
-            <a:endParaRPr lang="zh-TW" altLang="en-US" dirty="0"/>
-          </a:p>
-        </p:txBody>
-      </p:sp>
-      <p:cxnSp>
-        <p:nvCxnSpPr>
-          <p:cNvPr id="13" name="直線接點 12"/>
-          <p:cNvCxnSpPr/>
-          <p:nvPr/>
-        </p:nvCxnSpPr>
-        <p:spPr>
-          <a:xfrm>
-            <a:off x="5120640" y="3283131"/>
-            <a:ext cx="2882537" cy="714103"/>
-          </a:xfrm>
-          <a:prstGeom prst="line">
-            <a:avLst/>
-          </a:prstGeom>
-        </p:spPr>
-        <p:style>
-          <a:lnRef idx="1">
-            <a:schemeClr val="accent1"/>
-          </a:lnRef>
-          <a:fillRef idx="0">
-            <a:schemeClr val="accent1"/>
-          </a:fillRef>
-          <a:effectRef idx="0">
-            <a:schemeClr val="accent1"/>
-          </a:effectRef>
-          <a:fontRef idx="minor">
-            <a:schemeClr val="tx1"/>
-          </a:fontRef>
-        </p:style>
-      </p:cxnSp>
-      <p:sp>
-        <p:nvSpPr>
-          <p:cNvPr id="14" name="文字方塊 13"/>
-          <p:cNvSpPr txBox="1"/>
-          <p:nvPr/>
-        </p:nvSpPr>
-        <p:spPr>
-          <a:xfrm>
-            <a:off x="8525691" y="3753394"/>
-            <a:ext cx="1750423" cy="646331"/>
-          </a:xfrm>
-          <a:prstGeom prst="rect">
-            <a:avLst/>
-          </a:prstGeom>
-          <a:noFill/>
-        </p:spPr>
-        <p:txBody>
-          <a:bodyPr wrap="square" rtlCol="0">
-            <a:spAutoFit/>
-          </a:bodyPr>
-          <a:lstStyle/>
-          <a:p>
-            <a:r>
-              <a:rPr lang="en-US" altLang="zh-TW" dirty="0"/>
-              <a:t>Binary Search</a:t>
-            </a:r>
-            <a:r>
-              <a:rPr lang="zh-TW" altLang="en-US" dirty="0"/>
-              <a:t> 查找迭代器位置</a:t>
-            </a:r>
-          </a:p>
-        </p:txBody>
-      </p:sp>
-      <p:cxnSp>
-        <p:nvCxnSpPr>
-          <p:cNvPr id="16" name="直線接點 15"/>
-          <p:cNvCxnSpPr/>
-          <p:nvPr/>
-        </p:nvCxnSpPr>
-        <p:spPr>
-          <a:xfrm>
-            <a:off x="5390606" y="5068389"/>
-            <a:ext cx="2377440" cy="278674"/>
-          </a:xfrm>
-          <a:prstGeom prst="line">
-            <a:avLst/>
-          </a:prstGeom>
-        </p:spPr>
-        <p:style>
-          <a:lnRef idx="1">
-            <a:schemeClr val="accent1"/>
-          </a:lnRef>
-          <a:fillRef idx="0">
-            <a:schemeClr val="accent1"/>
-          </a:fillRef>
-          <a:effectRef idx="0">
-            <a:schemeClr val="accent1"/>
-          </a:effectRef>
-          <a:fontRef idx="minor">
-            <a:schemeClr val="tx1"/>
-          </a:fontRef>
-        </p:style>
-      </p:cxnSp>
-      <p:sp>
-        <p:nvSpPr>
-          <p:cNvPr id="17" name="文字方塊 16"/>
-          <p:cNvSpPr txBox="1"/>
-          <p:nvPr/>
-        </p:nvSpPr>
-        <p:spPr>
-          <a:xfrm>
-            <a:off x="8299269" y="5207726"/>
-            <a:ext cx="1750422" cy="1477328"/>
-          </a:xfrm>
-          <a:prstGeom prst="rect">
-            <a:avLst/>
-          </a:prstGeom>
-          <a:noFill/>
-        </p:spPr>
-        <p:txBody>
-          <a:bodyPr wrap="square" rtlCol="0">
-            <a:spAutoFit/>
-          </a:bodyPr>
-          <a:lstStyle/>
-          <a:p>
-            <a:r>
-              <a:rPr lang="zh-TW" altLang="en-US" dirty="0"/>
-              <a:t>反過來印，但因為原本是反過來做，所以走訪還是從前到後</a:t>
-            </a:r>
-          </a:p>
-        </p:txBody>
-      </p:sp>
-    </p:spTree>
-    <p:extLst>
-      <p:ext uri="{BB962C8B-B14F-4D97-AF65-F5344CB8AC3E}">
-        <p14:creationId xmlns:p14="http://schemas.microsoft.com/office/powerpoint/2010/main" val="3284279738"/>
-      </p:ext>
-    </p:extLst>
-  </p:cSld>
-  <p:clrMapOvr>
-    <a:masterClrMapping/>
-  </p:clrMapOvr>
-</p:sld>
-</file>
-
-<file path=ppt/slides/slide11.xml><?xml version="1.0" encoding="utf-8"?>
-<p:sld xmlns:a="http://schemas.openxmlformats.org/drawingml/2006/main" xmlns:r="http://schemas.openxmlformats.org/officeDocument/2006/relationships" xmlns:p="http://schemas.openxmlformats.org/presentationml/2006/main">
-  <p:cSld>
-    <p:spTree>
-      <p:nvGrpSpPr>
-        <p:cNvPr id="1" name=""/>
-        <p:cNvGrpSpPr/>
-        <p:nvPr/>
-      </p:nvGrpSpPr>
-      <p:grpSpPr>
-        <a:xfrm>
-          <a:off x="0" y="0"/>
-          <a:ext cx="0" cy="0"/>
-          <a:chOff x="0" y="0"/>
-          <a:chExt cx="0" cy="0"/>
-        </a:xfrm>
-      </p:grpSpPr>
-      <p:sp>
-        <p:nvSpPr>
-          <p:cNvPr id="2" name="標題 1">
-            <a:extLst>
-              <a:ext uri="{FF2B5EF4-FFF2-40B4-BE49-F238E27FC236}">
-                <a16:creationId xmlns:a16="http://schemas.microsoft.com/office/drawing/2014/main" id="{4457B8C9-56BD-4589-B5A8-9B5476310C0B}"/>
-              </a:ext>
-            </a:extLst>
-          </p:cNvPr>
-          <p:cNvSpPr>
-            <a:spLocks noGrp="1"/>
-          </p:cNvSpPr>
-          <p:nvPr>
-            <p:ph type="title"/>
-          </p:nvPr>
-        </p:nvSpPr>
-        <p:spPr/>
-        <p:txBody>
-          <a:bodyPr/>
-          <a:lstStyle/>
-          <a:p>
-            <a:r>
-              <a:rPr lang="zh-TW" altLang="en-US"/>
-              <a:t>時間複雜度</a:t>
-            </a:r>
-          </a:p>
-        </p:txBody>
-      </p:sp>
-      <p:sp>
-        <p:nvSpPr>
-          <p:cNvPr id="3" name="內容版面配置區 2">
-            <a:extLst>
-              <a:ext uri="{FF2B5EF4-FFF2-40B4-BE49-F238E27FC236}">
-                <a16:creationId xmlns:a16="http://schemas.microsoft.com/office/drawing/2014/main" id="{7A70C0EA-8BC2-4985-94E5-8B21E13625E4}"/>
-              </a:ext>
-            </a:extLst>
-          </p:cNvPr>
-          <p:cNvSpPr>
-            <a:spLocks noGrp="1"/>
-          </p:cNvSpPr>
-          <p:nvPr>
-            <p:ph idx="1"/>
-          </p:nvPr>
-        </p:nvSpPr>
-        <p:spPr/>
-        <p:txBody>
-          <a:bodyPr/>
-          <a:lstStyle/>
-          <a:p>
-            <a:pPr>
-              <a:lnSpc>
-                <a:spcPct val="100000"/>
-              </a:lnSpc>
-            </a:pPr>
-            <a:r>
-              <a:rPr lang="zh-TW" altLang="en-US" dirty="0">
-                <a:latin typeface="Times New Roman" panose="02020603050405020304" pitchFamily="18" charset="0"/>
-                <a:ea typeface="標楷體" panose="03000509000000000000" pitchFamily="65" charset="-120"/>
-              </a:rPr>
-              <a:t>算</a:t>
-            </a:r>
-            <a:r>
-              <a:rPr lang="en-US" altLang="zh-TW" dirty="0">
-                <a:latin typeface="Times New Roman" panose="02020603050405020304" pitchFamily="18" charset="0"/>
-                <a:ea typeface="標楷體" panose="03000509000000000000" pitchFamily="65" charset="-120"/>
-              </a:rPr>
-              <a:t>LDS</a:t>
-            </a:r>
-            <a:r>
-              <a:rPr lang="zh-TW" altLang="en-US" dirty="0">
-                <a:latin typeface="Times New Roman" panose="02020603050405020304" pitchFamily="18" charset="0"/>
-                <a:ea typeface="標楷體" panose="03000509000000000000" pitchFamily="65" charset="-120"/>
-              </a:rPr>
-              <a:t>長度</a:t>
-            </a:r>
-            <a:r>
-              <a:rPr lang="en-US" altLang="zh-TW" dirty="0">
-                <a:latin typeface="Times New Roman" panose="02020603050405020304" pitchFamily="18" charset="0"/>
-                <a:ea typeface="標楷體" panose="03000509000000000000" pitchFamily="65" charset="-120"/>
-              </a:rPr>
-              <a:t>O(</a:t>
-            </a:r>
-            <a:r>
-              <a:rPr lang="en-US" altLang="zh-TW" dirty="0" err="1">
-                <a:latin typeface="Times New Roman" panose="02020603050405020304" pitchFamily="18" charset="0"/>
-                <a:ea typeface="標楷體" panose="03000509000000000000" pitchFamily="65" charset="-120"/>
-              </a:rPr>
-              <a:t>NlogN</a:t>
-            </a:r>
-            <a:r>
-              <a:rPr lang="en-US" altLang="zh-TW" dirty="0">
-                <a:latin typeface="Times New Roman" panose="02020603050405020304" pitchFamily="18" charset="0"/>
-                <a:ea typeface="標楷體" panose="03000509000000000000" pitchFamily="65" charset="-120"/>
-              </a:rPr>
-              <a:t>) + </a:t>
-            </a:r>
-            <a:r>
-              <a:rPr lang="zh-TW" altLang="en-US" dirty="0">
-                <a:latin typeface="Times New Roman" panose="02020603050405020304" pitchFamily="18" charset="0"/>
-                <a:ea typeface="標楷體" panose="03000509000000000000" pitchFamily="65" charset="-120"/>
-              </a:rPr>
-              <a:t>找</a:t>
-            </a:r>
-            <a:r>
-              <a:rPr lang="en-US" altLang="zh-TW" dirty="0">
-                <a:latin typeface="Times New Roman" panose="02020603050405020304" pitchFamily="18" charset="0"/>
-                <a:ea typeface="標楷體" panose="03000509000000000000" pitchFamily="65" charset="-120"/>
-              </a:rPr>
-              <a:t>LDS</a:t>
-            </a:r>
-            <a:r>
-              <a:rPr lang="zh-TW" altLang="en-US" dirty="0">
-                <a:latin typeface="Times New Roman" panose="02020603050405020304" pitchFamily="18" charset="0"/>
-                <a:ea typeface="標楷體" panose="03000509000000000000" pitchFamily="65" charset="-120"/>
-              </a:rPr>
-              <a:t> </a:t>
-            </a:r>
-            <a:r>
-              <a:rPr lang="en-US" altLang="zh-TW" dirty="0">
-                <a:latin typeface="Times New Roman" panose="02020603050405020304" pitchFamily="18" charset="0"/>
-                <a:ea typeface="標楷體" panose="03000509000000000000" pitchFamily="65" charset="-120"/>
-              </a:rPr>
-              <a:t>O(N)</a:t>
-            </a:r>
-          </a:p>
-          <a:p>
-            <a:pPr>
-              <a:lnSpc>
-                <a:spcPct val="100000"/>
-              </a:lnSpc>
-            </a:pPr>
-            <a:r>
-              <a:rPr lang="zh-TW" altLang="en-US" dirty="0">
-                <a:latin typeface="Times New Roman" panose="02020603050405020304" pitchFamily="18" charset="0"/>
-                <a:ea typeface="標楷體" panose="03000509000000000000" pitchFamily="65" charset="-120"/>
-              </a:rPr>
-              <a:t>總時間複雜度 </a:t>
-            </a:r>
-            <a:r>
-              <a:rPr lang="en-US" altLang="zh-TW" dirty="0">
-                <a:latin typeface="Times New Roman" panose="02020603050405020304" pitchFamily="18" charset="0"/>
-                <a:ea typeface="標楷體" panose="03000509000000000000" pitchFamily="65" charset="-120"/>
-              </a:rPr>
-              <a:t>O(</a:t>
-            </a:r>
-            <a:r>
-              <a:rPr lang="en-US" altLang="zh-TW" dirty="0" err="1">
-                <a:latin typeface="Times New Roman" panose="02020603050405020304" pitchFamily="18" charset="0"/>
-                <a:ea typeface="標楷體" panose="03000509000000000000" pitchFamily="65" charset="-120"/>
-              </a:rPr>
-              <a:t>NlogN</a:t>
-            </a:r>
-            <a:r>
-              <a:rPr lang="en-US" altLang="zh-TW" dirty="0">
-                <a:latin typeface="Times New Roman" panose="02020603050405020304" pitchFamily="18" charset="0"/>
-                <a:ea typeface="標楷體" panose="03000509000000000000" pitchFamily="65" charset="-120"/>
-              </a:rPr>
-              <a:t>)</a:t>
-            </a:r>
-            <a:endParaRPr lang="zh-TW" altLang="en-US" dirty="0">
-              <a:latin typeface="Times New Roman" panose="02020603050405020304" pitchFamily="18" charset="0"/>
-              <a:ea typeface="標楷體" panose="03000509000000000000" pitchFamily="65" charset="-120"/>
-            </a:endParaRPr>
-          </a:p>
-        </p:txBody>
-      </p:sp>
-    </p:spTree>
-    <p:extLst>
-      <p:ext uri="{BB962C8B-B14F-4D97-AF65-F5344CB8AC3E}">
-        <p14:creationId xmlns:p14="http://schemas.microsoft.com/office/powerpoint/2010/main" val="3412632924"/>
-      </p:ext>
-    </p:extLst>
-  </p:cSld>
-  <p:clrMapOvr>
-    <a:masterClrMapping/>
-  </p:clrMapOvr>
-</p:sld>
-</file>
-
-<file path=ppt/slides/slide12.xml><?xml version="1.0" encoding="utf-8"?>
-<p:sld xmlns:a="http://schemas.openxmlformats.org/drawingml/2006/main" xmlns:r="http://schemas.openxmlformats.org/officeDocument/2006/relationships" xmlns:p="http://schemas.openxmlformats.org/presentationml/2006/main">
-  <p:cSld>
-    <p:spTree>
-      <p:nvGrpSpPr>
-        <p:cNvPr id="1" name=""/>
-        <p:cNvGrpSpPr/>
-        <p:nvPr/>
-      </p:nvGrpSpPr>
-      <p:grpSpPr>
-        <a:xfrm>
-          <a:off x="0" y="0"/>
-          <a:ext cx="0" cy="0"/>
-          <a:chOff x="0" y="0"/>
-          <a:chExt cx="0" cy="0"/>
-        </a:xfrm>
-      </p:grpSpPr>
-      <p:sp>
-        <p:nvSpPr>
-          <p:cNvPr id="2" name="標題 1"/>
-          <p:cNvSpPr>
-            <a:spLocks noGrp="1"/>
-          </p:cNvSpPr>
-          <p:nvPr>
-            <p:ph type="title"/>
-          </p:nvPr>
-        </p:nvSpPr>
-        <p:spPr/>
-        <p:txBody>
-          <a:bodyPr/>
-          <a:lstStyle/>
-          <a:p>
-            <a:r>
-              <a:rPr lang="zh-TW" altLang="en-US" dirty="0"/>
-              <a:t>參考資料</a:t>
-            </a:r>
-          </a:p>
-        </p:txBody>
-      </p:sp>
-      <p:sp>
-        <p:nvSpPr>
-          <p:cNvPr id="3" name="內容版面配置區 2"/>
-          <p:cNvSpPr>
-            <a:spLocks noGrp="1"/>
-          </p:cNvSpPr>
-          <p:nvPr>
-            <p:ph idx="1"/>
-          </p:nvPr>
-        </p:nvSpPr>
-        <p:spPr/>
-        <p:txBody>
-          <a:bodyPr/>
-          <a:lstStyle/>
-          <a:p>
-            <a:pPr marL="0" indent="0">
-              <a:buNone/>
-            </a:pPr>
-            <a:r>
-              <a:rPr lang="en-US" altLang="zh-TW" dirty="0">
-                <a:hlinkClick r:id="rId2"/>
-              </a:rPr>
-              <a:t>http://wiki.csie.ncku.edu.tw/acm/course/LIS</a:t>
-            </a:r>
-            <a:endParaRPr lang="en-US" altLang="zh-TW" dirty="0"/>
-          </a:p>
-          <a:p>
-            <a:pPr marL="0" indent="0">
-              <a:buNone/>
-            </a:pPr>
-            <a:r>
-              <a:rPr lang="en-US" altLang="zh-TW" dirty="0">
-                <a:hlinkClick r:id="rId3"/>
-              </a:rPr>
-              <a:t>https://en.wikipedia.org/wiki/Longest_increasing_subsequence</a:t>
-            </a:r>
-            <a:endParaRPr lang="en-US" altLang="zh-TW" dirty="0"/>
-          </a:p>
-        </p:txBody>
-      </p:sp>
-    </p:spTree>
-    <p:extLst>
-      <p:ext uri="{BB962C8B-B14F-4D97-AF65-F5344CB8AC3E}">
-        <p14:creationId xmlns:p14="http://schemas.microsoft.com/office/powerpoint/2010/main" val="561089893"/>
-      </p:ext>
-    </p:extLst>
-  </p:cSld>
-  <p:clrMapOvr>
-    <a:masterClrMapping/>
-  </p:clrMapOvr>
-</p:sld>
-</file>
-
-<file path=ppt/slides/slide2.xml><?xml version="1.0" encoding="utf-8"?>
-<p:sld xmlns:a="http://schemas.openxmlformats.org/drawingml/2006/main" xmlns:r="http://schemas.openxmlformats.org/officeDocument/2006/relationships" xmlns:p="http://schemas.openxmlformats.org/presentationml/2006/main">
-  <p:cSld>
-    <p:spTree>
-      <p:nvGrpSpPr>
-        <p:cNvPr id="1" name=""/>
-        <p:cNvGrpSpPr/>
-        <p:nvPr/>
-      </p:nvGrpSpPr>
-      <p:grpSpPr>
-        <a:xfrm>
-          <a:off x="0" y="0"/>
-          <a:ext cx="0" cy="0"/>
-          <a:chOff x="0" y="0"/>
-          <a:chExt cx="0" cy="0"/>
-        </a:xfrm>
-      </p:grpSpPr>
-      <p:sp>
-        <p:nvSpPr>
-          <p:cNvPr id="2" name="標題 1">
-            <a:extLst>
-              <a:ext uri="{FF2B5EF4-FFF2-40B4-BE49-F238E27FC236}">
-                <a16:creationId xmlns:a16="http://schemas.microsoft.com/office/drawing/2014/main" id="{4457B8C9-56BD-4589-B5A8-9B5476310C0B}"/>
-              </a:ext>
-            </a:extLst>
-          </p:cNvPr>
-          <p:cNvSpPr>
-            <a:spLocks noGrp="1"/>
-          </p:cNvSpPr>
-          <p:nvPr>
-            <p:ph type="title"/>
-          </p:nvPr>
-        </p:nvSpPr>
-        <p:spPr/>
-        <p:txBody>
-          <a:bodyPr/>
-          <a:lstStyle/>
-          <a:p>
-            <a:r>
-              <a:rPr lang="zh-TW" altLang="en-US"/>
-              <a:t>設計理念</a:t>
-            </a:r>
-          </a:p>
-        </p:txBody>
-      </p:sp>
-      <p:sp>
-        <p:nvSpPr>
-          <p:cNvPr id="3" name="內容版面配置區 2">
-            <a:extLst>
-              <a:ext uri="{FF2B5EF4-FFF2-40B4-BE49-F238E27FC236}">
-                <a16:creationId xmlns:a16="http://schemas.microsoft.com/office/drawing/2014/main" id="{7A70C0EA-8BC2-4985-94E5-8B21E13625E4}"/>
-              </a:ext>
-            </a:extLst>
-          </p:cNvPr>
-          <p:cNvSpPr>
-            <a:spLocks noGrp="1"/>
-          </p:cNvSpPr>
-          <p:nvPr>
-            <p:ph idx="1"/>
-          </p:nvPr>
-        </p:nvSpPr>
-        <p:spPr/>
-        <p:txBody>
-          <a:bodyPr>
-            <a:normAutofit/>
-          </a:bodyPr>
-          <a:lstStyle/>
-          <a:p>
-            <a:pPr marL="0" indent="0">
-              <a:buNone/>
-            </a:pPr>
-            <a:r>
-              <a:rPr lang="zh-TW" altLang="en-US" sz="2400">
-                <a:latin typeface="Times New Roman" panose="02020603050405020304" pitchFamily="18" charset="0"/>
-                <a:ea typeface="標楷體" panose="03000509000000000000" pitchFamily="65" charset="-120"/>
-              </a:rPr>
-              <a:t>每筆測資包含一個含有「名字」和「福袋內容物價值」的名單－－</a:t>
-            </a:r>
-            <a:endParaRPr lang="en-US" altLang="zh-TW" sz="2400">
-              <a:latin typeface="Times New Roman" panose="02020603050405020304" pitchFamily="18" charset="0"/>
-              <a:ea typeface="標楷體" panose="03000509000000000000" pitchFamily="65" charset="-120"/>
-            </a:endParaRPr>
-          </a:p>
-          <a:p>
-            <a:pPr marL="0" indent="0">
-              <a:buNone/>
-            </a:pPr>
-            <a:r>
-              <a:rPr lang="zh-TW" altLang="en-US" sz="2400">
-                <a:latin typeface="Times New Roman" panose="02020603050405020304" pitchFamily="18" charset="0"/>
-                <a:ea typeface="標楷體" panose="03000509000000000000" pitchFamily="65" charset="-120"/>
-              </a:rPr>
-              <a:t>名單中每個人都有一個相應的、含有 </a:t>
-            </a:r>
-            <a:r>
-              <a:rPr lang="en-US" altLang="zh-TW" sz="2400">
-                <a:latin typeface="Times New Roman" panose="02020603050405020304" pitchFamily="18" charset="0"/>
-                <a:ea typeface="標楷體" panose="03000509000000000000" pitchFamily="65" charset="-120"/>
-              </a:rPr>
-              <a:t>n</a:t>
-            </a:r>
-            <a:r>
-              <a:rPr lang="zh-TW" altLang="en-US" sz="2400">
-                <a:latin typeface="Times New Roman" panose="02020603050405020304" pitchFamily="18" charset="0"/>
-                <a:ea typeface="標楷體" panose="03000509000000000000" pitchFamily="65" charset="-120"/>
-              </a:rPr>
-              <a:t> 個價值不一內容物（元素）的福袋</a:t>
-            </a:r>
-            <a:endParaRPr lang="en-US" altLang="zh-TW" sz="2400">
-              <a:latin typeface="Times New Roman" panose="02020603050405020304" pitchFamily="18" charset="0"/>
-              <a:ea typeface="標楷體" panose="03000509000000000000" pitchFamily="65" charset="-120"/>
-            </a:endParaRPr>
-          </a:p>
-          <a:p>
-            <a:pPr marL="0" indent="0">
-              <a:buNone/>
-            </a:pPr>
-            <a:r>
-              <a:rPr lang="zh-TW" altLang="en-US" sz="2400">
-                <a:latin typeface="Times New Roman" panose="02020603050405020304" pitchFamily="18" charset="0"/>
-                <a:ea typeface="標楷體" panose="03000509000000000000" pitchFamily="65" charset="-120"/>
-              </a:rPr>
-              <a:t>名單的總人數 </a:t>
-            </a:r>
-            <a:r>
-              <a:rPr lang="en-US" altLang="zh-TW" sz="2400">
-                <a:latin typeface="Times New Roman" panose="02020603050405020304" pitchFamily="18" charset="0"/>
-                <a:ea typeface="標楷體" panose="03000509000000000000" pitchFamily="65" charset="-120"/>
-              </a:rPr>
-              <a:t>m </a:t>
-            </a:r>
-            <a:r>
-              <a:rPr lang="zh-TW" altLang="en-US" sz="2400">
-                <a:latin typeface="Times New Roman" panose="02020603050405020304" pitchFamily="18" charset="0"/>
-                <a:ea typeface="標楷體" panose="03000509000000000000" pitchFamily="65" charset="-120"/>
-              </a:rPr>
-              <a:t>和福袋的內容物數量 </a:t>
-            </a:r>
-            <a:r>
-              <a:rPr lang="en-US" altLang="zh-TW" sz="2400">
-                <a:latin typeface="Times New Roman" panose="02020603050405020304" pitchFamily="18" charset="0"/>
-                <a:ea typeface="標楷體" panose="03000509000000000000" pitchFamily="65" charset="-120"/>
-              </a:rPr>
-              <a:t>n </a:t>
-            </a:r>
-            <a:r>
-              <a:rPr lang="zh-TW" altLang="en-US" sz="2400">
-                <a:latin typeface="Times New Roman" panose="02020603050405020304" pitchFamily="18" charset="0"/>
-                <a:ea typeface="標楷體" panose="03000509000000000000" pitchFamily="65" charset="-120"/>
-              </a:rPr>
-              <a:t>限制為 </a:t>
-            </a:r>
-            <a:r>
-              <a:rPr lang="en-US" altLang="zh-TW" sz="2400">
-                <a:latin typeface="Times New Roman" panose="02020603050405020304" pitchFamily="18" charset="0"/>
-                <a:ea typeface="標楷體" panose="03000509000000000000" pitchFamily="65" charset="-120"/>
-              </a:rPr>
-              <a:t>0 &lt;= m, n &lt;= 1000</a:t>
-            </a:r>
-          </a:p>
-          <a:p>
-            <a:pPr marL="0" indent="0">
-              <a:buNone/>
-            </a:pPr>
-            <a:r>
-              <a:rPr lang="zh-TW" altLang="en-US" sz="2400">
-                <a:latin typeface="Times New Roman" panose="02020603050405020304" pitchFamily="18" charset="0"/>
-                <a:ea typeface="標楷體" panose="03000509000000000000" pitchFamily="65" charset="-120"/>
-              </a:rPr>
-              <a:t>名字長度不超過</a:t>
-            </a:r>
-            <a:r>
-              <a:rPr lang="en-US" altLang="zh-TW" sz="2400">
-                <a:latin typeface="Times New Roman" panose="02020603050405020304" pitchFamily="18" charset="0"/>
-                <a:ea typeface="標楷體" panose="03000509000000000000" pitchFamily="65" charset="-120"/>
-              </a:rPr>
-              <a:t>10</a:t>
-            </a:r>
-            <a:r>
-              <a:rPr lang="zh-TW" altLang="en-US" sz="2400">
-                <a:latin typeface="Times New Roman" panose="02020603050405020304" pitchFamily="18" charset="0"/>
-                <a:ea typeface="標楷體" panose="03000509000000000000" pitchFamily="65" charset="-120"/>
-              </a:rPr>
-              <a:t>個字元，福袋內容物的價值 </a:t>
-            </a:r>
-            <a:r>
-              <a:rPr lang="en-US" altLang="zh-TW" sz="2400">
-                <a:latin typeface="Times New Roman" panose="02020603050405020304" pitchFamily="18" charset="0"/>
-                <a:ea typeface="標楷體" panose="03000509000000000000" pitchFamily="65" charset="-120"/>
-              </a:rPr>
-              <a:t>p[i] </a:t>
-            </a:r>
-            <a:r>
-              <a:rPr lang="zh-TW" altLang="en-US" sz="2400">
-                <a:latin typeface="Times New Roman" panose="02020603050405020304" pitchFamily="18" charset="0"/>
-                <a:ea typeface="標楷體" panose="03000509000000000000" pitchFamily="65" charset="-120"/>
-              </a:rPr>
-              <a:t>限制為 </a:t>
-            </a:r>
-            <a:r>
-              <a:rPr lang="en-US" altLang="zh-TW" sz="2400">
-                <a:latin typeface="Times New Roman" panose="02020603050405020304" pitchFamily="18" charset="0"/>
-                <a:ea typeface="標楷體" panose="03000509000000000000" pitchFamily="65" charset="-120"/>
-              </a:rPr>
-              <a:t>0 &lt;= p[i] &lt;= 10^9</a:t>
-            </a:r>
-          </a:p>
-          <a:p>
-            <a:pPr marL="0" indent="0">
-              <a:buNone/>
-            </a:pPr>
-            <a:r>
-              <a:rPr lang="en-US" altLang="zh-TW" sz="2400">
-                <a:latin typeface="Times New Roman" panose="02020603050405020304" pitchFamily="18" charset="0"/>
-                <a:ea typeface="標楷體" panose="03000509000000000000" pitchFamily="65" charset="-120"/>
-              </a:rPr>
-              <a:t>							(i = 0~n-1)</a:t>
-            </a:r>
-          </a:p>
-          <a:p>
-            <a:pPr marL="0" indent="0">
-              <a:buNone/>
-            </a:pPr>
-            <a:r>
-              <a:rPr lang="zh-TW" altLang="en-US" sz="2400">
-                <a:latin typeface="Times New Roman" panose="02020603050405020304" pitchFamily="18" charset="0"/>
-                <a:ea typeface="標楷體" panose="03000509000000000000" pitchFamily="65" charset="-120"/>
-              </a:rPr>
-              <a:t>名字相同的複數項目被視作同一人的項目計算，並且在總人數裡被合算為 </a:t>
-            </a:r>
-            <a:r>
-              <a:rPr lang="en-US" altLang="zh-TW" sz="2400">
-                <a:latin typeface="Times New Roman" panose="02020603050405020304" pitchFamily="18" charset="0"/>
-                <a:ea typeface="標楷體" panose="03000509000000000000" pitchFamily="65" charset="-120"/>
-              </a:rPr>
-              <a:t>1</a:t>
-            </a:r>
-          </a:p>
-          <a:p>
-            <a:pPr marL="0" indent="0">
-              <a:buNone/>
-            </a:pPr>
-            <a:r>
-              <a:rPr lang="zh-TW" altLang="en-US" sz="2400">
-                <a:latin typeface="Times New Roman" panose="02020603050405020304" pitchFamily="18" charset="0"/>
-                <a:ea typeface="標楷體" panose="03000509000000000000" pitchFamily="65" charset="-120"/>
-              </a:rPr>
-              <a:t>福袋內容物數量統一為 </a:t>
-            </a:r>
-            <a:r>
-              <a:rPr lang="en-US" altLang="zh-TW" sz="2400">
-                <a:latin typeface="Times New Roman" panose="02020603050405020304" pitchFamily="18" charset="0"/>
-                <a:ea typeface="標楷體" panose="03000509000000000000" pitchFamily="65" charset="-120"/>
-              </a:rPr>
-              <a:t>n</a:t>
-            </a:r>
-            <a:r>
-              <a:rPr lang="zh-TW" altLang="en-US" sz="2400">
-                <a:latin typeface="Times New Roman" panose="02020603050405020304" pitchFamily="18" charset="0"/>
-                <a:ea typeface="標楷體" panose="03000509000000000000" pitchFamily="65" charset="-120"/>
-              </a:rPr>
-              <a:t> 個</a:t>
-            </a:r>
-          </a:p>
-        </p:txBody>
-      </p:sp>
-    </p:spTree>
-    <p:extLst>
-      <p:ext uri="{BB962C8B-B14F-4D97-AF65-F5344CB8AC3E}">
-        <p14:creationId xmlns:p14="http://schemas.microsoft.com/office/powerpoint/2010/main" val="3113413002"/>
-      </p:ext>
-    </p:extLst>
-  </p:cSld>
-  <p:clrMapOvr>
-    <a:masterClrMapping/>
-  </p:clrMapOvr>
-</p:sld>
-</file>
-
-<file path=ppt/slides/slide3.xml><?xml version="1.0" encoding="utf-8"?>
-<p:sld xmlns:a="http://schemas.openxmlformats.org/drawingml/2006/main" xmlns:r="http://schemas.openxmlformats.org/officeDocument/2006/relationships" xmlns:p="http://schemas.openxmlformats.org/presentationml/2006/main">
-  <p:cSld>
-    <p:spTree>
-      <p:nvGrpSpPr>
-        <p:cNvPr id="1" name=""/>
-        <p:cNvGrpSpPr/>
-        <p:nvPr/>
-      </p:nvGrpSpPr>
-      <p:grpSpPr>
-        <a:xfrm>
-          <a:off x="0" y="0"/>
-          <a:ext cx="0" cy="0"/>
-          <a:chOff x="0" y="0"/>
-          <a:chExt cx="0" cy="0"/>
-        </a:xfrm>
-      </p:grpSpPr>
-      <p:sp>
-        <p:nvSpPr>
-          <p:cNvPr id="2" name="標題 1">
-            <a:extLst>
-              <a:ext uri="{FF2B5EF4-FFF2-40B4-BE49-F238E27FC236}">
-                <a16:creationId xmlns:a16="http://schemas.microsoft.com/office/drawing/2014/main" id="{4457B8C9-56BD-4589-B5A8-9B5476310C0B}"/>
-              </a:ext>
-            </a:extLst>
-          </p:cNvPr>
-          <p:cNvSpPr>
-            <a:spLocks noGrp="1"/>
-          </p:cNvSpPr>
-          <p:nvPr>
-            <p:ph type="title"/>
-          </p:nvPr>
-        </p:nvSpPr>
-        <p:spPr/>
-        <p:txBody>
-          <a:bodyPr/>
-          <a:lstStyle/>
-          <a:p>
-            <a:r>
-              <a:rPr lang="zh-TW" altLang="en-US"/>
-              <a:t>設計理念</a:t>
-            </a:r>
-          </a:p>
-        </p:txBody>
-      </p:sp>
-      <p:sp>
-        <p:nvSpPr>
-          <p:cNvPr id="3" name="內容版面配置區 2">
-            <a:extLst>
-              <a:ext uri="{FF2B5EF4-FFF2-40B4-BE49-F238E27FC236}">
-                <a16:creationId xmlns:a16="http://schemas.microsoft.com/office/drawing/2014/main" id="{7A70C0EA-8BC2-4985-94E5-8B21E13625E4}"/>
-              </a:ext>
-            </a:extLst>
-          </p:cNvPr>
-          <p:cNvSpPr>
-            <a:spLocks noGrp="1"/>
-          </p:cNvSpPr>
-          <p:nvPr>
-            <p:ph idx="1"/>
-          </p:nvPr>
-        </p:nvSpPr>
-        <p:spPr/>
-        <p:txBody>
-          <a:bodyPr>
-            <a:normAutofit/>
-          </a:bodyPr>
-          <a:lstStyle/>
-          <a:p>
-            <a:pPr marL="0" indent="0">
-              <a:buNone/>
-            </a:pPr>
-            <a:r>
-              <a:rPr lang="zh-TW" altLang="en-US" sz="2400">
-                <a:latin typeface="Times New Roman" panose="02020603050405020304" pitchFamily="18" charset="0"/>
-                <a:ea typeface="標楷體" panose="03000509000000000000" pitchFamily="65" charset="-120"/>
-              </a:rPr>
-              <a:t>對於每筆測資－－</a:t>
-            </a:r>
-            <a:endParaRPr lang="en-US" altLang="zh-TW" sz="2400">
-              <a:latin typeface="Times New Roman" panose="02020603050405020304" pitchFamily="18" charset="0"/>
-              <a:ea typeface="標楷體" panose="03000509000000000000" pitchFamily="65" charset="-120"/>
-            </a:endParaRPr>
-          </a:p>
-          <a:p>
-            <a:pPr marL="0" indent="0">
-              <a:buNone/>
-            </a:pPr>
-            <a:r>
-              <a:rPr lang="en-US" altLang="zh-TW" sz="2400">
-                <a:latin typeface="Times New Roman" panose="02020603050405020304" pitchFamily="18" charset="0"/>
-                <a:ea typeface="標楷體" panose="03000509000000000000" pitchFamily="65" charset="-120"/>
-              </a:rPr>
-              <a:t>1.</a:t>
-            </a:r>
-            <a:r>
-              <a:rPr lang="zh-TW" altLang="en-US" sz="2400">
-                <a:latin typeface="Times New Roman" panose="02020603050405020304" pitchFamily="18" charset="0"/>
-                <a:ea typeface="標楷體" panose="03000509000000000000" pitchFamily="65" charset="-120"/>
-              </a:rPr>
-              <a:t> 在不改變名單順序的前提下，把福袋內容物數量最少的名單項目移除，</a:t>
-            </a:r>
-            <a:endParaRPr lang="en-US" altLang="zh-TW" sz="2400">
-              <a:latin typeface="Times New Roman" panose="02020603050405020304" pitchFamily="18" charset="0"/>
-              <a:ea typeface="標楷體" panose="03000509000000000000" pitchFamily="65" charset="-120"/>
-            </a:endParaRPr>
-          </a:p>
-          <a:p>
-            <a:pPr marL="0" indent="0">
-              <a:buNone/>
-            </a:pPr>
-            <a:r>
-              <a:rPr lang="zh-TW" altLang="en-US" sz="2400">
-                <a:latin typeface="Times New Roman" panose="02020603050405020304" pitchFamily="18" charset="0"/>
-                <a:ea typeface="標楷體" panose="03000509000000000000" pitchFamily="65" charset="-120"/>
-              </a:rPr>
-              <a:t>    使得名單符合一個肥宅隊伍的定義：</a:t>
-            </a:r>
-            <a:endParaRPr lang="en-US" altLang="zh-TW" sz="2400">
-              <a:latin typeface="Times New Roman" panose="02020603050405020304" pitchFamily="18" charset="0"/>
-              <a:ea typeface="標楷體" panose="03000509000000000000" pitchFamily="65" charset="-120"/>
-            </a:endParaRPr>
-          </a:p>
-          <a:p>
-            <a:pPr marL="0" indent="0">
-              <a:buNone/>
-            </a:pPr>
-            <a:r>
-              <a:rPr lang="zh-TW" altLang="en-US" sz="2400">
-                <a:latin typeface="Times New Roman" panose="02020603050405020304" pitchFamily="18" charset="0"/>
-                <a:ea typeface="標楷體" panose="03000509000000000000" pitchFamily="65" charset="-120"/>
-              </a:rPr>
-              <a:t>    　　價值由大到小，名字重複時只取第一個項目</a:t>
-            </a:r>
-            <a:endParaRPr lang="en-US" altLang="zh-TW" sz="2400">
-              <a:latin typeface="Times New Roman" panose="02020603050405020304" pitchFamily="18" charset="0"/>
-              <a:ea typeface="標楷體" panose="03000509000000000000" pitchFamily="65" charset="-120"/>
-            </a:endParaRPr>
-          </a:p>
-          <a:p>
-            <a:pPr marL="0" indent="0">
-              <a:buNone/>
-            </a:pPr>
-            <a:endParaRPr lang="en-US" altLang="zh-TW" sz="2400">
-              <a:latin typeface="Times New Roman" panose="02020603050405020304" pitchFamily="18" charset="0"/>
-              <a:ea typeface="標楷體" panose="03000509000000000000" pitchFamily="65" charset="-120"/>
-            </a:endParaRPr>
-          </a:p>
-          <a:p>
-            <a:pPr marL="0" indent="0">
-              <a:buNone/>
-            </a:pPr>
-            <a:r>
-              <a:rPr lang="en-US" altLang="zh-TW" sz="2400">
-                <a:latin typeface="Times New Roman" panose="02020603050405020304" pitchFamily="18" charset="0"/>
-                <a:ea typeface="標楷體" panose="03000509000000000000" pitchFamily="65" charset="-120"/>
-              </a:rPr>
-              <a:t>2. </a:t>
-            </a:r>
-            <a:r>
-              <a:rPr lang="zh-TW" altLang="en-US" sz="2400">
-                <a:latin typeface="Times New Roman" panose="02020603050405020304" pitchFamily="18" charset="0"/>
-                <a:ea typeface="標楷體" panose="03000509000000000000" pitchFamily="65" charset="-120"/>
-              </a:rPr>
-              <a:t>輸出新名單的項目數量，並將其中的名字依序輸出</a:t>
-            </a:r>
-            <a:endParaRPr lang="en-US" altLang="zh-TW" sz="2400">
-              <a:latin typeface="Times New Roman" panose="02020603050405020304" pitchFamily="18" charset="0"/>
-              <a:ea typeface="標楷體" panose="03000509000000000000" pitchFamily="65" charset="-120"/>
-            </a:endParaRPr>
-          </a:p>
-          <a:p>
-            <a:pPr marL="0" indent="0">
-              <a:buNone/>
-            </a:pPr>
-            <a:r>
-              <a:rPr lang="zh-TW" altLang="en-US" sz="2400">
-                <a:latin typeface="Times New Roman" panose="02020603050405020304" pitchFamily="18" charset="0"/>
-                <a:ea typeface="標楷體" panose="03000509000000000000" pitchFamily="65" charset="-120"/>
-              </a:rPr>
-              <a:t>    若有多組解，輸出「以輸入順序作為比較基準」的最小輸入序名單序列</a:t>
-            </a:r>
-            <a:endParaRPr lang="en-US" altLang="zh-TW" sz="2400">
-              <a:latin typeface="Times New Roman" panose="02020603050405020304" pitchFamily="18" charset="0"/>
-              <a:ea typeface="標楷體" panose="03000509000000000000" pitchFamily="65" charset="-120"/>
-            </a:endParaRPr>
-          </a:p>
-          <a:p>
-            <a:pPr marL="0" indent="0">
-              <a:buNone/>
-            </a:pPr>
-            <a:endParaRPr lang="en-US" altLang="zh-TW" sz="2400">
-              <a:latin typeface="Times New Roman" panose="02020603050405020304" pitchFamily="18" charset="0"/>
-              <a:ea typeface="標楷體" panose="03000509000000000000" pitchFamily="65" charset="-120"/>
-            </a:endParaRPr>
-          </a:p>
-          <a:p>
-            <a:pPr marL="0" indent="0">
-              <a:buNone/>
-            </a:pPr>
-            <a:r>
-              <a:rPr lang="zh-TW" altLang="en-US" sz="2400">
-                <a:latin typeface="Times New Roman" panose="02020603050405020304" pitchFamily="18" charset="0"/>
-                <a:ea typeface="標楷體" panose="03000509000000000000" pitchFamily="65" charset="-120"/>
-              </a:rPr>
-              <a:t>必須</a:t>
-            </a:r>
-            <a:r>
-              <a:rPr lang="zh-TW" altLang="zh-TW" sz="2400">
-                <a:latin typeface="Times New Roman" panose="02020603050405020304" pitchFamily="18" charset="0"/>
-                <a:ea typeface="標楷體" panose="03000509000000000000" pitchFamily="65" charset="-120"/>
-              </a:rPr>
-              <a:t>使用</a:t>
-            </a:r>
-            <a:r>
-              <a:rPr lang="en-US" altLang="zh-TW" sz="2400">
-                <a:latin typeface="Times New Roman" panose="02020603050405020304" pitchFamily="18" charset="0"/>
-                <a:ea typeface="標楷體" panose="03000509000000000000" pitchFamily="65" charset="-120"/>
-              </a:rPr>
-              <a:t>STL</a:t>
-            </a:r>
-            <a:r>
-              <a:rPr lang="zh-TW" altLang="zh-TW" sz="2400">
-                <a:latin typeface="Times New Roman" panose="02020603050405020304" pitchFamily="18" charset="0"/>
-                <a:ea typeface="標楷體" panose="03000509000000000000" pitchFamily="65" charset="-120"/>
-              </a:rPr>
-              <a:t>容器與演算法完成，</a:t>
-            </a:r>
-            <a:r>
-              <a:rPr lang="zh-TW" altLang="en-US" sz="2400">
-                <a:latin typeface="Times New Roman" panose="02020603050405020304" pitchFamily="18" charset="0"/>
-                <a:ea typeface="標楷體" panose="03000509000000000000" pitchFamily="65" charset="-120"/>
-              </a:rPr>
-              <a:t>並使用到</a:t>
-            </a:r>
-            <a:r>
-              <a:rPr lang="en-US" altLang="zh-TW" sz="2400">
-                <a:latin typeface="Times New Roman" panose="02020603050405020304" pitchFamily="18" charset="0"/>
-                <a:ea typeface="標楷體" panose="03000509000000000000" pitchFamily="65" charset="-120"/>
-              </a:rPr>
-              <a:t>lambda expression</a:t>
-            </a:r>
-            <a:r>
-              <a:rPr lang="zh-TW" altLang="zh-TW" sz="2400">
-                <a:latin typeface="Times New Roman" panose="02020603050405020304" pitchFamily="18" charset="0"/>
-                <a:ea typeface="標楷體" panose="03000509000000000000" pitchFamily="65" charset="-120"/>
-              </a:rPr>
-              <a:t>，否則不於計分</a:t>
-            </a:r>
-            <a:endParaRPr lang="zh-TW" altLang="en-US" sz="2400">
-              <a:latin typeface="Times New Roman" panose="02020603050405020304" pitchFamily="18" charset="0"/>
-              <a:ea typeface="標楷體" panose="03000509000000000000" pitchFamily="65" charset="-120"/>
-            </a:endParaRPr>
-          </a:p>
-        </p:txBody>
-      </p:sp>
-    </p:spTree>
-    <p:extLst>
-      <p:ext uri="{BB962C8B-B14F-4D97-AF65-F5344CB8AC3E}">
-        <p14:creationId xmlns:p14="http://schemas.microsoft.com/office/powerpoint/2010/main" val="1632378058"/>
-      </p:ext>
-    </p:extLst>
-  </p:cSld>
-  <p:clrMapOvr>
-    <a:masterClrMapping/>
-  </p:clrMapOvr>
-</p:sld>
-</file>
-
-<file path=ppt/slides/slide4.xml><?xml version="1.0" encoding="utf-8"?>
-<p:sld xmlns:a="http://schemas.openxmlformats.org/drawingml/2006/main" xmlns:r="http://schemas.openxmlformats.org/officeDocument/2006/relationships" xmlns:p="http://schemas.openxmlformats.org/presentationml/2006/main">
-  <p:cSld>
-    <p:spTree>
-      <p:nvGrpSpPr>
-        <p:cNvPr id="1" name=""/>
-        <p:cNvGrpSpPr/>
-        <p:nvPr/>
-      </p:nvGrpSpPr>
-      <p:grpSpPr>
-        <a:xfrm>
-          <a:off x="0" y="0"/>
-          <a:ext cx="0" cy="0"/>
-          <a:chOff x="0" y="0"/>
-          <a:chExt cx="0" cy="0"/>
-        </a:xfrm>
-      </p:grpSpPr>
-      <p:sp>
-        <p:nvSpPr>
-          <p:cNvPr id="2" name="標題 1">
-            <a:extLst>
-              <a:ext uri="{FF2B5EF4-FFF2-40B4-BE49-F238E27FC236}">
-                <a16:creationId xmlns:a16="http://schemas.microsoft.com/office/drawing/2014/main" id="{4457B8C9-56BD-4589-B5A8-9B5476310C0B}"/>
-              </a:ext>
-            </a:extLst>
-          </p:cNvPr>
-          <p:cNvSpPr>
-            <a:spLocks noGrp="1"/>
-          </p:cNvSpPr>
-          <p:nvPr>
-            <p:ph type="title"/>
-          </p:nvPr>
-        </p:nvSpPr>
-        <p:spPr/>
-        <p:txBody>
-          <a:bodyPr/>
-          <a:lstStyle/>
-          <a:p>
-            <a:r>
-              <a:rPr lang="zh-TW" altLang="en-US"/>
-              <a:t>輸入 </a:t>
-            </a:r>
-            <a:r>
-              <a:rPr lang="en-US" altLang="zh-TW"/>
-              <a:t>/</a:t>
-            </a:r>
-            <a:r>
-              <a:rPr lang="zh-TW" altLang="en-US"/>
-              <a:t> 輸出說明</a:t>
-            </a:r>
-          </a:p>
-        </p:txBody>
-      </p:sp>
-      <p:sp>
-        <p:nvSpPr>
-          <p:cNvPr id="3" name="內容版面配置區 2">
-            <a:extLst>
-              <a:ext uri="{FF2B5EF4-FFF2-40B4-BE49-F238E27FC236}">
-                <a16:creationId xmlns:a16="http://schemas.microsoft.com/office/drawing/2014/main" id="{7A70C0EA-8BC2-4985-94E5-8B21E13625E4}"/>
-              </a:ext>
-            </a:extLst>
-          </p:cNvPr>
-          <p:cNvSpPr>
-            <a:spLocks noGrp="1"/>
-          </p:cNvSpPr>
-          <p:nvPr>
-            <p:ph idx="1"/>
-          </p:nvPr>
-        </p:nvSpPr>
-        <p:spPr/>
-        <p:txBody>
-          <a:bodyPr>
-            <a:normAutofit fontScale="92500" lnSpcReduction="10000"/>
-          </a:bodyPr>
-          <a:lstStyle/>
-          <a:p>
-            <a:pPr marL="0" indent="0">
-              <a:lnSpc>
-                <a:spcPct val="110000"/>
-              </a:lnSpc>
-              <a:buNone/>
-            </a:pPr>
-            <a:r>
-              <a:rPr lang="zh-TW" altLang="zh-TW" b="1" dirty="0">
-                <a:latin typeface="Times New Roman" panose="02020603050405020304" pitchFamily="18" charset="0"/>
-                <a:ea typeface="標楷體" panose="03000509000000000000" pitchFamily="65" charset="-120"/>
-              </a:rPr>
-              <a:t>輸入說明</a:t>
-            </a:r>
-            <a:r>
-              <a:rPr lang="zh-TW" altLang="en-US" b="1" dirty="0">
-                <a:latin typeface="Times New Roman" panose="02020603050405020304" pitchFamily="18" charset="0"/>
-                <a:ea typeface="標楷體" panose="03000509000000000000" pitchFamily="65" charset="-120"/>
-              </a:rPr>
-              <a:t>：</a:t>
-            </a:r>
-            <a:endParaRPr lang="en-US" altLang="zh-TW" dirty="0">
-              <a:latin typeface="Times New Roman" panose="02020603050405020304" pitchFamily="18" charset="0"/>
-              <a:ea typeface="標楷體" panose="03000509000000000000" pitchFamily="65" charset="-120"/>
-            </a:endParaRPr>
-          </a:p>
-          <a:p>
-            <a:pPr marL="0" indent="0">
-              <a:lnSpc>
-                <a:spcPct val="110000"/>
-              </a:lnSpc>
-              <a:buNone/>
-            </a:pPr>
-            <a:r>
-              <a:rPr lang="zh-TW" altLang="en-US" dirty="0">
-                <a:latin typeface="Times New Roman" panose="02020603050405020304" pitchFamily="18" charset="0"/>
-                <a:ea typeface="標楷體" panose="03000509000000000000" pitchFamily="65" charset="-120"/>
-              </a:rPr>
-              <a:t>輸入可以包含多組測資。</a:t>
-            </a:r>
-            <a:endParaRPr lang="en-US" altLang="zh-TW" dirty="0">
-              <a:latin typeface="Times New Roman" panose="02020603050405020304" pitchFamily="18" charset="0"/>
-              <a:ea typeface="標楷體" panose="03000509000000000000" pitchFamily="65" charset="-120"/>
-            </a:endParaRPr>
-          </a:p>
-          <a:p>
-            <a:pPr marL="0" indent="0">
-              <a:lnSpc>
-                <a:spcPct val="110000"/>
-              </a:lnSpc>
-              <a:buNone/>
-            </a:pPr>
-            <a:r>
-              <a:rPr lang="zh-TW" altLang="zh-TW" dirty="0">
-                <a:latin typeface="Times New Roman" panose="02020603050405020304" pitchFamily="18" charset="0"/>
-                <a:ea typeface="標楷體" panose="03000509000000000000" pitchFamily="65" charset="-120"/>
-              </a:rPr>
-              <a:t>輸入兩個整數</a:t>
-            </a:r>
-            <a:r>
-              <a:rPr lang="en-US" altLang="zh-TW" dirty="0">
-                <a:latin typeface="Times New Roman" panose="02020603050405020304" pitchFamily="18" charset="0"/>
-                <a:ea typeface="標楷體" panose="03000509000000000000" pitchFamily="65" charset="-120"/>
-              </a:rPr>
-              <a:t>M, N</a:t>
-            </a:r>
-            <a:r>
-              <a:rPr lang="zh-TW" altLang="en-US" dirty="0">
-                <a:latin typeface="Times New Roman" panose="02020603050405020304" pitchFamily="18" charset="0"/>
-                <a:ea typeface="標楷體" panose="03000509000000000000" pitchFamily="65" charset="-120"/>
-              </a:rPr>
-              <a:t>，</a:t>
-            </a:r>
-            <a:r>
-              <a:rPr lang="en-US" altLang="zh-TW" dirty="0">
-                <a:latin typeface="Times New Roman" panose="02020603050405020304" pitchFamily="18" charset="0"/>
-                <a:ea typeface="標楷體" panose="03000509000000000000" pitchFamily="65" charset="-120"/>
-              </a:rPr>
-              <a:t>M</a:t>
-            </a:r>
-            <a:r>
-              <a:rPr lang="zh-TW" altLang="zh-TW" dirty="0">
-                <a:latin typeface="Times New Roman" panose="02020603050405020304" pitchFamily="18" charset="0"/>
-                <a:ea typeface="標楷體" panose="03000509000000000000" pitchFamily="65" charset="-120"/>
-              </a:rPr>
-              <a:t>表示</a:t>
-            </a:r>
-            <a:r>
-              <a:rPr lang="en-US" altLang="zh-TW" dirty="0">
-                <a:latin typeface="Times New Roman" panose="02020603050405020304" pitchFamily="18" charset="0"/>
-                <a:ea typeface="標楷體" panose="03000509000000000000" pitchFamily="65" charset="-120"/>
-              </a:rPr>
-              <a:t>group</a:t>
-            </a:r>
-            <a:r>
-              <a:rPr lang="zh-TW" altLang="zh-TW" dirty="0">
-                <a:latin typeface="Times New Roman" panose="02020603050405020304" pitchFamily="18" charset="0"/>
-                <a:ea typeface="標楷體" panose="03000509000000000000" pitchFamily="65" charset="-120"/>
-              </a:rPr>
-              <a:t>數目</a:t>
-            </a:r>
-            <a:r>
-              <a:rPr lang="en-US" altLang="zh-TW" dirty="0">
-                <a:latin typeface="Times New Roman" panose="02020603050405020304" pitchFamily="18" charset="0"/>
-                <a:ea typeface="標楷體" panose="03000509000000000000" pitchFamily="65" charset="-120"/>
-              </a:rPr>
-              <a:t>(1 &lt;= M &lt;= 500)</a:t>
-            </a:r>
-            <a:r>
-              <a:rPr lang="zh-TW" altLang="zh-TW" dirty="0">
-                <a:latin typeface="Times New Roman" panose="02020603050405020304" pitchFamily="18" charset="0"/>
-                <a:ea typeface="標楷體" panose="03000509000000000000" pitchFamily="65" charset="-120"/>
-              </a:rPr>
-              <a:t>，</a:t>
-            </a:r>
-            <a:r>
-              <a:rPr lang="en-US" altLang="zh-TW" dirty="0">
-                <a:latin typeface="Times New Roman" panose="02020603050405020304" pitchFamily="18" charset="0"/>
-                <a:ea typeface="標楷體" panose="03000509000000000000" pitchFamily="65" charset="-120"/>
-              </a:rPr>
-              <a:t>N</a:t>
-            </a:r>
-            <a:r>
-              <a:rPr lang="zh-TW" altLang="zh-TW" dirty="0">
-                <a:latin typeface="Times New Roman" panose="02020603050405020304" pitchFamily="18" charset="0"/>
-                <a:ea typeface="標楷體" panose="03000509000000000000" pitchFamily="65" charset="-120"/>
-              </a:rPr>
-              <a:t>表示</a:t>
-            </a:r>
-            <a:r>
-              <a:rPr lang="en-US" altLang="zh-TW" dirty="0">
-                <a:latin typeface="Times New Roman" panose="02020603050405020304" pitchFamily="18" charset="0"/>
-                <a:ea typeface="標楷體" panose="03000509000000000000" pitchFamily="65" charset="-120"/>
-              </a:rPr>
-              <a:t>group</a:t>
-            </a:r>
-            <a:r>
-              <a:rPr lang="zh-TW" altLang="zh-TW" dirty="0">
-                <a:latin typeface="Times New Roman" panose="02020603050405020304" pitchFamily="18" charset="0"/>
-                <a:ea typeface="標楷體" panose="03000509000000000000" pitchFamily="65" charset="-120"/>
-              </a:rPr>
-              <a:t>的大小</a:t>
-            </a:r>
-            <a:r>
-              <a:rPr lang="en-US" altLang="zh-TW" dirty="0">
-                <a:latin typeface="Times New Roman" panose="02020603050405020304" pitchFamily="18" charset="0"/>
-                <a:ea typeface="標楷體" panose="03000509000000000000" pitchFamily="65" charset="-120"/>
-              </a:rPr>
-              <a:t>(1 &lt;= N &lt;= 500)</a:t>
-            </a:r>
-            <a:r>
-              <a:rPr lang="zh-TW" altLang="zh-TW" dirty="0">
-                <a:latin typeface="Times New Roman" panose="02020603050405020304" pitchFamily="18" charset="0"/>
-                <a:ea typeface="標楷體" panose="03000509000000000000" pitchFamily="65" charset="-120"/>
-              </a:rPr>
-              <a:t>。接下來</a:t>
-            </a:r>
-            <a:r>
-              <a:rPr lang="en-US" altLang="zh-TW" dirty="0">
-                <a:latin typeface="Times New Roman" panose="02020603050405020304" pitchFamily="18" charset="0"/>
-                <a:ea typeface="標楷體" panose="03000509000000000000" pitchFamily="65" charset="-120"/>
-              </a:rPr>
-              <a:t>M</a:t>
-            </a:r>
-            <a:r>
-              <a:rPr lang="zh-TW" altLang="zh-TW" dirty="0">
-                <a:latin typeface="Times New Roman" panose="02020603050405020304" pitchFamily="18" charset="0"/>
-                <a:ea typeface="標楷體" panose="03000509000000000000" pitchFamily="65" charset="-120"/>
-              </a:rPr>
-              <a:t>行</a:t>
-            </a:r>
-            <a:r>
-              <a:rPr lang="zh-TW" altLang="en-US" dirty="0">
-                <a:latin typeface="Times New Roman" panose="02020603050405020304" pitchFamily="18" charset="0"/>
-                <a:ea typeface="標楷體" panose="03000509000000000000" pitchFamily="65" charset="-120"/>
-              </a:rPr>
-              <a:t>各</a:t>
-            </a:r>
-            <a:r>
-              <a:rPr lang="zh-TW" altLang="zh-TW" dirty="0">
-                <a:latin typeface="Times New Roman" panose="02020603050405020304" pitchFamily="18" charset="0"/>
-                <a:ea typeface="標楷體" panose="03000509000000000000" pitchFamily="65" charset="-120"/>
-              </a:rPr>
-              <a:t>輸入</a:t>
-            </a:r>
-            <a:r>
-              <a:rPr lang="en-US" altLang="zh-TW" dirty="0">
-                <a:latin typeface="Times New Roman" panose="02020603050405020304" pitchFamily="18" charset="0"/>
-                <a:ea typeface="標楷體" panose="03000509000000000000" pitchFamily="65" charset="-120"/>
-              </a:rPr>
-              <a:t>N</a:t>
-            </a:r>
-            <a:r>
-              <a:rPr lang="zh-TW" altLang="zh-TW" dirty="0">
-                <a:latin typeface="Times New Roman" panose="02020603050405020304" pitchFamily="18" charset="0"/>
-                <a:ea typeface="標楷體" panose="03000509000000000000" pitchFamily="65" charset="-120"/>
-              </a:rPr>
-              <a:t>個數字</a:t>
-            </a:r>
-            <a:r>
-              <a:rPr lang="en-US" altLang="zh-TW" dirty="0" err="1">
-                <a:latin typeface="Times New Roman" panose="02020603050405020304" pitchFamily="18" charset="0"/>
-                <a:ea typeface="標楷體" panose="03000509000000000000" pitchFamily="65" charset="-120"/>
-              </a:rPr>
-              <a:t>k</a:t>
-            </a:r>
-            <a:r>
-              <a:rPr lang="en-US" altLang="zh-TW" sz="2000" dirty="0" err="1">
-                <a:latin typeface="Times New Roman" panose="02020603050405020304" pitchFamily="18" charset="0"/>
-                <a:ea typeface="標楷體" panose="03000509000000000000" pitchFamily="65" charset="-120"/>
-              </a:rPr>
-              <a:t>i</a:t>
-            </a:r>
-            <a:r>
-              <a:rPr lang="en-US" altLang="zh-TW" sz="2000" dirty="0">
-                <a:latin typeface="Times New Roman" panose="02020603050405020304" pitchFamily="18" charset="0"/>
-                <a:ea typeface="標楷體" panose="03000509000000000000" pitchFamily="65" charset="-120"/>
-              </a:rPr>
-              <a:t> </a:t>
-            </a:r>
-            <a:r>
-              <a:rPr lang="en-US" altLang="zh-TW" dirty="0">
-                <a:latin typeface="Times New Roman" panose="02020603050405020304" pitchFamily="18" charset="0"/>
-                <a:ea typeface="標楷體" panose="03000509000000000000" pitchFamily="65" charset="-120"/>
-              </a:rPr>
-              <a:t>(1 &lt;= </a:t>
-            </a:r>
-            <a:r>
-              <a:rPr lang="en-US" altLang="zh-TW" dirty="0" err="1">
-                <a:latin typeface="Times New Roman" panose="02020603050405020304" pitchFamily="18" charset="0"/>
-                <a:ea typeface="標楷體" panose="03000509000000000000" pitchFamily="65" charset="-120"/>
-              </a:rPr>
-              <a:t>k</a:t>
-            </a:r>
-            <a:r>
-              <a:rPr lang="en-US" altLang="zh-TW" sz="2000" dirty="0" err="1">
-                <a:latin typeface="Times New Roman" panose="02020603050405020304" pitchFamily="18" charset="0"/>
-                <a:ea typeface="標楷體" panose="03000509000000000000" pitchFamily="65" charset="-120"/>
-              </a:rPr>
-              <a:t>i</a:t>
-            </a:r>
-            <a:r>
-              <a:rPr lang="en-US" altLang="zh-TW" dirty="0">
-                <a:latin typeface="Times New Roman" panose="02020603050405020304" pitchFamily="18" charset="0"/>
-                <a:ea typeface="標楷體" panose="03000509000000000000" pitchFamily="65" charset="-120"/>
-              </a:rPr>
-              <a:t> &lt;= 1000000000)</a:t>
-            </a:r>
-            <a:r>
-              <a:rPr lang="zh-TW" altLang="zh-TW" dirty="0">
-                <a:latin typeface="Times New Roman" panose="02020603050405020304" pitchFamily="18" charset="0"/>
-                <a:ea typeface="標楷體" panose="03000509000000000000" pitchFamily="65" charset="-120"/>
-              </a:rPr>
-              <a:t>。</a:t>
-            </a:r>
-            <a:r>
-              <a:rPr lang="en-US" altLang="zh-TW" dirty="0">
-                <a:latin typeface="Times New Roman" panose="02020603050405020304" pitchFamily="18" charset="0"/>
-                <a:ea typeface="標楷體" panose="03000509000000000000" pitchFamily="65" charset="-120"/>
-              </a:rPr>
-              <a:t>0 0 </a:t>
-            </a:r>
-            <a:r>
-              <a:rPr lang="zh-TW" altLang="zh-TW" dirty="0">
-                <a:latin typeface="Times New Roman" panose="02020603050405020304" pitchFamily="18" charset="0"/>
-                <a:ea typeface="標楷體" panose="03000509000000000000" pitchFamily="65" charset="-120"/>
-              </a:rPr>
-              <a:t>代表結束。</a:t>
-            </a:r>
-          </a:p>
-          <a:p>
-            <a:pPr marL="0" indent="0">
-              <a:lnSpc>
-                <a:spcPct val="110000"/>
-              </a:lnSpc>
-              <a:buNone/>
-            </a:pPr>
-            <a:r>
-              <a:rPr lang="zh-TW" altLang="zh-TW" b="1" dirty="0">
-                <a:latin typeface="Times New Roman" panose="02020603050405020304" pitchFamily="18" charset="0"/>
-                <a:ea typeface="標楷體" panose="03000509000000000000" pitchFamily="65" charset="-120"/>
-              </a:rPr>
-              <a:t>輸出說明</a:t>
-            </a:r>
-            <a:r>
-              <a:rPr lang="zh-TW" altLang="en-US" b="1" dirty="0">
-                <a:latin typeface="Times New Roman" panose="02020603050405020304" pitchFamily="18" charset="0"/>
-                <a:ea typeface="標楷體" panose="03000509000000000000" pitchFamily="65" charset="-120"/>
-              </a:rPr>
-              <a:t>：</a:t>
-            </a:r>
-            <a:endParaRPr lang="zh-TW" altLang="zh-TW" dirty="0">
-              <a:latin typeface="Times New Roman" panose="02020603050405020304" pitchFamily="18" charset="0"/>
-              <a:ea typeface="標楷體" panose="03000509000000000000" pitchFamily="65" charset="-120"/>
-            </a:endParaRPr>
-          </a:p>
-          <a:p>
-            <a:pPr marL="0" indent="0">
-              <a:lnSpc>
-                <a:spcPct val="110000"/>
-              </a:lnSpc>
-              <a:buNone/>
-            </a:pPr>
-            <a:r>
-              <a:rPr lang="zh-TW" altLang="en-US" dirty="0">
-                <a:latin typeface="Times New Roman" panose="02020603050405020304" pitchFamily="18" charset="0"/>
-                <a:ea typeface="標楷體" panose="03000509000000000000" pitchFamily="65" charset="-120"/>
-              </a:rPr>
-              <a:t>對於每組測資，</a:t>
-            </a:r>
-            <a:r>
-              <a:rPr lang="zh-TW" altLang="zh-TW" dirty="0">
-                <a:latin typeface="Times New Roman" panose="02020603050405020304" pitchFamily="18" charset="0"/>
-                <a:ea typeface="標楷體" panose="03000509000000000000" pitchFamily="65" charset="-120"/>
-              </a:rPr>
-              <a:t>輸出</a:t>
-            </a:r>
-            <a:r>
-              <a:rPr lang="en-US" altLang="zh-TW" dirty="0">
-                <a:latin typeface="Times New Roman" panose="02020603050405020304" pitchFamily="18" charset="0"/>
-                <a:ea typeface="標楷體" panose="03000509000000000000" pitchFamily="65" charset="-120"/>
-              </a:rPr>
-              <a:t>1</a:t>
-            </a:r>
-            <a:r>
-              <a:rPr lang="zh-TW" altLang="zh-TW" dirty="0">
-                <a:latin typeface="Times New Roman" panose="02020603050405020304" pitchFamily="18" charset="0"/>
-                <a:ea typeface="標楷體" panose="03000509000000000000" pitchFamily="65" charset="-120"/>
-              </a:rPr>
-              <a:t>個最大</a:t>
-            </a:r>
-            <a:r>
-              <a:rPr lang="zh-TW" altLang="en-US" dirty="0">
-                <a:latin typeface="Times New Roman" panose="02020603050405020304" pitchFamily="18" charset="0"/>
-                <a:ea typeface="標楷體" panose="03000509000000000000" pitchFamily="65" charset="-120"/>
-              </a:rPr>
-              <a:t>組</a:t>
-            </a:r>
-            <a:r>
-              <a:rPr lang="zh-TW" altLang="zh-TW" dirty="0">
-                <a:latin typeface="Times New Roman" panose="02020603050405020304" pitchFamily="18" charset="0"/>
-                <a:ea typeface="標楷體" panose="03000509000000000000" pitchFamily="65" charset="-120"/>
-              </a:rPr>
-              <a:t>數長度，</a:t>
-            </a:r>
-            <a:r>
-              <a:rPr lang="zh-TW" altLang="en-US" dirty="0">
-                <a:latin typeface="Times New Roman" panose="02020603050405020304" pitchFamily="18" charset="0"/>
-                <a:ea typeface="標楷體" panose="03000509000000000000" pitchFamily="65" charset="-120"/>
-              </a:rPr>
-              <a:t>然後依序</a:t>
-            </a:r>
-            <a:r>
-              <a:rPr lang="zh-TW" altLang="zh-TW" dirty="0">
-                <a:latin typeface="Times New Roman" panose="02020603050405020304" pitchFamily="18" charset="0"/>
-                <a:ea typeface="標楷體" panose="03000509000000000000" pitchFamily="65" charset="-120"/>
-              </a:rPr>
-              <a:t>輸出構成最大組的</a:t>
-            </a:r>
-            <a:r>
-              <a:rPr lang="en-US" altLang="zh-TW" dirty="0">
-                <a:latin typeface="Times New Roman" panose="02020603050405020304" pitchFamily="18" charset="0"/>
-                <a:ea typeface="標楷體" panose="03000509000000000000" pitchFamily="65" charset="-120"/>
-              </a:rPr>
-              <a:t>group</a:t>
-            </a:r>
-            <a:r>
-              <a:rPr lang="zh-TW" altLang="zh-TW" dirty="0">
-                <a:latin typeface="Times New Roman" panose="02020603050405020304" pitchFamily="18" charset="0"/>
-                <a:ea typeface="標楷體" panose="03000509000000000000" pitchFamily="65" charset="-120"/>
-              </a:rPr>
-              <a:t>是</a:t>
-            </a:r>
-            <a:r>
-              <a:rPr lang="zh-TW" altLang="en-US" dirty="0">
-                <a:latin typeface="Times New Roman" panose="02020603050405020304" pitchFamily="18" charset="0"/>
-                <a:ea typeface="標楷體" panose="03000509000000000000" pitchFamily="65" charset="-120"/>
-              </a:rPr>
-              <a:t>哪些，並且如何排列能夠滿足最大遞減關係將其輸出</a:t>
-            </a:r>
-            <a:r>
-              <a:rPr lang="zh-TW" altLang="zh-TW" dirty="0">
-                <a:latin typeface="Times New Roman" panose="02020603050405020304" pitchFamily="18" charset="0"/>
-                <a:ea typeface="標楷體" panose="03000509000000000000" pitchFamily="65" charset="-120"/>
-              </a:rPr>
-              <a:t>。</a:t>
-            </a:r>
-            <a:r>
-              <a:rPr lang="zh-TW" altLang="en-US" dirty="0">
-                <a:latin typeface="Times New Roman" panose="02020603050405020304" pitchFamily="18" charset="0"/>
-                <a:ea typeface="標楷體" panose="03000509000000000000" pitchFamily="65" charset="-120"/>
-              </a:rPr>
-              <a:t>每組輸出最後都要換行，各數字間以空白字元分開。</a:t>
-            </a:r>
-            <a:endParaRPr lang="en-US" altLang="zh-TW" dirty="0">
-              <a:latin typeface="Times New Roman" panose="02020603050405020304" pitchFamily="18" charset="0"/>
-              <a:ea typeface="標楷體" panose="03000509000000000000" pitchFamily="65" charset="-120"/>
-            </a:endParaRPr>
-          </a:p>
-        </p:txBody>
-      </p:sp>
-    </p:spTree>
-    <p:extLst>
-      <p:ext uri="{BB962C8B-B14F-4D97-AF65-F5344CB8AC3E}">
-        <p14:creationId xmlns:p14="http://schemas.microsoft.com/office/powerpoint/2010/main" val="1808466350"/>
-      </p:ext>
-    </p:extLst>
-  </p:cSld>
-  <p:clrMapOvr>
-    <a:masterClrMapping/>
-  </p:clrMapOvr>
-</p:sld>
-</file>
-
-<file path=ppt/slides/slide5.xml><?xml version="1.0" encoding="utf-8"?>
-<p:sld xmlns:a="http://schemas.openxmlformats.org/drawingml/2006/main" xmlns:r="http://schemas.openxmlformats.org/officeDocument/2006/relationships" xmlns:p="http://schemas.openxmlformats.org/presentationml/2006/main">
-  <p:cSld>
-    <p:spTree>
-      <p:nvGrpSpPr>
-        <p:cNvPr id="1" name=""/>
-        <p:cNvGrpSpPr/>
-        <p:nvPr/>
-      </p:nvGrpSpPr>
-      <p:grpSpPr>
-        <a:xfrm>
-          <a:off x="0" y="0"/>
-          <a:ext cx="0" cy="0"/>
-          <a:chOff x="0" y="0"/>
-          <a:chExt cx="0" cy="0"/>
-        </a:xfrm>
-      </p:grpSpPr>
-      <p:sp>
-        <p:nvSpPr>
-          <p:cNvPr id="2" name="標題 1">
-            <a:extLst>
-              <a:ext uri="{FF2B5EF4-FFF2-40B4-BE49-F238E27FC236}">
-                <a16:creationId xmlns:a16="http://schemas.microsoft.com/office/drawing/2014/main" id="{4457B8C9-56BD-4589-B5A8-9B5476310C0B}"/>
-              </a:ext>
-            </a:extLst>
-          </p:cNvPr>
-          <p:cNvSpPr>
-            <a:spLocks noGrp="1"/>
-          </p:cNvSpPr>
-          <p:nvPr>
-            <p:ph type="title"/>
-          </p:nvPr>
-        </p:nvSpPr>
-        <p:spPr/>
-        <p:txBody>
-          <a:bodyPr/>
-          <a:lstStyle/>
-          <a:p>
-            <a:r>
-              <a:rPr lang="zh-TW" altLang="en-US"/>
-              <a:t>輸入 </a:t>
-            </a:r>
-            <a:r>
-              <a:rPr lang="en-US" altLang="zh-TW"/>
-              <a:t>/</a:t>
-            </a:r>
-            <a:r>
-              <a:rPr lang="zh-TW" altLang="en-US"/>
-              <a:t> 輸出說明</a:t>
-            </a:r>
-          </a:p>
-        </p:txBody>
-      </p:sp>
-      <p:sp>
-        <p:nvSpPr>
-          <p:cNvPr id="8" name="內容版面配置區 7">
-            <a:extLst>
-              <a:ext uri="{FF2B5EF4-FFF2-40B4-BE49-F238E27FC236}">
-                <a16:creationId xmlns:a16="http://schemas.microsoft.com/office/drawing/2014/main" id="{4F8BD45E-C0B9-4189-91F3-68797BDD0952}"/>
-              </a:ext>
-            </a:extLst>
-          </p:cNvPr>
-          <p:cNvSpPr>
-            <a:spLocks noGrp="1"/>
-          </p:cNvSpPr>
-          <p:nvPr>
-            <p:ph sz="half" idx="1"/>
-          </p:nvPr>
-        </p:nvSpPr>
-        <p:spPr>
-          <a:xfrm>
-            <a:off x="482082" y="1349830"/>
-            <a:ext cx="5474581" cy="5508170"/>
-          </a:xfrm>
-        </p:spPr>
-        <p:txBody>
-          <a:bodyPr>
-            <a:noAutofit/>
-          </a:bodyPr>
-          <a:lstStyle/>
-          <a:p>
-            <a:pPr marL="0" indent="0">
-              <a:buNone/>
-            </a:pPr>
-            <a:r>
-              <a:rPr lang="zh-TW" altLang="en-US" sz="2000" b="1" dirty="0">
-                <a:latin typeface="Times New Roman" panose="02020603050405020304" pitchFamily="18" charset="0"/>
-                <a:ea typeface="標楷體" panose="03000509000000000000" pitchFamily="65" charset="-120"/>
-              </a:rPr>
-              <a:t>範例輸入：</a:t>
-            </a:r>
-            <a:endParaRPr lang="en-US" altLang="zh-TW" sz="2000" b="1" dirty="0">
-              <a:latin typeface="Times New Roman" panose="02020603050405020304" pitchFamily="18" charset="0"/>
-              <a:ea typeface="標楷體" panose="03000509000000000000" pitchFamily="65" charset="-120"/>
-            </a:endParaRPr>
-          </a:p>
-          <a:p>
-            <a:pPr marL="0" indent="0">
-              <a:buNone/>
-            </a:pPr>
-            <a:r>
-              <a:rPr lang="en-US" altLang="zh-TW" sz="2000" dirty="0">
-                <a:latin typeface="Times New Roman" panose="02020603050405020304" pitchFamily="18" charset="0"/>
-                <a:ea typeface="標楷體" panose="03000509000000000000" pitchFamily="65" charset="-120"/>
-              </a:rPr>
-              <a:t>5 10</a:t>
-            </a:r>
-          </a:p>
-          <a:p>
-            <a:pPr marL="0" indent="0">
-              <a:buNone/>
-            </a:pPr>
-            <a:r>
-              <a:rPr lang="en-US" altLang="zh-TW" sz="2000" dirty="0">
-                <a:latin typeface="Times New Roman" panose="02020603050405020304" pitchFamily="18" charset="0"/>
-                <a:ea typeface="標楷體" panose="03000509000000000000" pitchFamily="65" charset="-120"/>
-              </a:rPr>
-              <a:t>159 178 170 179 193 174 182 184 192 173</a:t>
-            </a:r>
-          </a:p>
-          <a:p>
-            <a:pPr marL="0" indent="0">
-              <a:buNone/>
-            </a:pPr>
-            <a:r>
-              <a:rPr lang="en-US" altLang="zh-TW" sz="2000" dirty="0">
-                <a:latin typeface="Times New Roman" panose="02020603050405020304" pitchFamily="18" charset="0"/>
-                <a:ea typeface="標楷體" panose="03000509000000000000" pitchFamily="65" charset="-120"/>
-              </a:rPr>
-              <a:t>188 169 164 164 173 152 170 186 157 151</a:t>
-            </a:r>
-          </a:p>
-          <a:p>
-            <a:pPr marL="0" indent="0">
-              <a:buNone/>
-            </a:pPr>
-            <a:r>
-              <a:rPr lang="en-US" altLang="zh-TW" sz="2000" dirty="0">
-                <a:latin typeface="Times New Roman" panose="02020603050405020304" pitchFamily="18" charset="0"/>
-                <a:ea typeface="標楷體" panose="03000509000000000000" pitchFamily="65" charset="-120"/>
-              </a:rPr>
-              <a:t>198 161 199 178 172 156 153 154 162 191</a:t>
-            </a:r>
-          </a:p>
-          <a:p>
-            <a:pPr marL="0" indent="0">
-              <a:buNone/>
-            </a:pPr>
-            <a:r>
-              <a:rPr lang="en-US" altLang="zh-TW" sz="2000" dirty="0">
-                <a:latin typeface="Times New Roman" panose="02020603050405020304" pitchFamily="18" charset="0"/>
-                <a:ea typeface="標楷體" panose="03000509000000000000" pitchFamily="65" charset="-120"/>
-              </a:rPr>
-              <a:t>182 170 183 188 181 199 178 178 198 176</a:t>
-            </a:r>
-          </a:p>
-          <a:p>
-            <a:pPr marL="0" indent="0">
-              <a:buNone/>
-            </a:pPr>
-            <a:r>
-              <a:rPr lang="en-US" altLang="zh-TW" sz="2000" dirty="0">
-                <a:latin typeface="Times New Roman" panose="02020603050405020304" pitchFamily="18" charset="0"/>
-                <a:ea typeface="標楷體" panose="03000509000000000000" pitchFamily="65" charset="-120"/>
-              </a:rPr>
-              <a:t>166 155 168 186 150 192 193 166 190 176</a:t>
-            </a:r>
-          </a:p>
-          <a:p>
-            <a:pPr marL="0" indent="0">
-              <a:buNone/>
-            </a:pPr>
-            <a:r>
-              <a:rPr lang="en-US" altLang="zh-TW" sz="2000" dirty="0">
-                <a:latin typeface="Times New Roman" panose="02020603050405020304" pitchFamily="18" charset="0"/>
-                <a:ea typeface="標楷體" panose="03000509000000000000" pitchFamily="65" charset="-120"/>
-              </a:rPr>
-              <a:t>0 0</a:t>
-            </a:r>
-          </a:p>
-          <a:p>
-            <a:pPr marL="0" indent="0">
-              <a:buNone/>
-            </a:pPr>
-            <a:r>
-              <a:rPr lang="zh-TW" altLang="en-US" sz="2000" b="1" dirty="0">
-                <a:latin typeface="Times New Roman" panose="02020603050405020304" pitchFamily="18" charset="0"/>
-                <a:ea typeface="標楷體" panose="03000509000000000000" pitchFamily="65" charset="-120"/>
-              </a:rPr>
-              <a:t>範例輸出：</a:t>
-            </a:r>
-            <a:endParaRPr lang="en-US" altLang="zh-TW" sz="2000" dirty="0">
-              <a:latin typeface="Times New Roman" panose="02020603050405020304" pitchFamily="18" charset="0"/>
-              <a:ea typeface="標楷體" panose="03000509000000000000" pitchFamily="65" charset="-120"/>
-            </a:endParaRPr>
-          </a:p>
-          <a:p>
-            <a:pPr marL="0" indent="0">
-              <a:buNone/>
-            </a:pPr>
-            <a:r>
-              <a:rPr lang="en-US" altLang="zh-TW" sz="2000" dirty="0">
-                <a:latin typeface="Times New Roman" panose="02020603050405020304" pitchFamily="18" charset="0"/>
-                <a:ea typeface="標楷體" panose="03000509000000000000" pitchFamily="65" charset="-120"/>
-              </a:rPr>
-              <a:t>3</a:t>
-            </a:r>
-          </a:p>
-          <a:p>
-            <a:pPr marL="0" indent="0">
-              <a:buNone/>
-            </a:pPr>
-            <a:r>
-              <a:rPr lang="en-US" altLang="zh-TW" sz="2000" dirty="0">
-                <a:latin typeface="Times New Roman" panose="02020603050405020304" pitchFamily="18" charset="0"/>
-                <a:ea typeface="標楷體" panose="03000509000000000000" pitchFamily="65" charset="-120"/>
-              </a:rPr>
-              <a:t>182 170 183 188 181 199 178 178 198 176</a:t>
-            </a:r>
-          </a:p>
-          <a:p>
-            <a:pPr marL="0" indent="0">
-              <a:buNone/>
-            </a:pPr>
-            <a:r>
-              <a:rPr lang="en-US" altLang="zh-TW" sz="2000" dirty="0">
-                <a:latin typeface="Times New Roman" panose="02020603050405020304" pitchFamily="18" charset="0"/>
-                <a:ea typeface="標楷體" panose="03000509000000000000" pitchFamily="65" charset="-120"/>
-              </a:rPr>
-              <a:t>179 159 182 184 178 193 173 174 192 170</a:t>
-            </a:r>
-          </a:p>
-          <a:p>
-            <a:pPr marL="0" indent="0">
-              <a:buNone/>
-            </a:pPr>
-            <a:r>
-              <a:rPr lang="en-US" altLang="zh-TW" sz="2000" dirty="0">
-                <a:latin typeface="Times New Roman" panose="02020603050405020304" pitchFamily="18" charset="0"/>
-                <a:ea typeface="標楷體" panose="03000509000000000000" pitchFamily="65" charset="-120"/>
-              </a:rPr>
-              <a:t>169 151 170 173 164 188 157 164 186 152</a:t>
-            </a:r>
-          </a:p>
-        </p:txBody>
-      </p:sp>
-      <p:sp>
-        <p:nvSpPr>
-          <p:cNvPr id="9" name="內容版面配置區 8">
-            <a:extLst>
-              <a:ext uri="{FF2B5EF4-FFF2-40B4-BE49-F238E27FC236}">
-                <a16:creationId xmlns:a16="http://schemas.microsoft.com/office/drawing/2014/main" id="{68958E9B-30D2-4821-8520-6F237B5A7ADE}"/>
-              </a:ext>
-            </a:extLst>
-          </p:cNvPr>
-          <p:cNvSpPr>
-            <a:spLocks noGrp="1"/>
-          </p:cNvSpPr>
-          <p:nvPr>
-            <p:ph sz="half" idx="2"/>
-          </p:nvPr>
-        </p:nvSpPr>
-        <p:spPr>
-          <a:xfrm>
-            <a:off x="6172199" y="365125"/>
-            <a:ext cx="5826967" cy="6278271"/>
-          </a:xfrm>
-        </p:spPr>
-        <p:txBody>
-          <a:bodyPr>
-            <a:noAutofit/>
-          </a:bodyPr>
-          <a:lstStyle/>
-          <a:p>
-            <a:pPr marL="0" indent="0">
-              <a:lnSpc>
-                <a:spcPct val="120000"/>
-              </a:lnSpc>
-              <a:buNone/>
-            </a:pPr>
-            <a:r>
-              <a:rPr lang="zh-TW" altLang="en-US" sz="2000" b="1" dirty="0">
-                <a:latin typeface="Times New Roman" panose="02020603050405020304" pitchFamily="18" charset="0"/>
-                <a:ea typeface="標楷體" panose="03000509000000000000" pitchFamily="65" charset="-120"/>
-              </a:rPr>
-              <a:t>說明：</a:t>
-            </a:r>
-            <a:endParaRPr lang="en-US" altLang="zh-TW" sz="2000" b="1" dirty="0">
-              <a:latin typeface="Times New Roman" panose="02020603050405020304" pitchFamily="18" charset="0"/>
-              <a:ea typeface="標楷體" panose="03000509000000000000" pitchFamily="65" charset="-120"/>
-            </a:endParaRPr>
-          </a:p>
-          <a:p>
-            <a:pPr marL="0" indent="0">
-              <a:lnSpc>
-                <a:spcPct val="120000"/>
-              </a:lnSpc>
-              <a:buNone/>
-            </a:pPr>
-            <a:r>
-              <a:rPr lang="zh-TW" altLang="en-US" sz="2000" dirty="0">
-                <a:latin typeface="Times New Roman" panose="02020603050405020304" pitchFamily="18" charset="0"/>
-                <a:ea typeface="標楷體" panose="03000509000000000000" pitchFamily="65" charset="-120"/>
-              </a:rPr>
-              <a:t>範例輸入的唯一一組測資中，</a:t>
-            </a:r>
-            <a:endParaRPr lang="en-US" altLang="zh-TW" sz="2000" dirty="0">
-              <a:latin typeface="Times New Roman" panose="02020603050405020304" pitchFamily="18" charset="0"/>
-              <a:ea typeface="標楷體" panose="03000509000000000000" pitchFamily="65" charset="-120"/>
-            </a:endParaRPr>
-          </a:p>
-          <a:p>
-            <a:pPr marL="0" indent="0">
-              <a:lnSpc>
-                <a:spcPct val="120000"/>
-              </a:lnSpc>
-              <a:buNone/>
-            </a:pPr>
-            <a:r>
-              <a:rPr lang="en-US" altLang="zh-TW" sz="2000" dirty="0">
-                <a:latin typeface="Times New Roman" panose="02020603050405020304" pitchFamily="18" charset="0"/>
-                <a:ea typeface="標楷體" panose="03000509000000000000" pitchFamily="65" charset="-120"/>
-              </a:rPr>
-              <a:t>Group1:</a:t>
-            </a:r>
-            <a:r>
-              <a:rPr lang="zh-TW" altLang="en-US" sz="2000" dirty="0">
-                <a:latin typeface="Times New Roman" panose="02020603050405020304" pitchFamily="18" charset="0"/>
-                <a:ea typeface="標楷體" panose="03000509000000000000" pitchFamily="65" charset="-120"/>
-              </a:rPr>
-              <a:t> </a:t>
-            </a:r>
-            <a:r>
-              <a:rPr lang="en-US" altLang="zh-TW" sz="2000" dirty="0">
-                <a:latin typeface="Times New Roman" panose="02020603050405020304" pitchFamily="18" charset="0"/>
-                <a:ea typeface="標楷體" panose="03000509000000000000" pitchFamily="65" charset="-120"/>
-              </a:rPr>
-              <a:t>159 178 170 179 193 174 182 184 192 173</a:t>
-            </a:r>
-          </a:p>
-          <a:p>
-            <a:pPr marL="0" indent="0">
-              <a:lnSpc>
-                <a:spcPct val="120000"/>
-              </a:lnSpc>
-              <a:buNone/>
-            </a:pPr>
-            <a:r>
-              <a:rPr lang="en-US" altLang="zh-TW" sz="2000" dirty="0">
-                <a:latin typeface="Times New Roman" panose="02020603050405020304" pitchFamily="18" charset="0"/>
-                <a:ea typeface="標楷體" panose="03000509000000000000" pitchFamily="65" charset="-120"/>
-              </a:rPr>
-              <a:t>Group2:</a:t>
-            </a:r>
-            <a:r>
-              <a:rPr lang="zh-TW" altLang="en-US" sz="2000" dirty="0">
-                <a:latin typeface="Times New Roman" panose="02020603050405020304" pitchFamily="18" charset="0"/>
-                <a:ea typeface="標楷體" panose="03000509000000000000" pitchFamily="65" charset="-120"/>
-              </a:rPr>
-              <a:t> </a:t>
-            </a:r>
-            <a:r>
-              <a:rPr lang="en-US" altLang="zh-TW" sz="2000" dirty="0">
-                <a:latin typeface="Times New Roman" panose="02020603050405020304" pitchFamily="18" charset="0"/>
-                <a:ea typeface="標楷體" panose="03000509000000000000" pitchFamily="65" charset="-120"/>
-              </a:rPr>
-              <a:t>188 169 164 164 173 152 170 186 157 151</a:t>
-            </a:r>
-          </a:p>
-          <a:p>
-            <a:pPr marL="0" indent="0">
-              <a:lnSpc>
-                <a:spcPct val="120000"/>
-              </a:lnSpc>
-              <a:buNone/>
-            </a:pPr>
-            <a:r>
-              <a:rPr lang="en-US" altLang="zh-TW" sz="2000" dirty="0">
-                <a:latin typeface="Times New Roman" panose="02020603050405020304" pitchFamily="18" charset="0"/>
-                <a:ea typeface="標楷體" panose="03000509000000000000" pitchFamily="65" charset="-120"/>
-              </a:rPr>
-              <a:t>Group3:</a:t>
-            </a:r>
-            <a:r>
-              <a:rPr lang="zh-TW" altLang="en-US" sz="2000" dirty="0">
-                <a:latin typeface="Times New Roman" panose="02020603050405020304" pitchFamily="18" charset="0"/>
-                <a:ea typeface="標楷體" panose="03000509000000000000" pitchFamily="65" charset="-120"/>
-              </a:rPr>
-              <a:t> </a:t>
-            </a:r>
-            <a:r>
-              <a:rPr lang="en-US" altLang="zh-TW" sz="2000" dirty="0">
-                <a:latin typeface="Times New Roman" panose="02020603050405020304" pitchFamily="18" charset="0"/>
-                <a:ea typeface="標楷體" panose="03000509000000000000" pitchFamily="65" charset="-120"/>
-              </a:rPr>
-              <a:t>198 161 199 178 172 156 153 154 162 191</a:t>
-            </a:r>
-          </a:p>
-          <a:p>
-            <a:pPr marL="0" indent="0">
-              <a:lnSpc>
-                <a:spcPct val="120000"/>
-              </a:lnSpc>
-              <a:buNone/>
-            </a:pPr>
-            <a:r>
-              <a:rPr lang="en-US" altLang="zh-TW" sz="2000" dirty="0">
-                <a:latin typeface="Times New Roman" panose="02020603050405020304" pitchFamily="18" charset="0"/>
-                <a:ea typeface="標楷體" panose="03000509000000000000" pitchFamily="65" charset="-120"/>
-              </a:rPr>
-              <a:t>Group4:</a:t>
-            </a:r>
-            <a:r>
-              <a:rPr lang="zh-TW" altLang="en-US" sz="2000" dirty="0">
-                <a:latin typeface="Times New Roman" panose="02020603050405020304" pitchFamily="18" charset="0"/>
-                <a:ea typeface="標楷體" panose="03000509000000000000" pitchFamily="65" charset="-120"/>
-              </a:rPr>
-              <a:t> </a:t>
-            </a:r>
-            <a:r>
-              <a:rPr lang="en-US" altLang="zh-TW" sz="2000" dirty="0">
-                <a:latin typeface="Times New Roman" panose="02020603050405020304" pitchFamily="18" charset="0"/>
-                <a:ea typeface="標楷體" panose="03000509000000000000" pitchFamily="65" charset="-120"/>
-              </a:rPr>
-              <a:t>182 170 183 188 181 199 178 178 198 176</a:t>
-            </a:r>
-          </a:p>
-          <a:p>
-            <a:pPr marL="0" indent="0">
-              <a:lnSpc>
-                <a:spcPct val="120000"/>
-              </a:lnSpc>
-              <a:buNone/>
-            </a:pPr>
-            <a:r>
-              <a:rPr lang="en-US" altLang="zh-TW" sz="2000" dirty="0">
-                <a:latin typeface="Times New Roman" panose="02020603050405020304" pitchFamily="18" charset="0"/>
-                <a:ea typeface="標楷體" panose="03000509000000000000" pitchFamily="65" charset="-120"/>
-              </a:rPr>
-              <a:t>Group5:</a:t>
-            </a:r>
-            <a:r>
-              <a:rPr lang="zh-TW" altLang="en-US" sz="2000" dirty="0">
-                <a:latin typeface="Times New Roman" panose="02020603050405020304" pitchFamily="18" charset="0"/>
-                <a:ea typeface="標楷體" panose="03000509000000000000" pitchFamily="65" charset="-120"/>
-              </a:rPr>
-              <a:t> </a:t>
-            </a:r>
-            <a:r>
-              <a:rPr lang="en-US" altLang="zh-TW" sz="2000" dirty="0">
-                <a:latin typeface="Times New Roman" panose="02020603050405020304" pitchFamily="18" charset="0"/>
-                <a:ea typeface="標楷體" panose="03000509000000000000" pitchFamily="65" charset="-120"/>
-              </a:rPr>
-              <a:t>166 155 168 186 150 192 193 166 190 176</a:t>
-            </a:r>
-          </a:p>
-          <a:p>
-            <a:pPr marL="0" indent="0">
-              <a:lnSpc>
-                <a:spcPct val="120000"/>
-              </a:lnSpc>
-              <a:buNone/>
-            </a:pPr>
-            <a:r>
-              <a:rPr lang="zh-TW" altLang="en-US" sz="2000" dirty="0">
-                <a:latin typeface="Times New Roman" panose="02020603050405020304" pitchFamily="18" charset="0"/>
-                <a:ea typeface="標楷體" panose="03000509000000000000" pitchFamily="65" charset="-120"/>
-              </a:rPr>
-              <a:t>更動數列後，最多可得</a:t>
-            </a:r>
-            <a:r>
-              <a:rPr lang="en-US" altLang="zh-TW" sz="2000" dirty="0">
-                <a:latin typeface="Times New Roman" panose="02020603050405020304" pitchFamily="18" charset="0"/>
-                <a:ea typeface="標楷體" panose="03000509000000000000" pitchFamily="65" charset="-120"/>
-              </a:rPr>
-              <a:t>3</a:t>
-            </a:r>
-            <a:r>
-              <a:rPr lang="zh-TW" altLang="en-US" sz="2000" dirty="0">
-                <a:latin typeface="Times New Roman" panose="02020603050405020304" pitchFamily="18" charset="0"/>
-                <a:ea typeface="標楷體" panose="03000509000000000000" pitchFamily="65" charset="-120"/>
-              </a:rPr>
-              <a:t>個以下排列的</a:t>
-            </a:r>
-            <a:r>
-              <a:rPr lang="en-US" altLang="zh-TW" sz="2000" dirty="0">
-                <a:latin typeface="Times New Roman" panose="02020603050405020304" pitchFamily="18" charset="0"/>
-                <a:ea typeface="標楷體" panose="03000509000000000000" pitchFamily="65" charset="-120"/>
-              </a:rPr>
-              <a:t>group(s)</a:t>
-            </a:r>
-            <a:r>
-              <a:rPr lang="zh-TW" altLang="en-US" sz="2000" dirty="0">
-                <a:latin typeface="Times New Roman" panose="02020603050405020304" pitchFamily="18" charset="0"/>
-                <a:ea typeface="標楷體" panose="03000509000000000000" pitchFamily="65" charset="-120"/>
-              </a:rPr>
-              <a:t>符合題意要求：</a:t>
-            </a:r>
-            <a:endParaRPr lang="en-US" altLang="zh-TW" sz="2000" dirty="0">
-              <a:latin typeface="Times New Roman" panose="02020603050405020304" pitchFamily="18" charset="0"/>
-              <a:ea typeface="標楷體" panose="03000509000000000000" pitchFamily="65" charset="-120"/>
-            </a:endParaRPr>
-          </a:p>
-          <a:p>
-            <a:pPr marL="0" indent="0">
-              <a:lnSpc>
-                <a:spcPct val="120000"/>
-              </a:lnSpc>
-              <a:buNone/>
-            </a:pPr>
-            <a:r>
-              <a:rPr lang="en-US" altLang="zh-TW" sz="2000" dirty="0">
-                <a:latin typeface="Times New Roman" panose="02020603050405020304" pitchFamily="18" charset="0"/>
-                <a:ea typeface="標楷體" panose="03000509000000000000" pitchFamily="65" charset="-120"/>
-              </a:rPr>
-              <a:t>Group 4: 182 170 183 188 181 199 178 178 198 176</a:t>
-            </a:r>
-          </a:p>
-          <a:p>
-            <a:pPr marL="0" indent="0">
-              <a:lnSpc>
-                <a:spcPct val="120000"/>
-              </a:lnSpc>
-              <a:buNone/>
-            </a:pPr>
-            <a:r>
-              <a:rPr lang="en-US" altLang="zh-TW" sz="2000" dirty="0">
-                <a:latin typeface="Times New Roman" panose="02020603050405020304" pitchFamily="18" charset="0"/>
-                <a:ea typeface="標楷體" panose="03000509000000000000" pitchFamily="65" charset="-120"/>
-              </a:rPr>
-              <a:t>Group 1: 179 159 182 184 178 193 173 174 192 170</a:t>
-            </a:r>
-          </a:p>
-          <a:p>
-            <a:pPr marL="0" indent="0">
-              <a:lnSpc>
-                <a:spcPct val="120000"/>
-              </a:lnSpc>
-              <a:buNone/>
-            </a:pPr>
-            <a:r>
-              <a:rPr lang="en-US" altLang="zh-TW" sz="2000" dirty="0">
-                <a:latin typeface="Times New Roman" panose="02020603050405020304" pitchFamily="18" charset="0"/>
-                <a:ea typeface="標楷體" panose="03000509000000000000" pitchFamily="65" charset="-120"/>
-              </a:rPr>
-              <a:t>Group 2: 169 151 170 173 164 188 157 164 186 152</a:t>
-            </a:r>
-          </a:p>
-          <a:p>
-            <a:pPr marL="0" indent="0">
-              <a:lnSpc>
-                <a:spcPct val="120000"/>
-              </a:lnSpc>
-              <a:buNone/>
-            </a:pPr>
-            <a:r>
-              <a:rPr lang="zh-TW" altLang="en-US" sz="2000" dirty="0">
-                <a:latin typeface="Times New Roman" panose="02020603050405020304" pitchFamily="18" charset="0"/>
-                <a:ea typeface="標楷體" panose="03000509000000000000" pitchFamily="65" charset="-120"/>
-              </a:rPr>
-              <a:t>因此輸出為</a:t>
-            </a:r>
-            <a:r>
-              <a:rPr lang="en-US" altLang="zh-TW" sz="2000" dirty="0">
-                <a:latin typeface="Times New Roman" panose="02020603050405020304" pitchFamily="18" charset="0"/>
-                <a:ea typeface="標楷體" panose="03000509000000000000" pitchFamily="65" charset="-120"/>
-              </a:rPr>
-              <a:t>3</a:t>
-            </a:r>
-            <a:r>
-              <a:rPr lang="zh-TW" altLang="en-US" sz="2000" dirty="0">
-                <a:latin typeface="Times New Roman" panose="02020603050405020304" pitchFamily="18" charset="0"/>
-                <a:ea typeface="標楷體" panose="03000509000000000000" pitchFamily="65" charset="-120"/>
-              </a:rPr>
-              <a:t>，以及對應的群如何排列</a:t>
-            </a:r>
-            <a:endParaRPr lang="en-US" altLang="zh-TW" sz="2000" dirty="0">
-              <a:latin typeface="Times New Roman" panose="02020603050405020304" pitchFamily="18" charset="0"/>
-              <a:ea typeface="標楷體" panose="03000509000000000000" pitchFamily="65" charset="-120"/>
-            </a:endParaRPr>
-          </a:p>
-        </p:txBody>
-      </p:sp>
-    </p:spTree>
-    <p:extLst>
-      <p:ext uri="{BB962C8B-B14F-4D97-AF65-F5344CB8AC3E}">
-        <p14:creationId xmlns:p14="http://schemas.microsoft.com/office/powerpoint/2010/main" val="1574631227"/>
-      </p:ext>
-    </p:extLst>
-  </p:cSld>
-  <p:clrMapOvr>
-    <a:masterClrMapping/>
-  </p:clrMapOvr>
-</p:sld>
-</file>
-
-<file path=ppt/slides/slide6.xml><?xml version="1.0" encoding="utf-8"?>
-<p:sld xmlns:a="http://schemas.openxmlformats.org/drawingml/2006/main" xmlns:r="http://schemas.openxmlformats.org/officeDocument/2006/relationships" xmlns:p="http://schemas.openxmlformats.org/presentationml/2006/main">
-  <p:cSld>
-    <p:spTree>
-      <p:nvGrpSpPr>
-        <p:cNvPr id="1" name=""/>
-        <p:cNvGrpSpPr/>
-        <p:nvPr/>
-      </p:nvGrpSpPr>
-      <p:grpSpPr>
-        <a:xfrm>
-          <a:off x="0" y="0"/>
-          <a:ext cx="0" cy="0"/>
-          <a:chOff x="0" y="0"/>
-          <a:chExt cx="0" cy="0"/>
-        </a:xfrm>
-      </p:grpSpPr>
-      <p:sp>
-        <p:nvSpPr>
-          <p:cNvPr id="2" name="標題 1"/>
-          <p:cNvSpPr>
-            <a:spLocks noGrp="1"/>
-          </p:cNvSpPr>
-          <p:nvPr>
-            <p:ph type="title"/>
-          </p:nvPr>
-        </p:nvSpPr>
-        <p:spPr/>
-        <p:txBody>
-          <a:bodyPr/>
-          <a:lstStyle/>
-          <a:p>
-            <a:r>
-              <a:rPr lang="zh-TW" altLang="en-US" dirty="0"/>
-              <a:t>解題想法</a:t>
-            </a:r>
-          </a:p>
-        </p:txBody>
-      </p:sp>
-      <p:sp>
-        <p:nvSpPr>
-          <p:cNvPr id="3" name="內容版面配置區 2"/>
-          <p:cNvSpPr>
-            <a:spLocks noGrp="1"/>
-          </p:cNvSpPr>
-          <p:nvPr>
-            <p:ph sz="half" idx="1"/>
-          </p:nvPr>
-        </p:nvSpPr>
-        <p:spPr>
-          <a:xfrm>
-            <a:off x="838200" y="1825625"/>
-            <a:ext cx="10378440" cy="4351338"/>
-          </a:xfrm>
-        </p:spPr>
-        <p:txBody>
-          <a:bodyPr>
-            <a:normAutofit/>
-          </a:bodyPr>
-          <a:lstStyle/>
-          <a:p>
-            <a:pPr>
-              <a:lnSpc>
-                <a:spcPct val="100000"/>
-              </a:lnSpc>
-            </a:pPr>
-            <a:r>
-              <a:rPr lang="zh-TW" altLang="en-US" dirty="0">
-                <a:latin typeface="Times New Roman" panose="02020603050405020304" pitchFamily="18" charset="0"/>
-                <a:ea typeface="標楷體" panose="03000509000000000000" pitchFamily="65" charset="-120"/>
-              </a:rPr>
-              <a:t>暴力法</a:t>
-            </a:r>
-            <a:r>
-              <a:rPr lang="en-US" altLang="zh-TW" dirty="0">
-                <a:latin typeface="Times New Roman" panose="02020603050405020304" pitchFamily="18" charset="0"/>
-                <a:ea typeface="標楷體" panose="03000509000000000000" pitchFamily="65" charset="-120"/>
-              </a:rPr>
-              <a:t>:</a:t>
-            </a:r>
-            <a:r>
-              <a:rPr lang="zh-TW" altLang="en-US" dirty="0">
-                <a:latin typeface="Times New Roman" panose="02020603050405020304" pitchFamily="18" charset="0"/>
-                <a:ea typeface="標楷體" panose="03000509000000000000" pitchFamily="65" charset="-120"/>
-              </a:rPr>
-              <a:t> </a:t>
-            </a:r>
-            <a:r>
-              <a:rPr lang="en-US" altLang="zh-TW" dirty="0">
-                <a:latin typeface="Times New Roman" panose="02020603050405020304" pitchFamily="18" charset="0"/>
-                <a:ea typeface="標楷體" panose="03000509000000000000" pitchFamily="65" charset="-120"/>
-              </a:rPr>
-              <a:t>2^N</a:t>
-            </a:r>
-          </a:p>
-          <a:p>
-            <a:pPr marL="0" indent="0">
-              <a:lnSpc>
-                <a:spcPct val="100000"/>
-              </a:lnSpc>
-              <a:buNone/>
-            </a:pPr>
-            <a:endParaRPr lang="en-US" altLang="zh-TW" dirty="0">
-              <a:latin typeface="Times New Roman" panose="02020603050405020304" pitchFamily="18" charset="0"/>
-              <a:ea typeface="標楷體" panose="03000509000000000000" pitchFamily="65" charset="-120"/>
-            </a:endParaRPr>
-          </a:p>
-          <a:p>
-            <a:pPr>
-              <a:lnSpc>
-                <a:spcPct val="100000"/>
-              </a:lnSpc>
-            </a:pPr>
-            <a:r>
-              <a:rPr lang="zh-TW" altLang="en-US" dirty="0">
-                <a:latin typeface="Times New Roman" panose="02020603050405020304" pitchFamily="18" charset="0"/>
-                <a:ea typeface="標楷體" panose="03000509000000000000" pitchFamily="65" charset="-120"/>
-              </a:rPr>
-              <a:t>枚舉所有可能，每個名單都可以刪除或不刪除</a:t>
-            </a:r>
-            <a:r>
-              <a:rPr lang="zh-TW" altLang="en-US" dirty="0" smtClean="0">
-                <a:latin typeface="Times New Roman" panose="02020603050405020304" pitchFamily="18" charset="0"/>
-                <a:ea typeface="標楷體" panose="03000509000000000000" pitchFamily="65" charset="-120"/>
-              </a:rPr>
-              <a:t>。每個可能檢查是否滿足肥宅隊伍定義</a:t>
-            </a:r>
-            <a:endParaRPr lang="en-US" altLang="zh-TW" dirty="0">
-              <a:latin typeface="Times New Roman" panose="02020603050405020304" pitchFamily="18" charset="0"/>
-              <a:ea typeface="標楷體" panose="03000509000000000000" pitchFamily="65" charset="-120"/>
-            </a:endParaRPr>
-          </a:p>
-          <a:p>
-            <a:pPr>
-              <a:lnSpc>
-                <a:spcPct val="100000"/>
-              </a:lnSpc>
-            </a:pPr>
-            <a:endParaRPr lang="en-US" altLang="zh-TW" dirty="0">
-              <a:latin typeface="Times New Roman" panose="02020603050405020304" pitchFamily="18" charset="0"/>
-              <a:ea typeface="標楷體" panose="03000509000000000000" pitchFamily="65" charset="-120"/>
-            </a:endParaRPr>
-          </a:p>
-        </p:txBody>
-      </p:sp>
-    </p:spTree>
-    <p:extLst>
-      <p:ext uri="{BB962C8B-B14F-4D97-AF65-F5344CB8AC3E}">
-        <p14:creationId xmlns:p14="http://schemas.microsoft.com/office/powerpoint/2010/main" val="2918758940"/>
-      </p:ext>
-    </p:extLst>
-  </p:cSld>
-  <p:clrMapOvr>
-    <a:masterClrMapping/>
-  </p:clrMapOvr>
-</p:sld>
-</file>
-
-<file path=ppt/slides/slide7.xml><?xml version="1.0" encoding="utf-8"?>
-<p:sld xmlns:a="http://schemas.openxmlformats.org/drawingml/2006/main" xmlns:r="http://schemas.openxmlformats.org/officeDocument/2006/relationships" xmlns:p="http://schemas.openxmlformats.org/presentationml/2006/main">
-  <p:cSld>
-    <p:spTree>
-      <p:nvGrpSpPr>
-        <p:cNvPr id="1" name=""/>
-        <p:cNvGrpSpPr/>
-        <p:nvPr/>
-      </p:nvGrpSpPr>
-      <p:grpSpPr>
-        <a:xfrm>
-          <a:off x="0" y="0"/>
-          <a:ext cx="0" cy="0"/>
-          <a:chOff x="0" y="0"/>
-          <a:chExt cx="0" cy="0"/>
-        </a:xfrm>
-      </p:grpSpPr>
-      <p:sp>
-        <p:nvSpPr>
-          <p:cNvPr id="2" name="標題 1"/>
-          <p:cNvSpPr>
-            <a:spLocks noGrp="1"/>
-          </p:cNvSpPr>
-          <p:nvPr>
-            <p:ph type="title"/>
-          </p:nvPr>
-        </p:nvSpPr>
-        <p:spPr/>
-        <p:txBody>
-          <a:bodyPr/>
-          <a:lstStyle/>
-          <a:p>
-            <a:r>
-              <a:rPr lang="zh-TW" altLang="en-US" dirty="0"/>
-              <a:t>解題想法</a:t>
-            </a:r>
-          </a:p>
-        </p:txBody>
-      </p:sp>
-      <p:sp>
-        <p:nvSpPr>
-          <p:cNvPr id="3" name="內容版面配置區 2"/>
-          <p:cNvSpPr>
-            <a:spLocks noGrp="1"/>
-          </p:cNvSpPr>
-          <p:nvPr>
-            <p:ph sz="half" idx="1"/>
-          </p:nvPr>
-        </p:nvSpPr>
-        <p:spPr>
-          <a:xfrm>
-            <a:off x="838200" y="1825625"/>
-            <a:ext cx="10378440" cy="4351338"/>
-          </a:xfrm>
-        </p:spPr>
-        <p:txBody>
-          <a:bodyPr>
-            <a:normAutofit/>
-          </a:bodyPr>
-          <a:lstStyle/>
-          <a:p>
-            <a:pPr>
-              <a:lnSpc>
-                <a:spcPct val="100000"/>
-              </a:lnSpc>
-            </a:pPr>
-            <a:r>
-              <a:rPr lang="zh-TW" altLang="en-US" dirty="0">
-                <a:latin typeface="Times New Roman" panose="02020603050405020304" pitchFamily="18" charset="0"/>
-                <a:ea typeface="標楷體" panose="03000509000000000000" pitchFamily="65" charset="-120"/>
-              </a:rPr>
-              <a:t>名單列表中先將重複名字去除</a:t>
-            </a:r>
-            <a:endParaRPr lang="en-US" altLang="zh-TW" dirty="0">
-              <a:latin typeface="Times New Roman" panose="02020603050405020304" pitchFamily="18" charset="0"/>
-              <a:ea typeface="標楷體" panose="03000509000000000000" pitchFamily="65" charset="-120"/>
-            </a:endParaRPr>
-          </a:p>
-          <a:p>
-            <a:pPr>
-              <a:lnSpc>
-                <a:spcPct val="100000"/>
-              </a:lnSpc>
-            </a:pPr>
-            <a:r>
-              <a:rPr lang="zh-TW" altLang="en-US" dirty="0">
-                <a:latin typeface="Times New Roman" panose="02020603050405020304" pitchFamily="18" charset="0"/>
-                <a:ea typeface="標楷體" panose="03000509000000000000" pitchFamily="65" charset="-120"/>
-              </a:rPr>
-              <a:t>總價值是可以比較的</a:t>
-            </a:r>
-            <a:endParaRPr lang="en-US" altLang="zh-TW" dirty="0">
-              <a:latin typeface="Times New Roman" panose="02020603050405020304" pitchFamily="18" charset="0"/>
-              <a:ea typeface="標楷體" panose="03000509000000000000" pitchFamily="65" charset="-120"/>
-            </a:endParaRPr>
-          </a:p>
-          <a:p>
-            <a:pPr>
-              <a:lnSpc>
-                <a:spcPct val="100000"/>
-              </a:lnSpc>
-            </a:pPr>
-            <a:r>
-              <a:rPr lang="zh-TW" altLang="en-US" dirty="0">
-                <a:latin typeface="Times New Roman" panose="02020603050405020304" pitchFamily="18" charset="0"/>
-                <a:ea typeface="標楷體" panose="03000509000000000000" pitchFamily="65" charset="-120"/>
-              </a:rPr>
-              <a:t>刪除</a:t>
-            </a:r>
-            <a:r>
-              <a:rPr lang="zh-TW" altLang="en-US" dirty="0" smtClean="0">
-                <a:latin typeface="Times New Roman" panose="02020603050405020304" pitchFamily="18" charset="0"/>
-                <a:ea typeface="標楷體" panose="03000509000000000000" pitchFamily="65" charset="-120"/>
-              </a:rPr>
-              <a:t>最少名單項目 </a:t>
-            </a:r>
-            <a:r>
-              <a:rPr lang="en-US" altLang="zh-TW" dirty="0">
-                <a:latin typeface="Times New Roman" panose="02020603050405020304" pitchFamily="18" charset="0"/>
-                <a:ea typeface="標楷體" panose="03000509000000000000" pitchFamily="65" charset="-120"/>
-              </a:rPr>
-              <a:t>=</a:t>
-            </a:r>
-            <a:r>
-              <a:rPr lang="zh-TW" altLang="en-US">
-                <a:latin typeface="Times New Roman" panose="02020603050405020304" pitchFamily="18" charset="0"/>
-                <a:ea typeface="標楷體" panose="03000509000000000000" pitchFamily="65" charset="-120"/>
-              </a:rPr>
-              <a:t> </a:t>
-            </a:r>
-            <a:r>
-              <a:rPr lang="zh-TW" altLang="en-US" smtClean="0">
-                <a:latin typeface="Times New Roman" panose="02020603050405020304" pitchFamily="18" charset="0"/>
-                <a:ea typeface="標楷體" panose="03000509000000000000" pitchFamily="65" charset="-120"/>
-              </a:rPr>
-              <a:t>找到一個最</a:t>
-            </a:r>
-            <a:r>
-              <a:rPr lang="zh-TW" altLang="en-US">
-                <a:latin typeface="Times New Roman" panose="02020603050405020304" pitchFamily="18" charset="0"/>
-                <a:ea typeface="標楷體" panose="03000509000000000000" pitchFamily="65" charset="-120"/>
-              </a:rPr>
-              <a:t>長</a:t>
-            </a:r>
-            <a:r>
-              <a:rPr lang="zh-TW" altLang="en-US" smtClean="0">
-                <a:latin typeface="Times New Roman" panose="02020603050405020304" pitchFamily="18" charset="0"/>
-                <a:ea typeface="標楷體" panose="03000509000000000000" pitchFamily="65" charset="-120"/>
-              </a:rPr>
-              <a:t>名單項目</a:t>
-            </a:r>
-            <a:endParaRPr lang="en-US" altLang="zh-TW" dirty="0" smtClean="0">
-              <a:latin typeface="Times New Roman" panose="02020603050405020304" pitchFamily="18" charset="0"/>
-              <a:ea typeface="標楷體" panose="03000509000000000000" pitchFamily="65" charset="-120"/>
-            </a:endParaRPr>
-          </a:p>
-          <a:p>
-            <a:pPr>
-              <a:lnSpc>
-                <a:spcPct val="100000"/>
-              </a:lnSpc>
-            </a:pPr>
-            <a:r>
-              <a:rPr lang="zh-TW" altLang="en-US" dirty="0" smtClean="0">
-                <a:latin typeface="Times New Roman" panose="02020603050405020304" pitchFamily="18" charset="0"/>
-                <a:ea typeface="標楷體" panose="03000509000000000000" pitchFamily="65" charset="-120"/>
-              </a:rPr>
-              <a:t>找到</a:t>
-            </a:r>
-            <a:r>
-              <a:rPr lang="zh-TW" altLang="en-US" dirty="0">
-                <a:latin typeface="Times New Roman" panose="02020603050405020304" pitchFamily="18" charset="0"/>
-                <a:ea typeface="標楷體" panose="03000509000000000000" pitchFamily="65" charset="-120"/>
-              </a:rPr>
-              <a:t>最長名單排列</a:t>
-            </a:r>
-            <a:r>
-              <a:rPr lang="en-US" altLang="zh-TW" dirty="0">
-                <a:latin typeface="Times New Roman" panose="02020603050405020304" pitchFamily="18" charset="0"/>
-                <a:ea typeface="標楷體" panose="03000509000000000000" pitchFamily="65" charset="-120"/>
-              </a:rPr>
-              <a:t>(</a:t>
-            </a:r>
-            <a:r>
-              <a:rPr lang="zh-TW" altLang="en-US" dirty="0">
-                <a:latin typeface="Times New Roman" panose="02020603050405020304" pitchFamily="18" charset="0"/>
-                <a:ea typeface="標楷體" panose="03000509000000000000" pitchFamily="65" charset="-120"/>
-              </a:rPr>
-              <a:t>價值遞減</a:t>
-            </a:r>
-            <a:r>
-              <a:rPr lang="en-US" altLang="zh-TW" dirty="0">
-                <a:latin typeface="Times New Roman" panose="02020603050405020304" pitchFamily="18" charset="0"/>
-                <a:ea typeface="標楷體" panose="03000509000000000000" pitchFamily="65" charset="-120"/>
-              </a:rPr>
-              <a:t>)</a:t>
-            </a:r>
-            <a:r>
-              <a:rPr lang="zh-TW" altLang="en-US" dirty="0">
-                <a:latin typeface="Times New Roman" panose="02020603050405020304" pitchFamily="18" charset="0"/>
-                <a:ea typeface="標楷體" panose="03000509000000000000" pitchFamily="65" charset="-120"/>
-              </a:rPr>
-              <a:t> </a:t>
-            </a:r>
-            <a:r>
-              <a:rPr lang="en-US" altLang="zh-TW" dirty="0">
-                <a:latin typeface="Times New Roman" panose="02020603050405020304" pitchFamily="18" charset="0"/>
-                <a:ea typeface="標楷體" panose="03000509000000000000" pitchFamily="65" charset="-120"/>
-              </a:rPr>
-              <a:t>=&gt;</a:t>
-            </a:r>
-            <a:r>
-              <a:rPr lang="zh-TW" altLang="en-US" dirty="0">
-                <a:latin typeface="Times New Roman" panose="02020603050405020304" pitchFamily="18" charset="0"/>
-                <a:ea typeface="標楷體" panose="03000509000000000000" pitchFamily="65" charset="-120"/>
-              </a:rPr>
-              <a:t> </a:t>
-            </a:r>
-            <a:r>
-              <a:rPr lang="en-US" altLang="zh-TW" dirty="0">
-                <a:latin typeface="Times New Roman" panose="02020603050405020304" pitchFamily="18" charset="0"/>
-                <a:ea typeface="標楷體" panose="03000509000000000000" pitchFamily="65" charset="-120"/>
-              </a:rPr>
-              <a:t>LDS</a:t>
-            </a:r>
-          </a:p>
-          <a:p>
-            <a:pPr>
-              <a:lnSpc>
-                <a:spcPct val="100000"/>
-              </a:lnSpc>
-            </a:pPr>
-            <a:r>
-              <a:rPr lang="zh-TW" altLang="en-US" dirty="0">
-                <a:latin typeface="Times New Roman" panose="02020603050405020304" pitchFamily="18" charset="0"/>
-                <a:ea typeface="標楷體" panose="03000509000000000000" pitchFamily="65" charset="-120"/>
-              </a:rPr>
-              <a:t>紀錄最早出現的</a:t>
-            </a:r>
-            <a:r>
-              <a:rPr lang="en-US" altLang="zh-TW" dirty="0">
-                <a:latin typeface="Times New Roman" panose="02020603050405020304" pitchFamily="18" charset="0"/>
-                <a:ea typeface="標楷體" panose="03000509000000000000" pitchFamily="65" charset="-120"/>
-              </a:rPr>
-              <a:t>LDS</a:t>
-            </a:r>
-          </a:p>
-          <a:p>
-            <a:pPr marL="0" indent="0">
-              <a:lnSpc>
-                <a:spcPct val="100000"/>
-              </a:lnSpc>
-              <a:buNone/>
-            </a:pPr>
-            <a:endParaRPr lang="en-US" altLang="zh-TW" dirty="0">
-              <a:latin typeface="Times New Roman" panose="02020603050405020304" pitchFamily="18" charset="0"/>
-              <a:ea typeface="標楷體" panose="03000509000000000000" pitchFamily="65" charset="-120"/>
-            </a:endParaRPr>
-          </a:p>
-          <a:p>
-            <a:pPr marL="0" indent="0">
-              <a:lnSpc>
-                <a:spcPct val="100000"/>
-              </a:lnSpc>
-              <a:buNone/>
-            </a:pPr>
-            <a:r>
-              <a:rPr lang="zh-TW" altLang="en-US" dirty="0">
-                <a:latin typeface="Times New Roman" panose="02020603050405020304" pitchFamily="18" charset="0"/>
-                <a:ea typeface="標楷體" panose="03000509000000000000" pitchFamily="65" charset="-120"/>
-              </a:rPr>
-              <a:t>動態規劃</a:t>
-            </a:r>
-            <a:r>
-              <a:rPr lang="en-US" altLang="zh-TW" dirty="0">
-                <a:latin typeface="Times New Roman" panose="02020603050405020304" pitchFamily="18" charset="0"/>
-                <a:ea typeface="標楷體" panose="03000509000000000000" pitchFamily="65" charset="-120"/>
-              </a:rPr>
-              <a:t>:</a:t>
-            </a:r>
-            <a:r>
-              <a:rPr lang="zh-TW" altLang="en-US" dirty="0">
-                <a:latin typeface="Times New Roman" panose="02020603050405020304" pitchFamily="18" charset="0"/>
-                <a:ea typeface="標楷體" panose="03000509000000000000" pitchFamily="65" charset="-120"/>
-              </a:rPr>
-              <a:t> </a:t>
-            </a:r>
-            <a:r>
-              <a:rPr lang="en-US" altLang="zh-TW" dirty="0">
-                <a:latin typeface="Times New Roman" panose="02020603050405020304" pitchFamily="18" charset="0"/>
-                <a:ea typeface="標楷體" panose="03000509000000000000" pitchFamily="65" charset="-120"/>
-              </a:rPr>
-              <a:t>O(N^2)</a:t>
-            </a:r>
-            <a:r>
-              <a:rPr lang="zh-TW" altLang="en-US" dirty="0">
-                <a:latin typeface="Times New Roman" panose="02020603050405020304" pitchFamily="18" charset="0"/>
-                <a:ea typeface="標楷體" panose="03000509000000000000" pitchFamily="65" charset="-120"/>
-              </a:rPr>
-              <a:t> </a:t>
-            </a:r>
-            <a:r>
-              <a:rPr lang="en-US" altLang="zh-TW" dirty="0">
-                <a:latin typeface="Times New Roman" panose="02020603050405020304" pitchFamily="18" charset="0"/>
-                <a:ea typeface="標楷體" panose="03000509000000000000" pitchFamily="65" charset="-120"/>
-              </a:rPr>
-              <a:t>or O(</a:t>
-            </a:r>
-            <a:r>
-              <a:rPr lang="en-US" altLang="zh-TW" dirty="0" err="1">
-                <a:latin typeface="Times New Roman" panose="02020603050405020304" pitchFamily="18" charset="0"/>
-                <a:ea typeface="標楷體" panose="03000509000000000000" pitchFamily="65" charset="-120"/>
-              </a:rPr>
-              <a:t>NlogN</a:t>
-            </a:r>
-            <a:r>
-              <a:rPr lang="en-US" altLang="zh-TW" dirty="0">
-                <a:latin typeface="Times New Roman" panose="02020603050405020304" pitchFamily="18" charset="0"/>
-                <a:ea typeface="標楷體" panose="03000509000000000000" pitchFamily="65" charset="-120"/>
-              </a:rPr>
-              <a:t>)</a:t>
-            </a:r>
-          </a:p>
-        </p:txBody>
-      </p:sp>
-    </p:spTree>
-    <p:extLst>
-      <p:ext uri="{BB962C8B-B14F-4D97-AF65-F5344CB8AC3E}">
-        <p14:creationId xmlns:p14="http://schemas.microsoft.com/office/powerpoint/2010/main" val="3566339620"/>
-      </p:ext>
-    </p:extLst>
-  </p:cSld>
-  <p:clrMapOvr>
-    <a:masterClrMapping/>
-  </p:clrMapOvr>
-</p:sld>
-</file>
-
-<file path=ppt/slides/slide8.xml><?xml version="1.0" encoding="utf-8"?>
-<p:sld xmlns:a="http://schemas.openxmlformats.org/drawingml/2006/main" xmlns:r="http://schemas.openxmlformats.org/officeDocument/2006/relationships" xmlns:p="http://schemas.openxmlformats.org/presentationml/2006/main">
-  <p:cSld>
-    <p:spTree>
-      <p:nvGrpSpPr>
-        <p:cNvPr id="1" name=""/>
-        <p:cNvGrpSpPr/>
-        <p:nvPr/>
-      </p:nvGrpSpPr>
-      <p:grpSpPr>
-        <a:xfrm>
-          <a:off x="0" y="0"/>
-          <a:ext cx="0" cy="0"/>
-          <a:chOff x="0" y="0"/>
-          <a:chExt cx="0" cy="0"/>
-        </a:xfrm>
-      </p:grpSpPr>
-      <p:sp>
-        <p:nvSpPr>
-          <p:cNvPr id="2" name="標題 1"/>
-          <p:cNvSpPr>
-            <a:spLocks noGrp="1"/>
-          </p:cNvSpPr>
-          <p:nvPr>
-            <p:ph type="title"/>
-          </p:nvPr>
-        </p:nvSpPr>
-        <p:spPr/>
-        <p:txBody>
-          <a:bodyPr/>
-          <a:lstStyle/>
-          <a:p>
-            <a:r>
-              <a:rPr lang="en-US" altLang="zh-TW" dirty="0">
-                <a:latin typeface="+mn-lt"/>
-                <a:ea typeface="+mn-ea"/>
-              </a:rPr>
-              <a:t>Robinson-</a:t>
-            </a:r>
-            <a:r>
-              <a:rPr lang="en-US" altLang="zh-TW" dirty="0" err="1">
-                <a:latin typeface="+mn-lt"/>
-                <a:ea typeface="+mn-ea"/>
-              </a:rPr>
-              <a:t>Schensted</a:t>
-            </a:r>
-            <a:r>
-              <a:rPr lang="en-US" altLang="zh-TW" dirty="0">
-                <a:latin typeface="+mn-lt"/>
-                <a:ea typeface="+mn-ea"/>
-              </a:rPr>
-              <a:t>-Knuth Algorithm</a:t>
-            </a:r>
-          </a:p>
-        </p:txBody>
-      </p:sp>
-      <p:sp>
-        <p:nvSpPr>
-          <p:cNvPr id="8" name="內容版面配置區 2"/>
-          <p:cNvSpPr>
-            <a:spLocks noGrp="1"/>
-          </p:cNvSpPr>
-          <p:nvPr>
-            <p:ph sz="half" idx="1"/>
-          </p:nvPr>
-        </p:nvSpPr>
-        <p:spPr>
-          <a:xfrm>
-            <a:off x="906780" y="1690688"/>
-            <a:ext cx="10378440" cy="4351338"/>
-          </a:xfrm>
-        </p:spPr>
-        <p:txBody>
-          <a:bodyPr>
-            <a:normAutofit/>
-          </a:bodyPr>
-          <a:lstStyle/>
-          <a:p>
-            <a:r>
-              <a:rPr lang="zh-TW" altLang="en-US" dirty="0">
-                <a:latin typeface="標楷體" panose="03000509000000000000" pitchFamily="65" charset="-120"/>
-                <a:ea typeface="標楷體" panose="03000509000000000000" pitchFamily="65" charset="-120"/>
-              </a:rPr>
-              <a:t>時間複雜度</a:t>
-            </a:r>
-            <a:r>
-              <a:rPr lang="en-US" altLang="zh-TW" dirty="0">
-                <a:latin typeface="標楷體" panose="03000509000000000000" pitchFamily="65" charset="-120"/>
-                <a:ea typeface="標楷體" panose="03000509000000000000" pitchFamily="65" charset="-120"/>
-              </a:rPr>
-              <a:t>:</a:t>
-            </a:r>
-            <a:r>
-              <a:rPr lang="zh-TW" altLang="en-US" dirty="0">
-                <a:latin typeface="標楷體" panose="03000509000000000000" pitchFamily="65" charset="-120"/>
-                <a:ea typeface="標楷體" panose="03000509000000000000" pitchFamily="65" charset="-120"/>
-              </a:rPr>
-              <a:t> </a:t>
-            </a:r>
-            <a:r>
-              <a:rPr lang="en-US" altLang="zh-TW" dirty="0">
-                <a:latin typeface="標楷體" panose="03000509000000000000" pitchFamily="65" charset="-120"/>
-                <a:ea typeface="標楷體" panose="03000509000000000000" pitchFamily="65" charset="-120"/>
-              </a:rPr>
-              <a:t>O(</a:t>
-            </a:r>
-            <a:r>
-              <a:rPr lang="en-US" altLang="zh-TW" dirty="0" err="1">
-                <a:latin typeface="標楷體" panose="03000509000000000000" pitchFamily="65" charset="-120"/>
-                <a:ea typeface="標楷體" panose="03000509000000000000" pitchFamily="65" charset="-120"/>
-              </a:rPr>
-              <a:t>NlogN</a:t>
-            </a:r>
-            <a:r>
-              <a:rPr lang="en-US" altLang="zh-TW" dirty="0">
-                <a:latin typeface="標楷體" panose="03000509000000000000" pitchFamily="65" charset="-120"/>
-                <a:ea typeface="標楷體" panose="03000509000000000000" pitchFamily="65" charset="-120"/>
-              </a:rPr>
-              <a:t>)</a:t>
-            </a:r>
-          </a:p>
-          <a:p>
-            <a:r>
-              <a:rPr lang="zh-TW" altLang="en-US" dirty="0">
-                <a:latin typeface="標楷體" panose="03000509000000000000" pitchFamily="65" charset="-120"/>
-                <a:ea typeface="標楷體" panose="03000509000000000000" pitchFamily="65" charset="-120"/>
-              </a:rPr>
-              <a:t>用貪心</a:t>
-            </a:r>
-            <a:r>
-              <a:rPr lang="en-US" altLang="zh-TW" dirty="0">
-                <a:latin typeface="標楷體" panose="03000509000000000000" pitchFamily="65" charset="-120"/>
-                <a:ea typeface="標楷體" panose="03000509000000000000" pitchFamily="65" charset="-120"/>
-              </a:rPr>
-              <a:t>+</a:t>
-            </a:r>
-            <a:r>
-              <a:rPr lang="zh-TW" altLang="en-US" dirty="0">
-                <a:latin typeface="標楷體" panose="03000509000000000000" pitchFamily="65" charset="-120"/>
-                <a:ea typeface="標楷體" panose="03000509000000000000" pitchFamily="65" charset="-120"/>
-              </a:rPr>
-              <a:t>二分搜找到</a:t>
-            </a:r>
-            <a:r>
-              <a:rPr lang="en-US" altLang="zh-TW" dirty="0">
-                <a:latin typeface="標楷體" panose="03000509000000000000" pitchFamily="65" charset="-120"/>
-                <a:ea typeface="標楷體" panose="03000509000000000000" pitchFamily="65" charset="-120"/>
-              </a:rPr>
-              <a:t>LIS</a:t>
-            </a:r>
-          </a:p>
-          <a:p>
-            <a:endParaRPr lang="en-US" altLang="zh-TW" dirty="0">
-              <a:latin typeface="標楷體" panose="03000509000000000000" pitchFamily="65" charset="-120"/>
-              <a:ea typeface="標楷體" panose="03000509000000000000" pitchFamily="65" charset="-120"/>
-            </a:endParaRPr>
-          </a:p>
-          <a:p>
-            <a:endParaRPr lang="en-US" altLang="zh-TW" dirty="0">
-              <a:latin typeface="標楷體" panose="03000509000000000000" pitchFamily="65" charset="-120"/>
-              <a:ea typeface="標楷體" panose="03000509000000000000" pitchFamily="65" charset="-120"/>
-            </a:endParaRPr>
-          </a:p>
-          <a:p>
-            <a:endParaRPr lang="en-US" altLang="zh-TW" dirty="0">
-              <a:latin typeface="標楷體" panose="03000509000000000000" pitchFamily="65" charset="-120"/>
-              <a:ea typeface="標楷體" panose="03000509000000000000" pitchFamily="65" charset="-120"/>
-            </a:endParaRPr>
-          </a:p>
-          <a:p>
-            <a:r>
-              <a:rPr lang="en-US" altLang="zh-TW" dirty="0">
-                <a:latin typeface="標楷體" panose="03000509000000000000" pitchFamily="65" charset="-120"/>
-                <a:ea typeface="標楷體" panose="03000509000000000000" pitchFamily="65" charset="-120"/>
-                <a:hlinkClick r:id="rId2"/>
-              </a:rPr>
-              <a:t>http://wiki.csie.ncku.edu.tw/acm/course/LIS</a:t>
-            </a:r>
-            <a:endParaRPr lang="en-US" altLang="zh-TW" dirty="0">
-              <a:latin typeface="標楷體" panose="03000509000000000000" pitchFamily="65" charset="-120"/>
-              <a:ea typeface="標楷體" panose="03000509000000000000" pitchFamily="65" charset="-120"/>
-            </a:endParaRPr>
-          </a:p>
-          <a:p>
-            <a:endParaRPr lang="en-US" altLang="zh-TW" dirty="0">
-              <a:latin typeface="標楷體" panose="03000509000000000000" pitchFamily="65" charset="-120"/>
-              <a:ea typeface="標楷體" panose="03000509000000000000" pitchFamily="65" charset="-120"/>
-            </a:endParaRPr>
-          </a:p>
-        </p:txBody>
-      </p:sp>
-    </p:spTree>
-    <p:extLst>
-      <p:ext uri="{BB962C8B-B14F-4D97-AF65-F5344CB8AC3E}">
-        <p14:creationId xmlns:p14="http://schemas.microsoft.com/office/powerpoint/2010/main" val="1609771079"/>
-      </p:ext>
-    </p:extLst>
-  </p:cSld>
-  <p:clrMapOvr>
-    <a:masterClrMapping/>
-  </p:clrMapOvr>
-</p:sld>
-</file>
-
-<file path=ppt/slides/slide9.xml><?xml version="1.0" encoding="utf-8"?>
 <p:sld xmlns:a="http://schemas.openxmlformats.org/drawingml/2006/main" xmlns:r="http://schemas.openxmlformats.org/officeDocument/2006/relationships" xmlns:p="http://schemas.openxmlformats.org/presentationml/2006/main">
   <p:cSld>
     <p:spTree>
@@ -7171,6 +4233,3074 @@
     <p:extLst>
       <p:ext uri="{BB962C8B-B14F-4D97-AF65-F5344CB8AC3E}">
         <p14:creationId xmlns:p14="http://schemas.microsoft.com/office/powerpoint/2010/main" val="959977617"/>
+      </p:ext>
+    </p:extLst>
+  </p:cSld>
+  <p:clrMapOvr>
+    <a:masterClrMapping/>
+  </p:clrMapOvr>
+</p:sld>
+</file>
+
+<file path=ppt/slides/slide11.xml><?xml version="1.0" encoding="utf-8"?>
+<p:sld xmlns:a="http://schemas.openxmlformats.org/drawingml/2006/main" xmlns:r="http://schemas.openxmlformats.org/officeDocument/2006/relationships" xmlns:p="http://schemas.openxmlformats.org/presentationml/2006/main">
+  <p:cSld>
+    <p:spTree>
+      <p:nvGrpSpPr>
+        <p:cNvPr id="1" name=""/>
+        <p:cNvGrpSpPr/>
+        <p:nvPr/>
+      </p:nvGrpSpPr>
+      <p:grpSpPr>
+        <a:xfrm>
+          <a:off x="0" y="0"/>
+          <a:ext cx="0" cy="0"/>
+          <a:chOff x="0" y="0"/>
+          <a:chExt cx="0" cy="0"/>
+        </a:xfrm>
+      </p:grpSpPr>
+      <p:pic>
+        <p:nvPicPr>
+          <p:cNvPr id="4" name="圖片 3"/>
+          <p:cNvPicPr>
+            <a:picLocks noChangeAspect="1"/>
+          </p:cNvPicPr>
+          <p:nvPr/>
+        </p:nvPicPr>
+        <p:blipFill>
+          <a:blip r:embed="rId2"/>
+          <a:stretch>
+            <a:fillRect/>
+          </a:stretch>
+        </p:blipFill>
+        <p:spPr>
+          <a:xfrm>
+            <a:off x="138601" y="2"/>
+            <a:ext cx="9040968" cy="6857998"/>
+          </a:xfrm>
+          <a:prstGeom prst="rect">
+            <a:avLst/>
+          </a:prstGeom>
+        </p:spPr>
+      </p:pic>
+      <p:cxnSp>
+        <p:nvCxnSpPr>
+          <p:cNvPr id="6" name="直線接點 5"/>
+          <p:cNvCxnSpPr/>
+          <p:nvPr/>
+        </p:nvCxnSpPr>
+        <p:spPr>
+          <a:xfrm flipV="1">
+            <a:off x="3648891" y="269966"/>
+            <a:ext cx="4650378" cy="226423"/>
+          </a:xfrm>
+          <a:prstGeom prst="line">
+            <a:avLst/>
+          </a:prstGeom>
+        </p:spPr>
+        <p:style>
+          <a:lnRef idx="1">
+            <a:schemeClr val="accent1"/>
+          </a:lnRef>
+          <a:fillRef idx="0">
+            <a:schemeClr val="accent1"/>
+          </a:fillRef>
+          <a:effectRef idx="0">
+            <a:schemeClr val="accent1"/>
+          </a:effectRef>
+          <a:fontRef idx="minor">
+            <a:schemeClr val="tx1"/>
+          </a:fontRef>
+        </p:style>
+      </p:cxnSp>
+      <p:sp>
+        <p:nvSpPr>
+          <p:cNvPr id="8" name="文字方塊 7"/>
+          <p:cNvSpPr txBox="1"/>
+          <p:nvPr/>
+        </p:nvSpPr>
+        <p:spPr>
+          <a:xfrm>
+            <a:off x="8830491" y="121920"/>
+            <a:ext cx="1558835" cy="369332"/>
+          </a:xfrm>
+          <a:prstGeom prst="rect">
+            <a:avLst/>
+          </a:prstGeom>
+          <a:noFill/>
+        </p:spPr>
+        <p:txBody>
+          <a:bodyPr wrap="square" rtlCol="0">
+            <a:spAutoFit/>
+          </a:bodyPr>
+          <a:lstStyle/>
+          <a:p>
+            <a:r>
+              <a:rPr lang="zh-TW" altLang="en-US" dirty="0"/>
+              <a:t>做預處理</a:t>
+            </a:r>
+          </a:p>
+        </p:txBody>
+      </p:sp>
+      <p:cxnSp>
+        <p:nvCxnSpPr>
+          <p:cNvPr id="10" name="直線接點 9"/>
+          <p:cNvCxnSpPr/>
+          <p:nvPr/>
+        </p:nvCxnSpPr>
+        <p:spPr>
+          <a:xfrm flipV="1">
+            <a:off x="5329646" y="1375954"/>
+            <a:ext cx="3526971" cy="426720"/>
+          </a:xfrm>
+          <a:prstGeom prst="line">
+            <a:avLst/>
+          </a:prstGeom>
+        </p:spPr>
+        <p:style>
+          <a:lnRef idx="1">
+            <a:schemeClr val="accent1"/>
+          </a:lnRef>
+          <a:fillRef idx="0">
+            <a:schemeClr val="accent1"/>
+          </a:fillRef>
+          <a:effectRef idx="0">
+            <a:schemeClr val="accent1"/>
+          </a:effectRef>
+          <a:fontRef idx="minor">
+            <a:schemeClr val="tx1"/>
+          </a:fontRef>
+        </p:style>
+      </p:cxnSp>
+      <p:sp>
+        <p:nvSpPr>
+          <p:cNvPr id="11" name="文字方塊 10"/>
+          <p:cNvSpPr txBox="1"/>
+          <p:nvPr/>
+        </p:nvSpPr>
+        <p:spPr>
+          <a:xfrm>
+            <a:off x="8917577" y="1071154"/>
+            <a:ext cx="1907177" cy="646331"/>
+          </a:xfrm>
+          <a:prstGeom prst="rect">
+            <a:avLst/>
+          </a:prstGeom>
+          <a:noFill/>
+        </p:spPr>
+        <p:txBody>
+          <a:bodyPr wrap="square" rtlCol="0">
+            <a:spAutoFit/>
+          </a:bodyPr>
+          <a:lstStyle/>
+          <a:p>
+            <a:r>
+              <a:rPr lang="zh-TW" altLang="en-US" dirty="0"/>
+              <a:t>由後往前算</a:t>
+            </a:r>
+            <a:r>
+              <a:rPr lang="en-US" altLang="zh-TW" dirty="0"/>
+              <a:t>LIS</a:t>
+            </a:r>
+            <a:r>
+              <a:rPr lang="zh-TW" altLang="en-US" dirty="0"/>
+              <a:t> </a:t>
+            </a:r>
+            <a:r>
+              <a:rPr lang="en-US" altLang="zh-TW" dirty="0"/>
+              <a:t>=</a:t>
+            </a:r>
+            <a:r>
+              <a:rPr lang="zh-TW" altLang="en-US" dirty="0"/>
+              <a:t> 由前往後算</a:t>
+            </a:r>
+            <a:r>
+              <a:rPr lang="en-US" altLang="zh-TW" dirty="0"/>
+              <a:t>LDS</a:t>
+            </a:r>
+            <a:endParaRPr lang="zh-TW" altLang="en-US" dirty="0"/>
+          </a:p>
+        </p:txBody>
+      </p:sp>
+      <p:cxnSp>
+        <p:nvCxnSpPr>
+          <p:cNvPr id="13" name="直線接點 12"/>
+          <p:cNvCxnSpPr/>
+          <p:nvPr/>
+        </p:nvCxnSpPr>
+        <p:spPr>
+          <a:xfrm>
+            <a:off x="5120640" y="3283131"/>
+            <a:ext cx="2882537" cy="714103"/>
+          </a:xfrm>
+          <a:prstGeom prst="line">
+            <a:avLst/>
+          </a:prstGeom>
+        </p:spPr>
+        <p:style>
+          <a:lnRef idx="1">
+            <a:schemeClr val="accent1"/>
+          </a:lnRef>
+          <a:fillRef idx="0">
+            <a:schemeClr val="accent1"/>
+          </a:fillRef>
+          <a:effectRef idx="0">
+            <a:schemeClr val="accent1"/>
+          </a:effectRef>
+          <a:fontRef idx="minor">
+            <a:schemeClr val="tx1"/>
+          </a:fontRef>
+        </p:style>
+      </p:cxnSp>
+      <p:sp>
+        <p:nvSpPr>
+          <p:cNvPr id="14" name="文字方塊 13"/>
+          <p:cNvSpPr txBox="1"/>
+          <p:nvPr/>
+        </p:nvSpPr>
+        <p:spPr>
+          <a:xfrm>
+            <a:off x="8525691" y="3753394"/>
+            <a:ext cx="1750423" cy="646331"/>
+          </a:xfrm>
+          <a:prstGeom prst="rect">
+            <a:avLst/>
+          </a:prstGeom>
+          <a:noFill/>
+        </p:spPr>
+        <p:txBody>
+          <a:bodyPr wrap="square" rtlCol="0">
+            <a:spAutoFit/>
+          </a:bodyPr>
+          <a:lstStyle/>
+          <a:p>
+            <a:r>
+              <a:rPr lang="en-US" altLang="zh-TW" dirty="0"/>
+              <a:t>Binary Search</a:t>
+            </a:r>
+            <a:r>
+              <a:rPr lang="zh-TW" altLang="en-US" dirty="0"/>
+              <a:t> 查找迭代器位置</a:t>
+            </a:r>
+          </a:p>
+        </p:txBody>
+      </p:sp>
+      <p:cxnSp>
+        <p:nvCxnSpPr>
+          <p:cNvPr id="16" name="直線接點 15"/>
+          <p:cNvCxnSpPr/>
+          <p:nvPr/>
+        </p:nvCxnSpPr>
+        <p:spPr>
+          <a:xfrm>
+            <a:off x="5390606" y="5068389"/>
+            <a:ext cx="2377440" cy="278674"/>
+          </a:xfrm>
+          <a:prstGeom prst="line">
+            <a:avLst/>
+          </a:prstGeom>
+        </p:spPr>
+        <p:style>
+          <a:lnRef idx="1">
+            <a:schemeClr val="accent1"/>
+          </a:lnRef>
+          <a:fillRef idx="0">
+            <a:schemeClr val="accent1"/>
+          </a:fillRef>
+          <a:effectRef idx="0">
+            <a:schemeClr val="accent1"/>
+          </a:effectRef>
+          <a:fontRef idx="minor">
+            <a:schemeClr val="tx1"/>
+          </a:fontRef>
+        </p:style>
+      </p:cxnSp>
+      <p:sp>
+        <p:nvSpPr>
+          <p:cNvPr id="17" name="文字方塊 16"/>
+          <p:cNvSpPr txBox="1"/>
+          <p:nvPr/>
+        </p:nvSpPr>
+        <p:spPr>
+          <a:xfrm>
+            <a:off x="8299269" y="5207726"/>
+            <a:ext cx="1750422" cy="1477328"/>
+          </a:xfrm>
+          <a:prstGeom prst="rect">
+            <a:avLst/>
+          </a:prstGeom>
+          <a:noFill/>
+        </p:spPr>
+        <p:txBody>
+          <a:bodyPr wrap="square" rtlCol="0">
+            <a:spAutoFit/>
+          </a:bodyPr>
+          <a:lstStyle/>
+          <a:p>
+            <a:r>
+              <a:rPr lang="zh-TW" altLang="en-US" dirty="0"/>
+              <a:t>反過來印，但因為原本是反過來做，所以走訪還是從前到後</a:t>
+            </a:r>
+          </a:p>
+        </p:txBody>
+      </p:sp>
+    </p:spTree>
+    <p:extLst>
+      <p:ext uri="{BB962C8B-B14F-4D97-AF65-F5344CB8AC3E}">
+        <p14:creationId xmlns:p14="http://schemas.microsoft.com/office/powerpoint/2010/main" val="3284279738"/>
+      </p:ext>
+    </p:extLst>
+  </p:cSld>
+  <p:clrMapOvr>
+    <a:masterClrMapping/>
+  </p:clrMapOvr>
+</p:sld>
+</file>
+
+<file path=ppt/slides/slide12.xml><?xml version="1.0" encoding="utf-8"?>
+<p:sld xmlns:a="http://schemas.openxmlformats.org/drawingml/2006/main" xmlns:r="http://schemas.openxmlformats.org/officeDocument/2006/relationships" xmlns:p="http://schemas.openxmlformats.org/presentationml/2006/main">
+  <p:cSld>
+    <p:spTree>
+      <p:nvGrpSpPr>
+        <p:cNvPr id="1" name=""/>
+        <p:cNvGrpSpPr/>
+        <p:nvPr/>
+      </p:nvGrpSpPr>
+      <p:grpSpPr>
+        <a:xfrm>
+          <a:off x="0" y="0"/>
+          <a:ext cx="0" cy="0"/>
+          <a:chOff x="0" y="0"/>
+          <a:chExt cx="0" cy="0"/>
+        </a:xfrm>
+      </p:grpSpPr>
+      <p:sp>
+        <p:nvSpPr>
+          <p:cNvPr id="2" name="標題 1">
+            <a:extLst>
+              <a:ext uri="{FF2B5EF4-FFF2-40B4-BE49-F238E27FC236}">
+                <a16:creationId xmlns:a16="http://schemas.microsoft.com/office/drawing/2014/main" id="{4457B8C9-56BD-4589-B5A8-9B5476310C0B}"/>
+              </a:ext>
+            </a:extLst>
+          </p:cNvPr>
+          <p:cNvSpPr>
+            <a:spLocks noGrp="1"/>
+          </p:cNvSpPr>
+          <p:nvPr>
+            <p:ph type="title"/>
+          </p:nvPr>
+        </p:nvSpPr>
+        <p:spPr/>
+        <p:txBody>
+          <a:bodyPr/>
+          <a:lstStyle/>
+          <a:p>
+            <a:r>
+              <a:rPr lang="zh-TW" altLang="en-US"/>
+              <a:t>時間複雜度</a:t>
+            </a:r>
+          </a:p>
+        </p:txBody>
+      </p:sp>
+      <p:sp>
+        <p:nvSpPr>
+          <p:cNvPr id="3" name="內容版面配置區 2">
+            <a:extLst>
+              <a:ext uri="{FF2B5EF4-FFF2-40B4-BE49-F238E27FC236}">
+                <a16:creationId xmlns:a16="http://schemas.microsoft.com/office/drawing/2014/main" id="{7A70C0EA-8BC2-4985-94E5-8B21E13625E4}"/>
+              </a:ext>
+            </a:extLst>
+          </p:cNvPr>
+          <p:cNvSpPr>
+            <a:spLocks noGrp="1"/>
+          </p:cNvSpPr>
+          <p:nvPr>
+            <p:ph idx="1"/>
+          </p:nvPr>
+        </p:nvSpPr>
+        <p:spPr/>
+        <p:txBody>
+          <a:bodyPr/>
+          <a:lstStyle/>
+          <a:p>
+            <a:pPr>
+              <a:lnSpc>
+                <a:spcPct val="100000"/>
+              </a:lnSpc>
+            </a:pPr>
+            <a:r>
+              <a:rPr lang="zh-TW" altLang="en-US" dirty="0">
+                <a:latin typeface="Times New Roman" panose="02020603050405020304" pitchFamily="18" charset="0"/>
+                <a:ea typeface="標楷體" panose="03000509000000000000" pitchFamily="65" charset="-120"/>
+              </a:rPr>
+              <a:t>算</a:t>
+            </a:r>
+            <a:r>
+              <a:rPr lang="en-US" altLang="zh-TW" dirty="0">
+                <a:latin typeface="Times New Roman" panose="02020603050405020304" pitchFamily="18" charset="0"/>
+                <a:ea typeface="標楷體" panose="03000509000000000000" pitchFamily="65" charset="-120"/>
+              </a:rPr>
+              <a:t>LDS</a:t>
+            </a:r>
+            <a:r>
+              <a:rPr lang="zh-TW" altLang="en-US" dirty="0">
+                <a:latin typeface="Times New Roman" panose="02020603050405020304" pitchFamily="18" charset="0"/>
+                <a:ea typeface="標楷體" panose="03000509000000000000" pitchFamily="65" charset="-120"/>
+              </a:rPr>
+              <a:t>長度</a:t>
+            </a:r>
+            <a:r>
+              <a:rPr lang="en-US" altLang="zh-TW" dirty="0">
+                <a:latin typeface="Times New Roman" panose="02020603050405020304" pitchFamily="18" charset="0"/>
+                <a:ea typeface="標楷體" panose="03000509000000000000" pitchFamily="65" charset="-120"/>
+              </a:rPr>
+              <a:t>O(</a:t>
+            </a:r>
+            <a:r>
+              <a:rPr lang="en-US" altLang="zh-TW" dirty="0" err="1">
+                <a:latin typeface="Times New Roman" panose="02020603050405020304" pitchFamily="18" charset="0"/>
+                <a:ea typeface="標楷體" panose="03000509000000000000" pitchFamily="65" charset="-120"/>
+              </a:rPr>
+              <a:t>NlogN</a:t>
+            </a:r>
+            <a:r>
+              <a:rPr lang="en-US" altLang="zh-TW" dirty="0">
+                <a:latin typeface="Times New Roman" panose="02020603050405020304" pitchFamily="18" charset="0"/>
+                <a:ea typeface="標楷體" panose="03000509000000000000" pitchFamily="65" charset="-120"/>
+              </a:rPr>
+              <a:t>) + </a:t>
+            </a:r>
+            <a:r>
+              <a:rPr lang="zh-TW" altLang="en-US" dirty="0">
+                <a:latin typeface="Times New Roman" panose="02020603050405020304" pitchFamily="18" charset="0"/>
+                <a:ea typeface="標楷體" panose="03000509000000000000" pitchFamily="65" charset="-120"/>
+              </a:rPr>
+              <a:t>找</a:t>
+            </a:r>
+            <a:r>
+              <a:rPr lang="en-US" altLang="zh-TW" dirty="0">
+                <a:latin typeface="Times New Roman" panose="02020603050405020304" pitchFamily="18" charset="0"/>
+                <a:ea typeface="標楷體" panose="03000509000000000000" pitchFamily="65" charset="-120"/>
+              </a:rPr>
+              <a:t>LDS</a:t>
+            </a:r>
+            <a:r>
+              <a:rPr lang="zh-TW" altLang="en-US" dirty="0">
+                <a:latin typeface="Times New Roman" panose="02020603050405020304" pitchFamily="18" charset="0"/>
+                <a:ea typeface="標楷體" panose="03000509000000000000" pitchFamily="65" charset="-120"/>
+              </a:rPr>
+              <a:t> </a:t>
+            </a:r>
+            <a:r>
+              <a:rPr lang="en-US" altLang="zh-TW" dirty="0">
+                <a:latin typeface="Times New Roman" panose="02020603050405020304" pitchFamily="18" charset="0"/>
+                <a:ea typeface="標楷體" panose="03000509000000000000" pitchFamily="65" charset="-120"/>
+              </a:rPr>
+              <a:t>O(N)</a:t>
+            </a:r>
+          </a:p>
+          <a:p>
+            <a:pPr>
+              <a:lnSpc>
+                <a:spcPct val="100000"/>
+              </a:lnSpc>
+            </a:pPr>
+            <a:r>
+              <a:rPr lang="zh-TW" altLang="en-US" dirty="0">
+                <a:latin typeface="Times New Roman" panose="02020603050405020304" pitchFamily="18" charset="0"/>
+                <a:ea typeface="標楷體" panose="03000509000000000000" pitchFamily="65" charset="-120"/>
+              </a:rPr>
+              <a:t>總時間複雜度 </a:t>
+            </a:r>
+            <a:r>
+              <a:rPr lang="en-US" altLang="zh-TW" dirty="0">
+                <a:latin typeface="Times New Roman" panose="02020603050405020304" pitchFamily="18" charset="0"/>
+                <a:ea typeface="標楷體" panose="03000509000000000000" pitchFamily="65" charset="-120"/>
+              </a:rPr>
+              <a:t>O(</a:t>
+            </a:r>
+            <a:r>
+              <a:rPr lang="en-US" altLang="zh-TW" dirty="0" err="1">
+                <a:latin typeface="Times New Roman" panose="02020603050405020304" pitchFamily="18" charset="0"/>
+                <a:ea typeface="標楷體" panose="03000509000000000000" pitchFamily="65" charset="-120"/>
+              </a:rPr>
+              <a:t>NlogN</a:t>
+            </a:r>
+            <a:r>
+              <a:rPr lang="en-US" altLang="zh-TW" dirty="0">
+                <a:latin typeface="Times New Roman" panose="02020603050405020304" pitchFamily="18" charset="0"/>
+                <a:ea typeface="標楷體" panose="03000509000000000000" pitchFamily="65" charset="-120"/>
+              </a:rPr>
+              <a:t>)</a:t>
+            </a:r>
+            <a:endParaRPr lang="zh-TW" altLang="en-US" dirty="0">
+              <a:latin typeface="Times New Roman" panose="02020603050405020304" pitchFamily="18" charset="0"/>
+              <a:ea typeface="標楷體" panose="03000509000000000000" pitchFamily="65" charset="-120"/>
+            </a:endParaRPr>
+          </a:p>
+        </p:txBody>
+      </p:sp>
+    </p:spTree>
+    <p:extLst>
+      <p:ext uri="{BB962C8B-B14F-4D97-AF65-F5344CB8AC3E}">
+        <p14:creationId xmlns:p14="http://schemas.microsoft.com/office/powerpoint/2010/main" val="3412632924"/>
+      </p:ext>
+    </p:extLst>
+  </p:cSld>
+  <p:clrMapOvr>
+    <a:masterClrMapping/>
+  </p:clrMapOvr>
+</p:sld>
+</file>
+
+<file path=ppt/slides/slide13.xml><?xml version="1.0" encoding="utf-8"?>
+<p:sld xmlns:a="http://schemas.openxmlformats.org/drawingml/2006/main" xmlns:r="http://schemas.openxmlformats.org/officeDocument/2006/relationships" xmlns:p="http://schemas.openxmlformats.org/presentationml/2006/main">
+  <p:cSld>
+    <p:spTree>
+      <p:nvGrpSpPr>
+        <p:cNvPr id="1" name=""/>
+        <p:cNvGrpSpPr/>
+        <p:nvPr/>
+      </p:nvGrpSpPr>
+      <p:grpSpPr>
+        <a:xfrm>
+          <a:off x="0" y="0"/>
+          <a:ext cx="0" cy="0"/>
+          <a:chOff x="0" y="0"/>
+          <a:chExt cx="0" cy="0"/>
+        </a:xfrm>
+      </p:grpSpPr>
+      <p:sp>
+        <p:nvSpPr>
+          <p:cNvPr id="2" name="標題 1"/>
+          <p:cNvSpPr>
+            <a:spLocks noGrp="1"/>
+          </p:cNvSpPr>
+          <p:nvPr>
+            <p:ph type="title"/>
+          </p:nvPr>
+        </p:nvSpPr>
+        <p:spPr/>
+        <p:txBody>
+          <a:bodyPr/>
+          <a:lstStyle/>
+          <a:p>
+            <a:r>
+              <a:rPr lang="zh-TW" altLang="en-US" dirty="0"/>
+              <a:t>參考資料</a:t>
+            </a:r>
+          </a:p>
+        </p:txBody>
+      </p:sp>
+      <p:sp>
+        <p:nvSpPr>
+          <p:cNvPr id="3" name="內容版面配置區 2"/>
+          <p:cNvSpPr>
+            <a:spLocks noGrp="1"/>
+          </p:cNvSpPr>
+          <p:nvPr>
+            <p:ph idx="1"/>
+          </p:nvPr>
+        </p:nvSpPr>
+        <p:spPr/>
+        <p:txBody>
+          <a:bodyPr/>
+          <a:lstStyle/>
+          <a:p>
+            <a:pPr marL="0" indent="0">
+              <a:buNone/>
+            </a:pPr>
+            <a:r>
+              <a:rPr lang="en-US" altLang="zh-TW" dirty="0">
+                <a:hlinkClick r:id="rId2"/>
+              </a:rPr>
+              <a:t>http://wiki.csie.ncku.edu.tw/acm/course/LIS</a:t>
+            </a:r>
+            <a:endParaRPr lang="en-US" altLang="zh-TW" dirty="0"/>
+          </a:p>
+          <a:p>
+            <a:pPr marL="0" indent="0">
+              <a:buNone/>
+            </a:pPr>
+            <a:r>
+              <a:rPr lang="en-US" altLang="zh-TW" dirty="0">
+                <a:hlinkClick r:id="rId3"/>
+              </a:rPr>
+              <a:t>https://en.wikipedia.org/wiki/Longest_increasing_subsequence</a:t>
+            </a:r>
+            <a:endParaRPr lang="en-US" altLang="zh-TW" dirty="0"/>
+          </a:p>
+        </p:txBody>
+      </p:sp>
+    </p:spTree>
+    <p:extLst>
+      <p:ext uri="{BB962C8B-B14F-4D97-AF65-F5344CB8AC3E}">
+        <p14:creationId xmlns:p14="http://schemas.microsoft.com/office/powerpoint/2010/main" val="561089893"/>
+      </p:ext>
+    </p:extLst>
+  </p:cSld>
+  <p:clrMapOvr>
+    <a:masterClrMapping/>
+  </p:clrMapOvr>
+</p:sld>
+</file>
+
+<file path=ppt/slides/slide2.xml><?xml version="1.0" encoding="utf-8"?>
+<p:sld xmlns:a="http://schemas.openxmlformats.org/drawingml/2006/main" xmlns:r="http://schemas.openxmlformats.org/officeDocument/2006/relationships" xmlns:p="http://schemas.openxmlformats.org/presentationml/2006/main">
+  <p:cSld>
+    <p:spTree>
+      <p:nvGrpSpPr>
+        <p:cNvPr id="1" name=""/>
+        <p:cNvGrpSpPr/>
+        <p:nvPr/>
+      </p:nvGrpSpPr>
+      <p:grpSpPr>
+        <a:xfrm>
+          <a:off x="0" y="0"/>
+          <a:ext cx="0" cy="0"/>
+          <a:chOff x="0" y="0"/>
+          <a:chExt cx="0" cy="0"/>
+        </a:xfrm>
+      </p:grpSpPr>
+      <p:sp>
+        <p:nvSpPr>
+          <p:cNvPr id="2" name="標題 1">
+            <a:extLst>
+              <a:ext uri="{FF2B5EF4-FFF2-40B4-BE49-F238E27FC236}">
+                <a16:creationId xmlns:a16="http://schemas.microsoft.com/office/drawing/2014/main" id="{4457B8C9-56BD-4589-B5A8-9B5476310C0B}"/>
+              </a:ext>
+            </a:extLst>
+          </p:cNvPr>
+          <p:cNvSpPr>
+            <a:spLocks noGrp="1"/>
+          </p:cNvSpPr>
+          <p:nvPr>
+            <p:ph type="title"/>
+          </p:nvPr>
+        </p:nvSpPr>
+        <p:spPr/>
+        <p:txBody>
+          <a:bodyPr/>
+          <a:lstStyle/>
+          <a:p>
+            <a:r>
+              <a:rPr lang="zh-TW" altLang="en-US"/>
+              <a:t>設計理念</a:t>
+            </a:r>
+          </a:p>
+        </p:txBody>
+      </p:sp>
+      <p:sp>
+        <p:nvSpPr>
+          <p:cNvPr id="3" name="內容版面配置區 2">
+            <a:extLst>
+              <a:ext uri="{FF2B5EF4-FFF2-40B4-BE49-F238E27FC236}">
+                <a16:creationId xmlns:a16="http://schemas.microsoft.com/office/drawing/2014/main" id="{7A70C0EA-8BC2-4985-94E5-8B21E13625E4}"/>
+              </a:ext>
+            </a:extLst>
+          </p:cNvPr>
+          <p:cNvSpPr>
+            <a:spLocks noGrp="1"/>
+          </p:cNvSpPr>
+          <p:nvPr>
+            <p:ph idx="1"/>
+          </p:nvPr>
+        </p:nvSpPr>
+        <p:spPr/>
+        <p:txBody>
+          <a:bodyPr>
+            <a:normAutofit/>
+          </a:bodyPr>
+          <a:lstStyle/>
+          <a:p>
+            <a:pPr marL="0" indent="0">
+              <a:lnSpc>
+                <a:spcPct val="150000"/>
+              </a:lnSpc>
+              <a:buNone/>
+            </a:pPr>
+            <a:r>
+              <a:rPr lang="zh-TW" altLang="en-US" sz="2400">
+                <a:latin typeface="Times New Roman" panose="02020603050405020304" pitchFamily="18" charset="0"/>
+                <a:ea typeface="標楷體" panose="03000509000000000000" pitchFamily="65" charset="-120"/>
+              </a:rPr>
+              <a:t>測資包含一個含有「名字」和「福袋內容物價值」的名單－－</a:t>
+            </a:r>
+            <a:endParaRPr lang="en-US" altLang="zh-TW" sz="2400">
+              <a:latin typeface="Times New Roman" panose="02020603050405020304" pitchFamily="18" charset="0"/>
+              <a:ea typeface="標楷體" panose="03000509000000000000" pitchFamily="65" charset="-120"/>
+            </a:endParaRPr>
+          </a:p>
+          <a:p>
+            <a:pPr marL="0" indent="0">
+              <a:lnSpc>
+                <a:spcPct val="150000"/>
+              </a:lnSpc>
+              <a:buNone/>
+            </a:pPr>
+            <a:r>
+              <a:rPr lang="zh-TW" altLang="en-US" sz="2400">
+                <a:latin typeface="Times New Roman" panose="02020603050405020304" pitchFamily="18" charset="0"/>
+                <a:ea typeface="標楷體" panose="03000509000000000000" pitchFamily="65" charset="-120"/>
+              </a:rPr>
+              <a:t>名單中每個人都有一個相應的、含有 </a:t>
+            </a:r>
+            <a:r>
+              <a:rPr lang="en-US" altLang="zh-TW" sz="2400">
+                <a:latin typeface="Times New Roman" panose="02020603050405020304" pitchFamily="18" charset="0"/>
+                <a:ea typeface="標楷體" panose="03000509000000000000" pitchFamily="65" charset="-120"/>
+              </a:rPr>
+              <a:t>n</a:t>
+            </a:r>
+            <a:r>
+              <a:rPr lang="zh-TW" altLang="en-US" sz="2400">
+                <a:latin typeface="Times New Roman" panose="02020603050405020304" pitchFamily="18" charset="0"/>
+                <a:ea typeface="標楷體" panose="03000509000000000000" pitchFamily="65" charset="-120"/>
+              </a:rPr>
+              <a:t> 個價值不一內容物（元素）的福袋</a:t>
+            </a:r>
+            <a:endParaRPr lang="en-US" altLang="zh-TW" sz="2400">
+              <a:latin typeface="Times New Roman" panose="02020603050405020304" pitchFamily="18" charset="0"/>
+              <a:ea typeface="標楷體" panose="03000509000000000000" pitchFamily="65" charset="-120"/>
+            </a:endParaRPr>
+          </a:p>
+          <a:p>
+            <a:pPr marL="0" indent="0">
+              <a:lnSpc>
+                <a:spcPct val="150000"/>
+              </a:lnSpc>
+              <a:buNone/>
+            </a:pPr>
+            <a:r>
+              <a:rPr lang="zh-TW" altLang="en-US" sz="2400">
+                <a:latin typeface="Times New Roman" panose="02020603050405020304" pitchFamily="18" charset="0"/>
+                <a:ea typeface="標楷體" panose="03000509000000000000" pitchFamily="65" charset="-120"/>
+              </a:rPr>
+              <a:t>名單的總人數 </a:t>
+            </a:r>
+            <a:r>
+              <a:rPr lang="en-US" altLang="zh-TW" sz="2400">
+                <a:latin typeface="Times New Roman" panose="02020603050405020304" pitchFamily="18" charset="0"/>
+                <a:ea typeface="標楷體" panose="03000509000000000000" pitchFamily="65" charset="-120"/>
+              </a:rPr>
+              <a:t>m </a:t>
+            </a:r>
+            <a:r>
+              <a:rPr lang="zh-TW" altLang="en-US" sz="2400">
+                <a:latin typeface="Times New Roman" panose="02020603050405020304" pitchFamily="18" charset="0"/>
+                <a:ea typeface="標楷體" panose="03000509000000000000" pitchFamily="65" charset="-120"/>
+              </a:rPr>
+              <a:t>和福袋的內容物數量 </a:t>
+            </a:r>
+            <a:r>
+              <a:rPr lang="en-US" altLang="zh-TW" sz="2400">
+                <a:latin typeface="Times New Roman" panose="02020603050405020304" pitchFamily="18" charset="0"/>
+                <a:ea typeface="標楷體" panose="03000509000000000000" pitchFamily="65" charset="-120"/>
+              </a:rPr>
+              <a:t>n </a:t>
+            </a:r>
+            <a:r>
+              <a:rPr lang="zh-TW" altLang="en-US" sz="2400">
+                <a:latin typeface="Times New Roman" panose="02020603050405020304" pitchFamily="18" charset="0"/>
+                <a:ea typeface="標楷體" panose="03000509000000000000" pitchFamily="65" charset="-120"/>
+              </a:rPr>
+              <a:t>限制為 </a:t>
+            </a:r>
+            <a:r>
+              <a:rPr lang="en-US" altLang="zh-TW" sz="2400">
+                <a:latin typeface="Times New Roman" panose="02020603050405020304" pitchFamily="18" charset="0"/>
+                <a:ea typeface="標楷體" panose="03000509000000000000" pitchFamily="65" charset="-120"/>
+              </a:rPr>
+              <a:t>0 &lt;= m, n &lt;= 1000</a:t>
+            </a:r>
+          </a:p>
+          <a:p>
+            <a:pPr marL="0" indent="0">
+              <a:lnSpc>
+                <a:spcPct val="150000"/>
+              </a:lnSpc>
+              <a:buNone/>
+            </a:pPr>
+            <a:r>
+              <a:rPr lang="zh-TW" altLang="en-US" sz="2400">
+                <a:latin typeface="Times New Roman" panose="02020603050405020304" pitchFamily="18" charset="0"/>
+                <a:ea typeface="標楷體" panose="03000509000000000000" pitchFamily="65" charset="-120"/>
+              </a:rPr>
+              <a:t>名字長度不超過</a:t>
+            </a:r>
+            <a:r>
+              <a:rPr lang="en-US" altLang="zh-TW" sz="2400">
+                <a:latin typeface="Times New Roman" panose="02020603050405020304" pitchFamily="18" charset="0"/>
+                <a:ea typeface="標楷體" panose="03000509000000000000" pitchFamily="65" charset="-120"/>
+              </a:rPr>
+              <a:t>10</a:t>
+            </a:r>
+            <a:r>
+              <a:rPr lang="zh-TW" altLang="en-US" sz="2400">
+                <a:latin typeface="Times New Roman" panose="02020603050405020304" pitchFamily="18" charset="0"/>
+                <a:ea typeface="標楷體" panose="03000509000000000000" pitchFamily="65" charset="-120"/>
+              </a:rPr>
+              <a:t>個字元，福袋內容物的價值 </a:t>
+            </a:r>
+            <a:r>
+              <a:rPr lang="en-US" altLang="zh-TW" sz="2400">
+                <a:latin typeface="Times New Roman" panose="02020603050405020304" pitchFamily="18" charset="0"/>
+                <a:ea typeface="標楷體" panose="03000509000000000000" pitchFamily="65" charset="-120"/>
+              </a:rPr>
+              <a:t>p[i] </a:t>
+            </a:r>
+            <a:r>
+              <a:rPr lang="zh-TW" altLang="en-US" sz="2400">
+                <a:latin typeface="Times New Roman" panose="02020603050405020304" pitchFamily="18" charset="0"/>
+                <a:ea typeface="標楷體" panose="03000509000000000000" pitchFamily="65" charset="-120"/>
+              </a:rPr>
+              <a:t>限制為 </a:t>
+            </a:r>
+            <a:r>
+              <a:rPr lang="en-US" altLang="zh-TW" sz="2400">
+                <a:latin typeface="Times New Roman" panose="02020603050405020304" pitchFamily="18" charset="0"/>
+                <a:ea typeface="標楷體" panose="03000509000000000000" pitchFamily="65" charset="-120"/>
+              </a:rPr>
+              <a:t>0 &lt;= p[i] &lt;= 10^9</a:t>
+            </a:r>
+          </a:p>
+          <a:p>
+            <a:pPr marL="0" indent="0">
+              <a:lnSpc>
+                <a:spcPct val="150000"/>
+              </a:lnSpc>
+              <a:buNone/>
+            </a:pPr>
+            <a:r>
+              <a:rPr lang="en-US" altLang="zh-TW" sz="2400">
+                <a:latin typeface="Times New Roman" panose="02020603050405020304" pitchFamily="18" charset="0"/>
+                <a:ea typeface="標楷體" panose="03000509000000000000" pitchFamily="65" charset="-120"/>
+              </a:rPr>
+              <a:t>							(i = 0~n-1) </a:t>
+            </a:r>
+          </a:p>
+        </p:txBody>
+      </p:sp>
+    </p:spTree>
+    <p:extLst>
+      <p:ext uri="{BB962C8B-B14F-4D97-AF65-F5344CB8AC3E}">
+        <p14:creationId xmlns:p14="http://schemas.microsoft.com/office/powerpoint/2010/main" val="3113413002"/>
+      </p:ext>
+    </p:extLst>
+  </p:cSld>
+  <p:clrMapOvr>
+    <a:masterClrMapping/>
+  </p:clrMapOvr>
+</p:sld>
+</file>
+
+<file path=ppt/slides/slide3.xml><?xml version="1.0" encoding="utf-8"?>
+<p:sld xmlns:a="http://schemas.openxmlformats.org/drawingml/2006/main" xmlns:r="http://schemas.openxmlformats.org/officeDocument/2006/relationships" xmlns:p="http://schemas.openxmlformats.org/presentationml/2006/main">
+  <p:cSld>
+    <p:spTree>
+      <p:nvGrpSpPr>
+        <p:cNvPr id="1" name=""/>
+        <p:cNvGrpSpPr/>
+        <p:nvPr/>
+      </p:nvGrpSpPr>
+      <p:grpSpPr>
+        <a:xfrm>
+          <a:off x="0" y="0"/>
+          <a:ext cx="0" cy="0"/>
+          <a:chOff x="0" y="0"/>
+          <a:chExt cx="0" cy="0"/>
+        </a:xfrm>
+      </p:grpSpPr>
+      <p:sp>
+        <p:nvSpPr>
+          <p:cNvPr id="2" name="標題 1">
+            <a:extLst>
+              <a:ext uri="{FF2B5EF4-FFF2-40B4-BE49-F238E27FC236}">
+                <a16:creationId xmlns:a16="http://schemas.microsoft.com/office/drawing/2014/main" id="{4457B8C9-56BD-4589-B5A8-9B5476310C0B}"/>
+              </a:ext>
+            </a:extLst>
+          </p:cNvPr>
+          <p:cNvSpPr>
+            <a:spLocks noGrp="1"/>
+          </p:cNvSpPr>
+          <p:nvPr>
+            <p:ph type="title"/>
+          </p:nvPr>
+        </p:nvSpPr>
+        <p:spPr/>
+        <p:txBody>
+          <a:bodyPr/>
+          <a:lstStyle/>
+          <a:p>
+            <a:r>
+              <a:rPr lang="zh-TW" altLang="en-US"/>
+              <a:t>設計理念</a:t>
+            </a:r>
+          </a:p>
+        </p:txBody>
+      </p:sp>
+      <p:sp>
+        <p:nvSpPr>
+          <p:cNvPr id="3" name="內容版面配置區 2">
+            <a:extLst>
+              <a:ext uri="{FF2B5EF4-FFF2-40B4-BE49-F238E27FC236}">
+                <a16:creationId xmlns:a16="http://schemas.microsoft.com/office/drawing/2014/main" id="{7A70C0EA-8BC2-4985-94E5-8B21E13625E4}"/>
+              </a:ext>
+            </a:extLst>
+          </p:cNvPr>
+          <p:cNvSpPr>
+            <a:spLocks noGrp="1"/>
+          </p:cNvSpPr>
+          <p:nvPr>
+            <p:ph idx="1"/>
+          </p:nvPr>
+        </p:nvSpPr>
+        <p:spPr/>
+        <p:txBody>
+          <a:bodyPr>
+            <a:normAutofit/>
+          </a:bodyPr>
+          <a:lstStyle/>
+          <a:p>
+            <a:pPr marL="0" indent="0">
+              <a:lnSpc>
+                <a:spcPct val="150000"/>
+              </a:lnSpc>
+              <a:buNone/>
+            </a:pPr>
+            <a:r>
+              <a:rPr lang="zh-TW" altLang="en-US" sz="2400">
+                <a:latin typeface="Times New Roman" panose="02020603050405020304" pitchFamily="18" charset="0"/>
+                <a:ea typeface="標楷體" panose="03000509000000000000" pitchFamily="65" charset="-120"/>
+              </a:rPr>
+              <a:t>每個項目的福袋內容物數量統一為 </a:t>
+            </a:r>
+            <a:r>
+              <a:rPr lang="en-US" altLang="zh-TW" sz="2400">
+                <a:latin typeface="Times New Roman" panose="02020603050405020304" pitchFamily="18" charset="0"/>
+                <a:ea typeface="標楷體" panose="03000509000000000000" pitchFamily="65" charset="-120"/>
+              </a:rPr>
+              <a:t>n</a:t>
+            </a:r>
+            <a:r>
+              <a:rPr lang="zh-TW" altLang="en-US" sz="2400">
+                <a:latin typeface="Times New Roman" panose="02020603050405020304" pitchFamily="18" charset="0"/>
+                <a:ea typeface="標楷體" panose="03000509000000000000" pitchFamily="65" charset="-120"/>
+              </a:rPr>
+              <a:t> 個</a:t>
+            </a:r>
+            <a:endParaRPr lang="en-US" altLang="zh-TW" sz="2400">
+              <a:latin typeface="Times New Roman" panose="02020603050405020304" pitchFamily="18" charset="0"/>
+              <a:ea typeface="標楷體" panose="03000509000000000000" pitchFamily="65" charset="-120"/>
+            </a:endParaRPr>
+          </a:p>
+          <a:p>
+            <a:pPr marL="0" indent="0">
+              <a:lnSpc>
+                <a:spcPct val="150000"/>
+              </a:lnSpc>
+              <a:buNone/>
+            </a:pPr>
+            <a:r>
+              <a:rPr lang="zh-TW" altLang="en-US" sz="2400">
+                <a:latin typeface="Times New Roman" panose="02020603050405020304" pitchFamily="18" charset="0"/>
+                <a:ea typeface="標楷體" panose="03000509000000000000" pitchFamily="65" charset="-120"/>
+              </a:rPr>
+              <a:t>每個福袋的「總價值」定義為：</a:t>
+            </a:r>
+            <a:endParaRPr lang="en-US" altLang="zh-TW" sz="2400">
+              <a:latin typeface="Times New Roman" panose="02020603050405020304" pitchFamily="18" charset="0"/>
+              <a:ea typeface="標楷體" panose="03000509000000000000" pitchFamily="65" charset="-120"/>
+            </a:endParaRPr>
+          </a:p>
+          <a:p>
+            <a:pPr marL="0" indent="0">
+              <a:lnSpc>
+                <a:spcPct val="150000"/>
+              </a:lnSpc>
+              <a:buNone/>
+            </a:pPr>
+            <a:r>
+              <a:rPr lang="en-US" altLang="zh-TW" sz="2400">
+                <a:latin typeface="Times New Roman" panose="02020603050405020304" pitchFamily="18" charset="0"/>
+                <a:ea typeface="標楷體" panose="03000509000000000000" pitchFamily="65" charset="-120"/>
+              </a:rPr>
+              <a:t>1. </a:t>
+            </a:r>
+            <a:r>
+              <a:rPr lang="zh-TW" altLang="en-US" sz="2400">
+                <a:latin typeface="Times New Roman" panose="02020603050405020304" pitchFamily="18" charset="0"/>
+                <a:ea typeface="標楷體" panose="03000509000000000000" pitchFamily="65" charset="-120"/>
+              </a:rPr>
+              <a:t>假如是福袋中第一個物品，則把當前價值等於第一個物品</a:t>
+            </a:r>
+            <a:endParaRPr lang="en-US" altLang="zh-TW" sz="2400">
+              <a:latin typeface="Times New Roman" panose="02020603050405020304" pitchFamily="18" charset="0"/>
+              <a:ea typeface="標楷體" panose="03000509000000000000" pitchFamily="65" charset="-120"/>
+            </a:endParaRPr>
+          </a:p>
+          <a:p>
+            <a:pPr marL="0" indent="0">
+              <a:lnSpc>
+                <a:spcPct val="150000"/>
+              </a:lnSpc>
+              <a:buNone/>
+            </a:pPr>
+            <a:r>
+              <a:rPr lang="en-US" altLang="zh-TW" sz="2400">
+                <a:latin typeface="Times New Roman" panose="02020603050405020304" pitchFamily="18" charset="0"/>
+                <a:ea typeface="標楷體" panose="03000509000000000000" pitchFamily="65" charset="-120"/>
+              </a:rPr>
+              <a:t>2. </a:t>
+            </a:r>
+            <a:r>
+              <a:rPr lang="zh-TW" altLang="en-US" sz="2400">
+                <a:latin typeface="Times New Roman" panose="02020603050405020304" pitchFamily="18" charset="0"/>
+                <a:ea typeface="標楷體" panose="03000509000000000000" pitchFamily="65" charset="-120"/>
+              </a:rPr>
+              <a:t>接著，如果是之後的物品，加總的規則是：</a:t>
+            </a:r>
+            <a:endParaRPr lang="en-US" altLang="zh-TW" sz="2400">
+              <a:latin typeface="Times New Roman" panose="02020603050405020304" pitchFamily="18" charset="0"/>
+              <a:ea typeface="標楷體" panose="03000509000000000000" pitchFamily="65" charset="-120"/>
+            </a:endParaRPr>
+          </a:p>
+          <a:p>
+            <a:pPr marL="0" indent="0">
+              <a:lnSpc>
+                <a:spcPct val="150000"/>
+              </a:lnSpc>
+              <a:buNone/>
+            </a:pPr>
+            <a:r>
+              <a:rPr lang="zh-TW" altLang="en-US" sz="2400">
+                <a:latin typeface="Times New Roman" panose="02020603050405020304" pitchFamily="18" charset="0"/>
+                <a:ea typeface="標楷體" panose="03000509000000000000" pitchFamily="65" charset="-120"/>
+              </a:rPr>
+              <a:t>    　　當前商品價值比現在總和大，則累加，否則減去當前商品價值</a:t>
+            </a:r>
+            <a:endParaRPr lang="en-US" altLang="zh-TW" sz="2400">
+              <a:latin typeface="Times New Roman" panose="02020603050405020304" pitchFamily="18" charset="0"/>
+              <a:ea typeface="標楷體" panose="03000509000000000000" pitchFamily="65" charset="-120"/>
+            </a:endParaRPr>
+          </a:p>
+        </p:txBody>
+      </p:sp>
+    </p:spTree>
+    <p:extLst>
+      <p:ext uri="{BB962C8B-B14F-4D97-AF65-F5344CB8AC3E}">
+        <p14:creationId xmlns:p14="http://schemas.microsoft.com/office/powerpoint/2010/main" val="1632378058"/>
+      </p:ext>
+    </p:extLst>
+  </p:cSld>
+  <p:clrMapOvr>
+    <a:masterClrMapping/>
+  </p:clrMapOvr>
+</p:sld>
+</file>
+
+<file path=ppt/slides/slide4.xml><?xml version="1.0" encoding="utf-8"?>
+<p:sld xmlns:a="http://schemas.openxmlformats.org/drawingml/2006/main" xmlns:r="http://schemas.openxmlformats.org/officeDocument/2006/relationships" xmlns:p="http://schemas.openxmlformats.org/presentationml/2006/main">
+  <p:cSld>
+    <p:spTree>
+      <p:nvGrpSpPr>
+        <p:cNvPr id="1" name=""/>
+        <p:cNvGrpSpPr/>
+        <p:nvPr/>
+      </p:nvGrpSpPr>
+      <p:grpSpPr>
+        <a:xfrm>
+          <a:off x="0" y="0"/>
+          <a:ext cx="0" cy="0"/>
+          <a:chOff x="0" y="0"/>
+          <a:chExt cx="0" cy="0"/>
+        </a:xfrm>
+      </p:grpSpPr>
+      <p:sp>
+        <p:nvSpPr>
+          <p:cNvPr id="2" name="標題 1">
+            <a:extLst>
+              <a:ext uri="{FF2B5EF4-FFF2-40B4-BE49-F238E27FC236}">
+                <a16:creationId xmlns:a16="http://schemas.microsoft.com/office/drawing/2014/main" id="{4457B8C9-56BD-4589-B5A8-9B5476310C0B}"/>
+              </a:ext>
+            </a:extLst>
+          </p:cNvPr>
+          <p:cNvSpPr>
+            <a:spLocks noGrp="1"/>
+          </p:cNvSpPr>
+          <p:nvPr>
+            <p:ph type="title"/>
+          </p:nvPr>
+        </p:nvSpPr>
+        <p:spPr/>
+        <p:txBody>
+          <a:bodyPr/>
+          <a:lstStyle/>
+          <a:p>
+            <a:r>
+              <a:rPr lang="zh-TW" altLang="en-US"/>
+              <a:t>設計理念</a:t>
+            </a:r>
+          </a:p>
+        </p:txBody>
+      </p:sp>
+      <p:sp>
+        <p:nvSpPr>
+          <p:cNvPr id="3" name="內容版面配置區 2">
+            <a:extLst>
+              <a:ext uri="{FF2B5EF4-FFF2-40B4-BE49-F238E27FC236}">
+                <a16:creationId xmlns:a16="http://schemas.microsoft.com/office/drawing/2014/main" id="{7A70C0EA-8BC2-4985-94E5-8B21E13625E4}"/>
+              </a:ext>
+            </a:extLst>
+          </p:cNvPr>
+          <p:cNvSpPr>
+            <a:spLocks noGrp="1"/>
+          </p:cNvSpPr>
+          <p:nvPr>
+            <p:ph idx="1"/>
+          </p:nvPr>
+        </p:nvSpPr>
+        <p:spPr/>
+        <p:txBody>
+          <a:bodyPr>
+            <a:normAutofit/>
+          </a:bodyPr>
+          <a:lstStyle/>
+          <a:p>
+            <a:pPr marL="0" indent="0">
+              <a:buNone/>
+            </a:pPr>
+            <a:r>
+              <a:rPr lang="zh-TW" altLang="en-US" sz="2400">
+                <a:latin typeface="Times New Roman" panose="02020603050405020304" pitchFamily="18" charset="0"/>
+                <a:ea typeface="標楷體" panose="03000509000000000000" pitchFamily="65" charset="-120"/>
+              </a:rPr>
+              <a:t>對於每筆測資－－</a:t>
+            </a:r>
+            <a:endParaRPr lang="en-US" altLang="zh-TW" sz="2400">
+              <a:latin typeface="Times New Roman" panose="02020603050405020304" pitchFamily="18" charset="0"/>
+              <a:ea typeface="標楷體" panose="03000509000000000000" pitchFamily="65" charset="-120"/>
+            </a:endParaRPr>
+          </a:p>
+          <a:p>
+            <a:pPr marL="0" indent="0">
+              <a:buNone/>
+            </a:pPr>
+            <a:r>
+              <a:rPr lang="en-US" altLang="zh-TW" sz="2400">
+                <a:latin typeface="Times New Roman" panose="02020603050405020304" pitchFamily="18" charset="0"/>
+                <a:ea typeface="標楷體" panose="03000509000000000000" pitchFamily="65" charset="-120"/>
+              </a:rPr>
+              <a:t>1.</a:t>
+            </a:r>
+            <a:r>
+              <a:rPr lang="zh-TW" altLang="en-US" sz="2400">
+                <a:latin typeface="Times New Roman" panose="02020603050405020304" pitchFamily="18" charset="0"/>
+                <a:ea typeface="標楷體" panose="03000509000000000000" pitchFamily="65" charset="-120"/>
+              </a:rPr>
+              <a:t> 在不改變名單順序的前提下，把最少名單項目移除，</a:t>
+            </a:r>
+            <a:endParaRPr lang="en-US" altLang="zh-TW" sz="2400">
+              <a:latin typeface="Times New Roman" panose="02020603050405020304" pitchFamily="18" charset="0"/>
+              <a:ea typeface="標楷體" panose="03000509000000000000" pitchFamily="65" charset="-120"/>
+            </a:endParaRPr>
+          </a:p>
+          <a:p>
+            <a:pPr marL="0" indent="0">
+              <a:buNone/>
+            </a:pPr>
+            <a:r>
+              <a:rPr lang="zh-TW" altLang="en-US" sz="2400">
+                <a:latin typeface="Times New Roman" panose="02020603050405020304" pitchFamily="18" charset="0"/>
+                <a:ea typeface="標楷體" panose="03000509000000000000" pitchFamily="65" charset="-120"/>
+              </a:rPr>
+              <a:t>    使得名單符合一個肥宅隊伍的定義：</a:t>
+            </a:r>
+            <a:endParaRPr lang="en-US" altLang="zh-TW" sz="2400">
+              <a:latin typeface="Times New Roman" panose="02020603050405020304" pitchFamily="18" charset="0"/>
+              <a:ea typeface="標楷體" panose="03000509000000000000" pitchFamily="65" charset="-120"/>
+            </a:endParaRPr>
+          </a:p>
+          <a:p>
+            <a:pPr marL="0" indent="0">
+              <a:buNone/>
+            </a:pPr>
+            <a:r>
+              <a:rPr lang="zh-TW" altLang="en-US" sz="2400">
+                <a:latin typeface="Times New Roman" panose="02020603050405020304" pitchFamily="18" charset="0"/>
+                <a:ea typeface="標楷體" panose="03000509000000000000" pitchFamily="65" charset="-120"/>
+              </a:rPr>
+              <a:t>    　　價值由大到小，名字重複時只取第一個項目</a:t>
+            </a:r>
+            <a:endParaRPr lang="en-US" altLang="zh-TW" sz="2400">
+              <a:latin typeface="Times New Roman" panose="02020603050405020304" pitchFamily="18" charset="0"/>
+              <a:ea typeface="標楷體" panose="03000509000000000000" pitchFamily="65" charset="-120"/>
+            </a:endParaRPr>
+          </a:p>
+          <a:p>
+            <a:pPr marL="0" indent="0">
+              <a:buNone/>
+            </a:pPr>
+            <a:endParaRPr lang="en-US" altLang="zh-TW" sz="2400">
+              <a:latin typeface="Times New Roman" panose="02020603050405020304" pitchFamily="18" charset="0"/>
+              <a:ea typeface="標楷體" panose="03000509000000000000" pitchFamily="65" charset="-120"/>
+            </a:endParaRPr>
+          </a:p>
+          <a:p>
+            <a:pPr marL="0" indent="0">
+              <a:buNone/>
+            </a:pPr>
+            <a:r>
+              <a:rPr lang="en-US" altLang="zh-TW" sz="2400">
+                <a:latin typeface="Times New Roman" panose="02020603050405020304" pitchFamily="18" charset="0"/>
+                <a:ea typeface="標楷體" panose="03000509000000000000" pitchFamily="65" charset="-120"/>
+              </a:rPr>
+              <a:t>2. </a:t>
+            </a:r>
+            <a:r>
+              <a:rPr lang="zh-TW" altLang="en-US" sz="2400">
+                <a:latin typeface="Times New Roman" panose="02020603050405020304" pitchFamily="18" charset="0"/>
+                <a:ea typeface="標楷體" panose="03000509000000000000" pitchFamily="65" charset="-120"/>
+              </a:rPr>
+              <a:t>輸出新名單的項目數量，並將其中的名字依序輸出</a:t>
+            </a:r>
+            <a:endParaRPr lang="en-US" altLang="zh-TW" sz="2400">
+              <a:latin typeface="Times New Roman" panose="02020603050405020304" pitchFamily="18" charset="0"/>
+              <a:ea typeface="標楷體" panose="03000509000000000000" pitchFamily="65" charset="-120"/>
+            </a:endParaRPr>
+          </a:p>
+          <a:p>
+            <a:pPr marL="0" indent="0">
+              <a:buNone/>
+            </a:pPr>
+            <a:r>
+              <a:rPr lang="zh-TW" altLang="en-US" sz="2400">
+                <a:latin typeface="Times New Roman" panose="02020603050405020304" pitchFamily="18" charset="0"/>
+                <a:ea typeface="標楷體" panose="03000509000000000000" pitchFamily="65" charset="-120"/>
+              </a:rPr>
+              <a:t>    若有多組解，輸出「以輸入順序作為比較基準」的最小輸入序名單序列</a:t>
+            </a:r>
+            <a:endParaRPr lang="en-US" altLang="zh-TW" sz="2400">
+              <a:latin typeface="Times New Roman" panose="02020603050405020304" pitchFamily="18" charset="0"/>
+              <a:ea typeface="標楷體" panose="03000509000000000000" pitchFamily="65" charset="-120"/>
+            </a:endParaRPr>
+          </a:p>
+          <a:p>
+            <a:pPr marL="0" indent="0">
+              <a:buNone/>
+            </a:pPr>
+            <a:endParaRPr lang="en-US" altLang="zh-TW" sz="2400">
+              <a:latin typeface="Times New Roman" panose="02020603050405020304" pitchFamily="18" charset="0"/>
+              <a:ea typeface="標楷體" panose="03000509000000000000" pitchFamily="65" charset="-120"/>
+            </a:endParaRPr>
+          </a:p>
+          <a:p>
+            <a:pPr marL="0" indent="0">
+              <a:buNone/>
+            </a:pPr>
+            <a:r>
+              <a:rPr lang="zh-TW" altLang="en-US" sz="2400">
+                <a:latin typeface="Times New Roman" panose="02020603050405020304" pitchFamily="18" charset="0"/>
+                <a:ea typeface="標楷體" panose="03000509000000000000" pitchFamily="65" charset="-120"/>
+              </a:rPr>
+              <a:t>必須</a:t>
+            </a:r>
+            <a:r>
+              <a:rPr lang="zh-TW" altLang="zh-TW" sz="2400">
+                <a:latin typeface="Times New Roman" panose="02020603050405020304" pitchFamily="18" charset="0"/>
+                <a:ea typeface="標楷體" panose="03000509000000000000" pitchFamily="65" charset="-120"/>
+              </a:rPr>
+              <a:t>使用</a:t>
+            </a:r>
+            <a:r>
+              <a:rPr lang="en-US" altLang="zh-TW" sz="2400">
+                <a:latin typeface="Times New Roman" panose="02020603050405020304" pitchFamily="18" charset="0"/>
+                <a:ea typeface="標楷體" panose="03000509000000000000" pitchFamily="65" charset="-120"/>
+              </a:rPr>
+              <a:t>STL</a:t>
+            </a:r>
+            <a:r>
+              <a:rPr lang="zh-TW" altLang="zh-TW" sz="2400">
+                <a:latin typeface="Times New Roman" panose="02020603050405020304" pitchFamily="18" charset="0"/>
+                <a:ea typeface="標楷體" panose="03000509000000000000" pitchFamily="65" charset="-120"/>
+              </a:rPr>
+              <a:t>容器與演算法完成，</a:t>
+            </a:r>
+            <a:r>
+              <a:rPr lang="zh-TW" altLang="en-US" sz="2400">
+                <a:latin typeface="Times New Roman" panose="02020603050405020304" pitchFamily="18" charset="0"/>
+                <a:ea typeface="標楷體" panose="03000509000000000000" pitchFamily="65" charset="-120"/>
+              </a:rPr>
+              <a:t>並使用到</a:t>
+            </a:r>
+            <a:r>
+              <a:rPr lang="en-US" altLang="zh-TW" sz="2400">
+                <a:latin typeface="Times New Roman" panose="02020603050405020304" pitchFamily="18" charset="0"/>
+                <a:ea typeface="標楷體" panose="03000509000000000000" pitchFamily="65" charset="-120"/>
+              </a:rPr>
+              <a:t>lambda expression</a:t>
+            </a:r>
+            <a:r>
+              <a:rPr lang="zh-TW" altLang="zh-TW" sz="2400">
+                <a:latin typeface="Times New Roman" panose="02020603050405020304" pitchFamily="18" charset="0"/>
+                <a:ea typeface="標楷體" panose="03000509000000000000" pitchFamily="65" charset="-120"/>
+              </a:rPr>
+              <a:t>，否則不於計分</a:t>
+            </a:r>
+            <a:endParaRPr lang="zh-TW" altLang="en-US" sz="2400">
+              <a:latin typeface="Times New Roman" panose="02020603050405020304" pitchFamily="18" charset="0"/>
+              <a:ea typeface="標楷體" panose="03000509000000000000" pitchFamily="65" charset="-120"/>
+            </a:endParaRPr>
+          </a:p>
+        </p:txBody>
+      </p:sp>
+    </p:spTree>
+    <p:extLst>
+      <p:ext uri="{BB962C8B-B14F-4D97-AF65-F5344CB8AC3E}">
+        <p14:creationId xmlns:p14="http://schemas.microsoft.com/office/powerpoint/2010/main" val="2709349255"/>
+      </p:ext>
+    </p:extLst>
+  </p:cSld>
+  <p:clrMapOvr>
+    <a:masterClrMapping/>
+  </p:clrMapOvr>
+</p:sld>
+</file>
+
+<file path=ppt/slides/slide5.xml><?xml version="1.0" encoding="utf-8"?>
+<p:sld xmlns:a="http://schemas.openxmlformats.org/drawingml/2006/main" xmlns:r="http://schemas.openxmlformats.org/officeDocument/2006/relationships" xmlns:p="http://schemas.openxmlformats.org/presentationml/2006/main">
+  <p:cSld>
+    <p:spTree>
+      <p:nvGrpSpPr>
+        <p:cNvPr id="1" name=""/>
+        <p:cNvGrpSpPr/>
+        <p:nvPr/>
+      </p:nvGrpSpPr>
+      <p:grpSpPr>
+        <a:xfrm>
+          <a:off x="0" y="0"/>
+          <a:ext cx="0" cy="0"/>
+          <a:chOff x="0" y="0"/>
+          <a:chExt cx="0" cy="0"/>
+        </a:xfrm>
+      </p:grpSpPr>
+      <p:sp>
+        <p:nvSpPr>
+          <p:cNvPr id="2" name="標題 1">
+            <a:extLst>
+              <a:ext uri="{FF2B5EF4-FFF2-40B4-BE49-F238E27FC236}">
+                <a16:creationId xmlns:a16="http://schemas.microsoft.com/office/drawing/2014/main" id="{4457B8C9-56BD-4589-B5A8-9B5476310C0B}"/>
+              </a:ext>
+            </a:extLst>
+          </p:cNvPr>
+          <p:cNvSpPr>
+            <a:spLocks noGrp="1"/>
+          </p:cNvSpPr>
+          <p:nvPr>
+            <p:ph type="title"/>
+          </p:nvPr>
+        </p:nvSpPr>
+        <p:spPr/>
+        <p:txBody>
+          <a:bodyPr/>
+          <a:lstStyle/>
+          <a:p>
+            <a:r>
+              <a:rPr lang="zh-TW" altLang="en-US"/>
+              <a:t>輸入 </a:t>
+            </a:r>
+            <a:r>
+              <a:rPr lang="en-US" altLang="zh-TW"/>
+              <a:t>/</a:t>
+            </a:r>
+            <a:r>
+              <a:rPr lang="zh-TW" altLang="en-US"/>
+              <a:t> 輸出說明</a:t>
+            </a:r>
+          </a:p>
+        </p:txBody>
+      </p:sp>
+      <p:sp>
+        <p:nvSpPr>
+          <p:cNvPr id="3" name="內容版面配置區 2">
+            <a:extLst>
+              <a:ext uri="{FF2B5EF4-FFF2-40B4-BE49-F238E27FC236}">
+                <a16:creationId xmlns:a16="http://schemas.microsoft.com/office/drawing/2014/main" id="{7A70C0EA-8BC2-4985-94E5-8B21E13625E4}"/>
+              </a:ext>
+            </a:extLst>
+          </p:cNvPr>
+          <p:cNvSpPr>
+            <a:spLocks noGrp="1"/>
+          </p:cNvSpPr>
+          <p:nvPr>
+            <p:ph idx="1"/>
+          </p:nvPr>
+        </p:nvSpPr>
+        <p:spPr/>
+        <p:txBody>
+          <a:bodyPr>
+            <a:normAutofit fontScale="92500" lnSpcReduction="10000"/>
+          </a:bodyPr>
+          <a:lstStyle/>
+          <a:p>
+            <a:pPr marL="0" indent="0">
+              <a:lnSpc>
+                <a:spcPct val="110000"/>
+              </a:lnSpc>
+              <a:buNone/>
+            </a:pPr>
+            <a:r>
+              <a:rPr lang="zh-TW" altLang="zh-TW" b="1" dirty="0">
+                <a:latin typeface="Times New Roman" panose="02020603050405020304" pitchFamily="18" charset="0"/>
+                <a:ea typeface="標楷體" panose="03000509000000000000" pitchFamily="65" charset="-120"/>
+              </a:rPr>
+              <a:t>輸入說明</a:t>
+            </a:r>
+            <a:r>
+              <a:rPr lang="zh-TW" altLang="en-US" b="1" dirty="0">
+                <a:latin typeface="Times New Roman" panose="02020603050405020304" pitchFamily="18" charset="0"/>
+                <a:ea typeface="標楷體" panose="03000509000000000000" pitchFamily="65" charset="-120"/>
+              </a:rPr>
+              <a:t>：</a:t>
+            </a:r>
+            <a:endParaRPr lang="en-US" altLang="zh-TW" dirty="0">
+              <a:latin typeface="Times New Roman" panose="02020603050405020304" pitchFamily="18" charset="0"/>
+              <a:ea typeface="標楷體" panose="03000509000000000000" pitchFamily="65" charset="-120"/>
+            </a:endParaRPr>
+          </a:p>
+          <a:p>
+            <a:pPr marL="0" indent="0">
+              <a:lnSpc>
+                <a:spcPct val="110000"/>
+              </a:lnSpc>
+              <a:buNone/>
+            </a:pPr>
+            <a:r>
+              <a:rPr lang="zh-TW" altLang="en-US" dirty="0">
+                <a:latin typeface="Times New Roman" panose="02020603050405020304" pitchFamily="18" charset="0"/>
+                <a:ea typeface="標楷體" panose="03000509000000000000" pitchFamily="65" charset="-120"/>
+              </a:rPr>
+              <a:t>輸入可以包含多組測資。</a:t>
+            </a:r>
+            <a:endParaRPr lang="en-US" altLang="zh-TW" dirty="0">
+              <a:latin typeface="Times New Roman" panose="02020603050405020304" pitchFamily="18" charset="0"/>
+              <a:ea typeface="標楷體" panose="03000509000000000000" pitchFamily="65" charset="-120"/>
+            </a:endParaRPr>
+          </a:p>
+          <a:p>
+            <a:pPr marL="0" indent="0">
+              <a:lnSpc>
+                <a:spcPct val="110000"/>
+              </a:lnSpc>
+              <a:buNone/>
+            </a:pPr>
+            <a:r>
+              <a:rPr lang="zh-TW" altLang="zh-TW" dirty="0">
+                <a:latin typeface="Times New Roman" panose="02020603050405020304" pitchFamily="18" charset="0"/>
+                <a:ea typeface="標楷體" panose="03000509000000000000" pitchFamily="65" charset="-120"/>
+              </a:rPr>
+              <a:t>輸入兩個整數</a:t>
+            </a:r>
+            <a:r>
+              <a:rPr lang="en-US" altLang="zh-TW" dirty="0">
+                <a:latin typeface="Times New Roman" panose="02020603050405020304" pitchFamily="18" charset="0"/>
+                <a:ea typeface="標楷體" panose="03000509000000000000" pitchFamily="65" charset="-120"/>
+              </a:rPr>
+              <a:t>M, N</a:t>
+            </a:r>
+            <a:r>
+              <a:rPr lang="zh-TW" altLang="en-US" dirty="0">
+                <a:latin typeface="Times New Roman" panose="02020603050405020304" pitchFamily="18" charset="0"/>
+                <a:ea typeface="標楷體" panose="03000509000000000000" pitchFamily="65" charset="-120"/>
+              </a:rPr>
+              <a:t>，</a:t>
+            </a:r>
+            <a:r>
+              <a:rPr lang="en-US" altLang="zh-TW" dirty="0">
+                <a:latin typeface="Times New Roman" panose="02020603050405020304" pitchFamily="18" charset="0"/>
+                <a:ea typeface="標楷體" panose="03000509000000000000" pitchFamily="65" charset="-120"/>
+              </a:rPr>
+              <a:t>M</a:t>
+            </a:r>
+            <a:r>
+              <a:rPr lang="zh-TW" altLang="zh-TW" dirty="0">
+                <a:latin typeface="Times New Roman" panose="02020603050405020304" pitchFamily="18" charset="0"/>
+                <a:ea typeface="標楷體" panose="03000509000000000000" pitchFamily="65" charset="-120"/>
+              </a:rPr>
+              <a:t>表示</a:t>
+            </a:r>
+            <a:r>
+              <a:rPr lang="en-US" altLang="zh-TW" dirty="0">
+                <a:latin typeface="Times New Roman" panose="02020603050405020304" pitchFamily="18" charset="0"/>
+                <a:ea typeface="標楷體" panose="03000509000000000000" pitchFamily="65" charset="-120"/>
+              </a:rPr>
+              <a:t>group</a:t>
+            </a:r>
+            <a:r>
+              <a:rPr lang="zh-TW" altLang="zh-TW" dirty="0">
+                <a:latin typeface="Times New Roman" panose="02020603050405020304" pitchFamily="18" charset="0"/>
+                <a:ea typeface="標楷體" panose="03000509000000000000" pitchFamily="65" charset="-120"/>
+              </a:rPr>
+              <a:t>數目</a:t>
+            </a:r>
+            <a:r>
+              <a:rPr lang="en-US" altLang="zh-TW" dirty="0">
+                <a:latin typeface="Times New Roman" panose="02020603050405020304" pitchFamily="18" charset="0"/>
+                <a:ea typeface="標楷體" panose="03000509000000000000" pitchFamily="65" charset="-120"/>
+              </a:rPr>
+              <a:t>(1 &lt;= M &lt;= 500)</a:t>
+            </a:r>
+            <a:r>
+              <a:rPr lang="zh-TW" altLang="zh-TW" dirty="0">
+                <a:latin typeface="Times New Roman" panose="02020603050405020304" pitchFamily="18" charset="0"/>
+                <a:ea typeface="標楷體" panose="03000509000000000000" pitchFamily="65" charset="-120"/>
+              </a:rPr>
+              <a:t>，</a:t>
+            </a:r>
+            <a:r>
+              <a:rPr lang="en-US" altLang="zh-TW" dirty="0">
+                <a:latin typeface="Times New Roman" panose="02020603050405020304" pitchFamily="18" charset="0"/>
+                <a:ea typeface="標楷體" panose="03000509000000000000" pitchFamily="65" charset="-120"/>
+              </a:rPr>
+              <a:t>N</a:t>
+            </a:r>
+            <a:r>
+              <a:rPr lang="zh-TW" altLang="zh-TW" dirty="0">
+                <a:latin typeface="Times New Roman" panose="02020603050405020304" pitchFamily="18" charset="0"/>
+                <a:ea typeface="標楷體" panose="03000509000000000000" pitchFamily="65" charset="-120"/>
+              </a:rPr>
+              <a:t>表示</a:t>
+            </a:r>
+            <a:r>
+              <a:rPr lang="en-US" altLang="zh-TW" dirty="0">
+                <a:latin typeface="Times New Roman" panose="02020603050405020304" pitchFamily="18" charset="0"/>
+                <a:ea typeface="標楷體" panose="03000509000000000000" pitchFamily="65" charset="-120"/>
+              </a:rPr>
+              <a:t>group</a:t>
+            </a:r>
+            <a:r>
+              <a:rPr lang="zh-TW" altLang="zh-TW" dirty="0">
+                <a:latin typeface="Times New Roman" panose="02020603050405020304" pitchFamily="18" charset="0"/>
+                <a:ea typeface="標楷體" panose="03000509000000000000" pitchFamily="65" charset="-120"/>
+              </a:rPr>
+              <a:t>的大小</a:t>
+            </a:r>
+            <a:r>
+              <a:rPr lang="en-US" altLang="zh-TW" dirty="0">
+                <a:latin typeface="Times New Roman" panose="02020603050405020304" pitchFamily="18" charset="0"/>
+                <a:ea typeface="標楷體" panose="03000509000000000000" pitchFamily="65" charset="-120"/>
+              </a:rPr>
+              <a:t>(1 &lt;= N &lt;= 500)</a:t>
+            </a:r>
+            <a:r>
+              <a:rPr lang="zh-TW" altLang="zh-TW" dirty="0">
+                <a:latin typeface="Times New Roman" panose="02020603050405020304" pitchFamily="18" charset="0"/>
+                <a:ea typeface="標楷體" panose="03000509000000000000" pitchFamily="65" charset="-120"/>
+              </a:rPr>
+              <a:t>。接下來</a:t>
+            </a:r>
+            <a:r>
+              <a:rPr lang="en-US" altLang="zh-TW" dirty="0">
+                <a:latin typeface="Times New Roman" panose="02020603050405020304" pitchFamily="18" charset="0"/>
+                <a:ea typeface="標楷體" panose="03000509000000000000" pitchFamily="65" charset="-120"/>
+              </a:rPr>
+              <a:t>M</a:t>
+            </a:r>
+            <a:r>
+              <a:rPr lang="zh-TW" altLang="zh-TW" dirty="0">
+                <a:latin typeface="Times New Roman" panose="02020603050405020304" pitchFamily="18" charset="0"/>
+                <a:ea typeface="標楷體" panose="03000509000000000000" pitchFamily="65" charset="-120"/>
+              </a:rPr>
+              <a:t>行</a:t>
+            </a:r>
+            <a:r>
+              <a:rPr lang="zh-TW" altLang="en-US" dirty="0">
+                <a:latin typeface="Times New Roman" panose="02020603050405020304" pitchFamily="18" charset="0"/>
+                <a:ea typeface="標楷體" panose="03000509000000000000" pitchFamily="65" charset="-120"/>
+              </a:rPr>
+              <a:t>各</a:t>
+            </a:r>
+            <a:r>
+              <a:rPr lang="zh-TW" altLang="zh-TW" dirty="0">
+                <a:latin typeface="Times New Roman" panose="02020603050405020304" pitchFamily="18" charset="0"/>
+                <a:ea typeface="標楷體" panose="03000509000000000000" pitchFamily="65" charset="-120"/>
+              </a:rPr>
+              <a:t>輸入</a:t>
+            </a:r>
+            <a:r>
+              <a:rPr lang="en-US" altLang="zh-TW" dirty="0">
+                <a:latin typeface="Times New Roman" panose="02020603050405020304" pitchFamily="18" charset="0"/>
+                <a:ea typeface="標楷體" panose="03000509000000000000" pitchFamily="65" charset="-120"/>
+              </a:rPr>
+              <a:t>N</a:t>
+            </a:r>
+            <a:r>
+              <a:rPr lang="zh-TW" altLang="zh-TW" dirty="0">
+                <a:latin typeface="Times New Roman" panose="02020603050405020304" pitchFamily="18" charset="0"/>
+                <a:ea typeface="標楷體" panose="03000509000000000000" pitchFamily="65" charset="-120"/>
+              </a:rPr>
+              <a:t>個數字</a:t>
+            </a:r>
+            <a:r>
+              <a:rPr lang="en-US" altLang="zh-TW" dirty="0" err="1">
+                <a:latin typeface="Times New Roman" panose="02020603050405020304" pitchFamily="18" charset="0"/>
+                <a:ea typeface="標楷體" panose="03000509000000000000" pitchFamily="65" charset="-120"/>
+              </a:rPr>
+              <a:t>k</a:t>
+            </a:r>
+            <a:r>
+              <a:rPr lang="en-US" altLang="zh-TW" sz="2000" dirty="0" err="1">
+                <a:latin typeface="Times New Roman" panose="02020603050405020304" pitchFamily="18" charset="0"/>
+                <a:ea typeface="標楷體" panose="03000509000000000000" pitchFamily="65" charset="-120"/>
+              </a:rPr>
+              <a:t>i</a:t>
+            </a:r>
+            <a:r>
+              <a:rPr lang="en-US" altLang="zh-TW" sz="2000" dirty="0">
+                <a:latin typeface="Times New Roman" panose="02020603050405020304" pitchFamily="18" charset="0"/>
+                <a:ea typeface="標楷體" panose="03000509000000000000" pitchFamily="65" charset="-120"/>
+              </a:rPr>
+              <a:t> </a:t>
+            </a:r>
+            <a:r>
+              <a:rPr lang="en-US" altLang="zh-TW" dirty="0">
+                <a:latin typeface="Times New Roman" panose="02020603050405020304" pitchFamily="18" charset="0"/>
+                <a:ea typeface="標楷體" panose="03000509000000000000" pitchFamily="65" charset="-120"/>
+              </a:rPr>
+              <a:t>(1 &lt;= </a:t>
+            </a:r>
+            <a:r>
+              <a:rPr lang="en-US" altLang="zh-TW" dirty="0" err="1">
+                <a:latin typeface="Times New Roman" panose="02020603050405020304" pitchFamily="18" charset="0"/>
+                <a:ea typeface="標楷體" panose="03000509000000000000" pitchFamily="65" charset="-120"/>
+              </a:rPr>
+              <a:t>k</a:t>
+            </a:r>
+            <a:r>
+              <a:rPr lang="en-US" altLang="zh-TW" sz="2000" dirty="0" err="1">
+                <a:latin typeface="Times New Roman" panose="02020603050405020304" pitchFamily="18" charset="0"/>
+                <a:ea typeface="標楷體" panose="03000509000000000000" pitchFamily="65" charset="-120"/>
+              </a:rPr>
+              <a:t>i</a:t>
+            </a:r>
+            <a:r>
+              <a:rPr lang="en-US" altLang="zh-TW" dirty="0">
+                <a:latin typeface="Times New Roman" panose="02020603050405020304" pitchFamily="18" charset="0"/>
+                <a:ea typeface="標楷體" panose="03000509000000000000" pitchFamily="65" charset="-120"/>
+              </a:rPr>
+              <a:t> &lt;= 1000000000)</a:t>
+            </a:r>
+            <a:r>
+              <a:rPr lang="zh-TW" altLang="zh-TW" dirty="0">
+                <a:latin typeface="Times New Roman" panose="02020603050405020304" pitchFamily="18" charset="0"/>
+                <a:ea typeface="標楷體" panose="03000509000000000000" pitchFamily="65" charset="-120"/>
+              </a:rPr>
+              <a:t>。</a:t>
+            </a:r>
+            <a:r>
+              <a:rPr lang="en-US" altLang="zh-TW" dirty="0">
+                <a:latin typeface="Times New Roman" panose="02020603050405020304" pitchFamily="18" charset="0"/>
+                <a:ea typeface="標楷體" panose="03000509000000000000" pitchFamily="65" charset="-120"/>
+              </a:rPr>
+              <a:t>0 0 </a:t>
+            </a:r>
+            <a:r>
+              <a:rPr lang="zh-TW" altLang="zh-TW" dirty="0">
+                <a:latin typeface="Times New Roman" panose="02020603050405020304" pitchFamily="18" charset="0"/>
+                <a:ea typeface="標楷體" panose="03000509000000000000" pitchFamily="65" charset="-120"/>
+              </a:rPr>
+              <a:t>代表結束。</a:t>
+            </a:r>
+          </a:p>
+          <a:p>
+            <a:pPr marL="0" indent="0">
+              <a:lnSpc>
+                <a:spcPct val="110000"/>
+              </a:lnSpc>
+              <a:buNone/>
+            </a:pPr>
+            <a:r>
+              <a:rPr lang="zh-TW" altLang="zh-TW" b="1" dirty="0">
+                <a:latin typeface="Times New Roman" panose="02020603050405020304" pitchFamily="18" charset="0"/>
+                <a:ea typeface="標楷體" panose="03000509000000000000" pitchFamily="65" charset="-120"/>
+              </a:rPr>
+              <a:t>輸出說明</a:t>
+            </a:r>
+            <a:r>
+              <a:rPr lang="zh-TW" altLang="en-US" b="1" dirty="0">
+                <a:latin typeface="Times New Roman" panose="02020603050405020304" pitchFamily="18" charset="0"/>
+                <a:ea typeface="標楷體" panose="03000509000000000000" pitchFamily="65" charset="-120"/>
+              </a:rPr>
+              <a:t>：</a:t>
+            </a:r>
+            <a:endParaRPr lang="zh-TW" altLang="zh-TW" dirty="0">
+              <a:latin typeface="Times New Roman" panose="02020603050405020304" pitchFamily="18" charset="0"/>
+              <a:ea typeface="標楷體" panose="03000509000000000000" pitchFamily="65" charset="-120"/>
+            </a:endParaRPr>
+          </a:p>
+          <a:p>
+            <a:pPr marL="0" indent="0">
+              <a:lnSpc>
+                <a:spcPct val="110000"/>
+              </a:lnSpc>
+              <a:buNone/>
+            </a:pPr>
+            <a:r>
+              <a:rPr lang="zh-TW" altLang="en-US" dirty="0">
+                <a:latin typeface="Times New Roman" panose="02020603050405020304" pitchFamily="18" charset="0"/>
+                <a:ea typeface="標楷體" panose="03000509000000000000" pitchFamily="65" charset="-120"/>
+              </a:rPr>
+              <a:t>對於每組測資，</a:t>
+            </a:r>
+            <a:r>
+              <a:rPr lang="zh-TW" altLang="zh-TW" dirty="0">
+                <a:latin typeface="Times New Roman" panose="02020603050405020304" pitchFamily="18" charset="0"/>
+                <a:ea typeface="標楷體" panose="03000509000000000000" pitchFamily="65" charset="-120"/>
+              </a:rPr>
+              <a:t>輸出</a:t>
+            </a:r>
+            <a:r>
+              <a:rPr lang="en-US" altLang="zh-TW" dirty="0">
+                <a:latin typeface="Times New Roman" panose="02020603050405020304" pitchFamily="18" charset="0"/>
+                <a:ea typeface="標楷體" panose="03000509000000000000" pitchFamily="65" charset="-120"/>
+              </a:rPr>
+              <a:t>1</a:t>
+            </a:r>
+            <a:r>
+              <a:rPr lang="zh-TW" altLang="zh-TW" dirty="0">
+                <a:latin typeface="Times New Roman" panose="02020603050405020304" pitchFamily="18" charset="0"/>
+                <a:ea typeface="標楷體" panose="03000509000000000000" pitchFamily="65" charset="-120"/>
+              </a:rPr>
+              <a:t>個最大</a:t>
+            </a:r>
+            <a:r>
+              <a:rPr lang="zh-TW" altLang="en-US" dirty="0">
+                <a:latin typeface="Times New Roman" panose="02020603050405020304" pitchFamily="18" charset="0"/>
+                <a:ea typeface="標楷體" panose="03000509000000000000" pitchFamily="65" charset="-120"/>
+              </a:rPr>
+              <a:t>組</a:t>
+            </a:r>
+            <a:r>
+              <a:rPr lang="zh-TW" altLang="zh-TW" dirty="0">
+                <a:latin typeface="Times New Roman" panose="02020603050405020304" pitchFamily="18" charset="0"/>
+                <a:ea typeface="標楷體" panose="03000509000000000000" pitchFamily="65" charset="-120"/>
+              </a:rPr>
+              <a:t>數長度，</a:t>
+            </a:r>
+            <a:r>
+              <a:rPr lang="zh-TW" altLang="en-US" dirty="0">
+                <a:latin typeface="Times New Roman" panose="02020603050405020304" pitchFamily="18" charset="0"/>
+                <a:ea typeface="標楷體" panose="03000509000000000000" pitchFamily="65" charset="-120"/>
+              </a:rPr>
+              <a:t>然後依序</a:t>
+            </a:r>
+            <a:r>
+              <a:rPr lang="zh-TW" altLang="zh-TW" dirty="0">
+                <a:latin typeface="Times New Roman" panose="02020603050405020304" pitchFamily="18" charset="0"/>
+                <a:ea typeface="標楷體" panose="03000509000000000000" pitchFamily="65" charset="-120"/>
+              </a:rPr>
+              <a:t>輸出構成最大組的</a:t>
+            </a:r>
+            <a:r>
+              <a:rPr lang="en-US" altLang="zh-TW" dirty="0">
+                <a:latin typeface="Times New Roman" panose="02020603050405020304" pitchFamily="18" charset="0"/>
+                <a:ea typeface="標楷體" panose="03000509000000000000" pitchFamily="65" charset="-120"/>
+              </a:rPr>
+              <a:t>group</a:t>
+            </a:r>
+            <a:r>
+              <a:rPr lang="zh-TW" altLang="zh-TW" dirty="0">
+                <a:latin typeface="Times New Roman" panose="02020603050405020304" pitchFamily="18" charset="0"/>
+                <a:ea typeface="標楷體" panose="03000509000000000000" pitchFamily="65" charset="-120"/>
+              </a:rPr>
+              <a:t>是</a:t>
+            </a:r>
+            <a:r>
+              <a:rPr lang="zh-TW" altLang="en-US" dirty="0">
+                <a:latin typeface="Times New Roman" panose="02020603050405020304" pitchFamily="18" charset="0"/>
+                <a:ea typeface="標楷體" panose="03000509000000000000" pitchFamily="65" charset="-120"/>
+              </a:rPr>
+              <a:t>哪些，並且如何排列能夠滿足最大遞減關係將其輸出</a:t>
+            </a:r>
+            <a:r>
+              <a:rPr lang="zh-TW" altLang="zh-TW" dirty="0">
+                <a:latin typeface="Times New Roman" panose="02020603050405020304" pitchFamily="18" charset="0"/>
+                <a:ea typeface="標楷體" panose="03000509000000000000" pitchFamily="65" charset="-120"/>
+              </a:rPr>
+              <a:t>。</a:t>
+            </a:r>
+            <a:r>
+              <a:rPr lang="zh-TW" altLang="en-US" dirty="0">
+                <a:latin typeface="Times New Roman" panose="02020603050405020304" pitchFamily="18" charset="0"/>
+                <a:ea typeface="標楷體" panose="03000509000000000000" pitchFamily="65" charset="-120"/>
+              </a:rPr>
+              <a:t>每組輸出最後都要換行，各數字間以空白字元分開。</a:t>
+            </a:r>
+            <a:endParaRPr lang="en-US" altLang="zh-TW" dirty="0">
+              <a:latin typeface="Times New Roman" panose="02020603050405020304" pitchFamily="18" charset="0"/>
+              <a:ea typeface="標楷體" panose="03000509000000000000" pitchFamily="65" charset="-120"/>
+            </a:endParaRPr>
+          </a:p>
+        </p:txBody>
+      </p:sp>
+    </p:spTree>
+    <p:extLst>
+      <p:ext uri="{BB962C8B-B14F-4D97-AF65-F5344CB8AC3E}">
+        <p14:creationId xmlns:p14="http://schemas.microsoft.com/office/powerpoint/2010/main" val="1808466350"/>
+      </p:ext>
+    </p:extLst>
+  </p:cSld>
+  <p:clrMapOvr>
+    <a:masterClrMapping/>
+  </p:clrMapOvr>
+</p:sld>
+</file>
+
+<file path=ppt/slides/slide6.xml><?xml version="1.0" encoding="utf-8"?>
+<p:sld xmlns:a="http://schemas.openxmlformats.org/drawingml/2006/main" xmlns:r="http://schemas.openxmlformats.org/officeDocument/2006/relationships" xmlns:p="http://schemas.openxmlformats.org/presentationml/2006/main">
+  <p:cSld>
+    <p:spTree>
+      <p:nvGrpSpPr>
+        <p:cNvPr id="1" name=""/>
+        <p:cNvGrpSpPr/>
+        <p:nvPr/>
+      </p:nvGrpSpPr>
+      <p:grpSpPr>
+        <a:xfrm>
+          <a:off x="0" y="0"/>
+          <a:ext cx="0" cy="0"/>
+          <a:chOff x="0" y="0"/>
+          <a:chExt cx="0" cy="0"/>
+        </a:xfrm>
+      </p:grpSpPr>
+      <p:sp>
+        <p:nvSpPr>
+          <p:cNvPr id="2" name="標題 1">
+            <a:extLst>
+              <a:ext uri="{FF2B5EF4-FFF2-40B4-BE49-F238E27FC236}">
+                <a16:creationId xmlns:a16="http://schemas.microsoft.com/office/drawing/2014/main" id="{4457B8C9-56BD-4589-B5A8-9B5476310C0B}"/>
+              </a:ext>
+            </a:extLst>
+          </p:cNvPr>
+          <p:cNvSpPr>
+            <a:spLocks noGrp="1"/>
+          </p:cNvSpPr>
+          <p:nvPr>
+            <p:ph type="title"/>
+          </p:nvPr>
+        </p:nvSpPr>
+        <p:spPr/>
+        <p:txBody>
+          <a:bodyPr/>
+          <a:lstStyle/>
+          <a:p>
+            <a:r>
+              <a:rPr lang="zh-TW" altLang="en-US"/>
+              <a:t>輸入 </a:t>
+            </a:r>
+            <a:r>
+              <a:rPr lang="en-US" altLang="zh-TW"/>
+              <a:t>/</a:t>
+            </a:r>
+            <a:r>
+              <a:rPr lang="zh-TW" altLang="en-US"/>
+              <a:t> 輸出說明</a:t>
+            </a:r>
+          </a:p>
+        </p:txBody>
+      </p:sp>
+      <p:sp>
+        <p:nvSpPr>
+          <p:cNvPr id="8" name="內容版面配置區 7">
+            <a:extLst>
+              <a:ext uri="{FF2B5EF4-FFF2-40B4-BE49-F238E27FC236}">
+                <a16:creationId xmlns:a16="http://schemas.microsoft.com/office/drawing/2014/main" id="{4F8BD45E-C0B9-4189-91F3-68797BDD0952}"/>
+              </a:ext>
+            </a:extLst>
+          </p:cNvPr>
+          <p:cNvSpPr>
+            <a:spLocks noGrp="1"/>
+          </p:cNvSpPr>
+          <p:nvPr>
+            <p:ph sz="half" idx="1"/>
+          </p:nvPr>
+        </p:nvSpPr>
+        <p:spPr>
+          <a:xfrm>
+            <a:off x="482082" y="1349830"/>
+            <a:ext cx="5474581" cy="5508170"/>
+          </a:xfrm>
+        </p:spPr>
+        <p:txBody>
+          <a:bodyPr>
+            <a:noAutofit/>
+          </a:bodyPr>
+          <a:lstStyle/>
+          <a:p>
+            <a:pPr marL="0" indent="0">
+              <a:buNone/>
+            </a:pPr>
+            <a:r>
+              <a:rPr lang="zh-TW" altLang="en-US" sz="2000" b="1" dirty="0">
+                <a:latin typeface="Times New Roman" panose="02020603050405020304" pitchFamily="18" charset="0"/>
+                <a:ea typeface="標楷體" panose="03000509000000000000" pitchFamily="65" charset="-120"/>
+              </a:rPr>
+              <a:t>範例輸入：</a:t>
+            </a:r>
+            <a:endParaRPr lang="en-US" altLang="zh-TW" sz="2000" b="1" dirty="0">
+              <a:latin typeface="Times New Roman" panose="02020603050405020304" pitchFamily="18" charset="0"/>
+              <a:ea typeface="標楷體" panose="03000509000000000000" pitchFamily="65" charset="-120"/>
+            </a:endParaRPr>
+          </a:p>
+          <a:p>
+            <a:pPr marL="0" indent="0">
+              <a:buNone/>
+            </a:pPr>
+            <a:r>
+              <a:rPr lang="en-US" altLang="zh-TW" sz="2000" dirty="0">
+                <a:latin typeface="Times New Roman" panose="02020603050405020304" pitchFamily="18" charset="0"/>
+                <a:ea typeface="標楷體" panose="03000509000000000000" pitchFamily="65" charset="-120"/>
+              </a:rPr>
+              <a:t>5 10</a:t>
+            </a:r>
+          </a:p>
+          <a:p>
+            <a:pPr marL="0" indent="0">
+              <a:buNone/>
+            </a:pPr>
+            <a:r>
+              <a:rPr lang="en-US" altLang="zh-TW" sz="2000" dirty="0">
+                <a:latin typeface="Times New Roman" panose="02020603050405020304" pitchFamily="18" charset="0"/>
+                <a:ea typeface="標楷體" panose="03000509000000000000" pitchFamily="65" charset="-120"/>
+              </a:rPr>
+              <a:t>159 178 170 179 193 174 182 184 192 173</a:t>
+            </a:r>
+          </a:p>
+          <a:p>
+            <a:pPr marL="0" indent="0">
+              <a:buNone/>
+            </a:pPr>
+            <a:r>
+              <a:rPr lang="en-US" altLang="zh-TW" sz="2000" dirty="0">
+                <a:latin typeface="Times New Roman" panose="02020603050405020304" pitchFamily="18" charset="0"/>
+                <a:ea typeface="標楷體" panose="03000509000000000000" pitchFamily="65" charset="-120"/>
+              </a:rPr>
+              <a:t>188 169 164 164 173 152 170 186 157 151</a:t>
+            </a:r>
+          </a:p>
+          <a:p>
+            <a:pPr marL="0" indent="0">
+              <a:buNone/>
+            </a:pPr>
+            <a:r>
+              <a:rPr lang="en-US" altLang="zh-TW" sz="2000" dirty="0">
+                <a:latin typeface="Times New Roman" panose="02020603050405020304" pitchFamily="18" charset="0"/>
+                <a:ea typeface="標楷體" panose="03000509000000000000" pitchFamily="65" charset="-120"/>
+              </a:rPr>
+              <a:t>198 161 199 178 172 156 153 154 162 191</a:t>
+            </a:r>
+          </a:p>
+          <a:p>
+            <a:pPr marL="0" indent="0">
+              <a:buNone/>
+            </a:pPr>
+            <a:r>
+              <a:rPr lang="en-US" altLang="zh-TW" sz="2000" dirty="0">
+                <a:latin typeface="Times New Roman" panose="02020603050405020304" pitchFamily="18" charset="0"/>
+                <a:ea typeface="標楷體" panose="03000509000000000000" pitchFamily="65" charset="-120"/>
+              </a:rPr>
+              <a:t>182 170 183 188 181 199 178 178 198 176</a:t>
+            </a:r>
+          </a:p>
+          <a:p>
+            <a:pPr marL="0" indent="0">
+              <a:buNone/>
+            </a:pPr>
+            <a:r>
+              <a:rPr lang="en-US" altLang="zh-TW" sz="2000" dirty="0">
+                <a:latin typeface="Times New Roman" panose="02020603050405020304" pitchFamily="18" charset="0"/>
+                <a:ea typeface="標楷體" panose="03000509000000000000" pitchFamily="65" charset="-120"/>
+              </a:rPr>
+              <a:t>166 155 168 186 150 192 193 166 190 176</a:t>
+            </a:r>
+          </a:p>
+          <a:p>
+            <a:pPr marL="0" indent="0">
+              <a:buNone/>
+            </a:pPr>
+            <a:r>
+              <a:rPr lang="en-US" altLang="zh-TW" sz="2000" dirty="0">
+                <a:latin typeface="Times New Roman" panose="02020603050405020304" pitchFamily="18" charset="0"/>
+                <a:ea typeface="標楷體" panose="03000509000000000000" pitchFamily="65" charset="-120"/>
+              </a:rPr>
+              <a:t>0 0</a:t>
+            </a:r>
+          </a:p>
+          <a:p>
+            <a:pPr marL="0" indent="0">
+              <a:buNone/>
+            </a:pPr>
+            <a:r>
+              <a:rPr lang="zh-TW" altLang="en-US" sz="2000" b="1" dirty="0">
+                <a:latin typeface="Times New Roman" panose="02020603050405020304" pitchFamily="18" charset="0"/>
+                <a:ea typeface="標楷體" panose="03000509000000000000" pitchFamily="65" charset="-120"/>
+              </a:rPr>
+              <a:t>範例輸出：</a:t>
+            </a:r>
+            <a:endParaRPr lang="en-US" altLang="zh-TW" sz="2000" dirty="0">
+              <a:latin typeface="Times New Roman" panose="02020603050405020304" pitchFamily="18" charset="0"/>
+              <a:ea typeface="標楷體" panose="03000509000000000000" pitchFamily="65" charset="-120"/>
+            </a:endParaRPr>
+          </a:p>
+          <a:p>
+            <a:pPr marL="0" indent="0">
+              <a:buNone/>
+            </a:pPr>
+            <a:r>
+              <a:rPr lang="en-US" altLang="zh-TW" sz="2000" dirty="0">
+                <a:latin typeface="Times New Roman" panose="02020603050405020304" pitchFamily="18" charset="0"/>
+                <a:ea typeface="標楷體" panose="03000509000000000000" pitchFamily="65" charset="-120"/>
+              </a:rPr>
+              <a:t>3</a:t>
+            </a:r>
+          </a:p>
+          <a:p>
+            <a:pPr marL="0" indent="0">
+              <a:buNone/>
+            </a:pPr>
+            <a:r>
+              <a:rPr lang="en-US" altLang="zh-TW" sz="2000" dirty="0">
+                <a:latin typeface="Times New Roman" panose="02020603050405020304" pitchFamily="18" charset="0"/>
+                <a:ea typeface="標楷體" panose="03000509000000000000" pitchFamily="65" charset="-120"/>
+              </a:rPr>
+              <a:t>182 170 183 188 181 199 178 178 198 176</a:t>
+            </a:r>
+          </a:p>
+          <a:p>
+            <a:pPr marL="0" indent="0">
+              <a:buNone/>
+            </a:pPr>
+            <a:r>
+              <a:rPr lang="en-US" altLang="zh-TW" sz="2000" dirty="0">
+                <a:latin typeface="Times New Roman" panose="02020603050405020304" pitchFamily="18" charset="0"/>
+                <a:ea typeface="標楷體" panose="03000509000000000000" pitchFamily="65" charset="-120"/>
+              </a:rPr>
+              <a:t>179 159 182 184 178 193 173 174 192 170</a:t>
+            </a:r>
+          </a:p>
+          <a:p>
+            <a:pPr marL="0" indent="0">
+              <a:buNone/>
+            </a:pPr>
+            <a:r>
+              <a:rPr lang="en-US" altLang="zh-TW" sz="2000" dirty="0">
+                <a:latin typeface="Times New Roman" panose="02020603050405020304" pitchFamily="18" charset="0"/>
+                <a:ea typeface="標楷體" panose="03000509000000000000" pitchFamily="65" charset="-120"/>
+              </a:rPr>
+              <a:t>169 151 170 173 164 188 157 164 186 152</a:t>
+            </a:r>
+          </a:p>
+        </p:txBody>
+      </p:sp>
+      <p:sp>
+        <p:nvSpPr>
+          <p:cNvPr id="9" name="內容版面配置區 8">
+            <a:extLst>
+              <a:ext uri="{FF2B5EF4-FFF2-40B4-BE49-F238E27FC236}">
+                <a16:creationId xmlns:a16="http://schemas.microsoft.com/office/drawing/2014/main" id="{68958E9B-30D2-4821-8520-6F237B5A7ADE}"/>
+              </a:ext>
+            </a:extLst>
+          </p:cNvPr>
+          <p:cNvSpPr>
+            <a:spLocks noGrp="1"/>
+          </p:cNvSpPr>
+          <p:nvPr>
+            <p:ph sz="half" idx="2"/>
+          </p:nvPr>
+        </p:nvSpPr>
+        <p:spPr>
+          <a:xfrm>
+            <a:off x="6172199" y="365125"/>
+            <a:ext cx="5826967" cy="6278271"/>
+          </a:xfrm>
+        </p:spPr>
+        <p:txBody>
+          <a:bodyPr>
+            <a:noAutofit/>
+          </a:bodyPr>
+          <a:lstStyle/>
+          <a:p>
+            <a:pPr marL="0" indent="0">
+              <a:lnSpc>
+                <a:spcPct val="120000"/>
+              </a:lnSpc>
+              <a:buNone/>
+            </a:pPr>
+            <a:r>
+              <a:rPr lang="zh-TW" altLang="en-US" sz="2000" b="1" dirty="0">
+                <a:latin typeface="Times New Roman" panose="02020603050405020304" pitchFamily="18" charset="0"/>
+                <a:ea typeface="標楷體" panose="03000509000000000000" pitchFamily="65" charset="-120"/>
+              </a:rPr>
+              <a:t>說明：</a:t>
+            </a:r>
+            <a:endParaRPr lang="en-US" altLang="zh-TW" sz="2000" b="1" dirty="0">
+              <a:latin typeface="Times New Roman" panose="02020603050405020304" pitchFamily="18" charset="0"/>
+              <a:ea typeface="標楷體" panose="03000509000000000000" pitchFamily="65" charset="-120"/>
+            </a:endParaRPr>
+          </a:p>
+          <a:p>
+            <a:pPr marL="0" indent="0">
+              <a:lnSpc>
+                <a:spcPct val="120000"/>
+              </a:lnSpc>
+              <a:buNone/>
+            </a:pPr>
+            <a:r>
+              <a:rPr lang="zh-TW" altLang="en-US" sz="2000" dirty="0">
+                <a:latin typeface="Times New Roman" panose="02020603050405020304" pitchFamily="18" charset="0"/>
+                <a:ea typeface="標楷體" panose="03000509000000000000" pitchFamily="65" charset="-120"/>
+              </a:rPr>
+              <a:t>範例輸入的唯一一組測資中，</a:t>
+            </a:r>
+            <a:endParaRPr lang="en-US" altLang="zh-TW" sz="2000" dirty="0">
+              <a:latin typeface="Times New Roman" panose="02020603050405020304" pitchFamily="18" charset="0"/>
+              <a:ea typeface="標楷體" panose="03000509000000000000" pitchFamily="65" charset="-120"/>
+            </a:endParaRPr>
+          </a:p>
+          <a:p>
+            <a:pPr marL="0" indent="0">
+              <a:lnSpc>
+                <a:spcPct val="120000"/>
+              </a:lnSpc>
+              <a:buNone/>
+            </a:pPr>
+            <a:r>
+              <a:rPr lang="en-US" altLang="zh-TW" sz="2000" dirty="0">
+                <a:latin typeface="Times New Roman" panose="02020603050405020304" pitchFamily="18" charset="0"/>
+                <a:ea typeface="標楷體" panose="03000509000000000000" pitchFamily="65" charset="-120"/>
+              </a:rPr>
+              <a:t>Group1:</a:t>
+            </a:r>
+            <a:r>
+              <a:rPr lang="zh-TW" altLang="en-US" sz="2000" dirty="0">
+                <a:latin typeface="Times New Roman" panose="02020603050405020304" pitchFamily="18" charset="0"/>
+                <a:ea typeface="標楷體" panose="03000509000000000000" pitchFamily="65" charset="-120"/>
+              </a:rPr>
+              <a:t> </a:t>
+            </a:r>
+            <a:r>
+              <a:rPr lang="en-US" altLang="zh-TW" sz="2000" dirty="0">
+                <a:latin typeface="Times New Roman" panose="02020603050405020304" pitchFamily="18" charset="0"/>
+                <a:ea typeface="標楷體" panose="03000509000000000000" pitchFamily="65" charset="-120"/>
+              </a:rPr>
+              <a:t>159 178 170 179 193 174 182 184 192 173</a:t>
+            </a:r>
+          </a:p>
+          <a:p>
+            <a:pPr marL="0" indent="0">
+              <a:lnSpc>
+                <a:spcPct val="120000"/>
+              </a:lnSpc>
+              <a:buNone/>
+            </a:pPr>
+            <a:r>
+              <a:rPr lang="en-US" altLang="zh-TW" sz="2000" dirty="0">
+                <a:latin typeface="Times New Roman" panose="02020603050405020304" pitchFamily="18" charset="0"/>
+                <a:ea typeface="標楷體" panose="03000509000000000000" pitchFamily="65" charset="-120"/>
+              </a:rPr>
+              <a:t>Group2:</a:t>
+            </a:r>
+            <a:r>
+              <a:rPr lang="zh-TW" altLang="en-US" sz="2000" dirty="0">
+                <a:latin typeface="Times New Roman" panose="02020603050405020304" pitchFamily="18" charset="0"/>
+                <a:ea typeface="標楷體" panose="03000509000000000000" pitchFamily="65" charset="-120"/>
+              </a:rPr>
+              <a:t> </a:t>
+            </a:r>
+            <a:r>
+              <a:rPr lang="en-US" altLang="zh-TW" sz="2000" dirty="0">
+                <a:latin typeface="Times New Roman" panose="02020603050405020304" pitchFamily="18" charset="0"/>
+                <a:ea typeface="標楷體" panose="03000509000000000000" pitchFamily="65" charset="-120"/>
+              </a:rPr>
+              <a:t>188 169 164 164 173 152 170 186 157 151</a:t>
+            </a:r>
+          </a:p>
+          <a:p>
+            <a:pPr marL="0" indent="0">
+              <a:lnSpc>
+                <a:spcPct val="120000"/>
+              </a:lnSpc>
+              <a:buNone/>
+            </a:pPr>
+            <a:r>
+              <a:rPr lang="en-US" altLang="zh-TW" sz="2000" dirty="0">
+                <a:latin typeface="Times New Roman" panose="02020603050405020304" pitchFamily="18" charset="0"/>
+                <a:ea typeface="標楷體" panose="03000509000000000000" pitchFamily="65" charset="-120"/>
+              </a:rPr>
+              <a:t>Group3:</a:t>
+            </a:r>
+            <a:r>
+              <a:rPr lang="zh-TW" altLang="en-US" sz="2000" dirty="0">
+                <a:latin typeface="Times New Roman" panose="02020603050405020304" pitchFamily="18" charset="0"/>
+                <a:ea typeface="標楷體" panose="03000509000000000000" pitchFamily="65" charset="-120"/>
+              </a:rPr>
+              <a:t> </a:t>
+            </a:r>
+            <a:r>
+              <a:rPr lang="en-US" altLang="zh-TW" sz="2000" dirty="0">
+                <a:latin typeface="Times New Roman" panose="02020603050405020304" pitchFamily="18" charset="0"/>
+                <a:ea typeface="標楷體" panose="03000509000000000000" pitchFamily="65" charset="-120"/>
+              </a:rPr>
+              <a:t>198 161 199 178 172 156 153 154 162 191</a:t>
+            </a:r>
+          </a:p>
+          <a:p>
+            <a:pPr marL="0" indent="0">
+              <a:lnSpc>
+                <a:spcPct val="120000"/>
+              </a:lnSpc>
+              <a:buNone/>
+            </a:pPr>
+            <a:r>
+              <a:rPr lang="en-US" altLang="zh-TW" sz="2000" dirty="0">
+                <a:latin typeface="Times New Roman" panose="02020603050405020304" pitchFamily="18" charset="0"/>
+                <a:ea typeface="標楷體" panose="03000509000000000000" pitchFamily="65" charset="-120"/>
+              </a:rPr>
+              <a:t>Group4:</a:t>
+            </a:r>
+            <a:r>
+              <a:rPr lang="zh-TW" altLang="en-US" sz="2000" dirty="0">
+                <a:latin typeface="Times New Roman" panose="02020603050405020304" pitchFamily="18" charset="0"/>
+                <a:ea typeface="標楷體" panose="03000509000000000000" pitchFamily="65" charset="-120"/>
+              </a:rPr>
+              <a:t> </a:t>
+            </a:r>
+            <a:r>
+              <a:rPr lang="en-US" altLang="zh-TW" sz="2000" dirty="0">
+                <a:latin typeface="Times New Roman" panose="02020603050405020304" pitchFamily="18" charset="0"/>
+                <a:ea typeface="標楷體" panose="03000509000000000000" pitchFamily="65" charset="-120"/>
+              </a:rPr>
+              <a:t>182 170 183 188 181 199 178 178 198 176</a:t>
+            </a:r>
+          </a:p>
+          <a:p>
+            <a:pPr marL="0" indent="0">
+              <a:lnSpc>
+                <a:spcPct val="120000"/>
+              </a:lnSpc>
+              <a:buNone/>
+            </a:pPr>
+            <a:r>
+              <a:rPr lang="en-US" altLang="zh-TW" sz="2000" dirty="0">
+                <a:latin typeface="Times New Roman" panose="02020603050405020304" pitchFamily="18" charset="0"/>
+                <a:ea typeface="標楷體" panose="03000509000000000000" pitchFamily="65" charset="-120"/>
+              </a:rPr>
+              <a:t>Group5:</a:t>
+            </a:r>
+            <a:r>
+              <a:rPr lang="zh-TW" altLang="en-US" sz="2000" dirty="0">
+                <a:latin typeface="Times New Roman" panose="02020603050405020304" pitchFamily="18" charset="0"/>
+                <a:ea typeface="標楷體" panose="03000509000000000000" pitchFamily="65" charset="-120"/>
+              </a:rPr>
+              <a:t> </a:t>
+            </a:r>
+            <a:r>
+              <a:rPr lang="en-US" altLang="zh-TW" sz="2000" dirty="0">
+                <a:latin typeface="Times New Roman" panose="02020603050405020304" pitchFamily="18" charset="0"/>
+                <a:ea typeface="標楷體" panose="03000509000000000000" pitchFamily="65" charset="-120"/>
+              </a:rPr>
+              <a:t>166 155 168 186 150 192 193 166 190 176</a:t>
+            </a:r>
+          </a:p>
+          <a:p>
+            <a:pPr marL="0" indent="0">
+              <a:lnSpc>
+                <a:spcPct val="120000"/>
+              </a:lnSpc>
+              <a:buNone/>
+            </a:pPr>
+            <a:r>
+              <a:rPr lang="zh-TW" altLang="en-US" sz="2000" dirty="0">
+                <a:latin typeface="Times New Roman" panose="02020603050405020304" pitchFamily="18" charset="0"/>
+                <a:ea typeface="標楷體" panose="03000509000000000000" pitchFamily="65" charset="-120"/>
+              </a:rPr>
+              <a:t>更動數列後，最多可得</a:t>
+            </a:r>
+            <a:r>
+              <a:rPr lang="en-US" altLang="zh-TW" sz="2000" dirty="0">
+                <a:latin typeface="Times New Roman" panose="02020603050405020304" pitchFamily="18" charset="0"/>
+                <a:ea typeface="標楷體" panose="03000509000000000000" pitchFamily="65" charset="-120"/>
+              </a:rPr>
+              <a:t>3</a:t>
+            </a:r>
+            <a:r>
+              <a:rPr lang="zh-TW" altLang="en-US" sz="2000" dirty="0">
+                <a:latin typeface="Times New Roman" panose="02020603050405020304" pitchFamily="18" charset="0"/>
+                <a:ea typeface="標楷體" panose="03000509000000000000" pitchFamily="65" charset="-120"/>
+              </a:rPr>
+              <a:t>個以下排列的</a:t>
+            </a:r>
+            <a:r>
+              <a:rPr lang="en-US" altLang="zh-TW" sz="2000" dirty="0">
+                <a:latin typeface="Times New Roman" panose="02020603050405020304" pitchFamily="18" charset="0"/>
+                <a:ea typeface="標楷體" panose="03000509000000000000" pitchFamily="65" charset="-120"/>
+              </a:rPr>
+              <a:t>group(s)</a:t>
+            </a:r>
+            <a:r>
+              <a:rPr lang="zh-TW" altLang="en-US" sz="2000" dirty="0">
+                <a:latin typeface="Times New Roman" panose="02020603050405020304" pitchFamily="18" charset="0"/>
+                <a:ea typeface="標楷體" panose="03000509000000000000" pitchFamily="65" charset="-120"/>
+              </a:rPr>
+              <a:t>符合題意要求：</a:t>
+            </a:r>
+            <a:endParaRPr lang="en-US" altLang="zh-TW" sz="2000" dirty="0">
+              <a:latin typeface="Times New Roman" panose="02020603050405020304" pitchFamily="18" charset="0"/>
+              <a:ea typeface="標楷體" panose="03000509000000000000" pitchFamily="65" charset="-120"/>
+            </a:endParaRPr>
+          </a:p>
+          <a:p>
+            <a:pPr marL="0" indent="0">
+              <a:lnSpc>
+                <a:spcPct val="120000"/>
+              </a:lnSpc>
+              <a:buNone/>
+            </a:pPr>
+            <a:r>
+              <a:rPr lang="en-US" altLang="zh-TW" sz="2000" dirty="0">
+                <a:latin typeface="Times New Roman" panose="02020603050405020304" pitchFamily="18" charset="0"/>
+                <a:ea typeface="標楷體" panose="03000509000000000000" pitchFamily="65" charset="-120"/>
+              </a:rPr>
+              <a:t>Group 4: 182 170 183 188 181 199 178 178 198 176</a:t>
+            </a:r>
+          </a:p>
+          <a:p>
+            <a:pPr marL="0" indent="0">
+              <a:lnSpc>
+                <a:spcPct val="120000"/>
+              </a:lnSpc>
+              <a:buNone/>
+            </a:pPr>
+            <a:r>
+              <a:rPr lang="en-US" altLang="zh-TW" sz="2000" dirty="0">
+                <a:latin typeface="Times New Roman" panose="02020603050405020304" pitchFamily="18" charset="0"/>
+                <a:ea typeface="標楷體" panose="03000509000000000000" pitchFamily="65" charset="-120"/>
+              </a:rPr>
+              <a:t>Group 1: 179 159 182 184 178 193 173 174 192 170</a:t>
+            </a:r>
+          </a:p>
+          <a:p>
+            <a:pPr marL="0" indent="0">
+              <a:lnSpc>
+                <a:spcPct val="120000"/>
+              </a:lnSpc>
+              <a:buNone/>
+            </a:pPr>
+            <a:r>
+              <a:rPr lang="en-US" altLang="zh-TW" sz="2000" dirty="0">
+                <a:latin typeface="Times New Roman" panose="02020603050405020304" pitchFamily="18" charset="0"/>
+                <a:ea typeface="標楷體" panose="03000509000000000000" pitchFamily="65" charset="-120"/>
+              </a:rPr>
+              <a:t>Group 2: 169 151 170 173 164 188 157 164 186 152</a:t>
+            </a:r>
+          </a:p>
+          <a:p>
+            <a:pPr marL="0" indent="0">
+              <a:lnSpc>
+                <a:spcPct val="120000"/>
+              </a:lnSpc>
+              <a:buNone/>
+            </a:pPr>
+            <a:r>
+              <a:rPr lang="zh-TW" altLang="en-US" sz="2000" dirty="0">
+                <a:latin typeface="Times New Roman" panose="02020603050405020304" pitchFamily="18" charset="0"/>
+                <a:ea typeface="標楷體" panose="03000509000000000000" pitchFamily="65" charset="-120"/>
+              </a:rPr>
+              <a:t>因此輸出為</a:t>
+            </a:r>
+            <a:r>
+              <a:rPr lang="en-US" altLang="zh-TW" sz="2000" dirty="0">
+                <a:latin typeface="Times New Roman" panose="02020603050405020304" pitchFamily="18" charset="0"/>
+                <a:ea typeface="標楷體" panose="03000509000000000000" pitchFamily="65" charset="-120"/>
+              </a:rPr>
+              <a:t>3</a:t>
+            </a:r>
+            <a:r>
+              <a:rPr lang="zh-TW" altLang="en-US" sz="2000" dirty="0">
+                <a:latin typeface="Times New Roman" panose="02020603050405020304" pitchFamily="18" charset="0"/>
+                <a:ea typeface="標楷體" panose="03000509000000000000" pitchFamily="65" charset="-120"/>
+              </a:rPr>
+              <a:t>，以及對應的群如何排列</a:t>
+            </a:r>
+            <a:endParaRPr lang="en-US" altLang="zh-TW" sz="2000" dirty="0">
+              <a:latin typeface="Times New Roman" panose="02020603050405020304" pitchFamily="18" charset="0"/>
+              <a:ea typeface="標楷體" panose="03000509000000000000" pitchFamily="65" charset="-120"/>
+            </a:endParaRPr>
+          </a:p>
+        </p:txBody>
+      </p:sp>
+    </p:spTree>
+    <p:extLst>
+      <p:ext uri="{BB962C8B-B14F-4D97-AF65-F5344CB8AC3E}">
+        <p14:creationId xmlns:p14="http://schemas.microsoft.com/office/powerpoint/2010/main" val="1574631227"/>
+      </p:ext>
+    </p:extLst>
+  </p:cSld>
+  <p:clrMapOvr>
+    <a:masterClrMapping/>
+  </p:clrMapOvr>
+</p:sld>
+</file>
+
+<file path=ppt/slides/slide7.xml><?xml version="1.0" encoding="utf-8"?>
+<p:sld xmlns:a="http://schemas.openxmlformats.org/drawingml/2006/main" xmlns:r="http://schemas.openxmlformats.org/officeDocument/2006/relationships" xmlns:p="http://schemas.openxmlformats.org/presentationml/2006/main">
+  <p:cSld>
+    <p:spTree>
+      <p:nvGrpSpPr>
+        <p:cNvPr id="1" name=""/>
+        <p:cNvGrpSpPr/>
+        <p:nvPr/>
+      </p:nvGrpSpPr>
+      <p:grpSpPr>
+        <a:xfrm>
+          <a:off x="0" y="0"/>
+          <a:ext cx="0" cy="0"/>
+          <a:chOff x="0" y="0"/>
+          <a:chExt cx="0" cy="0"/>
+        </a:xfrm>
+      </p:grpSpPr>
+      <p:sp>
+        <p:nvSpPr>
+          <p:cNvPr id="2" name="標題 1"/>
+          <p:cNvSpPr>
+            <a:spLocks noGrp="1"/>
+          </p:cNvSpPr>
+          <p:nvPr>
+            <p:ph type="title"/>
+          </p:nvPr>
+        </p:nvSpPr>
+        <p:spPr/>
+        <p:txBody>
+          <a:bodyPr/>
+          <a:lstStyle/>
+          <a:p>
+            <a:r>
+              <a:rPr lang="zh-TW" altLang="en-US" dirty="0"/>
+              <a:t>解題想法</a:t>
+            </a:r>
+          </a:p>
+        </p:txBody>
+      </p:sp>
+      <p:sp>
+        <p:nvSpPr>
+          <p:cNvPr id="3" name="內容版面配置區 2"/>
+          <p:cNvSpPr>
+            <a:spLocks noGrp="1"/>
+          </p:cNvSpPr>
+          <p:nvPr>
+            <p:ph sz="half" idx="1"/>
+          </p:nvPr>
+        </p:nvSpPr>
+        <p:spPr>
+          <a:xfrm>
+            <a:off x="838200" y="1825625"/>
+            <a:ext cx="10378440" cy="4351338"/>
+          </a:xfrm>
+        </p:spPr>
+        <p:txBody>
+          <a:bodyPr>
+            <a:normAutofit/>
+          </a:bodyPr>
+          <a:lstStyle/>
+          <a:p>
+            <a:pPr>
+              <a:lnSpc>
+                <a:spcPct val="100000"/>
+              </a:lnSpc>
+            </a:pPr>
+            <a:r>
+              <a:rPr lang="zh-TW" altLang="en-US" dirty="0">
+                <a:latin typeface="Times New Roman" panose="02020603050405020304" pitchFamily="18" charset="0"/>
+                <a:ea typeface="標楷體" panose="03000509000000000000" pitchFamily="65" charset="-120"/>
+              </a:rPr>
+              <a:t>暴力法</a:t>
+            </a:r>
+            <a:r>
+              <a:rPr lang="en-US" altLang="zh-TW" dirty="0">
+                <a:latin typeface="Times New Roman" panose="02020603050405020304" pitchFamily="18" charset="0"/>
+                <a:ea typeface="標楷體" panose="03000509000000000000" pitchFamily="65" charset="-120"/>
+              </a:rPr>
+              <a:t>:</a:t>
+            </a:r>
+            <a:r>
+              <a:rPr lang="zh-TW" altLang="en-US" dirty="0">
+                <a:latin typeface="Times New Roman" panose="02020603050405020304" pitchFamily="18" charset="0"/>
+                <a:ea typeface="標楷體" panose="03000509000000000000" pitchFamily="65" charset="-120"/>
+              </a:rPr>
+              <a:t> </a:t>
+            </a:r>
+            <a:r>
+              <a:rPr lang="en-US" altLang="zh-TW" dirty="0">
+                <a:latin typeface="Times New Roman" panose="02020603050405020304" pitchFamily="18" charset="0"/>
+                <a:ea typeface="標楷體" panose="03000509000000000000" pitchFamily="65" charset="-120"/>
+              </a:rPr>
+              <a:t>2^N</a:t>
+            </a:r>
+          </a:p>
+          <a:p>
+            <a:pPr marL="0" indent="0">
+              <a:lnSpc>
+                <a:spcPct val="100000"/>
+              </a:lnSpc>
+              <a:buNone/>
+            </a:pPr>
+            <a:endParaRPr lang="en-US" altLang="zh-TW" dirty="0">
+              <a:latin typeface="Times New Roman" panose="02020603050405020304" pitchFamily="18" charset="0"/>
+              <a:ea typeface="標楷體" panose="03000509000000000000" pitchFamily="65" charset="-120"/>
+            </a:endParaRPr>
+          </a:p>
+          <a:p>
+            <a:pPr>
+              <a:lnSpc>
+                <a:spcPct val="100000"/>
+              </a:lnSpc>
+            </a:pPr>
+            <a:r>
+              <a:rPr lang="zh-TW" altLang="en-US" dirty="0">
+                <a:latin typeface="Times New Roman" panose="02020603050405020304" pitchFamily="18" charset="0"/>
+                <a:ea typeface="標楷體" panose="03000509000000000000" pitchFamily="65" charset="-120"/>
+              </a:rPr>
+              <a:t>枚舉所有可能，每個名單都可以刪除或不刪除。每個可能檢查是否滿足肥宅隊伍定義</a:t>
+            </a:r>
+            <a:endParaRPr lang="en-US" altLang="zh-TW" dirty="0">
+              <a:latin typeface="Times New Roman" panose="02020603050405020304" pitchFamily="18" charset="0"/>
+              <a:ea typeface="標楷體" panose="03000509000000000000" pitchFamily="65" charset="-120"/>
+            </a:endParaRPr>
+          </a:p>
+          <a:p>
+            <a:pPr>
+              <a:lnSpc>
+                <a:spcPct val="100000"/>
+              </a:lnSpc>
+            </a:pPr>
+            <a:endParaRPr lang="en-US" altLang="zh-TW" dirty="0">
+              <a:latin typeface="Times New Roman" panose="02020603050405020304" pitchFamily="18" charset="0"/>
+              <a:ea typeface="標楷體" panose="03000509000000000000" pitchFamily="65" charset="-120"/>
+            </a:endParaRPr>
+          </a:p>
+        </p:txBody>
+      </p:sp>
+    </p:spTree>
+    <p:extLst>
+      <p:ext uri="{BB962C8B-B14F-4D97-AF65-F5344CB8AC3E}">
+        <p14:creationId xmlns:p14="http://schemas.microsoft.com/office/powerpoint/2010/main" val="2918758940"/>
+      </p:ext>
+    </p:extLst>
+  </p:cSld>
+  <p:clrMapOvr>
+    <a:masterClrMapping/>
+  </p:clrMapOvr>
+</p:sld>
+</file>
+
+<file path=ppt/slides/slide8.xml><?xml version="1.0" encoding="utf-8"?>
+<p:sld xmlns:a="http://schemas.openxmlformats.org/drawingml/2006/main" xmlns:r="http://schemas.openxmlformats.org/officeDocument/2006/relationships" xmlns:p="http://schemas.openxmlformats.org/presentationml/2006/main">
+  <p:cSld>
+    <p:spTree>
+      <p:nvGrpSpPr>
+        <p:cNvPr id="1" name=""/>
+        <p:cNvGrpSpPr/>
+        <p:nvPr/>
+      </p:nvGrpSpPr>
+      <p:grpSpPr>
+        <a:xfrm>
+          <a:off x="0" y="0"/>
+          <a:ext cx="0" cy="0"/>
+          <a:chOff x="0" y="0"/>
+          <a:chExt cx="0" cy="0"/>
+        </a:xfrm>
+      </p:grpSpPr>
+      <p:sp>
+        <p:nvSpPr>
+          <p:cNvPr id="2" name="標題 1"/>
+          <p:cNvSpPr>
+            <a:spLocks noGrp="1"/>
+          </p:cNvSpPr>
+          <p:nvPr>
+            <p:ph type="title"/>
+          </p:nvPr>
+        </p:nvSpPr>
+        <p:spPr/>
+        <p:txBody>
+          <a:bodyPr/>
+          <a:lstStyle/>
+          <a:p>
+            <a:r>
+              <a:rPr lang="zh-TW" altLang="en-US" dirty="0"/>
+              <a:t>解題想法</a:t>
+            </a:r>
+          </a:p>
+        </p:txBody>
+      </p:sp>
+      <p:sp>
+        <p:nvSpPr>
+          <p:cNvPr id="3" name="內容版面配置區 2"/>
+          <p:cNvSpPr>
+            <a:spLocks noGrp="1"/>
+          </p:cNvSpPr>
+          <p:nvPr>
+            <p:ph sz="half" idx="1"/>
+          </p:nvPr>
+        </p:nvSpPr>
+        <p:spPr>
+          <a:xfrm>
+            <a:off x="838200" y="1825625"/>
+            <a:ext cx="10378440" cy="4351338"/>
+          </a:xfrm>
+        </p:spPr>
+        <p:txBody>
+          <a:bodyPr>
+            <a:normAutofit/>
+          </a:bodyPr>
+          <a:lstStyle/>
+          <a:p>
+            <a:pPr>
+              <a:lnSpc>
+                <a:spcPct val="100000"/>
+              </a:lnSpc>
+            </a:pPr>
+            <a:r>
+              <a:rPr lang="zh-TW" altLang="en-US" dirty="0">
+                <a:latin typeface="Times New Roman" panose="02020603050405020304" pitchFamily="18" charset="0"/>
+                <a:ea typeface="標楷體" panose="03000509000000000000" pitchFamily="65" charset="-120"/>
+              </a:rPr>
+              <a:t>名單列表中先將重複名字去除</a:t>
+            </a:r>
+            <a:endParaRPr lang="en-US" altLang="zh-TW" dirty="0">
+              <a:latin typeface="Times New Roman" panose="02020603050405020304" pitchFamily="18" charset="0"/>
+              <a:ea typeface="標楷體" panose="03000509000000000000" pitchFamily="65" charset="-120"/>
+            </a:endParaRPr>
+          </a:p>
+          <a:p>
+            <a:pPr>
+              <a:lnSpc>
+                <a:spcPct val="100000"/>
+              </a:lnSpc>
+            </a:pPr>
+            <a:r>
+              <a:rPr lang="zh-TW" altLang="en-US" dirty="0">
+                <a:latin typeface="Times New Roman" panose="02020603050405020304" pitchFamily="18" charset="0"/>
+                <a:ea typeface="標楷體" panose="03000509000000000000" pitchFamily="65" charset="-120"/>
+              </a:rPr>
+              <a:t>總價值是可以比較的</a:t>
+            </a:r>
+            <a:endParaRPr lang="en-US" altLang="zh-TW" dirty="0">
+              <a:latin typeface="Times New Roman" panose="02020603050405020304" pitchFamily="18" charset="0"/>
+              <a:ea typeface="標楷體" panose="03000509000000000000" pitchFamily="65" charset="-120"/>
+            </a:endParaRPr>
+          </a:p>
+          <a:p>
+            <a:pPr>
+              <a:lnSpc>
+                <a:spcPct val="100000"/>
+              </a:lnSpc>
+            </a:pPr>
+            <a:r>
+              <a:rPr lang="zh-TW" altLang="en-US" dirty="0">
+                <a:latin typeface="Times New Roman" panose="02020603050405020304" pitchFamily="18" charset="0"/>
+                <a:ea typeface="標楷體" panose="03000509000000000000" pitchFamily="65" charset="-120"/>
+              </a:rPr>
+              <a:t>刪除最少名單項目 </a:t>
+            </a:r>
+            <a:r>
+              <a:rPr lang="en-US" altLang="zh-TW" dirty="0">
+                <a:latin typeface="Times New Roman" panose="02020603050405020304" pitchFamily="18" charset="0"/>
+                <a:ea typeface="標楷體" panose="03000509000000000000" pitchFamily="65" charset="-120"/>
+              </a:rPr>
+              <a:t>=</a:t>
+            </a:r>
+            <a:r>
+              <a:rPr lang="zh-TW" altLang="en-US">
+                <a:latin typeface="Times New Roman" panose="02020603050405020304" pitchFamily="18" charset="0"/>
+                <a:ea typeface="標楷體" panose="03000509000000000000" pitchFamily="65" charset="-120"/>
+              </a:rPr>
+              <a:t> 找到一個最長名單項目</a:t>
+            </a:r>
+            <a:endParaRPr lang="en-US" altLang="zh-TW" dirty="0">
+              <a:latin typeface="Times New Roman" panose="02020603050405020304" pitchFamily="18" charset="0"/>
+              <a:ea typeface="標楷體" panose="03000509000000000000" pitchFamily="65" charset="-120"/>
+            </a:endParaRPr>
+          </a:p>
+          <a:p>
+            <a:pPr>
+              <a:lnSpc>
+                <a:spcPct val="100000"/>
+              </a:lnSpc>
+            </a:pPr>
+            <a:r>
+              <a:rPr lang="zh-TW" altLang="en-US" dirty="0">
+                <a:latin typeface="Times New Roman" panose="02020603050405020304" pitchFamily="18" charset="0"/>
+                <a:ea typeface="標楷體" panose="03000509000000000000" pitchFamily="65" charset="-120"/>
+              </a:rPr>
+              <a:t>找到最長名單排列</a:t>
+            </a:r>
+            <a:r>
+              <a:rPr lang="en-US" altLang="zh-TW" dirty="0">
+                <a:latin typeface="Times New Roman" panose="02020603050405020304" pitchFamily="18" charset="0"/>
+                <a:ea typeface="標楷體" panose="03000509000000000000" pitchFamily="65" charset="-120"/>
+              </a:rPr>
+              <a:t>(</a:t>
+            </a:r>
+            <a:r>
+              <a:rPr lang="zh-TW" altLang="en-US" dirty="0">
+                <a:latin typeface="Times New Roman" panose="02020603050405020304" pitchFamily="18" charset="0"/>
+                <a:ea typeface="標楷體" panose="03000509000000000000" pitchFamily="65" charset="-120"/>
+              </a:rPr>
+              <a:t>價值遞減</a:t>
+            </a:r>
+            <a:r>
+              <a:rPr lang="en-US" altLang="zh-TW" dirty="0">
+                <a:latin typeface="Times New Roman" panose="02020603050405020304" pitchFamily="18" charset="0"/>
+                <a:ea typeface="標楷體" panose="03000509000000000000" pitchFamily="65" charset="-120"/>
+              </a:rPr>
+              <a:t>)</a:t>
+            </a:r>
+            <a:r>
+              <a:rPr lang="zh-TW" altLang="en-US" dirty="0">
+                <a:latin typeface="Times New Roman" panose="02020603050405020304" pitchFamily="18" charset="0"/>
+                <a:ea typeface="標楷體" panose="03000509000000000000" pitchFamily="65" charset="-120"/>
+              </a:rPr>
+              <a:t> </a:t>
+            </a:r>
+            <a:r>
+              <a:rPr lang="en-US" altLang="zh-TW" dirty="0">
+                <a:latin typeface="Times New Roman" panose="02020603050405020304" pitchFamily="18" charset="0"/>
+                <a:ea typeface="標楷體" panose="03000509000000000000" pitchFamily="65" charset="-120"/>
+              </a:rPr>
+              <a:t>=&gt;</a:t>
+            </a:r>
+            <a:r>
+              <a:rPr lang="zh-TW" altLang="en-US" dirty="0">
+                <a:latin typeface="Times New Roman" panose="02020603050405020304" pitchFamily="18" charset="0"/>
+                <a:ea typeface="標楷體" panose="03000509000000000000" pitchFamily="65" charset="-120"/>
+              </a:rPr>
+              <a:t> </a:t>
+            </a:r>
+            <a:r>
+              <a:rPr lang="en-US" altLang="zh-TW" dirty="0">
+                <a:latin typeface="Times New Roman" panose="02020603050405020304" pitchFamily="18" charset="0"/>
+                <a:ea typeface="標楷體" panose="03000509000000000000" pitchFamily="65" charset="-120"/>
+              </a:rPr>
+              <a:t>LDS</a:t>
+            </a:r>
+          </a:p>
+          <a:p>
+            <a:pPr>
+              <a:lnSpc>
+                <a:spcPct val="100000"/>
+              </a:lnSpc>
+            </a:pPr>
+            <a:r>
+              <a:rPr lang="zh-TW" altLang="en-US" dirty="0">
+                <a:latin typeface="Times New Roman" panose="02020603050405020304" pitchFamily="18" charset="0"/>
+                <a:ea typeface="標楷體" panose="03000509000000000000" pitchFamily="65" charset="-120"/>
+              </a:rPr>
+              <a:t>紀錄最早出現的</a:t>
+            </a:r>
+            <a:r>
+              <a:rPr lang="en-US" altLang="zh-TW" dirty="0">
+                <a:latin typeface="Times New Roman" panose="02020603050405020304" pitchFamily="18" charset="0"/>
+                <a:ea typeface="標楷體" panose="03000509000000000000" pitchFamily="65" charset="-120"/>
+              </a:rPr>
+              <a:t>LDS</a:t>
+            </a:r>
+          </a:p>
+          <a:p>
+            <a:pPr marL="0" indent="0">
+              <a:lnSpc>
+                <a:spcPct val="100000"/>
+              </a:lnSpc>
+              <a:buNone/>
+            </a:pPr>
+            <a:endParaRPr lang="en-US" altLang="zh-TW" dirty="0">
+              <a:latin typeface="Times New Roman" panose="02020603050405020304" pitchFamily="18" charset="0"/>
+              <a:ea typeface="標楷體" panose="03000509000000000000" pitchFamily="65" charset="-120"/>
+            </a:endParaRPr>
+          </a:p>
+          <a:p>
+            <a:pPr marL="0" indent="0">
+              <a:lnSpc>
+                <a:spcPct val="100000"/>
+              </a:lnSpc>
+              <a:buNone/>
+            </a:pPr>
+            <a:r>
+              <a:rPr lang="zh-TW" altLang="en-US" dirty="0">
+                <a:latin typeface="Times New Roman" panose="02020603050405020304" pitchFamily="18" charset="0"/>
+                <a:ea typeface="標楷體" panose="03000509000000000000" pitchFamily="65" charset="-120"/>
+              </a:rPr>
+              <a:t>動態規劃</a:t>
+            </a:r>
+            <a:r>
+              <a:rPr lang="en-US" altLang="zh-TW" dirty="0">
+                <a:latin typeface="Times New Roman" panose="02020603050405020304" pitchFamily="18" charset="0"/>
+                <a:ea typeface="標楷體" panose="03000509000000000000" pitchFamily="65" charset="-120"/>
+              </a:rPr>
+              <a:t>:</a:t>
+            </a:r>
+            <a:r>
+              <a:rPr lang="zh-TW" altLang="en-US" dirty="0">
+                <a:latin typeface="Times New Roman" panose="02020603050405020304" pitchFamily="18" charset="0"/>
+                <a:ea typeface="標楷體" panose="03000509000000000000" pitchFamily="65" charset="-120"/>
+              </a:rPr>
+              <a:t> </a:t>
+            </a:r>
+            <a:r>
+              <a:rPr lang="en-US" altLang="zh-TW" dirty="0">
+                <a:latin typeface="Times New Roman" panose="02020603050405020304" pitchFamily="18" charset="0"/>
+                <a:ea typeface="標楷體" panose="03000509000000000000" pitchFamily="65" charset="-120"/>
+              </a:rPr>
+              <a:t>O(N^2)</a:t>
+            </a:r>
+            <a:r>
+              <a:rPr lang="zh-TW" altLang="en-US" dirty="0">
+                <a:latin typeface="Times New Roman" panose="02020603050405020304" pitchFamily="18" charset="0"/>
+                <a:ea typeface="標楷體" panose="03000509000000000000" pitchFamily="65" charset="-120"/>
+              </a:rPr>
+              <a:t> </a:t>
+            </a:r>
+            <a:r>
+              <a:rPr lang="en-US" altLang="zh-TW" dirty="0">
+                <a:latin typeface="Times New Roman" panose="02020603050405020304" pitchFamily="18" charset="0"/>
+                <a:ea typeface="標楷體" panose="03000509000000000000" pitchFamily="65" charset="-120"/>
+              </a:rPr>
+              <a:t>or O(</a:t>
+            </a:r>
+            <a:r>
+              <a:rPr lang="en-US" altLang="zh-TW" dirty="0" err="1">
+                <a:latin typeface="Times New Roman" panose="02020603050405020304" pitchFamily="18" charset="0"/>
+                <a:ea typeface="標楷體" panose="03000509000000000000" pitchFamily="65" charset="-120"/>
+              </a:rPr>
+              <a:t>NlogN</a:t>
+            </a:r>
+            <a:r>
+              <a:rPr lang="en-US" altLang="zh-TW" dirty="0">
+                <a:latin typeface="Times New Roman" panose="02020603050405020304" pitchFamily="18" charset="0"/>
+                <a:ea typeface="標楷體" panose="03000509000000000000" pitchFamily="65" charset="-120"/>
+              </a:rPr>
+              <a:t>)</a:t>
+            </a:r>
+          </a:p>
+        </p:txBody>
+      </p:sp>
+    </p:spTree>
+    <p:extLst>
+      <p:ext uri="{BB962C8B-B14F-4D97-AF65-F5344CB8AC3E}">
+        <p14:creationId xmlns:p14="http://schemas.microsoft.com/office/powerpoint/2010/main" val="3566339620"/>
+      </p:ext>
+    </p:extLst>
+  </p:cSld>
+  <p:clrMapOvr>
+    <a:masterClrMapping/>
+  </p:clrMapOvr>
+</p:sld>
+</file>
+
+<file path=ppt/slides/slide9.xml><?xml version="1.0" encoding="utf-8"?>
+<p:sld xmlns:a="http://schemas.openxmlformats.org/drawingml/2006/main" xmlns:r="http://schemas.openxmlformats.org/officeDocument/2006/relationships" xmlns:p="http://schemas.openxmlformats.org/presentationml/2006/main">
+  <p:cSld>
+    <p:spTree>
+      <p:nvGrpSpPr>
+        <p:cNvPr id="1" name=""/>
+        <p:cNvGrpSpPr/>
+        <p:nvPr/>
+      </p:nvGrpSpPr>
+      <p:grpSpPr>
+        <a:xfrm>
+          <a:off x="0" y="0"/>
+          <a:ext cx="0" cy="0"/>
+          <a:chOff x="0" y="0"/>
+          <a:chExt cx="0" cy="0"/>
+        </a:xfrm>
+      </p:grpSpPr>
+      <p:sp>
+        <p:nvSpPr>
+          <p:cNvPr id="2" name="標題 1"/>
+          <p:cNvSpPr>
+            <a:spLocks noGrp="1"/>
+          </p:cNvSpPr>
+          <p:nvPr>
+            <p:ph type="title"/>
+          </p:nvPr>
+        </p:nvSpPr>
+        <p:spPr/>
+        <p:txBody>
+          <a:bodyPr/>
+          <a:lstStyle/>
+          <a:p>
+            <a:r>
+              <a:rPr lang="en-US" altLang="zh-TW" dirty="0">
+                <a:latin typeface="+mn-lt"/>
+                <a:ea typeface="+mn-ea"/>
+              </a:rPr>
+              <a:t>Robinson-</a:t>
+            </a:r>
+            <a:r>
+              <a:rPr lang="en-US" altLang="zh-TW" dirty="0" err="1">
+                <a:latin typeface="+mn-lt"/>
+                <a:ea typeface="+mn-ea"/>
+              </a:rPr>
+              <a:t>Schensted</a:t>
+            </a:r>
+            <a:r>
+              <a:rPr lang="en-US" altLang="zh-TW" dirty="0">
+                <a:latin typeface="+mn-lt"/>
+                <a:ea typeface="+mn-ea"/>
+              </a:rPr>
+              <a:t>-Knuth Algorithm</a:t>
+            </a:r>
+          </a:p>
+        </p:txBody>
+      </p:sp>
+      <p:sp>
+        <p:nvSpPr>
+          <p:cNvPr id="8" name="內容版面配置區 2"/>
+          <p:cNvSpPr>
+            <a:spLocks noGrp="1"/>
+          </p:cNvSpPr>
+          <p:nvPr>
+            <p:ph sz="half" idx="1"/>
+          </p:nvPr>
+        </p:nvSpPr>
+        <p:spPr>
+          <a:xfrm>
+            <a:off x="906780" y="1690688"/>
+            <a:ext cx="10378440" cy="4351338"/>
+          </a:xfrm>
+        </p:spPr>
+        <p:txBody>
+          <a:bodyPr>
+            <a:normAutofit/>
+          </a:bodyPr>
+          <a:lstStyle/>
+          <a:p>
+            <a:r>
+              <a:rPr lang="zh-TW" altLang="en-US" dirty="0">
+                <a:latin typeface="標楷體" panose="03000509000000000000" pitchFamily="65" charset="-120"/>
+                <a:ea typeface="標楷體" panose="03000509000000000000" pitchFamily="65" charset="-120"/>
+              </a:rPr>
+              <a:t>時間複雜度</a:t>
+            </a:r>
+            <a:r>
+              <a:rPr lang="en-US" altLang="zh-TW" dirty="0">
+                <a:latin typeface="標楷體" panose="03000509000000000000" pitchFamily="65" charset="-120"/>
+                <a:ea typeface="標楷體" panose="03000509000000000000" pitchFamily="65" charset="-120"/>
+              </a:rPr>
+              <a:t>:</a:t>
+            </a:r>
+            <a:r>
+              <a:rPr lang="zh-TW" altLang="en-US" dirty="0">
+                <a:latin typeface="標楷體" panose="03000509000000000000" pitchFamily="65" charset="-120"/>
+                <a:ea typeface="標楷體" panose="03000509000000000000" pitchFamily="65" charset="-120"/>
+              </a:rPr>
+              <a:t> </a:t>
+            </a:r>
+            <a:r>
+              <a:rPr lang="en-US" altLang="zh-TW" dirty="0">
+                <a:latin typeface="標楷體" panose="03000509000000000000" pitchFamily="65" charset="-120"/>
+                <a:ea typeface="標楷體" panose="03000509000000000000" pitchFamily="65" charset="-120"/>
+              </a:rPr>
+              <a:t>O(</a:t>
+            </a:r>
+            <a:r>
+              <a:rPr lang="en-US" altLang="zh-TW" dirty="0" err="1">
+                <a:latin typeface="標楷體" panose="03000509000000000000" pitchFamily="65" charset="-120"/>
+                <a:ea typeface="標楷體" panose="03000509000000000000" pitchFamily="65" charset="-120"/>
+              </a:rPr>
+              <a:t>NlogN</a:t>
+            </a:r>
+            <a:r>
+              <a:rPr lang="en-US" altLang="zh-TW" dirty="0">
+                <a:latin typeface="標楷體" panose="03000509000000000000" pitchFamily="65" charset="-120"/>
+                <a:ea typeface="標楷體" panose="03000509000000000000" pitchFamily="65" charset="-120"/>
+              </a:rPr>
+              <a:t>)</a:t>
+            </a:r>
+          </a:p>
+          <a:p>
+            <a:r>
+              <a:rPr lang="zh-TW" altLang="en-US" dirty="0">
+                <a:latin typeface="標楷體" panose="03000509000000000000" pitchFamily="65" charset="-120"/>
+                <a:ea typeface="標楷體" panose="03000509000000000000" pitchFamily="65" charset="-120"/>
+              </a:rPr>
+              <a:t>用貪心</a:t>
+            </a:r>
+            <a:r>
+              <a:rPr lang="en-US" altLang="zh-TW" dirty="0">
+                <a:latin typeface="標楷體" panose="03000509000000000000" pitchFamily="65" charset="-120"/>
+                <a:ea typeface="標楷體" panose="03000509000000000000" pitchFamily="65" charset="-120"/>
+              </a:rPr>
+              <a:t>+</a:t>
+            </a:r>
+            <a:r>
+              <a:rPr lang="zh-TW" altLang="en-US" dirty="0">
+                <a:latin typeface="標楷體" panose="03000509000000000000" pitchFamily="65" charset="-120"/>
+                <a:ea typeface="標楷體" panose="03000509000000000000" pitchFamily="65" charset="-120"/>
+              </a:rPr>
+              <a:t>二分搜找到</a:t>
+            </a:r>
+            <a:r>
+              <a:rPr lang="en-US" altLang="zh-TW" dirty="0">
+                <a:latin typeface="標楷體" panose="03000509000000000000" pitchFamily="65" charset="-120"/>
+                <a:ea typeface="標楷體" panose="03000509000000000000" pitchFamily="65" charset="-120"/>
+              </a:rPr>
+              <a:t>LIS</a:t>
+            </a:r>
+          </a:p>
+          <a:p>
+            <a:endParaRPr lang="en-US" altLang="zh-TW" dirty="0">
+              <a:latin typeface="標楷體" panose="03000509000000000000" pitchFamily="65" charset="-120"/>
+              <a:ea typeface="標楷體" panose="03000509000000000000" pitchFamily="65" charset="-120"/>
+            </a:endParaRPr>
+          </a:p>
+          <a:p>
+            <a:endParaRPr lang="en-US" altLang="zh-TW" dirty="0">
+              <a:latin typeface="標楷體" panose="03000509000000000000" pitchFamily="65" charset="-120"/>
+              <a:ea typeface="標楷體" panose="03000509000000000000" pitchFamily="65" charset="-120"/>
+            </a:endParaRPr>
+          </a:p>
+          <a:p>
+            <a:endParaRPr lang="en-US" altLang="zh-TW" dirty="0">
+              <a:latin typeface="標楷體" panose="03000509000000000000" pitchFamily="65" charset="-120"/>
+              <a:ea typeface="標楷體" panose="03000509000000000000" pitchFamily="65" charset="-120"/>
+            </a:endParaRPr>
+          </a:p>
+          <a:p>
+            <a:r>
+              <a:rPr lang="en-US" altLang="zh-TW" dirty="0">
+                <a:latin typeface="標楷體" panose="03000509000000000000" pitchFamily="65" charset="-120"/>
+                <a:ea typeface="標楷體" panose="03000509000000000000" pitchFamily="65" charset="-120"/>
+                <a:hlinkClick r:id="rId2"/>
+              </a:rPr>
+              <a:t>http://wiki.csie.ncku.edu.tw/acm/course/LIS</a:t>
+            </a:r>
+            <a:endParaRPr lang="en-US" altLang="zh-TW" dirty="0">
+              <a:latin typeface="標楷體" panose="03000509000000000000" pitchFamily="65" charset="-120"/>
+              <a:ea typeface="標楷體" panose="03000509000000000000" pitchFamily="65" charset="-120"/>
+            </a:endParaRPr>
+          </a:p>
+          <a:p>
+            <a:endParaRPr lang="en-US" altLang="zh-TW" dirty="0">
+              <a:latin typeface="標楷體" panose="03000509000000000000" pitchFamily="65" charset="-120"/>
+              <a:ea typeface="標楷體" panose="03000509000000000000" pitchFamily="65" charset="-120"/>
+            </a:endParaRPr>
+          </a:p>
+        </p:txBody>
+      </p:sp>
+    </p:spTree>
+    <p:extLst>
+      <p:ext uri="{BB962C8B-B14F-4D97-AF65-F5344CB8AC3E}">
+        <p14:creationId xmlns:p14="http://schemas.microsoft.com/office/powerpoint/2010/main" val="1609771079"/>
       </p:ext>
     </p:extLst>
   </p:cSld>

--- a/HW4 應用程式設計/說明.pptx
+++ b/HW4 應用程式設計/說明.pptx
@@ -2,25 +2,30 @@
 <file path=ppt/presentation.xml><?xml version="1.0" encoding="utf-8"?>
 <p:presentation xmlns:a="http://schemas.openxmlformats.org/drawingml/2006/main" xmlns:r="http://schemas.openxmlformats.org/officeDocument/2006/relationships" xmlns:p="http://schemas.openxmlformats.org/presentationml/2006/main" saveSubsetFonts="1">
   <p:sldMasterIdLst>
-    <p:sldMasterId id="2147483648" r:id="rId1"/>
+    <p:sldMasterId id="2147483820" r:id="rId1"/>
   </p:sldMasterIdLst>
   <p:notesMasterIdLst>
-    <p:notesMasterId r:id="rId15"/>
+    <p:notesMasterId r:id="rId20"/>
   </p:notesMasterIdLst>
   <p:sldIdLst>
     <p:sldId id="256" r:id="rId2"/>
     <p:sldId id="269" r:id="rId3"/>
-    <p:sldId id="270" r:id="rId4"/>
-    <p:sldId id="271" r:id="rId5"/>
-    <p:sldId id="258" r:id="rId6"/>
-    <p:sldId id="261" r:id="rId7"/>
-    <p:sldId id="262" r:id="rId8"/>
-    <p:sldId id="266" r:id="rId9"/>
-    <p:sldId id="267" r:id="rId10"/>
-    <p:sldId id="259" r:id="rId11"/>
-    <p:sldId id="268" r:id="rId12"/>
-    <p:sldId id="260" r:id="rId13"/>
-    <p:sldId id="264" r:id="rId14"/>
+    <p:sldId id="276" r:id="rId4"/>
+    <p:sldId id="270" r:id="rId5"/>
+    <p:sldId id="271" r:id="rId6"/>
+    <p:sldId id="258" r:id="rId7"/>
+    <p:sldId id="274" r:id="rId8"/>
+    <p:sldId id="273" r:id="rId9"/>
+    <p:sldId id="272" r:id="rId10"/>
+    <p:sldId id="277" r:id="rId11"/>
+    <p:sldId id="275" r:id="rId12"/>
+    <p:sldId id="262" r:id="rId13"/>
+    <p:sldId id="266" r:id="rId14"/>
+    <p:sldId id="267" r:id="rId15"/>
+    <p:sldId id="259" r:id="rId16"/>
+    <p:sldId id="268" r:id="rId17"/>
+    <p:sldId id="260" r:id="rId18"/>
+    <p:sldId id="264" r:id="rId19"/>
   </p:sldIdLst>
   <p:sldSz cx="12192000" cy="6858000"/>
   <p:notesSz cx="6858000" cy="9144000"/>
@@ -476,90 +481,6 @@
 </p:notesMaster>
 </file>
 
-<file path=ppt/notesSlides/notesSlide1.xml><?xml version="1.0" encoding="utf-8"?>
-<p:notes xmlns:a="http://schemas.openxmlformats.org/drawingml/2006/main" xmlns:r="http://schemas.openxmlformats.org/officeDocument/2006/relationships" xmlns:p="http://schemas.openxmlformats.org/presentationml/2006/main">
-  <p:cSld>
-    <p:spTree>
-      <p:nvGrpSpPr>
-        <p:cNvPr id="1" name=""/>
-        <p:cNvGrpSpPr/>
-        <p:nvPr/>
-      </p:nvGrpSpPr>
-      <p:grpSpPr>
-        <a:xfrm>
-          <a:off x="0" y="0"/>
-          <a:ext cx="0" cy="0"/>
-          <a:chOff x="0" y="0"/>
-          <a:chExt cx="0" cy="0"/>
-        </a:xfrm>
-      </p:grpSpPr>
-      <p:sp>
-        <p:nvSpPr>
-          <p:cNvPr id="2" name="投影片影像版面配置區 1"/>
-          <p:cNvSpPr>
-            <a:spLocks noGrp="1" noRot="1" noChangeAspect="1"/>
-          </p:cNvSpPr>
-          <p:nvPr>
-            <p:ph type="sldImg"/>
-          </p:nvPr>
-        </p:nvSpPr>
-        <p:spPr/>
-      </p:sp>
-      <p:sp>
-        <p:nvSpPr>
-          <p:cNvPr id="3" name="備忘稿版面配置區 2"/>
-          <p:cNvSpPr>
-            <a:spLocks noGrp="1"/>
-          </p:cNvSpPr>
-          <p:nvPr>
-            <p:ph type="body" idx="1"/>
-          </p:nvPr>
-        </p:nvSpPr>
-        <p:spPr/>
-        <p:txBody>
-          <a:bodyPr/>
-          <a:lstStyle/>
-          <a:p>
-            <a:endParaRPr lang="zh-TW" altLang="en-US"/>
-          </a:p>
-        </p:txBody>
-      </p:sp>
-      <p:sp>
-        <p:nvSpPr>
-          <p:cNvPr id="4" name="投影片編號版面配置區 3"/>
-          <p:cNvSpPr>
-            <a:spLocks noGrp="1"/>
-          </p:cNvSpPr>
-          <p:nvPr>
-            <p:ph type="sldNum" sz="quarter" idx="5"/>
-          </p:nvPr>
-        </p:nvSpPr>
-        <p:spPr/>
-        <p:txBody>
-          <a:bodyPr/>
-          <a:lstStyle/>
-          <a:p>
-            <a:fld id="{85318969-AD61-48AB-9EF7-F9FB26740FF6}" type="slidenum">
-              <a:rPr lang="zh-TW" altLang="en-US" smtClean="0"/>
-              <a:t>6</a:t>
-            </a:fld>
-            <a:endParaRPr lang="zh-TW" altLang="en-US"/>
-          </a:p>
-        </p:txBody>
-      </p:sp>
-    </p:spTree>
-    <p:extLst>
-      <p:ext uri="{BB962C8B-B14F-4D97-AF65-F5344CB8AC3E}">
-        <p14:creationId xmlns:p14="http://schemas.microsoft.com/office/powerpoint/2010/main" val="642264199"/>
-      </p:ext>
-    </p:extLst>
-  </p:cSld>
-  <p:clrMapOvr>
-    <a:masterClrMapping/>
-  </p:clrMapOvr>
-</p:notes>
-</file>
-
 <file path=ppt/slideLayouts/slideLayout1.xml><?xml version="1.0" encoding="utf-8"?>
 <p:sldLayout xmlns:a="http://schemas.openxmlformats.org/drawingml/2006/main" xmlns:r="http://schemas.openxmlformats.org/officeDocument/2006/relationships" xmlns:p="http://schemas.openxmlformats.org/presentationml/2006/main" type="title" preserve="1">
   <p:cSld name="標題投影片">
@@ -582,7 +503,7 @@
           <p:cNvPr id="2" name="標題 1">
             <a:extLst>
               <a:ext uri="{FF2B5EF4-FFF2-40B4-BE49-F238E27FC236}">
-                <a16:creationId xmlns:a16="http://schemas.microsoft.com/office/drawing/2014/main" id="{E100BE19-049F-407B-9A2E-54C6A0D95D6E}"/>
+                <a16:creationId xmlns:a16="http://schemas.microsoft.com/office/drawing/2014/main" id="{88CFF9AF-DE89-4E48-A7D5-5B3DB5403CE9}"/>
               </a:ext>
             </a:extLst>
           </p:cNvPr>
@@ -619,7 +540,7 @@
           <p:cNvPr id="3" name="副標題 2">
             <a:extLst>
               <a:ext uri="{FF2B5EF4-FFF2-40B4-BE49-F238E27FC236}">
-                <a16:creationId xmlns:a16="http://schemas.microsoft.com/office/drawing/2014/main" id="{95A0041B-F11A-4F29-898B-1D36F909C171}"/>
+                <a16:creationId xmlns:a16="http://schemas.microsoft.com/office/drawing/2014/main" id="{7755082E-DD0F-40BB-8EDF-CE81F61DAC7C}"/>
               </a:ext>
             </a:extLst>
           </p:cNvPr>
@@ -689,7 +610,7 @@
           <p:cNvPr id="4" name="日期版面配置區 3">
             <a:extLst>
               <a:ext uri="{FF2B5EF4-FFF2-40B4-BE49-F238E27FC236}">
-                <a16:creationId xmlns:a16="http://schemas.microsoft.com/office/drawing/2014/main" id="{038F95DF-C748-46B9-90DB-E0FA945DE162}"/>
+                <a16:creationId xmlns:a16="http://schemas.microsoft.com/office/drawing/2014/main" id="{F6B3F9AB-4319-4EC9-97D3-15D8DA497942}"/>
               </a:ext>
             </a:extLst>
           </p:cNvPr>
@@ -718,7 +639,7 @@
           <p:cNvPr id="5" name="頁尾版面配置區 4">
             <a:extLst>
               <a:ext uri="{FF2B5EF4-FFF2-40B4-BE49-F238E27FC236}">
-                <a16:creationId xmlns:a16="http://schemas.microsoft.com/office/drawing/2014/main" id="{51012241-9E4E-4983-B896-53EAD4AF433C}"/>
+                <a16:creationId xmlns:a16="http://schemas.microsoft.com/office/drawing/2014/main" id="{E980759F-5D10-41E4-8019-AABA27EC9EB2}"/>
               </a:ext>
             </a:extLst>
           </p:cNvPr>
@@ -743,7 +664,7 @@
           <p:cNvPr id="6" name="投影片編號版面配置區 5">
             <a:extLst>
               <a:ext uri="{FF2B5EF4-FFF2-40B4-BE49-F238E27FC236}">
-                <a16:creationId xmlns:a16="http://schemas.microsoft.com/office/drawing/2014/main" id="{BD9281DD-4CC3-486D-835D-C162C58E54CF}"/>
+                <a16:creationId xmlns:a16="http://schemas.microsoft.com/office/drawing/2014/main" id="{D36FE2E8-BEA2-4202-9086-3391B219EE5B}"/>
               </a:ext>
             </a:extLst>
           </p:cNvPr>
@@ -770,7 +691,7 @@
     </p:spTree>
     <p:extLst>
       <p:ext uri="{BB962C8B-B14F-4D97-AF65-F5344CB8AC3E}">
-        <p14:creationId xmlns:p14="http://schemas.microsoft.com/office/powerpoint/2010/main" val="3179602076"/>
+        <p14:creationId xmlns:p14="http://schemas.microsoft.com/office/powerpoint/2010/main" val="2943572930"/>
       </p:ext>
     </p:extLst>
   </p:cSld>
@@ -802,7 +723,7 @@
           <p:cNvPr id="2" name="標題 1">
             <a:extLst>
               <a:ext uri="{FF2B5EF4-FFF2-40B4-BE49-F238E27FC236}">
-                <a16:creationId xmlns:a16="http://schemas.microsoft.com/office/drawing/2014/main" id="{B236C62D-A9B1-4B96-9673-2EDA5BBE3C15}"/>
+                <a16:creationId xmlns:a16="http://schemas.microsoft.com/office/drawing/2014/main" id="{301DBC73-8C3A-4D77-8F0C-9B9F27060604}"/>
               </a:ext>
             </a:extLst>
           </p:cNvPr>
@@ -830,7 +751,7 @@
           <p:cNvPr id="3" name="直排文字版面配置區 2">
             <a:extLst>
               <a:ext uri="{FF2B5EF4-FFF2-40B4-BE49-F238E27FC236}">
-                <a16:creationId xmlns:a16="http://schemas.microsoft.com/office/drawing/2014/main" id="{D717F68F-B8B9-4BB8-9327-AB0CE6E5EC32}"/>
+                <a16:creationId xmlns:a16="http://schemas.microsoft.com/office/drawing/2014/main" id="{141B31E9-C716-4C32-82F8-344624281680}"/>
               </a:ext>
             </a:extLst>
           </p:cNvPr>
@@ -887,7 +808,7 @@
           <p:cNvPr id="4" name="日期版面配置區 3">
             <a:extLst>
               <a:ext uri="{FF2B5EF4-FFF2-40B4-BE49-F238E27FC236}">
-                <a16:creationId xmlns:a16="http://schemas.microsoft.com/office/drawing/2014/main" id="{966489C6-A80C-408F-9C60-C1469A588595}"/>
+                <a16:creationId xmlns:a16="http://schemas.microsoft.com/office/drawing/2014/main" id="{99201B6A-E139-4C5C-A2ED-8F201FEE6B67}"/>
               </a:ext>
             </a:extLst>
           </p:cNvPr>
@@ -916,7 +837,7 @@
           <p:cNvPr id="5" name="頁尾版面配置區 4">
             <a:extLst>
               <a:ext uri="{FF2B5EF4-FFF2-40B4-BE49-F238E27FC236}">
-                <a16:creationId xmlns:a16="http://schemas.microsoft.com/office/drawing/2014/main" id="{04680F90-1A08-4E53-9265-1D1D1A2B3209}"/>
+                <a16:creationId xmlns:a16="http://schemas.microsoft.com/office/drawing/2014/main" id="{440AF71A-641B-4770-ACD2-4E0AE517686C}"/>
               </a:ext>
             </a:extLst>
           </p:cNvPr>
@@ -941,7 +862,7 @@
           <p:cNvPr id="6" name="投影片編號版面配置區 5">
             <a:extLst>
               <a:ext uri="{FF2B5EF4-FFF2-40B4-BE49-F238E27FC236}">
-                <a16:creationId xmlns:a16="http://schemas.microsoft.com/office/drawing/2014/main" id="{5C44C9E2-1AD4-4CAA-8B16-328460EDF3A4}"/>
+                <a16:creationId xmlns:a16="http://schemas.microsoft.com/office/drawing/2014/main" id="{0F4C5C01-32B8-449E-86AB-7EF0E2C5CC8C}"/>
               </a:ext>
             </a:extLst>
           </p:cNvPr>
@@ -968,7 +889,7 @@
     </p:spTree>
     <p:extLst>
       <p:ext uri="{BB962C8B-B14F-4D97-AF65-F5344CB8AC3E}">
-        <p14:creationId xmlns:p14="http://schemas.microsoft.com/office/powerpoint/2010/main" val="645900821"/>
+        <p14:creationId xmlns:p14="http://schemas.microsoft.com/office/powerpoint/2010/main" val="2989495110"/>
       </p:ext>
     </p:extLst>
   </p:cSld>
@@ -1000,7 +921,7 @@
           <p:cNvPr id="2" name="直排標題 1">
             <a:extLst>
               <a:ext uri="{FF2B5EF4-FFF2-40B4-BE49-F238E27FC236}">
-                <a16:creationId xmlns:a16="http://schemas.microsoft.com/office/drawing/2014/main" id="{7BC0FD8E-A64C-4F9F-8997-8D56277EC9C8}"/>
+                <a16:creationId xmlns:a16="http://schemas.microsoft.com/office/drawing/2014/main" id="{AB9C5A6C-6034-40DA-93DE-9B0C9BB3AD02}"/>
               </a:ext>
             </a:extLst>
           </p:cNvPr>
@@ -1033,7 +954,7 @@
           <p:cNvPr id="3" name="直排文字版面配置區 2">
             <a:extLst>
               <a:ext uri="{FF2B5EF4-FFF2-40B4-BE49-F238E27FC236}">
-                <a16:creationId xmlns:a16="http://schemas.microsoft.com/office/drawing/2014/main" id="{246E1C08-5691-4A5F-B981-EF5B93928574}"/>
+                <a16:creationId xmlns:a16="http://schemas.microsoft.com/office/drawing/2014/main" id="{4987814E-76A5-49F0-982B-193EE095AC57}"/>
               </a:ext>
             </a:extLst>
           </p:cNvPr>
@@ -1095,7 +1016,7 @@
           <p:cNvPr id="4" name="日期版面配置區 3">
             <a:extLst>
               <a:ext uri="{FF2B5EF4-FFF2-40B4-BE49-F238E27FC236}">
-                <a16:creationId xmlns:a16="http://schemas.microsoft.com/office/drawing/2014/main" id="{090F4378-C137-422C-B58D-5151001F048C}"/>
+                <a16:creationId xmlns:a16="http://schemas.microsoft.com/office/drawing/2014/main" id="{9E33FE87-B376-4A9E-BCFE-DED6DBE7017D}"/>
               </a:ext>
             </a:extLst>
           </p:cNvPr>
@@ -1124,7 +1045,7 @@
           <p:cNvPr id="5" name="頁尾版面配置區 4">
             <a:extLst>
               <a:ext uri="{FF2B5EF4-FFF2-40B4-BE49-F238E27FC236}">
-                <a16:creationId xmlns:a16="http://schemas.microsoft.com/office/drawing/2014/main" id="{D84FA694-4D3E-4CB2-AD16-C86C4A530ABB}"/>
+                <a16:creationId xmlns:a16="http://schemas.microsoft.com/office/drawing/2014/main" id="{8EF60D9A-6668-438F-B68A-94CA59147DF7}"/>
               </a:ext>
             </a:extLst>
           </p:cNvPr>
@@ -1149,7 +1070,7 @@
           <p:cNvPr id="6" name="投影片編號版面配置區 5">
             <a:extLst>
               <a:ext uri="{FF2B5EF4-FFF2-40B4-BE49-F238E27FC236}">
-                <a16:creationId xmlns:a16="http://schemas.microsoft.com/office/drawing/2014/main" id="{4EF1FF81-5816-4EDA-930A-2A4D6B151556}"/>
+                <a16:creationId xmlns:a16="http://schemas.microsoft.com/office/drawing/2014/main" id="{CD2590B2-AFB8-46A3-AB76-13C3F8327FCA}"/>
               </a:ext>
             </a:extLst>
           </p:cNvPr>
@@ -1176,7 +1097,7 @@
     </p:spTree>
     <p:extLst>
       <p:ext uri="{BB962C8B-B14F-4D97-AF65-F5344CB8AC3E}">
-        <p14:creationId xmlns:p14="http://schemas.microsoft.com/office/powerpoint/2010/main" val="2948772184"/>
+        <p14:creationId xmlns:p14="http://schemas.microsoft.com/office/powerpoint/2010/main" val="3652660594"/>
       </p:ext>
     </p:extLst>
   </p:cSld>
@@ -1208,7 +1129,7 @@
           <p:cNvPr id="2" name="標題 1">
             <a:extLst>
               <a:ext uri="{FF2B5EF4-FFF2-40B4-BE49-F238E27FC236}">
-                <a16:creationId xmlns:a16="http://schemas.microsoft.com/office/drawing/2014/main" id="{B407DB2F-EB92-41F3-AF90-1B8D17762793}"/>
+                <a16:creationId xmlns:a16="http://schemas.microsoft.com/office/drawing/2014/main" id="{82D3E24B-14F2-4C85-93F0-7B428E32C636}"/>
               </a:ext>
             </a:extLst>
           </p:cNvPr>
@@ -1236,7 +1157,7 @@
           <p:cNvPr id="3" name="內容版面配置區 2">
             <a:extLst>
               <a:ext uri="{FF2B5EF4-FFF2-40B4-BE49-F238E27FC236}">
-                <a16:creationId xmlns:a16="http://schemas.microsoft.com/office/drawing/2014/main" id="{64015644-92FF-4A3C-B948-47317698636E}"/>
+                <a16:creationId xmlns:a16="http://schemas.microsoft.com/office/drawing/2014/main" id="{4C2005F4-829F-4CB2-9D9F-53E58F0FB17F}"/>
               </a:ext>
             </a:extLst>
           </p:cNvPr>
@@ -1293,7 +1214,7 @@
           <p:cNvPr id="4" name="日期版面配置區 3">
             <a:extLst>
               <a:ext uri="{FF2B5EF4-FFF2-40B4-BE49-F238E27FC236}">
-                <a16:creationId xmlns:a16="http://schemas.microsoft.com/office/drawing/2014/main" id="{735542F8-9C40-4897-85AA-010A621B462D}"/>
+                <a16:creationId xmlns:a16="http://schemas.microsoft.com/office/drawing/2014/main" id="{CC72017D-16F5-48F7-9398-026914A45DCF}"/>
               </a:ext>
             </a:extLst>
           </p:cNvPr>
@@ -1322,7 +1243,7 @@
           <p:cNvPr id="5" name="頁尾版面配置區 4">
             <a:extLst>
               <a:ext uri="{FF2B5EF4-FFF2-40B4-BE49-F238E27FC236}">
-                <a16:creationId xmlns:a16="http://schemas.microsoft.com/office/drawing/2014/main" id="{255CCF11-81A2-4D11-8555-C0E5AE2B8507}"/>
+                <a16:creationId xmlns:a16="http://schemas.microsoft.com/office/drawing/2014/main" id="{BC340004-8FFB-4E9C-B571-E0C8AF7BA165}"/>
               </a:ext>
             </a:extLst>
           </p:cNvPr>
@@ -1347,7 +1268,7 @@
           <p:cNvPr id="6" name="投影片編號版面配置區 5">
             <a:extLst>
               <a:ext uri="{FF2B5EF4-FFF2-40B4-BE49-F238E27FC236}">
-                <a16:creationId xmlns:a16="http://schemas.microsoft.com/office/drawing/2014/main" id="{20DD14B4-C561-4736-8DAD-0660160EDA5F}"/>
+                <a16:creationId xmlns:a16="http://schemas.microsoft.com/office/drawing/2014/main" id="{690ED35F-7DD6-4324-8F55-40D7714CC08B}"/>
               </a:ext>
             </a:extLst>
           </p:cNvPr>
@@ -1374,7 +1295,7 @@
     </p:spTree>
     <p:extLst>
       <p:ext uri="{BB962C8B-B14F-4D97-AF65-F5344CB8AC3E}">
-        <p14:creationId xmlns:p14="http://schemas.microsoft.com/office/powerpoint/2010/main" val="3131483938"/>
+        <p14:creationId xmlns:p14="http://schemas.microsoft.com/office/powerpoint/2010/main" val="2841739634"/>
       </p:ext>
     </p:extLst>
   </p:cSld>
@@ -1406,7 +1327,7 @@
           <p:cNvPr id="2" name="標題 1">
             <a:extLst>
               <a:ext uri="{FF2B5EF4-FFF2-40B4-BE49-F238E27FC236}">
-                <a16:creationId xmlns:a16="http://schemas.microsoft.com/office/drawing/2014/main" id="{4B384C76-EA84-4329-A18E-F5CDEE7B326C}"/>
+                <a16:creationId xmlns:a16="http://schemas.microsoft.com/office/drawing/2014/main" id="{6BA58F0A-413C-4868-B48A-BF32E334AA41}"/>
               </a:ext>
             </a:extLst>
           </p:cNvPr>
@@ -1443,7 +1364,7 @@
           <p:cNvPr id="3" name="文字版面配置區 2">
             <a:extLst>
               <a:ext uri="{FF2B5EF4-FFF2-40B4-BE49-F238E27FC236}">
-                <a16:creationId xmlns:a16="http://schemas.microsoft.com/office/drawing/2014/main" id="{62F77365-930D-4ADB-B578-69D766739276}"/>
+                <a16:creationId xmlns:a16="http://schemas.microsoft.com/office/drawing/2014/main" id="{BEE66194-DE96-4E06-A60A-1A232969690B}"/>
               </a:ext>
             </a:extLst>
           </p:cNvPr>
@@ -1568,7 +1489,7 @@
           <p:cNvPr id="4" name="日期版面配置區 3">
             <a:extLst>
               <a:ext uri="{FF2B5EF4-FFF2-40B4-BE49-F238E27FC236}">
-                <a16:creationId xmlns:a16="http://schemas.microsoft.com/office/drawing/2014/main" id="{22E5A4E4-7637-4D40-83C9-6D3DA81B9CD2}"/>
+                <a16:creationId xmlns:a16="http://schemas.microsoft.com/office/drawing/2014/main" id="{2969B9A6-1024-46A6-B58F-64104CE585CB}"/>
               </a:ext>
             </a:extLst>
           </p:cNvPr>
@@ -1597,7 +1518,7 @@
           <p:cNvPr id="5" name="頁尾版面配置區 4">
             <a:extLst>
               <a:ext uri="{FF2B5EF4-FFF2-40B4-BE49-F238E27FC236}">
-                <a16:creationId xmlns:a16="http://schemas.microsoft.com/office/drawing/2014/main" id="{E7478311-2DDA-40F9-A4F2-E9A59495D0D0}"/>
+                <a16:creationId xmlns:a16="http://schemas.microsoft.com/office/drawing/2014/main" id="{1057D08F-080D-4AC3-B913-BB37BE1F9258}"/>
               </a:ext>
             </a:extLst>
           </p:cNvPr>
@@ -1622,7 +1543,7 @@
           <p:cNvPr id="6" name="投影片編號版面配置區 5">
             <a:extLst>
               <a:ext uri="{FF2B5EF4-FFF2-40B4-BE49-F238E27FC236}">
-                <a16:creationId xmlns:a16="http://schemas.microsoft.com/office/drawing/2014/main" id="{1C16D9C4-A189-462F-99EE-6934921E0CA9}"/>
+                <a16:creationId xmlns:a16="http://schemas.microsoft.com/office/drawing/2014/main" id="{ED8BECFB-2D5A-4655-A4F5-817873E5A65F}"/>
               </a:ext>
             </a:extLst>
           </p:cNvPr>
@@ -1649,7 +1570,7 @@
     </p:spTree>
     <p:extLst>
       <p:ext uri="{BB962C8B-B14F-4D97-AF65-F5344CB8AC3E}">
-        <p14:creationId xmlns:p14="http://schemas.microsoft.com/office/powerpoint/2010/main" val="2499828369"/>
+        <p14:creationId xmlns:p14="http://schemas.microsoft.com/office/powerpoint/2010/main" val="1670220215"/>
       </p:ext>
     </p:extLst>
   </p:cSld>
@@ -1681,7 +1602,7 @@
           <p:cNvPr id="2" name="標題 1">
             <a:extLst>
               <a:ext uri="{FF2B5EF4-FFF2-40B4-BE49-F238E27FC236}">
-                <a16:creationId xmlns:a16="http://schemas.microsoft.com/office/drawing/2014/main" id="{F6EFAD1C-B45E-4498-A7C7-29887E50843A}"/>
+                <a16:creationId xmlns:a16="http://schemas.microsoft.com/office/drawing/2014/main" id="{408C5CE3-E336-4BE6-8B47-DB0BFB79303C}"/>
               </a:ext>
             </a:extLst>
           </p:cNvPr>
@@ -1709,7 +1630,7 @@
           <p:cNvPr id="3" name="內容版面配置區 2">
             <a:extLst>
               <a:ext uri="{FF2B5EF4-FFF2-40B4-BE49-F238E27FC236}">
-                <a16:creationId xmlns:a16="http://schemas.microsoft.com/office/drawing/2014/main" id="{73001C8E-F81F-483F-B0A7-61136565B4CD}"/>
+                <a16:creationId xmlns:a16="http://schemas.microsoft.com/office/drawing/2014/main" id="{12C4B2D0-8BD1-4230-B071-49354E39A3C6}"/>
               </a:ext>
             </a:extLst>
           </p:cNvPr>
@@ -1771,7 +1692,7 @@
           <p:cNvPr id="4" name="內容版面配置區 3">
             <a:extLst>
               <a:ext uri="{FF2B5EF4-FFF2-40B4-BE49-F238E27FC236}">
-                <a16:creationId xmlns:a16="http://schemas.microsoft.com/office/drawing/2014/main" id="{BA5E910A-9323-4D8A-9F8B-A20942353F77}"/>
+                <a16:creationId xmlns:a16="http://schemas.microsoft.com/office/drawing/2014/main" id="{7396E521-CE0F-4D55-BB81-3B3AAEC1329A}"/>
               </a:ext>
             </a:extLst>
           </p:cNvPr>
@@ -1833,7 +1754,7 @@
           <p:cNvPr id="5" name="日期版面配置區 4">
             <a:extLst>
               <a:ext uri="{FF2B5EF4-FFF2-40B4-BE49-F238E27FC236}">
-                <a16:creationId xmlns:a16="http://schemas.microsoft.com/office/drawing/2014/main" id="{ACE5C3D7-543A-4D51-B142-EF6D4367FA06}"/>
+                <a16:creationId xmlns:a16="http://schemas.microsoft.com/office/drawing/2014/main" id="{2459E629-B9FE-47A6-AA2E-B95201D5FEF8}"/>
               </a:ext>
             </a:extLst>
           </p:cNvPr>
@@ -1862,7 +1783,7 @@
           <p:cNvPr id="6" name="頁尾版面配置區 5">
             <a:extLst>
               <a:ext uri="{FF2B5EF4-FFF2-40B4-BE49-F238E27FC236}">
-                <a16:creationId xmlns:a16="http://schemas.microsoft.com/office/drawing/2014/main" id="{C570A305-8575-46C9-AD0D-C7DD8D5DBD28}"/>
+                <a16:creationId xmlns:a16="http://schemas.microsoft.com/office/drawing/2014/main" id="{D61BB36D-93A6-4EDD-85F2-C095DBE934E1}"/>
               </a:ext>
             </a:extLst>
           </p:cNvPr>
@@ -1887,7 +1808,7 @@
           <p:cNvPr id="7" name="投影片編號版面配置區 6">
             <a:extLst>
               <a:ext uri="{FF2B5EF4-FFF2-40B4-BE49-F238E27FC236}">
-                <a16:creationId xmlns:a16="http://schemas.microsoft.com/office/drawing/2014/main" id="{CFF55F60-3876-40B7-B1AF-51710077E5F3}"/>
+                <a16:creationId xmlns:a16="http://schemas.microsoft.com/office/drawing/2014/main" id="{6B0E35B8-90DB-4F97-B7ED-D0E616516C8F}"/>
               </a:ext>
             </a:extLst>
           </p:cNvPr>
@@ -1914,13 +1835,18 @@
     </p:spTree>
     <p:extLst>
       <p:ext uri="{BB962C8B-B14F-4D97-AF65-F5344CB8AC3E}">
-        <p14:creationId xmlns:p14="http://schemas.microsoft.com/office/powerpoint/2010/main" val="4292338646"/>
+        <p14:creationId xmlns:p14="http://schemas.microsoft.com/office/powerpoint/2010/main" val="3758922642"/>
       </p:ext>
     </p:extLst>
   </p:cSld>
   <p:clrMapOvr>
     <a:masterClrMapping/>
   </p:clrMapOvr>
+  <p:extLst>
+    <p:ext uri="{DCECCB84-F9BA-43D5-87BE-67443E8EF086}">
+      <p15:sldGuideLst xmlns:p15="http://schemas.microsoft.com/office/powerpoint/2012/main"/>
+    </p:ext>
+  </p:extLst>
 </p:sldLayout>
 </file>
 
@@ -1946,7 +1872,7 @@
           <p:cNvPr id="2" name="標題 1">
             <a:extLst>
               <a:ext uri="{FF2B5EF4-FFF2-40B4-BE49-F238E27FC236}">
-                <a16:creationId xmlns:a16="http://schemas.microsoft.com/office/drawing/2014/main" id="{7F274DF2-AE4B-4FDF-937E-CF7EFF000BB6}"/>
+                <a16:creationId xmlns:a16="http://schemas.microsoft.com/office/drawing/2014/main" id="{0046D115-DAD8-4EBC-A732-5D9C46500A80}"/>
               </a:ext>
             </a:extLst>
           </p:cNvPr>
@@ -1979,7 +1905,7 @@
           <p:cNvPr id="3" name="文字版面配置區 2">
             <a:extLst>
               <a:ext uri="{FF2B5EF4-FFF2-40B4-BE49-F238E27FC236}">
-                <a16:creationId xmlns:a16="http://schemas.microsoft.com/office/drawing/2014/main" id="{887D6E2E-26EC-4B8C-9EED-AECDF9A685B7}"/>
+                <a16:creationId xmlns:a16="http://schemas.microsoft.com/office/drawing/2014/main" id="{26229A88-1148-44CA-81A2-D9357C253620}"/>
               </a:ext>
             </a:extLst>
           </p:cNvPr>
@@ -2050,7 +1976,7 @@
           <p:cNvPr id="4" name="內容版面配置區 3">
             <a:extLst>
               <a:ext uri="{FF2B5EF4-FFF2-40B4-BE49-F238E27FC236}">
-                <a16:creationId xmlns:a16="http://schemas.microsoft.com/office/drawing/2014/main" id="{E000C25B-85B6-4876-9A4F-9EDFD8C29AE4}"/>
+                <a16:creationId xmlns:a16="http://schemas.microsoft.com/office/drawing/2014/main" id="{7F1A9989-FCAD-486B-AAC3-E8191216F3A2}"/>
               </a:ext>
             </a:extLst>
           </p:cNvPr>
@@ -2112,7 +2038,7 @@
           <p:cNvPr id="5" name="文字版面配置區 4">
             <a:extLst>
               <a:ext uri="{FF2B5EF4-FFF2-40B4-BE49-F238E27FC236}">
-                <a16:creationId xmlns:a16="http://schemas.microsoft.com/office/drawing/2014/main" id="{26186EC0-7718-4BAF-87C7-4022601CBCA1}"/>
+                <a16:creationId xmlns:a16="http://schemas.microsoft.com/office/drawing/2014/main" id="{022FC2CB-D55D-4B88-96E9-A140F8938C4A}"/>
               </a:ext>
             </a:extLst>
           </p:cNvPr>
@@ -2183,7 +2109,7 @@
           <p:cNvPr id="6" name="內容版面配置區 5">
             <a:extLst>
               <a:ext uri="{FF2B5EF4-FFF2-40B4-BE49-F238E27FC236}">
-                <a16:creationId xmlns:a16="http://schemas.microsoft.com/office/drawing/2014/main" id="{9586BE1B-37E9-4BDB-9C8A-A3C33355845E}"/>
+                <a16:creationId xmlns:a16="http://schemas.microsoft.com/office/drawing/2014/main" id="{3C139117-AF5B-4575-ADDA-EE857771C99D}"/>
               </a:ext>
             </a:extLst>
           </p:cNvPr>
@@ -2245,7 +2171,7 @@
           <p:cNvPr id="7" name="日期版面配置區 6">
             <a:extLst>
               <a:ext uri="{FF2B5EF4-FFF2-40B4-BE49-F238E27FC236}">
-                <a16:creationId xmlns:a16="http://schemas.microsoft.com/office/drawing/2014/main" id="{3FE34F55-E401-4B6D-AB87-0646E3CF511D}"/>
+                <a16:creationId xmlns:a16="http://schemas.microsoft.com/office/drawing/2014/main" id="{995FA568-4F11-43A4-838B-A41DBA06B0ED}"/>
               </a:ext>
             </a:extLst>
           </p:cNvPr>
@@ -2274,7 +2200,7 @@
           <p:cNvPr id="8" name="頁尾版面配置區 7">
             <a:extLst>
               <a:ext uri="{FF2B5EF4-FFF2-40B4-BE49-F238E27FC236}">
-                <a16:creationId xmlns:a16="http://schemas.microsoft.com/office/drawing/2014/main" id="{3A3F629D-4D2B-47A6-9D77-7D14D7FD4E07}"/>
+                <a16:creationId xmlns:a16="http://schemas.microsoft.com/office/drawing/2014/main" id="{F459CF3E-931B-4DFA-9AC9-B0E21BDEB052}"/>
               </a:ext>
             </a:extLst>
           </p:cNvPr>
@@ -2299,7 +2225,7 @@
           <p:cNvPr id="9" name="投影片編號版面配置區 8">
             <a:extLst>
               <a:ext uri="{FF2B5EF4-FFF2-40B4-BE49-F238E27FC236}">
-                <a16:creationId xmlns:a16="http://schemas.microsoft.com/office/drawing/2014/main" id="{010121E5-247D-4498-A3A0-D7B14D200659}"/>
+                <a16:creationId xmlns:a16="http://schemas.microsoft.com/office/drawing/2014/main" id="{B9516A59-2984-4DD4-BE91-6972B15978DC}"/>
               </a:ext>
             </a:extLst>
           </p:cNvPr>
@@ -2326,13 +2252,18 @@
     </p:spTree>
     <p:extLst>
       <p:ext uri="{BB962C8B-B14F-4D97-AF65-F5344CB8AC3E}">
-        <p14:creationId xmlns:p14="http://schemas.microsoft.com/office/powerpoint/2010/main" val="4251782211"/>
+        <p14:creationId xmlns:p14="http://schemas.microsoft.com/office/powerpoint/2010/main" val="2850457866"/>
       </p:ext>
     </p:extLst>
   </p:cSld>
   <p:clrMapOvr>
     <a:masterClrMapping/>
   </p:clrMapOvr>
+  <p:extLst>
+    <p:ext uri="{DCECCB84-F9BA-43D5-87BE-67443E8EF086}">
+      <p15:sldGuideLst xmlns:p15="http://schemas.microsoft.com/office/powerpoint/2012/main"/>
+    </p:ext>
+  </p:extLst>
 </p:sldLayout>
 </file>
 
@@ -2358,7 +2289,7 @@
           <p:cNvPr id="2" name="標題 1">
             <a:extLst>
               <a:ext uri="{FF2B5EF4-FFF2-40B4-BE49-F238E27FC236}">
-                <a16:creationId xmlns:a16="http://schemas.microsoft.com/office/drawing/2014/main" id="{0095C233-3BB2-4EE5-BA8A-1CDECCFFFD7A}"/>
+                <a16:creationId xmlns:a16="http://schemas.microsoft.com/office/drawing/2014/main" id="{ADEE11A1-4387-4C8D-92B2-F19204C1DEB7}"/>
               </a:ext>
             </a:extLst>
           </p:cNvPr>
@@ -2386,7 +2317,7 @@
           <p:cNvPr id="3" name="日期版面配置區 2">
             <a:extLst>
               <a:ext uri="{FF2B5EF4-FFF2-40B4-BE49-F238E27FC236}">
-                <a16:creationId xmlns:a16="http://schemas.microsoft.com/office/drawing/2014/main" id="{FF9FA116-329F-4C23-B62F-DDBDEA1ABE9E}"/>
+                <a16:creationId xmlns:a16="http://schemas.microsoft.com/office/drawing/2014/main" id="{03F907A6-9E48-48D8-88BE-03B8873D5B1B}"/>
               </a:ext>
             </a:extLst>
           </p:cNvPr>
@@ -2415,7 +2346,7 @@
           <p:cNvPr id="4" name="頁尾版面配置區 3">
             <a:extLst>
               <a:ext uri="{FF2B5EF4-FFF2-40B4-BE49-F238E27FC236}">
-                <a16:creationId xmlns:a16="http://schemas.microsoft.com/office/drawing/2014/main" id="{4D79A9CD-F1A5-4BE6-AF6E-A93768C1ADF5}"/>
+                <a16:creationId xmlns:a16="http://schemas.microsoft.com/office/drawing/2014/main" id="{41B72B4B-29C0-4F02-8173-2C63D14C4A30}"/>
               </a:ext>
             </a:extLst>
           </p:cNvPr>
@@ -2440,7 +2371,7 @@
           <p:cNvPr id="5" name="投影片編號版面配置區 4">
             <a:extLst>
               <a:ext uri="{FF2B5EF4-FFF2-40B4-BE49-F238E27FC236}">
-                <a16:creationId xmlns:a16="http://schemas.microsoft.com/office/drawing/2014/main" id="{78D1CCB9-124D-429E-963F-822D93E97FAD}"/>
+                <a16:creationId xmlns:a16="http://schemas.microsoft.com/office/drawing/2014/main" id="{81A6A9F8-22A6-48F1-BF8A-6E8B54977DC2}"/>
               </a:ext>
             </a:extLst>
           </p:cNvPr>
@@ -2467,7 +2398,7 @@
     </p:spTree>
     <p:extLst>
       <p:ext uri="{BB962C8B-B14F-4D97-AF65-F5344CB8AC3E}">
-        <p14:creationId xmlns:p14="http://schemas.microsoft.com/office/powerpoint/2010/main" val="1415273984"/>
+        <p14:creationId xmlns:p14="http://schemas.microsoft.com/office/powerpoint/2010/main" val="3762983064"/>
       </p:ext>
     </p:extLst>
   </p:cSld>
@@ -2499,7 +2430,7 @@
           <p:cNvPr id="2" name="日期版面配置區 1">
             <a:extLst>
               <a:ext uri="{FF2B5EF4-FFF2-40B4-BE49-F238E27FC236}">
-                <a16:creationId xmlns:a16="http://schemas.microsoft.com/office/drawing/2014/main" id="{E9742F89-4F69-447F-B2C0-0EF8DBF92E4E}"/>
+                <a16:creationId xmlns:a16="http://schemas.microsoft.com/office/drawing/2014/main" id="{17708143-E235-4AD7-A30F-CA3C05B20ACC}"/>
               </a:ext>
             </a:extLst>
           </p:cNvPr>
@@ -2528,7 +2459,7 @@
           <p:cNvPr id="3" name="頁尾版面配置區 2">
             <a:extLst>
               <a:ext uri="{FF2B5EF4-FFF2-40B4-BE49-F238E27FC236}">
-                <a16:creationId xmlns:a16="http://schemas.microsoft.com/office/drawing/2014/main" id="{6F7632B0-95C5-409C-93F6-0024FCC5626F}"/>
+                <a16:creationId xmlns:a16="http://schemas.microsoft.com/office/drawing/2014/main" id="{BCD82D91-6D79-46D1-9A98-CEDB357A5290}"/>
               </a:ext>
             </a:extLst>
           </p:cNvPr>
@@ -2553,7 +2484,7 @@
           <p:cNvPr id="4" name="投影片編號版面配置區 3">
             <a:extLst>
               <a:ext uri="{FF2B5EF4-FFF2-40B4-BE49-F238E27FC236}">
-                <a16:creationId xmlns:a16="http://schemas.microsoft.com/office/drawing/2014/main" id="{8D63945A-333F-49BB-B13B-2E4E3F4F9130}"/>
+                <a16:creationId xmlns:a16="http://schemas.microsoft.com/office/drawing/2014/main" id="{C7DC2A09-E83D-4B3C-B0BC-9044C8EB1D29}"/>
               </a:ext>
             </a:extLst>
           </p:cNvPr>
@@ -2580,7 +2511,7 @@
     </p:spTree>
     <p:extLst>
       <p:ext uri="{BB962C8B-B14F-4D97-AF65-F5344CB8AC3E}">
-        <p14:creationId xmlns:p14="http://schemas.microsoft.com/office/powerpoint/2010/main" val="3936146650"/>
+        <p14:creationId xmlns:p14="http://schemas.microsoft.com/office/powerpoint/2010/main" val="1725376045"/>
       </p:ext>
     </p:extLst>
   </p:cSld>
@@ -2612,7 +2543,7 @@
           <p:cNvPr id="2" name="標題 1">
             <a:extLst>
               <a:ext uri="{FF2B5EF4-FFF2-40B4-BE49-F238E27FC236}">
-                <a16:creationId xmlns:a16="http://schemas.microsoft.com/office/drawing/2014/main" id="{A1FA13C1-8D23-4922-B66F-648B3D53BE6B}"/>
+                <a16:creationId xmlns:a16="http://schemas.microsoft.com/office/drawing/2014/main" id="{F5915769-5B59-4196-B482-14A82298A5D7}"/>
               </a:ext>
             </a:extLst>
           </p:cNvPr>
@@ -2649,7 +2580,7 @@
           <p:cNvPr id="3" name="內容版面配置區 2">
             <a:extLst>
               <a:ext uri="{FF2B5EF4-FFF2-40B4-BE49-F238E27FC236}">
-                <a16:creationId xmlns:a16="http://schemas.microsoft.com/office/drawing/2014/main" id="{459A0888-62E1-4138-A111-AF3E1988DB1E}"/>
+                <a16:creationId xmlns:a16="http://schemas.microsoft.com/office/drawing/2014/main" id="{5033665B-DFBD-4766-BB2E-9CD05ABEDC90}"/>
               </a:ext>
             </a:extLst>
           </p:cNvPr>
@@ -2739,7 +2670,7 @@
           <p:cNvPr id="4" name="文字版面配置區 3">
             <a:extLst>
               <a:ext uri="{FF2B5EF4-FFF2-40B4-BE49-F238E27FC236}">
-                <a16:creationId xmlns:a16="http://schemas.microsoft.com/office/drawing/2014/main" id="{6D53AD85-782D-46F5-B8B9-055D1F1ECB5D}"/>
+                <a16:creationId xmlns:a16="http://schemas.microsoft.com/office/drawing/2014/main" id="{661B04C0-6780-4171-863B-E0772334B4FF}"/>
               </a:ext>
             </a:extLst>
           </p:cNvPr>
@@ -2810,7 +2741,7 @@
           <p:cNvPr id="5" name="日期版面配置區 4">
             <a:extLst>
               <a:ext uri="{FF2B5EF4-FFF2-40B4-BE49-F238E27FC236}">
-                <a16:creationId xmlns:a16="http://schemas.microsoft.com/office/drawing/2014/main" id="{D87EA3C9-AE3C-407D-8398-2057B310EEA3}"/>
+                <a16:creationId xmlns:a16="http://schemas.microsoft.com/office/drawing/2014/main" id="{575A67A8-D932-440D-BF9F-6049D3EE589E}"/>
               </a:ext>
             </a:extLst>
           </p:cNvPr>
@@ -2839,7 +2770,7 @@
           <p:cNvPr id="6" name="頁尾版面配置區 5">
             <a:extLst>
               <a:ext uri="{FF2B5EF4-FFF2-40B4-BE49-F238E27FC236}">
-                <a16:creationId xmlns:a16="http://schemas.microsoft.com/office/drawing/2014/main" id="{BFABDD4B-0BA3-42A0-9740-75FD6885FAF4}"/>
+                <a16:creationId xmlns:a16="http://schemas.microsoft.com/office/drawing/2014/main" id="{1BE40E1B-72BC-470C-ABF2-1B622842AF48}"/>
               </a:ext>
             </a:extLst>
           </p:cNvPr>
@@ -2864,7 +2795,7 @@
           <p:cNvPr id="7" name="投影片編號版面配置區 6">
             <a:extLst>
               <a:ext uri="{FF2B5EF4-FFF2-40B4-BE49-F238E27FC236}">
-                <a16:creationId xmlns:a16="http://schemas.microsoft.com/office/drawing/2014/main" id="{39D16C6C-1F96-48A1-A1CE-9B1473D53320}"/>
+                <a16:creationId xmlns:a16="http://schemas.microsoft.com/office/drawing/2014/main" id="{159EE78B-9679-4AC6-AC64-5513E59FE0CA}"/>
               </a:ext>
             </a:extLst>
           </p:cNvPr>
@@ -2891,13 +2822,18 @@
     </p:spTree>
     <p:extLst>
       <p:ext uri="{BB962C8B-B14F-4D97-AF65-F5344CB8AC3E}">
-        <p14:creationId xmlns:p14="http://schemas.microsoft.com/office/powerpoint/2010/main" val="189287618"/>
+        <p14:creationId xmlns:p14="http://schemas.microsoft.com/office/powerpoint/2010/main" val="1838515627"/>
       </p:ext>
     </p:extLst>
   </p:cSld>
   <p:clrMapOvr>
     <a:masterClrMapping/>
   </p:clrMapOvr>
+  <p:extLst>
+    <p:ext uri="{DCECCB84-F9BA-43D5-87BE-67443E8EF086}">
+      <p15:sldGuideLst xmlns:p15="http://schemas.microsoft.com/office/powerpoint/2012/main"/>
+    </p:ext>
+  </p:extLst>
 </p:sldLayout>
 </file>
 
@@ -2923,7 +2859,7 @@
           <p:cNvPr id="2" name="標題 1">
             <a:extLst>
               <a:ext uri="{FF2B5EF4-FFF2-40B4-BE49-F238E27FC236}">
-                <a16:creationId xmlns:a16="http://schemas.microsoft.com/office/drawing/2014/main" id="{93F2C22D-E0A8-4322-9522-78A291613B9B}"/>
+                <a16:creationId xmlns:a16="http://schemas.microsoft.com/office/drawing/2014/main" id="{9BE801D7-D7FA-4544-A060-BFE151830549}"/>
               </a:ext>
             </a:extLst>
           </p:cNvPr>
@@ -2960,7 +2896,7 @@
           <p:cNvPr id="3" name="圖片版面配置區 2">
             <a:extLst>
               <a:ext uri="{FF2B5EF4-FFF2-40B4-BE49-F238E27FC236}">
-                <a16:creationId xmlns:a16="http://schemas.microsoft.com/office/drawing/2014/main" id="{9D971E08-7E4E-49A0-9211-7BA6F0E3C592}"/>
+                <a16:creationId xmlns:a16="http://schemas.microsoft.com/office/drawing/2014/main" id="{49EC23FB-D558-4C0C-B1BF-0F6A936A82F9}"/>
               </a:ext>
             </a:extLst>
           </p:cNvPr>
@@ -3027,7 +2963,7 @@
           <p:cNvPr id="4" name="文字版面配置區 3">
             <a:extLst>
               <a:ext uri="{FF2B5EF4-FFF2-40B4-BE49-F238E27FC236}">
-                <a16:creationId xmlns:a16="http://schemas.microsoft.com/office/drawing/2014/main" id="{FD831E8D-37B4-4AE8-A3E2-7072EEE6C17C}"/>
+                <a16:creationId xmlns:a16="http://schemas.microsoft.com/office/drawing/2014/main" id="{CD287DCD-5F5A-47FE-B64B-8E1DBC08D2BF}"/>
               </a:ext>
             </a:extLst>
           </p:cNvPr>
@@ -3098,7 +3034,7 @@
           <p:cNvPr id="5" name="日期版面配置區 4">
             <a:extLst>
               <a:ext uri="{FF2B5EF4-FFF2-40B4-BE49-F238E27FC236}">
-                <a16:creationId xmlns:a16="http://schemas.microsoft.com/office/drawing/2014/main" id="{DC1BB97C-797B-4D77-A2F0-519923E6D24B}"/>
+                <a16:creationId xmlns:a16="http://schemas.microsoft.com/office/drawing/2014/main" id="{38545496-3980-4A2F-B83E-D8CB4EF2E4EE}"/>
               </a:ext>
             </a:extLst>
           </p:cNvPr>
@@ -3127,7 +3063,7 @@
           <p:cNvPr id="6" name="頁尾版面配置區 5">
             <a:extLst>
               <a:ext uri="{FF2B5EF4-FFF2-40B4-BE49-F238E27FC236}">
-                <a16:creationId xmlns:a16="http://schemas.microsoft.com/office/drawing/2014/main" id="{2328499A-F410-49AE-84D1-BAE45C6E1069}"/>
+                <a16:creationId xmlns:a16="http://schemas.microsoft.com/office/drawing/2014/main" id="{F2F387E8-2843-40A3-A856-98A5EE7E09E2}"/>
               </a:ext>
             </a:extLst>
           </p:cNvPr>
@@ -3152,7 +3088,7 @@
           <p:cNvPr id="7" name="投影片編號版面配置區 6">
             <a:extLst>
               <a:ext uri="{FF2B5EF4-FFF2-40B4-BE49-F238E27FC236}">
-                <a16:creationId xmlns:a16="http://schemas.microsoft.com/office/drawing/2014/main" id="{0F814473-3F47-4F24-BB34-AB634AD4041C}"/>
+                <a16:creationId xmlns:a16="http://schemas.microsoft.com/office/drawing/2014/main" id="{A826E6AF-35BB-44FA-8968-156E6AC4F53C}"/>
               </a:ext>
             </a:extLst>
           </p:cNvPr>
@@ -3179,7 +3115,7 @@
     </p:spTree>
     <p:extLst>
       <p:ext uri="{BB962C8B-B14F-4D97-AF65-F5344CB8AC3E}">
-        <p14:creationId xmlns:p14="http://schemas.microsoft.com/office/powerpoint/2010/main" val="2883403366"/>
+        <p14:creationId xmlns:p14="http://schemas.microsoft.com/office/powerpoint/2010/main" val="3777916483"/>
       </p:ext>
     </p:extLst>
   </p:cSld>
@@ -3216,7 +3152,7 @@
           <p:cNvPr id="2" name="標題版面配置區 1">
             <a:extLst>
               <a:ext uri="{FF2B5EF4-FFF2-40B4-BE49-F238E27FC236}">
-                <a16:creationId xmlns:a16="http://schemas.microsoft.com/office/drawing/2014/main" id="{4885C72D-49E9-4271-A093-7C4E30DE4214}"/>
+                <a16:creationId xmlns:a16="http://schemas.microsoft.com/office/drawing/2014/main" id="{DBA3185C-EF3A-4D89-82FA-A3BA6F28370E}"/>
               </a:ext>
             </a:extLst>
           </p:cNvPr>
@@ -3254,7 +3190,7 @@
           <p:cNvPr id="3" name="文字版面配置區 2">
             <a:extLst>
               <a:ext uri="{FF2B5EF4-FFF2-40B4-BE49-F238E27FC236}">
-                <a16:creationId xmlns:a16="http://schemas.microsoft.com/office/drawing/2014/main" id="{2F24AC0E-1124-4B05-B3F1-E552E6E0388C}"/>
+                <a16:creationId xmlns:a16="http://schemas.microsoft.com/office/drawing/2014/main" id="{1943BE45-831C-4B4D-8A14-1374E0763205}"/>
               </a:ext>
             </a:extLst>
           </p:cNvPr>
@@ -3321,7 +3257,7 @@
           <p:cNvPr id="4" name="日期版面配置區 3">
             <a:extLst>
               <a:ext uri="{FF2B5EF4-FFF2-40B4-BE49-F238E27FC236}">
-                <a16:creationId xmlns:a16="http://schemas.microsoft.com/office/drawing/2014/main" id="{6E281AB9-1965-44DF-B83A-3FB8AB65E170}"/>
+                <a16:creationId xmlns:a16="http://schemas.microsoft.com/office/drawing/2014/main" id="{22A7ED09-7BE6-4D69-99AA-F136638117C6}"/>
               </a:ext>
             </a:extLst>
           </p:cNvPr>
@@ -3368,7 +3304,7 @@
           <p:cNvPr id="5" name="頁尾版面配置區 4">
             <a:extLst>
               <a:ext uri="{FF2B5EF4-FFF2-40B4-BE49-F238E27FC236}">
-                <a16:creationId xmlns:a16="http://schemas.microsoft.com/office/drawing/2014/main" id="{7968E0A4-3479-4014-93D1-7B83F0CF3AB8}"/>
+                <a16:creationId xmlns:a16="http://schemas.microsoft.com/office/drawing/2014/main" id="{A37FFD0D-97BE-4E28-A8D5-DFC1DBC59760}"/>
               </a:ext>
             </a:extLst>
           </p:cNvPr>
@@ -3411,7 +3347,7 @@
           <p:cNvPr id="6" name="投影片編號版面配置區 5">
             <a:extLst>
               <a:ext uri="{FF2B5EF4-FFF2-40B4-BE49-F238E27FC236}">
-                <a16:creationId xmlns:a16="http://schemas.microsoft.com/office/drawing/2014/main" id="{EE6D331A-6B4C-476A-844A-E42CE44E7EAC}"/>
+                <a16:creationId xmlns:a16="http://schemas.microsoft.com/office/drawing/2014/main" id="{282CFBE7-8591-4F7A-BFFE-5EA92AC8AC5B}"/>
               </a:ext>
             </a:extLst>
           </p:cNvPr>
@@ -3456,23 +3392,23 @@
     </p:spTree>
     <p:extLst>
       <p:ext uri="{BB962C8B-B14F-4D97-AF65-F5344CB8AC3E}">
-        <p14:creationId xmlns:p14="http://schemas.microsoft.com/office/powerpoint/2010/main" val="119622255"/>
+        <p14:creationId xmlns:p14="http://schemas.microsoft.com/office/powerpoint/2010/main" val="2320381086"/>
       </p:ext>
     </p:extLst>
   </p:cSld>
   <p:clrMap bg1="lt1" tx1="dk1" bg2="lt2" tx2="dk2" accent1="accent1" accent2="accent2" accent3="accent3" accent4="accent4" accent5="accent5" accent6="accent6" hlink="hlink" folHlink="folHlink"/>
   <p:sldLayoutIdLst>
-    <p:sldLayoutId id="2147483649" r:id="rId1"/>
-    <p:sldLayoutId id="2147483650" r:id="rId2"/>
-    <p:sldLayoutId id="2147483651" r:id="rId3"/>
-    <p:sldLayoutId id="2147483652" r:id="rId4"/>
-    <p:sldLayoutId id="2147483653" r:id="rId5"/>
-    <p:sldLayoutId id="2147483654" r:id="rId6"/>
-    <p:sldLayoutId id="2147483655" r:id="rId7"/>
-    <p:sldLayoutId id="2147483656" r:id="rId8"/>
-    <p:sldLayoutId id="2147483657" r:id="rId9"/>
-    <p:sldLayoutId id="2147483658" r:id="rId10"/>
-    <p:sldLayoutId id="2147483659" r:id="rId11"/>
+    <p:sldLayoutId id="2147483821" r:id="rId1"/>
+    <p:sldLayoutId id="2147483822" r:id="rId2"/>
+    <p:sldLayoutId id="2147483823" r:id="rId3"/>
+    <p:sldLayoutId id="2147483824" r:id="rId4"/>
+    <p:sldLayoutId id="2147483825" r:id="rId5"/>
+    <p:sldLayoutId id="2147483826" r:id="rId6"/>
+    <p:sldLayoutId id="2147483827" r:id="rId7"/>
+    <p:sldLayoutId id="2147483828" r:id="rId8"/>
+    <p:sldLayoutId id="2147483829" r:id="rId9"/>
+    <p:sldLayoutId id="2147483830" r:id="rId10"/>
+    <p:sldLayoutId id="2147483831" r:id="rId11"/>
   </p:sldLayoutIdLst>
   <p:txStyles>
     <p:titleStyle>
@@ -3754,6 +3690,11 @@
       </a:lvl9pPr>
     </p:otherStyle>
   </p:txStyles>
+  <p:extLst>
+    <p:ext uri="{27BBF7A9-308A-43DC-89C8-2F10F3537804}">
+      <p15:sldGuideLst xmlns:p15="http://schemas.microsoft.com/office/powerpoint/2012/main"/>
+    </p:ext>
+  </p:extLst>
 </p:sldMaster>
 </file>
 
@@ -3790,7 +3731,12 @@
             <p:ph type="ctrTitle"/>
           </p:nvPr>
         </p:nvSpPr>
-        <p:spPr/>
+        <p:spPr>
+          <a:xfrm>
+            <a:off x="1524000" y="1122363"/>
+            <a:ext cx="9144000" cy="2387600"/>
+          </a:xfrm>
+        </p:spPr>
         <p:txBody>
           <a:bodyPr anchor="ctr">
             <a:noAutofit/>
@@ -3806,15 +3752,7 @@
             </a:br>
             <a:r>
               <a:rPr lang="zh-TW" altLang="en-US" sz="4400"/>
-              <a:t>作業四：應用程式設計</a:t>
-            </a:r>
-            <a:r>
-              <a:rPr lang="en-US" altLang="zh-TW" sz="4400"/>
-              <a:t>&amp;STL</a:t>
-            </a:r>
-            <a:r>
-              <a:rPr lang="zh-TW" altLang="en-US" sz="4400"/>
-              <a:t>程式練習</a:t>
+              <a:t>期末報告－－肥宅隊伍</a:t>
             </a:r>
           </a:p>
         </p:txBody>
@@ -3835,9 +3773,16 @@
             <p:ph type="subTitle" idx="1"/>
           </p:nvPr>
         </p:nvSpPr>
-        <p:spPr/>
-        <p:txBody>
-          <a:bodyPr anchor="ctr"/>
+        <p:spPr>
+          <a:xfrm>
+            <a:off x="1524000" y="3602038"/>
+            <a:ext cx="9144000" cy="1655762"/>
+          </a:xfrm>
+        </p:spPr>
+        <p:txBody>
+          <a:bodyPr anchor="ctr">
+            <a:normAutofit/>
+          </a:bodyPr>
           <a:lstStyle/>
           <a:p>
             <a:r>
@@ -3948,6 +3893,1338 @@
           <a:chExt cx="0" cy="0"/>
         </a:xfrm>
       </p:grpSpPr>
+      <p:sp>
+        <p:nvSpPr>
+          <p:cNvPr id="2" name="標題 1">
+            <a:extLst>
+              <a:ext uri="{FF2B5EF4-FFF2-40B4-BE49-F238E27FC236}">
+                <a16:creationId xmlns:a16="http://schemas.microsoft.com/office/drawing/2014/main" id="{4457B8C9-56BD-4589-B5A8-9B5476310C0B}"/>
+              </a:ext>
+            </a:extLst>
+          </p:cNvPr>
+          <p:cNvSpPr>
+            <a:spLocks noGrp="1"/>
+          </p:cNvSpPr>
+          <p:nvPr>
+            <p:ph type="title"/>
+          </p:nvPr>
+        </p:nvSpPr>
+        <p:spPr/>
+        <p:txBody>
+          <a:bodyPr/>
+          <a:lstStyle/>
+          <a:p>
+            <a:r>
+              <a:rPr lang="zh-TW" altLang="en-US"/>
+              <a:t>輸入 </a:t>
+            </a:r>
+            <a:r>
+              <a:rPr lang="en-US" altLang="zh-TW"/>
+              <a:t>/</a:t>
+            </a:r>
+            <a:r>
+              <a:rPr lang="zh-TW" altLang="en-US"/>
+              <a:t> 輸出說明－－題二［問題本體］</a:t>
+            </a:r>
+          </a:p>
+        </p:txBody>
+      </p:sp>
+      <p:sp>
+        <p:nvSpPr>
+          <p:cNvPr id="3" name="內容版面配置區 2">
+            <a:extLst>
+              <a:ext uri="{FF2B5EF4-FFF2-40B4-BE49-F238E27FC236}">
+                <a16:creationId xmlns:a16="http://schemas.microsoft.com/office/drawing/2014/main" id="{7A70C0EA-8BC2-4985-94E5-8B21E13625E4}"/>
+              </a:ext>
+            </a:extLst>
+          </p:cNvPr>
+          <p:cNvSpPr>
+            <a:spLocks noGrp="1"/>
+          </p:cNvSpPr>
+          <p:nvPr>
+            <p:ph idx="1"/>
+          </p:nvPr>
+        </p:nvSpPr>
+        <p:spPr/>
+        <p:txBody>
+          <a:bodyPr>
+            <a:normAutofit lnSpcReduction="10000"/>
+          </a:bodyPr>
+          <a:lstStyle/>
+          <a:p>
+            <a:pPr marL="0" indent="0">
+              <a:lnSpc>
+                <a:spcPct val="110000"/>
+              </a:lnSpc>
+              <a:buNone/>
+            </a:pPr>
+            <a:r>
+              <a:rPr lang="zh-TW" altLang="zh-TW" sz="2400" b="1" dirty="0">
+                <a:latin typeface="Times New Roman" panose="02020603050405020304" pitchFamily="18" charset="0"/>
+                <a:ea typeface="標楷體" panose="03000509000000000000" pitchFamily="65" charset="-120"/>
+              </a:rPr>
+              <a:t>輸入</a:t>
+            </a:r>
+            <a:r>
+              <a:rPr lang="zh-TW" altLang="zh-TW" sz="2400" b="1">
+                <a:latin typeface="Times New Roman" panose="02020603050405020304" pitchFamily="18" charset="0"/>
+                <a:ea typeface="標楷體" panose="03000509000000000000" pitchFamily="65" charset="-120"/>
+              </a:rPr>
+              <a:t>說明</a:t>
+            </a:r>
+            <a:r>
+              <a:rPr lang="zh-TW" altLang="en-US" sz="2400" b="1">
+                <a:latin typeface="Times New Roman" panose="02020603050405020304" pitchFamily="18" charset="0"/>
+                <a:ea typeface="標楷體" panose="03000509000000000000" pitchFamily="65" charset="-120"/>
+              </a:rPr>
+              <a:t>：</a:t>
+            </a:r>
+            <a:r>
+              <a:rPr lang="zh-TW" altLang="en-US" sz="2400">
+                <a:latin typeface="Times New Roman" panose="02020603050405020304" pitchFamily="18" charset="0"/>
+                <a:ea typeface="標楷體" panose="03000509000000000000" pitchFamily="65" charset="-120"/>
+              </a:rPr>
+              <a:t>題一的輸出。</a:t>
+            </a:r>
+            <a:endParaRPr lang="en-US" altLang="zh-TW" sz="2400">
+              <a:latin typeface="Times New Roman" panose="02020603050405020304" pitchFamily="18" charset="0"/>
+              <a:ea typeface="標楷體" panose="03000509000000000000" pitchFamily="65" charset="-120"/>
+            </a:endParaRPr>
+          </a:p>
+          <a:p>
+            <a:pPr marL="0" indent="0">
+              <a:lnSpc>
+                <a:spcPct val="110000"/>
+              </a:lnSpc>
+              <a:buNone/>
+            </a:pPr>
+            <a:r>
+              <a:rPr lang="zh-TW" altLang="zh-TW" sz="2400" b="1">
+                <a:latin typeface="Times New Roman" panose="02020603050405020304" pitchFamily="18" charset="0"/>
+                <a:ea typeface="標楷體" panose="03000509000000000000" pitchFamily="65" charset="-120"/>
+              </a:rPr>
+              <a:t>輸出說明</a:t>
+            </a:r>
+            <a:r>
+              <a:rPr lang="zh-TW" altLang="en-US" sz="2400" b="1">
+                <a:latin typeface="Times New Roman" panose="02020603050405020304" pitchFamily="18" charset="0"/>
+                <a:ea typeface="標楷體" panose="03000509000000000000" pitchFamily="65" charset="-120"/>
+              </a:rPr>
+              <a:t>：</a:t>
+            </a:r>
+            <a:endParaRPr lang="en-US" altLang="zh-TW" sz="2400" b="1">
+              <a:latin typeface="Times New Roman" panose="02020603050405020304" pitchFamily="18" charset="0"/>
+              <a:ea typeface="標楷體" panose="03000509000000000000" pitchFamily="65" charset="-120"/>
+            </a:endParaRPr>
+          </a:p>
+          <a:p>
+            <a:pPr marL="0" indent="0">
+              <a:buNone/>
+            </a:pPr>
+            <a:r>
+              <a:rPr lang="zh-TW" altLang="en-US" sz="2400">
+                <a:latin typeface="Times New Roman" panose="02020603050405020304" pitchFamily="18" charset="0"/>
+                <a:ea typeface="標楷體" panose="03000509000000000000" pitchFamily="65" charset="-120"/>
+              </a:rPr>
+              <a:t>輸出名單符合以下規則。</a:t>
+            </a:r>
+            <a:endParaRPr lang="en-US" altLang="zh-TW" sz="2400">
+              <a:latin typeface="Times New Roman" panose="02020603050405020304" pitchFamily="18" charset="0"/>
+              <a:ea typeface="標楷體" panose="03000509000000000000" pitchFamily="65" charset="-120"/>
+            </a:endParaRPr>
+          </a:p>
+          <a:p>
+            <a:pPr marL="0" indent="0">
+              <a:buNone/>
+            </a:pPr>
+            <a:r>
+              <a:rPr lang="zh-TW" altLang="en-US" sz="2400">
+                <a:latin typeface="Times New Roman" panose="02020603050405020304" pitchFamily="18" charset="0"/>
+                <a:ea typeface="標楷體" panose="03000509000000000000" pitchFamily="65" charset="-120"/>
+              </a:rPr>
+              <a:t>一，對於名字重複的項目，只保留排序在最前面（最早被輸入）的。</a:t>
+            </a:r>
+            <a:endParaRPr lang="en-US" altLang="zh-TW" sz="2400">
+              <a:latin typeface="Times New Roman" panose="02020603050405020304" pitchFamily="18" charset="0"/>
+              <a:ea typeface="標楷體" panose="03000509000000000000" pitchFamily="65" charset="-120"/>
+            </a:endParaRPr>
+          </a:p>
+          <a:p>
+            <a:pPr marL="0" indent="0">
+              <a:buNone/>
+            </a:pPr>
+            <a:r>
+              <a:rPr lang="zh-TW" altLang="en-US" sz="2400">
+                <a:latin typeface="Times New Roman" panose="02020603050405020304" pitchFamily="18" charset="0"/>
+                <a:ea typeface="標楷體" panose="03000509000000000000" pitchFamily="65" charset="-120"/>
+              </a:rPr>
+              <a:t>二，以最少的項目刪除量，使名單符合依總價值遞減的排序。</a:t>
+            </a:r>
+            <a:endParaRPr lang="en-US" altLang="zh-TW" sz="2400">
+              <a:latin typeface="Times New Roman" panose="02020603050405020304" pitchFamily="18" charset="0"/>
+              <a:ea typeface="標楷體" panose="03000509000000000000" pitchFamily="65" charset="-120"/>
+            </a:endParaRPr>
+          </a:p>
+          <a:p>
+            <a:pPr marL="0" indent="0">
+              <a:buNone/>
+            </a:pPr>
+            <a:r>
+              <a:rPr lang="zh-TW" altLang="en-US" sz="2400" b="1">
+                <a:solidFill>
+                  <a:srgbClr val="FF0000"/>
+                </a:solidFill>
+                <a:latin typeface="Times New Roman" panose="02020603050405020304" pitchFamily="18" charset="0"/>
+                <a:ea typeface="標楷體" panose="03000509000000000000" pitchFamily="65" charset="-120"/>
+              </a:rPr>
+              <a:t>總價值定義：初始價值總和為第一個物品，從第二個物品依序檢查，當前物品價值大於當前價值總和時累加，小於時減去。</a:t>
+            </a:r>
+            <a:endParaRPr lang="en-US" altLang="zh-TW" sz="2400" b="1">
+              <a:solidFill>
+                <a:srgbClr val="FF0000"/>
+              </a:solidFill>
+              <a:latin typeface="Times New Roman" panose="02020603050405020304" pitchFamily="18" charset="0"/>
+              <a:ea typeface="標楷體" panose="03000509000000000000" pitchFamily="65" charset="-120"/>
+            </a:endParaRPr>
+          </a:p>
+          <a:p>
+            <a:pPr marL="0" indent="0">
+              <a:buNone/>
+            </a:pPr>
+            <a:r>
+              <a:rPr lang="zh-TW" altLang="en-US" sz="2400">
+                <a:latin typeface="Times New Roman" panose="02020603050405020304" pitchFamily="18" charset="0"/>
+                <a:ea typeface="標楷體" panose="03000509000000000000" pitchFamily="65" charset="-120"/>
+              </a:rPr>
+              <a:t>首先，輸出新名單的項目數量，並進行一次換行。</a:t>
+            </a:r>
+            <a:endParaRPr lang="en-US" altLang="zh-TW" sz="2400">
+              <a:latin typeface="Times New Roman" panose="02020603050405020304" pitchFamily="18" charset="0"/>
+              <a:ea typeface="標楷體" panose="03000509000000000000" pitchFamily="65" charset="-120"/>
+            </a:endParaRPr>
+          </a:p>
+          <a:p>
+            <a:pPr marL="0" indent="0">
+              <a:buNone/>
+            </a:pPr>
+            <a:r>
+              <a:rPr lang="zh-TW" altLang="en-US" sz="2400">
+                <a:latin typeface="Times New Roman" panose="02020603050405020304" pitchFamily="18" charset="0"/>
+                <a:ea typeface="標楷體" panose="03000509000000000000" pitchFamily="65" charset="-120"/>
+              </a:rPr>
+              <a:t>然後，將其中的名字依序輸出，名字之間以 </a:t>
+            </a:r>
+            <a:r>
+              <a:rPr lang="en-US" altLang="zh-TW" sz="2400">
+                <a:latin typeface="Times New Roman" panose="02020603050405020304" pitchFamily="18" charset="0"/>
+                <a:ea typeface="標楷體" panose="03000509000000000000" pitchFamily="65" charset="-120"/>
+              </a:rPr>
+              <a:t>“</a:t>
+            </a:r>
+            <a:r>
+              <a:rPr lang="en-US" altLang="zh-TW" sz="2400">
+                <a:ea typeface="標楷體" panose="03000509000000000000" pitchFamily="65" charset="-120"/>
+              </a:rPr>
+              <a:t>-&gt;</a:t>
+            </a:r>
+            <a:r>
+              <a:rPr lang="en-US" altLang="zh-TW" sz="2400">
+                <a:latin typeface="Times New Roman" panose="02020603050405020304" pitchFamily="18" charset="0"/>
+                <a:ea typeface="標楷體" panose="03000509000000000000" pitchFamily="65" charset="-120"/>
+              </a:rPr>
+              <a:t>”</a:t>
+            </a:r>
+            <a:r>
+              <a:rPr lang="zh-TW" altLang="en-US" sz="2400">
+                <a:latin typeface="Times New Roman" panose="02020603050405020304" pitchFamily="18" charset="0"/>
+                <a:ea typeface="標楷體" panose="03000509000000000000" pitchFamily="65" charset="-120"/>
+              </a:rPr>
+              <a:t> 相隔。輸出最後接換行。</a:t>
+            </a:r>
+            <a:endParaRPr lang="en-US" altLang="zh-TW" sz="2400">
+              <a:latin typeface="Times New Roman" panose="02020603050405020304" pitchFamily="18" charset="0"/>
+              <a:ea typeface="標楷體" panose="03000509000000000000" pitchFamily="65" charset="-120"/>
+            </a:endParaRPr>
+          </a:p>
+          <a:p>
+            <a:pPr marL="0" indent="0">
+              <a:buNone/>
+            </a:pPr>
+            <a:r>
+              <a:rPr lang="zh-TW" altLang="en-US" sz="2400">
+                <a:latin typeface="Times New Roman" panose="02020603050405020304" pitchFamily="18" charset="0"/>
+                <a:ea typeface="標楷體" panose="03000509000000000000" pitchFamily="65" charset="-120"/>
+              </a:rPr>
+              <a:t>若有多組解，輸出「最小輸入序」的名單序列。</a:t>
+            </a:r>
+            <a:endParaRPr lang="en-US" altLang="zh-TW" sz="2400">
+              <a:latin typeface="Times New Roman" panose="02020603050405020304" pitchFamily="18" charset="0"/>
+              <a:ea typeface="標楷體" panose="03000509000000000000" pitchFamily="65" charset="-120"/>
+            </a:endParaRPr>
+          </a:p>
+        </p:txBody>
+      </p:sp>
+    </p:spTree>
+    <p:extLst>
+      <p:ext uri="{BB962C8B-B14F-4D97-AF65-F5344CB8AC3E}">
+        <p14:creationId xmlns:p14="http://schemas.microsoft.com/office/powerpoint/2010/main" val="1713517947"/>
+      </p:ext>
+    </p:extLst>
+  </p:cSld>
+  <p:clrMapOvr>
+    <a:masterClrMapping/>
+  </p:clrMapOvr>
+</p:sld>
+</file>
+
+<file path=ppt/slides/slide11.xml><?xml version="1.0" encoding="utf-8"?>
+<p:sld xmlns:a="http://schemas.openxmlformats.org/drawingml/2006/main" xmlns:r="http://schemas.openxmlformats.org/officeDocument/2006/relationships" xmlns:p="http://schemas.openxmlformats.org/presentationml/2006/main">
+  <p:cSld>
+    <p:spTree>
+      <p:nvGrpSpPr>
+        <p:cNvPr id="1" name=""/>
+        <p:cNvGrpSpPr/>
+        <p:nvPr/>
+      </p:nvGrpSpPr>
+      <p:grpSpPr>
+        <a:xfrm>
+          <a:off x="0" y="0"/>
+          <a:ext cx="0" cy="0"/>
+          <a:chOff x="0" y="0"/>
+          <a:chExt cx="0" cy="0"/>
+        </a:xfrm>
+      </p:grpSpPr>
+      <p:sp>
+        <p:nvSpPr>
+          <p:cNvPr id="2" name="標題 1">
+            <a:extLst>
+              <a:ext uri="{FF2B5EF4-FFF2-40B4-BE49-F238E27FC236}">
+                <a16:creationId xmlns:a16="http://schemas.microsoft.com/office/drawing/2014/main" id="{4457B8C9-56BD-4589-B5A8-9B5476310C0B}"/>
+              </a:ext>
+            </a:extLst>
+          </p:cNvPr>
+          <p:cNvSpPr>
+            <a:spLocks noGrp="1"/>
+          </p:cNvSpPr>
+          <p:nvPr>
+            <p:ph type="title"/>
+          </p:nvPr>
+        </p:nvSpPr>
+        <p:spPr/>
+        <p:txBody>
+          <a:bodyPr/>
+          <a:lstStyle/>
+          <a:p>
+            <a:r>
+              <a:rPr lang="zh-TW" altLang="en-US"/>
+              <a:t>輸入 </a:t>
+            </a:r>
+            <a:r>
+              <a:rPr lang="en-US" altLang="zh-TW"/>
+              <a:t>/</a:t>
+            </a:r>
+            <a:r>
+              <a:rPr lang="zh-TW" altLang="en-US"/>
+              <a:t> 輸出說明－－題二［問題本體］</a:t>
+            </a:r>
+          </a:p>
+        </p:txBody>
+      </p:sp>
+      <p:sp>
+        <p:nvSpPr>
+          <p:cNvPr id="3" name="內容版面配置區 2">
+            <a:extLst>
+              <a:ext uri="{FF2B5EF4-FFF2-40B4-BE49-F238E27FC236}">
+                <a16:creationId xmlns:a16="http://schemas.microsoft.com/office/drawing/2014/main" id="{7A70C0EA-8BC2-4985-94E5-8B21E13625E4}"/>
+              </a:ext>
+            </a:extLst>
+          </p:cNvPr>
+          <p:cNvSpPr>
+            <a:spLocks noGrp="1"/>
+          </p:cNvSpPr>
+          <p:nvPr>
+            <p:ph idx="1"/>
+          </p:nvPr>
+        </p:nvSpPr>
+        <p:spPr/>
+        <p:txBody>
+          <a:bodyPr>
+            <a:normAutofit fontScale="77500" lnSpcReduction="20000"/>
+          </a:bodyPr>
+          <a:lstStyle/>
+          <a:p>
+            <a:pPr marL="0" indent="0">
+              <a:lnSpc>
+                <a:spcPct val="110000"/>
+              </a:lnSpc>
+              <a:buNone/>
+            </a:pPr>
+            <a:r>
+              <a:rPr lang="zh-TW" altLang="en-US" b="1">
+                <a:latin typeface="Times New Roman" panose="02020603050405020304" pitchFamily="18" charset="0"/>
+                <a:ea typeface="標楷體" panose="03000509000000000000" pitchFamily="65" charset="-120"/>
+              </a:rPr>
+              <a:t>範例輸入：</a:t>
+            </a:r>
+          </a:p>
+          <a:p>
+            <a:pPr marL="0" indent="0">
+              <a:lnSpc>
+                <a:spcPct val="110000"/>
+              </a:lnSpc>
+              <a:buNone/>
+            </a:pPr>
+            <a:r>
+              <a:rPr lang="en-US" altLang="zh-TW">
+                <a:latin typeface="Times New Roman" panose="02020603050405020304" pitchFamily="18" charset="0"/>
+                <a:ea typeface="標楷體" panose="03000509000000000000" pitchFamily="65" charset="-120"/>
+              </a:rPr>
+              <a:t>KinGboB 105 215 20 30 10 // </a:t>
+            </a:r>
+            <a:r>
+              <a:rPr lang="zh-TW" altLang="en-US">
+                <a:latin typeface="Times New Roman" panose="02020603050405020304" pitchFamily="18" charset="0"/>
+                <a:ea typeface="標楷體" panose="03000509000000000000" pitchFamily="65" charset="-120"/>
+              </a:rPr>
+              <a:t>總價值</a:t>
+            </a:r>
+            <a:r>
+              <a:rPr lang="en-US" altLang="zh-TW">
+                <a:latin typeface="Times New Roman" panose="02020603050405020304" pitchFamily="18" charset="0"/>
+                <a:ea typeface="標楷體" panose="03000509000000000000" pitchFamily="65" charset="-120"/>
+              </a:rPr>
+              <a:t>: 105+215-20-30-10=260</a:t>
+            </a:r>
+          </a:p>
+          <a:p>
+            <a:pPr marL="0" indent="0">
+              <a:lnSpc>
+                <a:spcPct val="110000"/>
+              </a:lnSpc>
+              <a:buNone/>
+            </a:pPr>
+            <a:r>
+              <a:rPr lang="en-US" altLang="zh-TW">
+                <a:latin typeface="Times New Roman" panose="02020603050405020304" pitchFamily="18" charset="0"/>
+                <a:ea typeface="標楷體" panose="03000509000000000000" pitchFamily="65" charset="-120"/>
+              </a:rPr>
+              <a:t>KinGboB 99 88 66 4599 787 // </a:t>
+            </a:r>
+            <a:r>
+              <a:rPr lang="zh-TW" altLang="en-US">
+                <a:latin typeface="Times New Roman" panose="02020603050405020304" pitchFamily="18" charset="0"/>
+                <a:ea typeface="標楷體" panose="03000509000000000000" pitchFamily="65" charset="-120"/>
+              </a:rPr>
+              <a:t>這行不考慮，名字跟前一個一樣</a:t>
+            </a:r>
+          </a:p>
+          <a:p>
+            <a:pPr marL="0" indent="0">
+              <a:lnSpc>
+                <a:spcPct val="110000"/>
+              </a:lnSpc>
+              <a:buNone/>
+            </a:pPr>
+            <a:r>
+              <a:rPr lang="en-US" altLang="zh-TW">
+                <a:latin typeface="Times New Roman" panose="02020603050405020304" pitchFamily="18" charset="0"/>
+                <a:ea typeface="標楷體" panose="03000509000000000000" pitchFamily="65" charset="-120"/>
+              </a:rPr>
+              <a:t>Louis 777 999999 55 2 88 // </a:t>
+            </a:r>
+            <a:r>
+              <a:rPr lang="zh-TW" altLang="en-US">
+                <a:latin typeface="Times New Roman" panose="02020603050405020304" pitchFamily="18" charset="0"/>
+                <a:ea typeface="標楷體" panose="03000509000000000000" pitchFamily="65" charset="-120"/>
+              </a:rPr>
+              <a:t>總價值</a:t>
+            </a:r>
+            <a:r>
+              <a:rPr lang="en-US" altLang="zh-TW">
+                <a:latin typeface="Times New Roman" panose="02020603050405020304" pitchFamily="18" charset="0"/>
+                <a:ea typeface="標楷體" panose="03000509000000000000" pitchFamily="65" charset="-120"/>
+              </a:rPr>
+              <a:t>: 777+999999-55-2-88=1000631</a:t>
+            </a:r>
+          </a:p>
+          <a:p>
+            <a:pPr marL="0" indent="0">
+              <a:lnSpc>
+                <a:spcPct val="110000"/>
+              </a:lnSpc>
+              <a:buNone/>
+            </a:pPr>
+            <a:r>
+              <a:rPr lang="en-US" altLang="zh-TW">
+                <a:latin typeface="Times New Roman" panose="02020603050405020304" pitchFamily="18" charset="0"/>
+                <a:ea typeface="標楷體" panose="03000509000000000000" pitchFamily="65" charset="-120"/>
+              </a:rPr>
+              <a:t>God 1 23 20 5 10 // </a:t>
+            </a:r>
+            <a:r>
+              <a:rPr lang="zh-TW" altLang="en-US">
+                <a:latin typeface="Times New Roman" panose="02020603050405020304" pitchFamily="18" charset="0"/>
+                <a:ea typeface="標楷體" panose="03000509000000000000" pitchFamily="65" charset="-120"/>
+              </a:rPr>
+              <a:t>總價值</a:t>
+            </a:r>
+            <a:r>
+              <a:rPr lang="en-US" altLang="zh-TW">
+                <a:latin typeface="Times New Roman" panose="02020603050405020304" pitchFamily="18" charset="0"/>
+                <a:ea typeface="標楷體" panose="03000509000000000000" pitchFamily="65" charset="-120"/>
+              </a:rPr>
+              <a:t>: 1+23-20+5+10=19</a:t>
+            </a:r>
+          </a:p>
+          <a:p>
+            <a:pPr marL="0" indent="0">
+              <a:lnSpc>
+                <a:spcPct val="110000"/>
+              </a:lnSpc>
+              <a:buNone/>
+            </a:pPr>
+            <a:r>
+              <a:rPr lang="en-US" altLang="zh-TW">
+                <a:latin typeface="Times New Roman" panose="02020603050405020304" pitchFamily="18" charset="0"/>
+                <a:ea typeface="標楷體" panose="03000509000000000000" pitchFamily="65" charset="-120"/>
+              </a:rPr>
+              <a:t>0 0</a:t>
+            </a:r>
+          </a:p>
+          <a:p>
+            <a:pPr marL="0" indent="0">
+              <a:lnSpc>
+                <a:spcPct val="110000"/>
+              </a:lnSpc>
+              <a:buNone/>
+            </a:pPr>
+            <a:r>
+              <a:rPr lang="zh-TW" altLang="en-US" b="1">
+                <a:latin typeface="Times New Roman" panose="02020603050405020304" pitchFamily="18" charset="0"/>
+                <a:ea typeface="標楷體" panose="03000509000000000000" pitchFamily="65" charset="-120"/>
+              </a:rPr>
+              <a:t>範例輸出：</a:t>
+            </a:r>
+          </a:p>
+          <a:p>
+            <a:pPr marL="0" indent="0">
+              <a:lnSpc>
+                <a:spcPct val="110000"/>
+              </a:lnSpc>
+              <a:buNone/>
+            </a:pPr>
+            <a:r>
+              <a:rPr lang="en-US" altLang="zh-TW">
+                <a:latin typeface="Times New Roman" panose="02020603050405020304" pitchFamily="18" charset="0"/>
+                <a:ea typeface="標楷體" panose="03000509000000000000" pitchFamily="65" charset="-120"/>
+              </a:rPr>
+              <a:t>2 // </a:t>
+            </a:r>
+            <a:r>
+              <a:rPr lang="zh-TW" altLang="en-US">
+                <a:latin typeface="Times New Roman" panose="02020603050405020304" pitchFamily="18" charset="0"/>
+                <a:ea typeface="標楷體" panose="03000509000000000000" pitchFamily="65" charset="-120"/>
+              </a:rPr>
+              <a:t>名單剩餘</a:t>
+            </a:r>
+            <a:r>
+              <a:rPr lang="en-US" altLang="zh-TW">
+                <a:latin typeface="Times New Roman" panose="02020603050405020304" pitchFamily="18" charset="0"/>
+                <a:ea typeface="標楷體" panose="03000509000000000000" pitchFamily="65" charset="-120"/>
+              </a:rPr>
+              <a:t>2</a:t>
+            </a:r>
+            <a:r>
+              <a:rPr lang="zh-TW" altLang="en-US">
+                <a:latin typeface="Times New Roman" panose="02020603050405020304" pitchFamily="18" charset="0"/>
+                <a:ea typeface="標楷體" panose="03000509000000000000" pitchFamily="65" charset="-120"/>
+              </a:rPr>
+              <a:t>個</a:t>
+            </a:r>
+          </a:p>
+          <a:p>
+            <a:pPr marL="0" indent="0">
+              <a:lnSpc>
+                <a:spcPct val="110000"/>
+              </a:lnSpc>
+              <a:buNone/>
+            </a:pPr>
+            <a:r>
+              <a:rPr lang="en-US" altLang="zh-TW">
+                <a:latin typeface="Times New Roman" panose="02020603050405020304" pitchFamily="18" charset="0"/>
+                <a:ea typeface="標楷體" panose="03000509000000000000" pitchFamily="65" charset="-120"/>
+              </a:rPr>
+              <a:t>KinGboB-&gt;God // </a:t>
+            </a:r>
+            <a:r>
+              <a:rPr lang="zh-TW" altLang="en-US">
+                <a:latin typeface="Times New Roman" panose="02020603050405020304" pitchFamily="18" charset="0"/>
+                <a:ea typeface="標楷體" panose="03000509000000000000" pitchFamily="65" charset="-120"/>
+              </a:rPr>
+              <a:t>因為</a:t>
+            </a:r>
+            <a:r>
+              <a:rPr lang="en-US" altLang="zh-TW">
+                <a:latin typeface="Times New Roman" panose="02020603050405020304" pitchFamily="18" charset="0"/>
+                <a:ea typeface="標楷體" panose="03000509000000000000" pitchFamily="65" charset="-120"/>
+              </a:rPr>
+              <a:t>KinGboB</a:t>
+            </a:r>
+            <a:r>
+              <a:rPr lang="zh-TW" altLang="en-US">
+                <a:latin typeface="Times New Roman" panose="02020603050405020304" pitchFamily="18" charset="0"/>
+                <a:ea typeface="標楷體" panose="03000509000000000000" pitchFamily="65" charset="-120"/>
+              </a:rPr>
+              <a:t>的福袋比</a:t>
+            </a:r>
+            <a:r>
+              <a:rPr lang="en-US" altLang="zh-TW">
+                <a:latin typeface="Times New Roman" panose="02020603050405020304" pitchFamily="18" charset="0"/>
+                <a:ea typeface="標楷體" panose="03000509000000000000" pitchFamily="65" charset="-120"/>
+              </a:rPr>
+              <a:t>God</a:t>
+            </a:r>
+            <a:r>
+              <a:rPr lang="zh-TW" altLang="en-US">
+                <a:latin typeface="Times New Roman" panose="02020603050405020304" pitchFamily="18" charset="0"/>
+                <a:ea typeface="標楷體" panose="03000509000000000000" pitchFamily="65" charset="-120"/>
+              </a:rPr>
+              <a:t>的福袋總價值還要大，而且也是輸入順序最小的解</a:t>
+            </a:r>
+            <a:endParaRPr lang="zh-TW" altLang="en-US" dirty="0">
+              <a:latin typeface="Times New Roman" panose="02020603050405020304" pitchFamily="18" charset="0"/>
+              <a:ea typeface="標楷體" panose="03000509000000000000" pitchFamily="65" charset="-120"/>
+            </a:endParaRPr>
+          </a:p>
+        </p:txBody>
+      </p:sp>
+    </p:spTree>
+    <p:extLst>
+      <p:ext uri="{BB962C8B-B14F-4D97-AF65-F5344CB8AC3E}">
+        <p14:creationId xmlns:p14="http://schemas.microsoft.com/office/powerpoint/2010/main" val="514705942"/>
+      </p:ext>
+    </p:extLst>
+  </p:cSld>
+  <p:clrMapOvr>
+    <a:masterClrMapping/>
+  </p:clrMapOvr>
+</p:sld>
+</file>
+
+<file path=ppt/slides/slide12.xml><?xml version="1.0" encoding="utf-8"?>
+<p:sld xmlns:a="http://schemas.openxmlformats.org/drawingml/2006/main" xmlns:r="http://schemas.openxmlformats.org/officeDocument/2006/relationships" xmlns:p="http://schemas.openxmlformats.org/presentationml/2006/main">
+  <p:cSld>
+    <p:spTree>
+      <p:nvGrpSpPr>
+        <p:cNvPr id="1" name=""/>
+        <p:cNvGrpSpPr/>
+        <p:nvPr/>
+      </p:nvGrpSpPr>
+      <p:grpSpPr>
+        <a:xfrm>
+          <a:off x="0" y="0"/>
+          <a:ext cx="0" cy="0"/>
+          <a:chOff x="0" y="0"/>
+          <a:chExt cx="0" cy="0"/>
+        </a:xfrm>
+      </p:grpSpPr>
+      <p:sp>
+        <p:nvSpPr>
+          <p:cNvPr id="2" name="標題 1"/>
+          <p:cNvSpPr>
+            <a:spLocks noGrp="1"/>
+          </p:cNvSpPr>
+          <p:nvPr>
+            <p:ph type="title"/>
+          </p:nvPr>
+        </p:nvSpPr>
+        <p:spPr/>
+        <p:txBody>
+          <a:bodyPr/>
+          <a:lstStyle/>
+          <a:p>
+            <a:r>
+              <a:rPr lang="zh-TW" altLang="en-US" dirty="0"/>
+              <a:t>解題想法</a:t>
+            </a:r>
+          </a:p>
+        </p:txBody>
+      </p:sp>
+      <p:sp>
+        <p:nvSpPr>
+          <p:cNvPr id="3" name="內容版面配置區 2"/>
+          <p:cNvSpPr>
+            <a:spLocks noGrp="1"/>
+          </p:cNvSpPr>
+          <p:nvPr>
+            <p:ph sz="half" idx="1"/>
+          </p:nvPr>
+        </p:nvSpPr>
+        <p:spPr>
+          <a:xfrm>
+            <a:off x="838200" y="1825625"/>
+            <a:ext cx="10378440" cy="4351338"/>
+          </a:xfrm>
+        </p:spPr>
+        <p:txBody>
+          <a:bodyPr>
+            <a:normAutofit/>
+          </a:bodyPr>
+          <a:lstStyle/>
+          <a:p>
+            <a:pPr>
+              <a:lnSpc>
+                <a:spcPct val="100000"/>
+              </a:lnSpc>
+            </a:pPr>
+            <a:r>
+              <a:rPr lang="zh-TW" altLang="en-US" dirty="0">
+                <a:latin typeface="Times New Roman" panose="02020603050405020304" pitchFamily="18" charset="0"/>
+                <a:ea typeface="標楷體" panose="03000509000000000000" pitchFamily="65" charset="-120"/>
+              </a:rPr>
+              <a:t>暴力法</a:t>
+            </a:r>
+            <a:r>
+              <a:rPr lang="en-US" altLang="zh-TW" dirty="0">
+                <a:latin typeface="Times New Roman" panose="02020603050405020304" pitchFamily="18" charset="0"/>
+                <a:ea typeface="標楷體" panose="03000509000000000000" pitchFamily="65" charset="-120"/>
+              </a:rPr>
+              <a:t>:</a:t>
+            </a:r>
+            <a:r>
+              <a:rPr lang="zh-TW" altLang="en-US" dirty="0">
+                <a:latin typeface="Times New Roman" panose="02020603050405020304" pitchFamily="18" charset="0"/>
+                <a:ea typeface="標楷體" panose="03000509000000000000" pitchFamily="65" charset="-120"/>
+              </a:rPr>
+              <a:t> </a:t>
+            </a:r>
+            <a:r>
+              <a:rPr lang="en-US" altLang="zh-TW" dirty="0">
+                <a:latin typeface="Times New Roman" panose="02020603050405020304" pitchFamily="18" charset="0"/>
+                <a:ea typeface="標楷體" panose="03000509000000000000" pitchFamily="65" charset="-120"/>
+              </a:rPr>
+              <a:t>2^N</a:t>
+            </a:r>
+          </a:p>
+          <a:p>
+            <a:pPr marL="0" indent="0">
+              <a:lnSpc>
+                <a:spcPct val="100000"/>
+              </a:lnSpc>
+              <a:buNone/>
+            </a:pPr>
+            <a:endParaRPr lang="en-US" altLang="zh-TW" dirty="0">
+              <a:latin typeface="Times New Roman" panose="02020603050405020304" pitchFamily="18" charset="0"/>
+              <a:ea typeface="標楷體" panose="03000509000000000000" pitchFamily="65" charset="-120"/>
+            </a:endParaRPr>
+          </a:p>
+          <a:p>
+            <a:pPr>
+              <a:lnSpc>
+                <a:spcPct val="100000"/>
+              </a:lnSpc>
+            </a:pPr>
+            <a:r>
+              <a:rPr lang="zh-TW" altLang="en-US" dirty="0">
+                <a:latin typeface="Times New Roman" panose="02020603050405020304" pitchFamily="18" charset="0"/>
+                <a:ea typeface="標楷體" panose="03000509000000000000" pitchFamily="65" charset="-120"/>
+              </a:rPr>
+              <a:t>枚舉所有可能，每個名單都可以刪除或不刪除。每個可能檢查是否滿足肥宅隊伍定義</a:t>
+            </a:r>
+            <a:endParaRPr lang="en-US" altLang="zh-TW" dirty="0">
+              <a:latin typeface="Times New Roman" panose="02020603050405020304" pitchFamily="18" charset="0"/>
+              <a:ea typeface="標楷體" panose="03000509000000000000" pitchFamily="65" charset="-120"/>
+            </a:endParaRPr>
+          </a:p>
+          <a:p>
+            <a:pPr>
+              <a:lnSpc>
+                <a:spcPct val="100000"/>
+              </a:lnSpc>
+            </a:pPr>
+            <a:endParaRPr lang="en-US" altLang="zh-TW" dirty="0">
+              <a:latin typeface="Times New Roman" panose="02020603050405020304" pitchFamily="18" charset="0"/>
+              <a:ea typeface="標楷體" panose="03000509000000000000" pitchFamily="65" charset="-120"/>
+            </a:endParaRPr>
+          </a:p>
+        </p:txBody>
+      </p:sp>
+    </p:spTree>
+    <p:extLst>
+      <p:ext uri="{BB962C8B-B14F-4D97-AF65-F5344CB8AC3E}">
+        <p14:creationId xmlns:p14="http://schemas.microsoft.com/office/powerpoint/2010/main" val="2918758940"/>
+      </p:ext>
+    </p:extLst>
+  </p:cSld>
+  <p:clrMapOvr>
+    <a:masterClrMapping/>
+  </p:clrMapOvr>
+</p:sld>
+</file>
+
+<file path=ppt/slides/slide13.xml><?xml version="1.0" encoding="utf-8"?>
+<p:sld xmlns:a="http://schemas.openxmlformats.org/drawingml/2006/main" xmlns:r="http://schemas.openxmlformats.org/officeDocument/2006/relationships" xmlns:p="http://schemas.openxmlformats.org/presentationml/2006/main">
+  <p:cSld>
+    <p:spTree>
+      <p:nvGrpSpPr>
+        <p:cNvPr id="1" name=""/>
+        <p:cNvGrpSpPr/>
+        <p:nvPr/>
+      </p:nvGrpSpPr>
+      <p:grpSpPr>
+        <a:xfrm>
+          <a:off x="0" y="0"/>
+          <a:ext cx="0" cy="0"/>
+          <a:chOff x="0" y="0"/>
+          <a:chExt cx="0" cy="0"/>
+        </a:xfrm>
+      </p:grpSpPr>
+      <p:sp>
+        <p:nvSpPr>
+          <p:cNvPr id="2" name="標題 1"/>
+          <p:cNvSpPr>
+            <a:spLocks noGrp="1"/>
+          </p:cNvSpPr>
+          <p:nvPr>
+            <p:ph type="title"/>
+          </p:nvPr>
+        </p:nvSpPr>
+        <p:spPr/>
+        <p:txBody>
+          <a:bodyPr/>
+          <a:lstStyle/>
+          <a:p>
+            <a:r>
+              <a:rPr lang="zh-TW" altLang="en-US" dirty="0"/>
+              <a:t>解題想法</a:t>
+            </a:r>
+          </a:p>
+        </p:txBody>
+      </p:sp>
+      <p:sp>
+        <p:nvSpPr>
+          <p:cNvPr id="3" name="內容版面配置區 2"/>
+          <p:cNvSpPr>
+            <a:spLocks noGrp="1"/>
+          </p:cNvSpPr>
+          <p:nvPr>
+            <p:ph sz="half" idx="1"/>
+          </p:nvPr>
+        </p:nvSpPr>
+        <p:spPr>
+          <a:xfrm>
+            <a:off x="838200" y="1825625"/>
+            <a:ext cx="10378440" cy="4351338"/>
+          </a:xfrm>
+        </p:spPr>
+        <p:txBody>
+          <a:bodyPr>
+            <a:normAutofit/>
+          </a:bodyPr>
+          <a:lstStyle/>
+          <a:p>
+            <a:pPr>
+              <a:lnSpc>
+                <a:spcPct val="100000"/>
+              </a:lnSpc>
+            </a:pPr>
+            <a:r>
+              <a:rPr lang="zh-TW" altLang="en-US" dirty="0">
+                <a:latin typeface="Times New Roman" panose="02020603050405020304" pitchFamily="18" charset="0"/>
+                <a:ea typeface="標楷體" panose="03000509000000000000" pitchFamily="65" charset="-120"/>
+              </a:rPr>
+              <a:t>名單列表中先將重複名字去除</a:t>
+            </a:r>
+            <a:endParaRPr lang="en-US" altLang="zh-TW" dirty="0">
+              <a:latin typeface="Times New Roman" panose="02020603050405020304" pitchFamily="18" charset="0"/>
+              <a:ea typeface="標楷體" panose="03000509000000000000" pitchFamily="65" charset="-120"/>
+            </a:endParaRPr>
+          </a:p>
+          <a:p>
+            <a:pPr>
+              <a:lnSpc>
+                <a:spcPct val="100000"/>
+              </a:lnSpc>
+            </a:pPr>
+            <a:r>
+              <a:rPr lang="zh-TW" altLang="en-US" dirty="0">
+                <a:latin typeface="Times New Roman" panose="02020603050405020304" pitchFamily="18" charset="0"/>
+                <a:ea typeface="標楷體" panose="03000509000000000000" pitchFamily="65" charset="-120"/>
+              </a:rPr>
+              <a:t>總價值是可以比較的</a:t>
+            </a:r>
+            <a:endParaRPr lang="en-US" altLang="zh-TW" dirty="0">
+              <a:latin typeface="Times New Roman" panose="02020603050405020304" pitchFamily="18" charset="0"/>
+              <a:ea typeface="標楷體" panose="03000509000000000000" pitchFamily="65" charset="-120"/>
+            </a:endParaRPr>
+          </a:p>
+          <a:p>
+            <a:pPr>
+              <a:lnSpc>
+                <a:spcPct val="100000"/>
+              </a:lnSpc>
+            </a:pPr>
+            <a:r>
+              <a:rPr lang="zh-TW" altLang="en-US" dirty="0">
+                <a:latin typeface="Times New Roman" panose="02020603050405020304" pitchFamily="18" charset="0"/>
+                <a:ea typeface="標楷體" panose="03000509000000000000" pitchFamily="65" charset="-120"/>
+              </a:rPr>
+              <a:t>刪除最少名單項目 </a:t>
+            </a:r>
+            <a:r>
+              <a:rPr lang="en-US" altLang="zh-TW" dirty="0">
+                <a:latin typeface="Times New Roman" panose="02020603050405020304" pitchFamily="18" charset="0"/>
+                <a:ea typeface="標楷體" panose="03000509000000000000" pitchFamily="65" charset="-120"/>
+              </a:rPr>
+              <a:t>=</a:t>
+            </a:r>
+            <a:r>
+              <a:rPr lang="zh-TW" altLang="en-US">
+                <a:latin typeface="Times New Roman" panose="02020603050405020304" pitchFamily="18" charset="0"/>
+                <a:ea typeface="標楷體" panose="03000509000000000000" pitchFamily="65" charset="-120"/>
+              </a:rPr>
+              <a:t> 找到一個最長名單項目</a:t>
+            </a:r>
+            <a:endParaRPr lang="en-US" altLang="zh-TW" dirty="0">
+              <a:latin typeface="Times New Roman" panose="02020603050405020304" pitchFamily="18" charset="0"/>
+              <a:ea typeface="標楷體" panose="03000509000000000000" pitchFamily="65" charset="-120"/>
+            </a:endParaRPr>
+          </a:p>
+          <a:p>
+            <a:pPr>
+              <a:lnSpc>
+                <a:spcPct val="100000"/>
+              </a:lnSpc>
+            </a:pPr>
+            <a:r>
+              <a:rPr lang="zh-TW" altLang="en-US" dirty="0">
+                <a:latin typeface="Times New Roman" panose="02020603050405020304" pitchFamily="18" charset="0"/>
+                <a:ea typeface="標楷體" panose="03000509000000000000" pitchFamily="65" charset="-120"/>
+              </a:rPr>
+              <a:t>找到最長名單排列</a:t>
+            </a:r>
+            <a:r>
+              <a:rPr lang="en-US" altLang="zh-TW" dirty="0">
+                <a:latin typeface="Times New Roman" panose="02020603050405020304" pitchFamily="18" charset="0"/>
+                <a:ea typeface="標楷體" panose="03000509000000000000" pitchFamily="65" charset="-120"/>
+              </a:rPr>
+              <a:t>(</a:t>
+            </a:r>
+            <a:r>
+              <a:rPr lang="zh-TW" altLang="en-US" dirty="0">
+                <a:latin typeface="Times New Roman" panose="02020603050405020304" pitchFamily="18" charset="0"/>
+                <a:ea typeface="標楷體" panose="03000509000000000000" pitchFamily="65" charset="-120"/>
+              </a:rPr>
+              <a:t>價值遞減</a:t>
+            </a:r>
+            <a:r>
+              <a:rPr lang="en-US" altLang="zh-TW" dirty="0">
+                <a:latin typeface="Times New Roman" panose="02020603050405020304" pitchFamily="18" charset="0"/>
+                <a:ea typeface="標楷體" panose="03000509000000000000" pitchFamily="65" charset="-120"/>
+              </a:rPr>
+              <a:t>)</a:t>
+            </a:r>
+            <a:r>
+              <a:rPr lang="zh-TW" altLang="en-US" dirty="0">
+                <a:latin typeface="Times New Roman" panose="02020603050405020304" pitchFamily="18" charset="0"/>
+                <a:ea typeface="標楷體" panose="03000509000000000000" pitchFamily="65" charset="-120"/>
+              </a:rPr>
+              <a:t> </a:t>
+            </a:r>
+            <a:r>
+              <a:rPr lang="en-US" altLang="zh-TW" dirty="0">
+                <a:latin typeface="Times New Roman" panose="02020603050405020304" pitchFamily="18" charset="0"/>
+                <a:ea typeface="標楷體" panose="03000509000000000000" pitchFamily="65" charset="-120"/>
+              </a:rPr>
+              <a:t>=&gt;</a:t>
+            </a:r>
+            <a:r>
+              <a:rPr lang="zh-TW" altLang="en-US" dirty="0">
+                <a:latin typeface="Times New Roman" panose="02020603050405020304" pitchFamily="18" charset="0"/>
+                <a:ea typeface="標楷體" panose="03000509000000000000" pitchFamily="65" charset="-120"/>
+              </a:rPr>
+              <a:t> </a:t>
+            </a:r>
+            <a:r>
+              <a:rPr lang="en-US" altLang="zh-TW" dirty="0">
+                <a:latin typeface="Times New Roman" panose="02020603050405020304" pitchFamily="18" charset="0"/>
+                <a:ea typeface="標楷體" panose="03000509000000000000" pitchFamily="65" charset="-120"/>
+              </a:rPr>
+              <a:t>LDS</a:t>
+            </a:r>
+          </a:p>
+          <a:p>
+            <a:pPr>
+              <a:lnSpc>
+                <a:spcPct val="100000"/>
+              </a:lnSpc>
+            </a:pPr>
+            <a:r>
+              <a:rPr lang="zh-TW" altLang="en-US" dirty="0">
+                <a:latin typeface="Times New Roman" panose="02020603050405020304" pitchFamily="18" charset="0"/>
+                <a:ea typeface="標楷體" panose="03000509000000000000" pitchFamily="65" charset="-120"/>
+              </a:rPr>
+              <a:t>紀錄最早出現的</a:t>
+            </a:r>
+            <a:r>
+              <a:rPr lang="en-US" altLang="zh-TW" dirty="0">
+                <a:latin typeface="Times New Roman" panose="02020603050405020304" pitchFamily="18" charset="0"/>
+                <a:ea typeface="標楷體" panose="03000509000000000000" pitchFamily="65" charset="-120"/>
+              </a:rPr>
+              <a:t>LDS</a:t>
+            </a:r>
+          </a:p>
+          <a:p>
+            <a:pPr marL="0" indent="0">
+              <a:lnSpc>
+                <a:spcPct val="100000"/>
+              </a:lnSpc>
+              <a:buNone/>
+            </a:pPr>
+            <a:endParaRPr lang="en-US" altLang="zh-TW" dirty="0">
+              <a:latin typeface="Times New Roman" panose="02020603050405020304" pitchFamily="18" charset="0"/>
+              <a:ea typeface="標楷體" panose="03000509000000000000" pitchFamily="65" charset="-120"/>
+            </a:endParaRPr>
+          </a:p>
+          <a:p>
+            <a:pPr marL="0" indent="0">
+              <a:lnSpc>
+                <a:spcPct val="100000"/>
+              </a:lnSpc>
+              <a:buNone/>
+            </a:pPr>
+            <a:r>
+              <a:rPr lang="zh-TW" altLang="en-US" dirty="0">
+                <a:latin typeface="Times New Roman" panose="02020603050405020304" pitchFamily="18" charset="0"/>
+                <a:ea typeface="標楷體" panose="03000509000000000000" pitchFamily="65" charset="-120"/>
+              </a:rPr>
+              <a:t>動態規劃</a:t>
+            </a:r>
+            <a:r>
+              <a:rPr lang="en-US" altLang="zh-TW" dirty="0">
+                <a:latin typeface="Times New Roman" panose="02020603050405020304" pitchFamily="18" charset="0"/>
+                <a:ea typeface="標楷體" panose="03000509000000000000" pitchFamily="65" charset="-120"/>
+              </a:rPr>
+              <a:t>:</a:t>
+            </a:r>
+            <a:r>
+              <a:rPr lang="zh-TW" altLang="en-US" dirty="0">
+                <a:latin typeface="Times New Roman" panose="02020603050405020304" pitchFamily="18" charset="0"/>
+                <a:ea typeface="標楷體" panose="03000509000000000000" pitchFamily="65" charset="-120"/>
+              </a:rPr>
+              <a:t> </a:t>
+            </a:r>
+            <a:r>
+              <a:rPr lang="en-US" altLang="zh-TW" dirty="0">
+                <a:latin typeface="Times New Roman" panose="02020603050405020304" pitchFamily="18" charset="0"/>
+                <a:ea typeface="標楷體" panose="03000509000000000000" pitchFamily="65" charset="-120"/>
+              </a:rPr>
+              <a:t>O(N^2)</a:t>
+            </a:r>
+            <a:r>
+              <a:rPr lang="zh-TW" altLang="en-US" dirty="0">
+                <a:latin typeface="Times New Roman" panose="02020603050405020304" pitchFamily="18" charset="0"/>
+                <a:ea typeface="標楷體" panose="03000509000000000000" pitchFamily="65" charset="-120"/>
+              </a:rPr>
+              <a:t> </a:t>
+            </a:r>
+            <a:r>
+              <a:rPr lang="en-US" altLang="zh-TW" dirty="0">
+                <a:latin typeface="Times New Roman" panose="02020603050405020304" pitchFamily="18" charset="0"/>
+                <a:ea typeface="標楷體" panose="03000509000000000000" pitchFamily="65" charset="-120"/>
+              </a:rPr>
+              <a:t>or O(</a:t>
+            </a:r>
+            <a:r>
+              <a:rPr lang="en-US" altLang="zh-TW" dirty="0" err="1">
+                <a:latin typeface="Times New Roman" panose="02020603050405020304" pitchFamily="18" charset="0"/>
+                <a:ea typeface="標楷體" panose="03000509000000000000" pitchFamily="65" charset="-120"/>
+              </a:rPr>
+              <a:t>NlogN</a:t>
+            </a:r>
+            <a:r>
+              <a:rPr lang="en-US" altLang="zh-TW" dirty="0">
+                <a:latin typeface="Times New Roman" panose="02020603050405020304" pitchFamily="18" charset="0"/>
+                <a:ea typeface="標楷體" panose="03000509000000000000" pitchFamily="65" charset="-120"/>
+              </a:rPr>
+              <a:t>)</a:t>
+            </a:r>
+          </a:p>
+        </p:txBody>
+      </p:sp>
+    </p:spTree>
+    <p:extLst>
+      <p:ext uri="{BB962C8B-B14F-4D97-AF65-F5344CB8AC3E}">
+        <p14:creationId xmlns:p14="http://schemas.microsoft.com/office/powerpoint/2010/main" val="3566339620"/>
+      </p:ext>
+    </p:extLst>
+  </p:cSld>
+  <p:clrMapOvr>
+    <a:masterClrMapping/>
+  </p:clrMapOvr>
+</p:sld>
+</file>
+
+<file path=ppt/slides/slide14.xml><?xml version="1.0" encoding="utf-8"?>
+<p:sld xmlns:a="http://schemas.openxmlformats.org/drawingml/2006/main" xmlns:r="http://schemas.openxmlformats.org/officeDocument/2006/relationships" xmlns:p="http://schemas.openxmlformats.org/presentationml/2006/main">
+  <p:cSld>
+    <p:spTree>
+      <p:nvGrpSpPr>
+        <p:cNvPr id="1" name=""/>
+        <p:cNvGrpSpPr/>
+        <p:nvPr/>
+      </p:nvGrpSpPr>
+      <p:grpSpPr>
+        <a:xfrm>
+          <a:off x="0" y="0"/>
+          <a:ext cx="0" cy="0"/>
+          <a:chOff x="0" y="0"/>
+          <a:chExt cx="0" cy="0"/>
+        </a:xfrm>
+      </p:grpSpPr>
+      <p:sp>
+        <p:nvSpPr>
+          <p:cNvPr id="2" name="標題 1"/>
+          <p:cNvSpPr>
+            <a:spLocks noGrp="1"/>
+          </p:cNvSpPr>
+          <p:nvPr>
+            <p:ph type="title"/>
+          </p:nvPr>
+        </p:nvSpPr>
+        <p:spPr/>
+        <p:txBody>
+          <a:bodyPr/>
+          <a:lstStyle/>
+          <a:p>
+            <a:r>
+              <a:rPr lang="en-US" altLang="zh-TW" dirty="0">
+                <a:latin typeface="+mn-lt"/>
+                <a:ea typeface="+mn-ea"/>
+              </a:rPr>
+              <a:t>Robinson-</a:t>
+            </a:r>
+            <a:r>
+              <a:rPr lang="en-US" altLang="zh-TW" dirty="0" err="1">
+                <a:latin typeface="+mn-lt"/>
+                <a:ea typeface="+mn-ea"/>
+              </a:rPr>
+              <a:t>Schensted</a:t>
+            </a:r>
+            <a:r>
+              <a:rPr lang="en-US" altLang="zh-TW" dirty="0">
+                <a:latin typeface="+mn-lt"/>
+                <a:ea typeface="+mn-ea"/>
+              </a:rPr>
+              <a:t>-Knuth Algorithm</a:t>
+            </a:r>
+          </a:p>
+        </p:txBody>
+      </p:sp>
+      <p:sp>
+        <p:nvSpPr>
+          <p:cNvPr id="8" name="內容版面配置區 2"/>
+          <p:cNvSpPr>
+            <a:spLocks noGrp="1"/>
+          </p:cNvSpPr>
+          <p:nvPr>
+            <p:ph sz="half" idx="1"/>
+          </p:nvPr>
+        </p:nvSpPr>
+        <p:spPr>
+          <a:xfrm>
+            <a:off x="906780" y="1690688"/>
+            <a:ext cx="10378440" cy="4351338"/>
+          </a:xfrm>
+        </p:spPr>
+        <p:txBody>
+          <a:bodyPr>
+            <a:normAutofit/>
+          </a:bodyPr>
+          <a:lstStyle/>
+          <a:p>
+            <a:r>
+              <a:rPr lang="zh-TW" altLang="en-US" dirty="0">
+                <a:latin typeface="標楷體" panose="03000509000000000000" pitchFamily="65" charset="-120"/>
+                <a:ea typeface="標楷體" panose="03000509000000000000" pitchFamily="65" charset="-120"/>
+              </a:rPr>
+              <a:t>時間複雜度</a:t>
+            </a:r>
+            <a:r>
+              <a:rPr lang="en-US" altLang="zh-TW" dirty="0">
+                <a:latin typeface="標楷體" panose="03000509000000000000" pitchFamily="65" charset="-120"/>
+                <a:ea typeface="標楷體" panose="03000509000000000000" pitchFamily="65" charset="-120"/>
+              </a:rPr>
+              <a:t>:</a:t>
+            </a:r>
+            <a:r>
+              <a:rPr lang="zh-TW" altLang="en-US" dirty="0">
+                <a:latin typeface="標楷體" panose="03000509000000000000" pitchFamily="65" charset="-120"/>
+                <a:ea typeface="標楷體" panose="03000509000000000000" pitchFamily="65" charset="-120"/>
+              </a:rPr>
+              <a:t> </a:t>
+            </a:r>
+            <a:r>
+              <a:rPr lang="en-US" altLang="zh-TW" dirty="0">
+                <a:latin typeface="標楷體" panose="03000509000000000000" pitchFamily="65" charset="-120"/>
+                <a:ea typeface="標楷體" panose="03000509000000000000" pitchFamily="65" charset="-120"/>
+              </a:rPr>
+              <a:t>O(</a:t>
+            </a:r>
+            <a:r>
+              <a:rPr lang="en-US" altLang="zh-TW" dirty="0" err="1">
+                <a:latin typeface="標楷體" panose="03000509000000000000" pitchFamily="65" charset="-120"/>
+                <a:ea typeface="標楷體" panose="03000509000000000000" pitchFamily="65" charset="-120"/>
+              </a:rPr>
+              <a:t>NlogN</a:t>
+            </a:r>
+            <a:r>
+              <a:rPr lang="en-US" altLang="zh-TW" dirty="0">
+                <a:latin typeface="標楷體" panose="03000509000000000000" pitchFamily="65" charset="-120"/>
+                <a:ea typeface="標楷體" panose="03000509000000000000" pitchFamily="65" charset="-120"/>
+              </a:rPr>
+              <a:t>)</a:t>
+            </a:r>
+          </a:p>
+          <a:p>
+            <a:r>
+              <a:rPr lang="zh-TW" altLang="en-US" dirty="0">
+                <a:latin typeface="標楷體" panose="03000509000000000000" pitchFamily="65" charset="-120"/>
+                <a:ea typeface="標楷體" panose="03000509000000000000" pitchFamily="65" charset="-120"/>
+              </a:rPr>
+              <a:t>用貪心</a:t>
+            </a:r>
+            <a:r>
+              <a:rPr lang="en-US" altLang="zh-TW" dirty="0">
+                <a:latin typeface="標楷體" panose="03000509000000000000" pitchFamily="65" charset="-120"/>
+                <a:ea typeface="標楷體" panose="03000509000000000000" pitchFamily="65" charset="-120"/>
+              </a:rPr>
+              <a:t>+</a:t>
+            </a:r>
+            <a:r>
+              <a:rPr lang="zh-TW" altLang="en-US" dirty="0">
+                <a:latin typeface="標楷體" panose="03000509000000000000" pitchFamily="65" charset="-120"/>
+                <a:ea typeface="標楷體" panose="03000509000000000000" pitchFamily="65" charset="-120"/>
+              </a:rPr>
+              <a:t>二分搜找到</a:t>
+            </a:r>
+            <a:r>
+              <a:rPr lang="en-US" altLang="zh-TW" dirty="0">
+                <a:latin typeface="標楷體" panose="03000509000000000000" pitchFamily="65" charset="-120"/>
+                <a:ea typeface="標楷體" panose="03000509000000000000" pitchFamily="65" charset="-120"/>
+              </a:rPr>
+              <a:t>LIS</a:t>
+            </a:r>
+          </a:p>
+          <a:p>
+            <a:endParaRPr lang="en-US" altLang="zh-TW" dirty="0">
+              <a:latin typeface="標楷體" panose="03000509000000000000" pitchFamily="65" charset="-120"/>
+              <a:ea typeface="標楷體" panose="03000509000000000000" pitchFamily="65" charset="-120"/>
+            </a:endParaRPr>
+          </a:p>
+          <a:p>
+            <a:endParaRPr lang="en-US" altLang="zh-TW" dirty="0">
+              <a:latin typeface="標楷體" panose="03000509000000000000" pitchFamily="65" charset="-120"/>
+              <a:ea typeface="標楷體" panose="03000509000000000000" pitchFamily="65" charset="-120"/>
+            </a:endParaRPr>
+          </a:p>
+          <a:p>
+            <a:endParaRPr lang="en-US" altLang="zh-TW" dirty="0">
+              <a:latin typeface="標楷體" panose="03000509000000000000" pitchFamily="65" charset="-120"/>
+              <a:ea typeface="標楷體" panose="03000509000000000000" pitchFamily="65" charset="-120"/>
+            </a:endParaRPr>
+          </a:p>
+          <a:p>
+            <a:r>
+              <a:rPr lang="en-US" altLang="zh-TW" dirty="0">
+                <a:latin typeface="標楷體" panose="03000509000000000000" pitchFamily="65" charset="-120"/>
+                <a:ea typeface="標楷體" panose="03000509000000000000" pitchFamily="65" charset="-120"/>
+                <a:hlinkClick r:id="rId2"/>
+              </a:rPr>
+              <a:t>http://wiki.csie.ncku.edu.tw/acm/course/LIS</a:t>
+            </a:r>
+            <a:endParaRPr lang="en-US" altLang="zh-TW" dirty="0">
+              <a:latin typeface="標楷體" panose="03000509000000000000" pitchFamily="65" charset="-120"/>
+              <a:ea typeface="標楷體" panose="03000509000000000000" pitchFamily="65" charset="-120"/>
+            </a:endParaRPr>
+          </a:p>
+          <a:p>
+            <a:endParaRPr lang="en-US" altLang="zh-TW" dirty="0">
+              <a:latin typeface="標楷體" panose="03000509000000000000" pitchFamily="65" charset="-120"/>
+              <a:ea typeface="標楷體" panose="03000509000000000000" pitchFamily="65" charset="-120"/>
+            </a:endParaRPr>
+          </a:p>
+        </p:txBody>
+      </p:sp>
+    </p:spTree>
+    <p:extLst>
+      <p:ext uri="{BB962C8B-B14F-4D97-AF65-F5344CB8AC3E}">
+        <p14:creationId xmlns:p14="http://schemas.microsoft.com/office/powerpoint/2010/main" val="1609771079"/>
+      </p:ext>
+    </p:extLst>
+  </p:cSld>
+  <p:clrMapOvr>
+    <a:masterClrMapping/>
+  </p:clrMapOvr>
+</p:sld>
+</file>
+
+<file path=ppt/slides/slide15.xml><?xml version="1.0" encoding="utf-8"?>
+<p:sld xmlns:a="http://schemas.openxmlformats.org/drawingml/2006/main" xmlns:r="http://schemas.openxmlformats.org/officeDocument/2006/relationships" xmlns:p="http://schemas.openxmlformats.org/presentationml/2006/main">
+  <p:cSld>
+    <p:spTree>
+      <p:nvGrpSpPr>
+        <p:cNvPr id="1" name=""/>
+        <p:cNvGrpSpPr/>
+        <p:nvPr/>
+      </p:nvGrpSpPr>
+      <p:grpSpPr>
+        <a:xfrm>
+          <a:off x="0" y="0"/>
+          <a:ext cx="0" cy="0"/>
+          <a:chOff x="0" y="0"/>
+          <a:chExt cx="0" cy="0"/>
+        </a:xfrm>
+      </p:grpSpPr>
+      <p:sp>
+        <p:nvSpPr>
+          <p:cNvPr id="2" name="標題 1">
+            <a:extLst>
+              <a:ext uri="{FF2B5EF4-FFF2-40B4-BE49-F238E27FC236}">
+                <a16:creationId xmlns:a16="http://schemas.microsoft.com/office/drawing/2014/main" id="{4457B8C9-56BD-4589-B5A8-9B5476310C0B}"/>
+              </a:ext>
+            </a:extLst>
+          </p:cNvPr>
+          <p:cNvSpPr>
+            <a:spLocks noGrp="1"/>
+          </p:cNvSpPr>
+          <p:nvPr>
+            <p:ph type="title"/>
+          </p:nvPr>
+        </p:nvSpPr>
+        <p:spPr>
+          <a:xfrm>
+            <a:off x="174171" y="0"/>
+            <a:ext cx="2410097" cy="766989"/>
+          </a:xfrm>
+        </p:spPr>
+        <p:txBody>
+          <a:bodyPr>
+            <a:normAutofit/>
+          </a:bodyPr>
+          <a:lstStyle/>
+          <a:p>
+            <a:r>
+              <a:rPr lang="en-US" altLang="zh-TW" dirty="0"/>
+              <a:t>STL</a:t>
+            </a:r>
+            <a:r>
+              <a:rPr lang="zh-TW" altLang="en-US" dirty="0"/>
+              <a:t>元件</a:t>
+            </a:r>
+          </a:p>
+        </p:txBody>
+      </p:sp>
       <p:pic>
         <p:nvPicPr>
           <p:cNvPr id="24" name="內容版面配置區 23"/>
@@ -3974,43 +5251,6 @@
           </a:prstGeom>
         </p:spPr>
       </p:pic>
-      <p:sp>
-        <p:nvSpPr>
-          <p:cNvPr id="2" name="標題 1">
-            <a:extLst>
-              <a:ext uri="{FF2B5EF4-FFF2-40B4-BE49-F238E27FC236}">
-                <a16:creationId xmlns:a16="http://schemas.microsoft.com/office/drawing/2014/main" id="{4457B8C9-56BD-4589-B5A8-9B5476310C0B}"/>
-              </a:ext>
-            </a:extLst>
-          </p:cNvPr>
-          <p:cNvSpPr>
-            <a:spLocks noGrp="1"/>
-          </p:cNvSpPr>
-          <p:nvPr>
-            <p:ph type="title"/>
-          </p:nvPr>
-        </p:nvSpPr>
-        <p:spPr>
-          <a:xfrm>
-            <a:off x="174171" y="0"/>
-            <a:ext cx="2410097" cy="766989"/>
-          </a:xfrm>
-        </p:spPr>
-        <p:txBody>
-          <a:bodyPr/>
-          <a:lstStyle/>
-          <a:p>
-            <a:r>
-              <a:rPr lang="en-US" altLang="zh-TW" dirty="0"/>
-              <a:t>STL</a:t>
-            </a:r>
-            <a:r>
-              <a:rPr lang="zh-TW" altLang="en-US" dirty="0"/>
-              <a:t>元件</a:t>
-            </a:r>
-          </a:p>
-        </p:txBody>
-      </p:sp>
       <p:cxnSp>
         <p:nvCxnSpPr>
           <p:cNvPr id="6" name="直線接點 5"/>
@@ -4242,7 +5482,7 @@
 </p:sld>
 </file>
 
-<file path=ppt/slides/slide11.xml><?xml version="1.0" encoding="utf-8"?>
+<file path=ppt/slides/slide16.xml><?xml version="1.0" encoding="utf-8"?>
 <p:sld xmlns:a="http://schemas.openxmlformats.org/drawingml/2006/main" xmlns:r="http://schemas.openxmlformats.org/officeDocument/2006/relationships" xmlns:p="http://schemas.openxmlformats.org/presentationml/2006/main">
   <p:cSld>
     <p:spTree>
@@ -4557,7 +5797,7 @@
 </p:sld>
 </file>
 
-<file path=ppt/slides/slide12.xml><?xml version="1.0" encoding="utf-8"?>
+<file path=ppt/slides/slide17.xml><?xml version="1.0" encoding="utf-8"?>
 <p:sld xmlns:a="http://schemas.openxmlformats.org/drawingml/2006/main" xmlns:r="http://schemas.openxmlformats.org/officeDocument/2006/relationships" xmlns:p="http://schemas.openxmlformats.org/presentationml/2006/main">
   <p:cSld>
     <p:spTree>
@@ -4753,7 +5993,7 @@
 </p:sld>
 </file>
 
-<file path=ppt/slides/slide13.xml><?xml version="1.0" encoding="utf-8"?>
+<file path=ppt/slides/slide18.xml><?xml version="1.0" encoding="utf-8"?>
 <p:sld xmlns:a="http://schemas.openxmlformats.org/drawingml/2006/main" xmlns:r="http://schemas.openxmlformats.org/officeDocument/2006/relationships" xmlns:p="http://schemas.openxmlformats.org/presentationml/2006/main">
   <p:cSld>
     <p:spTree>
@@ -4885,7 +6125,7 @@
           <a:p>
             <a:r>
               <a:rPr lang="zh-TW" altLang="en-US"/>
-              <a:t>設計理念</a:t>
+              <a:t>故事</a:t>
             </a:r>
           </a:p>
         </p:txBody>
@@ -4909,7 +6149,7 @@
         <p:spPr/>
         <p:txBody>
           <a:bodyPr>
-            <a:normAutofit/>
+            <a:normAutofit fontScale="92500" lnSpcReduction="10000"/>
           </a:bodyPr>
           <a:lstStyle/>
           <a:p>
@@ -4924,160 +6164,40 @@
                 <a:latin typeface="Times New Roman" panose="02020603050405020304" pitchFamily="18" charset="0"/>
                 <a:ea typeface="標楷體" panose="03000509000000000000" pitchFamily="65" charset="-120"/>
               </a:rPr>
-              <a:t>測資包含一個含有「名字」和「福袋內容物價值」的名單－－</a:t>
+              <a:t>　　有一個熱鬧的商店街叫做東亞肥宅街，一年一度會有一次的大活動，為了避免人擠人，聰明的主辦單位想了一個方法，並有一個名單，叫做肥宅隊伍，這個方法給每個人編號，並分配給所有人一個福袋，福袋大小固定，但是裡面裝著價值不一定一樣的商品。而且這個編排方法，能夠使得福袋裡總價值較大的在隊伍的前頭</a:t>
+            </a:r>
+            <a:r>
+              <a:rPr lang="en-US" altLang="zh-TW" sz="2400">
+                <a:latin typeface="Times New Roman" panose="02020603050405020304" pitchFamily="18" charset="0"/>
+                <a:ea typeface="標楷體" panose="03000509000000000000" pitchFamily="65" charset="-120"/>
+              </a:rPr>
+              <a:t>(</a:t>
+            </a:r>
+            <a:r>
+              <a:rPr lang="zh-TW" altLang="en-US" sz="2400">
+                <a:latin typeface="Times New Roman" panose="02020603050405020304" pitchFamily="18" charset="0"/>
+                <a:ea typeface="標楷體" panose="03000509000000000000" pitchFamily="65" charset="-120"/>
+              </a:rPr>
+              <a:t>如果總價值一樣只能擇一</a:t>
+            </a:r>
+            <a:r>
+              <a:rPr lang="en-US" altLang="zh-TW" sz="2400">
+                <a:latin typeface="Times New Roman" panose="02020603050405020304" pitchFamily="18" charset="0"/>
+                <a:ea typeface="標楷體" panose="03000509000000000000" pitchFamily="65" charset="-120"/>
+              </a:rPr>
+              <a:t>)</a:t>
+            </a:r>
+            <a:r>
+              <a:rPr lang="zh-TW" altLang="en-US" sz="2400">
+                <a:latin typeface="Times New Roman" panose="02020603050405020304" pitchFamily="18" charset="0"/>
+                <a:ea typeface="標楷體" panose="03000509000000000000" pitchFamily="65" charset="-120"/>
+              </a:rPr>
+              <a:t>。也就是運氣最好的人會在最前面。但是主辦單位有些疏失，名字可能重複了沒注意到，而且編排方式也不是照著原本想要的價值大到小的編排方式。主辦單位想破了頭，請幫主辦單位給的名單刪除最少個名單項目，使得名單滿足肥宅隊伍的定義，名單上項目必須保持原本的順序，並將新的名單中的人名印出來。</a:t>
             </a:r>
             <a:endParaRPr lang="en-US" altLang="zh-TW" sz="2400">
               <a:latin typeface="Times New Roman" panose="02020603050405020304" pitchFamily="18" charset="0"/>
               <a:ea typeface="標楷體" panose="03000509000000000000" pitchFamily="65" charset="-120"/>
             </a:endParaRPr>
-          </a:p>
-          <a:p>
-            <a:pPr marL="0" indent="0">
-              <a:lnSpc>
-                <a:spcPct val="150000"/>
-              </a:lnSpc>
-              <a:buNone/>
-            </a:pPr>
-            <a:r>
-              <a:rPr lang="zh-TW" altLang="en-US" sz="2400">
-                <a:latin typeface="Times New Roman" panose="02020603050405020304" pitchFamily="18" charset="0"/>
-                <a:ea typeface="標楷體" panose="03000509000000000000" pitchFamily="65" charset="-120"/>
-              </a:rPr>
-              <a:t>名單中每個人都有一個相應的、含有 </a:t>
-            </a:r>
-            <a:r>
-              <a:rPr lang="en-US" altLang="zh-TW" sz="2400">
-                <a:latin typeface="Times New Roman" panose="02020603050405020304" pitchFamily="18" charset="0"/>
-                <a:ea typeface="標楷體" panose="03000509000000000000" pitchFamily="65" charset="-120"/>
-              </a:rPr>
-              <a:t>n</a:t>
-            </a:r>
-            <a:r>
-              <a:rPr lang="zh-TW" altLang="en-US" sz="2400">
-                <a:latin typeface="Times New Roman" panose="02020603050405020304" pitchFamily="18" charset="0"/>
-                <a:ea typeface="標楷體" panose="03000509000000000000" pitchFamily="65" charset="-120"/>
-              </a:rPr>
-              <a:t> 個價值不一內容物（元素）的福袋</a:t>
-            </a:r>
-            <a:endParaRPr lang="en-US" altLang="zh-TW" sz="2400">
-              <a:latin typeface="Times New Roman" panose="02020603050405020304" pitchFamily="18" charset="0"/>
-              <a:ea typeface="標楷體" panose="03000509000000000000" pitchFamily="65" charset="-120"/>
-            </a:endParaRPr>
-          </a:p>
-          <a:p>
-            <a:pPr marL="0" indent="0">
-              <a:lnSpc>
-                <a:spcPct val="150000"/>
-              </a:lnSpc>
-              <a:buNone/>
-            </a:pPr>
-            <a:r>
-              <a:rPr lang="zh-TW" altLang="en-US" sz="2400">
-                <a:latin typeface="Times New Roman" panose="02020603050405020304" pitchFamily="18" charset="0"/>
-                <a:ea typeface="標楷體" panose="03000509000000000000" pitchFamily="65" charset="-120"/>
-              </a:rPr>
-              <a:t>名單的總人數 </a:t>
-            </a:r>
-            <a:r>
-              <a:rPr lang="en-US" altLang="zh-TW" sz="2400">
-                <a:latin typeface="Times New Roman" panose="02020603050405020304" pitchFamily="18" charset="0"/>
-                <a:ea typeface="標楷體" panose="03000509000000000000" pitchFamily="65" charset="-120"/>
-              </a:rPr>
-              <a:t>m </a:t>
-            </a:r>
-            <a:r>
-              <a:rPr lang="zh-TW" altLang="en-US" sz="2400">
-                <a:latin typeface="Times New Roman" panose="02020603050405020304" pitchFamily="18" charset="0"/>
-                <a:ea typeface="標楷體" panose="03000509000000000000" pitchFamily="65" charset="-120"/>
-              </a:rPr>
-              <a:t>和福袋的內容物數量 </a:t>
-            </a:r>
-            <a:r>
-              <a:rPr lang="en-US" altLang="zh-TW" sz="2400">
-                <a:latin typeface="Times New Roman" panose="02020603050405020304" pitchFamily="18" charset="0"/>
-                <a:ea typeface="標楷體" panose="03000509000000000000" pitchFamily="65" charset="-120"/>
-              </a:rPr>
-              <a:t>n </a:t>
-            </a:r>
-            <a:r>
-              <a:rPr lang="zh-TW" altLang="en-US" sz="2400">
-                <a:latin typeface="Times New Roman" panose="02020603050405020304" pitchFamily="18" charset="0"/>
-                <a:ea typeface="標楷體" panose="03000509000000000000" pitchFamily="65" charset="-120"/>
-              </a:rPr>
-              <a:t>限制為 </a:t>
-            </a:r>
-            <a:r>
-              <a:rPr lang="en-US" altLang="zh-TW" sz="2400">
-                <a:latin typeface="Times New Roman" panose="02020603050405020304" pitchFamily="18" charset="0"/>
-                <a:ea typeface="標楷體" panose="03000509000000000000" pitchFamily="65" charset="-120"/>
-              </a:rPr>
-              <a:t>0 &lt;= m, n &lt;= 1000</a:t>
-            </a:r>
-          </a:p>
-          <a:p>
-            <a:pPr marL="0" indent="0">
-              <a:lnSpc>
-                <a:spcPct val="150000"/>
-              </a:lnSpc>
-              <a:buNone/>
-            </a:pPr>
-            <a:r>
-              <a:rPr lang="zh-TW" altLang="en-US" sz="2400">
-                <a:latin typeface="Times New Roman" panose="02020603050405020304" pitchFamily="18" charset="0"/>
-                <a:ea typeface="標楷體" panose="03000509000000000000" pitchFamily="65" charset="-120"/>
-              </a:rPr>
-              <a:t>名字長度不超過</a:t>
-            </a:r>
-            <a:r>
-              <a:rPr lang="en-US" altLang="zh-TW" sz="2400">
-                <a:latin typeface="Times New Roman" panose="02020603050405020304" pitchFamily="18" charset="0"/>
-                <a:ea typeface="標楷體" panose="03000509000000000000" pitchFamily="65" charset="-120"/>
-              </a:rPr>
-              <a:t>10</a:t>
-            </a:r>
-            <a:r>
-              <a:rPr lang="zh-TW" altLang="en-US" sz="2400">
-                <a:latin typeface="Times New Roman" panose="02020603050405020304" pitchFamily="18" charset="0"/>
-                <a:ea typeface="標楷體" panose="03000509000000000000" pitchFamily="65" charset="-120"/>
-              </a:rPr>
-              <a:t>個字元，福袋內容物的價值 </a:t>
-            </a:r>
-            <a:r>
-              <a:rPr lang="en-US" altLang="zh-TW" sz="2400">
-                <a:latin typeface="Times New Roman" panose="02020603050405020304" pitchFamily="18" charset="0"/>
-                <a:ea typeface="標楷體" panose="03000509000000000000" pitchFamily="65" charset="-120"/>
-              </a:rPr>
-              <a:t>p[i] </a:t>
-            </a:r>
-            <a:r>
-              <a:rPr lang="zh-TW" altLang="en-US" sz="2400">
-                <a:latin typeface="Times New Roman" panose="02020603050405020304" pitchFamily="18" charset="0"/>
-                <a:ea typeface="標楷體" panose="03000509000000000000" pitchFamily="65" charset="-120"/>
-              </a:rPr>
-              <a:t>限制為 </a:t>
-            </a:r>
-            <a:r>
-              <a:rPr lang="en-US" altLang="zh-TW" sz="2400">
-                <a:latin typeface="Times New Roman" panose="02020603050405020304" pitchFamily="18" charset="0"/>
-                <a:ea typeface="標楷體" panose="03000509000000000000" pitchFamily="65" charset="-120"/>
-              </a:rPr>
-              <a:t>0 &lt;= p[i] &lt;= 10^9</a:t>
-            </a:r>
-          </a:p>
-          <a:p>
-            <a:pPr marL="0" indent="0">
-              <a:lnSpc>
-                <a:spcPct val="150000"/>
-              </a:lnSpc>
-              <a:buNone/>
-            </a:pPr>
-            <a:r>
-              <a:rPr lang="en-US" altLang="zh-TW" sz="2400">
-                <a:latin typeface="Times New Roman" panose="02020603050405020304" pitchFamily="18" charset="0"/>
-                <a:ea typeface="標楷體" panose="03000509000000000000" pitchFamily="65" charset="-120"/>
-              </a:rPr>
-              <a:t>							(i = 0~n-1) </a:t>
-            </a:r>
           </a:p>
         </p:txBody>
       </p:sp>
@@ -5173,21 +6293,7 @@
                 <a:latin typeface="Times New Roman" panose="02020603050405020304" pitchFamily="18" charset="0"/>
                 <a:ea typeface="標楷體" panose="03000509000000000000" pitchFamily="65" charset="-120"/>
               </a:rPr>
-              <a:t>每個項目的福袋內容物數量統一為 </a:t>
-            </a:r>
-            <a:r>
-              <a:rPr lang="en-US" altLang="zh-TW" sz="2400">
-                <a:latin typeface="Times New Roman" panose="02020603050405020304" pitchFamily="18" charset="0"/>
-                <a:ea typeface="標楷體" panose="03000509000000000000" pitchFamily="65" charset="-120"/>
-              </a:rPr>
-              <a:t>n</a:t>
-            </a:r>
-            <a:r>
-              <a:rPr lang="zh-TW" altLang="en-US" sz="2400">
-                <a:latin typeface="Times New Roman" panose="02020603050405020304" pitchFamily="18" charset="0"/>
-                <a:ea typeface="標楷體" panose="03000509000000000000" pitchFamily="65" charset="-120"/>
-              </a:rPr>
-              <a:t> 個</a:t>
+              <a:t>測資包含一個含有「名字」和「福袋內容物價值」的名單－－</a:t>
             </a:r>
             <a:endParaRPr lang="en-US" altLang="zh-TW" sz="2400">
               <a:latin typeface="Times New Roman" panose="02020603050405020304" pitchFamily="18" charset="0"/>
@@ -5206,7 +6312,21 @@
                 <a:latin typeface="Times New Roman" panose="02020603050405020304" pitchFamily="18" charset="0"/>
                 <a:ea typeface="標楷體" panose="03000509000000000000" pitchFamily="65" charset="-120"/>
               </a:rPr>
-              <a:t>每個福袋的「總價值」定義為：</a:t>
+              <a:t>名單中每個人都有一個相應的、含有 </a:t>
+            </a:r>
+            <a:r>
+              <a:rPr lang="en-US" altLang="zh-TW" sz="2400">
+                <a:latin typeface="Times New Roman" panose="02020603050405020304" pitchFamily="18" charset="0"/>
+                <a:ea typeface="標楷體" panose="03000509000000000000" pitchFamily="65" charset="-120"/>
+              </a:rPr>
+              <a:t>n</a:t>
+            </a:r>
+            <a:r>
+              <a:rPr lang="zh-TW" altLang="en-US" sz="2400">
+                <a:latin typeface="Times New Roman" panose="02020603050405020304" pitchFamily="18" charset="0"/>
+                <a:ea typeface="標楷體" panose="03000509000000000000" pitchFamily="65" charset="-120"/>
+              </a:rPr>
+              <a:t> 個價值不一內容物（元素）的福袋</a:t>
             </a:r>
             <a:endParaRPr lang="en-US" altLang="zh-TW" sz="2400">
               <a:latin typeface="Times New Roman" panose="02020603050405020304" pitchFamily="18" charset="0"/>
@@ -5221,23 +6341,47 @@
               <a:buNone/>
             </a:pPr>
             <a:r>
+              <a:rPr lang="zh-TW" altLang="en-US" sz="2400">
+                <a:latin typeface="Times New Roman" panose="02020603050405020304" pitchFamily="18" charset="0"/>
+                <a:ea typeface="標楷體" panose="03000509000000000000" pitchFamily="65" charset="-120"/>
+              </a:rPr>
+              <a:t>名單的總人數 </a:t>
+            </a:r>
+            <a:r>
               <a:rPr lang="en-US" altLang="zh-TW" sz="2400">
                 <a:latin typeface="Times New Roman" panose="02020603050405020304" pitchFamily="18" charset="0"/>
                 <a:ea typeface="標楷體" panose="03000509000000000000" pitchFamily="65" charset="-120"/>
               </a:rPr>
-              <a:t>1. </a:t>
+              <a:t>m </a:t>
             </a:r>
             <a:r>
               <a:rPr lang="zh-TW" altLang="en-US" sz="2400">
                 <a:latin typeface="Times New Roman" panose="02020603050405020304" pitchFamily="18" charset="0"/>
                 <a:ea typeface="標楷體" panose="03000509000000000000" pitchFamily="65" charset="-120"/>
               </a:rPr>
-              <a:t>假如是福袋中第一個物品，則把當前價值等於第一個物品</a:t>
-            </a:r>
-            <a:endParaRPr lang="en-US" altLang="zh-TW" sz="2400">
-              <a:latin typeface="Times New Roman" panose="02020603050405020304" pitchFamily="18" charset="0"/>
-              <a:ea typeface="標楷體" panose="03000509000000000000" pitchFamily="65" charset="-120"/>
-            </a:endParaRPr>
+              <a:t>和福袋的內容物數量 </a:t>
+            </a:r>
+            <a:r>
+              <a:rPr lang="en-US" altLang="zh-TW" sz="2400">
+                <a:latin typeface="Times New Roman" panose="02020603050405020304" pitchFamily="18" charset="0"/>
+                <a:ea typeface="標楷體" panose="03000509000000000000" pitchFamily="65" charset="-120"/>
+              </a:rPr>
+              <a:t>n </a:t>
+            </a:r>
+            <a:r>
+              <a:rPr lang="zh-TW" altLang="en-US" sz="2400">
+                <a:latin typeface="Times New Roman" panose="02020603050405020304" pitchFamily="18" charset="0"/>
+                <a:ea typeface="標楷體" panose="03000509000000000000" pitchFamily="65" charset="-120"/>
+              </a:rPr>
+              <a:t>限制為 </a:t>
+            </a:r>
+            <a:r>
+              <a:rPr lang="en-US" altLang="zh-TW" sz="2400">
+                <a:latin typeface="Times New Roman" panose="02020603050405020304" pitchFamily="18" charset="0"/>
+                <a:ea typeface="標楷體" panose="03000509000000000000" pitchFamily="65" charset="-120"/>
+              </a:rPr>
+              <a:t>0 &lt;= m, n &lt;= 1000</a:t>
+            </a:r>
           </a:p>
           <a:p>
             <a:pPr marL="0" indent="0">
@@ -5247,23 +6391,47 @@
               <a:buNone/>
             </a:pPr>
             <a:r>
+              <a:rPr lang="zh-TW" altLang="en-US" sz="2400">
+                <a:latin typeface="Times New Roman" panose="02020603050405020304" pitchFamily="18" charset="0"/>
+                <a:ea typeface="標楷體" panose="03000509000000000000" pitchFamily="65" charset="-120"/>
+              </a:rPr>
+              <a:t>名字長度不超過</a:t>
+            </a:r>
+            <a:r>
               <a:rPr lang="en-US" altLang="zh-TW" sz="2400">
                 <a:latin typeface="Times New Roman" panose="02020603050405020304" pitchFamily="18" charset="0"/>
                 <a:ea typeface="標楷體" panose="03000509000000000000" pitchFamily="65" charset="-120"/>
               </a:rPr>
-              <a:t>2. </a:t>
+              <a:t>10</a:t>
             </a:r>
             <a:r>
               <a:rPr lang="zh-TW" altLang="en-US" sz="2400">
                 <a:latin typeface="Times New Roman" panose="02020603050405020304" pitchFamily="18" charset="0"/>
                 <a:ea typeface="標楷體" panose="03000509000000000000" pitchFamily="65" charset="-120"/>
               </a:rPr>
-              <a:t>接著，如果是之後的物品，加總的規則是：</a:t>
-            </a:r>
-            <a:endParaRPr lang="en-US" altLang="zh-TW" sz="2400">
-              <a:latin typeface="Times New Roman" panose="02020603050405020304" pitchFamily="18" charset="0"/>
-              <a:ea typeface="標楷體" panose="03000509000000000000" pitchFamily="65" charset="-120"/>
-            </a:endParaRPr>
+              <a:t>個字元，福袋內容物的價值 </a:t>
+            </a:r>
+            <a:r>
+              <a:rPr lang="en-US" altLang="zh-TW" sz="2400">
+                <a:latin typeface="Times New Roman" panose="02020603050405020304" pitchFamily="18" charset="0"/>
+                <a:ea typeface="標楷體" panose="03000509000000000000" pitchFamily="65" charset="-120"/>
+              </a:rPr>
+              <a:t>p[i] </a:t>
+            </a:r>
+            <a:r>
+              <a:rPr lang="zh-TW" altLang="en-US" sz="2400">
+                <a:latin typeface="Times New Roman" panose="02020603050405020304" pitchFamily="18" charset="0"/>
+                <a:ea typeface="標楷體" panose="03000509000000000000" pitchFamily="65" charset="-120"/>
+              </a:rPr>
+              <a:t>限制為 </a:t>
+            </a:r>
+            <a:r>
+              <a:rPr lang="en-US" altLang="zh-TW" sz="2400">
+                <a:latin typeface="Times New Roman" panose="02020603050405020304" pitchFamily="18" charset="0"/>
+                <a:ea typeface="標楷體" panose="03000509000000000000" pitchFamily="65" charset="-120"/>
+              </a:rPr>
+              <a:t>0 &lt;= p[i] &lt;= 10^9</a:t>
+            </a:r>
           </a:p>
           <a:p>
             <a:pPr marL="0" indent="0">
@@ -5273,23 +6441,19 @@
               <a:buNone/>
             </a:pPr>
             <a:r>
-              <a:rPr lang="zh-TW" altLang="en-US" sz="2400">
-                <a:latin typeface="Times New Roman" panose="02020603050405020304" pitchFamily="18" charset="0"/>
-                <a:ea typeface="標楷體" panose="03000509000000000000" pitchFamily="65" charset="-120"/>
-              </a:rPr>
-              <a:t>    　　當前商品價值比現在總和大，則累加，否則減去當前商品價值</a:t>
-            </a:r>
-            <a:endParaRPr lang="en-US" altLang="zh-TW" sz="2400">
-              <a:latin typeface="Times New Roman" panose="02020603050405020304" pitchFamily="18" charset="0"/>
-              <a:ea typeface="標楷體" panose="03000509000000000000" pitchFamily="65" charset="-120"/>
-            </a:endParaRPr>
+              <a:rPr lang="en-US" altLang="zh-TW" sz="2400">
+                <a:latin typeface="Times New Roman" panose="02020603050405020304" pitchFamily="18" charset="0"/>
+                <a:ea typeface="標楷體" panose="03000509000000000000" pitchFamily="65" charset="-120"/>
+              </a:rPr>
+              <a:t>							(i = 0~n-1) </a:t>
+            </a:r>
           </a:p>
         </p:txBody>
       </p:sp>
     </p:spTree>
     <p:extLst>
       <p:ext uri="{BB962C8B-B14F-4D97-AF65-F5344CB8AC3E}">
-        <p14:creationId xmlns:p14="http://schemas.microsoft.com/office/powerpoint/2010/main" val="1632378058"/>
+        <p14:creationId xmlns:p14="http://schemas.microsoft.com/office/powerpoint/2010/main" val="1816090256"/>
       </p:ext>
     </p:extLst>
   </p:cSld>
@@ -5368,6 +6532,9 @@
           <a:lstStyle/>
           <a:p>
             <a:pPr marL="0" indent="0">
+              <a:lnSpc>
+                <a:spcPct val="150000"/>
+              </a:lnSpc>
               <a:buNone/>
             </a:pPr>
             <a:r>
@@ -5375,7 +6542,21 @@
                 <a:latin typeface="Times New Roman" panose="02020603050405020304" pitchFamily="18" charset="0"/>
                 <a:ea typeface="標楷體" panose="03000509000000000000" pitchFamily="65" charset="-120"/>
               </a:rPr>
-              <a:t>對於每筆測資－－</a:t>
+              <a:t>每個項目的福袋內容物數量統一為 </a:t>
+            </a:r>
+            <a:r>
+              <a:rPr lang="en-US" altLang="zh-TW" sz="2400">
+                <a:latin typeface="Times New Roman" panose="02020603050405020304" pitchFamily="18" charset="0"/>
+                <a:ea typeface="標楷體" panose="03000509000000000000" pitchFamily="65" charset="-120"/>
+              </a:rPr>
+              <a:t>n</a:t>
+            </a:r>
+            <a:r>
+              <a:rPr lang="zh-TW" altLang="en-US" sz="2400">
+                <a:latin typeface="Times New Roman" panose="02020603050405020304" pitchFamily="18" charset="0"/>
+                <a:ea typeface="標楷體" panose="03000509000000000000" pitchFamily="65" charset="-120"/>
+              </a:rPr>
+              <a:t> 個</a:t>
             </a:r>
             <a:endParaRPr lang="en-US" altLang="zh-TW" sz="2400">
               <a:latin typeface="Times New Roman" panose="02020603050405020304" pitchFamily="18" charset="0"/>
@@ -5384,21 +6565,17 @@
           </a:p>
           <a:p>
             <a:pPr marL="0" indent="0">
+              <a:lnSpc>
+                <a:spcPct val="150000"/>
+              </a:lnSpc>
               <a:buNone/>
             </a:pPr>
             <a:r>
-              <a:rPr lang="en-US" altLang="zh-TW" sz="2400">
-                <a:latin typeface="Times New Roman" panose="02020603050405020304" pitchFamily="18" charset="0"/>
-                <a:ea typeface="標楷體" panose="03000509000000000000" pitchFamily="65" charset="-120"/>
-              </a:rPr>
-              <a:t>1.</a:t>
-            </a:r>
-            <a:r>
               <a:rPr lang="zh-TW" altLang="en-US" sz="2400">
                 <a:latin typeface="Times New Roman" panose="02020603050405020304" pitchFamily="18" charset="0"/>
                 <a:ea typeface="標楷體" panose="03000509000000000000" pitchFamily="65" charset="-120"/>
               </a:rPr>
-              <a:t> 在不改變名單順序的前提下，把最少名單項目移除，</a:t>
+              <a:t>每個福袋的「總價值」定義為：</a:t>
             </a:r>
             <a:endParaRPr lang="en-US" altLang="zh-TW" sz="2400">
               <a:latin typeface="Times New Roman" panose="02020603050405020304" pitchFamily="18" charset="0"/>
@@ -5407,14 +6584,24 @@
           </a:p>
           <a:p>
             <a:pPr marL="0" indent="0">
+              <a:lnSpc>
+                <a:spcPct val="150000"/>
+              </a:lnSpc>
               <a:buNone/>
             </a:pPr>
             <a:r>
+              <a:rPr lang="en-US" altLang="zh-TW" sz="2400">
+                <a:latin typeface="Times New Roman" panose="02020603050405020304" pitchFamily="18" charset="0"/>
+                <a:ea typeface="標楷體" panose="03000509000000000000" pitchFamily="65" charset="-120"/>
+              </a:rPr>
+              <a:t>1. </a:t>
+            </a:r>
+            <a:r>
               <a:rPr lang="zh-TW" altLang="en-US" sz="2400">
                 <a:latin typeface="Times New Roman" panose="02020603050405020304" pitchFamily="18" charset="0"/>
                 <a:ea typeface="標楷體" panose="03000509000000000000" pitchFamily="65" charset="-120"/>
               </a:rPr>
-              <a:t>    使得名單符合一個肥宅隊伍的定義：</a:t>
+              <a:t>假如是福袋中第一個物品，則把當前價值等於第一個物品</a:t>
             </a:r>
             <a:endParaRPr lang="en-US" altLang="zh-TW" sz="2400">
               <a:latin typeface="Times New Roman" panose="02020603050405020304" pitchFamily="18" charset="0"/>
@@ -5423,14 +6610,24 @@
           </a:p>
           <a:p>
             <a:pPr marL="0" indent="0">
+              <a:lnSpc>
+                <a:spcPct val="150000"/>
+              </a:lnSpc>
               <a:buNone/>
             </a:pPr>
             <a:r>
+              <a:rPr lang="en-US" altLang="zh-TW" sz="2400">
+                <a:latin typeface="Times New Roman" panose="02020603050405020304" pitchFamily="18" charset="0"/>
+                <a:ea typeface="標楷體" panose="03000509000000000000" pitchFamily="65" charset="-120"/>
+              </a:rPr>
+              <a:t>2. </a:t>
+            </a:r>
+            <a:r>
               <a:rPr lang="zh-TW" altLang="en-US" sz="2400">
                 <a:latin typeface="Times New Roman" panose="02020603050405020304" pitchFamily="18" charset="0"/>
                 <a:ea typeface="標楷體" panose="03000509000000000000" pitchFamily="65" charset="-120"/>
               </a:rPr>
-              <a:t>    　　價值由大到小，名字重複時只取第一個項目</a:t>
+              <a:t>接著，如果是之後的物品，加總的規則是：</a:t>
             </a:r>
             <a:endParaRPr lang="en-US" altLang="zh-TW" sz="2400">
               <a:latin typeface="Times New Roman" panose="02020603050405020304" pitchFamily="18" charset="0"/>
@@ -5439,125 +6636,29 @@
           </a:p>
           <a:p>
             <a:pPr marL="0" indent="0">
+              <a:lnSpc>
+                <a:spcPct val="150000"/>
+              </a:lnSpc>
               <a:buNone/>
             </a:pPr>
+            <a:r>
+              <a:rPr lang="zh-TW" altLang="en-US" sz="2400">
+                <a:latin typeface="Times New Roman" panose="02020603050405020304" pitchFamily="18" charset="0"/>
+                <a:ea typeface="標楷體" panose="03000509000000000000" pitchFamily="65" charset="-120"/>
+              </a:rPr>
+              <a:t>    　　當前商品價值比現在總和大，則累加，否則減去當前商品價值</a:t>
+            </a:r>
             <a:endParaRPr lang="en-US" altLang="zh-TW" sz="2400">
               <a:latin typeface="Times New Roman" panose="02020603050405020304" pitchFamily="18" charset="0"/>
               <a:ea typeface="標楷體" panose="03000509000000000000" pitchFamily="65" charset="-120"/>
             </a:endParaRPr>
           </a:p>
-          <a:p>
-            <a:pPr marL="0" indent="0">
-              <a:buNone/>
-            </a:pPr>
-            <a:r>
-              <a:rPr lang="en-US" altLang="zh-TW" sz="2400">
-                <a:latin typeface="Times New Roman" panose="02020603050405020304" pitchFamily="18" charset="0"/>
-                <a:ea typeface="標楷體" panose="03000509000000000000" pitchFamily="65" charset="-120"/>
-              </a:rPr>
-              <a:t>2. </a:t>
-            </a:r>
-            <a:r>
-              <a:rPr lang="zh-TW" altLang="en-US" sz="2400">
-                <a:latin typeface="Times New Roman" panose="02020603050405020304" pitchFamily="18" charset="0"/>
-                <a:ea typeface="標楷體" panose="03000509000000000000" pitchFamily="65" charset="-120"/>
-              </a:rPr>
-              <a:t>輸出新名單的項目數量，並將其中的名字依序輸出</a:t>
-            </a:r>
-            <a:endParaRPr lang="en-US" altLang="zh-TW" sz="2400">
-              <a:latin typeface="Times New Roman" panose="02020603050405020304" pitchFamily="18" charset="0"/>
-              <a:ea typeface="標楷體" panose="03000509000000000000" pitchFamily="65" charset="-120"/>
-            </a:endParaRPr>
-          </a:p>
-          <a:p>
-            <a:pPr marL="0" indent="0">
-              <a:buNone/>
-            </a:pPr>
-            <a:r>
-              <a:rPr lang="zh-TW" altLang="en-US" sz="2400">
-                <a:latin typeface="Times New Roman" panose="02020603050405020304" pitchFamily="18" charset="0"/>
-                <a:ea typeface="標楷體" panose="03000509000000000000" pitchFamily="65" charset="-120"/>
-              </a:rPr>
-              <a:t>    若有多組解，輸出「以輸入順序作為比較基準」的最小輸入序名單序列</a:t>
-            </a:r>
-            <a:endParaRPr lang="en-US" altLang="zh-TW" sz="2400">
-              <a:latin typeface="Times New Roman" panose="02020603050405020304" pitchFamily="18" charset="0"/>
-              <a:ea typeface="標楷體" panose="03000509000000000000" pitchFamily="65" charset="-120"/>
-            </a:endParaRPr>
-          </a:p>
-          <a:p>
-            <a:pPr marL="0" indent="0">
-              <a:buNone/>
-            </a:pPr>
-            <a:endParaRPr lang="en-US" altLang="zh-TW" sz="2400">
-              <a:latin typeface="Times New Roman" panose="02020603050405020304" pitchFamily="18" charset="0"/>
-              <a:ea typeface="標楷體" panose="03000509000000000000" pitchFamily="65" charset="-120"/>
-            </a:endParaRPr>
-          </a:p>
-          <a:p>
-            <a:pPr marL="0" indent="0">
-              <a:buNone/>
-            </a:pPr>
-            <a:r>
-              <a:rPr lang="zh-TW" altLang="en-US" sz="2400">
-                <a:latin typeface="Times New Roman" panose="02020603050405020304" pitchFamily="18" charset="0"/>
-                <a:ea typeface="標楷體" panose="03000509000000000000" pitchFamily="65" charset="-120"/>
-              </a:rPr>
-              <a:t>必須</a:t>
-            </a:r>
-            <a:r>
-              <a:rPr lang="zh-TW" altLang="zh-TW" sz="2400">
-                <a:latin typeface="Times New Roman" panose="02020603050405020304" pitchFamily="18" charset="0"/>
-                <a:ea typeface="標楷體" panose="03000509000000000000" pitchFamily="65" charset="-120"/>
-              </a:rPr>
-              <a:t>使用</a:t>
-            </a:r>
-            <a:r>
-              <a:rPr lang="en-US" altLang="zh-TW" sz="2400">
-                <a:latin typeface="Times New Roman" panose="02020603050405020304" pitchFamily="18" charset="0"/>
-                <a:ea typeface="標楷體" panose="03000509000000000000" pitchFamily="65" charset="-120"/>
-              </a:rPr>
-              <a:t>STL</a:t>
-            </a:r>
-            <a:r>
-              <a:rPr lang="zh-TW" altLang="zh-TW" sz="2400">
-                <a:latin typeface="Times New Roman" panose="02020603050405020304" pitchFamily="18" charset="0"/>
-                <a:ea typeface="標楷體" panose="03000509000000000000" pitchFamily="65" charset="-120"/>
-              </a:rPr>
-              <a:t>容器與演算法完成，</a:t>
-            </a:r>
-            <a:r>
-              <a:rPr lang="zh-TW" altLang="en-US" sz="2400">
-                <a:latin typeface="Times New Roman" panose="02020603050405020304" pitchFamily="18" charset="0"/>
-                <a:ea typeface="標楷體" panose="03000509000000000000" pitchFamily="65" charset="-120"/>
-              </a:rPr>
-              <a:t>並使用到</a:t>
-            </a:r>
-            <a:r>
-              <a:rPr lang="en-US" altLang="zh-TW" sz="2400">
-                <a:latin typeface="Times New Roman" panose="02020603050405020304" pitchFamily="18" charset="0"/>
-                <a:ea typeface="標楷體" panose="03000509000000000000" pitchFamily="65" charset="-120"/>
-              </a:rPr>
-              <a:t>lambda expression</a:t>
-            </a:r>
-            <a:r>
-              <a:rPr lang="zh-TW" altLang="zh-TW" sz="2400">
-                <a:latin typeface="Times New Roman" panose="02020603050405020304" pitchFamily="18" charset="0"/>
-                <a:ea typeface="標楷體" panose="03000509000000000000" pitchFamily="65" charset="-120"/>
-              </a:rPr>
-              <a:t>，否則不於計分</a:t>
-            </a:r>
-            <a:endParaRPr lang="zh-TW" altLang="en-US" sz="2400">
-              <a:latin typeface="Times New Roman" panose="02020603050405020304" pitchFamily="18" charset="0"/>
-              <a:ea typeface="標楷體" panose="03000509000000000000" pitchFamily="65" charset="-120"/>
-            </a:endParaRPr>
-          </a:p>
         </p:txBody>
       </p:sp>
     </p:spTree>
     <p:extLst>
       <p:ext uri="{BB962C8B-B14F-4D97-AF65-F5344CB8AC3E}">
-        <p14:creationId xmlns:p14="http://schemas.microsoft.com/office/powerpoint/2010/main" val="2709349255"/>
+        <p14:creationId xmlns:p14="http://schemas.microsoft.com/office/powerpoint/2010/main" val="1632378058"/>
       </p:ext>
     </p:extLst>
   </p:cSld>
@@ -5607,15 +6708,7 @@
           <a:p>
             <a:r>
               <a:rPr lang="zh-TW" altLang="en-US"/>
-              <a:t>輸入 </a:t>
-            </a:r>
-            <a:r>
-              <a:rPr lang="en-US" altLang="zh-TW"/>
-              <a:t>/</a:t>
-            </a:r>
-            <a:r>
-              <a:rPr lang="zh-TW" altLang="en-US"/>
-              <a:t> 輸出說明</a:t>
+              <a:t>設計理念</a:t>
             </a:r>
           </a:p>
         </p:txBody>
@@ -5639,414 +6732,201 @@
         <p:spPr/>
         <p:txBody>
           <a:bodyPr>
-            <a:normAutofit fontScale="92500" lnSpcReduction="10000"/>
+            <a:normAutofit/>
           </a:bodyPr>
           <a:lstStyle/>
           <a:p>
             <a:pPr marL="0" indent="0">
-              <a:lnSpc>
-                <a:spcPct val="110000"/>
-              </a:lnSpc>
               <a:buNone/>
             </a:pPr>
             <a:r>
-              <a:rPr lang="zh-TW" altLang="zh-TW" b="1" dirty="0">
-                <a:latin typeface="Times New Roman" panose="02020603050405020304" pitchFamily="18" charset="0"/>
-                <a:ea typeface="標楷體" panose="03000509000000000000" pitchFamily="65" charset="-120"/>
-              </a:rPr>
-              <a:t>輸入說明</a:t>
-            </a:r>
-            <a:r>
-              <a:rPr lang="zh-TW" altLang="en-US" b="1" dirty="0">
-                <a:latin typeface="Times New Roman" panose="02020603050405020304" pitchFamily="18" charset="0"/>
-                <a:ea typeface="標楷體" panose="03000509000000000000" pitchFamily="65" charset="-120"/>
-              </a:rPr>
-              <a:t>：</a:t>
-            </a:r>
-            <a:endParaRPr lang="en-US" altLang="zh-TW" dirty="0">
+              <a:rPr lang="zh-TW" altLang="en-US" sz="2400">
+                <a:latin typeface="Times New Roman" panose="02020603050405020304" pitchFamily="18" charset="0"/>
+                <a:ea typeface="標楷體" panose="03000509000000000000" pitchFamily="65" charset="-120"/>
+              </a:rPr>
+              <a:t>對於每筆測資－－</a:t>
+            </a:r>
+            <a:endParaRPr lang="en-US" altLang="zh-TW" sz="2400">
               <a:latin typeface="Times New Roman" panose="02020603050405020304" pitchFamily="18" charset="0"/>
               <a:ea typeface="標楷體" panose="03000509000000000000" pitchFamily="65" charset="-120"/>
             </a:endParaRPr>
           </a:p>
           <a:p>
             <a:pPr marL="0" indent="0">
-              <a:lnSpc>
-                <a:spcPct val="110000"/>
-              </a:lnSpc>
               <a:buNone/>
             </a:pPr>
             <a:r>
-              <a:rPr lang="zh-TW" altLang="en-US" dirty="0">
-                <a:latin typeface="Times New Roman" panose="02020603050405020304" pitchFamily="18" charset="0"/>
-                <a:ea typeface="標楷體" panose="03000509000000000000" pitchFamily="65" charset="-120"/>
-              </a:rPr>
-              <a:t>輸入可以包含多組測資。</a:t>
-            </a:r>
-            <a:endParaRPr lang="en-US" altLang="zh-TW" dirty="0">
+              <a:rPr lang="en-US" altLang="zh-TW" sz="2400">
+                <a:latin typeface="Times New Roman" panose="02020603050405020304" pitchFamily="18" charset="0"/>
+                <a:ea typeface="標楷體" panose="03000509000000000000" pitchFamily="65" charset="-120"/>
+              </a:rPr>
+              <a:t>1.</a:t>
+            </a:r>
+            <a:r>
+              <a:rPr lang="zh-TW" altLang="en-US" sz="2400">
+                <a:latin typeface="Times New Roman" panose="02020603050405020304" pitchFamily="18" charset="0"/>
+                <a:ea typeface="標楷體" panose="03000509000000000000" pitchFamily="65" charset="-120"/>
+              </a:rPr>
+              <a:t> 在不改變名單順序的前提下，把最少名單項目移除，</a:t>
+            </a:r>
+            <a:endParaRPr lang="en-US" altLang="zh-TW" sz="2400">
               <a:latin typeface="Times New Roman" panose="02020603050405020304" pitchFamily="18" charset="0"/>
               <a:ea typeface="標楷體" panose="03000509000000000000" pitchFamily="65" charset="-120"/>
             </a:endParaRPr>
           </a:p>
           <a:p>
             <a:pPr marL="0" indent="0">
-              <a:lnSpc>
-                <a:spcPct val="110000"/>
-              </a:lnSpc>
               <a:buNone/>
             </a:pPr>
             <a:r>
-              <a:rPr lang="zh-TW" altLang="zh-TW" dirty="0">
-                <a:latin typeface="Times New Roman" panose="02020603050405020304" pitchFamily="18" charset="0"/>
-                <a:ea typeface="標楷體" panose="03000509000000000000" pitchFamily="65" charset="-120"/>
-              </a:rPr>
-              <a:t>輸入兩個整數</a:t>
-            </a:r>
-            <a:r>
-              <a:rPr lang="en-US" altLang="zh-TW" dirty="0">
-                <a:latin typeface="Times New Roman" panose="02020603050405020304" pitchFamily="18" charset="0"/>
-                <a:ea typeface="標楷體" panose="03000509000000000000" pitchFamily="65" charset="-120"/>
-              </a:rPr>
-              <a:t>M, N</a:t>
-            </a:r>
-            <a:r>
-              <a:rPr lang="zh-TW" altLang="en-US" dirty="0">
-                <a:latin typeface="Times New Roman" panose="02020603050405020304" pitchFamily="18" charset="0"/>
-                <a:ea typeface="標楷體" panose="03000509000000000000" pitchFamily="65" charset="-120"/>
-              </a:rPr>
-              <a:t>，</a:t>
-            </a:r>
-            <a:r>
-              <a:rPr lang="en-US" altLang="zh-TW" dirty="0">
-                <a:latin typeface="Times New Roman" panose="02020603050405020304" pitchFamily="18" charset="0"/>
-                <a:ea typeface="標楷體" panose="03000509000000000000" pitchFamily="65" charset="-120"/>
-              </a:rPr>
-              <a:t>M</a:t>
-            </a:r>
-            <a:r>
-              <a:rPr lang="zh-TW" altLang="zh-TW" dirty="0">
-                <a:latin typeface="Times New Roman" panose="02020603050405020304" pitchFamily="18" charset="0"/>
-                <a:ea typeface="標楷體" panose="03000509000000000000" pitchFamily="65" charset="-120"/>
-              </a:rPr>
-              <a:t>表示</a:t>
-            </a:r>
-            <a:r>
-              <a:rPr lang="en-US" altLang="zh-TW" dirty="0">
-                <a:latin typeface="Times New Roman" panose="02020603050405020304" pitchFamily="18" charset="0"/>
-                <a:ea typeface="標楷體" panose="03000509000000000000" pitchFamily="65" charset="-120"/>
-              </a:rPr>
-              <a:t>group</a:t>
-            </a:r>
-            <a:r>
-              <a:rPr lang="zh-TW" altLang="zh-TW" dirty="0">
-                <a:latin typeface="Times New Roman" panose="02020603050405020304" pitchFamily="18" charset="0"/>
-                <a:ea typeface="標楷體" panose="03000509000000000000" pitchFamily="65" charset="-120"/>
-              </a:rPr>
-              <a:t>數目</a:t>
-            </a:r>
-            <a:r>
-              <a:rPr lang="en-US" altLang="zh-TW" dirty="0">
-                <a:latin typeface="Times New Roman" panose="02020603050405020304" pitchFamily="18" charset="0"/>
-                <a:ea typeface="標楷體" panose="03000509000000000000" pitchFamily="65" charset="-120"/>
-              </a:rPr>
-              <a:t>(1 &lt;= M &lt;= 500)</a:t>
-            </a:r>
-            <a:r>
-              <a:rPr lang="zh-TW" altLang="zh-TW" dirty="0">
-                <a:latin typeface="Times New Roman" panose="02020603050405020304" pitchFamily="18" charset="0"/>
-                <a:ea typeface="標楷體" panose="03000509000000000000" pitchFamily="65" charset="-120"/>
-              </a:rPr>
-              <a:t>，</a:t>
-            </a:r>
-            <a:r>
-              <a:rPr lang="en-US" altLang="zh-TW" dirty="0">
-                <a:latin typeface="Times New Roman" panose="02020603050405020304" pitchFamily="18" charset="0"/>
-                <a:ea typeface="標楷體" panose="03000509000000000000" pitchFamily="65" charset="-120"/>
-              </a:rPr>
-              <a:t>N</a:t>
-            </a:r>
-            <a:r>
-              <a:rPr lang="zh-TW" altLang="zh-TW" dirty="0">
-                <a:latin typeface="Times New Roman" panose="02020603050405020304" pitchFamily="18" charset="0"/>
-                <a:ea typeface="標楷體" panose="03000509000000000000" pitchFamily="65" charset="-120"/>
-              </a:rPr>
-              <a:t>表示</a:t>
-            </a:r>
-            <a:r>
-              <a:rPr lang="en-US" altLang="zh-TW" dirty="0">
-                <a:latin typeface="Times New Roman" panose="02020603050405020304" pitchFamily="18" charset="0"/>
-                <a:ea typeface="標楷體" panose="03000509000000000000" pitchFamily="65" charset="-120"/>
-              </a:rPr>
-              <a:t>group</a:t>
-            </a:r>
-            <a:r>
-              <a:rPr lang="zh-TW" altLang="zh-TW" dirty="0">
-                <a:latin typeface="Times New Roman" panose="02020603050405020304" pitchFamily="18" charset="0"/>
-                <a:ea typeface="標楷體" panose="03000509000000000000" pitchFamily="65" charset="-120"/>
-              </a:rPr>
-              <a:t>的大小</a:t>
-            </a:r>
-            <a:r>
-              <a:rPr lang="en-US" altLang="zh-TW" dirty="0">
-                <a:latin typeface="Times New Roman" panose="02020603050405020304" pitchFamily="18" charset="0"/>
-                <a:ea typeface="標楷體" panose="03000509000000000000" pitchFamily="65" charset="-120"/>
-              </a:rPr>
-              <a:t>(1 &lt;= N &lt;= 500)</a:t>
-            </a:r>
-            <a:r>
-              <a:rPr lang="zh-TW" altLang="zh-TW" dirty="0">
-                <a:latin typeface="Times New Roman" panose="02020603050405020304" pitchFamily="18" charset="0"/>
-                <a:ea typeface="標楷體" panose="03000509000000000000" pitchFamily="65" charset="-120"/>
-              </a:rPr>
-              <a:t>。接下來</a:t>
-            </a:r>
-            <a:r>
-              <a:rPr lang="en-US" altLang="zh-TW" dirty="0">
-                <a:latin typeface="Times New Roman" panose="02020603050405020304" pitchFamily="18" charset="0"/>
-                <a:ea typeface="標楷體" panose="03000509000000000000" pitchFamily="65" charset="-120"/>
-              </a:rPr>
-              <a:t>M</a:t>
-            </a:r>
-            <a:r>
-              <a:rPr lang="zh-TW" altLang="zh-TW" dirty="0">
-                <a:latin typeface="Times New Roman" panose="02020603050405020304" pitchFamily="18" charset="0"/>
-                <a:ea typeface="標楷體" panose="03000509000000000000" pitchFamily="65" charset="-120"/>
-              </a:rPr>
-              <a:t>行</a:t>
-            </a:r>
-            <a:r>
-              <a:rPr lang="zh-TW" altLang="en-US" dirty="0">
-                <a:latin typeface="Times New Roman" panose="02020603050405020304" pitchFamily="18" charset="0"/>
-                <a:ea typeface="標楷體" panose="03000509000000000000" pitchFamily="65" charset="-120"/>
-              </a:rPr>
-              <a:t>各</a:t>
-            </a:r>
-            <a:r>
-              <a:rPr lang="zh-TW" altLang="zh-TW" dirty="0">
-                <a:latin typeface="Times New Roman" panose="02020603050405020304" pitchFamily="18" charset="0"/>
-                <a:ea typeface="標楷體" panose="03000509000000000000" pitchFamily="65" charset="-120"/>
-              </a:rPr>
-              <a:t>輸入</a:t>
-            </a:r>
-            <a:r>
-              <a:rPr lang="en-US" altLang="zh-TW" dirty="0">
-                <a:latin typeface="Times New Roman" panose="02020603050405020304" pitchFamily="18" charset="0"/>
-                <a:ea typeface="標楷體" panose="03000509000000000000" pitchFamily="65" charset="-120"/>
-              </a:rPr>
-              <a:t>N</a:t>
-            </a:r>
-            <a:r>
-              <a:rPr lang="zh-TW" altLang="zh-TW" dirty="0">
-                <a:latin typeface="Times New Roman" panose="02020603050405020304" pitchFamily="18" charset="0"/>
-                <a:ea typeface="標楷體" panose="03000509000000000000" pitchFamily="65" charset="-120"/>
-              </a:rPr>
-              <a:t>個數字</a:t>
-            </a:r>
-            <a:r>
-              <a:rPr lang="en-US" altLang="zh-TW" dirty="0" err="1">
-                <a:latin typeface="Times New Roman" panose="02020603050405020304" pitchFamily="18" charset="0"/>
-                <a:ea typeface="標楷體" panose="03000509000000000000" pitchFamily="65" charset="-120"/>
-              </a:rPr>
-              <a:t>k</a:t>
-            </a:r>
-            <a:r>
-              <a:rPr lang="en-US" altLang="zh-TW" sz="2000" dirty="0" err="1">
-                <a:latin typeface="Times New Roman" panose="02020603050405020304" pitchFamily="18" charset="0"/>
-                <a:ea typeface="標楷體" panose="03000509000000000000" pitchFamily="65" charset="-120"/>
-              </a:rPr>
-              <a:t>i</a:t>
-            </a:r>
-            <a:r>
-              <a:rPr lang="en-US" altLang="zh-TW" sz="2000" dirty="0">
-                <a:latin typeface="Times New Roman" panose="02020603050405020304" pitchFamily="18" charset="0"/>
-                <a:ea typeface="標楷體" panose="03000509000000000000" pitchFamily="65" charset="-120"/>
-              </a:rPr>
-              <a:t> </a:t>
-            </a:r>
-            <a:r>
-              <a:rPr lang="en-US" altLang="zh-TW" dirty="0">
-                <a:latin typeface="Times New Roman" panose="02020603050405020304" pitchFamily="18" charset="0"/>
-                <a:ea typeface="標楷體" panose="03000509000000000000" pitchFamily="65" charset="-120"/>
-              </a:rPr>
-              <a:t>(1 &lt;= </a:t>
-            </a:r>
-            <a:r>
-              <a:rPr lang="en-US" altLang="zh-TW" dirty="0" err="1">
-                <a:latin typeface="Times New Roman" panose="02020603050405020304" pitchFamily="18" charset="0"/>
-                <a:ea typeface="標楷體" panose="03000509000000000000" pitchFamily="65" charset="-120"/>
-              </a:rPr>
-              <a:t>k</a:t>
-            </a:r>
-            <a:r>
-              <a:rPr lang="en-US" altLang="zh-TW" sz="2000" dirty="0" err="1">
-                <a:latin typeface="Times New Roman" panose="02020603050405020304" pitchFamily="18" charset="0"/>
-                <a:ea typeface="標楷體" panose="03000509000000000000" pitchFamily="65" charset="-120"/>
-              </a:rPr>
-              <a:t>i</a:t>
-            </a:r>
-            <a:r>
-              <a:rPr lang="en-US" altLang="zh-TW" dirty="0">
-                <a:latin typeface="Times New Roman" panose="02020603050405020304" pitchFamily="18" charset="0"/>
-                <a:ea typeface="標楷體" panose="03000509000000000000" pitchFamily="65" charset="-120"/>
-              </a:rPr>
-              <a:t> &lt;= 1000000000)</a:t>
-            </a:r>
-            <a:r>
-              <a:rPr lang="zh-TW" altLang="zh-TW" dirty="0">
-                <a:latin typeface="Times New Roman" panose="02020603050405020304" pitchFamily="18" charset="0"/>
-                <a:ea typeface="標楷體" panose="03000509000000000000" pitchFamily="65" charset="-120"/>
-              </a:rPr>
-              <a:t>。</a:t>
-            </a:r>
-            <a:r>
-              <a:rPr lang="en-US" altLang="zh-TW" dirty="0">
-                <a:latin typeface="Times New Roman" panose="02020603050405020304" pitchFamily="18" charset="0"/>
-                <a:ea typeface="標楷體" panose="03000509000000000000" pitchFamily="65" charset="-120"/>
-              </a:rPr>
-              <a:t>0 0 </a:t>
-            </a:r>
-            <a:r>
-              <a:rPr lang="zh-TW" altLang="zh-TW" dirty="0">
-                <a:latin typeface="Times New Roman" panose="02020603050405020304" pitchFamily="18" charset="0"/>
-                <a:ea typeface="標楷體" panose="03000509000000000000" pitchFamily="65" charset="-120"/>
-              </a:rPr>
-              <a:t>代表結束。</a:t>
-            </a:r>
-          </a:p>
-          <a:p>
-            <a:pPr marL="0" indent="0">
-              <a:lnSpc>
-                <a:spcPct val="110000"/>
-              </a:lnSpc>
-              <a:buNone/>
-            </a:pPr>
-            <a:r>
-              <a:rPr lang="zh-TW" altLang="zh-TW" b="1" dirty="0">
-                <a:latin typeface="Times New Roman" panose="02020603050405020304" pitchFamily="18" charset="0"/>
-                <a:ea typeface="標楷體" panose="03000509000000000000" pitchFamily="65" charset="-120"/>
-              </a:rPr>
-              <a:t>輸出說明</a:t>
-            </a:r>
-            <a:r>
-              <a:rPr lang="zh-TW" altLang="en-US" b="1" dirty="0">
-                <a:latin typeface="Times New Roman" panose="02020603050405020304" pitchFamily="18" charset="0"/>
-                <a:ea typeface="標楷體" panose="03000509000000000000" pitchFamily="65" charset="-120"/>
-              </a:rPr>
-              <a:t>：</a:t>
-            </a:r>
-            <a:endParaRPr lang="zh-TW" altLang="zh-TW" dirty="0">
+              <a:rPr lang="zh-TW" altLang="en-US" sz="2400">
+                <a:latin typeface="Times New Roman" panose="02020603050405020304" pitchFamily="18" charset="0"/>
+                <a:ea typeface="標楷體" panose="03000509000000000000" pitchFamily="65" charset="-120"/>
+              </a:rPr>
+              <a:t>    使得名單符合一個「肥宅隊伍」的定義：</a:t>
+            </a:r>
+            <a:endParaRPr lang="en-US" altLang="zh-TW" sz="2400">
               <a:latin typeface="Times New Roman" panose="02020603050405020304" pitchFamily="18" charset="0"/>
               <a:ea typeface="標楷體" panose="03000509000000000000" pitchFamily="65" charset="-120"/>
             </a:endParaRPr>
           </a:p>
           <a:p>
             <a:pPr marL="0" indent="0">
-              <a:lnSpc>
-                <a:spcPct val="110000"/>
-              </a:lnSpc>
               <a:buNone/>
             </a:pPr>
             <a:r>
-              <a:rPr lang="zh-TW" altLang="en-US" dirty="0">
-                <a:latin typeface="Times New Roman" panose="02020603050405020304" pitchFamily="18" charset="0"/>
-                <a:ea typeface="標楷體" panose="03000509000000000000" pitchFamily="65" charset="-120"/>
-              </a:rPr>
-              <a:t>對於每組測資，</a:t>
-            </a:r>
-            <a:r>
-              <a:rPr lang="zh-TW" altLang="zh-TW" dirty="0">
-                <a:latin typeface="Times New Roman" panose="02020603050405020304" pitchFamily="18" charset="0"/>
-                <a:ea typeface="標楷體" panose="03000509000000000000" pitchFamily="65" charset="-120"/>
-              </a:rPr>
-              <a:t>輸出</a:t>
-            </a:r>
-            <a:r>
-              <a:rPr lang="en-US" altLang="zh-TW" dirty="0">
-                <a:latin typeface="Times New Roman" panose="02020603050405020304" pitchFamily="18" charset="0"/>
-                <a:ea typeface="標楷體" panose="03000509000000000000" pitchFamily="65" charset="-120"/>
-              </a:rPr>
-              <a:t>1</a:t>
-            </a:r>
-            <a:r>
-              <a:rPr lang="zh-TW" altLang="zh-TW" dirty="0">
-                <a:latin typeface="Times New Roman" panose="02020603050405020304" pitchFamily="18" charset="0"/>
-                <a:ea typeface="標楷體" panose="03000509000000000000" pitchFamily="65" charset="-120"/>
-              </a:rPr>
-              <a:t>個最大</a:t>
-            </a:r>
-            <a:r>
-              <a:rPr lang="zh-TW" altLang="en-US" dirty="0">
-                <a:latin typeface="Times New Roman" panose="02020603050405020304" pitchFamily="18" charset="0"/>
-                <a:ea typeface="標楷體" panose="03000509000000000000" pitchFamily="65" charset="-120"/>
-              </a:rPr>
-              <a:t>組</a:t>
-            </a:r>
-            <a:r>
-              <a:rPr lang="zh-TW" altLang="zh-TW" dirty="0">
-                <a:latin typeface="Times New Roman" panose="02020603050405020304" pitchFamily="18" charset="0"/>
-                <a:ea typeface="標楷體" panose="03000509000000000000" pitchFamily="65" charset="-120"/>
-              </a:rPr>
-              <a:t>數長度，</a:t>
-            </a:r>
-            <a:r>
-              <a:rPr lang="zh-TW" altLang="en-US" dirty="0">
-                <a:latin typeface="Times New Roman" panose="02020603050405020304" pitchFamily="18" charset="0"/>
-                <a:ea typeface="標楷體" panose="03000509000000000000" pitchFamily="65" charset="-120"/>
-              </a:rPr>
-              <a:t>然後依序</a:t>
-            </a:r>
-            <a:r>
-              <a:rPr lang="zh-TW" altLang="zh-TW" dirty="0">
-                <a:latin typeface="Times New Roman" panose="02020603050405020304" pitchFamily="18" charset="0"/>
-                <a:ea typeface="標楷體" panose="03000509000000000000" pitchFamily="65" charset="-120"/>
-              </a:rPr>
-              <a:t>輸出構成最大組的</a:t>
-            </a:r>
-            <a:r>
-              <a:rPr lang="en-US" altLang="zh-TW" dirty="0">
-                <a:latin typeface="Times New Roman" panose="02020603050405020304" pitchFamily="18" charset="0"/>
-                <a:ea typeface="標楷體" panose="03000509000000000000" pitchFamily="65" charset="-120"/>
-              </a:rPr>
-              <a:t>group</a:t>
-            </a:r>
-            <a:r>
-              <a:rPr lang="zh-TW" altLang="zh-TW" dirty="0">
-                <a:latin typeface="Times New Roman" panose="02020603050405020304" pitchFamily="18" charset="0"/>
-                <a:ea typeface="標楷體" panose="03000509000000000000" pitchFamily="65" charset="-120"/>
-              </a:rPr>
-              <a:t>是</a:t>
-            </a:r>
-            <a:r>
-              <a:rPr lang="zh-TW" altLang="en-US" dirty="0">
-                <a:latin typeface="Times New Roman" panose="02020603050405020304" pitchFamily="18" charset="0"/>
-                <a:ea typeface="標楷體" panose="03000509000000000000" pitchFamily="65" charset="-120"/>
-              </a:rPr>
-              <a:t>哪些，並且如何排列能夠滿足最大遞減關係將其輸出</a:t>
-            </a:r>
-            <a:r>
-              <a:rPr lang="zh-TW" altLang="zh-TW" dirty="0">
-                <a:latin typeface="Times New Roman" panose="02020603050405020304" pitchFamily="18" charset="0"/>
-                <a:ea typeface="標楷體" panose="03000509000000000000" pitchFamily="65" charset="-120"/>
-              </a:rPr>
-              <a:t>。</a:t>
-            </a:r>
-            <a:r>
-              <a:rPr lang="zh-TW" altLang="en-US" dirty="0">
-                <a:latin typeface="Times New Roman" panose="02020603050405020304" pitchFamily="18" charset="0"/>
-                <a:ea typeface="標楷體" panose="03000509000000000000" pitchFamily="65" charset="-120"/>
-              </a:rPr>
-              <a:t>每組輸出最後都要換行，各數字間以空白字元分開。</a:t>
-            </a:r>
-            <a:endParaRPr lang="en-US" altLang="zh-TW" dirty="0">
+              <a:rPr lang="zh-TW" altLang="en-US" sz="2400">
+                <a:latin typeface="Times New Roman" panose="02020603050405020304" pitchFamily="18" charset="0"/>
+                <a:ea typeface="標楷體" panose="03000509000000000000" pitchFamily="65" charset="-120"/>
+              </a:rPr>
+              <a:t>    　　價值由大到小，名字重複時只取第一個項目</a:t>
+            </a:r>
+            <a:endParaRPr lang="en-US" altLang="zh-TW" sz="2400">
               <a:latin typeface="Times New Roman" panose="02020603050405020304" pitchFamily="18" charset="0"/>
               <a:ea typeface="標楷體" panose="03000509000000000000" pitchFamily="65" charset="-120"/>
             </a:endParaRPr>
           </a:p>
+          <a:p>
+            <a:pPr marL="0" indent="0">
+              <a:buNone/>
+            </a:pPr>
+            <a:endParaRPr lang="en-US" altLang="zh-TW" sz="2400">
+              <a:latin typeface="Times New Roman" panose="02020603050405020304" pitchFamily="18" charset="0"/>
+              <a:ea typeface="標楷體" panose="03000509000000000000" pitchFamily="65" charset="-120"/>
+            </a:endParaRPr>
+          </a:p>
+          <a:p>
+            <a:pPr marL="0" indent="0">
+              <a:buNone/>
+            </a:pPr>
+            <a:r>
+              <a:rPr lang="en-US" altLang="zh-TW" sz="2400">
+                <a:latin typeface="Times New Roman" panose="02020603050405020304" pitchFamily="18" charset="0"/>
+                <a:ea typeface="標楷體" panose="03000509000000000000" pitchFamily="65" charset="-120"/>
+              </a:rPr>
+              <a:t>2. </a:t>
+            </a:r>
+            <a:r>
+              <a:rPr lang="zh-TW" altLang="en-US" sz="2400">
+                <a:latin typeface="Times New Roman" panose="02020603050405020304" pitchFamily="18" charset="0"/>
+                <a:ea typeface="標楷體" panose="03000509000000000000" pitchFamily="65" charset="-120"/>
+              </a:rPr>
+              <a:t>輸出新名單的項目數量，並將其中的名字依序輸出</a:t>
+            </a:r>
+            <a:endParaRPr lang="en-US" altLang="zh-TW" sz="2400">
+              <a:latin typeface="Times New Roman" panose="02020603050405020304" pitchFamily="18" charset="0"/>
+              <a:ea typeface="標楷體" panose="03000509000000000000" pitchFamily="65" charset="-120"/>
+            </a:endParaRPr>
+          </a:p>
+          <a:p>
+            <a:pPr marL="0" indent="0">
+              <a:buNone/>
+            </a:pPr>
+            <a:r>
+              <a:rPr lang="zh-TW" altLang="en-US" sz="2400">
+                <a:latin typeface="Times New Roman" panose="02020603050405020304" pitchFamily="18" charset="0"/>
+                <a:ea typeface="標楷體" panose="03000509000000000000" pitchFamily="65" charset="-120"/>
+              </a:rPr>
+              <a:t>    若有多組解，輸出「以輸入順序作為比較基準」的最小輸入序名單序列</a:t>
+            </a:r>
+            <a:endParaRPr lang="en-US" altLang="zh-TW" sz="2400">
+              <a:latin typeface="Times New Roman" panose="02020603050405020304" pitchFamily="18" charset="0"/>
+              <a:ea typeface="標楷體" panose="03000509000000000000" pitchFamily="65" charset="-120"/>
+            </a:endParaRPr>
+          </a:p>
+          <a:p>
+            <a:pPr marL="0" indent="0">
+              <a:buNone/>
+            </a:pPr>
+            <a:endParaRPr lang="en-US" altLang="zh-TW" sz="2400">
+              <a:latin typeface="Times New Roman" panose="02020603050405020304" pitchFamily="18" charset="0"/>
+              <a:ea typeface="標楷體" panose="03000509000000000000" pitchFamily="65" charset="-120"/>
+            </a:endParaRPr>
+          </a:p>
+          <a:p>
+            <a:pPr marL="0" indent="0">
+              <a:buNone/>
+            </a:pPr>
+            <a:r>
+              <a:rPr lang="zh-TW" altLang="en-US" sz="2400">
+                <a:latin typeface="Times New Roman" panose="02020603050405020304" pitchFamily="18" charset="0"/>
+                <a:ea typeface="標楷體" panose="03000509000000000000" pitchFamily="65" charset="-120"/>
+              </a:rPr>
+              <a:t>必須</a:t>
+            </a:r>
+            <a:r>
+              <a:rPr lang="zh-TW" altLang="zh-TW" sz="2400">
+                <a:latin typeface="Times New Roman" panose="02020603050405020304" pitchFamily="18" charset="0"/>
+                <a:ea typeface="標楷體" panose="03000509000000000000" pitchFamily="65" charset="-120"/>
+              </a:rPr>
+              <a:t>使用</a:t>
+            </a:r>
+            <a:r>
+              <a:rPr lang="en-US" altLang="zh-TW" sz="2400">
+                <a:latin typeface="Times New Roman" panose="02020603050405020304" pitchFamily="18" charset="0"/>
+                <a:ea typeface="標楷體" panose="03000509000000000000" pitchFamily="65" charset="-120"/>
+              </a:rPr>
+              <a:t>STL</a:t>
+            </a:r>
+            <a:r>
+              <a:rPr lang="zh-TW" altLang="zh-TW" sz="2400">
+                <a:latin typeface="Times New Roman" panose="02020603050405020304" pitchFamily="18" charset="0"/>
+                <a:ea typeface="標楷體" panose="03000509000000000000" pitchFamily="65" charset="-120"/>
+              </a:rPr>
+              <a:t>容器與演算法完成，</a:t>
+            </a:r>
+            <a:r>
+              <a:rPr lang="zh-TW" altLang="en-US" sz="2400">
+                <a:latin typeface="Times New Roman" panose="02020603050405020304" pitchFamily="18" charset="0"/>
+                <a:ea typeface="標楷體" panose="03000509000000000000" pitchFamily="65" charset="-120"/>
+              </a:rPr>
+              <a:t>並使用到</a:t>
+            </a:r>
+            <a:r>
+              <a:rPr lang="en-US" altLang="zh-TW" sz="2400">
+                <a:latin typeface="Times New Roman" panose="02020603050405020304" pitchFamily="18" charset="0"/>
+                <a:ea typeface="標楷體" panose="03000509000000000000" pitchFamily="65" charset="-120"/>
+              </a:rPr>
+              <a:t>lambda expression</a:t>
+            </a:r>
+            <a:r>
+              <a:rPr lang="zh-TW" altLang="zh-TW" sz="2400">
+                <a:latin typeface="Times New Roman" panose="02020603050405020304" pitchFamily="18" charset="0"/>
+                <a:ea typeface="標楷體" panose="03000509000000000000" pitchFamily="65" charset="-120"/>
+              </a:rPr>
+              <a:t>，否則不於計分</a:t>
+            </a:r>
+            <a:endParaRPr lang="zh-TW" altLang="en-US" sz="2400">
+              <a:latin typeface="Times New Roman" panose="02020603050405020304" pitchFamily="18" charset="0"/>
+              <a:ea typeface="標楷體" panose="03000509000000000000" pitchFamily="65" charset="-120"/>
+            </a:endParaRPr>
+          </a:p>
         </p:txBody>
       </p:sp>
     </p:spTree>
     <p:extLst>
       <p:ext uri="{BB962C8B-B14F-4D97-AF65-F5344CB8AC3E}">
-        <p14:creationId xmlns:p14="http://schemas.microsoft.com/office/powerpoint/2010/main" val="1808466350"/>
+        <p14:creationId xmlns:p14="http://schemas.microsoft.com/office/powerpoint/2010/main" val="2709349255"/>
       </p:ext>
     </p:extLst>
   </p:cSld>
@@ -6104,17 +6984,17 @@
             </a:r>
             <a:r>
               <a:rPr lang="zh-TW" altLang="en-US"/>
-              <a:t> 輸出說明</a:t>
-            </a:r>
-          </a:p>
-        </p:txBody>
-      </p:sp>
-      <p:sp>
-        <p:nvSpPr>
-          <p:cNvPr id="8" name="內容版面配置區 7">
+              <a:t> 輸出說明－－題一［測資產生］</a:t>
+            </a:r>
+          </a:p>
+        </p:txBody>
+      </p:sp>
+      <p:sp>
+        <p:nvSpPr>
+          <p:cNvPr id="3" name="內容版面配置區 2">
             <a:extLst>
               <a:ext uri="{FF2B5EF4-FFF2-40B4-BE49-F238E27FC236}">
-                <a16:creationId xmlns:a16="http://schemas.microsoft.com/office/drawing/2014/main" id="{4F8BD45E-C0B9-4189-91F3-68797BDD0952}"/>
+                <a16:creationId xmlns:a16="http://schemas.microsoft.com/office/drawing/2014/main" id="{7A70C0EA-8BC2-4985-94E5-8B21E13625E4}"/>
               </a:ext>
             </a:extLst>
           </p:cNvPr>
@@ -6122,228 +7002,159 @@
             <a:spLocks noGrp="1"/>
           </p:cNvSpPr>
           <p:nvPr>
-            <p:ph sz="half" idx="1"/>
-          </p:nvPr>
-        </p:nvSpPr>
-        <p:spPr>
-          <a:xfrm>
-            <a:off x="482082" y="1349830"/>
-            <a:ext cx="5474581" cy="5508170"/>
-          </a:xfrm>
-        </p:spPr>
+            <p:ph idx="1"/>
+          </p:nvPr>
+        </p:nvSpPr>
+        <p:spPr/>
         <p:txBody>
           <a:bodyPr>
-            <a:noAutofit/>
+            <a:normAutofit/>
           </a:bodyPr>
           <a:lstStyle/>
           <a:p>
             <a:pPr marL="0" indent="0">
+              <a:lnSpc>
+                <a:spcPct val="110000"/>
+              </a:lnSpc>
               <a:buNone/>
             </a:pPr>
             <a:r>
-              <a:rPr lang="zh-TW" altLang="en-US" sz="2000" b="1" dirty="0">
-                <a:latin typeface="Times New Roman" panose="02020603050405020304" pitchFamily="18" charset="0"/>
-                <a:ea typeface="標楷體" panose="03000509000000000000" pitchFamily="65" charset="-120"/>
-              </a:rPr>
-              <a:t>範例輸入：</a:t>
-            </a:r>
-            <a:endParaRPr lang="en-US" altLang="zh-TW" sz="2000" b="1" dirty="0">
+              <a:rPr lang="zh-TW" altLang="zh-TW" b="1" dirty="0">
+                <a:latin typeface="Times New Roman" panose="02020603050405020304" pitchFamily="18" charset="0"/>
+                <a:ea typeface="標楷體" panose="03000509000000000000" pitchFamily="65" charset="-120"/>
+              </a:rPr>
+              <a:t>輸入</a:t>
+            </a:r>
+            <a:r>
+              <a:rPr lang="zh-TW" altLang="zh-TW" b="1">
+                <a:latin typeface="Times New Roman" panose="02020603050405020304" pitchFamily="18" charset="0"/>
+                <a:ea typeface="標楷體" panose="03000509000000000000" pitchFamily="65" charset="-120"/>
+              </a:rPr>
+              <a:t>說明</a:t>
+            </a:r>
+            <a:r>
+              <a:rPr lang="zh-TW" altLang="en-US" b="1">
+                <a:latin typeface="Times New Roman" panose="02020603050405020304" pitchFamily="18" charset="0"/>
+                <a:ea typeface="標楷體" panose="03000509000000000000" pitchFamily="65" charset="-120"/>
+              </a:rPr>
+              <a:t>：</a:t>
+            </a:r>
+            <a:endParaRPr lang="en-US" altLang="zh-TW" b="1">
               <a:latin typeface="Times New Roman" panose="02020603050405020304" pitchFamily="18" charset="0"/>
               <a:ea typeface="標楷體" panose="03000509000000000000" pitchFamily="65" charset="-120"/>
             </a:endParaRPr>
           </a:p>
           <a:p>
             <a:pPr marL="0" indent="0">
+              <a:lnSpc>
+                <a:spcPct val="110000"/>
+              </a:lnSpc>
               <a:buNone/>
             </a:pPr>
             <a:r>
-              <a:rPr lang="en-US" altLang="zh-TW" sz="2000" dirty="0">
-                <a:latin typeface="Times New Roman" panose="02020603050405020304" pitchFamily="18" charset="0"/>
-                <a:ea typeface="標楷體" panose="03000509000000000000" pitchFamily="65" charset="-120"/>
-              </a:rPr>
-              <a:t>5 10</a:t>
-            </a:r>
-          </a:p>
-          <a:p>
-            <a:pPr marL="0" indent="0">
-              <a:buNone/>
-            </a:pPr>
-            <a:r>
-              <a:rPr lang="en-US" altLang="zh-TW" sz="2000" dirty="0">
-                <a:latin typeface="Times New Roman" panose="02020603050405020304" pitchFamily="18" charset="0"/>
-                <a:ea typeface="標楷體" panose="03000509000000000000" pitchFamily="65" charset="-120"/>
-              </a:rPr>
-              <a:t>159 178 170 179 193 174 182 184 192 173</a:t>
-            </a:r>
-          </a:p>
-          <a:p>
-            <a:pPr marL="0" indent="0">
-              <a:buNone/>
-            </a:pPr>
-            <a:r>
-              <a:rPr lang="en-US" altLang="zh-TW" sz="2000" dirty="0">
-                <a:latin typeface="Times New Roman" panose="02020603050405020304" pitchFamily="18" charset="0"/>
-                <a:ea typeface="標楷體" panose="03000509000000000000" pitchFamily="65" charset="-120"/>
-              </a:rPr>
-              <a:t>188 169 164 164 173 152 170 186 157 151</a:t>
-            </a:r>
-          </a:p>
-          <a:p>
-            <a:pPr marL="0" indent="0">
-              <a:buNone/>
-            </a:pPr>
-            <a:r>
-              <a:rPr lang="en-US" altLang="zh-TW" sz="2000" dirty="0">
-                <a:latin typeface="Times New Roman" panose="02020603050405020304" pitchFamily="18" charset="0"/>
-                <a:ea typeface="標楷體" panose="03000509000000000000" pitchFamily="65" charset="-120"/>
-              </a:rPr>
-              <a:t>198 161 199 178 172 156 153 154 162 191</a:t>
-            </a:r>
-          </a:p>
-          <a:p>
-            <a:pPr marL="0" indent="0">
-              <a:buNone/>
-            </a:pPr>
-            <a:r>
-              <a:rPr lang="en-US" altLang="zh-TW" sz="2000" dirty="0">
-                <a:latin typeface="Times New Roman" panose="02020603050405020304" pitchFamily="18" charset="0"/>
-                <a:ea typeface="標楷體" panose="03000509000000000000" pitchFamily="65" charset="-120"/>
-              </a:rPr>
-              <a:t>182 170 183 188 181 199 178 178 198 176</a:t>
-            </a:r>
-          </a:p>
-          <a:p>
-            <a:pPr marL="0" indent="0">
-              <a:buNone/>
-            </a:pPr>
-            <a:r>
-              <a:rPr lang="en-US" altLang="zh-TW" sz="2000" dirty="0">
-                <a:latin typeface="Times New Roman" panose="02020603050405020304" pitchFamily="18" charset="0"/>
-                <a:ea typeface="標楷體" panose="03000509000000000000" pitchFamily="65" charset="-120"/>
-              </a:rPr>
-              <a:t>166 155 168 186 150 192 193 166 190 176</a:t>
-            </a:r>
-          </a:p>
-          <a:p>
-            <a:pPr marL="0" indent="0">
-              <a:buNone/>
-            </a:pPr>
-            <a:r>
-              <a:rPr lang="en-US" altLang="zh-TW" sz="2000" dirty="0">
-                <a:latin typeface="Times New Roman" panose="02020603050405020304" pitchFamily="18" charset="0"/>
-                <a:ea typeface="標楷體" panose="03000509000000000000" pitchFamily="65" charset="-120"/>
-              </a:rPr>
-              <a:t>0 0</a:t>
-            </a:r>
-          </a:p>
-          <a:p>
-            <a:pPr marL="0" indent="0">
-              <a:buNone/>
-            </a:pPr>
-            <a:r>
-              <a:rPr lang="zh-TW" altLang="en-US" sz="2000" b="1" dirty="0">
-                <a:latin typeface="Times New Roman" panose="02020603050405020304" pitchFamily="18" charset="0"/>
-                <a:ea typeface="標楷體" panose="03000509000000000000" pitchFamily="65" charset="-120"/>
-              </a:rPr>
-              <a:t>範例輸出：</a:t>
-            </a:r>
-            <a:endParaRPr lang="en-US" altLang="zh-TW" sz="2000" dirty="0">
+              <a:rPr lang="zh-TW" altLang="zh-TW">
+                <a:latin typeface="Times New Roman" panose="02020603050405020304" pitchFamily="18" charset="0"/>
+                <a:ea typeface="標楷體" panose="03000509000000000000" pitchFamily="65" charset="-120"/>
+              </a:rPr>
+              <a:t>輸入兩個整數</a:t>
+            </a:r>
+            <a:r>
+              <a:rPr lang="zh-TW" altLang="en-US">
+                <a:latin typeface="Times New Roman" panose="02020603050405020304" pitchFamily="18" charset="0"/>
+                <a:ea typeface="標楷體" panose="03000509000000000000" pitchFamily="65" charset="-120"/>
+              </a:rPr>
+              <a:t> </a:t>
+            </a:r>
+            <a:r>
+              <a:rPr lang="en-US" altLang="zh-TW">
+                <a:latin typeface="Times New Roman" panose="02020603050405020304" pitchFamily="18" charset="0"/>
+                <a:ea typeface="標楷體" panose="03000509000000000000" pitchFamily="65" charset="-120"/>
+              </a:rPr>
+              <a:t>m,</a:t>
+            </a:r>
+            <a:r>
+              <a:rPr lang="zh-TW" altLang="en-US">
+                <a:latin typeface="Times New Roman" panose="02020603050405020304" pitchFamily="18" charset="0"/>
+                <a:ea typeface="標楷體" panose="03000509000000000000" pitchFamily="65" charset="-120"/>
+              </a:rPr>
+              <a:t> </a:t>
+            </a:r>
+            <a:r>
+              <a:rPr lang="en-US" altLang="zh-TW">
+                <a:latin typeface="Times New Roman" panose="02020603050405020304" pitchFamily="18" charset="0"/>
+                <a:ea typeface="標楷體" panose="03000509000000000000" pitchFamily="65" charset="-120"/>
+              </a:rPr>
+              <a:t>n</a:t>
+            </a:r>
+            <a:r>
+              <a:rPr lang="zh-TW" altLang="en-US">
+                <a:latin typeface="Times New Roman" panose="02020603050405020304" pitchFamily="18" charset="0"/>
+                <a:ea typeface="標楷體" panose="03000509000000000000" pitchFamily="65" charset="-120"/>
+              </a:rPr>
+              <a:t>。</a:t>
+            </a:r>
+            <a:r>
+              <a:rPr lang="en-US" altLang="zh-TW">
+                <a:latin typeface="Times New Roman" panose="02020603050405020304" pitchFamily="18" charset="0"/>
+                <a:ea typeface="標楷體" panose="03000509000000000000" pitchFamily="65" charset="-120"/>
+              </a:rPr>
+              <a:t>m </a:t>
+            </a:r>
+            <a:r>
+              <a:rPr lang="zh-TW" altLang="en-US">
+                <a:latin typeface="Times New Roman" panose="02020603050405020304" pitchFamily="18" charset="0"/>
+                <a:ea typeface="標楷體" panose="03000509000000000000" pitchFamily="65" charset="-120"/>
+              </a:rPr>
+              <a:t>為名單項目數量，</a:t>
+            </a:r>
+            <a:r>
+              <a:rPr lang="en-US" altLang="zh-TW">
+                <a:latin typeface="Times New Roman" panose="02020603050405020304" pitchFamily="18" charset="0"/>
+                <a:ea typeface="標楷體" panose="03000509000000000000" pitchFamily="65" charset="-120"/>
+              </a:rPr>
+              <a:t>n </a:t>
+            </a:r>
+            <a:r>
+              <a:rPr lang="zh-TW" altLang="en-US">
+                <a:latin typeface="Times New Roman" panose="02020603050405020304" pitchFamily="18" charset="0"/>
+                <a:ea typeface="標楷體" panose="03000509000000000000" pitchFamily="65" charset="-120"/>
+              </a:rPr>
+              <a:t>為福袋內容物數量。</a:t>
+            </a:r>
+            <a:endParaRPr lang="en-US" altLang="zh-TW">
               <a:latin typeface="Times New Roman" panose="02020603050405020304" pitchFamily="18" charset="0"/>
               <a:ea typeface="標楷體" panose="03000509000000000000" pitchFamily="65" charset="-120"/>
             </a:endParaRPr>
           </a:p>
           <a:p>
             <a:pPr marL="0" indent="0">
+              <a:lnSpc>
+                <a:spcPct val="110000"/>
+              </a:lnSpc>
               <a:buNone/>
             </a:pPr>
             <a:r>
-              <a:rPr lang="en-US" altLang="zh-TW" sz="2000" dirty="0">
-                <a:latin typeface="Times New Roman" panose="02020603050405020304" pitchFamily="18" charset="0"/>
-                <a:ea typeface="標楷體" panose="03000509000000000000" pitchFamily="65" charset="-120"/>
-              </a:rPr>
-              <a:t>3</a:t>
-            </a:r>
-          </a:p>
-          <a:p>
-            <a:pPr marL="0" indent="0">
-              <a:buNone/>
-            </a:pPr>
-            <a:r>
-              <a:rPr lang="en-US" altLang="zh-TW" sz="2000" dirty="0">
-                <a:latin typeface="Times New Roman" panose="02020603050405020304" pitchFamily="18" charset="0"/>
-                <a:ea typeface="標楷體" panose="03000509000000000000" pitchFamily="65" charset="-120"/>
-              </a:rPr>
-              <a:t>182 170 183 188 181 199 178 178 198 176</a:t>
-            </a:r>
-          </a:p>
-          <a:p>
-            <a:pPr marL="0" indent="0">
-              <a:buNone/>
-            </a:pPr>
-            <a:r>
-              <a:rPr lang="en-US" altLang="zh-TW" sz="2000" dirty="0">
-                <a:latin typeface="Times New Roman" panose="02020603050405020304" pitchFamily="18" charset="0"/>
-                <a:ea typeface="標楷體" panose="03000509000000000000" pitchFamily="65" charset="-120"/>
-              </a:rPr>
-              <a:t>179 159 182 184 178 193 173 174 192 170</a:t>
-            </a:r>
-          </a:p>
-          <a:p>
-            <a:pPr marL="0" indent="0">
-              <a:buNone/>
-            </a:pPr>
-            <a:r>
-              <a:rPr lang="en-US" altLang="zh-TW" sz="2000" dirty="0">
-                <a:latin typeface="Times New Roman" panose="02020603050405020304" pitchFamily="18" charset="0"/>
-                <a:ea typeface="標楷體" panose="03000509000000000000" pitchFamily="65" charset="-120"/>
-              </a:rPr>
-              <a:t>169 151 170 173 164 188 157 164 186 152</a:t>
-            </a:r>
-          </a:p>
-        </p:txBody>
-      </p:sp>
-      <p:sp>
-        <p:nvSpPr>
-          <p:cNvPr id="9" name="內容版面配置區 8">
-            <a:extLst>
-              <a:ext uri="{FF2B5EF4-FFF2-40B4-BE49-F238E27FC236}">
-                <a16:creationId xmlns:a16="http://schemas.microsoft.com/office/drawing/2014/main" id="{68958E9B-30D2-4821-8520-6F237B5A7ADE}"/>
-              </a:ext>
-            </a:extLst>
-          </p:cNvPr>
-          <p:cNvSpPr>
-            <a:spLocks noGrp="1"/>
-          </p:cNvSpPr>
-          <p:nvPr>
-            <p:ph sz="half" idx="2"/>
-          </p:nvPr>
-        </p:nvSpPr>
-        <p:spPr>
-          <a:xfrm>
-            <a:off x="6172199" y="365125"/>
-            <a:ext cx="5826967" cy="6278271"/>
-          </a:xfrm>
-        </p:spPr>
-        <p:txBody>
-          <a:bodyPr>
-            <a:noAutofit/>
-          </a:bodyPr>
-          <a:lstStyle/>
-          <a:p>
-            <a:pPr marL="0" indent="0">
-              <a:lnSpc>
-                <a:spcPct val="120000"/>
-              </a:lnSpc>
-              <a:buNone/>
-            </a:pPr>
-            <a:r>
-              <a:rPr lang="zh-TW" altLang="en-US" sz="2000" b="1" dirty="0">
-                <a:latin typeface="Times New Roman" panose="02020603050405020304" pitchFamily="18" charset="0"/>
-                <a:ea typeface="標楷體" panose="03000509000000000000" pitchFamily="65" charset="-120"/>
-              </a:rPr>
-              <a:t>說明：</a:t>
-            </a:r>
-            <a:endParaRPr lang="en-US" altLang="zh-TW" sz="2000" b="1" dirty="0">
+              <a:rPr lang="zh-TW" altLang="zh-TW" b="1">
+                <a:latin typeface="Times New Roman" panose="02020603050405020304" pitchFamily="18" charset="0"/>
+                <a:ea typeface="標楷體" panose="03000509000000000000" pitchFamily="65" charset="-120"/>
+              </a:rPr>
+              <a:t>輸出</a:t>
+            </a:r>
+            <a:r>
+              <a:rPr lang="zh-TW" altLang="zh-TW" b="1" dirty="0">
+                <a:latin typeface="Times New Roman" panose="02020603050405020304" pitchFamily="18" charset="0"/>
+                <a:ea typeface="標楷體" panose="03000509000000000000" pitchFamily="65" charset="-120"/>
+              </a:rPr>
+              <a:t>說明</a:t>
+            </a:r>
+            <a:r>
+              <a:rPr lang="zh-TW" altLang="en-US" b="1" dirty="0">
+                <a:latin typeface="Times New Roman" panose="02020603050405020304" pitchFamily="18" charset="0"/>
+                <a:ea typeface="標楷體" panose="03000509000000000000" pitchFamily="65" charset="-120"/>
+              </a:rPr>
+              <a:t>：</a:t>
+            </a:r>
+            <a:endParaRPr lang="zh-TW" altLang="zh-TW" dirty="0">
               <a:latin typeface="Times New Roman" panose="02020603050405020304" pitchFamily="18" charset="0"/>
               <a:ea typeface="標楷體" panose="03000509000000000000" pitchFamily="65" charset="-120"/>
             </a:endParaRPr>
@@ -6351,298 +7162,126 @@
           <a:p>
             <a:pPr marL="0" indent="0">
               <a:lnSpc>
-                <a:spcPct val="120000"/>
+                <a:spcPct val="110000"/>
               </a:lnSpc>
               <a:buNone/>
             </a:pPr>
             <a:r>
-              <a:rPr lang="zh-TW" altLang="en-US" sz="2000" dirty="0">
-                <a:latin typeface="Times New Roman" panose="02020603050405020304" pitchFamily="18" charset="0"/>
-                <a:ea typeface="標楷體" panose="03000509000000000000" pitchFamily="65" charset="-120"/>
-              </a:rPr>
-              <a:t>範例輸入的唯一一組測資中，</a:t>
-            </a:r>
-            <a:endParaRPr lang="en-US" altLang="zh-TW" sz="2000" dirty="0">
+              <a:rPr lang="zh-TW" altLang="en-US">
+                <a:latin typeface="Times New Roman" panose="02020603050405020304" pitchFamily="18" charset="0"/>
+                <a:ea typeface="標楷體" panose="03000509000000000000" pitchFamily="65" charset="-120"/>
+              </a:rPr>
+              <a:t>產生總長為 </a:t>
+            </a:r>
+            <a:r>
+              <a:rPr lang="en-US" altLang="zh-TW">
+                <a:latin typeface="Times New Roman" panose="02020603050405020304" pitchFamily="18" charset="0"/>
+                <a:ea typeface="標楷體" panose="03000509000000000000" pitchFamily="65" charset="-120"/>
+              </a:rPr>
+              <a:t>m </a:t>
+            </a:r>
+            <a:r>
+              <a:rPr lang="zh-TW" altLang="en-US">
+                <a:latin typeface="Times New Roman" panose="02020603050405020304" pitchFamily="18" charset="0"/>
+                <a:ea typeface="標楷體" panose="03000509000000000000" pitchFamily="65" charset="-120"/>
+              </a:rPr>
+              <a:t>的名單，每個名單項目以換行隔開。開頭為人名，最長 </a:t>
+            </a:r>
+            <a:r>
+              <a:rPr lang="en-US" altLang="zh-TW">
+                <a:latin typeface="Times New Roman" panose="02020603050405020304" pitchFamily="18" charset="0"/>
+                <a:ea typeface="標楷體" panose="03000509000000000000" pitchFamily="65" charset="-120"/>
+              </a:rPr>
+              <a:t>10</a:t>
+            </a:r>
+            <a:r>
+              <a:rPr lang="zh-TW" altLang="en-US">
+                <a:latin typeface="Times New Roman" panose="02020603050405020304" pitchFamily="18" charset="0"/>
+                <a:ea typeface="標楷體" panose="03000509000000000000" pitchFamily="65" charset="-120"/>
+              </a:rPr>
+              <a:t> 字元，各字元大小寫任意，後面接 </a:t>
+            </a:r>
+            <a:r>
+              <a:rPr lang="en-US" altLang="zh-TW">
+                <a:latin typeface="Times New Roman" panose="02020603050405020304" pitchFamily="18" charset="0"/>
+                <a:ea typeface="標楷體" panose="03000509000000000000" pitchFamily="65" charset="-120"/>
+              </a:rPr>
+              <a:t>n </a:t>
+            </a:r>
+            <a:r>
+              <a:rPr lang="zh-TW" altLang="en-US">
+                <a:latin typeface="Times New Roman" panose="02020603050405020304" pitchFamily="18" charset="0"/>
+                <a:ea typeface="標楷體" panose="03000509000000000000" pitchFamily="65" charset="-120"/>
+              </a:rPr>
+              <a:t>個正整數，為該人福袋各內容物的價值，各內容物價值不得超過 </a:t>
+            </a:r>
+            <a:r>
+              <a:rPr lang="en-US" altLang="zh-TW">
+                <a:latin typeface="Times New Roman" panose="02020603050405020304" pitchFamily="18" charset="0"/>
+                <a:ea typeface="標楷體" panose="03000509000000000000" pitchFamily="65" charset="-120"/>
+              </a:rPr>
+              <a:t>10^9</a:t>
+            </a:r>
+            <a:r>
+              <a:rPr lang="zh-TW" altLang="en-US">
+                <a:latin typeface="Times New Roman" panose="02020603050405020304" pitchFamily="18" charset="0"/>
+                <a:ea typeface="標楷體" panose="03000509000000000000" pitchFamily="65" charset="-120"/>
+              </a:rPr>
+              <a:t>。</a:t>
+            </a:r>
+            <a:r>
+              <a:rPr lang="en-US" altLang="zh-TW">
+                <a:latin typeface="Times New Roman" panose="02020603050405020304" pitchFamily="18" charset="0"/>
+                <a:ea typeface="標楷體" panose="03000509000000000000" pitchFamily="65" charset="-120"/>
+              </a:rPr>
+              <a:t>0 &lt;=</a:t>
+            </a:r>
+            <a:r>
+              <a:rPr lang="zh-TW" altLang="en-US">
+                <a:latin typeface="Times New Roman" panose="02020603050405020304" pitchFamily="18" charset="0"/>
+                <a:ea typeface="標楷體" panose="03000509000000000000" pitchFamily="65" charset="-120"/>
+              </a:rPr>
+              <a:t> </a:t>
+            </a:r>
+            <a:r>
+              <a:rPr lang="en-US" altLang="zh-TW">
+                <a:latin typeface="Times New Roman" panose="02020603050405020304" pitchFamily="18" charset="0"/>
+                <a:ea typeface="標楷體" panose="03000509000000000000" pitchFamily="65" charset="-120"/>
+              </a:rPr>
+              <a:t>m, n &lt;= 1000</a:t>
+            </a:r>
+            <a:r>
+              <a:rPr lang="zh-TW" altLang="en-US">
+                <a:latin typeface="Times New Roman" panose="02020603050405020304" pitchFamily="18" charset="0"/>
+                <a:ea typeface="標楷體" panose="03000509000000000000" pitchFamily="65" charset="-120"/>
+              </a:rPr>
+              <a:t>。輸出 </a:t>
+            </a:r>
+            <a:r>
+              <a:rPr lang="en-US" altLang="zh-TW">
+                <a:latin typeface="Times New Roman" panose="02020603050405020304" pitchFamily="18" charset="0"/>
+                <a:ea typeface="標楷體" panose="03000509000000000000" pitchFamily="65" charset="-120"/>
+              </a:rPr>
+              <a:t>0 0 </a:t>
+            </a:r>
+            <a:r>
+              <a:rPr lang="zh-TW" altLang="en-US">
+                <a:latin typeface="Times New Roman" panose="02020603050405020304" pitchFamily="18" charset="0"/>
+                <a:ea typeface="標楷體" panose="03000509000000000000" pitchFamily="65" charset="-120"/>
+              </a:rPr>
+              <a:t>表示名單末。</a:t>
+            </a:r>
+            <a:endParaRPr lang="en-US" altLang="zh-TW" dirty="0">
               <a:latin typeface="Times New Roman" panose="02020603050405020304" pitchFamily="18" charset="0"/>
               <a:ea typeface="標楷體" panose="03000509000000000000" pitchFamily="65" charset="-120"/>
             </a:endParaRPr>
           </a:p>
-          <a:p>
-            <a:pPr marL="0" indent="0">
-              <a:lnSpc>
-                <a:spcPct val="120000"/>
-              </a:lnSpc>
-              <a:buNone/>
-            </a:pPr>
-            <a:r>
-              <a:rPr lang="en-US" altLang="zh-TW" sz="2000" dirty="0">
-                <a:latin typeface="Times New Roman" panose="02020603050405020304" pitchFamily="18" charset="0"/>
-                <a:ea typeface="標楷體" panose="03000509000000000000" pitchFamily="65" charset="-120"/>
-              </a:rPr>
-              <a:t>Group1:</a:t>
-            </a:r>
-            <a:r>
-              <a:rPr lang="zh-TW" altLang="en-US" sz="2000" dirty="0">
-                <a:latin typeface="Times New Roman" panose="02020603050405020304" pitchFamily="18" charset="0"/>
-                <a:ea typeface="標楷體" panose="03000509000000000000" pitchFamily="65" charset="-120"/>
-              </a:rPr>
-              <a:t> </a:t>
-            </a:r>
-            <a:r>
-              <a:rPr lang="en-US" altLang="zh-TW" sz="2000" dirty="0">
-                <a:latin typeface="Times New Roman" panose="02020603050405020304" pitchFamily="18" charset="0"/>
-                <a:ea typeface="標楷體" panose="03000509000000000000" pitchFamily="65" charset="-120"/>
-              </a:rPr>
-              <a:t>159 178 170 179 193 174 182 184 192 173</a:t>
-            </a:r>
-          </a:p>
-          <a:p>
-            <a:pPr marL="0" indent="0">
-              <a:lnSpc>
-                <a:spcPct val="120000"/>
-              </a:lnSpc>
-              <a:buNone/>
-            </a:pPr>
-            <a:r>
-              <a:rPr lang="en-US" altLang="zh-TW" sz="2000" dirty="0">
-                <a:latin typeface="Times New Roman" panose="02020603050405020304" pitchFamily="18" charset="0"/>
-                <a:ea typeface="標楷體" panose="03000509000000000000" pitchFamily="65" charset="-120"/>
-              </a:rPr>
-              <a:t>Group2:</a:t>
-            </a:r>
-            <a:r>
-              <a:rPr lang="zh-TW" altLang="en-US" sz="2000" dirty="0">
-                <a:latin typeface="Times New Roman" panose="02020603050405020304" pitchFamily="18" charset="0"/>
-                <a:ea typeface="標楷體" panose="03000509000000000000" pitchFamily="65" charset="-120"/>
-              </a:rPr>
-              <a:t> </a:t>
-            </a:r>
-            <a:r>
-              <a:rPr lang="en-US" altLang="zh-TW" sz="2000" dirty="0">
-                <a:latin typeface="Times New Roman" panose="02020603050405020304" pitchFamily="18" charset="0"/>
-                <a:ea typeface="標楷體" panose="03000509000000000000" pitchFamily="65" charset="-120"/>
-              </a:rPr>
-              <a:t>188 169 164 164 173 152 170 186 157 151</a:t>
-            </a:r>
-          </a:p>
-          <a:p>
-            <a:pPr marL="0" indent="0">
-              <a:lnSpc>
-                <a:spcPct val="120000"/>
-              </a:lnSpc>
-              <a:buNone/>
-            </a:pPr>
-            <a:r>
-              <a:rPr lang="en-US" altLang="zh-TW" sz="2000" dirty="0">
-                <a:latin typeface="Times New Roman" panose="02020603050405020304" pitchFamily="18" charset="0"/>
-                <a:ea typeface="標楷體" panose="03000509000000000000" pitchFamily="65" charset="-120"/>
-              </a:rPr>
-              <a:t>Group3:</a:t>
-            </a:r>
-            <a:r>
-              <a:rPr lang="zh-TW" altLang="en-US" sz="2000" dirty="0">
-                <a:latin typeface="Times New Roman" panose="02020603050405020304" pitchFamily="18" charset="0"/>
-                <a:ea typeface="標楷體" panose="03000509000000000000" pitchFamily="65" charset="-120"/>
-              </a:rPr>
-              <a:t> </a:t>
-            </a:r>
-            <a:r>
-              <a:rPr lang="en-US" altLang="zh-TW" sz="2000" dirty="0">
-                <a:latin typeface="Times New Roman" panose="02020603050405020304" pitchFamily="18" charset="0"/>
-                <a:ea typeface="標楷體" panose="03000509000000000000" pitchFamily="65" charset="-120"/>
-              </a:rPr>
-              <a:t>198 161 199 178 172 156 153 154 162 191</a:t>
-            </a:r>
-          </a:p>
-          <a:p>
-            <a:pPr marL="0" indent="0">
-              <a:lnSpc>
-                <a:spcPct val="120000"/>
-              </a:lnSpc>
-              <a:buNone/>
-            </a:pPr>
-            <a:r>
-              <a:rPr lang="en-US" altLang="zh-TW" sz="2000" dirty="0">
-                <a:latin typeface="Times New Roman" panose="02020603050405020304" pitchFamily="18" charset="0"/>
-                <a:ea typeface="標楷體" panose="03000509000000000000" pitchFamily="65" charset="-120"/>
-              </a:rPr>
-              <a:t>Group4:</a:t>
-            </a:r>
-            <a:r>
-              <a:rPr lang="zh-TW" altLang="en-US" sz="2000" dirty="0">
-                <a:latin typeface="Times New Roman" panose="02020603050405020304" pitchFamily="18" charset="0"/>
-                <a:ea typeface="標楷體" panose="03000509000000000000" pitchFamily="65" charset="-120"/>
-              </a:rPr>
-              <a:t> </a:t>
-            </a:r>
-            <a:r>
-              <a:rPr lang="en-US" altLang="zh-TW" sz="2000" dirty="0">
-                <a:latin typeface="Times New Roman" panose="02020603050405020304" pitchFamily="18" charset="0"/>
-                <a:ea typeface="標楷體" panose="03000509000000000000" pitchFamily="65" charset="-120"/>
-              </a:rPr>
-              <a:t>182 170 183 188 181 199 178 178 198 176</a:t>
-            </a:r>
-          </a:p>
-          <a:p>
-            <a:pPr marL="0" indent="0">
-              <a:lnSpc>
-                <a:spcPct val="120000"/>
-              </a:lnSpc>
-              <a:buNone/>
-            </a:pPr>
-            <a:r>
-              <a:rPr lang="en-US" altLang="zh-TW" sz="2000" dirty="0">
-                <a:latin typeface="Times New Roman" panose="02020603050405020304" pitchFamily="18" charset="0"/>
-                <a:ea typeface="標楷體" panose="03000509000000000000" pitchFamily="65" charset="-120"/>
-              </a:rPr>
-              <a:t>Group5:</a:t>
-            </a:r>
-            <a:r>
-              <a:rPr lang="zh-TW" altLang="en-US" sz="2000" dirty="0">
-                <a:latin typeface="Times New Roman" panose="02020603050405020304" pitchFamily="18" charset="0"/>
-                <a:ea typeface="標楷體" panose="03000509000000000000" pitchFamily="65" charset="-120"/>
-              </a:rPr>
-              <a:t> </a:t>
-            </a:r>
-            <a:r>
-              <a:rPr lang="en-US" altLang="zh-TW" sz="2000" dirty="0">
-                <a:latin typeface="Times New Roman" panose="02020603050405020304" pitchFamily="18" charset="0"/>
-                <a:ea typeface="標楷體" panose="03000509000000000000" pitchFamily="65" charset="-120"/>
-              </a:rPr>
-              <a:t>166 155 168 186 150 192 193 166 190 176</a:t>
-            </a:r>
-          </a:p>
-          <a:p>
-            <a:pPr marL="0" indent="0">
-              <a:lnSpc>
-                <a:spcPct val="120000"/>
-              </a:lnSpc>
-              <a:buNone/>
-            </a:pPr>
-            <a:r>
-              <a:rPr lang="zh-TW" altLang="en-US" sz="2000" dirty="0">
-                <a:latin typeface="Times New Roman" panose="02020603050405020304" pitchFamily="18" charset="0"/>
-                <a:ea typeface="標楷體" panose="03000509000000000000" pitchFamily="65" charset="-120"/>
-              </a:rPr>
-              <a:t>更動數列後，最多可得</a:t>
-            </a:r>
-            <a:r>
-              <a:rPr lang="en-US" altLang="zh-TW" sz="2000" dirty="0">
-                <a:latin typeface="Times New Roman" panose="02020603050405020304" pitchFamily="18" charset="0"/>
-                <a:ea typeface="標楷體" panose="03000509000000000000" pitchFamily="65" charset="-120"/>
-              </a:rPr>
-              <a:t>3</a:t>
-            </a:r>
-            <a:r>
-              <a:rPr lang="zh-TW" altLang="en-US" sz="2000" dirty="0">
-                <a:latin typeface="Times New Roman" panose="02020603050405020304" pitchFamily="18" charset="0"/>
-                <a:ea typeface="標楷體" panose="03000509000000000000" pitchFamily="65" charset="-120"/>
-              </a:rPr>
-              <a:t>個以下排列的</a:t>
-            </a:r>
-            <a:r>
-              <a:rPr lang="en-US" altLang="zh-TW" sz="2000" dirty="0">
-                <a:latin typeface="Times New Roman" panose="02020603050405020304" pitchFamily="18" charset="0"/>
-                <a:ea typeface="標楷體" panose="03000509000000000000" pitchFamily="65" charset="-120"/>
-              </a:rPr>
-              <a:t>group(s)</a:t>
-            </a:r>
-            <a:r>
-              <a:rPr lang="zh-TW" altLang="en-US" sz="2000" dirty="0">
-                <a:latin typeface="Times New Roman" panose="02020603050405020304" pitchFamily="18" charset="0"/>
-                <a:ea typeface="標楷體" panose="03000509000000000000" pitchFamily="65" charset="-120"/>
-              </a:rPr>
-              <a:t>符合題意要求：</a:t>
-            </a:r>
-            <a:endParaRPr lang="en-US" altLang="zh-TW" sz="2000" dirty="0">
-              <a:latin typeface="Times New Roman" panose="02020603050405020304" pitchFamily="18" charset="0"/>
-              <a:ea typeface="標楷體" panose="03000509000000000000" pitchFamily="65" charset="-120"/>
-            </a:endParaRPr>
-          </a:p>
-          <a:p>
-            <a:pPr marL="0" indent="0">
-              <a:lnSpc>
-                <a:spcPct val="120000"/>
-              </a:lnSpc>
-              <a:buNone/>
-            </a:pPr>
-            <a:r>
-              <a:rPr lang="en-US" altLang="zh-TW" sz="2000" dirty="0">
-                <a:latin typeface="Times New Roman" panose="02020603050405020304" pitchFamily="18" charset="0"/>
-                <a:ea typeface="標楷體" panose="03000509000000000000" pitchFamily="65" charset="-120"/>
-              </a:rPr>
-              <a:t>Group 4: 182 170 183 188 181 199 178 178 198 176</a:t>
-            </a:r>
-          </a:p>
-          <a:p>
-            <a:pPr marL="0" indent="0">
-              <a:lnSpc>
-                <a:spcPct val="120000"/>
-              </a:lnSpc>
-              <a:buNone/>
-            </a:pPr>
-            <a:r>
-              <a:rPr lang="en-US" altLang="zh-TW" sz="2000" dirty="0">
-                <a:latin typeface="Times New Roman" panose="02020603050405020304" pitchFamily="18" charset="0"/>
-                <a:ea typeface="標楷體" panose="03000509000000000000" pitchFamily="65" charset="-120"/>
-              </a:rPr>
-              <a:t>Group 1: 179 159 182 184 178 193 173 174 192 170</a:t>
-            </a:r>
-          </a:p>
-          <a:p>
-            <a:pPr marL="0" indent="0">
-              <a:lnSpc>
-                <a:spcPct val="120000"/>
-              </a:lnSpc>
-              <a:buNone/>
-            </a:pPr>
-            <a:r>
-              <a:rPr lang="en-US" altLang="zh-TW" sz="2000" dirty="0">
-                <a:latin typeface="Times New Roman" panose="02020603050405020304" pitchFamily="18" charset="0"/>
-                <a:ea typeface="標楷體" panose="03000509000000000000" pitchFamily="65" charset="-120"/>
-              </a:rPr>
-              <a:t>Group 2: 169 151 170 173 164 188 157 164 186 152</a:t>
-            </a:r>
-          </a:p>
-          <a:p>
-            <a:pPr marL="0" indent="0">
-              <a:lnSpc>
-                <a:spcPct val="120000"/>
-              </a:lnSpc>
-              <a:buNone/>
-            </a:pPr>
-            <a:r>
-              <a:rPr lang="zh-TW" altLang="en-US" sz="2000" dirty="0">
-                <a:latin typeface="Times New Roman" panose="02020603050405020304" pitchFamily="18" charset="0"/>
-                <a:ea typeface="標楷體" panose="03000509000000000000" pitchFamily="65" charset="-120"/>
-              </a:rPr>
-              <a:t>因此輸出為</a:t>
-            </a:r>
-            <a:r>
-              <a:rPr lang="en-US" altLang="zh-TW" sz="2000" dirty="0">
-                <a:latin typeface="Times New Roman" panose="02020603050405020304" pitchFamily="18" charset="0"/>
-                <a:ea typeface="標楷體" panose="03000509000000000000" pitchFamily="65" charset="-120"/>
-              </a:rPr>
-              <a:t>3</a:t>
-            </a:r>
-            <a:r>
-              <a:rPr lang="zh-TW" altLang="en-US" sz="2000" dirty="0">
-                <a:latin typeface="Times New Roman" panose="02020603050405020304" pitchFamily="18" charset="0"/>
-                <a:ea typeface="標楷體" panose="03000509000000000000" pitchFamily="65" charset="-120"/>
-              </a:rPr>
-              <a:t>，以及對應的群如何排列</a:t>
-            </a:r>
-            <a:endParaRPr lang="en-US" altLang="zh-TW" sz="2000" dirty="0">
-              <a:latin typeface="Times New Roman" panose="02020603050405020304" pitchFamily="18" charset="0"/>
-              <a:ea typeface="標楷體" panose="03000509000000000000" pitchFamily="65" charset="-120"/>
-            </a:endParaRPr>
-          </a:p>
         </p:txBody>
       </p:sp>
     </p:spTree>
     <p:extLst>
       <p:ext uri="{BB962C8B-B14F-4D97-AF65-F5344CB8AC3E}">
-        <p14:creationId xmlns:p14="http://schemas.microsoft.com/office/powerpoint/2010/main" val="1574631227"/>
+        <p14:creationId xmlns:p14="http://schemas.microsoft.com/office/powerpoint/2010/main" val="1808466350"/>
       </p:ext>
     </p:extLst>
   </p:cSld>
@@ -6671,7 +7310,13 @@
       </p:grpSpPr>
       <p:sp>
         <p:nvSpPr>
-          <p:cNvPr id="2" name="標題 1"/>
+          <p:cNvPr id="2" name="標題 1">
+            <a:extLst>
+              <a:ext uri="{FF2B5EF4-FFF2-40B4-BE49-F238E27FC236}">
+                <a16:creationId xmlns:a16="http://schemas.microsoft.com/office/drawing/2014/main" id="{4457B8C9-56BD-4589-B5A8-9B5476310C0B}"/>
+              </a:ext>
+            </a:extLst>
+          </p:cNvPr>
           <p:cNvSpPr>
             <a:spLocks noGrp="1"/>
           </p:cNvSpPr>
@@ -6685,115 +7330,409 @@
           <a:lstStyle/>
           <a:p>
             <a:r>
-              <a:rPr lang="zh-TW" altLang="en-US" dirty="0"/>
-              <a:t>解題想法</a:t>
-            </a:r>
-          </a:p>
-        </p:txBody>
-      </p:sp>
-      <p:sp>
-        <p:nvSpPr>
-          <p:cNvPr id="3" name="內容版面配置區 2"/>
-          <p:cNvSpPr>
-            <a:spLocks noGrp="1"/>
-          </p:cNvSpPr>
-          <p:nvPr>
-            <p:ph sz="half" idx="1"/>
-          </p:nvPr>
-        </p:nvSpPr>
-        <p:spPr>
-          <a:xfrm>
-            <a:off x="838200" y="1825625"/>
-            <a:ext cx="10378440" cy="4351338"/>
-          </a:xfrm>
-        </p:spPr>
+              <a:rPr lang="zh-TW" altLang="en-US"/>
+              <a:t>輸入 </a:t>
+            </a:r>
+            <a:r>
+              <a:rPr lang="en-US" altLang="zh-TW"/>
+              <a:t>/</a:t>
+            </a:r>
+            <a:r>
+              <a:rPr lang="zh-TW" altLang="en-US"/>
+              <a:t> 輸出說明－－題一［測資產生］</a:t>
+            </a:r>
+          </a:p>
+        </p:txBody>
+      </p:sp>
+      <p:sp>
+        <p:nvSpPr>
+          <p:cNvPr id="3" name="內容版面配置區 2">
+            <a:extLst>
+              <a:ext uri="{FF2B5EF4-FFF2-40B4-BE49-F238E27FC236}">
+                <a16:creationId xmlns:a16="http://schemas.microsoft.com/office/drawing/2014/main" id="{7A70C0EA-8BC2-4985-94E5-8B21E13625E4}"/>
+              </a:ext>
+            </a:extLst>
+          </p:cNvPr>
+          <p:cNvSpPr>
+            <a:spLocks noGrp="1"/>
+          </p:cNvSpPr>
+          <p:nvPr>
+            <p:ph idx="1"/>
+          </p:nvPr>
+        </p:nvSpPr>
+        <p:spPr/>
         <p:txBody>
           <a:bodyPr>
-            <a:normAutofit/>
+            <a:normAutofit fontScale="92500" lnSpcReduction="20000"/>
           </a:bodyPr>
           <a:lstStyle/>
-          <a:p>
-            <a:pPr>
-              <a:lnSpc>
-                <a:spcPct val="100000"/>
-              </a:lnSpc>
-            </a:pPr>
-            <a:r>
-              <a:rPr lang="zh-TW" altLang="en-US" dirty="0">
-                <a:latin typeface="Times New Roman" panose="02020603050405020304" pitchFamily="18" charset="0"/>
-                <a:ea typeface="標楷體" panose="03000509000000000000" pitchFamily="65" charset="-120"/>
-              </a:rPr>
-              <a:t>暴力法</a:t>
-            </a:r>
-            <a:r>
-              <a:rPr lang="en-US" altLang="zh-TW" dirty="0">
-                <a:latin typeface="Times New Roman" panose="02020603050405020304" pitchFamily="18" charset="0"/>
-                <a:ea typeface="標楷體" panose="03000509000000000000" pitchFamily="65" charset="-120"/>
-              </a:rPr>
-              <a:t>:</a:t>
-            </a:r>
-            <a:r>
-              <a:rPr lang="zh-TW" altLang="en-US" dirty="0">
-                <a:latin typeface="Times New Roman" panose="02020603050405020304" pitchFamily="18" charset="0"/>
-                <a:ea typeface="標楷體" panose="03000509000000000000" pitchFamily="65" charset="-120"/>
-              </a:rPr>
-              <a:t> </a:t>
-            </a:r>
-            <a:r>
-              <a:rPr lang="en-US" altLang="zh-TW" dirty="0">
-                <a:latin typeface="Times New Roman" panose="02020603050405020304" pitchFamily="18" charset="0"/>
-                <a:ea typeface="標楷體" panose="03000509000000000000" pitchFamily="65" charset="-120"/>
-              </a:rPr>
-              <a:t>2^N</a:t>
-            </a:r>
-          </a:p>
           <a:p>
             <a:pPr marL="0" indent="0">
               <a:lnSpc>
-                <a:spcPct val="100000"/>
+                <a:spcPct val="110000"/>
               </a:lnSpc>
               <a:buNone/>
             </a:pPr>
+            <a:r>
+              <a:rPr lang="zh-TW" altLang="zh-TW" b="1" u="sng" dirty="0">
+                <a:latin typeface="Times New Roman" panose="02020603050405020304" pitchFamily="18" charset="0"/>
+                <a:ea typeface="標楷體" panose="03000509000000000000" pitchFamily="65" charset="-120"/>
+              </a:rPr>
+              <a:t>輸入</a:t>
+            </a:r>
+            <a:r>
+              <a:rPr lang="zh-TW" altLang="zh-TW" b="1" u="sng">
+                <a:latin typeface="Times New Roman" panose="02020603050405020304" pitchFamily="18" charset="0"/>
+                <a:ea typeface="標楷體" panose="03000509000000000000" pitchFamily="65" charset="-120"/>
+              </a:rPr>
+              <a:t>說明</a:t>
+            </a:r>
+            <a:r>
+              <a:rPr lang="zh-TW" altLang="en-US" b="1" u="sng">
+                <a:latin typeface="Times New Roman" panose="02020603050405020304" pitchFamily="18" charset="0"/>
+                <a:ea typeface="標楷體" panose="03000509000000000000" pitchFamily="65" charset="-120"/>
+              </a:rPr>
+              <a:t>：</a:t>
+            </a:r>
+            <a:endParaRPr lang="en-US" altLang="zh-TW" b="1" u="sng">
+              <a:latin typeface="Times New Roman" panose="02020603050405020304" pitchFamily="18" charset="0"/>
+              <a:ea typeface="標楷體" panose="03000509000000000000" pitchFamily="65" charset="-120"/>
+            </a:endParaRPr>
+          </a:p>
+          <a:p>
+            <a:pPr marL="0" indent="0">
+              <a:lnSpc>
+                <a:spcPct val="110000"/>
+              </a:lnSpc>
+              <a:buNone/>
+            </a:pPr>
+            <a:r>
+              <a:rPr lang="zh-TW" altLang="zh-TW">
+                <a:latin typeface="Times New Roman" panose="02020603050405020304" pitchFamily="18" charset="0"/>
+                <a:ea typeface="標楷體" panose="03000509000000000000" pitchFamily="65" charset="-120"/>
+              </a:rPr>
+              <a:t>輸入兩個整數</a:t>
+            </a:r>
+            <a:r>
+              <a:rPr lang="zh-TW" altLang="en-US">
+                <a:latin typeface="Times New Roman" panose="02020603050405020304" pitchFamily="18" charset="0"/>
+                <a:ea typeface="標楷體" panose="03000509000000000000" pitchFamily="65" charset="-120"/>
+              </a:rPr>
+              <a:t> </a:t>
+            </a:r>
+            <a:r>
+              <a:rPr lang="en-US" altLang="zh-TW">
+                <a:latin typeface="Times New Roman" panose="02020603050405020304" pitchFamily="18" charset="0"/>
+                <a:ea typeface="標楷體" panose="03000509000000000000" pitchFamily="65" charset="-120"/>
+              </a:rPr>
+              <a:t>m,</a:t>
+            </a:r>
+            <a:r>
+              <a:rPr lang="zh-TW" altLang="en-US">
+                <a:latin typeface="Times New Roman" panose="02020603050405020304" pitchFamily="18" charset="0"/>
+                <a:ea typeface="標楷體" panose="03000509000000000000" pitchFamily="65" charset="-120"/>
+              </a:rPr>
+              <a:t> </a:t>
+            </a:r>
+            <a:r>
+              <a:rPr lang="en-US" altLang="zh-TW">
+                <a:latin typeface="Times New Roman" panose="02020603050405020304" pitchFamily="18" charset="0"/>
+                <a:ea typeface="標楷體" panose="03000509000000000000" pitchFamily="65" charset="-120"/>
+              </a:rPr>
+              <a:t>n (0 &lt;=</a:t>
+            </a:r>
+            <a:r>
+              <a:rPr lang="zh-TW" altLang="en-US">
+                <a:latin typeface="Times New Roman" panose="02020603050405020304" pitchFamily="18" charset="0"/>
+                <a:ea typeface="標楷體" panose="03000509000000000000" pitchFamily="65" charset="-120"/>
+              </a:rPr>
+              <a:t> </a:t>
+            </a:r>
+            <a:r>
+              <a:rPr lang="en-US" altLang="zh-TW">
+                <a:latin typeface="Times New Roman" panose="02020603050405020304" pitchFamily="18" charset="0"/>
+                <a:ea typeface="標楷體" panose="03000509000000000000" pitchFamily="65" charset="-120"/>
+              </a:rPr>
+              <a:t>m, n &lt;= 1000)</a:t>
+            </a:r>
+          </a:p>
+          <a:p>
+            <a:pPr marL="0" indent="0">
+              <a:lnSpc>
+                <a:spcPct val="110000"/>
+              </a:lnSpc>
+              <a:buNone/>
+            </a:pPr>
+            <a:r>
+              <a:rPr lang="en-US" altLang="zh-TW">
+                <a:latin typeface="Times New Roman" panose="02020603050405020304" pitchFamily="18" charset="0"/>
+                <a:ea typeface="標楷體" panose="03000509000000000000" pitchFamily="65" charset="-120"/>
+              </a:rPr>
+              <a:t>m </a:t>
+            </a:r>
+            <a:r>
+              <a:rPr lang="zh-TW" altLang="en-US">
+                <a:latin typeface="Times New Roman" panose="02020603050405020304" pitchFamily="18" charset="0"/>
+                <a:ea typeface="標楷體" panose="03000509000000000000" pitchFamily="65" charset="-120"/>
+              </a:rPr>
+              <a:t>為名單項目數量，</a:t>
+            </a:r>
+            <a:r>
+              <a:rPr lang="en-US" altLang="zh-TW">
+                <a:latin typeface="Times New Roman" panose="02020603050405020304" pitchFamily="18" charset="0"/>
+                <a:ea typeface="標楷體" panose="03000509000000000000" pitchFamily="65" charset="-120"/>
+              </a:rPr>
+              <a:t>n </a:t>
+            </a:r>
+            <a:r>
+              <a:rPr lang="zh-TW" altLang="en-US">
+                <a:latin typeface="Times New Roman" panose="02020603050405020304" pitchFamily="18" charset="0"/>
+                <a:ea typeface="標楷體" panose="03000509000000000000" pitchFamily="65" charset="-120"/>
+              </a:rPr>
+              <a:t>為福袋內容物數量</a:t>
+            </a:r>
+            <a:endParaRPr lang="en-US" altLang="zh-TW">
+              <a:latin typeface="Times New Roman" panose="02020603050405020304" pitchFamily="18" charset="0"/>
+              <a:ea typeface="標楷體" panose="03000509000000000000" pitchFamily="65" charset="-120"/>
+            </a:endParaRPr>
+          </a:p>
+          <a:p>
+            <a:pPr marL="0" indent="0">
+              <a:lnSpc>
+                <a:spcPct val="110000"/>
+              </a:lnSpc>
+              <a:buNone/>
+            </a:pPr>
+            <a:r>
+              <a:rPr lang="zh-TW" altLang="zh-TW" b="1" u="sng">
+                <a:latin typeface="Times New Roman" panose="02020603050405020304" pitchFamily="18" charset="0"/>
+                <a:ea typeface="標楷體" panose="03000509000000000000" pitchFamily="65" charset="-120"/>
+              </a:rPr>
+              <a:t>輸出</a:t>
+            </a:r>
+            <a:r>
+              <a:rPr lang="zh-TW" altLang="zh-TW" b="1" u="sng" dirty="0">
+                <a:latin typeface="Times New Roman" panose="02020603050405020304" pitchFamily="18" charset="0"/>
+                <a:ea typeface="標楷體" panose="03000509000000000000" pitchFamily="65" charset="-120"/>
+              </a:rPr>
+              <a:t>說明</a:t>
+            </a:r>
+            <a:r>
+              <a:rPr lang="zh-TW" altLang="en-US" b="1" u="sng" dirty="0">
+                <a:latin typeface="Times New Roman" panose="02020603050405020304" pitchFamily="18" charset="0"/>
+                <a:ea typeface="標楷體" panose="03000509000000000000" pitchFamily="65" charset="-120"/>
+              </a:rPr>
+              <a:t>：</a:t>
+            </a:r>
+            <a:endParaRPr lang="zh-TW" altLang="zh-TW" u="sng" dirty="0">
+              <a:latin typeface="Times New Roman" panose="02020603050405020304" pitchFamily="18" charset="0"/>
+              <a:ea typeface="標楷體" panose="03000509000000000000" pitchFamily="65" charset="-120"/>
+            </a:endParaRPr>
+          </a:p>
+          <a:p>
+            <a:pPr marL="0" indent="0">
+              <a:lnSpc>
+                <a:spcPct val="110000"/>
+              </a:lnSpc>
+              <a:buNone/>
+            </a:pPr>
+            <a:r>
+              <a:rPr lang="zh-TW" altLang="en-US">
+                <a:latin typeface="Times New Roman" panose="02020603050405020304" pitchFamily="18" charset="0"/>
+                <a:ea typeface="標楷體" panose="03000509000000000000" pitchFamily="65" charset="-120"/>
+              </a:rPr>
+              <a:t>總長為 </a:t>
+            </a:r>
+            <a:r>
+              <a:rPr lang="en-US" altLang="zh-TW">
+                <a:latin typeface="Times New Roman" panose="02020603050405020304" pitchFamily="18" charset="0"/>
+                <a:ea typeface="標楷體" panose="03000509000000000000" pitchFamily="65" charset="-120"/>
+              </a:rPr>
+              <a:t>m </a:t>
+            </a:r>
+            <a:r>
+              <a:rPr lang="zh-TW" altLang="en-US">
+                <a:latin typeface="Times New Roman" panose="02020603050405020304" pitchFamily="18" charset="0"/>
+                <a:ea typeface="標楷體" panose="03000509000000000000" pitchFamily="65" charset="-120"/>
+              </a:rPr>
+              <a:t>的名單，每個名單項目以換行隔開</a:t>
+            </a:r>
+            <a:endParaRPr lang="en-US" altLang="zh-TW">
+              <a:latin typeface="Times New Roman" panose="02020603050405020304" pitchFamily="18" charset="0"/>
+              <a:ea typeface="標楷體" panose="03000509000000000000" pitchFamily="65" charset="-120"/>
+            </a:endParaRPr>
+          </a:p>
+          <a:p>
+            <a:pPr marL="0" indent="0">
+              <a:lnSpc>
+                <a:spcPct val="110000"/>
+              </a:lnSpc>
+              <a:buNone/>
+            </a:pPr>
+            <a:r>
+              <a:rPr lang="zh-TW" altLang="en-US">
+                <a:latin typeface="Times New Roman" panose="02020603050405020304" pitchFamily="18" charset="0"/>
+                <a:ea typeface="標楷體" panose="03000509000000000000" pitchFamily="65" charset="-120"/>
+              </a:rPr>
+              <a:t>各項目：</a:t>
+            </a:r>
+            <a:endParaRPr lang="en-US" altLang="zh-TW">
+              <a:latin typeface="Times New Roman" panose="02020603050405020304" pitchFamily="18" charset="0"/>
+              <a:ea typeface="標楷體" panose="03000509000000000000" pitchFamily="65" charset="-120"/>
+            </a:endParaRPr>
+          </a:p>
+          <a:p>
+            <a:pPr marL="0" indent="0">
+              <a:lnSpc>
+                <a:spcPct val="110000"/>
+              </a:lnSpc>
+              <a:buNone/>
+            </a:pPr>
+            <a:r>
+              <a:rPr lang="en-US" altLang="zh-TW">
+                <a:latin typeface="Times New Roman" panose="02020603050405020304" pitchFamily="18" charset="0"/>
+                <a:ea typeface="標楷體" panose="03000509000000000000" pitchFamily="65" charset="-120"/>
+              </a:rPr>
+              <a:t>	</a:t>
+            </a:r>
+            <a:r>
+              <a:rPr lang="zh-TW" altLang="en-US">
+                <a:latin typeface="Times New Roman" panose="02020603050405020304" pitchFamily="18" charset="0"/>
+                <a:ea typeface="標楷體" panose="03000509000000000000" pitchFamily="65" charset="-120"/>
+              </a:rPr>
+              <a:t>開頭 </a:t>
+            </a:r>
+            <a:r>
+              <a:rPr lang="en-US" altLang="zh-TW">
+                <a:latin typeface="Times New Roman" panose="02020603050405020304" pitchFamily="18" charset="0"/>
+                <a:ea typeface="標楷體" panose="03000509000000000000" pitchFamily="65" charset="-120"/>
+                <a:sym typeface="Wingdings" panose="05000000000000000000" pitchFamily="2" charset="2"/>
+              </a:rPr>
+              <a:t> </a:t>
+            </a:r>
+            <a:r>
+              <a:rPr lang="zh-TW" altLang="en-US">
+                <a:latin typeface="Times New Roman" panose="02020603050405020304" pitchFamily="18" charset="0"/>
+                <a:ea typeface="標楷體" panose="03000509000000000000" pitchFamily="65" charset="-120"/>
+              </a:rPr>
+              <a:t>人名，</a:t>
+            </a:r>
+            <a:r>
+              <a:rPr lang="en-US" altLang="zh-TW">
+                <a:latin typeface="Times New Roman" panose="02020603050405020304" pitchFamily="18" charset="0"/>
+                <a:ea typeface="標楷體" panose="03000509000000000000" pitchFamily="65" charset="-120"/>
+              </a:rPr>
+              <a:t>length &lt;= 10</a:t>
+            </a:r>
+            <a:r>
+              <a:rPr lang="zh-TW" altLang="en-US">
+                <a:latin typeface="Times New Roman" panose="02020603050405020304" pitchFamily="18" charset="0"/>
+                <a:ea typeface="標楷體" panose="03000509000000000000" pitchFamily="65" charset="-120"/>
+              </a:rPr>
+              <a:t>，各字元大小寫任意</a:t>
+            </a:r>
+            <a:endParaRPr lang="en-US" altLang="zh-TW">
+              <a:latin typeface="Times New Roman" panose="02020603050405020304" pitchFamily="18" charset="0"/>
+              <a:ea typeface="標楷體" panose="03000509000000000000" pitchFamily="65" charset="-120"/>
+            </a:endParaRPr>
+          </a:p>
+          <a:p>
+            <a:pPr marL="0" indent="0">
+              <a:lnSpc>
+                <a:spcPct val="110000"/>
+              </a:lnSpc>
+              <a:buNone/>
+            </a:pPr>
+            <a:r>
+              <a:rPr lang="en-US" altLang="zh-TW">
+                <a:latin typeface="Times New Roman" panose="02020603050405020304" pitchFamily="18" charset="0"/>
+                <a:ea typeface="標楷體" panose="03000509000000000000" pitchFamily="65" charset="-120"/>
+              </a:rPr>
+              <a:t>	</a:t>
+            </a:r>
+            <a:r>
+              <a:rPr lang="zh-TW" altLang="en-US">
+                <a:latin typeface="Times New Roman" panose="02020603050405020304" pitchFamily="18" charset="0"/>
+                <a:ea typeface="標楷體" panose="03000509000000000000" pitchFamily="65" charset="-120"/>
+              </a:rPr>
+              <a:t>後面 </a:t>
+            </a:r>
+            <a:r>
+              <a:rPr lang="en-US" altLang="zh-TW">
+                <a:latin typeface="Times New Roman" panose="02020603050405020304" pitchFamily="18" charset="0"/>
+                <a:ea typeface="標楷體" panose="03000509000000000000" pitchFamily="65" charset="-120"/>
+                <a:sym typeface="Wingdings" panose="05000000000000000000" pitchFamily="2" charset="2"/>
+              </a:rPr>
+              <a:t> </a:t>
+            </a:r>
+            <a:r>
+              <a:rPr lang="zh-TW" altLang="en-US">
+                <a:latin typeface="Times New Roman" panose="02020603050405020304" pitchFamily="18" charset="0"/>
+                <a:ea typeface="標楷體" panose="03000509000000000000" pitchFamily="65" charset="-120"/>
+              </a:rPr>
+              <a:t> </a:t>
+            </a:r>
+            <a:r>
+              <a:rPr lang="en-US" altLang="zh-TW">
+                <a:latin typeface="Times New Roman" panose="02020603050405020304" pitchFamily="18" charset="0"/>
+                <a:ea typeface="標楷體" panose="03000509000000000000" pitchFamily="65" charset="-120"/>
+              </a:rPr>
+              <a:t>n </a:t>
+            </a:r>
+            <a:r>
+              <a:rPr lang="zh-TW" altLang="en-US">
+                <a:latin typeface="Times New Roman" panose="02020603050405020304" pitchFamily="18" charset="0"/>
+                <a:ea typeface="標楷體" panose="03000509000000000000" pitchFamily="65" charset="-120"/>
+              </a:rPr>
+              <a:t>個正整數（各內容物的價值），</a:t>
+            </a:r>
+            <a:r>
+              <a:rPr lang="en-US" altLang="zh-TW">
+                <a:latin typeface="Times New Roman" panose="02020603050405020304" pitchFamily="18" charset="0"/>
+                <a:ea typeface="標楷體" panose="03000509000000000000" pitchFamily="65" charset="-120"/>
+              </a:rPr>
+              <a:t>0 &lt;= n &lt;= 10^9</a:t>
+            </a:r>
+          </a:p>
+          <a:p>
+            <a:pPr marL="0" indent="0">
+              <a:lnSpc>
+                <a:spcPct val="110000"/>
+              </a:lnSpc>
+              <a:buNone/>
+            </a:pPr>
+            <a:r>
+              <a:rPr lang="zh-TW" altLang="en-US">
+                <a:latin typeface="Times New Roman" panose="02020603050405020304" pitchFamily="18" charset="0"/>
+                <a:ea typeface="標楷體" panose="03000509000000000000" pitchFamily="65" charset="-120"/>
+              </a:rPr>
+              <a:t>輸出 </a:t>
+            </a:r>
+            <a:r>
+              <a:rPr lang="en-US" altLang="zh-TW">
+                <a:latin typeface="Times New Roman" panose="02020603050405020304" pitchFamily="18" charset="0"/>
+                <a:ea typeface="標楷體" panose="03000509000000000000" pitchFamily="65" charset="-120"/>
+              </a:rPr>
+              <a:t>0 0 </a:t>
+            </a:r>
+            <a:r>
+              <a:rPr lang="zh-TW" altLang="en-US">
+                <a:latin typeface="Times New Roman" panose="02020603050405020304" pitchFamily="18" charset="0"/>
+                <a:ea typeface="標楷體" panose="03000509000000000000" pitchFamily="65" charset="-120"/>
+              </a:rPr>
+              <a:t>表示名單末</a:t>
+            </a:r>
             <a:endParaRPr lang="en-US" altLang="zh-TW" dirty="0">
               <a:latin typeface="Times New Roman" panose="02020603050405020304" pitchFamily="18" charset="0"/>
               <a:ea typeface="標楷體" panose="03000509000000000000" pitchFamily="65" charset="-120"/>
             </a:endParaRPr>
           </a:p>
-          <a:p>
-            <a:pPr>
-              <a:lnSpc>
-                <a:spcPct val="100000"/>
-              </a:lnSpc>
-            </a:pPr>
-            <a:r>
-              <a:rPr lang="zh-TW" altLang="en-US" dirty="0">
-                <a:latin typeface="Times New Roman" panose="02020603050405020304" pitchFamily="18" charset="0"/>
-                <a:ea typeface="標楷體" panose="03000509000000000000" pitchFamily="65" charset="-120"/>
-              </a:rPr>
-              <a:t>枚舉所有可能，每個名單都可以刪除或不刪除。每個可能檢查是否滿足肥宅隊伍定義</a:t>
-            </a:r>
-            <a:endParaRPr lang="en-US" altLang="zh-TW" dirty="0">
-              <a:latin typeface="Times New Roman" panose="02020603050405020304" pitchFamily="18" charset="0"/>
-              <a:ea typeface="標楷體" panose="03000509000000000000" pitchFamily="65" charset="-120"/>
-            </a:endParaRPr>
-          </a:p>
-          <a:p>
-            <a:pPr>
-              <a:lnSpc>
-                <a:spcPct val="100000"/>
-              </a:lnSpc>
-            </a:pPr>
-            <a:endParaRPr lang="en-US" altLang="zh-TW" dirty="0">
-              <a:latin typeface="Times New Roman" panose="02020603050405020304" pitchFamily="18" charset="0"/>
-              <a:ea typeface="標楷體" panose="03000509000000000000" pitchFamily="65" charset="-120"/>
-            </a:endParaRPr>
-          </a:p>
         </p:txBody>
       </p:sp>
     </p:spTree>
     <p:extLst>
       <p:ext uri="{BB962C8B-B14F-4D97-AF65-F5344CB8AC3E}">
-        <p14:creationId xmlns:p14="http://schemas.microsoft.com/office/powerpoint/2010/main" val="2918758940"/>
+        <p14:creationId xmlns:p14="http://schemas.microsoft.com/office/powerpoint/2010/main" val="155444540"/>
       </p:ext>
     </p:extLst>
   </p:cSld>
@@ -6822,7 +7761,13 @@
       </p:grpSpPr>
       <p:sp>
         <p:nvSpPr>
-          <p:cNvPr id="2" name="標題 1"/>
+          <p:cNvPr id="2" name="標題 1">
+            <a:extLst>
+              <a:ext uri="{FF2B5EF4-FFF2-40B4-BE49-F238E27FC236}">
+                <a16:creationId xmlns:a16="http://schemas.microsoft.com/office/drawing/2014/main" id="{4457B8C9-56BD-4589-B5A8-9B5476310C0B}"/>
+              </a:ext>
+            </a:extLst>
+          </p:cNvPr>
           <p:cNvSpPr>
             <a:spLocks noGrp="1"/>
           </p:cNvSpPr>
@@ -6836,259 +7781,164 @@
           <a:lstStyle/>
           <a:p>
             <a:r>
-              <a:rPr lang="zh-TW" altLang="en-US" dirty="0"/>
-              <a:t>解題想法</a:t>
-            </a:r>
-          </a:p>
-        </p:txBody>
-      </p:sp>
-      <p:sp>
-        <p:nvSpPr>
-          <p:cNvPr id="3" name="內容版面配置區 2"/>
-          <p:cNvSpPr>
-            <a:spLocks noGrp="1"/>
-          </p:cNvSpPr>
-          <p:nvPr>
-            <p:ph sz="half" idx="1"/>
-          </p:nvPr>
-        </p:nvSpPr>
-        <p:spPr>
-          <a:xfrm>
-            <a:off x="838200" y="1825625"/>
-            <a:ext cx="10378440" cy="4351338"/>
-          </a:xfrm>
-        </p:spPr>
+              <a:rPr lang="zh-TW" altLang="en-US"/>
+              <a:t>輸入 </a:t>
+            </a:r>
+            <a:r>
+              <a:rPr lang="en-US" altLang="zh-TW"/>
+              <a:t>/</a:t>
+            </a:r>
+            <a:r>
+              <a:rPr lang="zh-TW" altLang="en-US"/>
+              <a:t> 輸出說明－－題一［測資產生］</a:t>
+            </a:r>
+          </a:p>
+        </p:txBody>
+      </p:sp>
+      <p:sp>
+        <p:nvSpPr>
+          <p:cNvPr id="3" name="內容版面配置區 2">
+            <a:extLst>
+              <a:ext uri="{FF2B5EF4-FFF2-40B4-BE49-F238E27FC236}">
+                <a16:creationId xmlns:a16="http://schemas.microsoft.com/office/drawing/2014/main" id="{7A70C0EA-8BC2-4985-94E5-8B21E13625E4}"/>
+              </a:ext>
+            </a:extLst>
+          </p:cNvPr>
+          <p:cNvSpPr>
+            <a:spLocks noGrp="1"/>
+          </p:cNvSpPr>
+          <p:nvPr>
+            <p:ph idx="1"/>
+          </p:nvPr>
+        </p:nvSpPr>
+        <p:spPr/>
         <p:txBody>
           <a:bodyPr>
             <a:normAutofit/>
           </a:bodyPr>
           <a:lstStyle/>
           <a:p>
-            <a:pPr>
+            <a:pPr marL="0" indent="0">
               <a:lnSpc>
-                <a:spcPct val="100000"/>
+                <a:spcPct val="120000"/>
               </a:lnSpc>
+              <a:buNone/>
             </a:pPr>
             <a:r>
-              <a:rPr lang="zh-TW" altLang="en-US" dirty="0">
-                <a:latin typeface="Times New Roman" panose="02020603050405020304" pitchFamily="18" charset="0"/>
-                <a:ea typeface="標楷體" panose="03000509000000000000" pitchFamily="65" charset="-120"/>
-              </a:rPr>
-              <a:t>名單列表中先將重複名字去除</a:t>
-            </a:r>
-            <a:endParaRPr lang="en-US" altLang="zh-TW" dirty="0">
+              <a:rPr lang="zh-TW" altLang="en-US" sz="2000" b="1">
+                <a:latin typeface="Times New Roman" panose="02020603050405020304" pitchFamily="18" charset="0"/>
+                <a:ea typeface="標楷體" panose="03000509000000000000" pitchFamily="65" charset="-120"/>
+              </a:rPr>
+              <a:t>範例輸入：</a:t>
+            </a:r>
+            <a:endParaRPr lang="en-US" altLang="zh-TW" sz="2000" b="1">
               <a:latin typeface="Times New Roman" panose="02020603050405020304" pitchFamily="18" charset="0"/>
               <a:ea typeface="標楷體" panose="03000509000000000000" pitchFamily="65" charset="-120"/>
             </a:endParaRPr>
           </a:p>
           <a:p>
-            <a:pPr>
-              <a:lnSpc>
-                <a:spcPct val="100000"/>
-              </a:lnSpc>
-            </a:pPr>
-            <a:r>
-              <a:rPr lang="zh-TW" altLang="en-US" dirty="0">
-                <a:latin typeface="Times New Roman" panose="02020603050405020304" pitchFamily="18" charset="0"/>
-                <a:ea typeface="標楷體" panose="03000509000000000000" pitchFamily="65" charset="-120"/>
-              </a:rPr>
-              <a:t>總價值是可以比較的</a:t>
-            </a:r>
-            <a:endParaRPr lang="en-US" altLang="zh-TW" dirty="0">
-              <a:latin typeface="Times New Roman" panose="02020603050405020304" pitchFamily="18" charset="0"/>
-              <a:ea typeface="標楷體" panose="03000509000000000000" pitchFamily="65" charset="-120"/>
-            </a:endParaRPr>
-          </a:p>
-          <a:p>
-            <a:pPr>
-              <a:lnSpc>
-                <a:spcPct val="100000"/>
-              </a:lnSpc>
-            </a:pPr>
-            <a:r>
-              <a:rPr lang="zh-TW" altLang="en-US" dirty="0">
-                <a:latin typeface="Times New Roman" panose="02020603050405020304" pitchFamily="18" charset="0"/>
-                <a:ea typeface="標楷體" panose="03000509000000000000" pitchFamily="65" charset="-120"/>
-              </a:rPr>
-              <a:t>刪除最少名單項目 </a:t>
-            </a:r>
-            <a:r>
-              <a:rPr lang="en-US" altLang="zh-TW" dirty="0">
-                <a:latin typeface="Times New Roman" panose="02020603050405020304" pitchFamily="18" charset="0"/>
-                <a:ea typeface="標楷體" panose="03000509000000000000" pitchFamily="65" charset="-120"/>
-              </a:rPr>
-              <a:t>=</a:t>
-            </a:r>
-            <a:r>
-              <a:rPr lang="zh-TW" altLang="en-US">
-                <a:latin typeface="Times New Roman" panose="02020603050405020304" pitchFamily="18" charset="0"/>
-                <a:ea typeface="標楷體" panose="03000509000000000000" pitchFamily="65" charset="-120"/>
-              </a:rPr>
-              <a:t> 找到一個最長名單項目</a:t>
-            </a:r>
-            <a:endParaRPr lang="en-US" altLang="zh-TW" dirty="0">
-              <a:latin typeface="Times New Roman" panose="02020603050405020304" pitchFamily="18" charset="0"/>
-              <a:ea typeface="標楷體" panose="03000509000000000000" pitchFamily="65" charset="-120"/>
-            </a:endParaRPr>
-          </a:p>
-          <a:p>
-            <a:pPr>
-              <a:lnSpc>
-                <a:spcPct val="100000"/>
-              </a:lnSpc>
-            </a:pPr>
-            <a:r>
-              <a:rPr lang="zh-TW" altLang="en-US" dirty="0">
-                <a:latin typeface="Times New Roman" panose="02020603050405020304" pitchFamily="18" charset="0"/>
-                <a:ea typeface="標楷體" panose="03000509000000000000" pitchFamily="65" charset="-120"/>
-              </a:rPr>
-              <a:t>找到最長名單排列</a:t>
-            </a:r>
-            <a:r>
-              <a:rPr lang="en-US" altLang="zh-TW" dirty="0">
-                <a:latin typeface="Times New Roman" panose="02020603050405020304" pitchFamily="18" charset="0"/>
-                <a:ea typeface="標楷體" panose="03000509000000000000" pitchFamily="65" charset="-120"/>
-              </a:rPr>
-              <a:t>(</a:t>
-            </a:r>
-            <a:r>
-              <a:rPr lang="zh-TW" altLang="en-US" dirty="0">
-                <a:latin typeface="Times New Roman" panose="02020603050405020304" pitchFamily="18" charset="0"/>
-                <a:ea typeface="標楷體" panose="03000509000000000000" pitchFamily="65" charset="-120"/>
-              </a:rPr>
-              <a:t>價值遞減</a:t>
-            </a:r>
-            <a:r>
-              <a:rPr lang="en-US" altLang="zh-TW" dirty="0">
-                <a:latin typeface="Times New Roman" panose="02020603050405020304" pitchFamily="18" charset="0"/>
-                <a:ea typeface="標楷體" panose="03000509000000000000" pitchFamily="65" charset="-120"/>
-              </a:rPr>
-              <a:t>)</a:t>
-            </a:r>
-            <a:r>
-              <a:rPr lang="zh-TW" altLang="en-US" dirty="0">
-                <a:latin typeface="Times New Roman" panose="02020603050405020304" pitchFamily="18" charset="0"/>
-                <a:ea typeface="標楷體" panose="03000509000000000000" pitchFamily="65" charset="-120"/>
-              </a:rPr>
-              <a:t> </a:t>
-            </a:r>
-            <a:r>
-              <a:rPr lang="en-US" altLang="zh-TW" dirty="0">
-                <a:latin typeface="Times New Roman" panose="02020603050405020304" pitchFamily="18" charset="0"/>
-                <a:ea typeface="標楷體" panose="03000509000000000000" pitchFamily="65" charset="-120"/>
-              </a:rPr>
-              <a:t>=&gt;</a:t>
-            </a:r>
-            <a:r>
-              <a:rPr lang="zh-TW" altLang="en-US" dirty="0">
-                <a:latin typeface="Times New Roman" panose="02020603050405020304" pitchFamily="18" charset="0"/>
-                <a:ea typeface="標楷體" panose="03000509000000000000" pitchFamily="65" charset="-120"/>
-              </a:rPr>
-              <a:t> </a:t>
-            </a:r>
-            <a:r>
-              <a:rPr lang="en-US" altLang="zh-TW" dirty="0">
-                <a:latin typeface="Times New Roman" panose="02020603050405020304" pitchFamily="18" charset="0"/>
-                <a:ea typeface="標楷體" panose="03000509000000000000" pitchFamily="65" charset="-120"/>
-              </a:rPr>
-              <a:t>LDS</a:t>
-            </a:r>
-          </a:p>
-          <a:p>
-            <a:pPr>
-              <a:lnSpc>
-                <a:spcPct val="100000"/>
-              </a:lnSpc>
-            </a:pPr>
-            <a:r>
-              <a:rPr lang="zh-TW" altLang="en-US" dirty="0">
-                <a:latin typeface="Times New Roman" panose="02020603050405020304" pitchFamily="18" charset="0"/>
-                <a:ea typeface="標楷體" panose="03000509000000000000" pitchFamily="65" charset="-120"/>
-              </a:rPr>
-              <a:t>紀錄最早出現的</a:t>
-            </a:r>
-            <a:r>
-              <a:rPr lang="en-US" altLang="zh-TW" dirty="0">
-                <a:latin typeface="Times New Roman" panose="02020603050405020304" pitchFamily="18" charset="0"/>
-                <a:ea typeface="標楷體" panose="03000509000000000000" pitchFamily="65" charset="-120"/>
-              </a:rPr>
-              <a:t>LDS</a:t>
-            </a:r>
-          </a:p>
-          <a:p>
             <a:pPr marL="0" indent="0">
               <a:lnSpc>
-                <a:spcPct val="100000"/>
+                <a:spcPct val="120000"/>
               </a:lnSpc>
               <a:buNone/>
             </a:pPr>
-            <a:endParaRPr lang="en-US" altLang="zh-TW" dirty="0">
-              <a:latin typeface="Times New Roman" panose="02020603050405020304" pitchFamily="18" charset="0"/>
-              <a:ea typeface="標楷體" panose="03000509000000000000" pitchFamily="65" charset="-120"/>
-            </a:endParaRPr>
+            <a:r>
+              <a:rPr lang="en-US" altLang="zh-TW" sz="2000">
+                <a:latin typeface="Times New Roman" panose="02020603050405020304" pitchFamily="18" charset="0"/>
+                <a:ea typeface="標楷體" panose="03000509000000000000" pitchFamily="65" charset="-120"/>
+              </a:rPr>
+              <a:t>4 5</a:t>
+            </a:r>
           </a:p>
           <a:p>
             <a:pPr marL="0" indent="0">
               <a:lnSpc>
-                <a:spcPct val="100000"/>
+                <a:spcPct val="120000"/>
               </a:lnSpc>
               <a:buNone/>
             </a:pPr>
             <a:r>
-              <a:rPr lang="zh-TW" altLang="en-US" dirty="0">
-                <a:latin typeface="Times New Roman" panose="02020603050405020304" pitchFamily="18" charset="0"/>
-                <a:ea typeface="標楷體" panose="03000509000000000000" pitchFamily="65" charset="-120"/>
-              </a:rPr>
-              <a:t>動態規劃</a:t>
-            </a:r>
-            <a:r>
-              <a:rPr lang="en-US" altLang="zh-TW" dirty="0">
-                <a:latin typeface="Times New Roman" panose="02020603050405020304" pitchFamily="18" charset="0"/>
-                <a:ea typeface="標楷體" panose="03000509000000000000" pitchFamily="65" charset="-120"/>
-              </a:rPr>
-              <a:t>:</a:t>
-            </a:r>
-            <a:r>
-              <a:rPr lang="zh-TW" altLang="en-US" dirty="0">
-                <a:latin typeface="Times New Roman" panose="02020603050405020304" pitchFamily="18" charset="0"/>
-                <a:ea typeface="標楷體" panose="03000509000000000000" pitchFamily="65" charset="-120"/>
-              </a:rPr>
-              <a:t> </a:t>
-            </a:r>
-            <a:r>
-              <a:rPr lang="en-US" altLang="zh-TW" dirty="0">
-                <a:latin typeface="Times New Roman" panose="02020603050405020304" pitchFamily="18" charset="0"/>
-                <a:ea typeface="標楷體" panose="03000509000000000000" pitchFamily="65" charset="-120"/>
-              </a:rPr>
-              <a:t>O(N^2)</a:t>
-            </a:r>
-            <a:r>
-              <a:rPr lang="zh-TW" altLang="en-US" dirty="0">
-                <a:latin typeface="Times New Roman" panose="02020603050405020304" pitchFamily="18" charset="0"/>
-                <a:ea typeface="標楷體" panose="03000509000000000000" pitchFamily="65" charset="-120"/>
-              </a:rPr>
-              <a:t> </a:t>
-            </a:r>
-            <a:r>
-              <a:rPr lang="en-US" altLang="zh-TW" dirty="0">
-                <a:latin typeface="Times New Roman" panose="02020603050405020304" pitchFamily="18" charset="0"/>
-                <a:ea typeface="標楷體" panose="03000509000000000000" pitchFamily="65" charset="-120"/>
-              </a:rPr>
-              <a:t>or O(</a:t>
-            </a:r>
-            <a:r>
-              <a:rPr lang="en-US" altLang="zh-TW" dirty="0" err="1">
-                <a:latin typeface="Times New Roman" panose="02020603050405020304" pitchFamily="18" charset="0"/>
-                <a:ea typeface="標楷體" panose="03000509000000000000" pitchFamily="65" charset="-120"/>
-              </a:rPr>
-              <a:t>NlogN</a:t>
-            </a:r>
-            <a:r>
-              <a:rPr lang="en-US" altLang="zh-TW" dirty="0">
-                <a:latin typeface="Times New Roman" panose="02020603050405020304" pitchFamily="18" charset="0"/>
-                <a:ea typeface="標楷體" panose="03000509000000000000" pitchFamily="65" charset="-120"/>
-              </a:rPr>
-              <a:t>)</a:t>
+              <a:rPr lang="zh-TW" altLang="en-US" sz="2000" b="1">
+                <a:latin typeface="Times New Roman" panose="02020603050405020304" pitchFamily="18" charset="0"/>
+                <a:ea typeface="標楷體" panose="03000509000000000000" pitchFamily="65" charset="-120"/>
+              </a:rPr>
+              <a:t>範例輸出：</a:t>
+            </a:r>
+          </a:p>
+          <a:p>
+            <a:pPr marL="0" indent="0">
+              <a:lnSpc>
+                <a:spcPct val="120000"/>
+              </a:lnSpc>
+              <a:buNone/>
+            </a:pPr>
+            <a:r>
+              <a:rPr lang="en-US" altLang="zh-TW" sz="2000">
+                <a:latin typeface="Times New Roman" panose="02020603050405020304" pitchFamily="18" charset="0"/>
+                <a:ea typeface="標楷體" panose="03000509000000000000" pitchFamily="65" charset="-120"/>
+              </a:rPr>
+              <a:t>KinGboB 105 215 20 30 10 </a:t>
+            </a:r>
+          </a:p>
+          <a:p>
+            <a:pPr marL="0" indent="0">
+              <a:lnSpc>
+                <a:spcPct val="120000"/>
+              </a:lnSpc>
+              <a:buNone/>
+            </a:pPr>
+            <a:r>
+              <a:rPr lang="en-US" altLang="zh-TW" sz="2000">
+                <a:latin typeface="Times New Roman" panose="02020603050405020304" pitchFamily="18" charset="0"/>
+                <a:ea typeface="標楷體" panose="03000509000000000000" pitchFamily="65" charset="-120"/>
+              </a:rPr>
+              <a:t>KinGboB 99 88 66 4599 787</a:t>
+            </a:r>
+          </a:p>
+          <a:p>
+            <a:pPr marL="0" indent="0">
+              <a:lnSpc>
+                <a:spcPct val="120000"/>
+              </a:lnSpc>
+              <a:buNone/>
+            </a:pPr>
+            <a:r>
+              <a:rPr lang="en-US" altLang="zh-TW" sz="2000">
+                <a:latin typeface="Times New Roman" panose="02020603050405020304" pitchFamily="18" charset="0"/>
+                <a:ea typeface="標楷體" panose="03000509000000000000" pitchFamily="65" charset="-120"/>
+              </a:rPr>
+              <a:t>Louis 777 999999 55 2 88</a:t>
+            </a:r>
+          </a:p>
+          <a:p>
+            <a:pPr marL="0" indent="0">
+              <a:lnSpc>
+                <a:spcPct val="120000"/>
+              </a:lnSpc>
+              <a:buNone/>
+            </a:pPr>
+            <a:r>
+              <a:rPr lang="en-US" altLang="zh-TW" sz="2000">
+                <a:latin typeface="Times New Roman" panose="02020603050405020304" pitchFamily="18" charset="0"/>
+                <a:ea typeface="標楷體" panose="03000509000000000000" pitchFamily="65" charset="-120"/>
+              </a:rPr>
+              <a:t>God 1 23 20 5 10</a:t>
+            </a:r>
+          </a:p>
+          <a:p>
+            <a:pPr marL="0" indent="0">
+              <a:lnSpc>
+                <a:spcPct val="120000"/>
+              </a:lnSpc>
+              <a:buNone/>
+            </a:pPr>
+            <a:r>
+              <a:rPr lang="en-US" altLang="zh-TW" sz="2000">
+                <a:latin typeface="Times New Roman" panose="02020603050405020304" pitchFamily="18" charset="0"/>
+                <a:ea typeface="標楷體" panose="03000509000000000000" pitchFamily="65" charset="-120"/>
+              </a:rPr>
+              <a:t>0 0</a:t>
             </a:r>
           </a:p>
         </p:txBody>
@@ -7096,7 +7946,7 @@
     </p:spTree>
     <p:extLst>
       <p:ext uri="{BB962C8B-B14F-4D97-AF65-F5344CB8AC3E}">
-        <p14:creationId xmlns:p14="http://schemas.microsoft.com/office/powerpoint/2010/main" val="3566339620"/>
+        <p14:creationId xmlns:p14="http://schemas.microsoft.com/office/powerpoint/2010/main" val="1011413058"/>
       </p:ext>
     </p:extLst>
   </p:cSld>
@@ -7125,7 +7975,13 @@
       </p:grpSpPr>
       <p:sp>
         <p:nvSpPr>
-          <p:cNvPr id="2" name="標題 1"/>
+          <p:cNvPr id="2" name="標題 1">
+            <a:extLst>
+              <a:ext uri="{FF2B5EF4-FFF2-40B4-BE49-F238E27FC236}">
+                <a16:creationId xmlns:a16="http://schemas.microsoft.com/office/drawing/2014/main" id="{4457B8C9-56BD-4589-B5A8-9B5476310C0B}"/>
+              </a:ext>
+            </a:extLst>
+          </p:cNvPr>
           <p:cNvSpPr>
             <a:spLocks noGrp="1"/>
           </p:cNvSpPr>
@@ -7139,159 +7995,244 @@
           <a:lstStyle/>
           <a:p>
             <a:r>
-              <a:rPr lang="en-US" altLang="zh-TW" dirty="0">
-                <a:latin typeface="+mn-lt"/>
-                <a:ea typeface="+mn-ea"/>
-              </a:rPr>
-              <a:t>Robinson-</a:t>
-            </a:r>
-            <a:r>
-              <a:rPr lang="en-US" altLang="zh-TW" dirty="0" err="1">
-                <a:latin typeface="+mn-lt"/>
-                <a:ea typeface="+mn-ea"/>
-              </a:rPr>
-              <a:t>Schensted</a:t>
-            </a:r>
-            <a:r>
-              <a:rPr lang="en-US" altLang="zh-TW" dirty="0">
-                <a:latin typeface="+mn-lt"/>
-                <a:ea typeface="+mn-ea"/>
-              </a:rPr>
-              <a:t>-Knuth Algorithm</a:t>
-            </a:r>
-          </a:p>
-        </p:txBody>
-      </p:sp>
-      <p:sp>
-        <p:nvSpPr>
-          <p:cNvPr id="8" name="內容版面配置區 2"/>
-          <p:cNvSpPr>
-            <a:spLocks noGrp="1"/>
-          </p:cNvSpPr>
-          <p:nvPr>
-            <p:ph sz="half" idx="1"/>
-          </p:nvPr>
-        </p:nvSpPr>
-        <p:spPr>
-          <a:xfrm>
-            <a:off x="906780" y="1690688"/>
-            <a:ext cx="10378440" cy="4351338"/>
-          </a:xfrm>
-        </p:spPr>
+              <a:rPr lang="zh-TW" altLang="en-US"/>
+              <a:t>輸入 </a:t>
+            </a:r>
+            <a:r>
+              <a:rPr lang="en-US" altLang="zh-TW"/>
+              <a:t>/</a:t>
+            </a:r>
+            <a:r>
+              <a:rPr lang="zh-TW" altLang="en-US"/>
+              <a:t> 輸出說明－－題二［問題本體］</a:t>
+            </a:r>
+          </a:p>
+        </p:txBody>
+      </p:sp>
+      <p:sp>
+        <p:nvSpPr>
+          <p:cNvPr id="3" name="內容版面配置區 2">
+            <a:extLst>
+              <a:ext uri="{FF2B5EF4-FFF2-40B4-BE49-F238E27FC236}">
+                <a16:creationId xmlns:a16="http://schemas.microsoft.com/office/drawing/2014/main" id="{7A70C0EA-8BC2-4985-94E5-8B21E13625E4}"/>
+              </a:ext>
+            </a:extLst>
+          </p:cNvPr>
+          <p:cNvSpPr>
+            <a:spLocks noGrp="1"/>
+          </p:cNvSpPr>
+          <p:nvPr>
+            <p:ph idx="1"/>
+          </p:nvPr>
+        </p:nvSpPr>
+        <p:spPr/>
         <p:txBody>
           <a:bodyPr>
-            <a:normAutofit/>
+            <a:normAutofit lnSpcReduction="10000"/>
           </a:bodyPr>
           <a:lstStyle/>
           <a:p>
-            <a:r>
-              <a:rPr lang="zh-TW" altLang="en-US" dirty="0">
-                <a:latin typeface="標楷體" panose="03000509000000000000" pitchFamily="65" charset="-120"/>
-                <a:ea typeface="標楷體" panose="03000509000000000000" pitchFamily="65" charset="-120"/>
-              </a:rPr>
-              <a:t>時間複雜度</a:t>
-            </a:r>
-            <a:r>
-              <a:rPr lang="en-US" altLang="zh-TW" dirty="0">
-                <a:latin typeface="標楷體" panose="03000509000000000000" pitchFamily="65" charset="-120"/>
-                <a:ea typeface="標楷體" panose="03000509000000000000" pitchFamily="65" charset="-120"/>
-              </a:rPr>
-              <a:t>:</a:t>
-            </a:r>
-            <a:r>
-              <a:rPr lang="zh-TW" altLang="en-US" dirty="0">
-                <a:latin typeface="標楷體" panose="03000509000000000000" pitchFamily="65" charset="-120"/>
-                <a:ea typeface="標楷體" panose="03000509000000000000" pitchFamily="65" charset="-120"/>
-              </a:rPr>
-              <a:t> </a:t>
-            </a:r>
-            <a:r>
-              <a:rPr lang="en-US" altLang="zh-TW" dirty="0">
-                <a:latin typeface="標楷體" panose="03000509000000000000" pitchFamily="65" charset="-120"/>
-                <a:ea typeface="標楷體" panose="03000509000000000000" pitchFamily="65" charset="-120"/>
-              </a:rPr>
-              <a:t>O(</a:t>
-            </a:r>
-            <a:r>
-              <a:rPr lang="en-US" altLang="zh-TW" dirty="0" err="1">
-                <a:latin typeface="標楷體" panose="03000509000000000000" pitchFamily="65" charset="-120"/>
-                <a:ea typeface="標楷體" panose="03000509000000000000" pitchFamily="65" charset="-120"/>
-              </a:rPr>
-              <a:t>NlogN</a:t>
-            </a:r>
-            <a:r>
-              <a:rPr lang="en-US" altLang="zh-TW" dirty="0">
-                <a:latin typeface="標楷體" panose="03000509000000000000" pitchFamily="65" charset="-120"/>
-                <a:ea typeface="標楷體" panose="03000509000000000000" pitchFamily="65" charset="-120"/>
-              </a:rPr>
-              <a:t>)</a:t>
-            </a:r>
-          </a:p>
-          <a:p>
-            <a:r>
-              <a:rPr lang="zh-TW" altLang="en-US" dirty="0">
-                <a:latin typeface="標楷體" panose="03000509000000000000" pitchFamily="65" charset="-120"/>
-                <a:ea typeface="標楷體" panose="03000509000000000000" pitchFamily="65" charset="-120"/>
-              </a:rPr>
-              <a:t>用貪心</a:t>
-            </a:r>
-            <a:r>
-              <a:rPr lang="en-US" altLang="zh-TW" dirty="0">
-                <a:latin typeface="標楷體" panose="03000509000000000000" pitchFamily="65" charset="-120"/>
-                <a:ea typeface="標楷體" panose="03000509000000000000" pitchFamily="65" charset="-120"/>
-              </a:rPr>
-              <a:t>+</a:t>
-            </a:r>
-            <a:r>
-              <a:rPr lang="zh-TW" altLang="en-US" dirty="0">
-                <a:latin typeface="標楷體" panose="03000509000000000000" pitchFamily="65" charset="-120"/>
-                <a:ea typeface="標楷體" panose="03000509000000000000" pitchFamily="65" charset="-120"/>
-              </a:rPr>
-              <a:t>二分搜找到</a:t>
-            </a:r>
-            <a:r>
-              <a:rPr lang="en-US" altLang="zh-TW" dirty="0">
-                <a:latin typeface="標楷體" panose="03000509000000000000" pitchFamily="65" charset="-120"/>
-                <a:ea typeface="標楷體" panose="03000509000000000000" pitchFamily="65" charset="-120"/>
-              </a:rPr>
-              <a:t>LIS</a:t>
-            </a:r>
-          </a:p>
-          <a:p>
-            <a:endParaRPr lang="en-US" altLang="zh-TW" dirty="0">
-              <a:latin typeface="標楷體" panose="03000509000000000000" pitchFamily="65" charset="-120"/>
+            <a:pPr marL="0" indent="0">
+              <a:lnSpc>
+                <a:spcPct val="110000"/>
+              </a:lnSpc>
+              <a:buNone/>
+            </a:pPr>
+            <a:r>
+              <a:rPr lang="zh-TW" altLang="zh-TW" sz="2400" b="1" dirty="0">
+                <a:latin typeface="Times New Roman" panose="02020603050405020304" pitchFamily="18" charset="0"/>
+                <a:ea typeface="標楷體" panose="03000509000000000000" pitchFamily="65" charset="-120"/>
+              </a:rPr>
+              <a:t>輸入</a:t>
+            </a:r>
+            <a:r>
+              <a:rPr lang="zh-TW" altLang="zh-TW" sz="2400" b="1">
+                <a:latin typeface="Times New Roman" panose="02020603050405020304" pitchFamily="18" charset="0"/>
+                <a:ea typeface="標楷體" panose="03000509000000000000" pitchFamily="65" charset="-120"/>
+              </a:rPr>
+              <a:t>說明</a:t>
+            </a:r>
+            <a:r>
+              <a:rPr lang="zh-TW" altLang="en-US" sz="2400" b="1">
+                <a:latin typeface="Times New Roman" panose="02020603050405020304" pitchFamily="18" charset="0"/>
+                <a:ea typeface="標楷體" panose="03000509000000000000" pitchFamily="65" charset="-120"/>
+              </a:rPr>
+              <a:t>：</a:t>
+            </a:r>
+            <a:r>
+              <a:rPr lang="zh-TW" altLang="en-US" sz="2400">
+                <a:latin typeface="Times New Roman" panose="02020603050405020304" pitchFamily="18" charset="0"/>
+                <a:ea typeface="標楷體" panose="03000509000000000000" pitchFamily="65" charset="-120"/>
+              </a:rPr>
+              <a:t>題一的輸出。</a:t>
+            </a:r>
+            <a:endParaRPr lang="en-US" altLang="zh-TW" sz="2400">
+              <a:latin typeface="Times New Roman" panose="02020603050405020304" pitchFamily="18" charset="0"/>
               <a:ea typeface="標楷體" panose="03000509000000000000" pitchFamily="65" charset="-120"/>
             </a:endParaRPr>
           </a:p>
           <a:p>
-            <a:endParaRPr lang="en-US" altLang="zh-TW" dirty="0">
-              <a:latin typeface="標楷體" panose="03000509000000000000" pitchFamily="65" charset="-120"/>
+            <a:pPr marL="0" indent="0">
+              <a:lnSpc>
+                <a:spcPct val="110000"/>
+              </a:lnSpc>
+              <a:buNone/>
+            </a:pPr>
+            <a:r>
+              <a:rPr lang="zh-TW" altLang="zh-TW" sz="2400" b="1">
+                <a:latin typeface="Times New Roman" panose="02020603050405020304" pitchFamily="18" charset="0"/>
+                <a:ea typeface="標楷體" panose="03000509000000000000" pitchFamily="65" charset="-120"/>
+              </a:rPr>
+              <a:t>輸出說明</a:t>
+            </a:r>
+            <a:r>
+              <a:rPr lang="zh-TW" altLang="en-US" sz="2400" b="1">
+                <a:latin typeface="Times New Roman" panose="02020603050405020304" pitchFamily="18" charset="0"/>
+                <a:ea typeface="標楷體" panose="03000509000000000000" pitchFamily="65" charset="-120"/>
+              </a:rPr>
+              <a:t>：</a:t>
+            </a:r>
+            <a:endParaRPr lang="en-US" altLang="zh-TW" sz="2400" b="1">
+              <a:latin typeface="Times New Roman" panose="02020603050405020304" pitchFamily="18" charset="0"/>
               <a:ea typeface="標楷體" panose="03000509000000000000" pitchFamily="65" charset="-120"/>
             </a:endParaRPr>
           </a:p>
           <a:p>
-            <a:endParaRPr lang="en-US" altLang="zh-TW" dirty="0">
-              <a:latin typeface="標楷體" panose="03000509000000000000" pitchFamily="65" charset="-120"/>
+            <a:pPr marL="0" indent="0">
+              <a:buNone/>
+            </a:pPr>
+            <a:r>
+              <a:rPr lang="zh-TW" altLang="en-US" sz="2400">
+                <a:latin typeface="Times New Roman" panose="02020603050405020304" pitchFamily="18" charset="0"/>
+                <a:ea typeface="標楷體" panose="03000509000000000000" pitchFamily="65" charset="-120"/>
+              </a:rPr>
+              <a:t>輸出名單符合以下規則。</a:t>
+            </a:r>
+            <a:endParaRPr lang="en-US" altLang="zh-TW" sz="2400">
+              <a:latin typeface="Times New Roman" panose="02020603050405020304" pitchFamily="18" charset="0"/>
               <a:ea typeface="標楷體" panose="03000509000000000000" pitchFamily="65" charset="-120"/>
             </a:endParaRPr>
           </a:p>
           <a:p>
-            <a:r>
-              <a:rPr lang="en-US" altLang="zh-TW" dirty="0">
-                <a:latin typeface="標楷體" panose="03000509000000000000" pitchFamily="65" charset="-120"/>
-                <a:ea typeface="標楷體" panose="03000509000000000000" pitchFamily="65" charset="-120"/>
-                <a:hlinkClick r:id="rId2"/>
-              </a:rPr>
-              <a:t>http://wiki.csie.ncku.edu.tw/acm/course/LIS</a:t>
-            </a:r>
-            <a:endParaRPr lang="en-US" altLang="zh-TW" dirty="0">
-              <a:latin typeface="標楷體" panose="03000509000000000000" pitchFamily="65" charset="-120"/>
+            <a:pPr marL="0" indent="0">
+              <a:buNone/>
+            </a:pPr>
+            <a:r>
+              <a:rPr lang="zh-TW" altLang="en-US" sz="2400">
+                <a:latin typeface="Times New Roman" panose="02020603050405020304" pitchFamily="18" charset="0"/>
+                <a:ea typeface="標楷體" panose="03000509000000000000" pitchFamily="65" charset="-120"/>
+              </a:rPr>
+              <a:t>一，對於名字重複的項目，只保留排序在最前面（最早被輸入）的。</a:t>
+            </a:r>
+            <a:endParaRPr lang="en-US" altLang="zh-TW" sz="2400">
+              <a:latin typeface="Times New Roman" panose="02020603050405020304" pitchFamily="18" charset="0"/>
               <a:ea typeface="標楷體" panose="03000509000000000000" pitchFamily="65" charset="-120"/>
             </a:endParaRPr>
           </a:p>
           <a:p>
-            <a:endParaRPr lang="en-US" altLang="zh-TW" dirty="0">
-              <a:latin typeface="標楷體" panose="03000509000000000000" pitchFamily="65" charset="-120"/>
+            <a:pPr marL="0" indent="0">
+              <a:buNone/>
+            </a:pPr>
+            <a:r>
+              <a:rPr lang="zh-TW" altLang="en-US" sz="2400">
+                <a:latin typeface="Times New Roman" panose="02020603050405020304" pitchFamily="18" charset="0"/>
+                <a:ea typeface="標楷體" panose="03000509000000000000" pitchFamily="65" charset="-120"/>
+              </a:rPr>
+              <a:t>二，以最少的項目刪除量，使名單符合依總價值遞減的排序。</a:t>
+            </a:r>
+            <a:endParaRPr lang="en-US" altLang="zh-TW" sz="2400">
+              <a:latin typeface="Times New Roman" panose="02020603050405020304" pitchFamily="18" charset="0"/>
+              <a:ea typeface="標楷體" panose="03000509000000000000" pitchFamily="65" charset="-120"/>
+            </a:endParaRPr>
+          </a:p>
+          <a:p>
+            <a:pPr marL="0" indent="0">
+              <a:buNone/>
+            </a:pPr>
+            <a:r>
+              <a:rPr lang="zh-TW" altLang="en-US" sz="2400">
+                <a:latin typeface="Times New Roman" panose="02020603050405020304" pitchFamily="18" charset="0"/>
+                <a:ea typeface="標楷體" panose="03000509000000000000" pitchFamily="65" charset="-120"/>
+              </a:rPr>
+              <a:t>總價值定義：初始價值總和為第一個物品，從第二個物品依序檢查，當前物品價值大於當前價值總和時累加，小於時減去。</a:t>
+            </a:r>
+            <a:endParaRPr lang="en-US" altLang="zh-TW" sz="2400">
+              <a:latin typeface="Times New Roman" panose="02020603050405020304" pitchFamily="18" charset="0"/>
+              <a:ea typeface="標楷體" panose="03000509000000000000" pitchFamily="65" charset="-120"/>
+            </a:endParaRPr>
+          </a:p>
+          <a:p>
+            <a:pPr marL="0" indent="0">
+              <a:buNone/>
+            </a:pPr>
+            <a:r>
+              <a:rPr lang="zh-TW" altLang="en-US" sz="2400">
+                <a:latin typeface="Times New Roman" panose="02020603050405020304" pitchFamily="18" charset="0"/>
+                <a:ea typeface="標楷體" panose="03000509000000000000" pitchFamily="65" charset="-120"/>
+              </a:rPr>
+              <a:t>首先，輸出新名單的項目數量，並進行一次換行。</a:t>
+            </a:r>
+            <a:endParaRPr lang="en-US" altLang="zh-TW" sz="2400">
+              <a:latin typeface="Times New Roman" panose="02020603050405020304" pitchFamily="18" charset="0"/>
+              <a:ea typeface="標楷體" panose="03000509000000000000" pitchFamily="65" charset="-120"/>
+            </a:endParaRPr>
+          </a:p>
+          <a:p>
+            <a:pPr marL="0" indent="0">
+              <a:buNone/>
+            </a:pPr>
+            <a:r>
+              <a:rPr lang="zh-TW" altLang="en-US" sz="2400">
+                <a:latin typeface="Times New Roman" panose="02020603050405020304" pitchFamily="18" charset="0"/>
+                <a:ea typeface="標楷體" panose="03000509000000000000" pitchFamily="65" charset="-120"/>
+              </a:rPr>
+              <a:t>然後，將其中的名字依序輸出，名字之間以 </a:t>
+            </a:r>
+            <a:r>
+              <a:rPr lang="en-US" altLang="zh-TW" sz="2400">
+                <a:latin typeface="Times New Roman" panose="02020603050405020304" pitchFamily="18" charset="0"/>
+                <a:ea typeface="標楷體" panose="03000509000000000000" pitchFamily="65" charset="-120"/>
+              </a:rPr>
+              <a:t>“</a:t>
+            </a:r>
+            <a:r>
+              <a:rPr lang="en-US" altLang="zh-TW" sz="2400">
+                <a:ea typeface="標楷體" panose="03000509000000000000" pitchFamily="65" charset="-120"/>
+              </a:rPr>
+              <a:t>-&gt;</a:t>
+            </a:r>
+            <a:r>
+              <a:rPr lang="en-US" altLang="zh-TW" sz="2400">
+                <a:latin typeface="Times New Roman" panose="02020603050405020304" pitchFamily="18" charset="0"/>
+                <a:ea typeface="標楷體" panose="03000509000000000000" pitchFamily="65" charset="-120"/>
+              </a:rPr>
+              <a:t>”</a:t>
+            </a:r>
+            <a:r>
+              <a:rPr lang="zh-TW" altLang="en-US" sz="2400">
+                <a:latin typeface="Times New Roman" panose="02020603050405020304" pitchFamily="18" charset="0"/>
+                <a:ea typeface="標楷體" panose="03000509000000000000" pitchFamily="65" charset="-120"/>
+              </a:rPr>
+              <a:t> 相隔。輸出最後接換行。</a:t>
+            </a:r>
+            <a:endParaRPr lang="en-US" altLang="zh-TW" sz="2400">
+              <a:latin typeface="Times New Roman" panose="02020603050405020304" pitchFamily="18" charset="0"/>
+              <a:ea typeface="標楷體" panose="03000509000000000000" pitchFamily="65" charset="-120"/>
+            </a:endParaRPr>
+          </a:p>
+          <a:p>
+            <a:pPr marL="0" indent="0">
+              <a:buNone/>
+            </a:pPr>
+            <a:r>
+              <a:rPr lang="zh-TW" altLang="en-US" sz="2400">
+                <a:latin typeface="Times New Roman" panose="02020603050405020304" pitchFamily="18" charset="0"/>
+                <a:ea typeface="標楷體" panose="03000509000000000000" pitchFamily="65" charset="-120"/>
+              </a:rPr>
+              <a:t>若有多組解，輸出「最小輸入序」的名單序列。</a:t>
+            </a:r>
+            <a:endParaRPr lang="en-US" altLang="zh-TW" sz="2400">
+              <a:latin typeface="Times New Roman" panose="02020603050405020304" pitchFamily="18" charset="0"/>
               <a:ea typeface="標楷體" panose="03000509000000000000" pitchFamily="65" charset="-120"/>
             </a:endParaRPr>
           </a:p>
@@ -7300,7 +8241,7 @@
     </p:spTree>
     <p:extLst>
       <p:ext uri="{BB962C8B-B14F-4D97-AF65-F5344CB8AC3E}">
-        <p14:creationId xmlns:p14="http://schemas.microsoft.com/office/powerpoint/2010/main" val="1609771079"/>
+        <p14:creationId xmlns:p14="http://schemas.microsoft.com/office/powerpoint/2010/main" val="2035731631"/>
       </p:ext>
     </p:extLst>
   </p:cSld>

--- a/HW4 應用程式設計/說明.pptx
+++ b/HW4 應用程式設計/說明.pptx
@@ -5,7 +5,7 @@
     <p:sldMasterId id="2147483820" r:id="rId1"/>
   </p:sldMasterIdLst>
   <p:notesMasterIdLst>
-    <p:notesMasterId r:id="rId20"/>
+    <p:notesMasterId r:id="rId19"/>
   </p:notesMasterIdLst>
   <p:sldIdLst>
     <p:sldId id="256" r:id="rId2"/>
@@ -13,19 +13,18 @@
     <p:sldId id="276" r:id="rId4"/>
     <p:sldId id="270" r:id="rId5"/>
     <p:sldId id="271" r:id="rId6"/>
-    <p:sldId id="258" r:id="rId7"/>
-    <p:sldId id="274" r:id="rId8"/>
+    <p:sldId id="274" r:id="rId7"/>
+    <p:sldId id="258" r:id="rId8"/>
     <p:sldId id="273" r:id="rId9"/>
-    <p:sldId id="272" r:id="rId10"/>
-    <p:sldId id="277" r:id="rId11"/>
-    <p:sldId id="275" r:id="rId12"/>
-    <p:sldId id="262" r:id="rId13"/>
-    <p:sldId id="266" r:id="rId14"/>
-    <p:sldId id="267" r:id="rId15"/>
-    <p:sldId id="259" r:id="rId16"/>
-    <p:sldId id="268" r:id="rId17"/>
-    <p:sldId id="260" r:id="rId18"/>
-    <p:sldId id="264" r:id="rId19"/>
+    <p:sldId id="277" r:id="rId10"/>
+    <p:sldId id="275" r:id="rId11"/>
+    <p:sldId id="262" r:id="rId12"/>
+    <p:sldId id="266" r:id="rId13"/>
+    <p:sldId id="267" r:id="rId14"/>
+    <p:sldId id="259" r:id="rId15"/>
+    <p:sldId id="268" r:id="rId16"/>
+    <p:sldId id="260" r:id="rId17"/>
+    <p:sldId id="264" r:id="rId18"/>
   </p:sldIdLst>
   <p:sldSz cx="12192000" cy="6858000"/>
   <p:notesSz cx="6858000" cy="9144000"/>
@@ -214,7 +213,7 @@
           <a:p>
             <a:fld id="{0F905AE9-AE18-4FB5-ADA5-4B0DD22425D8}" type="datetimeFigureOut">
               <a:rPr lang="zh-TW" altLang="en-US" smtClean="0"/>
-              <a:t>2020/6/20</a:t>
+              <a:t>2020/6/26</a:t>
             </a:fld>
             <a:endParaRPr lang="zh-TW" altLang="en-US"/>
           </a:p>
@@ -628,7 +627,7 @@
           <a:p>
             <a:fld id="{DE8D7116-F120-4742-A733-9D2A495E1622}" type="datetimeFigureOut">
               <a:rPr lang="zh-TW" altLang="en-US" smtClean="0"/>
-              <a:t>2020/6/20</a:t>
+              <a:t>2020/6/26</a:t>
             </a:fld>
             <a:endParaRPr lang="zh-TW" altLang="en-US"/>
           </a:p>
@@ -826,7 +825,7 @@
           <a:p>
             <a:fld id="{DE8D7116-F120-4742-A733-9D2A495E1622}" type="datetimeFigureOut">
               <a:rPr lang="zh-TW" altLang="en-US" smtClean="0"/>
-              <a:t>2020/6/20</a:t>
+              <a:t>2020/6/26</a:t>
             </a:fld>
             <a:endParaRPr lang="zh-TW" altLang="en-US"/>
           </a:p>
@@ -1034,7 +1033,7 @@
           <a:p>
             <a:fld id="{DE8D7116-F120-4742-A733-9D2A495E1622}" type="datetimeFigureOut">
               <a:rPr lang="zh-TW" altLang="en-US" smtClean="0"/>
-              <a:t>2020/6/20</a:t>
+              <a:t>2020/6/26</a:t>
             </a:fld>
             <a:endParaRPr lang="zh-TW" altLang="en-US"/>
           </a:p>
@@ -1232,7 +1231,7 @@
           <a:p>
             <a:fld id="{DE8D7116-F120-4742-A733-9D2A495E1622}" type="datetimeFigureOut">
               <a:rPr lang="zh-TW" altLang="en-US" smtClean="0"/>
-              <a:t>2020/6/20</a:t>
+              <a:t>2020/6/26</a:t>
             </a:fld>
             <a:endParaRPr lang="zh-TW" altLang="en-US"/>
           </a:p>
@@ -1507,7 +1506,7 @@
           <a:p>
             <a:fld id="{DE8D7116-F120-4742-A733-9D2A495E1622}" type="datetimeFigureOut">
               <a:rPr lang="zh-TW" altLang="en-US" smtClean="0"/>
-              <a:t>2020/6/20</a:t>
+              <a:t>2020/6/26</a:t>
             </a:fld>
             <a:endParaRPr lang="zh-TW" altLang="en-US"/>
           </a:p>
@@ -1772,7 +1771,7 @@
           <a:p>
             <a:fld id="{DE8D7116-F120-4742-A733-9D2A495E1622}" type="datetimeFigureOut">
               <a:rPr lang="zh-TW" altLang="en-US" smtClean="0"/>
-              <a:t>2020/6/20</a:t>
+              <a:t>2020/6/26</a:t>
             </a:fld>
             <a:endParaRPr lang="zh-TW" altLang="en-US"/>
           </a:p>
@@ -2189,7 +2188,7 @@
           <a:p>
             <a:fld id="{DE8D7116-F120-4742-A733-9D2A495E1622}" type="datetimeFigureOut">
               <a:rPr lang="zh-TW" altLang="en-US" smtClean="0"/>
-              <a:t>2020/6/20</a:t>
+              <a:t>2020/6/26</a:t>
             </a:fld>
             <a:endParaRPr lang="zh-TW" altLang="en-US"/>
           </a:p>
@@ -2335,7 +2334,7 @@
           <a:p>
             <a:fld id="{DE8D7116-F120-4742-A733-9D2A495E1622}" type="datetimeFigureOut">
               <a:rPr lang="zh-TW" altLang="en-US" smtClean="0"/>
-              <a:t>2020/6/20</a:t>
+              <a:t>2020/6/26</a:t>
             </a:fld>
             <a:endParaRPr lang="zh-TW" altLang="en-US"/>
           </a:p>
@@ -2448,7 +2447,7 @@
           <a:p>
             <a:fld id="{DE8D7116-F120-4742-A733-9D2A495E1622}" type="datetimeFigureOut">
               <a:rPr lang="zh-TW" altLang="en-US" smtClean="0"/>
-              <a:t>2020/6/20</a:t>
+              <a:t>2020/6/26</a:t>
             </a:fld>
             <a:endParaRPr lang="zh-TW" altLang="en-US"/>
           </a:p>
@@ -2759,7 +2758,7 @@
           <a:p>
             <a:fld id="{DE8D7116-F120-4742-A733-9D2A495E1622}" type="datetimeFigureOut">
               <a:rPr lang="zh-TW" altLang="en-US" smtClean="0"/>
-              <a:t>2020/6/20</a:t>
+              <a:t>2020/6/26</a:t>
             </a:fld>
             <a:endParaRPr lang="zh-TW" altLang="en-US"/>
           </a:p>
@@ -3052,7 +3051,7 @@
           <a:p>
             <a:fld id="{DE8D7116-F120-4742-A733-9D2A495E1622}" type="datetimeFigureOut">
               <a:rPr lang="zh-TW" altLang="en-US" smtClean="0"/>
-              <a:t>2020/6/20</a:t>
+              <a:t>2020/6/26</a:t>
             </a:fld>
             <a:endParaRPr lang="zh-TW" altLang="en-US"/>
           </a:p>
@@ -3293,7 +3292,7 @@
           <a:p>
             <a:fld id="{DE8D7116-F120-4742-A733-9D2A495E1622}" type="datetimeFigureOut">
               <a:rPr lang="zh-TW" altLang="en-US" smtClean="0"/>
-              <a:t>2020/6/20</a:t>
+              <a:t>2020/6/26</a:t>
             </a:fld>
             <a:endParaRPr lang="zh-TW" altLang="en-US"/>
           </a:p>
@@ -3948,7 +3947,7 @@
         <p:spPr/>
         <p:txBody>
           <a:bodyPr>
-            <a:normAutofit lnSpcReduction="10000"/>
+            <a:normAutofit fontScale="77500" lnSpcReduction="20000"/>
           </a:bodyPr>
           <a:lstStyle/>
           <a:p>
@@ -3959,37 +3958,12 @@
               <a:buNone/>
             </a:pPr>
             <a:r>
-              <a:rPr lang="zh-TW" altLang="zh-TW" sz="2400" b="1" dirty="0">
-                <a:latin typeface="Times New Roman" panose="02020603050405020304" pitchFamily="18" charset="0"/>
-                <a:ea typeface="標楷體" panose="03000509000000000000" pitchFamily="65" charset="-120"/>
-              </a:rPr>
-              <a:t>輸入</a:t>
-            </a:r>
-            <a:r>
-              <a:rPr lang="zh-TW" altLang="zh-TW" sz="2400" b="1">
-                <a:latin typeface="Times New Roman" panose="02020603050405020304" pitchFamily="18" charset="0"/>
-                <a:ea typeface="標楷體" panose="03000509000000000000" pitchFamily="65" charset="-120"/>
-              </a:rPr>
-              <a:t>說明</a:t>
-            </a:r>
-            <a:r>
-              <a:rPr lang="zh-TW" altLang="en-US" sz="2400" b="1">
-                <a:latin typeface="Times New Roman" panose="02020603050405020304" pitchFamily="18" charset="0"/>
-                <a:ea typeface="標楷體" panose="03000509000000000000" pitchFamily="65" charset="-120"/>
-              </a:rPr>
-              <a:t>：</a:t>
-            </a:r>
-            <a:r>
-              <a:rPr lang="zh-TW" altLang="en-US" sz="2400">
-                <a:latin typeface="Times New Roman" panose="02020603050405020304" pitchFamily="18" charset="0"/>
-                <a:ea typeface="標楷體" panose="03000509000000000000" pitchFamily="65" charset="-120"/>
-              </a:rPr>
-              <a:t>題一的輸出。</a:t>
-            </a:r>
-            <a:endParaRPr lang="en-US" altLang="zh-TW" sz="2400">
-              <a:latin typeface="Times New Roman" panose="02020603050405020304" pitchFamily="18" charset="0"/>
-              <a:ea typeface="標楷體" panose="03000509000000000000" pitchFamily="65" charset="-120"/>
-            </a:endParaRPr>
+              <a:rPr lang="zh-TW" altLang="en-US" b="1">
+                <a:latin typeface="Times New Roman" panose="02020603050405020304" pitchFamily="18" charset="0"/>
+                <a:ea typeface="標楷體" panose="03000509000000000000" pitchFamily="65" charset="-120"/>
+              </a:rPr>
+              <a:t>範例輸入：</a:t>
+            </a:r>
           </a:p>
           <a:p>
             <a:pPr marL="0" indent="0">
@@ -3999,175 +3973,233 @@
               <a:buNone/>
             </a:pPr>
             <a:r>
-              <a:rPr lang="zh-TW" altLang="zh-TW" sz="2400" b="1">
-                <a:latin typeface="Times New Roman" panose="02020603050405020304" pitchFamily="18" charset="0"/>
-                <a:ea typeface="標楷體" panose="03000509000000000000" pitchFamily="65" charset="-120"/>
-              </a:rPr>
-              <a:t>輸出說明</a:t>
-            </a:r>
-            <a:r>
-              <a:rPr lang="zh-TW" altLang="en-US" sz="2400" b="1">
-                <a:latin typeface="Times New Roman" panose="02020603050405020304" pitchFamily="18" charset="0"/>
-                <a:ea typeface="標楷體" panose="03000509000000000000" pitchFamily="65" charset="-120"/>
-              </a:rPr>
-              <a:t>：</a:t>
-            </a:r>
-            <a:endParaRPr lang="en-US" altLang="zh-TW" sz="2400" b="1">
+              <a:rPr lang="en-US" altLang="zh-TW">
+                <a:latin typeface="Times New Roman" panose="02020603050405020304" pitchFamily="18" charset="0"/>
+                <a:ea typeface="標楷體" panose="03000509000000000000" pitchFamily="65" charset="-120"/>
+              </a:rPr>
+              <a:t>KinGboB 105 215 20 30 10 // </a:t>
+            </a:r>
+            <a:r>
+              <a:rPr lang="zh-TW" altLang="en-US">
+                <a:latin typeface="Times New Roman" panose="02020603050405020304" pitchFamily="18" charset="0"/>
+                <a:ea typeface="標楷體" panose="03000509000000000000" pitchFamily="65" charset="-120"/>
+              </a:rPr>
+              <a:t>總價值</a:t>
+            </a:r>
+            <a:r>
+              <a:rPr lang="en-US" altLang="zh-TW">
+                <a:latin typeface="Times New Roman" panose="02020603050405020304" pitchFamily="18" charset="0"/>
+                <a:ea typeface="標楷體" panose="03000509000000000000" pitchFamily="65" charset="-120"/>
+              </a:rPr>
+              <a:t>: 105+215-20-30-10=260</a:t>
+            </a:r>
+          </a:p>
+          <a:p>
+            <a:pPr marL="0" indent="0">
+              <a:lnSpc>
+                <a:spcPct val="110000"/>
+              </a:lnSpc>
+              <a:buNone/>
+            </a:pPr>
+            <a:r>
+              <a:rPr lang="en-US" altLang="zh-TW">
+                <a:latin typeface="Times New Roman" panose="02020603050405020304" pitchFamily="18" charset="0"/>
+                <a:ea typeface="標楷體" panose="03000509000000000000" pitchFamily="65" charset="-120"/>
+              </a:rPr>
+              <a:t>KinGboB 99 88 66 4599 787 // </a:t>
+            </a:r>
+            <a:r>
+              <a:rPr lang="zh-TW" altLang="en-US">
+                <a:latin typeface="Times New Roman" panose="02020603050405020304" pitchFamily="18" charset="0"/>
+                <a:ea typeface="標楷體" panose="03000509000000000000" pitchFamily="65" charset="-120"/>
+              </a:rPr>
+              <a:t>這行不考慮，名字跟前一個一樣</a:t>
+            </a:r>
+          </a:p>
+          <a:p>
+            <a:pPr marL="0" indent="0">
+              <a:lnSpc>
+                <a:spcPct val="110000"/>
+              </a:lnSpc>
+              <a:buNone/>
+            </a:pPr>
+            <a:r>
+              <a:rPr lang="en-US" altLang="zh-TW">
+                <a:latin typeface="Times New Roman" panose="02020603050405020304" pitchFamily="18" charset="0"/>
+                <a:ea typeface="標楷體" panose="03000509000000000000" pitchFamily="65" charset="-120"/>
+              </a:rPr>
+              <a:t>Louis 777 999999 55 2 88 // </a:t>
+            </a:r>
+            <a:r>
+              <a:rPr lang="zh-TW" altLang="en-US">
+                <a:latin typeface="Times New Roman" panose="02020603050405020304" pitchFamily="18" charset="0"/>
+                <a:ea typeface="標楷體" panose="03000509000000000000" pitchFamily="65" charset="-120"/>
+              </a:rPr>
+              <a:t>總價值</a:t>
+            </a:r>
+            <a:r>
+              <a:rPr lang="en-US" altLang="zh-TW">
+                <a:latin typeface="Times New Roman" panose="02020603050405020304" pitchFamily="18" charset="0"/>
+                <a:ea typeface="標楷體" panose="03000509000000000000" pitchFamily="65" charset="-120"/>
+              </a:rPr>
+              <a:t>: 777+999999-55-2-88=1000631</a:t>
+            </a:r>
+          </a:p>
+          <a:p>
+            <a:pPr marL="0" indent="0">
+              <a:lnSpc>
+                <a:spcPct val="110000"/>
+              </a:lnSpc>
+              <a:buNone/>
+            </a:pPr>
+            <a:r>
+              <a:rPr lang="en-US" altLang="zh-TW">
+                <a:latin typeface="Times New Roman" panose="02020603050405020304" pitchFamily="18" charset="0"/>
+                <a:ea typeface="標楷體" panose="03000509000000000000" pitchFamily="65" charset="-120"/>
+              </a:rPr>
+              <a:t>God 1 23 20 5 10 // </a:t>
+            </a:r>
+            <a:r>
+              <a:rPr lang="zh-TW" altLang="en-US">
+                <a:latin typeface="Times New Roman" panose="02020603050405020304" pitchFamily="18" charset="0"/>
+                <a:ea typeface="標楷體" panose="03000509000000000000" pitchFamily="65" charset="-120"/>
+              </a:rPr>
+              <a:t>總價值</a:t>
+            </a:r>
+            <a:r>
+              <a:rPr lang="en-US" altLang="zh-TW">
+                <a:latin typeface="Times New Roman" panose="02020603050405020304" pitchFamily="18" charset="0"/>
+                <a:ea typeface="標楷體" panose="03000509000000000000" pitchFamily="65" charset="-120"/>
+              </a:rPr>
+              <a:t>: 1+23-20+5+10=19</a:t>
+            </a:r>
+          </a:p>
+          <a:p>
+            <a:pPr marL="0" indent="0">
+              <a:lnSpc>
+                <a:spcPct val="110000"/>
+              </a:lnSpc>
+              <a:buNone/>
+            </a:pPr>
+            <a:r>
+              <a:rPr lang="en-US" altLang="zh-TW">
+                <a:latin typeface="Times New Roman" panose="02020603050405020304" pitchFamily="18" charset="0"/>
+                <a:ea typeface="標楷體" panose="03000509000000000000" pitchFamily="65" charset="-120"/>
+              </a:rPr>
+              <a:t>0 0</a:t>
+            </a:r>
+          </a:p>
+          <a:p>
+            <a:pPr marL="0" indent="0">
+              <a:lnSpc>
+                <a:spcPct val="110000"/>
+              </a:lnSpc>
+              <a:buNone/>
+            </a:pPr>
+            <a:r>
+              <a:rPr lang="zh-TW" altLang="en-US" b="1">
+                <a:latin typeface="Times New Roman" panose="02020603050405020304" pitchFamily="18" charset="0"/>
+                <a:ea typeface="標楷體" panose="03000509000000000000" pitchFamily="65" charset="-120"/>
+              </a:rPr>
+              <a:t>範例輸出：</a:t>
+            </a:r>
+          </a:p>
+          <a:p>
+            <a:pPr marL="0" indent="0">
+              <a:lnSpc>
+                <a:spcPct val="110000"/>
+              </a:lnSpc>
+              <a:buNone/>
+            </a:pPr>
+            <a:r>
+              <a:rPr lang="en-US" altLang="zh-TW">
+                <a:latin typeface="Times New Roman" panose="02020603050405020304" pitchFamily="18" charset="0"/>
+                <a:ea typeface="標楷體" panose="03000509000000000000" pitchFamily="65" charset="-120"/>
+              </a:rPr>
+              <a:t>2 // </a:t>
+            </a:r>
+            <a:r>
+              <a:rPr lang="zh-TW" altLang="en-US">
+                <a:latin typeface="Times New Roman" panose="02020603050405020304" pitchFamily="18" charset="0"/>
+                <a:ea typeface="標楷體" panose="03000509000000000000" pitchFamily="65" charset="-120"/>
+              </a:rPr>
+              <a:t>名單剩餘</a:t>
+            </a:r>
+            <a:r>
+              <a:rPr lang="en-US" altLang="zh-TW">
+                <a:latin typeface="Times New Roman" panose="02020603050405020304" pitchFamily="18" charset="0"/>
+                <a:ea typeface="標楷體" panose="03000509000000000000" pitchFamily="65" charset="-120"/>
+              </a:rPr>
+              <a:t>2</a:t>
+            </a:r>
+            <a:r>
+              <a:rPr lang="zh-TW" altLang="en-US">
+                <a:latin typeface="Times New Roman" panose="02020603050405020304" pitchFamily="18" charset="0"/>
+                <a:ea typeface="標楷體" panose="03000509000000000000" pitchFamily="65" charset="-120"/>
+              </a:rPr>
+              <a:t>個</a:t>
+            </a:r>
+          </a:p>
+          <a:p>
+            <a:pPr marL="0" indent="0">
+              <a:lnSpc>
+                <a:spcPct val="110000"/>
+              </a:lnSpc>
+              <a:buNone/>
+            </a:pPr>
+            <a:r>
+              <a:rPr lang="en-US" altLang="zh-TW">
+                <a:latin typeface="Times New Roman" panose="02020603050405020304" pitchFamily="18" charset="0"/>
+                <a:ea typeface="標楷體" panose="03000509000000000000" pitchFamily="65" charset="-120"/>
+              </a:rPr>
+              <a:t>KinGboB-&gt;God // </a:t>
+            </a:r>
+            <a:r>
+              <a:rPr lang="zh-TW" altLang="en-US">
+                <a:latin typeface="Times New Roman" panose="02020603050405020304" pitchFamily="18" charset="0"/>
+                <a:ea typeface="標楷體" panose="03000509000000000000" pitchFamily="65" charset="-120"/>
+              </a:rPr>
+              <a:t>因為</a:t>
+            </a:r>
+            <a:r>
+              <a:rPr lang="en-US" altLang="zh-TW">
+                <a:latin typeface="Times New Roman" panose="02020603050405020304" pitchFamily="18" charset="0"/>
+                <a:ea typeface="標楷體" panose="03000509000000000000" pitchFamily="65" charset="-120"/>
+              </a:rPr>
+              <a:t>KinGboB</a:t>
+            </a:r>
+            <a:r>
+              <a:rPr lang="zh-TW" altLang="en-US">
+                <a:latin typeface="Times New Roman" panose="02020603050405020304" pitchFamily="18" charset="0"/>
+                <a:ea typeface="標楷體" panose="03000509000000000000" pitchFamily="65" charset="-120"/>
+              </a:rPr>
+              <a:t>的福袋比</a:t>
+            </a:r>
+            <a:r>
+              <a:rPr lang="en-US" altLang="zh-TW">
+                <a:latin typeface="Times New Roman" panose="02020603050405020304" pitchFamily="18" charset="0"/>
+                <a:ea typeface="標楷體" panose="03000509000000000000" pitchFamily="65" charset="-120"/>
+              </a:rPr>
+              <a:t>God</a:t>
+            </a:r>
+            <a:r>
+              <a:rPr lang="zh-TW" altLang="en-US">
+                <a:latin typeface="Times New Roman" panose="02020603050405020304" pitchFamily="18" charset="0"/>
+                <a:ea typeface="標楷體" panose="03000509000000000000" pitchFamily="65" charset="-120"/>
+              </a:rPr>
+              <a:t>的福袋總價值還要大，而且也是輸入順序最小的解</a:t>
+            </a:r>
+            <a:endParaRPr lang="zh-TW" altLang="en-US" dirty="0">
               <a:latin typeface="Times New Roman" panose="02020603050405020304" pitchFamily="18" charset="0"/>
               <a:ea typeface="標楷體" panose="03000509000000000000" pitchFamily="65" charset="-120"/>
             </a:endParaRPr>
           </a:p>
-          <a:p>
-            <a:pPr marL="0" indent="0">
-              <a:buNone/>
-            </a:pPr>
-            <a:r>
-              <a:rPr lang="zh-TW" altLang="en-US" sz="2400">
-                <a:latin typeface="Times New Roman" panose="02020603050405020304" pitchFamily="18" charset="0"/>
-                <a:ea typeface="標楷體" panose="03000509000000000000" pitchFamily="65" charset="-120"/>
-              </a:rPr>
-              <a:t>輸出名單符合以下規則。</a:t>
-            </a:r>
-            <a:endParaRPr lang="en-US" altLang="zh-TW" sz="2400">
-              <a:latin typeface="Times New Roman" panose="02020603050405020304" pitchFamily="18" charset="0"/>
-              <a:ea typeface="標楷體" panose="03000509000000000000" pitchFamily="65" charset="-120"/>
-            </a:endParaRPr>
-          </a:p>
-          <a:p>
-            <a:pPr marL="0" indent="0">
-              <a:buNone/>
-            </a:pPr>
-            <a:r>
-              <a:rPr lang="zh-TW" altLang="en-US" sz="2400">
-                <a:latin typeface="Times New Roman" panose="02020603050405020304" pitchFamily="18" charset="0"/>
-                <a:ea typeface="標楷體" panose="03000509000000000000" pitchFamily="65" charset="-120"/>
-              </a:rPr>
-              <a:t>一，對於名字重複的項目，只保留排序在最前面（最早被輸入）的。</a:t>
-            </a:r>
-            <a:endParaRPr lang="en-US" altLang="zh-TW" sz="2400">
-              <a:latin typeface="Times New Roman" panose="02020603050405020304" pitchFamily="18" charset="0"/>
-              <a:ea typeface="標楷體" panose="03000509000000000000" pitchFamily="65" charset="-120"/>
-            </a:endParaRPr>
-          </a:p>
-          <a:p>
-            <a:pPr marL="0" indent="0">
-              <a:buNone/>
-            </a:pPr>
-            <a:r>
-              <a:rPr lang="zh-TW" altLang="en-US" sz="2400">
-                <a:latin typeface="Times New Roman" panose="02020603050405020304" pitchFamily="18" charset="0"/>
-                <a:ea typeface="標楷體" panose="03000509000000000000" pitchFamily="65" charset="-120"/>
-              </a:rPr>
-              <a:t>二，以最少的項目刪除量，使名單符合依總價值遞減的排序。</a:t>
-            </a:r>
-            <a:endParaRPr lang="en-US" altLang="zh-TW" sz="2400">
-              <a:latin typeface="Times New Roman" panose="02020603050405020304" pitchFamily="18" charset="0"/>
-              <a:ea typeface="標楷體" panose="03000509000000000000" pitchFamily="65" charset="-120"/>
-            </a:endParaRPr>
-          </a:p>
-          <a:p>
-            <a:pPr marL="0" indent="0">
-              <a:buNone/>
-            </a:pPr>
-            <a:r>
-              <a:rPr lang="zh-TW" altLang="en-US" sz="2400" b="1">
-                <a:solidFill>
-                  <a:srgbClr val="FF0000"/>
-                </a:solidFill>
-                <a:latin typeface="Times New Roman" panose="02020603050405020304" pitchFamily="18" charset="0"/>
-                <a:ea typeface="標楷體" panose="03000509000000000000" pitchFamily="65" charset="-120"/>
-              </a:rPr>
-              <a:t>總價值定義：初始價值總和為第一個物品，從第二個物品依序檢查，當前物品價值大於當前價值總和時累加，小於時減去。</a:t>
-            </a:r>
-            <a:endParaRPr lang="en-US" altLang="zh-TW" sz="2400" b="1">
-              <a:solidFill>
-                <a:srgbClr val="FF0000"/>
-              </a:solidFill>
-              <a:latin typeface="Times New Roman" panose="02020603050405020304" pitchFamily="18" charset="0"/>
-              <a:ea typeface="標楷體" panose="03000509000000000000" pitchFamily="65" charset="-120"/>
-            </a:endParaRPr>
-          </a:p>
-          <a:p>
-            <a:pPr marL="0" indent="0">
-              <a:buNone/>
-            </a:pPr>
-            <a:r>
-              <a:rPr lang="zh-TW" altLang="en-US" sz="2400">
-                <a:latin typeface="Times New Roman" panose="02020603050405020304" pitchFamily="18" charset="0"/>
-                <a:ea typeface="標楷體" panose="03000509000000000000" pitchFamily="65" charset="-120"/>
-              </a:rPr>
-              <a:t>首先，輸出新名單的項目數量，並進行一次換行。</a:t>
-            </a:r>
-            <a:endParaRPr lang="en-US" altLang="zh-TW" sz="2400">
-              <a:latin typeface="Times New Roman" panose="02020603050405020304" pitchFamily="18" charset="0"/>
-              <a:ea typeface="標楷體" panose="03000509000000000000" pitchFamily="65" charset="-120"/>
-            </a:endParaRPr>
-          </a:p>
-          <a:p>
-            <a:pPr marL="0" indent="0">
-              <a:buNone/>
-            </a:pPr>
-            <a:r>
-              <a:rPr lang="zh-TW" altLang="en-US" sz="2400">
-                <a:latin typeface="Times New Roman" panose="02020603050405020304" pitchFamily="18" charset="0"/>
-                <a:ea typeface="標楷體" panose="03000509000000000000" pitchFamily="65" charset="-120"/>
-              </a:rPr>
-              <a:t>然後，將其中的名字依序輸出，名字之間以 </a:t>
-            </a:r>
-            <a:r>
-              <a:rPr lang="en-US" altLang="zh-TW" sz="2400">
-                <a:latin typeface="Times New Roman" panose="02020603050405020304" pitchFamily="18" charset="0"/>
-                <a:ea typeface="標楷體" panose="03000509000000000000" pitchFamily="65" charset="-120"/>
-              </a:rPr>
-              <a:t>“</a:t>
-            </a:r>
-            <a:r>
-              <a:rPr lang="en-US" altLang="zh-TW" sz="2400">
-                <a:ea typeface="標楷體" panose="03000509000000000000" pitchFamily="65" charset="-120"/>
-              </a:rPr>
-              <a:t>-&gt;</a:t>
-            </a:r>
-            <a:r>
-              <a:rPr lang="en-US" altLang="zh-TW" sz="2400">
-                <a:latin typeface="Times New Roman" panose="02020603050405020304" pitchFamily="18" charset="0"/>
-                <a:ea typeface="標楷體" panose="03000509000000000000" pitchFamily="65" charset="-120"/>
-              </a:rPr>
-              <a:t>”</a:t>
-            </a:r>
-            <a:r>
-              <a:rPr lang="zh-TW" altLang="en-US" sz="2400">
-                <a:latin typeface="Times New Roman" panose="02020603050405020304" pitchFamily="18" charset="0"/>
-                <a:ea typeface="標楷體" panose="03000509000000000000" pitchFamily="65" charset="-120"/>
-              </a:rPr>
-              <a:t> 相隔。輸出最後接換行。</a:t>
-            </a:r>
-            <a:endParaRPr lang="en-US" altLang="zh-TW" sz="2400">
-              <a:latin typeface="Times New Roman" panose="02020603050405020304" pitchFamily="18" charset="0"/>
-              <a:ea typeface="標楷體" panose="03000509000000000000" pitchFamily="65" charset="-120"/>
-            </a:endParaRPr>
-          </a:p>
-          <a:p>
-            <a:pPr marL="0" indent="0">
-              <a:buNone/>
-            </a:pPr>
-            <a:r>
-              <a:rPr lang="zh-TW" altLang="en-US" sz="2400">
-                <a:latin typeface="Times New Roman" panose="02020603050405020304" pitchFamily="18" charset="0"/>
-                <a:ea typeface="標楷體" panose="03000509000000000000" pitchFamily="65" charset="-120"/>
-              </a:rPr>
-              <a:t>若有多組解，輸出「最小輸入序」的名單序列。</a:t>
-            </a:r>
-            <a:endParaRPr lang="en-US" altLang="zh-TW" sz="2400">
-              <a:latin typeface="Times New Roman" panose="02020603050405020304" pitchFamily="18" charset="0"/>
-              <a:ea typeface="標楷體" panose="03000509000000000000" pitchFamily="65" charset="-120"/>
-            </a:endParaRPr>
-          </a:p>
         </p:txBody>
       </p:sp>
     </p:spTree>
     <p:extLst>
       <p:ext uri="{BB962C8B-B14F-4D97-AF65-F5344CB8AC3E}">
-        <p14:creationId xmlns:p14="http://schemas.microsoft.com/office/powerpoint/2010/main" val="1713517947"/>
+        <p14:creationId xmlns:p14="http://schemas.microsoft.com/office/powerpoint/2010/main" val="514705942"/>
       </p:ext>
     </p:extLst>
   </p:cSld>
@@ -4196,13 +4228,7 @@
       </p:grpSpPr>
       <p:sp>
         <p:nvSpPr>
-          <p:cNvPr id="2" name="標題 1">
-            <a:extLst>
-              <a:ext uri="{FF2B5EF4-FFF2-40B4-BE49-F238E27FC236}">
-                <a16:creationId xmlns:a16="http://schemas.microsoft.com/office/drawing/2014/main" id="{4457B8C9-56BD-4589-B5A8-9B5476310C0B}"/>
-              </a:ext>
-            </a:extLst>
-          </p:cNvPr>
+          <p:cNvPr id="2" name="標題 1"/>
           <p:cNvSpPr>
             <a:spLocks noGrp="1"/>
           </p:cNvSpPr>
@@ -4216,292 +4242,115 @@
           <a:lstStyle/>
           <a:p>
             <a:r>
-              <a:rPr lang="zh-TW" altLang="en-US"/>
-              <a:t>輸入 </a:t>
-            </a:r>
-            <a:r>
-              <a:rPr lang="en-US" altLang="zh-TW"/>
-              <a:t>/</a:t>
-            </a:r>
-            <a:r>
-              <a:rPr lang="zh-TW" altLang="en-US"/>
-              <a:t> 輸出說明－－題二［問題本體］</a:t>
-            </a:r>
-          </a:p>
-        </p:txBody>
-      </p:sp>
-      <p:sp>
-        <p:nvSpPr>
-          <p:cNvPr id="3" name="內容版面配置區 2">
-            <a:extLst>
-              <a:ext uri="{FF2B5EF4-FFF2-40B4-BE49-F238E27FC236}">
-                <a16:creationId xmlns:a16="http://schemas.microsoft.com/office/drawing/2014/main" id="{7A70C0EA-8BC2-4985-94E5-8B21E13625E4}"/>
-              </a:ext>
-            </a:extLst>
-          </p:cNvPr>
-          <p:cNvSpPr>
-            <a:spLocks noGrp="1"/>
-          </p:cNvSpPr>
-          <p:nvPr>
-            <p:ph idx="1"/>
-          </p:nvPr>
-        </p:nvSpPr>
-        <p:spPr/>
+              <a:rPr lang="zh-TW" altLang="en-US" dirty="0"/>
+              <a:t>解題想法</a:t>
+            </a:r>
+          </a:p>
+        </p:txBody>
+      </p:sp>
+      <p:sp>
+        <p:nvSpPr>
+          <p:cNvPr id="3" name="內容版面配置區 2"/>
+          <p:cNvSpPr>
+            <a:spLocks noGrp="1"/>
+          </p:cNvSpPr>
+          <p:nvPr>
+            <p:ph sz="half" idx="1"/>
+          </p:nvPr>
+        </p:nvSpPr>
+        <p:spPr>
+          <a:xfrm>
+            <a:off x="838200" y="1825625"/>
+            <a:ext cx="10378440" cy="4351338"/>
+          </a:xfrm>
+        </p:spPr>
         <p:txBody>
           <a:bodyPr>
-            <a:normAutofit fontScale="77500" lnSpcReduction="20000"/>
+            <a:normAutofit/>
           </a:bodyPr>
           <a:lstStyle/>
+          <a:p>
+            <a:pPr>
+              <a:lnSpc>
+                <a:spcPct val="100000"/>
+              </a:lnSpc>
+            </a:pPr>
+            <a:r>
+              <a:rPr lang="zh-TW" altLang="en-US" dirty="0">
+                <a:latin typeface="Times New Roman" panose="02020603050405020304" pitchFamily="18" charset="0"/>
+                <a:ea typeface="標楷體" panose="03000509000000000000" pitchFamily="65" charset="-120"/>
+              </a:rPr>
+              <a:t>暴力法</a:t>
+            </a:r>
+            <a:r>
+              <a:rPr lang="en-US" altLang="zh-TW" dirty="0">
+                <a:latin typeface="Times New Roman" panose="02020603050405020304" pitchFamily="18" charset="0"/>
+                <a:ea typeface="標楷體" panose="03000509000000000000" pitchFamily="65" charset="-120"/>
+              </a:rPr>
+              <a:t>:</a:t>
+            </a:r>
+            <a:r>
+              <a:rPr lang="zh-TW" altLang="en-US" dirty="0">
+                <a:latin typeface="Times New Roman" panose="02020603050405020304" pitchFamily="18" charset="0"/>
+                <a:ea typeface="標楷體" panose="03000509000000000000" pitchFamily="65" charset="-120"/>
+              </a:rPr>
+              <a:t> </a:t>
+            </a:r>
+            <a:r>
+              <a:rPr lang="en-US" altLang="zh-TW" dirty="0">
+                <a:latin typeface="Times New Roman" panose="02020603050405020304" pitchFamily="18" charset="0"/>
+                <a:ea typeface="標楷體" panose="03000509000000000000" pitchFamily="65" charset="-120"/>
+              </a:rPr>
+              <a:t>2^N</a:t>
+            </a:r>
+          </a:p>
           <a:p>
             <a:pPr marL="0" indent="0">
               <a:lnSpc>
-                <a:spcPct val="110000"/>
+                <a:spcPct val="100000"/>
               </a:lnSpc>
               <a:buNone/>
             </a:pPr>
-            <a:r>
-              <a:rPr lang="zh-TW" altLang="en-US" b="1">
-                <a:latin typeface="Times New Roman" panose="02020603050405020304" pitchFamily="18" charset="0"/>
-                <a:ea typeface="標楷體" panose="03000509000000000000" pitchFamily="65" charset="-120"/>
-              </a:rPr>
-              <a:t>範例輸入：</a:t>
-            </a:r>
-          </a:p>
-          <a:p>
-            <a:pPr marL="0" indent="0">
-              <a:lnSpc>
-                <a:spcPct val="110000"/>
-              </a:lnSpc>
-              <a:buNone/>
-            </a:pPr>
-            <a:r>
-              <a:rPr lang="en-US" altLang="zh-TW">
-                <a:latin typeface="Times New Roman" panose="02020603050405020304" pitchFamily="18" charset="0"/>
-                <a:ea typeface="標楷體" panose="03000509000000000000" pitchFamily="65" charset="-120"/>
-              </a:rPr>
-              <a:t>KinGboB 105 215 20 30 10 // </a:t>
-            </a:r>
-            <a:r>
-              <a:rPr lang="zh-TW" altLang="en-US">
-                <a:latin typeface="Times New Roman" panose="02020603050405020304" pitchFamily="18" charset="0"/>
-                <a:ea typeface="標楷體" panose="03000509000000000000" pitchFamily="65" charset="-120"/>
-              </a:rPr>
-              <a:t>總價值</a:t>
-            </a:r>
-            <a:r>
-              <a:rPr lang="en-US" altLang="zh-TW">
-                <a:latin typeface="Times New Roman" panose="02020603050405020304" pitchFamily="18" charset="0"/>
-                <a:ea typeface="標楷體" panose="03000509000000000000" pitchFamily="65" charset="-120"/>
-              </a:rPr>
-              <a:t>: 105+215-20-30-10=260</a:t>
-            </a:r>
-          </a:p>
-          <a:p>
-            <a:pPr marL="0" indent="0">
-              <a:lnSpc>
-                <a:spcPct val="110000"/>
-              </a:lnSpc>
-              <a:buNone/>
-            </a:pPr>
-            <a:r>
-              <a:rPr lang="en-US" altLang="zh-TW">
-                <a:latin typeface="Times New Roman" panose="02020603050405020304" pitchFamily="18" charset="0"/>
-                <a:ea typeface="標楷體" panose="03000509000000000000" pitchFamily="65" charset="-120"/>
-              </a:rPr>
-              <a:t>KinGboB 99 88 66 4599 787 // </a:t>
-            </a:r>
-            <a:r>
-              <a:rPr lang="zh-TW" altLang="en-US">
-                <a:latin typeface="Times New Roman" panose="02020603050405020304" pitchFamily="18" charset="0"/>
-                <a:ea typeface="標楷體" panose="03000509000000000000" pitchFamily="65" charset="-120"/>
-              </a:rPr>
-              <a:t>這行不考慮，名字跟前一個一樣</a:t>
-            </a:r>
-          </a:p>
-          <a:p>
-            <a:pPr marL="0" indent="0">
-              <a:lnSpc>
-                <a:spcPct val="110000"/>
-              </a:lnSpc>
-              <a:buNone/>
-            </a:pPr>
-            <a:r>
-              <a:rPr lang="en-US" altLang="zh-TW">
-                <a:latin typeface="Times New Roman" panose="02020603050405020304" pitchFamily="18" charset="0"/>
-                <a:ea typeface="標楷體" panose="03000509000000000000" pitchFamily="65" charset="-120"/>
-              </a:rPr>
-              <a:t>Louis 777 999999 55 2 88 // </a:t>
-            </a:r>
-            <a:r>
-              <a:rPr lang="zh-TW" altLang="en-US">
-                <a:latin typeface="Times New Roman" panose="02020603050405020304" pitchFamily="18" charset="0"/>
-                <a:ea typeface="標楷體" panose="03000509000000000000" pitchFamily="65" charset="-120"/>
-              </a:rPr>
-              <a:t>總價值</a:t>
-            </a:r>
-            <a:r>
-              <a:rPr lang="en-US" altLang="zh-TW">
-                <a:latin typeface="Times New Roman" panose="02020603050405020304" pitchFamily="18" charset="0"/>
-                <a:ea typeface="標楷體" panose="03000509000000000000" pitchFamily="65" charset="-120"/>
-              </a:rPr>
-              <a:t>: 777+999999-55-2-88=1000631</a:t>
-            </a:r>
-          </a:p>
-          <a:p>
-            <a:pPr marL="0" indent="0">
-              <a:lnSpc>
-                <a:spcPct val="110000"/>
-              </a:lnSpc>
-              <a:buNone/>
-            </a:pPr>
-            <a:r>
-              <a:rPr lang="en-US" altLang="zh-TW">
-                <a:latin typeface="Times New Roman" panose="02020603050405020304" pitchFamily="18" charset="0"/>
-                <a:ea typeface="標楷體" panose="03000509000000000000" pitchFamily="65" charset="-120"/>
-              </a:rPr>
-              <a:t>God 1 23 20 5 10 // </a:t>
-            </a:r>
-            <a:r>
-              <a:rPr lang="zh-TW" altLang="en-US">
-                <a:latin typeface="Times New Roman" panose="02020603050405020304" pitchFamily="18" charset="0"/>
-                <a:ea typeface="標楷體" panose="03000509000000000000" pitchFamily="65" charset="-120"/>
-              </a:rPr>
-              <a:t>總價值</a:t>
-            </a:r>
-            <a:r>
-              <a:rPr lang="en-US" altLang="zh-TW">
-                <a:latin typeface="Times New Roman" panose="02020603050405020304" pitchFamily="18" charset="0"/>
-                <a:ea typeface="標楷體" panose="03000509000000000000" pitchFamily="65" charset="-120"/>
-              </a:rPr>
-              <a:t>: 1+23-20+5+10=19</a:t>
-            </a:r>
-          </a:p>
-          <a:p>
-            <a:pPr marL="0" indent="0">
-              <a:lnSpc>
-                <a:spcPct val="110000"/>
-              </a:lnSpc>
-              <a:buNone/>
-            </a:pPr>
-            <a:r>
-              <a:rPr lang="en-US" altLang="zh-TW">
-                <a:latin typeface="Times New Roman" panose="02020603050405020304" pitchFamily="18" charset="0"/>
-                <a:ea typeface="標楷體" panose="03000509000000000000" pitchFamily="65" charset="-120"/>
-              </a:rPr>
-              <a:t>0 0</a:t>
-            </a:r>
-          </a:p>
-          <a:p>
-            <a:pPr marL="0" indent="0">
-              <a:lnSpc>
-                <a:spcPct val="110000"/>
-              </a:lnSpc>
-              <a:buNone/>
-            </a:pPr>
-            <a:r>
-              <a:rPr lang="zh-TW" altLang="en-US" b="1">
-                <a:latin typeface="Times New Roman" panose="02020603050405020304" pitchFamily="18" charset="0"/>
-                <a:ea typeface="標楷體" panose="03000509000000000000" pitchFamily="65" charset="-120"/>
-              </a:rPr>
-              <a:t>範例輸出：</a:t>
-            </a:r>
-          </a:p>
-          <a:p>
-            <a:pPr marL="0" indent="0">
-              <a:lnSpc>
-                <a:spcPct val="110000"/>
-              </a:lnSpc>
-              <a:buNone/>
-            </a:pPr>
-            <a:r>
-              <a:rPr lang="en-US" altLang="zh-TW">
-                <a:latin typeface="Times New Roman" panose="02020603050405020304" pitchFamily="18" charset="0"/>
-                <a:ea typeface="標楷體" panose="03000509000000000000" pitchFamily="65" charset="-120"/>
-              </a:rPr>
-              <a:t>2 // </a:t>
-            </a:r>
-            <a:r>
-              <a:rPr lang="zh-TW" altLang="en-US">
-                <a:latin typeface="Times New Roman" panose="02020603050405020304" pitchFamily="18" charset="0"/>
-                <a:ea typeface="標楷體" panose="03000509000000000000" pitchFamily="65" charset="-120"/>
-              </a:rPr>
-              <a:t>名單剩餘</a:t>
-            </a:r>
-            <a:r>
-              <a:rPr lang="en-US" altLang="zh-TW">
-                <a:latin typeface="Times New Roman" panose="02020603050405020304" pitchFamily="18" charset="0"/>
-                <a:ea typeface="標楷體" panose="03000509000000000000" pitchFamily="65" charset="-120"/>
-              </a:rPr>
-              <a:t>2</a:t>
-            </a:r>
-            <a:r>
-              <a:rPr lang="zh-TW" altLang="en-US">
-                <a:latin typeface="Times New Roman" panose="02020603050405020304" pitchFamily="18" charset="0"/>
-                <a:ea typeface="標楷體" panose="03000509000000000000" pitchFamily="65" charset="-120"/>
-              </a:rPr>
-              <a:t>個</a:t>
-            </a:r>
-          </a:p>
-          <a:p>
-            <a:pPr marL="0" indent="0">
-              <a:lnSpc>
-                <a:spcPct val="110000"/>
-              </a:lnSpc>
-              <a:buNone/>
-            </a:pPr>
-            <a:r>
-              <a:rPr lang="en-US" altLang="zh-TW">
-                <a:latin typeface="Times New Roman" panose="02020603050405020304" pitchFamily="18" charset="0"/>
-                <a:ea typeface="標楷體" panose="03000509000000000000" pitchFamily="65" charset="-120"/>
-              </a:rPr>
-              <a:t>KinGboB-&gt;God // </a:t>
-            </a:r>
-            <a:r>
-              <a:rPr lang="zh-TW" altLang="en-US">
-                <a:latin typeface="Times New Roman" panose="02020603050405020304" pitchFamily="18" charset="0"/>
-                <a:ea typeface="標楷體" panose="03000509000000000000" pitchFamily="65" charset="-120"/>
-              </a:rPr>
-              <a:t>因為</a:t>
-            </a:r>
-            <a:r>
-              <a:rPr lang="en-US" altLang="zh-TW">
-                <a:latin typeface="Times New Roman" panose="02020603050405020304" pitchFamily="18" charset="0"/>
-                <a:ea typeface="標楷體" panose="03000509000000000000" pitchFamily="65" charset="-120"/>
-              </a:rPr>
-              <a:t>KinGboB</a:t>
-            </a:r>
-            <a:r>
-              <a:rPr lang="zh-TW" altLang="en-US">
-                <a:latin typeface="Times New Roman" panose="02020603050405020304" pitchFamily="18" charset="0"/>
-                <a:ea typeface="標楷體" panose="03000509000000000000" pitchFamily="65" charset="-120"/>
-              </a:rPr>
-              <a:t>的福袋比</a:t>
-            </a:r>
-            <a:r>
-              <a:rPr lang="en-US" altLang="zh-TW">
-                <a:latin typeface="Times New Roman" panose="02020603050405020304" pitchFamily="18" charset="0"/>
-                <a:ea typeface="標楷體" panose="03000509000000000000" pitchFamily="65" charset="-120"/>
-              </a:rPr>
-              <a:t>God</a:t>
-            </a:r>
-            <a:r>
-              <a:rPr lang="zh-TW" altLang="en-US">
-                <a:latin typeface="Times New Roman" panose="02020603050405020304" pitchFamily="18" charset="0"/>
-                <a:ea typeface="標楷體" panose="03000509000000000000" pitchFamily="65" charset="-120"/>
-              </a:rPr>
-              <a:t>的福袋總價值還要大，而且也是輸入順序最小的解</a:t>
-            </a:r>
-            <a:endParaRPr lang="zh-TW" altLang="en-US" dirty="0">
+            <a:endParaRPr lang="en-US" altLang="zh-TW" dirty="0">
               <a:latin typeface="Times New Roman" panose="02020603050405020304" pitchFamily="18" charset="0"/>
               <a:ea typeface="標楷體" panose="03000509000000000000" pitchFamily="65" charset="-120"/>
             </a:endParaRPr>
           </a:p>
+          <a:p>
+            <a:pPr>
+              <a:lnSpc>
+                <a:spcPct val="100000"/>
+              </a:lnSpc>
+            </a:pPr>
+            <a:r>
+              <a:rPr lang="zh-TW" altLang="en-US" dirty="0">
+                <a:latin typeface="Times New Roman" panose="02020603050405020304" pitchFamily="18" charset="0"/>
+                <a:ea typeface="標楷體" panose="03000509000000000000" pitchFamily="65" charset="-120"/>
+              </a:rPr>
+              <a:t>枚舉所有可能，每個名單都可以刪除或不刪除。每個可能檢查是否滿足肥宅隊伍定義</a:t>
+            </a:r>
+            <a:endParaRPr lang="en-US" altLang="zh-TW" dirty="0">
+              <a:latin typeface="Times New Roman" panose="02020603050405020304" pitchFamily="18" charset="0"/>
+              <a:ea typeface="標楷體" panose="03000509000000000000" pitchFamily="65" charset="-120"/>
+            </a:endParaRPr>
+          </a:p>
+          <a:p>
+            <a:pPr>
+              <a:lnSpc>
+                <a:spcPct val="100000"/>
+              </a:lnSpc>
+            </a:pPr>
+            <a:endParaRPr lang="en-US" altLang="zh-TW" dirty="0">
+              <a:latin typeface="Times New Roman" panose="02020603050405020304" pitchFamily="18" charset="0"/>
+              <a:ea typeface="標楷體" panose="03000509000000000000" pitchFamily="65" charset="-120"/>
+            </a:endParaRPr>
+          </a:p>
         </p:txBody>
       </p:sp>
     </p:spTree>
     <p:extLst>
       <p:ext uri="{BB962C8B-B14F-4D97-AF65-F5344CB8AC3E}">
-        <p14:creationId xmlns:p14="http://schemas.microsoft.com/office/powerpoint/2010/main" val="514705942"/>
+        <p14:creationId xmlns:p14="http://schemas.microsoft.com/office/powerpoint/2010/main" val="2918758940"/>
       </p:ext>
     </p:extLst>
   </p:cSld>
@@ -4582,20 +4431,102 @@
                 <a:latin typeface="Times New Roman" panose="02020603050405020304" pitchFamily="18" charset="0"/>
                 <a:ea typeface="標楷體" panose="03000509000000000000" pitchFamily="65" charset="-120"/>
               </a:rPr>
-              <a:t>暴力法</a:t>
+              <a:t>名單列表中先將重複名字去除</a:t>
+            </a:r>
+            <a:endParaRPr lang="en-US" altLang="zh-TW" dirty="0">
+              <a:latin typeface="Times New Roman" panose="02020603050405020304" pitchFamily="18" charset="0"/>
+              <a:ea typeface="標楷體" panose="03000509000000000000" pitchFamily="65" charset="-120"/>
+            </a:endParaRPr>
+          </a:p>
+          <a:p>
+            <a:pPr>
+              <a:lnSpc>
+                <a:spcPct val="100000"/>
+              </a:lnSpc>
+            </a:pPr>
+            <a:r>
+              <a:rPr lang="zh-TW" altLang="en-US" dirty="0">
+                <a:latin typeface="Times New Roman" panose="02020603050405020304" pitchFamily="18" charset="0"/>
+                <a:ea typeface="標楷體" panose="03000509000000000000" pitchFamily="65" charset="-120"/>
+              </a:rPr>
+              <a:t>總價值是可以比較的</a:t>
+            </a:r>
+            <a:endParaRPr lang="en-US" altLang="zh-TW" dirty="0">
+              <a:latin typeface="Times New Roman" panose="02020603050405020304" pitchFamily="18" charset="0"/>
+              <a:ea typeface="標楷體" panose="03000509000000000000" pitchFamily="65" charset="-120"/>
+            </a:endParaRPr>
+          </a:p>
+          <a:p>
+            <a:pPr>
+              <a:lnSpc>
+                <a:spcPct val="100000"/>
+              </a:lnSpc>
+            </a:pPr>
+            <a:r>
+              <a:rPr lang="zh-TW" altLang="en-US" dirty="0">
+                <a:latin typeface="Times New Roman" panose="02020603050405020304" pitchFamily="18" charset="0"/>
+                <a:ea typeface="標楷體" panose="03000509000000000000" pitchFamily="65" charset="-120"/>
+              </a:rPr>
+              <a:t>刪除最少名單項目 </a:t>
             </a:r>
             <a:r>
               <a:rPr lang="en-US" altLang="zh-TW" dirty="0">
                 <a:latin typeface="Times New Roman" panose="02020603050405020304" pitchFamily="18" charset="0"/>
                 <a:ea typeface="標楷體" panose="03000509000000000000" pitchFamily="65" charset="-120"/>
               </a:rPr>
-              <a:t>:</a:t>
-            </a:r>
+              <a:t>=</a:t>
+            </a:r>
+            <a:r>
+              <a:rPr lang="zh-TW" altLang="en-US">
+                <a:latin typeface="Times New Roman" panose="02020603050405020304" pitchFamily="18" charset="0"/>
+                <a:ea typeface="標楷體" panose="03000509000000000000" pitchFamily="65" charset="-120"/>
+              </a:rPr>
+              <a:t> 找到一個最長名單項目</a:t>
+            </a:r>
+            <a:endParaRPr lang="en-US" altLang="zh-TW" dirty="0">
+              <a:latin typeface="Times New Roman" panose="02020603050405020304" pitchFamily="18" charset="0"/>
+              <a:ea typeface="標楷體" panose="03000509000000000000" pitchFamily="65" charset="-120"/>
+            </a:endParaRPr>
+          </a:p>
+          <a:p>
+            <a:pPr>
+              <a:lnSpc>
+                <a:spcPct val="100000"/>
+              </a:lnSpc>
+            </a:pPr>
             <a:r>
               <a:rPr lang="zh-TW" altLang="en-US" dirty="0">
                 <a:latin typeface="Times New Roman" panose="02020603050405020304" pitchFamily="18" charset="0"/>
                 <a:ea typeface="標楷體" panose="03000509000000000000" pitchFamily="65" charset="-120"/>
               </a:rPr>
+              <a:t>找到最長名單排列</a:t>
+            </a:r>
+            <a:r>
+              <a:rPr lang="en-US" altLang="zh-TW" dirty="0">
+                <a:latin typeface="Times New Roman" panose="02020603050405020304" pitchFamily="18" charset="0"/>
+                <a:ea typeface="標楷體" panose="03000509000000000000" pitchFamily="65" charset="-120"/>
+              </a:rPr>
+              <a:t>(</a:t>
+            </a:r>
+            <a:r>
+              <a:rPr lang="zh-TW" altLang="en-US" dirty="0">
+                <a:latin typeface="Times New Roman" panose="02020603050405020304" pitchFamily="18" charset="0"/>
+                <a:ea typeface="標楷體" panose="03000509000000000000" pitchFamily="65" charset="-120"/>
+              </a:rPr>
+              <a:t>價值遞減</a:t>
+            </a:r>
+            <a:r>
+              <a:rPr lang="en-US" altLang="zh-TW" dirty="0">
+                <a:latin typeface="Times New Roman" panose="02020603050405020304" pitchFamily="18" charset="0"/>
+                <a:ea typeface="標楷體" panose="03000509000000000000" pitchFamily="65" charset="-120"/>
+              </a:rPr>
+              <a:t>)</a:t>
+            </a:r>
+            <a:r>
+              <a:rPr lang="zh-TW" altLang="en-US" dirty="0">
+                <a:latin typeface="Times New Roman" panose="02020603050405020304" pitchFamily="18" charset="0"/>
+                <a:ea typeface="標楷體" panose="03000509000000000000" pitchFamily="65" charset="-120"/>
+              </a:rPr>
               <a:t> </a:t>
             </a:r>
             <a:r>
@@ -4603,7 +4534,42 @@
                 <a:latin typeface="Times New Roman" panose="02020603050405020304" pitchFamily="18" charset="0"/>
                 <a:ea typeface="標楷體" panose="03000509000000000000" pitchFamily="65" charset="-120"/>
               </a:rPr>
-              <a:t>2^N</a:t>
+              <a:t>=&gt;</a:t>
+            </a:r>
+            <a:r>
+              <a:rPr lang="zh-TW" altLang="en-US" dirty="0">
+                <a:latin typeface="Times New Roman" panose="02020603050405020304" pitchFamily="18" charset="0"/>
+                <a:ea typeface="標楷體" panose="03000509000000000000" pitchFamily="65" charset="-120"/>
+              </a:rPr>
+              <a:t> </a:t>
+            </a:r>
+            <a:r>
+              <a:rPr lang="en-US" altLang="zh-TW" dirty="0">
+                <a:latin typeface="Times New Roman" panose="02020603050405020304" pitchFamily="18" charset="0"/>
+                <a:ea typeface="標楷體" panose="03000509000000000000" pitchFamily="65" charset="-120"/>
+              </a:rPr>
+              <a:t>LDS</a:t>
+            </a:r>
+          </a:p>
+          <a:p>
+            <a:pPr>
+              <a:lnSpc>
+                <a:spcPct val="100000"/>
+              </a:lnSpc>
+            </a:pPr>
+            <a:r>
+              <a:rPr lang="zh-TW" altLang="en-US" dirty="0">
+                <a:latin typeface="Times New Roman" panose="02020603050405020304" pitchFamily="18" charset="0"/>
+                <a:ea typeface="標楷體" panose="03000509000000000000" pitchFamily="65" charset="-120"/>
+              </a:rPr>
+              <a:t>紀錄最早出現的</a:t>
+            </a:r>
+            <a:r>
+              <a:rPr lang="en-US" altLang="zh-TW" dirty="0">
+                <a:latin typeface="Times New Roman" panose="02020603050405020304" pitchFamily="18" charset="0"/>
+                <a:ea typeface="標楷體" panose="03000509000000000000" pitchFamily="65" charset="-120"/>
+              </a:rPr>
+              <a:t>LDS</a:t>
             </a:r>
           </a:p>
           <a:p>
@@ -4619,40 +4585,75 @@
             </a:endParaRPr>
           </a:p>
           <a:p>
-            <a:pPr>
+            <a:pPr marL="0" indent="0">
               <a:lnSpc>
                 <a:spcPct val="100000"/>
               </a:lnSpc>
+              <a:buNone/>
             </a:pPr>
             <a:r>
               <a:rPr lang="zh-TW" altLang="en-US" dirty="0">
                 <a:latin typeface="Times New Roman" panose="02020603050405020304" pitchFamily="18" charset="0"/>
                 <a:ea typeface="標楷體" panose="03000509000000000000" pitchFamily="65" charset="-120"/>
               </a:rPr>
-              <a:t>枚舉所有可能，每個名單都可以刪除或不刪除。每個可能檢查是否滿足肥宅隊伍定義</a:t>
-            </a:r>
-            <a:endParaRPr lang="en-US" altLang="zh-TW" dirty="0">
-              <a:latin typeface="Times New Roman" panose="02020603050405020304" pitchFamily="18" charset="0"/>
-              <a:ea typeface="標楷體" panose="03000509000000000000" pitchFamily="65" charset="-120"/>
-            </a:endParaRPr>
-          </a:p>
-          <a:p>
-            <a:pPr>
-              <a:lnSpc>
-                <a:spcPct val="100000"/>
-              </a:lnSpc>
-            </a:pPr>
-            <a:endParaRPr lang="en-US" altLang="zh-TW" dirty="0">
-              <a:latin typeface="Times New Roman" panose="02020603050405020304" pitchFamily="18" charset="0"/>
-              <a:ea typeface="標楷體" panose="03000509000000000000" pitchFamily="65" charset="-120"/>
-            </a:endParaRPr>
+              <a:t>動態規劃</a:t>
+            </a:r>
+            <a:r>
+              <a:rPr lang="en-US" altLang="zh-TW" dirty="0">
+                <a:latin typeface="Times New Roman" panose="02020603050405020304" pitchFamily="18" charset="0"/>
+                <a:ea typeface="標楷體" panose="03000509000000000000" pitchFamily="65" charset="-120"/>
+              </a:rPr>
+              <a:t>:</a:t>
+            </a:r>
+            <a:r>
+              <a:rPr lang="zh-TW" altLang="en-US" dirty="0">
+                <a:latin typeface="Times New Roman" panose="02020603050405020304" pitchFamily="18" charset="0"/>
+                <a:ea typeface="標楷體" panose="03000509000000000000" pitchFamily="65" charset="-120"/>
+              </a:rPr>
+              <a:t> </a:t>
+            </a:r>
+            <a:r>
+              <a:rPr lang="en-US" altLang="zh-TW" dirty="0">
+                <a:latin typeface="Times New Roman" panose="02020603050405020304" pitchFamily="18" charset="0"/>
+                <a:ea typeface="標楷體" panose="03000509000000000000" pitchFamily="65" charset="-120"/>
+              </a:rPr>
+              <a:t>O(N^2)</a:t>
+            </a:r>
+            <a:r>
+              <a:rPr lang="zh-TW" altLang="en-US" dirty="0">
+                <a:latin typeface="Times New Roman" panose="02020603050405020304" pitchFamily="18" charset="0"/>
+                <a:ea typeface="標楷體" panose="03000509000000000000" pitchFamily="65" charset="-120"/>
+              </a:rPr>
+              <a:t> </a:t>
+            </a:r>
+            <a:r>
+              <a:rPr lang="en-US" altLang="zh-TW" dirty="0">
+                <a:latin typeface="Times New Roman" panose="02020603050405020304" pitchFamily="18" charset="0"/>
+                <a:ea typeface="標楷體" panose="03000509000000000000" pitchFamily="65" charset="-120"/>
+              </a:rPr>
+              <a:t>or O(</a:t>
+            </a:r>
+            <a:r>
+              <a:rPr lang="en-US" altLang="zh-TW" dirty="0" err="1">
+                <a:latin typeface="Times New Roman" panose="02020603050405020304" pitchFamily="18" charset="0"/>
+                <a:ea typeface="標楷體" panose="03000509000000000000" pitchFamily="65" charset="-120"/>
+              </a:rPr>
+              <a:t>NlogN</a:t>
+            </a:r>
+            <a:r>
+              <a:rPr lang="en-US" altLang="zh-TW" dirty="0">
+                <a:latin typeface="Times New Roman" panose="02020603050405020304" pitchFamily="18" charset="0"/>
+                <a:ea typeface="標楷體" panose="03000509000000000000" pitchFamily="65" charset="-120"/>
+              </a:rPr>
+              <a:t>)</a:t>
+            </a:r>
           </a:p>
         </p:txBody>
       </p:sp>
     </p:spTree>
     <p:extLst>
       <p:ext uri="{BB962C8B-B14F-4D97-AF65-F5344CB8AC3E}">
-        <p14:creationId xmlns:p14="http://schemas.microsoft.com/office/powerpoint/2010/main" val="2918758940"/>
+        <p14:creationId xmlns:p14="http://schemas.microsoft.com/office/powerpoint/2010/main" val="3566339620"/>
       </p:ext>
     </p:extLst>
   </p:cSld>
@@ -4695,309 +4696,6 @@
           <a:lstStyle/>
           <a:p>
             <a:r>
-              <a:rPr lang="zh-TW" altLang="en-US" dirty="0"/>
-              <a:t>解題想法</a:t>
-            </a:r>
-          </a:p>
-        </p:txBody>
-      </p:sp>
-      <p:sp>
-        <p:nvSpPr>
-          <p:cNvPr id="3" name="內容版面配置區 2"/>
-          <p:cNvSpPr>
-            <a:spLocks noGrp="1"/>
-          </p:cNvSpPr>
-          <p:nvPr>
-            <p:ph sz="half" idx="1"/>
-          </p:nvPr>
-        </p:nvSpPr>
-        <p:spPr>
-          <a:xfrm>
-            <a:off x="838200" y="1825625"/>
-            <a:ext cx="10378440" cy="4351338"/>
-          </a:xfrm>
-        </p:spPr>
-        <p:txBody>
-          <a:bodyPr>
-            <a:normAutofit/>
-          </a:bodyPr>
-          <a:lstStyle/>
-          <a:p>
-            <a:pPr>
-              <a:lnSpc>
-                <a:spcPct val="100000"/>
-              </a:lnSpc>
-            </a:pPr>
-            <a:r>
-              <a:rPr lang="zh-TW" altLang="en-US" dirty="0">
-                <a:latin typeface="Times New Roman" panose="02020603050405020304" pitchFamily="18" charset="0"/>
-                <a:ea typeface="標楷體" panose="03000509000000000000" pitchFamily="65" charset="-120"/>
-              </a:rPr>
-              <a:t>名單列表中先將重複名字去除</a:t>
-            </a:r>
-            <a:endParaRPr lang="en-US" altLang="zh-TW" dirty="0">
-              <a:latin typeface="Times New Roman" panose="02020603050405020304" pitchFamily="18" charset="0"/>
-              <a:ea typeface="標楷體" panose="03000509000000000000" pitchFamily="65" charset="-120"/>
-            </a:endParaRPr>
-          </a:p>
-          <a:p>
-            <a:pPr>
-              <a:lnSpc>
-                <a:spcPct val="100000"/>
-              </a:lnSpc>
-            </a:pPr>
-            <a:r>
-              <a:rPr lang="zh-TW" altLang="en-US" dirty="0">
-                <a:latin typeface="Times New Roman" panose="02020603050405020304" pitchFamily="18" charset="0"/>
-                <a:ea typeface="標楷體" panose="03000509000000000000" pitchFamily="65" charset="-120"/>
-              </a:rPr>
-              <a:t>總價值是可以比較的</a:t>
-            </a:r>
-            <a:endParaRPr lang="en-US" altLang="zh-TW" dirty="0">
-              <a:latin typeface="Times New Roman" panose="02020603050405020304" pitchFamily="18" charset="0"/>
-              <a:ea typeface="標楷體" panose="03000509000000000000" pitchFamily="65" charset="-120"/>
-            </a:endParaRPr>
-          </a:p>
-          <a:p>
-            <a:pPr>
-              <a:lnSpc>
-                <a:spcPct val="100000"/>
-              </a:lnSpc>
-            </a:pPr>
-            <a:r>
-              <a:rPr lang="zh-TW" altLang="en-US" dirty="0">
-                <a:latin typeface="Times New Roman" panose="02020603050405020304" pitchFamily="18" charset="0"/>
-                <a:ea typeface="標楷體" panose="03000509000000000000" pitchFamily="65" charset="-120"/>
-              </a:rPr>
-              <a:t>刪除最少名單項目 </a:t>
-            </a:r>
-            <a:r>
-              <a:rPr lang="en-US" altLang="zh-TW" dirty="0">
-                <a:latin typeface="Times New Roman" panose="02020603050405020304" pitchFamily="18" charset="0"/>
-                <a:ea typeface="標楷體" panose="03000509000000000000" pitchFamily="65" charset="-120"/>
-              </a:rPr>
-              <a:t>=</a:t>
-            </a:r>
-            <a:r>
-              <a:rPr lang="zh-TW" altLang="en-US">
-                <a:latin typeface="Times New Roman" panose="02020603050405020304" pitchFamily="18" charset="0"/>
-                <a:ea typeface="標楷體" panose="03000509000000000000" pitchFamily="65" charset="-120"/>
-              </a:rPr>
-              <a:t> 找到一個最長名單項目</a:t>
-            </a:r>
-            <a:endParaRPr lang="en-US" altLang="zh-TW" dirty="0">
-              <a:latin typeface="Times New Roman" panose="02020603050405020304" pitchFamily="18" charset="0"/>
-              <a:ea typeface="標楷體" panose="03000509000000000000" pitchFamily="65" charset="-120"/>
-            </a:endParaRPr>
-          </a:p>
-          <a:p>
-            <a:pPr>
-              <a:lnSpc>
-                <a:spcPct val="100000"/>
-              </a:lnSpc>
-            </a:pPr>
-            <a:r>
-              <a:rPr lang="zh-TW" altLang="en-US" dirty="0">
-                <a:latin typeface="Times New Roman" panose="02020603050405020304" pitchFamily="18" charset="0"/>
-                <a:ea typeface="標楷體" panose="03000509000000000000" pitchFamily="65" charset="-120"/>
-              </a:rPr>
-              <a:t>找到最長名單排列</a:t>
-            </a:r>
-            <a:r>
-              <a:rPr lang="en-US" altLang="zh-TW" dirty="0">
-                <a:latin typeface="Times New Roman" panose="02020603050405020304" pitchFamily="18" charset="0"/>
-                <a:ea typeface="標楷體" panose="03000509000000000000" pitchFamily="65" charset="-120"/>
-              </a:rPr>
-              <a:t>(</a:t>
-            </a:r>
-            <a:r>
-              <a:rPr lang="zh-TW" altLang="en-US" dirty="0">
-                <a:latin typeface="Times New Roman" panose="02020603050405020304" pitchFamily="18" charset="0"/>
-                <a:ea typeface="標楷體" panose="03000509000000000000" pitchFamily="65" charset="-120"/>
-              </a:rPr>
-              <a:t>價值遞減</a:t>
-            </a:r>
-            <a:r>
-              <a:rPr lang="en-US" altLang="zh-TW" dirty="0">
-                <a:latin typeface="Times New Roman" panose="02020603050405020304" pitchFamily="18" charset="0"/>
-                <a:ea typeface="標楷體" panose="03000509000000000000" pitchFamily="65" charset="-120"/>
-              </a:rPr>
-              <a:t>)</a:t>
-            </a:r>
-            <a:r>
-              <a:rPr lang="zh-TW" altLang="en-US" dirty="0">
-                <a:latin typeface="Times New Roman" panose="02020603050405020304" pitchFamily="18" charset="0"/>
-                <a:ea typeface="標楷體" panose="03000509000000000000" pitchFamily="65" charset="-120"/>
-              </a:rPr>
-              <a:t> </a:t>
-            </a:r>
-            <a:r>
-              <a:rPr lang="en-US" altLang="zh-TW" dirty="0">
-                <a:latin typeface="Times New Roman" panose="02020603050405020304" pitchFamily="18" charset="0"/>
-                <a:ea typeface="標楷體" panose="03000509000000000000" pitchFamily="65" charset="-120"/>
-              </a:rPr>
-              <a:t>=&gt;</a:t>
-            </a:r>
-            <a:r>
-              <a:rPr lang="zh-TW" altLang="en-US" dirty="0">
-                <a:latin typeface="Times New Roman" panose="02020603050405020304" pitchFamily="18" charset="0"/>
-                <a:ea typeface="標楷體" panose="03000509000000000000" pitchFamily="65" charset="-120"/>
-              </a:rPr>
-              <a:t> </a:t>
-            </a:r>
-            <a:r>
-              <a:rPr lang="en-US" altLang="zh-TW" dirty="0">
-                <a:latin typeface="Times New Roman" panose="02020603050405020304" pitchFamily="18" charset="0"/>
-                <a:ea typeface="標楷體" panose="03000509000000000000" pitchFamily="65" charset="-120"/>
-              </a:rPr>
-              <a:t>LDS</a:t>
-            </a:r>
-          </a:p>
-          <a:p>
-            <a:pPr>
-              <a:lnSpc>
-                <a:spcPct val="100000"/>
-              </a:lnSpc>
-            </a:pPr>
-            <a:r>
-              <a:rPr lang="zh-TW" altLang="en-US" dirty="0">
-                <a:latin typeface="Times New Roman" panose="02020603050405020304" pitchFamily="18" charset="0"/>
-                <a:ea typeface="標楷體" panose="03000509000000000000" pitchFamily="65" charset="-120"/>
-              </a:rPr>
-              <a:t>紀錄最早出現的</a:t>
-            </a:r>
-            <a:r>
-              <a:rPr lang="en-US" altLang="zh-TW" dirty="0">
-                <a:latin typeface="Times New Roman" panose="02020603050405020304" pitchFamily="18" charset="0"/>
-                <a:ea typeface="標楷體" panose="03000509000000000000" pitchFamily="65" charset="-120"/>
-              </a:rPr>
-              <a:t>LDS</a:t>
-            </a:r>
-          </a:p>
-          <a:p>
-            <a:pPr marL="0" indent="0">
-              <a:lnSpc>
-                <a:spcPct val="100000"/>
-              </a:lnSpc>
-              <a:buNone/>
-            </a:pPr>
-            <a:endParaRPr lang="en-US" altLang="zh-TW" dirty="0">
-              <a:latin typeface="Times New Roman" panose="02020603050405020304" pitchFamily="18" charset="0"/>
-              <a:ea typeface="標楷體" panose="03000509000000000000" pitchFamily="65" charset="-120"/>
-            </a:endParaRPr>
-          </a:p>
-          <a:p>
-            <a:pPr marL="0" indent="0">
-              <a:lnSpc>
-                <a:spcPct val="100000"/>
-              </a:lnSpc>
-              <a:buNone/>
-            </a:pPr>
-            <a:r>
-              <a:rPr lang="zh-TW" altLang="en-US" dirty="0">
-                <a:latin typeface="Times New Roman" panose="02020603050405020304" pitchFamily="18" charset="0"/>
-                <a:ea typeface="標楷體" panose="03000509000000000000" pitchFamily="65" charset="-120"/>
-              </a:rPr>
-              <a:t>動態規劃</a:t>
-            </a:r>
-            <a:r>
-              <a:rPr lang="en-US" altLang="zh-TW" dirty="0">
-                <a:latin typeface="Times New Roman" panose="02020603050405020304" pitchFamily="18" charset="0"/>
-                <a:ea typeface="標楷體" panose="03000509000000000000" pitchFamily="65" charset="-120"/>
-              </a:rPr>
-              <a:t>:</a:t>
-            </a:r>
-            <a:r>
-              <a:rPr lang="zh-TW" altLang="en-US" dirty="0">
-                <a:latin typeface="Times New Roman" panose="02020603050405020304" pitchFamily="18" charset="0"/>
-                <a:ea typeface="標楷體" panose="03000509000000000000" pitchFamily="65" charset="-120"/>
-              </a:rPr>
-              <a:t> </a:t>
-            </a:r>
-            <a:r>
-              <a:rPr lang="en-US" altLang="zh-TW" dirty="0">
-                <a:latin typeface="Times New Roman" panose="02020603050405020304" pitchFamily="18" charset="0"/>
-                <a:ea typeface="標楷體" panose="03000509000000000000" pitchFamily="65" charset="-120"/>
-              </a:rPr>
-              <a:t>O(N^2)</a:t>
-            </a:r>
-            <a:r>
-              <a:rPr lang="zh-TW" altLang="en-US" dirty="0">
-                <a:latin typeface="Times New Roman" panose="02020603050405020304" pitchFamily="18" charset="0"/>
-                <a:ea typeface="標楷體" panose="03000509000000000000" pitchFamily="65" charset="-120"/>
-              </a:rPr>
-              <a:t> </a:t>
-            </a:r>
-            <a:r>
-              <a:rPr lang="en-US" altLang="zh-TW" dirty="0">
-                <a:latin typeface="Times New Roman" panose="02020603050405020304" pitchFamily="18" charset="0"/>
-                <a:ea typeface="標楷體" panose="03000509000000000000" pitchFamily="65" charset="-120"/>
-              </a:rPr>
-              <a:t>or O(</a:t>
-            </a:r>
-            <a:r>
-              <a:rPr lang="en-US" altLang="zh-TW" dirty="0" err="1">
-                <a:latin typeface="Times New Roman" panose="02020603050405020304" pitchFamily="18" charset="0"/>
-                <a:ea typeface="標楷體" panose="03000509000000000000" pitchFamily="65" charset="-120"/>
-              </a:rPr>
-              <a:t>NlogN</a:t>
-            </a:r>
-            <a:r>
-              <a:rPr lang="en-US" altLang="zh-TW" dirty="0">
-                <a:latin typeface="Times New Roman" panose="02020603050405020304" pitchFamily="18" charset="0"/>
-                <a:ea typeface="標楷體" panose="03000509000000000000" pitchFamily="65" charset="-120"/>
-              </a:rPr>
-              <a:t>)</a:t>
-            </a:r>
-          </a:p>
-        </p:txBody>
-      </p:sp>
-    </p:spTree>
-    <p:extLst>
-      <p:ext uri="{BB962C8B-B14F-4D97-AF65-F5344CB8AC3E}">
-        <p14:creationId xmlns:p14="http://schemas.microsoft.com/office/powerpoint/2010/main" val="3566339620"/>
-      </p:ext>
-    </p:extLst>
-  </p:cSld>
-  <p:clrMapOvr>
-    <a:masterClrMapping/>
-  </p:clrMapOvr>
-</p:sld>
-</file>
-
-<file path=ppt/slides/slide14.xml><?xml version="1.0" encoding="utf-8"?>
-<p:sld xmlns:a="http://schemas.openxmlformats.org/drawingml/2006/main" xmlns:r="http://schemas.openxmlformats.org/officeDocument/2006/relationships" xmlns:p="http://schemas.openxmlformats.org/presentationml/2006/main">
-  <p:cSld>
-    <p:spTree>
-      <p:nvGrpSpPr>
-        <p:cNvPr id="1" name=""/>
-        <p:cNvGrpSpPr/>
-        <p:nvPr/>
-      </p:nvGrpSpPr>
-      <p:grpSpPr>
-        <a:xfrm>
-          <a:off x="0" y="0"/>
-          <a:ext cx="0" cy="0"/>
-          <a:chOff x="0" y="0"/>
-          <a:chExt cx="0" cy="0"/>
-        </a:xfrm>
-      </p:grpSpPr>
-      <p:sp>
-        <p:nvSpPr>
-          <p:cNvPr id="2" name="標題 1"/>
-          <p:cNvSpPr>
-            <a:spLocks noGrp="1"/>
-          </p:cNvSpPr>
-          <p:nvPr>
-            <p:ph type="title"/>
-          </p:nvPr>
-        </p:nvSpPr>
-        <p:spPr/>
-        <p:txBody>
-          <a:bodyPr/>
-          <a:lstStyle/>
-          <a:p>
-            <a:r>
               <a:rPr lang="en-US" altLang="zh-TW" dirty="0">
                 <a:latin typeface="+mn-lt"/>
                 <a:ea typeface="+mn-ea"/>
@@ -5169,7 +4867,7 @@
 </p:sld>
 </file>
 
-<file path=ppt/slides/slide15.xml><?xml version="1.0" encoding="utf-8"?>
+<file path=ppt/slides/slide14.xml><?xml version="1.0" encoding="utf-8"?>
 <p:sld xmlns:a="http://schemas.openxmlformats.org/drawingml/2006/main" xmlns:r="http://schemas.openxmlformats.org/officeDocument/2006/relationships" xmlns:p="http://schemas.openxmlformats.org/presentationml/2006/main">
   <p:cSld>
     <p:spTree>
@@ -5482,7 +5180,7 @@
 </p:sld>
 </file>
 
-<file path=ppt/slides/slide16.xml><?xml version="1.0" encoding="utf-8"?>
+<file path=ppt/slides/slide15.xml><?xml version="1.0" encoding="utf-8"?>
 <p:sld xmlns:a="http://schemas.openxmlformats.org/drawingml/2006/main" xmlns:r="http://schemas.openxmlformats.org/officeDocument/2006/relationships" xmlns:p="http://schemas.openxmlformats.org/presentationml/2006/main">
   <p:cSld>
     <p:spTree>
@@ -5797,7 +5495,7 @@
 </p:sld>
 </file>
 
-<file path=ppt/slides/slide17.xml><?xml version="1.0" encoding="utf-8"?>
+<file path=ppt/slides/slide16.xml><?xml version="1.0" encoding="utf-8"?>
 <p:sld xmlns:a="http://schemas.openxmlformats.org/drawingml/2006/main" xmlns:r="http://schemas.openxmlformats.org/officeDocument/2006/relationships" xmlns:p="http://schemas.openxmlformats.org/presentationml/2006/main">
   <p:cSld>
     <p:spTree>
@@ -5993,7 +5691,7 @@
 </p:sld>
 </file>
 
-<file path=ppt/slides/slide18.xml><?xml version="1.0" encoding="utf-8"?>
+<file path=ppt/slides/slide17.xml><?xml version="1.0" encoding="utf-8"?>
 <p:sld xmlns:a="http://schemas.openxmlformats.org/drawingml/2006/main" xmlns:r="http://schemas.openxmlformats.org/officeDocument/2006/relationships" xmlns:p="http://schemas.openxmlformats.org/presentationml/2006/main">
   <p:cSld>
     <p:spTree>
@@ -7008,7 +6706,7 @@
         <p:spPr/>
         <p:txBody>
           <a:bodyPr>
-            <a:normAutofit/>
+            <a:normAutofit fontScale="92500" lnSpcReduction="20000"/>
           </a:bodyPr>
           <a:lstStyle/>
           <a:p>
@@ -7019,27 +6717,27 @@
               <a:buNone/>
             </a:pPr>
             <a:r>
-              <a:rPr lang="zh-TW" altLang="zh-TW" b="1" dirty="0">
+              <a:rPr lang="zh-TW" altLang="zh-TW" b="1" u="sng" dirty="0">
                 <a:latin typeface="Times New Roman" panose="02020603050405020304" pitchFamily="18" charset="0"/>
                 <a:ea typeface="標楷體" panose="03000509000000000000" pitchFamily="65" charset="-120"/>
               </a:rPr>
               <a:t>輸入</a:t>
             </a:r>
             <a:r>
-              <a:rPr lang="zh-TW" altLang="zh-TW" b="1">
+              <a:rPr lang="zh-TW" altLang="zh-TW" b="1" u="sng">
                 <a:latin typeface="Times New Roman" panose="02020603050405020304" pitchFamily="18" charset="0"/>
                 <a:ea typeface="標楷體" panose="03000509000000000000" pitchFamily="65" charset="-120"/>
               </a:rPr>
               <a:t>說明</a:t>
             </a:r>
             <a:r>
-              <a:rPr lang="zh-TW" altLang="en-US" b="1">
+              <a:rPr lang="zh-TW" altLang="en-US" b="1" u="sng">
                 <a:latin typeface="Times New Roman" panose="02020603050405020304" pitchFamily="18" charset="0"/>
                 <a:ea typeface="標楷體" panose="03000509000000000000" pitchFamily="65" charset="-120"/>
               </a:rPr>
               <a:t>：</a:t>
             </a:r>
-            <a:endParaRPr lang="en-US" altLang="zh-TW" b="1">
+            <a:endParaRPr lang="en-US" altLang="zh-TW" b="1" u="sng">
               <a:latin typeface="Times New Roman" panose="02020603050405020304" pitchFamily="18" charset="0"/>
               <a:ea typeface="標楷體" panose="03000509000000000000" pitchFamily="65" charset="-120"/>
             </a:endParaRPr>
@@ -7084,20 +6782,35 @@
                 <a:latin typeface="Times New Roman" panose="02020603050405020304" pitchFamily="18" charset="0"/>
                 <a:ea typeface="標楷體" panose="03000509000000000000" pitchFamily="65" charset="-120"/>
               </a:rPr>
-              <a:t>n</a:t>
+              <a:t>n (0 &lt;=</a:t>
             </a:r>
             <a:r>
               <a:rPr lang="zh-TW" altLang="en-US">
                 <a:latin typeface="Times New Roman" panose="02020603050405020304" pitchFamily="18" charset="0"/>
                 <a:ea typeface="標楷體" panose="03000509000000000000" pitchFamily="65" charset="-120"/>
               </a:rPr>
-              <a:t>。</a:t>
+              <a:t> </a:t>
             </a:r>
             <a:r>
               <a:rPr lang="en-US" altLang="zh-TW">
                 <a:latin typeface="Times New Roman" panose="02020603050405020304" pitchFamily="18" charset="0"/>
                 <a:ea typeface="標楷體" panose="03000509000000000000" pitchFamily="65" charset="-120"/>
               </a:rPr>
+              <a:t>m, n &lt;= 1000)</a:t>
+            </a:r>
+          </a:p>
+          <a:p>
+            <a:pPr marL="0" indent="0">
+              <a:lnSpc>
+                <a:spcPct val="110000"/>
+              </a:lnSpc>
+              <a:buNone/>
+            </a:pPr>
+            <a:r>
+              <a:rPr lang="en-US" altLang="zh-TW">
+                <a:latin typeface="Times New Roman" panose="02020603050405020304" pitchFamily="18" charset="0"/>
+                <a:ea typeface="標楷體" panose="03000509000000000000" pitchFamily="65" charset="-120"/>
+              </a:rPr>
               <a:t>m </a:t>
             </a:r>
             <a:r>
@@ -7119,7 +6832,7 @@
                 <a:latin typeface="Times New Roman" panose="02020603050405020304" pitchFamily="18" charset="0"/>
                 <a:ea typeface="標楷體" panose="03000509000000000000" pitchFamily="65" charset="-120"/>
               </a:rPr>
-              <a:t>為福袋內容物數量。</a:t>
+              <a:t>為福袋內容物數量</a:t>
             </a:r>
             <a:endParaRPr lang="en-US" altLang="zh-TW">
               <a:latin typeface="Times New Roman" panose="02020603050405020304" pitchFamily="18" charset="0"/>
@@ -7134,27 +6847,27 @@
               <a:buNone/>
             </a:pPr>
             <a:r>
-              <a:rPr lang="zh-TW" altLang="zh-TW" b="1">
+              <a:rPr lang="zh-TW" altLang="zh-TW" b="1" u="sng">
                 <a:latin typeface="Times New Roman" panose="02020603050405020304" pitchFamily="18" charset="0"/>
                 <a:ea typeface="標楷體" panose="03000509000000000000" pitchFamily="65" charset="-120"/>
               </a:rPr>
               <a:t>輸出</a:t>
             </a:r>
             <a:r>
-              <a:rPr lang="zh-TW" altLang="zh-TW" b="1" dirty="0">
+              <a:rPr lang="zh-TW" altLang="zh-TW" b="1" u="sng" dirty="0">
                 <a:latin typeface="Times New Roman" panose="02020603050405020304" pitchFamily="18" charset="0"/>
                 <a:ea typeface="標楷體" panose="03000509000000000000" pitchFamily="65" charset="-120"/>
               </a:rPr>
               <a:t>說明</a:t>
             </a:r>
             <a:r>
-              <a:rPr lang="zh-TW" altLang="en-US" b="1" dirty="0">
+              <a:rPr lang="zh-TW" altLang="en-US" b="1" u="sng" dirty="0">
                 <a:latin typeface="Times New Roman" panose="02020603050405020304" pitchFamily="18" charset="0"/>
                 <a:ea typeface="標楷體" panose="03000509000000000000" pitchFamily="65" charset="-120"/>
               </a:rPr>
               <a:t>：</a:t>
             </a:r>
-            <a:endParaRPr lang="zh-TW" altLang="zh-TW" dirty="0">
+            <a:endParaRPr lang="zh-TW" altLang="zh-TW" u="sng" dirty="0">
               <a:latin typeface="Times New Roman" panose="02020603050405020304" pitchFamily="18" charset="0"/>
               <a:ea typeface="標楷體" panose="03000509000000000000" pitchFamily="65" charset="-120"/>
             </a:endParaRPr>
@@ -7171,7 +6884,7 @@
                 <a:latin typeface="Times New Roman" panose="02020603050405020304" pitchFamily="18" charset="0"/>
                 <a:ea typeface="標楷體" panose="03000509000000000000" pitchFamily="65" charset="-120"/>
               </a:rPr>
-              <a:t>產生總長為 </a:t>
+              <a:t>總長為 </a:t>
             </a:r>
             <a:r>
               <a:rPr lang="en-US" altLang="zh-TW">
@@ -7185,26 +6898,127 @@
                 <a:latin typeface="Times New Roman" panose="02020603050405020304" pitchFamily="18" charset="0"/>
                 <a:ea typeface="標楷體" panose="03000509000000000000" pitchFamily="65" charset="-120"/>
               </a:rPr>
-              <a:t>的名單，每個名單項目以換行隔開。開頭為人名，最長 </a:t>
-            </a:r>
+              <a:t>的名單，每個名單項目以換行隔開</a:t>
+            </a:r>
+            <a:endParaRPr lang="en-US" altLang="zh-TW">
+              <a:latin typeface="Times New Roman" panose="02020603050405020304" pitchFamily="18" charset="0"/>
+              <a:ea typeface="標楷體" panose="03000509000000000000" pitchFamily="65" charset="-120"/>
+            </a:endParaRPr>
+          </a:p>
+          <a:p>
+            <a:pPr marL="0" indent="0">
+              <a:lnSpc>
+                <a:spcPct val="110000"/>
+              </a:lnSpc>
+              <a:buNone/>
+            </a:pPr>
+            <a:r>
+              <a:rPr lang="zh-TW" altLang="en-US">
+                <a:latin typeface="Times New Roman" panose="02020603050405020304" pitchFamily="18" charset="0"/>
+                <a:ea typeface="標楷體" panose="03000509000000000000" pitchFamily="65" charset="-120"/>
+              </a:rPr>
+              <a:t>各項目：</a:t>
+            </a:r>
+            <a:endParaRPr lang="en-US" altLang="zh-TW">
+              <a:latin typeface="Times New Roman" panose="02020603050405020304" pitchFamily="18" charset="0"/>
+              <a:ea typeface="標楷體" panose="03000509000000000000" pitchFamily="65" charset="-120"/>
+            </a:endParaRPr>
+          </a:p>
+          <a:p>
+            <a:pPr marL="0" indent="0">
+              <a:lnSpc>
+                <a:spcPct val="110000"/>
+              </a:lnSpc>
+              <a:buNone/>
+            </a:pPr>
             <a:r>
               <a:rPr lang="en-US" altLang="zh-TW">
                 <a:latin typeface="Times New Roman" panose="02020603050405020304" pitchFamily="18" charset="0"/>
                 <a:ea typeface="標楷體" panose="03000509000000000000" pitchFamily="65" charset="-120"/>
               </a:rPr>
-              <a:t>10</a:t>
+              <a:t>	</a:t>
             </a:r>
             <a:r>
               <a:rPr lang="zh-TW" altLang="en-US">
                 <a:latin typeface="Times New Roman" panose="02020603050405020304" pitchFamily="18" charset="0"/>
                 <a:ea typeface="標楷體" panose="03000509000000000000" pitchFamily="65" charset="-120"/>
               </a:rPr>
-              <a:t> 字元，各字元大小寫任意，後面接 </a:t>
+              <a:t>開頭 </a:t>
             </a:r>
             <a:r>
               <a:rPr lang="en-US" altLang="zh-TW">
                 <a:latin typeface="Times New Roman" panose="02020603050405020304" pitchFamily="18" charset="0"/>
                 <a:ea typeface="標楷體" panose="03000509000000000000" pitchFamily="65" charset="-120"/>
+                <a:sym typeface="Wingdings" panose="05000000000000000000" pitchFamily="2" charset="2"/>
+              </a:rPr>
+              <a:t> </a:t>
+            </a:r>
+            <a:r>
+              <a:rPr lang="zh-TW" altLang="en-US">
+                <a:latin typeface="Times New Roman" panose="02020603050405020304" pitchFamily="18" charset="0"/>
+                <a:ea typeface="標楷體" panose="03000509000000000000" pitchFamily="65" charset="-120"/>
+              </a:rPr>
+              <a:t>人名，</a:t>
+            </a:r>
+            <a:r>
+              <a:rPr lang="en-US" altLang="zh-TW">
+                <a:latin typeface="Times New Roman" panose="02020603050405020304" pitchFamily="18" charset="0"/>
+                <a:ea typeface="標楷體" panose="03000509000000000000" pitchFamily="65" charset="-120"/>
+              </a:rPr>
+              <a:t>length &lt;= 10</a:t>
+            </a:r>
+            <a:r>
+              <a:rPr lang="zh-TW" altLang="en-US">
+                <a:latin typeface="Times New Roman" panose="02020603050405020304" pitchFamily="18" charset="0"/>
+                <a:ea typeface="標楷體" panose="03000509000000000000" pitchFamily="65" charset="-120"/>
+              </a:rPr>
+              <a:t>，各字元大小寫任意</a:t>
+            </a:r>
+            <a:endParaRPr lang="en-US" altLang="zh-TW">
+              <a:latin typeface="Times New Roman" panose="02020603050405020304" pitchFamily="18" charset="0"/>
+              <a:ea typeface="標楷體" panose="03000509000000000000" pitchFamily="65" charset="-120"/>
+            </a:endParaRPr>
+          </a:p>
+          <a:p>
+            <a:pPr marL="0" indent="0">
+              <a:lnSpc>
+                <a:spcPct val="110000"/>
+              </a:lnSpc>
+              <a:buNone/>
+            </a:pPr>
+            <a:r>
+              <a:rPr lang="en-US" altLang="zh-TW">
+                <a:latin typeface="Times New Roman" panose="02020603050405020304" pitchFamily="18" charset="0"/>
+                <a:ea typeface="標楷體" panose="03000509000000000000" pitchFamily="65" charset="-120"/>
+              </a:rPr>
+              <a:t>	</a:t>
+            </a:r>
+            <a:r>
+              <a:rPr lang="zh-TW" altLang="en-US">
+                <a:latin typeface="Times New Roman" panose="02020603050405020304" pitchFamily="18" charset="0"/>
+                <a:ea typeface="標楷體" panose="03000509000000000000" pitchFamily="65" charset="-120"/>
+              </a:rPr>
+              <a:t>後面 </a:t>
+            </a:r>
+            <a:r>
+              <a:rPr lang="en-US" altLang="zh-TW">
+                <a:latin typeface="Times New Roman" panose="02020603050405020304" pitchFamily="18" charset="0"/>
+                <a:ea typeface="標楷體" panose="03000509000000000000" pitchFamily="65" charset="-120"/>
+                <a:sym typeface="Wingdings" panose="05000000000000000000" pitchFamily="2" charset="2"/>
+              </a:rPr>
+              <a:t> </a:t>
+            </a:r>
+            <a:r>
+              <a:rPr lang="zh-TW" altLang="en-US">
+                <a:latin typeface="Times New Roman" panose="02020603050405020304" pitchFamily="18" charset="0"/>
+                <a:ea typeface="標楷體" panose="03000509000000000000" pitchFamily="65" charset="-120"/>
+              </a:rPr>
+              <a:t> </a:t>
+            </a:r>
+            <a:r>
+              <a:rPr lang="en-US" altLang="zh-TW">
+                <a:latin typeface="Times New Roman" panose="02020603050405020304" pitchFamily="18" charset="0"/>
+                <a:ea typeface="標楷體" panose="03000509000000000000" pitchFamily="65" charset="-120"/>
               </a:rPr>
               <a:t>n </a:t>
             </a:r>
@@ -7213,63 +7027,43 @@
                 <a:latin typeface="Times New Roman" panose="02020603050405020304" pitchFamily="18" charset="0"/>
                 <a:ea typeface="標楷體" panose="03000509000000000000" pitchFamily="65" charset="-120"/>
               </a:rPr>
-              <a:t>個正整數，為該人福袋各內容物的價值，各內容物價值不得超過 </a:t>
+              <a:t>個正整數（各內容物的價值），</a:t>
             </a:r>
             <a:r>
               <a:rPr lang="en-US" altLang="zh-TW">
                 <a:latin typeface="Times New Roman" panose="02020603050405020304" pitchFamily="18" charset="0"/>
                 <a:ea typeface="標楷體" panose="03000509000000000000" pitchFamily="65" charset="-120"/>
               </a:rPr>
-              <a:t>10^9</a:t>
-            </a:r>
+              <a:t>0 &lt;= n &lt;= 10^9</a:t>
+            </a:r>
+          </a:p>
+          <a:p>
+            <a:pPr marL="0" indent="0">
+              <a:lnSpc>
+                <a:spcPct val="110000"/>
+              </a:lnSpc>
+              <a:buNone/>
+            </a:pPr>
             <a:r>
               <a:rPr lang="zh-TW" altLang="en-US">
                 <a:latin typeface="Times New Roman" panose="02020603050405020304" pitchFamily="18" charset="0"/>
                 <a:ea typeface="標楷體" panose="03000509000000000000" pitchFamily="65" charset="-120"/>
               </a:rPr>
-              <a:t>。</a:t>
+              <a:t>輸出 </a:t>
             </a:r>
             <a:r>
               <a:rPr lang="en-US" altLang="zh-TW">
                 <a:latin typeface="Times New Roman" panose="02020603050405020304" pitchFamily="18" charset="0"/>
                 <a:ea typeface="標楷體" panose="03000509000000000000" pitchFamily="65" charset="-120"/>
               </a:rPr>
-              <a:t>0 &lt;=</a:t>
+              <a:t>0 0 </a:t>
             </a:r>
             <a:r>
               <a:rPr lang="zh-TW" altLang="en-US">
                 <a:latin typeface="Times New Roman" panose="02020603050405020304" pitchFamily="18" charset="0"/>
                 <a:ea typeface="標楷體" panose="03000509000000000000" pitchFamily="65" charset="-120"/>
               </a:rPr>
-              <a:t> </a:t>
-            </a:r>
-            <a:r>
-              <a:rPr lang="en-US" altLang="zh-TW">
-                <a:latin typeface="Times New Roman" panose="02020603050405020304" pitchFamily="18" charset="0"/>
-                <a:ea typeface="標楷體" panose="03000509000000000000" pitchFamily="65" charset="-120"/>
-              </a:rPr>
-              <a:t>m, n &lt;= 1000</a:t>
-            </a:r>
-            <a:r>
-              <a:rPr lang="zh-TW" altLang="en-US">
-                <a:latin typeface="Times New Roman" panose="02020603050405020304" pitchFamily="18" charset="0"/>
-                <a:ea typeface="標楷體" panose="03000509000000000000" pitchFamily="65" charset="-120"/>
-              </a:rPr>
-              <a:t>。輸出 </a:t>
-            </a:r>
-            <a:r>
-              <a:rPr lang="en-US" altLang="zh-TW">
-                <a:latin typeface="Times New Roman" panose="02020603050405020304" pitchFamily="18" charset="0"/>
-                <a:ea typeface="標楷體" panose="03000509000000000000" pitchFamily="65" charset="-120"/>
-              </a:rPr>
-              <a:t>0 0 </a:t>
-            </a:r>
-            <a:r>
-              <a:rPr lang="zh-TW" altLang="en-US">
-                <a:latin typeface="Times New Roman" panose="02020603050405020304" pitchFamily="18" charset="0"/>
-                <a:ea typeface="標楷體" panose="03000509000000000000" pitchFamily="65" charset="-120"/>
-              </a:rPr>
-              <a:t>表示名單末。</a:t>
+              <a:t>表示名單末</a:t>
             </a:r>
             <a:endParaRPr lang="en-US" altLang="zh-TW" dirty="0">
               <a:latin typeface="Times New Roman" panose="02020603050405020304" pitchFamily="18" charset="0"/>
@@ -7281,7 +7075,7 @@
     </p:spTree>
     <p:extLst>
       <p:ext uri="{BB962C8B-B14F-4D97-AF65-F5344CB8AC3E}">
-        <p14:creationId xmlns:p14="http://schemas.microsoft.com/office/powerpoint/2010/main" val="1808466350"/>
+        <p14:creationId xmlns:p14="http://schemas.microsoft.com/office/powerpoint/2010/main" val="155444540"/>
       </p:ext>
     </p:extLst>
   </p:cSld>
@@ -7363,7 +7157,7 @@
         <p:spPr/>
         <p:txBody>
           <a:bodyPr>
-            <a:normAutofit fontScale="92500" lnSpcReduction="20000"/>
+            <a:normAutofit/>
           </a:bodyPr>
           <a:lstStyle/>
           <a:p>
@@ -7374,27 +7168,27 @@
               <a:buNone/>
             </a:pPr>
             <a:r>
-              <a:rPr lang="zh-TW" altLang="zh-TW" b="1" u="sng" dirty="0">
+              <a:rPr lang="zh-TW" altLang="zh-TW" b="1" dirty="0">
                 <a:latin typeface="Times New Roman" panose="02020603050405020304" pitchFamily="18" charset="0"/>
                 <a:ea typeface="標楷體" panose="03000509000000000000" pitchFamily="65" charset="-120"/>
               </a:rPr>
               <a:t>輸入</a:t>
             </a:r>
             <a:r>
-              <a:rPr lang="zh-TW" altLang="zh-TW" b="1" u="sng">
+              <a:rPr lang="zh-TW" altLang="zh-TW" b="1">
                 <a:latin typeface="Times New Roman" panose="02020603050405020304" pitchFamily="18" charset="0"/>
                 <a:ea typeface="標楷體" panose="03000509000000000000" pitchFamily="65" charset="-120"/>
               </a:rPr>
               <a:t>說明</a:t>
             </a:r>
             <a:r>
-              <a:rPr lang="zh-TW" altLang="en-US" b="1" u="sng">
+              <a:rPr lang="zh-TW" altLang="en-US" b="1">
                 <a:latin typeface="Times New Roman" panose="02020603050405020304" pitchFamily="18" charset="0"/>
                 <a:ea typeface="標楷體" panose="03000509000000000000" pitchFamily="65" charset="-120"/>
               </a:rPr>
               <a:t>：</a:t>
             </a:r>
-            <a:endParaRPr lang="en-US" altLang="zh-TW" b="1" u="sng">
+            <a:endParaRPr lang="en-US" altLang="zh-TW" b="1">
               <a:latin typeface="Times New Roman" panose="02020603050405020304" pitchFamily="18" charset="0"/>
               <a:ea typeface="標楷體" panose="03000509000000000000" pitchFamily="65" charset="-120"/>
             </a:endParaRPr>
@@ -7439,22 +7233,47 @@
                 <a:latin typeface="Times New Roman" panose="02020603050405020304" pitchFamily="18" charset="0"/>
                 <a:ea typeface="標楷體" panose="03000509000000000000" pitchFamily="65" charset="-120"/>
               </a:rPr>
-              <a:t>n (0 &lt;=</a:t>
+              <a:t>n</a:t>
             </a:r>
             <a:r>
               <a:rPr lang="zh-TW" altLang="en-US">
                 <a:latin typeface="Times New Roman" panose="02020603050405020304" pitchFamily="18" charset="0"/>
                 <a:ea typeface="標楷體" panose="03000509000000000000" pitchFamily="65" charset="-120"/>
               </a:rPr>
-              <a:t> </a:t>
+              <a:t>。</a:t>
             </a:r>
             <a:r>
               <a:rPr lang="en-US" altLang="zh-TW">
                 <a:latin typeface="Times New Roman" panose="02020603050405020304" pitchFamily="18" charset="0"/>
                 <a:ea typeface="標楷體" panose="03000509000000000000" pitchFamily="65" charset="-120"/>
               </a:rPr>
-              <a:t>m, n &lt;= 1000)</a:t>
-            </a:r>
+              <a:t>m </a:t>
+            </a:r>
+            <a:r>
+              <a:rPr lang="zh-TW" altLang="en-US">
+                <a:latin typeface="Times New Roman" panose="02020603050405020304" pitchFamily="18" charset="0"/>
+                <a:ea typeface="標楷體" panose="03000509000000000000" pitchFamily="65" charset="-120"/>
+              </a:rPr>
+              <a:t>為名單項目數量，</a:t>
+            </a:r>
+            <a:r>
+              <a:rPr lang="en-US" altLang="zh-TW">
+                <a:latin typeface="Times New Roman" panose="02020603050405020304" pitchFamily="18" charset="0"/>
+                <a:ea typeface="標楷體" panose="03000509000000000000" pitchFamily="65" charset="-120"/>
+              </a:rPr>
+              <a:t>n </a:t>
+            </a:r>
+            <a:r>
+              <a:rPr lang="zh-TW" altLang="en-US">
+                <a:latin typeface="Times New Roman" panose="02020603050405020304" pitchFamily="18" charset="0"/>
+                <a:ea typeface="標楷體" panose="03000509000000000000" pitchFamily="65" charset="-120"/>
+              </a:rPr>
+              <a:t>為福袋內容物數量。</a:t>
+            </a:r>
+            <a:endParaRPr lang="en-US" altLang="zh-TW">
+              <a:latin typeface="Times New Roman" panose="02020603050405020304" pitchFamily="18" charset="0"/>
+              <a:ea typeface="標楷體" panose="03000509000000000000" pitchFamily="65" charset="-120"/>
+            </a:endParaRPr>
           </a:p>
           <a:p>
             <a:pPr marL="0" indent="0">
@@ -7464,34 +7283,27 @@
               <a:buNone/>
             </a:pPr>
             <a:r>
-              <a:rPr lang="en-US" altLang="zh-TW">
-                <a:latin typeface="Times New Roman" panose="02020603050405020304" pitchFamily="18" charset="0"/>
-                <a:ea typeface="標楷體" panose="03000509000000000000" pitchFamily="65" charset="-120"/>
-              </a:rPr>
-              <a:t>m </a:t>
-            </a:r>
-            <a:r>
-              <a:rPr lang="zh-TW" altLang="en-US">
-                <a:latin typeface="Times New Roman" panose="02020603050405020304" pitchFamily="18" charset="0"/>
-                <a:ea typeface="標楷體" panose="03000509000000000000" pitchFamily="65" charset="-120"/>
-              </a:rPr>
-              <a:t>為名單項目數量，</a:t>
-            </a:r>
-            <a:r>
-              <a:rPr lang="en-US" altLang="zh-TW">
-                <a:latin typeface="Times New Roman" panose="02020603050405020304" pitchFamily="18" charset="0"/>
-                <a:ea typeface="標楷體" panose="03000509000000000000" pitchFamily="65" charset="-120"/>
-              </a:rPr>
-              <a:t>n </a:t>
-            </a:r>
-            <a:r>
-              <a:rPr lang="zh-TW" altLang="en-US">
-                <a:latin typeface="Times New Roman" panose="02020603050405020304" pitchFamily="18" charset="0"/>
-                <a:ea typeface="標楷體" panose="03000509000000000000" pitchFamily="65" charset="-120"/>
-              </a:rPr>
-              <a:t>為福袋內容物數量</a:t>
-            </a:r>
-            <a:endParaRPr lang="en-US" altLang="zh-TW">
+              <a:rPr lang="zh-TW" altLang="zh-TW" b="1">
+                <a:latin typeface="Times New Roman" panose="02020603050405020304" pitchFamily="18" charset="0"/>
+                <a:ea typeface="標楷體" panose="03000509000000000000" pitchFamily="65" charset="-120"/>
+              </a:rPr>
+              <a:t>輸出</a:t>
+            </a:r>
+            <a:r>
+              <a:rPr lang="zh-TW" altLang="zh-TW" b="1" dirty="0">
+                <a:latin typeface="Times New Roman" panose="02020603050405020304" pitchFamily="18" charset="0"/>
+                <a:ea typeface="標楷體" panose="03000509000000000000" pitchFamily="65" charset="-120"/>
+              </a:rPr>
+              <a:t>說明</a:t>
+            </a:r>
+            <a:r>
+              <a:rPr lang="zh-TW" altLang="en-US" b="1" dirty="0">
+                <a:latin typeface="Times New Roman" panose="02020603050405020304" pitchFamily="18" charset="0"/>
+                <a:ea typeface="標楷體" panose="03000509000000000000" pitchFamily="65" charset="-120"/>
+              </a:rPr>
+              <a:t>：</a:t>
+            </a:r>
+            <a:endParaRPr lang="zh-TW" altLang="zh-TW" dirty="0">
               <a:latin typeface="Times New Roman" panose="02020603050405020304" pitchFamily="18" charset="0"/>
               <a:ea typeface="標楷體" panose="03000509000000000000" pitchFamily="65" charset="-120"/>
             </a:endParaRPr>
@@ -7504,44 +7316,11 @@
               <a:buNone/>
             </a:pPr>
             <a:r>
-              <a:rPr lang="zh-TW" altLang="zh-TW" b="1" u="sng">
-                <a:latin typeface="Times New Roman" panose="02020603050405020304" pitchFamily="18" charset="0"/>
-                <a:ea typeface="標楷體" panose="03000509000000000000" pitchFamily="65" charset="-120"/>
-              </a:rPr>
-              <a:t>輸出</a:t>
-            </a:r>
-            <a:r>
-              <a:rPr lang="zh-TW" altLang="zh-TW" b="1" u="sng" dirty="0">
-                <a:latin typeface="Times New Roman" panose="02020603050405020304" pitchFamily="18" charset="0"/>
-                <a:ea typeface="標楷體" panose="03000509000000000000" pitchFamily="65" charset="-120"/>
-              </a:rPr>
-              <a:t>說明</a:t>
-            </a:r>
-            <a:r>
-              <a:rPr lang="zh-TW" altLang="en-US" b="1" u="sng" dirty="0">
-                <a:latin typeface="Times New Roman" panose="02020603050405020304" pitchFamily="18" charset="0"/>
-                <a:ea typeface="標楷體" panose="03000509000000000000" pitchFamily="65" charset="-120"/>
-              </a:rPr>
-              <a:t>：</a:t>
-            </a:r>
-            <a:endParaRPr lang="zh-TW" altLang="zh-TW" u="sng" dirty="0">
-              <a:latin typeface="Times New Roman" panose="02020603050405020304" pitchFamily="18" charset="0"/>
-              <a:ea typeface="標楷體" panose="03000509000000000000" pitchFamily="65" charset="-120"/>
-            </a:endParaRPr>
-          </a:p>
-          <a:p>
-            <a:pPr marL="0" indent="0">
-              <a:lnSpc>
-                <a:spcPct val="110000"/>
-              </a:lnSpc>
-              <a:buNone/>
-            </a:pPr>
-            <a:r>
               <a:rPr lang="zh-TW" altLang="en-US">
                 <a:latin typeface="Times New Roman" panose="02020603050405020304" pitchFamily="18" charset="0"/>
                 <a:ea typeface="標楷體" panose="03000509000000000000" pitchFamily="65" charset="-120"/>
               </a:rPr>
-              <a:t>總長為 </a:t>
+              <a:t>產生總長為 </a:t>
             </a:r>
             <a:r>
               <a:rPr lang="en-US" altLang="zh-TW">
@@ -7555,172 +7334,91 @@
                 <a:latin typeface="Times New Roman" panose="02020603050405020304" pitchFamily="18" charset="0"/>
                 <a:ea typeface="標楷體" panose="03000509000000000000" pitchFamily="65" charset="-120"/>
               </a:rPr>
-              <a:t>的名單，每個名單項目以換行隔開</a:t>
-            </a:r>
-            <a:endParaRPr lang="en-US" altLang="zh-TW">
-              <a:latin typeface="Times New Roman" panose="02020603050405020304" pitchFamily="18" charset="0"/>
-              <a:ea typeface="標楷體" panose="03000509000000000000" pitchFamily="65" charset="-120"/>
-            </a:endParaRPr>
-          </a:p>
-          <a:p>
-            <a:pPr marL="0" indent="0">
-              <a:lnSpc>
-                <a:spcPct val="110000"/>
-              </a:lnSpc>
-              <a:buNone/>
-            </a:pPr>
+              <a:t>的名單，每個名單項目以換行隔開。開頭為人名，最長 </a:t>
+            </a:r>
+            <a:r>
+              <a:rPr lang="en-US" altLang="zh-TW">
+                <a:latin typeface="Times New Roman" panose="02020603050405020304" pitchFamily="18" charset="0"/>
+                <a:ea typeface="標楷體" panose="03000509000000000000" pitchFamily="65" charset="-120"/>
+              </a:rPr>
+              <a:t>10</a:t>
+            </a:r>
             <a:r>
               <a:rPr lang="zh-TW" altLang="en-US">
                 <a:latin typeface="Times New Roman" panose="02020603050405020304" pitchFamily="18" charset="0"/>
                 <a:ea typeface="標楷體" panose="03000509000000000000" pitchFamily="65" charset="-120"/>
               </a:rPr>
-              <a:t>各項目：</a:t>
-            </a:r>
-            <a:endParaRPr lang="en-US" altLang="zh-TW">
-              <a:latin typeface="Times New Roman" panose="02020603050405020304" pitchFamily="18" charset="0"/>
-              <a:ea typeface="標楷體" panose="03000509000000000000" pitchFamily="65" charset="-120"/>
-            </a:endParaRPr>
-          </a:p>
-          <a:p>
-            <a:pPr marL="0" indent="0">
-              <a:lnSpc>
-                <a:spcPct val="110000"/>
-              </a:lnSpc>
-              <a:buNone/>
-            </a:pPr>
+              <a:t> 字元，各字元大小寫任意，後面接 </a:t>
+            </a:r>
             <a:r>
               <a:rPr lang="en-US" altLang="zh-TW">
                 <a:latin typeface="Times New Roman" panose="02020603050405020304" pitchFamily="18" charset="0"/>
                 <a:ea typeface="標楷體" panose="03000509000000000000" pitchFamily="65" charset="-120"/>
               </a:rPr>
-              <a:t>	</a:t>
+              <a:t>n </a:t>
             </a:r>
             <a:r>
               <a:rPr lang="zh-TW" altLang="en-US">
                 <a:latin typeface="Times New Roman" panose="02020603050405020304" pitchFamily="18" charset="0"/>
                 <a:ea typeface="標楷體" panose="03000509000000000000" pitchFamily="65" charset="-120"/>
               </a:rPr>
-              <a:t>開頭 </a:t>
+              <a:t>個正整數，為該人福袋各內容物的價值，各內容物價值不得超過 </a:t>
             </a:r>
             <a:r>
               <a:rPr lang="en-US" altLang="zh-TW">
                 <a:latin typeface="Times New Roman" panose="02020603050405020304" pitchFamily="18" charset="0"/>
                 <a:ea typeface="標楷體" panose="03000509000000000000" pitchFamily="65" charset="-120"/>
-                <a:sym typeface="Wingdings" panose="05000000000000000000" pitchFamily="2" charset="2"/>
-              </a:rPr>
-              <a:t> </a:t>
+              </a:rPr>
+              <a:t>10^9</a:t>
             </a:r>
             <a:r>
               <a:rPr lang="zh-TW" altLang="en-US">
                 <a:latin typeface="Times New Roman" panose="02020603050405020304" pitchFamily="18" charset="0"/>
                 <a:ea typeface="標楷體" panose="03000509000000000000" pitchFamily="65" charset="-120"/>
               </a:rPr>
-              <a:t>人名，</a:t>
+              <a:t>。</a:t>
             </a:r>
             <a:r>
               <a:rPr lang="en-US" altLang="zh-TW">
                 <a:latin typeface="Times New Roman" panose="02020603050405020304" pitchFamily="18" charset="0"/>
                 <a:ea typeface="標楷體" panose="03000509000000000000" pitchFamily="65" charset="-120"/>
               </a:rPr>
-              <a:t>length &lt;= 10</a:t>
+              <a:t>0 &lt;=</a:t>
             </a:r>
             <a:r>
               <a:rPr lang="zh-TW" altLang="en-US">
                 <a:latin typeface="Times New Roman" panose="02020603050405020304" pitchFamily="18" charset="0"/>
                 <a:ea typeface="標楷體" panose="03000509000000000000" pitchFamily="65" charset="-120"/>
               </a:rPr>
-              <a:t>，各字元大小寫任意</a:t>
-            </a:r>
-            <a:endParaRPr lang="en-US" altLang="zh-TW">
-              <a:latin typeface="Times New Roman" panose="02020603050405020304" pitchFamily="18" charset="0"/>
-              <a:ea typeface="標楷體" panose="03000509000000000000" pitchFamily="65" charset="-120"/>
-            </a:endParaRPr>
-          </a:p>
-          <a:p>
-            <a:pPr marL="0" indent="0">
-              <a:lnSpc>
-                <a:spcPct val="110000"/>
-              </a:lnSpc>
-              <a:buNone/>
-            </a:pPr>
+              <a:t> </a:t>
+            </a:r>
             <a:r>
               <a:rPr lang="en-US" altLang="zh-TW">
                 <a:latin typeface="Times New Roman" panose="02020603050405020304" pitchFamily="18" charset="0"/>
                 <a:ea typeface="標楷體" panose="03000509000000000000" pitchFamily="65" charset="-120"/>
               </a:rPr>
-              <a:t>	</a:t>
+              <a:t>m, n &lt;= 1000</a:t>
             </a:r>
             <a:r>
               <a:rPr lang="zh-TW" altLang="en-US">
                 <a:latin typeface="Times New Roman" panose="02020603050405020304" pitchFamily="18" charset="0"/>
                 <a:ea typeface="標楷體" panose="03000509000000000000" pitchFamily="65" charset="-120"/>
               </a:rPr>
-              <a:t>後面 </a:t>
+              <a:t>。輸出 </a:t>
             </a:r>
             <a:r>
               <a:rPr lang="en-US" altLang="zh-TW">
                 <a:latin typeface="Times New Roman" panose="02020603050405020304" pitchFamily="18" charset="0"/>
                 <a:ea typeface="標楷體" panose="03000509000000000000" pitchFamily="65" charset="-120"/>
-                <a:sym typeface="Wingdings" panose="05000000000000000000" pitchFamily="2" charset="2"/>
-              </a:rPr>
-              <a:t> </a:t>
+              </a:rPr>
+              <a:t>0 0 </a:t>
             </a:r>
             <a:r>
               <a:rPr lang="zh-TW" altLang="en-US">
                 <a:latin typeface="Times New Roman" panose="02020603050405020304" pitchFamily="18" charset="0"/>
                 <a:ea typeface="標楷體" panose="03000509000000000000" pitchFamily="65" charset="-120"/>
               </a:rPr>
-              <a:t> </a:t>
-            </a:r>
-            <a:r>
-              <a:rPr lang="en-US" altLang="zh-TW">
-                <a:latin typeface="Times New Roman" panose="02020603050405020304" pitchFamily="18" charset="0"/>
-                <a:ea typeface="標楷體" panose="03000509000000000000" pitchFamily="65" charset="-120"/>
-              </a:rPr>
-              <a:t>n </a:t>
-            </a:r>
-            <a:r>
-              <a:rPr lang="zh-TW" altLang="en-US">
-                <a:latin typeface="Times New Roman" panose="02020603050405020304" pitchFamily="18" charset="0"/>
-                <a:ea typeface="標楷體" panose="03000509000000000000" pitchFamily="65" charset="-120"/>
-              </a:rPr>
-              <a:t>個正整數（各內容物的價值），</a:t>
-            </a:r>
-            <a:r>
-              <a:rPr lang="en-US" altLang="zh-TW">
-                <a:latin typeface="Times New Roman" panose="02020603050405020304" pitchFamily="18" charset="0"/>
-                <a:ea typeface="標楷體" panose="03000509000000000000" pitchFamily="65" charset="-120"/>
-              </a:rPr>
-              <a:t>0 &lt;= n &lt;= 10^9</a:t>
-            </a:r>
-          </a:p>
-          <a:p>
-            <a:pPr marL="0" indent="0">
-              <a:lnSpc>
-                <a:spcPct val="110000"/>
-              </a:lnSpc>
-              <a:buNone/>
-            </a:pPr>
-            <a:r>
-              <a:rPr lang="zh-TW" altLang="en-US">
-                <a:latin typeface="Times New Roman" panose="02020603050405020304" pitchFamily="18" charset="0"/>
-                <a:ea typeface="標楷體" panose="03000509000000000000" pitchFamily="65" charset="-120"/>
-              </a:rPr>
-              <a:t>輸出 </a:t>
-            </a:r>
-            <a:r>
-              <a:rPr lang="en-US" altLang="zh-TW">
-                <a:latin typeface="Times New Roman" panose="02020603050405020304" pitchFamily="18" charset="0"/>
-                <a:ea typeface="標楷體" panose="03000509000000000000" pitchFamily="65" charset="-120"/>
-              </a:rPr>
-              <a:t>0 0 </a:t>
-            </a:r>
-            <a:r>
-              <a:rPr lang="zh-TW" altLang="en-US">
-                <a:latin typeface="Times New Roman" panose="02020603050405020304" pitchFamily="18" charset="0"/>
-                <a:ea typeface="標楷體" panose="03000509000000000000" pitchFamily="65" charset="-120"/>
-              </a:rPr>
-              <a:t>表示名單末</a:t>
+              <a:t>表示名單末。</a:t>
             </a:r>
             <a:endParaRPr lang="en-US" altLang="zh-TW" dirty="0">
               <a:latin typeface="Times New Roman" panose="02020603050405020304" pitchFamily="18" charset="0"/>
@@ -7732,7 +7430,7 @@
     </p:spTree>
     <p:extLst>
       <p:ext uri="{BB962C8B-B14F-4D97-AF65-F5344CB8AC3E}">
-        <p14:creationId xmlns:p14="http://schemas.microsoft.com/office/powerpoint/2010/main" val="155444540"/>
+        <p14:creationId xmlns:p14="http://schemas.microsoft.com/office/powerpoint/2010/main" val="1808466350"/>
       </p:ext>
     </p:extLst>
   </p:cSld>
@@ -8150,11 +7848,33 @@
               <a:buNone/>
             </a:pPr>
             <a:r>
+              <a:rPr lang="zh-TW" altLang="en-US" sz="2400" b="1">
+                <a:solidFill>
+                  <a:srgbClr val="FF0000"/>
+                </a:solidFill>
+                <a:latin typeface="Times New Roman" panose="02020603050405020304" pitchFamily="18" charset="0"/>
+                <a:ea typeface="標楷體" panose="03000509000000000000" pitchFamily="65" charset="-120"/>
+              </a:rPr>
+              <a:t>總價值定義：初始價值總和為第一個物品，從第二個物品依序檢查，當前物品價值大於當前價值總和時累加，小於時減去。</a:t>
+            </a:r>
+            <a:endParaRPr lang="en-US" altLang="zh-TW" sz="2400" b="1">
+              <a:solidFill>
+                <a:srgbClr val="FF0000"/>
+              </a:solidFill>
+              <a:latin typeface="Times New Roman" panose="02020603050405020304" pitchFamily="18" charset="0"/>
+              <a:ea typeface="標楷體" panose="03000509000000000000" pitchFamily="65" charset="-120"/>
+            </a:endParaRPr>
+          </a:p>
+          <a:p>
+            <a:pPr marL="0" indent="0">
+              <a:buNone/>
+            </a:pPr>
+            <a:r>
               <a:rPr lang="zh-TW" altLang="en-US" sz="2400">
                 <a:latin typeface="Times New Roman" panose="02020603050405020304" pitchFamily="18" charset="0"/>
                 <a:ea typeface="標楷體" panose="03000509000000000000" pitchFamily="65" charset="-120"/>
               </a:rPr>
-              <a:t>總價值定義：初始價值總和為第一個物品，從第二個物品依序檢查，當前物品價值大於當前價值總和時累加，小於時減去。</a:t>
+              <a:t>首先，輸出新名單的項目數量，並進行一次換行。</a:t>
             </a:r>
             <a:endParaRPr lang="en-US" altLang="zh-TW" sz="2400">
               <a:latin typeface="Times New Roman" panose="02020603050405020304" pitchFamily="18" charset="0"/>
@@ -8170,7 +7890,34 @@
                 <a:latin typeface="Times New Roman" panose="02020603050405020304" pitchFamily="18" charset="0"/>
                 <a:ea typeface="標楷體" panose="03000509000000000000" pitchFamily="65" charset="-120"/>
               </a:rPr>
-              <a:t>首先，輸出新名單的項目數量，並進行一次換行。</a:t>
+              <a:t>然後，將其中的名字依序輸出，名字之間以 </a:t>
+            </a:r>
+            <a:r>
+              <a:rPr lang="en-US" altLang="zh-TW" sz="2400">
+                <a:latin typeface="Times New Roman" panose="02020603050405020304" pitchFamily="18" charset="0"/>
+                <a:ea typeface="標楷體" panose="03000509000000000000" pitchFamily="65" charset="-120"/>
+              </a:rPr>
+              <a:t>“</a:t>
+            </a:r>
+            <a:r>
+              <a:rPr lang="en-US" altLang="zh-TW" sz="2400">
+                <a:ea typeface="標楷體" panose="03000509000000000000" pitchFamily="65" charset="-120"/>
+              </a:rPr>
+              <a:t>-&gt;</a:t>
+            </a:r>
+            <a:r>
+              <a:rPr lang="en-US" altLang="zh-TW" sz="2400">
+                <a:latin typeface="Times New Roman" panose="02020603050405020304" pitchFamily="18" charset="0"/>
+                <a:ea typeface="標楷體" panose="03000509000000000000" pitchFamily="65" charset="-120"/>
+              </a:rPr>
+              <a:t>”</a:t>
+            </a:r>
+            <a:r>
+              <a:rPr lang="zh-TW" altLang="en-US" sz="2400">
+                <a:latin typeface="Times New Roman" panose="02020603050405020304" pitchFamily="18" charset="0"/>
+                <a:ea typeface="標楷體" panose="03000509000000000000" pitchFamily="65" charset="-120"/>
+              </a:rPr>
+              <a:t> 相隔。輸出最後接換行。</a:t>
             </a:r>
             <a:endParaRPr lang="en-US" altLang="zh-TW" sz="2400">
               <a:latin typeface="Times New Roman" panose="02020603050405020304" pitchFamily="18" charset="0"/>
@@ -8186,62 +7933,19 @@
                 <a:latin typeface="Times New Roman" panose="02020603050405020304" pitchFamily="18" charset="0"/>
                 <a:ea typeface="標楷體" panose="03000509000000000000" pitchFamily="65" charset="-120"/>
               </a:rPr>
-              <a:t>然後，將其中的名字依序輸出，名字之間以 </a:t>
-            </a:r>
-            <a:r>
-              <a:rPr lang="en-US" altLang="zh-TW" sz="2400">
-                <a:latin typeface="Times New Roman" panose="02020603050405020304" pitchFamily="18" charset="0"/>
-                <a:ea typeface="標楷體" panose="03000509000000000000" pitchFamily="65" charset="-120"/>
-              </a:rPr>
-              <a:t>“</a:t>
-            </a:r>
-            <a:r>
-              <a:rPr lang="en-US" altLang="zh-TW" sz="2400">
-                <a:ea typeface="標楷體" panose="03000509000000000000" pitchFamily="65" charset="-120"/>
-              </a:rPr>
-              <a:t>-&gt;</a:t>
-            </a:r>
-            <a:r>
-              <a:rPr lang="en-US" altLang="zh-TW" sz="2400">
-                <a:latin typeface="Times New Roman" panose="02020603050405020304" pitchFamily="18" charset="0"/>
-                <a:ea typeface="標楷體" panose="03000509000000000000" pitchFamily="65" charset="-120"/>
-              </a:rPr>
-              <a:t>”</a:t>
-            </a:r>
-            <a:r>
-              <a:rPr lang="zh-TW" altLang="en-US" sz="2400">
-                <a:latin typeface="Times New Roman" panose="02020603050405020304" pitchFamily="18" charset="0"/>
-                <a:ea typeface="標楷體" panose="03000509000000000000" pitchFamily="65" charset="-120"/>
-              </a:rPr>
-              <a:t> 相隔。輸出最後接換行。</a:t>
+              <a:t>若有多組解，輸出「最小輸入序」的名單序列。</a:t>
             </a:r>
             <a:endParaRPr lang="en-US" altLang="zh-TW" sz="2400">
               <a:latin typeface="Times New Roman" panose="02020603050405020304" pitchFamily="18" charset="0"/>
               <a:ea typeface="標楷體" panose="03000509000000000000" pitchFamily="65" charset="-120"/>
             </a:endParaRPr>
           </a:p>
-          <a:p>
-            <a:pPr marL="0" indent="0">
-              <a:buNone/>
-            </a:pPr>
-            <a:r>
-              <a:rPr lang="zh-TW" altLang="en-US" sz="2400">
-                <a:latin typeface="Times New Roman" panose="02020603050405020304" pitchFamily="18" charset="0"/>
-                <a:ea typeface="標楷體" panose="03000509000000000000" pitchFamily="65" charset="-120"/>
-              </a:rPr>
-              <a:t>若有多組解，輸出「最小輸入序」的名單序列。</a:t>
-            </a:r>
-            <a:endParaRPr lang="en-US" altLang="zh-TW" sz="2400">
-              <a:latin typeface="Times New Roman" panose="02020603050405020304" pitchFamily="18" charset="0"/>
-              <a:ea typeface="標楷體" panose="03000509000000000000" pitchFamily="65" charset="-120"/>
-            </a:endParaRPr>
-          </a:p>
         </p:txBody>
       </p:sp>
     </p:spTree>
     <p:extLst>
       <p:ext uri="{BB962C8B-B14F-4D97-AF65-F5344CB8AC3E}">
-        <p14:creationId xmlns:p14="http://schemas.microsoft.com/office/powerpoint/2010/main" val="2035731631"/>
+        <p14:creationId xmlns:p14="http://schemas.microsoft.com/office/powerpoint/2010/main" val="1713517947"/>
       </p:ext>
     </p:extLst>
   </p:cSld>

--- a/HW4 應用程式設計/說明.pptx
+++ b/HW4 應用程式設計/說明.pptx
@@ -213,7 +213,7 @@
           <a:p>
             <a:fld id="{0F905AE9-AE18-4FB5-ADA5-4B0DD22425D8}" type="datetimeFigureOut">
               <a:rPr lang="zh-TW" altLang="en-US" smtClean="0"/>
-              <a:t>2020/6/26</a:t>
+              <a:t>2020/6/30</a:t>
             </a:fld>
             <a:endParaRPr lang="zh-TW" altLang="en-US"/>
           </a:p>
@@ -627,7 +627,7 @@
           <a:p>
             <a:fld id="{DE8D7116-F120-4742-A733-9D2A495E1622}" type="datetimeFigureOut">
               <a:rPr lang="zh-TW" altLang="en-US" smtClean="0"/>
-              <a:t>2020/6/26</a:t>
+              <a:t>2020/6/30</a:t>
             </a:fld>
             <a:endParaRPr lang="zh-TW" altLang="en-US"/>
           </a:p>
@@ -825,7 +825,7 @@
           <a:p>
             <a:fld id="{DE8D7116-F120-4742-A733-9D2A495E1622}" type="datetimeFigureOut">
               <a:rPr lang="zh-TW" altLang="en-US" smtClean="0"/>
-              <a:t>2020/6/26</a:t>
+              <a:t>2020/6/30</a:t>
             </a:fld>
             <a:endParaRPr lang="zh-TW" altLang="en-US"/>
           </a:p>
@@ -1033,7 +1033,7 @@
           <a:p>
             <a:fld id="{DE8D7116-F120-4742-A733-9D2A495E1622}" type="datetimeFigureOut">
               <a:rPr lang="zh-TW" altLang="en-US" smtClean="0"/>
-              <a:t>2020/6/26</a:t>
+              <a:t>2020/6/30</a:t>
             </a:fld>
             <a:endParaRPr lang="zh-TW" altLang="en-US"/>
           </a:p>
@@ -1231,7 +1231,7 @@
           <a:p>
             <a:fld id="{DE8D7116-F120-4742-A733-9D2A495E1622}" type="datetimeFigureOut">
               <a:rPr lang="zh-TW" altLang="en-US" smtClean="0"/>
-              <a:t>2020/6/26</a:t>
+              <a:t>2020/6/30</a:t>
             </a:fld>
             <a:endParaRPr lang="zh-TW" altLang="en-US"/>
           </a:p>
@@ -1506,7 +1506,7 @@
           <a:p>
             <a:fld id="{DE8D7116-F120-4742-A733-9D2A495E1622}" type="datetimeFigureOut">
               <a:rPr lang="zh-TW" altLang="en-US" smtClean="0"/>
-              <a:t>2020/6/26</a:t>
+              <a:t>2020/6/30</a:t>
             </a:fld>
             <a:endParaRPr lang="zh-TW" altLang="en-US"/>
           </a:p>
@@ -1771,7 +1771,7 @@
           <a:p>
             <a:fld id="{DE8D7116-F120-4742-A733-9D2A495E1622}" type="datetimeFigureOut">
               <a:rPr lang="zh-TW" altLang="en-US" smtClean="0"/>
-              <a:t>2020/6/26</a:t>
+              <a:t>2020/6/30</a:t>
             </a:fld>
             <a:endParaRPr lang="zh-TW" altLang="en-US"/>
           </a:p>
@@ -2188,7 +2188,7 @@
           <a:p>
             <a:fld id="{DE8D7116-F120-4742-A733-9D2A495E1622}" type="datetimeFigureOut">
               <a:rPr lang="zh-TW" altLang="en-US" smtClean="0"/>
-              <a:t>2020/6/26</a:t>
+              <a:t>2020/6/30</a:t>
             </a:fld>
             <a:endParaRPr lang="zh-TW" altLang="en-US"/>
           </a:p>
@@ -2334,7 +2334,7 @@
           <a:p>
             <a:fld id="{DE8D7116-F120-4742-A733-9D2A495E1622}" type="datetimeFigureOut">
               <a:rPr lang="zh-TW" altLang="en-US" smtClean="0"/>
-              <a:t>2020/6/26</a:t>
+              <a:t>2020/6/30</a:t>
             </a:fld>
             <a:endParaRPr lang="zh-TW" altLang="en-US"/>
           </a:p>
@@ -2447,7 +2447,7 @@
           <a:p>
             <a:fld id="{DE8D7116-F120-4742-A733-9D2A495E1622}" type="datetimeFigureOut">
               <a:rPr lang="zh-TW" altLang="en-US" smtClean="0"/>
-              <a:t>2020/6/26</a:t>
+              <a:t>2020/6/30</a:t>
             </a:fld>
             <a:endParaRPr lang="zh-TW" altLang="en-US"/>
           </a:p>
@@ -2758,7 +2758,7 @@
           <a:p>
             <a:fld id="{DE8D7116-F120-4742-A733-9D2A495E1622}" type="datetimeFigureOut">
               <a:rPr lang="zh-TW" altLang="en-US" smtClean="0"/>
-              <a:t>2020/6/26</a:t>
+              <a:t>2020/6/30</a:t>
             </a:fld>
             <a:endParaRPr lang="zh-TW" altLang="en-US"/>
           </a:p>
@@ -3051,7 +3051,7 @@
           <a:p>
             <a:fld id="{DE8D7116-F120-4742-A733-9D2A495E1622}" type="datetimeFigureOut">
               <a:rPr lang="zh-TW" altLang="en-US" smtClean="0"/>
-              <a:t>2020/6/26</a:t>
+              <a:t>2020/6/30</a:t>
             </a:fld>
             <a:endParaRPr lang="zh-TW" altLang="en-US"/>
           </a:p>
@@ -3292,7 +3292,7 @@
           <a:p>
             <a:fld id="{DE8D7116-F120-4742-A733-9D2A495E1622}" type="datetimeFigureOut">
               <a:rPr lang="zh-TW" altLang="en-US" smtClean="0"/>
-              <a:t>2020/6/26</a:t>
+              <a:t>2020/6/30</a:t>
             </a:fld>
             <a:endParaRPr lang="zh-TW" altLang="en-US"/>
           </a:p>
